--- a/SoC Estimation.pptx
+++ b/SoC Estimation.pptx
@@ -10,6 +10,9 @@
     <p:sldId id="257" r:id="rId4"/>
     <p:sldId id="260" r:id="rId5"/>
     <p:sldId id="259" r:id="rId6"/>
+    <p:sldId id="261" r:id="rId7"/>
+    <p:sldId id="263" r:id="rId8"/>
+    <p:sldId id="262" r:id="rId9"/>
   </p:sldIdLst>
   <p:sldSz cx="12192000" cy="6858000"/>
   <p:notesSz cx="6858000" cy="9144000"/>
@@ -4900,6 +4903,1754 @@
 </p:sld>
 </file>
 
+<file path=ppt/slides/slide6.xml><?xml version="1.0" encoding="utf-8"?>
+<p:sld xmlns:a="http://schemas.openxmlformats.org/drawingml/2006/main" xmlns:r="http://schemas.openxmlformats.org/officeDocument/2006/relationships" xmlns:p="http://schemas.openxmlformats.org/presentationml/2006/main">
+  <p:cSld>
+    <p:spTree>
+      <p:nvGrpSpPr>
+        <p:cNvPr id="1" name=""/>
+        <p:cNvGrpSpPr/>
+        <p:nvPr/>
+      </p:nvGrpSpPr>
+      <p:grpSpPr>
+        <a:xfrm>
+          <a:off x="0" y="0"/>
+          <a:ext cx="0" cy="0"/>
+          <a:chOff x="0" y="0"/>
+          <a:chExt cx="0" cy="0"/>
+        </a:xfrm>
+      </p:grpSpPr>
+      <p:sp>
+        <p:nvSpPr>
+          <p:cNvPr id="2" name="Title 1">
+            <a:extLst>
+              <a:ext uri="{FF2B5EF4-FFF2-40B4-BE49-F238E27FC236}">
+                <a16:creationId xmlns:a16="http://schemas.microsoft.com/office/drawing/2014/main" id="{EF20533D-3906-4E7B-B601-8F86866F47BD}"/>
+              </a:ext>
+            </a:extLst>
+          </p:cNvPr>
+          <p:cNvSpPr>
+            <a:spLocks noGrp="1"/>
+          </p:cNvSpPr>
+          <p:nvPr>
+            <p:ph type="title"/>
+          </p:nvPr>
+        </p:nvSpPr>
+        <p:spPr/>
+        <p:txBody>
+          <a:bodyPr/>
+          <a:lstStyle/>
+          <a:p>
+            <a:r>
+              <a:rPr lang="en-US" dirty="0"/>
+              <a:t>Direct Measurement Methods</a:t>
+            </a:r>
+          </a:p>
+        </p:txBody>
+      </p:sp>
+      <p:sp>
+        <p:nvSpPr>
+          <p:cNvPr id="3" name="Content Placeholder 2">
+            <a:extLst>
+              <a:ext uri="{FF2B5EF4-FFF2-40B4-BE49-F238E27FC236}">
+                <a16:creationId xmlns:a16="http://schemas.microsoft.com/office/drawing/2014/main" id="{C00D71CF-86D5-742E-9714-5AE79077CB47}"/>
+              </a:ext>
+            </a:extLst>
+          </p:cNvPr>
+          <p:cNvSpPr>
+            <a:spLocks noGrp="1"/>
+          </p:cNvSpPr>
+          <p:nvPr>
+            <p:ph idx="1"/>
+          </p:nvPr>
+        </p:nvSpPr>
+        <p:spPr/>
+        <p:txBody>
+          <a:bodyPr/>
+          <a:lstStyle/>
+          <a:p>
+            <a:pPr>
+              <a:buNone/>
+            </a:pPr>
+            <a:r>
+              <a:rPr lang="en-US" b="1" dirty="0"/>
+              <a:t>Example: Open Circuit Voltage (OCV)</a:t>
+            </a:r>
+          </a:p>
+          <a:p>
+            <a:pPr>
+              <a:buFont typeface="Arial" panose="020B0604020202020204" pitchFamily="34" charset="0"/>
+              <a:buChar char="•"/>
+            </a:pPr>
+            <a:r>
+              <a:rPr lang="en-US" b="1" dirty="0"/>
+              <a:t>Idea:</a:t>
+            </a:r>
+            <a:r>
+              <a:rPr lang="en-US" dirty="0"/>
+              <a:t> SoC correlates to battery voltage when the battery is at rest (no current flowing).</a:t>
+            </a:r>
+          </a:p>
+          <a:p>
+            <a:pPr>
+              <a:buFont typeface="Arial" panose="020B0604020202020204" pitchFamily="34" charset="0"/>
+              <a:buChar char="•"/>
+            </a:pPr>
+            <a:r>
+              <a:rPr lang="en-US" b="1" dirty="0"/>
+              <a:t>Pros:</a:t>
+            </a:r>
+            <a:endParaRPr lang="en-US" dirty="0"/>
+          </a:p>
+          <a:p>
+            <a:pPr marL="742950" lvl="1" indent="-285750">
+              <a:buFont typeface="Arial" panose="020B0604020202020204" pitchFamily="34" charset="0"/>
+              <a:buChar char="•"/>
+            </a:pPr>
+            <a:r>
+              <a:rPr lang="en-US" dirty="0"/>
+              <a:t>Very simple.</a:t>
+            </a:r>
+          </a:p>
+          <a:p>
+            <a:pPr marL="742950" lvl="1" indent="-285750">
+              <a:buFont typeface="Arial" panose="020B0604020202020204" pitchFamily="34" charset="0"/>
+              <a:buChar char="•"/>
+            </a:pPr>
+            <a:r>
+              <a:rPr lang="en-US" dirty="0"/>
+              <a:t>No complex modeling required.</a:t>
+            </a:r>
+          </a:p>
+          <a:p>
+            <a:pPr>
+              <a:buFont typeface="Arial" panose="020B0604020202020204" pitchFamily="34" charset="0"/>
+              <a:buChar char="•"/>
+            </a:pPr>
+            <a:r>
+              <a:rPr lang="en-US" b="1" dirty="0"/>
+              <a:t>Cons:</a:t>
+            </a:r>
+            <a:endParaRPr lang="en-US" dirty="0"/>
+          </a:p>
+          <a:p>
+            <a:pPr marL="742950" lvl="1" indent="-285750">
+              <a:buFont typeface="Arial" panose="020B0604020202020204" pitchFamily="34" charset="0"/>
+              <a:buChar char="•"/>
+            </a:pPr>
+            <a:r>
+              <a:rPr lang="en-US" b="1" dirty="0"/>
+              <a:t>Only accurate when the battery is at rest</a:t>
+            </a:r>
+            <a:r>
+              <a:rPr lang="en-US" dirty="0"/>
+              <a:t> for a long period (several hours sometimes).</a:t>
+            </a:r>
+          </a:p>
+          <a:p>
+            <a:pPr marL="742950" lvl="1" indent="-285750">
+              <a:buFont typeface="Arial" panose="020B0604020202020204" pitchFamily="34" charset="0"/>
+              <a:buChar char="•"/>
+            </a:pPr>
+            <a:r>
+              <a:rPr lang="en-US" dirty="0"/>
+              <a:t>Not usable during active operation (driving an EV, for example).</a:t>
+            </a:r>
+          </a:p>
+        </p:txBody>
+      </p:sp>
+    </p:spTree>
+    <p:extLst>
+      <p:ext uri="{BB962C8B-B14F-4D97-AF65-F5344CB8AC3E}">
+        <p14:creationId xmlns:p14="http://schemas.microsoft.com/office/powerpoint/2010/main" val="4241955967"/>
+      </p:ext>
+    </p:extLst>
+  </p:cSld>
+  <p:clrMapOvr>
+    <a:masterClrMapping/>
+  </p:clrMapOvr>
+</p:sld>
+</file>
+
+<file path=ppt/slides/slide7.xml><?xml version="1.0" encoding="utf-8"?>
+<p:sld xmlns:a="http://schemas.openxmlformats.org/drawingml/2006/main" xmlns:r="http://schemas.openxmlformats.org/officeDocument/2006/relationships" xmlns:p="http://schemas.openxmlformats.org/presentationml/2006/main">
+  <p:cSld>
+    <p:spTree>
+      <p:nvGrpSpPr>
+        <p:cNvPr id="1" name=""/>
+        <p:cNvGrpSpPr/>
+        <p:nvPr/>
+      </p:nvGrpSpPr>
+      <p:grpSpPr>
+        <a:xfrm>
+          <a:off x="0" y="0"/>
+          <a:ext cx="0" cy="0"/>
+          <a:chOff x="0" y="0"/>
+          <a:chExt cx="0" cy="0"/>
+        </a:xfrm>
+      </p:grpSpPr>
+      <p:sp>
+        <p:nvSpPr>
+          <p:cNvPr id="2" name="Title 1">
+            <a:extLst>
+              <a:ext uri="{FF2B5EF4-FFF2-40B4-BE49-F238E27FC236}">
+                <a16:creationId xmlns:a16="http://schemas.microsoft.com/office/drawing/2014/main" id="{329620AD-9FFD-7A97-1372-05609162FBE9}"/>
+              </a:ext>
+            </a:extLst>
+          </p:cNvPr>
+          <p:cNvSpPr>
+            <a:spLocks noGrp="1"/>
+          </p:cNvSpPr>
+          <p:nvPr>
+            <p:ph type="title"/>
+          </p:nvPr>
+        </p:nvSpPr>
+        <p:spPr/>
+        <p:txBody>
+          <a:bodyPr/>
+          <a:lstStyle/>
+          <a:p>
+            <a:r>
+              <a:rPr lang="en-US" dirty="0"/>
+              <a:t>OCV Method</a:t>
+            </a:r>
+          </a:p>
+        </p:txBody>
+      </p:sp>
+      <p:cxnSp>
+        <p:nvCxnSpPr>
+          <p:cNvPr id="5" name="Straight Arrow Connector 4">
+            <a:extLst>
+              <a:ext uri="{FF2B5EF4-FFF2-40B4-BE49-F238E27FC236}">
+                <a16:creationId xmlns:a16="http://schemas.microsoft.com/office/drawing/2014/main" id="{3B049587-F996-A949-B720-370A68A3E0D1}"/>
+              </a:ext>
+            </a:extLst>
+          </p:cNvPr>
+          <p:cNvCxnSpPr>
+            <a:cxnSpLocks/>
+          </p:cNvCxnSpPr>
+          <p:nvPr/>
+        </p:nvCxnSpPr>
+        <p:spPr>
+          <a:xfrm flipV="1">
+            <a:off x="3734353" y="3083560"/>
+            <a:ext cx="0" cy="2739426"/>
+          </a:xfrm>
+          <a:prstGeom prst="straightConnector1">
+            <a:avLst/>
+          </a:prstGeom>
+          <a:ln>
+            <a:tailEnd type="triangle"/>
+          </a:ln>
+        </p:spPr>
+        <p:style>
+          <a:lnRef idx="1">
+            <a:schemeClr val="accent1"/>
+          </a:lnRef>
+          <a:fillRef idx="0">
+            <a:schemeClr val="accent1"/>
+          </a:fillRef>
+          <a:effectRef idx="0">
+            <a:schemeClr val="accent1"/>
+          </a:effectRef>
+          <a:fontRef idx="minor">
+            <a:schemeClr val="tx1"/>
+          </a:fontRef>
+        </p:style>
+      </p:cxnSp>
+      <p:cxnSp>
+        <p:nvCxnSpPr>
+          <p:cNvPr id="7" name="Straight Arrow Connector 6">
+            <a:extLst>
+              <a:ext uri="{FF2B5EF4-FFF2-40B4-BE49-F238E27FC236}">
+                <a16:creationId xmlns:a16="http://schemas.microsoft.com/office/drawing/2014/main" id="{0978D7E6-71AC-B642-E02F-C499DA0A5B5F}"/>
+              </a:ext>
+            </a:extLst>
+          </p:cNvPr>
+          <p:cNvCxnSpPr>
+            <a:cxnSpLocks/>
+          </p:cNvCxnSpPr>
+          <p:nvPr/>
+        </p:nvCxnSpPr>
+        <p:spPr>
+          <a:xfrm>
+            <a:off x="3734353" y="5810770"/>
+            <a:ext cx="5130247" cy="0"/>
+          </a:xfrm>
+          <a:prstGeom prst="straightConnector1">
+            <a:avLst/>
+          </a:prstGeom>
+          <a:ln>
+            <a:tailEnd type="triangle"/>
+          </a:ln>
+        </p:spPr>
+        <p:style>
+          <a:lnRef idx="1">
+            <a:schemeClr val="accent1"/>
+          </a:lnRef>
+          <a:fillRef idx="0">
+            <a:schemeClr val="accent1"/>
+          </a:fillRef>
+          <a:effectRef idx="0">
+            <a:schemeClr val="accent1"/>
+          </a:effectRef>
+          <a:fontRef idx="minor">
+            <a:schemeClr val="tx1"/>
+          </a:fontRef>
+        </p:style>
+      </p:cxnSp>
+      <p:cxnSp>
+        <p:nvCxnSpPr>
+          <p:cNvPr id="9" name="Straight Connector 8">
+            <a:extLst>
+              <a:ext uri="{FF2B5EF4-FFF2-40B4-BE49-F238E27FC236}">
+                <a16:creationId xmlns:a16="http://schemas.microsoft.com/office/drawing/2014/main" id="{C0943FEC-FAA6-2ACD-6A11-7D56C785DE7D}"/>
+              </a:ext>
+            </a:extLst>
+          </p:cNvPr>
+          <p:cNvCxnSpPr/>
+          <p:nvPr/>
+        </p:nvCxnSpPr>
+        <p:spPr>
+          <a:xfrm flipV="1">
+            <a:off x="4083862" y="3429000"/>
+            <a:ext cx="4001359" cy="2062557"/>
+          </a:xfrm>
+          <a:prstGeom prst="line">
+            <a:avLst/>
+          </a:prstGeom>
+        </p:spPr>
+        <p:style>
+          <a:lnRef idx="1">
+            <a:schemeClr val="dk1"/>
+          </a:lnRef>
+          <a:fillRef idx="0">
+            <a:schemeClr val="dk1"/>
+          </a:fillRef>
+          <a:effectRef idx="0">
+            <a:schemeClr val="dk1"/>
+          </a:effectRef>
+          <a:fontRef idx="minor">
+            <a:schemeClr val="tx1"/>
+          </a:fontRef>
+        </p:style>
+      </p:cxnSp>
+      <p:cxnSp>
+        <p:nvCxnSpPr>
+          <p:cNvPr id="11" name="Straight Connector 10">
+            <a:extLst>
+              <a:ext uri="{FF2B5EF4-FFF2-40B4-BE49-F238E27FC236}">
+                <a16:creationId xmlns:a16="http://schemas.microsoft.com/office/drawing/2014/main" id="{AD8B4F45-BC7A-FDF2-5B08-DBCD27629087}"/>
+              </a:ext>
+            </a:extLst>
+          </p:cNvPr>
+          <p:cNvCxnSpPr/>
+          <p:nvPr/>
+        </p:nvCxnSpPr>
+        <p:spPr>
+          <a:xfrm>
+            <a:off x="8085221" y="3429000"/>
+            <a:ext cx="0" cy="2481943"/>
+          </a:xfrm>
+          <a:prstGeom prst="line">
+            <a:avLst/>
+          </a:prstGeom>
+          <a:ln>
+            <a:prstDash val="dashDot"/>
+          </a:ln>
+        </p:spPr>
+        <p:style>
+          <a:lnRef idx="1">
+            <a:schemeClr val="accent2"/>
+          </a:lnRef>
+          <a:fillRef idx="0">
+            <a:schemeClr val="accent2"/>
+          </a:fillRef>
+          <a:effectRef idx="0">
+            <a:schemeClr val="accent2"/>
+          </a:effectRef>
+          <a:fontRef idx="minor">
+            <a:schemeClr val="tx1"/>
+          </a:fontRef>
+        </p:style>
+      </p:cxnSp>
+      <p:cxnSp>
+        <p:nvCxnSpPr>
+          <p:cNvPr id="12" name="Straight Connector 11">
+            <a:extLst>
+              <a:ext uri="{FF2B5EF4-FFF2-40B4-BE49-F238E27FC236}">
+                <a16:creationId xmlns:a16="http://schemas.microsoft.com/office/drawing/2014/main" id="{4BB3E6D7-7B36-EFF0-A08B-159735AE4FA8}"/>
+              </a:ext>
+            </a:extLst>
+          </p:cNvPr>
+          <p:cNvCxnSpPr>
+            <a:cxnSpLocks/>
+          </p:cNvCxnSpPr>
+          <p:nvPr/>
+        </p:nvCxnSpPr>
+        <p:spPr>
+          <a:xfrm>
+            <a:off x="4277513" y="5381554"/>
+            <a:ext cx="0" cy="591266"/>
+          </a:xfrm>
+          <a:prstGeom prst="line">
+            <a:avLst/>
+          </a:prstGeom>
+          <a:ln>
+            <a:prstDash val="dashDot"/>
+          </a:ln>
+        </p:spPr>
+        <p:style>
+          <a:lnRef idx="1">
+            <a:schemeClr val="accent2"/>
+          </a:lnRef>
+          <a:fillRef idx="0">
+            <a:schemeClr val="accent2"/>
+          </a:fillRef>
+          <a:effectRef idx="0">
+            <a:schemeClr val="accent2"/>
+          </a:effectRef>
+          <a:fontRef idx="minor">
+            <a:schemeClr val="tx1"/>
+          </a:fontRef>
+        </p:style>
+      </p:cxnSp>
+      <p:sp>
+        <p:nvSpPr>
+          <p:cNvPr id="21" name="TextBox 20">
+            <a:extLst>
+              <a:ext uri="{FF2B5EF4-FFF2-40B4-BE49-F238E27FC236}">
+                <a16:creationId xmlns:a16="http://schemas.microsoft.com/office/drawing/2014/main" id="{577EE939-981C-6FC5-B640-D3B627091CA4}"/>
+              </a:ext>
+            </a:extLst>
+          </p:cNvPr>
+          <p:cNvSpPr txBox="1"/>
+          <p:nvPr/>
+        </p:nvSpPr>
+        <p:spPr>
+          <a:xfrm>
+            <a:off x="8864600" y="5788154"/>
+            <a:ext cx="591829" cy="369332"/>
+          </a:xfrm>
+          <a:prstGeom prst="rect">
+            <a:avLst/>
+          </a:prstGeom>
+          <a:noFill/>
+        </p:spPr>
+        <p:txBody>
+          <a:bodyPr wrap="none" rtlCol="0">
+            <a:spAutoFit/>
+          </a:bodyPr>
+          <a:lstStyle/>
+          <a:p>
+            <a:r>
+              <a:rPr lang="en-US" dirty="0"/>
+              <a:t>OCV</a:t>
+            </a:r>
+          </a:p>
+        </p:txBody>
+      </p:sp>
+      <p:sp>
+        <p:nvSpPr>
+          <p:cNvPr id="22" name="TextBox 21">
+            <a:extLst>
+              <a:ext uri="{FF2B5EF4-FFF2-40B4-BE49-F238E27FC236}">
+                <a16:creationId xmlns:a16="http://schemas.microsoft.com/office/drawing/2014/main" id="{304A2FC6-9566-FD6C-138E-F1EE67B612EC}"/>
+              </a:ext>
+            </a:extLst>
+          </p:cNvPr>
+          <p:cNvSpPr txBox="1"/>
+          <p:nvPr/>
+        </p:nvSpPr>
+        <p:spPr>
+          <a:xfrm>
+            <a:off x="3325846" y="2676908"/>
+            <a:ext cx="535724" cy="369332"/>
+          </a:xfrm>
+          <a:prstGeom prst="rect">
+            <a:avLst/>
+          </a:prstGeom>
+          <a:noFill/>
+        </p:spPr>
+        <p:txBody>
+          <a:bodyPr wrap="none" rtlCol="0">
+            <a:spAutoFit/>
+          </a:bodyPr>
+          <a:lstStyle/>
+          <a:p>
+            <a:r>
+              <a:rPr lang="en-US" dirty="0"/>
+              <a:t>SoC</a:t>
+            </a:r>
+          </a:p>
+        </p:txBody>
+      </p:sp>
+      <mc:AlternateContent xmlns:mc="http://schemas.openxmlformats.org/markup-compatibility/2006">
+        <mc:Choice xmlns:a14="http://schemas.microsoft.com/office/drawing/2010/main" Requires="a14">
+          <p:sp>
+            <p:nvSpPr>
+              <p:cNvPr id="24" name="TextBox 23">
+                <a:extLst>
+                  <a:ext uri="{FF2B5EF4-FFF2-40B4-BE49-F238E27FC236}">
+                    <a16:creationId xmlns:a16="http://schemas.microsoft.com/office/drawing/2014/main" id="{DE9469AA-1BE5-481E-FDD7-A9FAD57A2802}"/>
+                  </a:ext>
+                </a:extLst>
+              </p:cNvPr>
+              <p:cNvSpPr txBox="1"/>
+              <p:nvPr/>
+            </p:nvSpPr>
+            <p:spPr>
+              <a:xfrm>
+                <a:off x="3946946" y="5843208"/>
+                <a:ext cx="686353" cy="369332"/>
+              </a:xfrm>
+              <a:prstGeom prst="rect">
+                <a:avLst/>
+              </a:prstGeom>
+              <a:noFill/>
+            </p:spPr>
+            <p:txBody>
+              <a:bodyPr wrap="square">
+                <a:spAutoFit/>
+              </a:bodyPr>
+              <a:lstStyle/>
+              <a:p>
+                <a:pPr/>
+                <a14:m>
+                  <m:oMathPara xmlns:m="http://schemas.openxmlformats.org/officeDocument/2006/math">
+                    <m:oMathParaPr>
+                      <m:jc m:val="centerGroup"/>
+                    </m:oMathParaPr>
+                    <m:oMath xmlns:m="http://schemas.openxmlformats.org/officeDocument/2006/math">
+                      <m:sSub>
+                        <m:sSubPr>
+                          <m:ctrlPr>
+                            <a:rPr lang="en-US" b="0" i="1" dirty="0" smtClean="0">
+                              <a:latin typeface="Cambria Math" panose="02040503050406030204" pitchFamily="18" charset="0"/>
+                            </a:rPr>
+                          </m:ctrlPr>
+                        </m:sSubPr>
+                        <m:e>
+                          <m:r>
+                            <a:rPr lang="en-US" b="0" i="1" dirty="0" smtClean="0">
+                              <a:latin typeface="Cambria Math" panose="02040503050406030204" pitchFamily="18" charset="0"/>
+                            </a:rPr>
+                            <m:t>𝑉</m:t>
+                          </m:r>
+                        </m:e>
+                        <m:sub>
+                          <m:r>
+                            <a:rPr lang="en-US" b="0" i="1" dirty="0" smtClean="0">
+                              <a:latin typeface="Cambria Math" panose="02040503050406030204" pitchFamily="18" charset="0"/>
+                            </a:rPr>
+                            <m:t>0</m:t>
+                          </m:r>
+                        </m:sub>
+                      </m:sSub>
+                    </m:oMath>
+                  </m:oMathPara>
+                </a14:m>
+                <a:endParaRPr lang="en-US" dirty="0"/>
+              </a:p>
+            </p:txBody>
+          </p:sp>
+        </mc:Choice>
+        <mc:Fallback>
+          <p:sp>
+            <p:nvSpPr>
+              <p:cNvPr id="24" name="TextBox 23">
+                <a:extLst>
+                  <a:ext uri="{FF2B5EF4-FFF2-40B4-BE49-F238E27FC236}">
+                    <a16:creationId xmlns:a16="http://schemas.microsoft.com/office/drawing/2014/main" id="{DE9469AA-1BE5-481E-FDD7-A9FAD57A2802}"/>
+                  </a:ext>
+                </a:extLst>
+              </p:cNvPr>
+              <p:cNvSpPr txBox="1">
+                <a:spLocks noRot="1" noChangeAspect="1" noMove="1" noResize="1" noEditPoints="1" noAdjustHandles="1" noChangeArrowheads="1" noChangeShapeType="1" noTextEdit="1"/>
+              </p:cNvSpPr>
+              <p:nvPr/>
+            </p:nvSpPr>
+            <p:spPr>
+              <a:xfrm>
+                <a:off x="3946946" y="5843208"/>
+                <a:ext cx="686353" cy="369332"/>
+              </a:xfrm>
+              <a:prstGeom prst="rect">
+                <a:avLst/>
+              </a:prstGeom>
+              <a:blipFill>
+                <a:blip r:embed="rId2"/>
+                <a:stretch>
+                  <a:fillRect/>
+                </a:stretch>
+              </a:blipFill>
+            </p:spPr>
+            <p:txBody>
+              <a:bodyPr/>
+              <a:lstStyle/>
+              <a:p>
+                <a:r>
+                  <a:rPr lang="en-US">
+                    <a:noFill/>
+                  </a:rPr>
+                  <a:t> </a:t>
+                </a:r>
+              </a:p>
+            </p:txBody>
+          </p:sp>
+        </mc:Fallback>
+      </mc:AlternateContent>
+      <mc:AlternateContent xmlns:mc="http://schemas.openxmlformats.org/markup-compatibility/2006">
+        <mc:Choice xmlns:a14="http://schemas.microsoft.com/office/drawing/2010/main" Requires="a14">
+          <p:sp>
+            <p:nvSpPr>
+              <p:cNvPr id="26" name="TextBox 25">
+                <a:extLst>
+                  <a:ext uri="{FF2B5EF4-FFF2-40B4-BE49-F238E27FC236}">
+                    <a16:creationId xmlns:a16="http://schemas.microsoft.com/office/drawing/2014/main" id="{F8DF6A8E-FBDD-C730-2EFD-AA74B3FB823E}"/>
+                  </a:ext>
+                </a:extLst>
+              </p:cNvPr>
+              <p:cNvSpPr txBox="1"/>
+              <p:nvPr/>
+            </p:nvSpPr>
+            <p:spPr>
+              <a:xfrm>
+                <a:off x="7742044" y="5933559"/>
+                <a:ext cx="686353" cy="369332"/>
+              </a:xfrm>
+              <a:prstGeom prst="rect">
+                <a:avLst/>
+              </a:prstGeom>
+              <a:noFill/>
+            </p:spPr>
+            <p:txBody>
+              <a:bodyPr wrap="square">
+                <a:spAutoFit/>
+              </a:bodyPr>
+              <a:lstStyle/>
+              <a:p>
+                <a:pPr/>
+                <a14:m>
+                  <m:oMathPara xmlns:m="http://schemas.openxmlformats.org/officeDocument/2006/math">
+                    <m:oMathParaPr>
+                      <m:jc m:val="centerGroup"/>
+                    </m:oMathParaPr>
+                    <m:oMath xmlns:m="http://schemas.openxmlformats.org/officeDocument/2006/math">
+                      <m:sSub>
+                        <m:sSubPr>
+                          <m:ctrlPr>
+                            <a:rPr lang="en-US" b="0" i="1" dirty="0" smtClean="0">
+                              <a:latin typeface="Cambria Math" panose="02040503050406030204" pitchFamily="18" charset="0"/>
+                            </a:rPr>
+                          </m:ctrlPr>
+                        </m:sSubPr>
+                        <m:e>
+                          <m:r>
+                            <a:rPr lang="en-US" b="0" i="1" dirty="0" smtClean="0">
+                              <a:latin typeface="Cambria Math" panose="02040503050406030204" pitchFamily="18" charset="0"/>
+                            </a:rPr>
+                            <m:t>𝑉</m:t>
+                          </m:r>
+                        </m:e>
+                        <m:sub>
+                          <m:r>
+                            <a:rPr lang="en-US" b="0" i="1" dirty="0" smtClean="0">
+                              <a:latin typeface="Cambria Math" panose="02040503050406030204" pitchFamily="18" charset="0"/>
+                            </a:rPr>
+                            <m:t>1</m:t>
+                          </m:r>
+                        </m:sub>
+                      </m:sSub>
+                    </m:oMath>
+                  </m:oMathPara>
+                </a14:m>
+                <a:endParaRPr lang="en-US" dirty="0"/>
+              </a:p>
+            </p:txBody>
+          </p:sp>
+        </mc:Choice>
+        <mc:Fallback>
+          <p:sp>
+            <p:nvSpPr>
+              <p:cNvPr id="26" name="TextBox 25">
+                <a:extLst>
+                  <a:ext uri="{FF2B5EF4-FFF2-40B4-BE49-F238E27FC236}">
+                    <a16:creationId xmlns:a16="http://schemas.microsoft.com/office/drawing/2014/main" id="{F8DF6A8E-FBDD-C730-2EFD-AA74B3FB823E}"/>
+                  </a:ext>
+                </a:extLst>
+              </p:cNvPr>
+              <p:cNvSpPr txBox="1">
+                <a:spLocks noRot="1" noChangeAspect="1" noMove="1" noResize="1" noEditPoints="1" noAdjustHandles="1" noChangeArrowheads="1" noChangeShapeType="1" noTextEdit="1"/>
+              </p:cNvSpPr>
+              <p:nvPr/>
+            </p:nvSpPr>
+            <p:spPr>
+              <a:xfrm>
+                <a:off x="7742044" y="5933559"/>
+                <a:ext cx="686353" cy="369332"/>
+              </a:xfrm>
+              <a:prstGeom prst="rect">
+                <a:avLst/>
+              </a:prstGeom>
+              <a:blipFill>
+                <a:blip r:embed="rId3"/>
+                <a:stretch>
+                  <a:fillRect/>
+                </a:stretch>
+              </a:blipFill>
+            </p:spPr>
+            <p:txBody>
+              <a:bodyPr/>
+              <a:lstStyle/>
+              <a:p>
+                <a:r>
+                  <a:rPr lang="en-US">
+                    <a:noFill/>
+                  </a:rPr>
+                  <a:t> </a:t>
+                </a:r>
+              </a:p>
+            </p:txBody>
+          </p:sp>
+        </mc:Fallback>
+      </mc:AlternateContent>
+      <p:cxnSp>
+        <p:nvCxnSpPr>
+          <p:cNvPr id="27" name="Straight Connector 26">
+            <a:extLst>
+              <a:ext uri="{FF2B5EF4-FFF2-40B4-BE49-F238E27FC236}">
+                <a16:creationId xmlns:a16="http://schemas.microsoft.com/office/drawing/2014/main" id="{A1641DE7-6C54-FAA0-0A1C-FF7BDD8A203F}"/>
+              </a:ext>
+            </a:extLst>
+          </p:cNvPr>
+          <p:cNvCxnSpPr>
+            <a:cxnSpLocks/>
+          </p:cNvCxnSpPr>
+          <p:nvPr/>
+        </p:nvCxnSpPr>
+        <p:spPr>
+          <a:xfrm flipH="1">
+            <a:off x="3687233" y="5381554"/>
+            <a:ext cx="602889" cy="0"/>
+          </a:xfrm>
+          <a:prstGeom prst="line">
+            <a:avLst/>
+          </a:prstGeom>
+          <a:ln>
+            <a:prstDash val="dashDot"/>
+          </a:ln>
+        </p:spPr>
+        <p:style>
+          <a:lnRef idx="1">
+            <a:schemeClr val="accent2"/>
+          </a:lnRef>
+          <a:fillRef idx="0">
+            <a:schemeClr val="accent2"/>
+          </a:fillRef>
+          <a:effectRef idx="0">
+            <a:schemeClr val="accent2"/>
+          </a:effectRef>
+          <a:fontRef idx="minor">
+            <a:schemeClr val="tx1"/>
+          </a:fontRef>
+        </p:style>
+      </p:cxnSp>
+      <mc:AlternateContent xmlns:mc="http://schemas.openxmlformats.org/markup-compatibility/2006">
+        <mc:Choice xmlns:a14="http://schemas.microsoft.com/office/drawing/2010/main" Requires="a14">
+          <p:sp>
+            <p:nvSpPr>
+              <p:cNvPr id="31" name="TextBox 30">
+                <a:extLst>
+                  <a:ext uri="{FF2B5EF4-FFF2-40B4-BE49-F238E27FC236}">
+                    <a16:creationId xmlns:a16="http://schemas.microsoft.com/office/drawing/2014/main" id="{7FCD2BC7-C22B-10C1-6AC6-00D5140B6168}"/>
+                  </a:ext>
+                </a:extLst>
+              </p:cNvPr>
+              <p:cNvSpPr txBox="1"/>
+              <p:nvPr/>
+            </p:nvSpPr>
+            <p:spPr>
+              <a:xfrm>
+                <a:off x="2982670" y="5122225"/>
+                <a:ext cx="686353" cy="369332"/>
+              </a:xfrm>
+              <a:prstGeom prst="rect">
+                <a:avLst/>
+              </a:prstGeom>
+              <a:noFill/>
+            </p:spPr>
+            <p:txBody>
+              <a:bodyPr wrap="square">
+                <a:spAutoFit/>
+              </a:bodyPr>
+              <a:lstStyle/>
+              <a:p>
+                <a:pPr/>
+                <a14:m>
+                  <m:oMathPara xmlns:m="http://schemas.openxmlformats.org/officeDocument/2006/math">
+                    <m:oMathParaPr>
+                      <m:jc m:val="centerGroup"/>
+                    </m:oMathParaPr>
+                    <m:oMath xmlns:m="http://schemas.openxmlformats.org/officeDocument/2006/math">
+                      <m:sSub>
+                        <m:sSubPr>
+                          <m:ctrlPr>
+                            <a:rPr lang="en-US" b="0" i="1" dirty="0" smtClean="0">
+                              <a:latin typeface="Cambria Math" panose="02040503050406030204" pitchFamily="18" charset="0"/>
+                            </a:rPr>
+                          </m:ctrlPr>
+                        </m:sSubPr>
+                        <m:e>
+                          <m:r>
+                            <a:rPr lang="en-US" b="0" i="1" dirty="0" smtClean="0">
+                              <a:latin typeface="Cambria Math" panose="02040503050406030204" pitchFamily="18" charset="0"/>
+                            </a:rPr>
+                            <m:t>𝑆</m:t>
+                          </m:r>
+                        </m:e>
+                        <m:sub>
+                          <m:r>
+                            <a:rPr lang="en-US" b="0" i="1" dirty="0" smtClean="0">
+                              <a:latin typeface="Cambria Math" panose="02040503050406030204" pitchFamily="18" charset="0"/>
+                            </a:rPr>
+                            <m:t>0</m:t>
+                          </m:r>
+                        </m:sub>
+                      </m:sSub>
+                    </m:oMath>
+                  </m:oMathPara>
+                </a14:m>
+                <a:endParaRPr lang="en-US" dirty="0"/>
+              </a:p>
+            </p:txBody>
+          </p:sp>
+        </mc:Choice>
+        <mc:Fallback>
+          <p:sp>
+            <p:nvSpPr>
+              <p:cNvPr id="31" name="TextBox 30">
+                <a:extLst>
+                  <a:ext uri="{FF2B5EF4-FFF2-40B4-BE49-F238E27FC236}">
+                    <a16:creationId xmlns:a16="http://schemas.microsoft.com/office/drawing/2014/main" id="{7FCD2BC7-C22B-10C1-6AC6-00D5140B6168}"/>
+                  </a:ext>
+                </a:extLst>
+              </p:cNvPr>
+              <p:cNvSpPr txBox="1">
+                <a:spLocks noRot="1" noChangeAspect="1" noMove="1" noResize="1" noEditPoints="1" noAdjustHandles="1" noChangeArrowheads="1" noChangeShapeType="1" noTextEdit="1"/>
+              </p:cNvSpPr>
+              <p:nvPr/>
+            </p:nvSpPr>
+            <p:spPr>
+              <a:xfrm>
+                <a:off x="2982670" y="5122225"/>
+                <a:ext cx="686353" cy="369332"/>
+              </a:xfrm>
+              <a:prstGeom prst="rect">
+                <a:avLst/>
+              </a:prstGeom>
+              <a:blipFill>
+                <a:blip r:embed="rId4"/>
+                <a:stretch>
+                  <a:fillRect/>
+                </a:stretch>
+              </a:blipFill>
+            </p:spPr>
+            <p:txBody>
+              <a:bodyPr/>
+              <a:lstStyle/>
+              <a:p>
+                <a:r>
+                  <a:rPr lang="en-US">
+                    <a:noFill/>
+                  </a:rPr>
+                  <a:t> </a:t>
+                </a:r>
+              </a:p>
+            </p:txBody>
+          </p:sp>
+        </mc:Fallback>
+      </mc:AlternateContent>
+      <mc:AlternateContent xmlns:mc="http://schemas.openxmlformats.org/markup-compatibility/2006">
+        <mc:Choice xmlns:a14="http://schemas.microsoft.com/office/drawing/2010/main" Requires="a14">
+          <p:sp>
+            <p:nvSpPr>
+              <p:cNvPr id="37" name="TextBox 36">
+                <a:extLst>
+                  <a:ext uri="{FF2B5EF4-FFF2-40B4-BE49-F238E27FC236}">
+                    <a16:creationId xmlns:a16="http://schemas.microsoft.com/office/drawing/2014/main" id="{F970F0FB-47F5-5737-C1A9-6638CBBA3EBE}"/>
+                  </a:ext>
+                </a:extLst>
+              </p:cNvPr>
+              <p:cNvSpPr txBox="1"/>
+              <p:nvPr/>
+            </p:nvSpPr>
+            <p:spPr>
+              <a:xfrm>
+                <a:off x="3036541" y="1959088"/>
+                <a:ext cx="6096000" cy="657937"/>
+              </a:xfrm>
+              <a:prstGeom prst="rect">
+                <a:avLst/>
+              </a:prstGeom>
+              <a:noFill/>
+            </p:spPr>
+            <p:txBody>
+              <a:bodyPr wrap="square">
+                <a:spAutoFit/>
+              </a:bodyPr>
+              <a:lstStyle/>
+              <a:p>
+                <a:pPr marL="0" indent="0">
+                  <a:buNone/>
+                </a:pPr>
+                <a14:m>
+                  <m:oMathPara xmlns:m="http://schemas.openxmlformats.org/officeDocument/2006/math">
+                    <m:oMathParaPr>
+                      <m:jc m:val="centerGroup"/>
+                    </m:oMathParaPr>
+                    <m:oMath xmlns:m="http://schemas.openxmlformats.org/officeDocument/2006/math">
+                      <m:r>
+                        <a:rPr lang="en-US" i="1" dirty="0" smtClean="0">
+                          <a:latin typeface="Cambria Math" panose="02040503050406030204" pitchFamily="18" charset="0"/>
+                        </a:rPr>
+                        <m:t>𝑆𝑜</m:t>
+                      </m:r>
+                      <m:sSub>
+                        <m:sSubPr>
+                          <m:ctrlPr>
+                            <a:rPr lang="en-US" b="0" i="1" dirty="0" smtClean="0">
+                              <a:latin typeface="Cambria Math" panose="02040503050406030204" pitchFamily="18" charset="0"/>
+                            </a:rPr>
+                          </m:ctrlPr>
+                        </m:sSubPr>
+                        <m:e>
+                          <m:r>
+                            <a:rPr lang="en-US" i="1" dirty="0" smtClean="0">
+                              <a:latin typeface="Cambria Math" panose="02040503050406030204" pitchFamily="18" charset="0"/>
+                            </a:rPr>
+                            <m:t>𝐶</m:t>
+                          </m:r>
+                        </m:e>
+                        <m:sub>
+                          <m:r>
+                            <a:rPr lang="en-US" b="0" i="1" dirty="0" smtClean="0">
+                              <a:latin typeface="Cambria Math" panose="02040503050406030204" pitchFamily="18" charset="0"/>
+                            </a:rPr>
+                            <m:t>𝑉</m:t>
+                          </m:r>
+                        </m:sub>
+                      </m:sSub>
+                      <m:r>
+                        <a:rPr lang="en-US" i="1" dirty="0" smtClean="0">
+                          <a:latin typeface="Cambria Math" panose="02040503050406030204" pitchFamily="18" charset="0"/>
+                        </a:rPr>
+                        <m:t> =</m:t>
+                      </m:r>
+                      <m:sSub>
+                        <m:sSubPr>
+                          <m:ctrlPr>
+                            <a:rPr lang="en-US" b="0" i="1" dirty="0" smtClean="0">
+                              <a:latin typeface="Cambria Math" panose="02040503050406030204" pitchFamily="18" charset="0"/>
+                            </a:rPr>
+                          </m:ctrlPr>
+                        </m:sSubPr>
+                        <m:e>
+                          <m:r>
+                            <a:rPr lang="en-US" b="0" i="1" dirty="0" smtClean="0">
+                              <a:latin typeface="Cambria Math" panose="02040503050406030204" pitchFamily="18" charset="0"/>
+                            </a:rPr>
+                            <m:t>𝑆</m:t>
+                          </m:r>
+                        </m:e>
+                        <m:sub>
+                          <m:r>
+                            <a:rPr lang="en-US" b="0" i="1" dirty="0" smtClean="0">
+                              <a:latin typeface="Cambria Math" panose="02040503050406030204" pitchFamily="18" charset="0"/>
+                            </a:rPr>
+                            <m:t>0</m:t>
+                          </m:r>
+                        </m:sub>
+                      </m:sSub>
+                      <m:r>
+                        <a:rPr lang="en-US" b="0" i="1" dirty="0" smtClean="0">
+                          <a:latin typeface="Cambria Math" panose="02040503050406030204" pitchFamily="18" charset="0"/>
+                        </a:rPr>
+                        <m:t>+(</m:t>
+                      </m:r>
+                      <m:sSub>
+                        <m:sSubPr>
+                          <m:ctrlPr>
+                            <a:rPr lang="en-US" b="0" i="1" dirty="0" smtClean="0">
+                              <a:latin typeface="Cambria Math" panose="02040503050406030204" pitchFamily="18" charset="0"/>
+                            </a:rPr>
+                          </m:ctrlPr>
+                        </m:sSubPr>
+                        <m:e>
+                          <m:r>
+                            <a:rPr lang="en-US" b="0" i="1" dirty="0" smtClean="0">
+                              <a:latin typeface="Cambria Math" panose="02040503050406030204" pitchFamily="18" charset="0"/>
+                            </a:rPr>
+                            <m:t>𝑆</m:t>
+                          </m:r>
+                        </m:e>
+                        <m:sub>
+                          <m:r>
+                            <a:rPr lang="en-US" b="0" i="1" dirty="0" smtClean="0">
+                              <a:latin typeface="Cambria Math" panose="02040503050406030204" pitchFamily="18" charset="0"/>
+                            </a:rPr>
+                            <m:t>1</m:t>
+                          </m:r>
+                        </m:sub>
+                      </m:sSub>
+                      <m:r>
+                        <a:rPr lang="en-US" b="0" i="1" dirty="0" smtClean="0">
+                          <a:latin typeface="Cambria Math" panose="02040503050406030204" pitchFamily="18" charset="0"/>
+                        </a:rPr>
+                        <m:t>−</m:t>
+                      </m:r>
+                      <m:sSub>
+                        <m:sSubPr>
+                          <m:ctrlPr>
+                            <a:rPr lang="en-US" b="0" i="1" dirty="0" smtClean="0">
+                              <a:latin typeface="Cambria Math" panose="02040503050406030204" pitchFamily="18" charset="0"/>
+                            </a:rPr>
+                          </m:ctrlPr>
+                        </m:sSubPr>
+                        <m:e>
+                          <m:r>
+                            <a:rPr lang="en-US" b="0" i="1" dirty="0" smtClean="0">
+                              <a:latin typeface="Cambria Math" panose="02040503050406030204" pitchFamily="18" charset="0"/>
+                            </a:rPr>
+                            <m:t>𝑆</m:t>
+                          </m:r>
+                        </m:e>
+                        <m:sub>
+                          <m:r>
+                            <a:rPr lang="en-US" b="0" i="1" dirty="0" smtClean="0">
+                              <a:latin typeface="Cambria Math" panose="02040503050406030204" pitchFamily="18" charset="0"/>
+                            </a:rPr>
+                            <m:t>0</m:t>
+                          </m:r>
+                        </m:sub>
+                      </m:sSub>
+                      <m:r>
+                        <a:rPr lang="en-US" b="0" i="1" dirty="0" smtClean="0">
+                          <a:latin typeface="Cambria Math" panose="02040503050406030204" pitchFamily="18" charset="0"/>
+                        </a:rPr>
+                        <m:t>)</m:t>
+                      </m:r>
+                      <m:f>
+                        <m:fPr>
+                          <m:ctrlPr>
+                            <a:rPr lang="en-US" b="0" i="1" dirty="0" smtClean="0">
+                              <a:latin typeface="Cambria Math" panose="02040503050406030204" pitchFamily="18" charset="0"/>
+                            </a:rPr>
+                          </m:ctrlPr>
+                        </m:fPr>
+                        <m:num>
+                          <m:r>
+                            <a:rPr lang="en-US" b="0" i="1" dirty="0" smtClean="0">
+                              <a:latin typeface="Cambria Math" panose="02040503050406030204" pitchFamily="18" charset="0"/>
+                            </a:rPr>
+                            <m:t>𝑉</m:t>
+                          </m:r>
+                          <m:r>
+                            <a:rPr lang="en-US" b="0" i="1" dirty="0" smtClean="0">
+                              <a:latin typeface="Cambria Math" panose="02040503050406030204" pitchFamily="18" charset="0"/>
+                            </a:rPr>
+                            <m:t>−</m:t>
+                          </m:r>
+                          <m:sSub>
+                            <m:sSubPr>
+                              <m:ctrlPr>
+                                <a:rPr lang="en-US" b="0" i="1" dirty="0" smtClean="0">
+                                  <a:latin typeface="Cambria Math" panose="02040503050406030204" pitchFamily="18" charset="0"/>
+                                </a:rPr>
+                              </m:ctrlPr>
+                            </m:sSubPr>
+                            <m:e>
+                              <m:r>
+                                <a:rPr lang="en-US" b="0" i="1" dirty="0" smtClean="0">
+                                  <a:latin typeface="Cambria Math" panose="02040503050406030204" pitchFamily="18" charset="0"/>
+                                </a:rPr>
+                                <m:t>𝑉</m:t>
+                              </m:r>
+                            </m:e>
+                            <m:sub>
+                              <m:r>
+                                <a:rPr lang="en-US" b="0" i="1" dirty="0" smtClean="0">
+                                  <a:latin typeface="Cambria Math" panose="02040503050406030204" pitchFamily="18" charset="0"/>
+                                </a:rPr>
+                                <m:t>0</m:t>
+                              </m:r>
+                            </m:sub>
+                          </m:sSub>
+                        </m:num>
+                        <m:den>
+                          <m:sSub>
+                            <m:sSubPr>
+                              <m:ctrlPr>
+                                <a:rPr lang="en-US" b="0" i="1" dirty="0" smtClean="0">
+                                  <a:latin typeface="Cambria Math" panose="02040503050406030204" pitchFamily="18" charset="0"/>
+                                </a:rPr>
+                              </m:ctrlPr>
+                            </m:sSubPr>
+                            <m:e>
+                              <m:r>
+                                <a:rPr lang="en-US" b="0" i="1" dirty="0" smtClean="0">
+                                  <a:latin typeface="Cambria Math" panose="02040503050406030204" pitchFamily="18" charset="0"/>
+                                </a:rPr>
+                                <m:t>𝑉</m:t>
+                              </m:r>
+                            </m:e>
+                            <m:sub>
+                              <m:r>
+                                <a:rPr lang="en-US" b="0" i="1" dirty="0" smtClean="0">
+                                  <a:latin typeface="Cambria Math" panose="02040503050406030204" pitchFamily="18" charset="0"/>
+                                </a:rPr>
+                                <m:t>1</m:t>
+                              </m:r>
+                            </m:sub>
+                          </m:sSub>
+                          <m:r>
+                            <a:rPr lang="en-US" b="0" i="1" dirty="0" smtClean="0">
+                              <a:latin typeface="Cambria Math" panose="02040503050406030204" pitchFamily="18" charset="0"/>
+                            </a:rPr>
+                            <m:t>−</m:t>
+                          </m:r>
+                          <m:sSub>
+                            <m:sSubPr>
+                              <m:ctrlPr>
+                                <a:rPr lang="en-US" b="0" i="1" dirty="0" smtClean="0">
+                                  <a:latin typeface="Cambria Math" panose="02040503050406030204" pitchFamily="18" charset="0"/>
+                                </a:rPr>
+                              </m:ctrlPr>
+                            </m:sSubPr>
+                            <m:e>
+                              <m:r>
+                                <a:rPr lang="en-US" b="0" i="1" dirty="0" smtClean="0">
+                                  <a:latin typeface="Cambria Math" panose="02040503050406030204" pitchFamily="18" charset="0"/>
+                                </a:rPr>
+                                <m:t>𝑉</m:t>
+                              </m:r>
+                            </m:e>
+                            <m:sub>
+                              <m:r>
+                                <a:rPr lang="en-US" b="0" i="1" dirty="0" smtClean="0">
+                                  <a:latin typeface="Cambria Math" panose="02040503050406030204" pitchFamily="18" charset="0"/>
+                                </a:rPr>
+                                <m:t>0</m:t>
+                              </m:r>
+                            </m:sub>
+                          </m:sSub>
+                        </m:den>
+                      </m:f>
+                    </m:oMath>
+                  </m:oMathPara>
+                </a14:m>
+                <a:endParaRPr lang="en-US" dirty="0"/>
+              </a:p>
+            </p:txBody>
+          </p:sp>
+        </mc:Choice>
+        <mc:Fallback>
+          <p:sp>
+            <p:nvSpPr>
+              <p:cNvPr id="37" name="TextBox 36">
+                <a:extLst>
+                  <a:ext uri="{FF2B5EF4-FFF2-40B4-BE49-F238E27FC236}">
+                    <a16:creationId xmlns:a16="http://schemas.microsoft.com/office/drawing/2014/main" id="{F970F0FB-47F5-5737-C1A9-6638CBBA3EBE}"/>
+                  </a:ext>
+                </a:extLst>
+              </p:cNvPr>
+              <p:cNvSpPr txBox="1">
+                <a:spLocks noRot="1" noChangeAspect="1" noMove="1" noResize="1" noEditPoints="1" noAdjustHandles="1" noChangeArrowheads="1" noChangeShapeType="1" noTextEdit="1"/>
+              </p:cNvSpPr>
+              <p:nvPr/>
+            </p:nvSpPr>
+            <p:spPr>
+              <a:xfrm>
+                <a:off x="3036541" y="1959088"/>
+                <a:ext cx="6096000" cy="657937"/>
+              </a:xfrm>
+              <a:prstGeom prst="rect">
+                <a:avLst/>
+              </a:prstGeom>
+              <a:blipFill>
+                <a:blip r:embed="rId5"/>
+                <a:stretch>
+                  <a:fillRect/>
+                </a:stretch>
+              </a:blipFill>
+            </p:spPr>
+            <p:txBody>
+              <a:bodyPr/>
+              <a:lstStyle/>
+              <a:p>
+                <a:r>
+                  <a:rPr lang="en-US">
+                    <a:noFill/>
+                  </a:rPr>
+                  <a:t> </a:t>
+                </a:r>
+              </a:p>
+            </p:txBody>
+          </p:sp>
+        </mc:Fallback>
+      </mc:AlternateContent>
+      <p:cxnSp>
+        <p:nvCxnSpPr>
+          <p:cNvPr id="38" name="Straight Connector 37">
+            <a:extLst>
+              <a:ext uri="{FF2B5EF4-FFF2-40B4-BE49-F238E27FC236}">
+                <a16:creationId xmlns:a16="http://schemas.microsoft.com/office/drawing/2014/main" id="{02B5679B-6DEC-2B04-929B-7AA7C8E1E871}"/>
+              </a:ext>
+            </a:extLst>
+          </p:cNvPr>
+          <p:cNvCxnSpPr>
+            <a:cxnSpLocks/>
+          </p:cNvCxnSpPr>
+          <p:nvPr/>
+        </p:nvCxnSpPr>
+        <p:spPr>
+          <a:xfrm flipH="1">
+            <a:off x="3652707" y="3444804"/>
+            <a:ext cx="4432513" cy="0"/>
+          </a:xfrm>
+          <a:prstGeom prst="line">
+            <a:avLst/>
+          </a:prstGeom>
+          <a:ln>
+            <a:prstDash val="dashDot"/>
+          </a:ln>
+        </p:spPr>
+        <p:style>
+          <a:lnRef idx="1">
+            <a:schemeClr val="accent2"/>
+          </a:lnRef>
+          <a:fillRef idx="0">
+            <a:schemeClr val="accent2"/>
+          </a:fillRef>
+          <a:effectRef idx="0">
+            <a:schemeClr val="accent2"/>
+          </a:effectRef>
+          <a:fontRef idx="minor">
+            <a:schemeClr val="tx1"/>
+          </a:fontRef>
+        </p:style>
+      </p:cxnSp>
+      <mc:AlternateContent xmlns:mc="http://schemas.openxmlformats.org/markup-compatibility/2006">
+        <mc:Choice xmlns:a14="http://schemas.microsoft.com/office/drawing/2010/main" Requires="a14">
+          <p:sp>
+            <p:nvSpPr>
+              <p:cNvPr id="40" name="TextBox 39">
+                <a:extLst>
+                  <a:ext uri="{FF2B5EF4-FFF2-40B4-BE49-F238E27FC236}">
+                    <a16:creationId xmlns:a16="http://schemas.microsoft.com/office/drawing/2014/main" id="{E52258C7-A001-C693-F943-66690B16ED25}"/>
+                  </a:ext>
+                </a:extLst>
+              </p:cNvPr>
+              <p:cNvSpPr txBox="1"/>
+              <p:nvPr/>
+            </p:nvSpPr>
+            <p:spPr>
+              <a:xfrm>
+                <a:off x="3041668" y="3200255"/>
+                <a:ext cx="686353" cy="369332"/>
+              </a:xfrm>
+              <a:prstGeom prst="rect">
+                <a:avLst/>
+              </a:prstGeom>
+              <a:noFill/>
+            </p:spPr>
+            <p:txBody>
+              <a:bodyPr wrap="square">
+                <a:spAutoFit/>
+              </a:bodyPr>
+              <a:lstStyle/>
+              <a:p>
+                <a:pPr/>
+                <a14:m>
+                  <m:oMathPara xmlns:m="http://schemas.openxmlformats.org/officeDocument/2006/math">
+                    <m:oMathParaPr>
+                      <m:jc m:val="centerGroup"/>
+                    </m:oMathParaPr>
+                    <m:oMath xmlns:m="http://schemas.openxmlformats.org/officeDocument/2006/math">
+                      <m:sSub>
+                        <m:sSubPr>
+                          <m:ctrlPr>
+                            <a:rPr lang="en-US" b="0" i="1" dirty="0" smtClean="0">
+                              <a:latin typeface="Cambria Math" panose="02040503050406030204" pitchFamily="18" charset="0"/>
+                            </a:rPr>
+                          </m:ctrlPr>
+                        </m:sSubPr>
+                        <m:e>
+                          <m:r>
+                            <a:rPr lang="en-US" b="0" i="1" dirty="0" smtClean="0">
+                              <a:latin typeface="Cambria Math" panose="02040503050406030204" pitchFamily="18" charset="0"/>
+                            </a:rPr>
+                            <m:t>𝑆</m:t>
+                          </m:r>
+                        </m:e>
+                        <m:sub>
+                          <m:r>
+                            <a:rPr lang="en-US" b="0" i="1" dirty="0" smtClean="0">
+                              <a:latin typeface="Cambria Math" panose="02040503050406030204" pitchFamily="18" charset="0"/>
+                            </a:rPr>
+                            <m:t>1</m:t>
+                          </m:r>
+                        </m:sub>
+                      </m:sSub>
+                    </m:oMath>
+                  </m:oMathPara>
+                </a14:m>
+                <a:endParaRPr lang="en-US" dirty="0"/>
+              </a:p>
+            </p:txBody>
+          </p:sp>
+        </mc:Choice>
+        <mc:Fallback>
+          <p:sp>
+            <p:nvSpPr>
+              <p:cNvPr id="40" name="TextBox 39">
+                <a:extLst>
+                  <a:ext uri="{FF2B5EF4-FFF2-40B4-BE49-F238E27FC236}">
+                    <a16:creationId xmlns:a16="http://schemas.microsoft.com/office/drawing/2014/main" id="{E52258C7-A001-C693-F943-66690B16ED25}"/>
+                  </a:ext>
+                </a:extLst>
+              </p:cNvPr>
+              <p:cNvSpPr txBox="1">
+                <a:spLocks noRot="1" noChangeAspect="1" noMove="1" noResize="1" noEditPoints="1" noAdjustHandles="1" noChangeArrowheads="1" noChangeShapeType="1" noTextEdit="1"/>
+              </p:cNvSpPr>
+              <p:nvPr/>
+            </p:nvSpPr>
+            <p:spPr>
+              <a:xfrm>
+                <a:off x="3041668" y="3200255"/>
+                <a:ext cx="686353" cy="369332"/>
+              </a:xfrm>
+              <a:prstGeom prst="rect">
+                <a:avLst/>
+              </a:prstGeom>
+              <a:blipFill>
+                <a:blip r:embed="rId6"/>
+                <a:stretch>
+                  <a:fillRect/>
+                </a:stretch>
+              </a:blipFill>
+            </p:spPr>
+            <p:txBody>
+              <a:bodyPr/>
+              <a:lstStyle/>
+              <a:p>
+                <a:r>
+                  <a:rPr lang="en-US">
+                    <a:noFill/>
+                  </a:rPr>
+                  <a:t> </a:t>
+                </a:r>
+              </a:p>
+            </p:txBody>
+          </p:sp>
+        </mc:Fallback>
+      </mc:AlternateContent>
+      <mc:AlternateContent xmlns:mc="http://schemas.openxmlformats.org/markup-compatibility/2006">
+        <mc:Choice xmlns:a14="http://schemas.microsoft.com/office/drawing/2010/main" Requires="a14">
+          <p:sp>
+            <p:nvSpPr>
+              <p:cNvPr id="42" name="TextBox 41">
+                <a:extLst>
+                  <a:ext uri="{FF2B5EF4-FFF2-40B4-BE49-F238E27FC236}">
+                    <a16:creationId xmlns:a16="http://schemas.microsoft.com/office/drawing/2014/main" id="{B5EA3B4B-1F3D-6A54-0CD0-F4C91CE33855}"/>
+                  </a:ext>
+                </a:extLst>
+              </p:cNvPr>
+              <p:cNvSpPr txBox="1"/>
+              <p:nvPr/>
+            </p:nvSpPr>
+            <p:spPr>
+              <a:xfrm>
+                <a:off x="2855453" y="4056310"/>
+                <a:ext cx="813570" cy="369332"/>
+              </a:xfrm>
+              <a:prstGeom prst="rect">
+                <a:avLst/>
+              </a:prstGeom>
+              <a:noFill/>
+            </p:spPr>
+            <p:txBody>
+              <a:bodyPr wrap="square">
+                <a:spAutoFit/>
+              </a:bodyPr>
+              <a:lstStyle/>
+              <a:p>
+                <a:pPr/>
+                <a14:m>
+                  <m:oMathPara xmlns:m="http://schemas.openxmlformats.org/officeDocument/2006/math">
+                    <m:oMathParaPr>
+                      <m:jc m:val="centerGroup"/>
+                    </m:oMathParaPr>
+                    <m:oMath xmlns:m="http://schemas.openxmlformats.org/officeDocument/2006/math">
+                      <m:r>
+                        <a:rPr lang="en-US" i="1" dirty="0" smtClean="0">
+                          <a:latin typeface="Cambria Math" panose="02040503050406030204" pitchFamily="18" charset="0"/>
+                        </a:rPr>
+                        <m:t>𝑆𝑜</m:t>
+                      </m:r>
+                      <m:sSub>
+                        <m:sSubPr>
+                          <m:ctrlPr>
+                            <a:rPr lang="en-US" b="0" i="1" dirty="0" smtClean="0">
+                              <a:latin typeface="Cambria Math" panose="02040503050406030204" pitchFamily="18" charset="0"/>
+                            </a:rPr>
+                          </m:ctrlPr>
+                        </m:sSubPr>
+                        <m:e>
+                          <m:r>
+                            <a:rPr lang="en-US" i="1" dirty="0" smtClean="0">
+                              <a:latin typeface="Cambria Math" panose="02040503050406030204" pitchFamily="18" charset="0"/>
+                            </a:rPr>
+                            <m:t>𝐶</m:t>
+                          </m:r>
+                        </m:e>
+                        <m:sub>
+                          <m:r>
+                            <a:rPr lang="en-US" b="0" i="1" dirty="0" smtClean="0">
+                              <a:latin typeface="Cambria Math" panose="02040503050406030204" pitchFamily="18" charset="0"/>
+                            </a:rPr>
+                            <m:t>𝑉</m:t>
+                          </m:r>
+                        </m:sub>
+                      </m:sSub>
+                    </m:oMath>
+                  </m:oMathPara>
+                </a14:m>
+                <a:endParaRPr lang="en-US" dirty="0"/>
+              </a:p>
+            </p:txBody>
+          </p:sp>
+        </mc:Choice>
+        <mc:Fallback>
+          <p:sp>
+            <p:nvSpPr>
+              <p:cNvPr id="42" name="TextBox 41">
+                <a:extLst>
+                  <a:ext uri="{FF2B5EF4-FFF2-40B4-BE49-F238E27FC236}">
+                    <a16:creationId xmlns:a16="http://schemas.microsoft.com/office/drawing/2014/main" id="{B5EA3B4B-1F3D-6A54-0CD0-F4C91CE33855}"/>
+                  </a:ext>
+                </a:extLst>
+              </p:cNvPr>
+              <p:cNvSpPr txBox="1">
+                <a:spLocks noRot="1" noChangeAspect="1" noMove="1" noResize="1" noEditPoints="1" noAdjustHandles="1" noChangeArrowheads="1" noChangeShapeType="1" noTextEdit="1"/>
+              </p:cNvSpPr>
+              <p:nvPr/>
+            </p:nvSpPr>
+            <p:spPr>
+              <a:xfrm>
+                <a:off x="2855453" y="4056310"/>
+                <a:ext cx="813570" cy="369332"/>
+              </a:xfrm>
+              <a:prstGeom prst="rect">
+                <a:avLst/>
+              </a:prstGeom>
+              <a:blipFill>
+                <a:blip r:embed="rId7"/>
+                <a:stretch>
+                  <a:fillRect/>
+                </a:stretch>
+              </a:blipFill>
+            </p:spPr>
+            <p:txBody>
+              <a:bodyPr/>
+              <a:lstStyle/>
+              <a:p>
+                <a:r>
+                  <a:rPr lang="en-US">
+                    <a:noFill/>
+                  </a:rPr>
+                  <a:t> </a:t>
+                </a:r>
+              </a:p>
+            </p:txBody>
+          </p:sp>
+        </mc:Fallback>
+      </mc:AlternateContent>
+      <mc:AlternateContent xmlns:mc="http://schemas.openxmlformats.org/markup-compatibility/2006">
+        <mc:Choice xmlns:a14="http://schemas.microsoft.com/office/drawing/2010/main" Requires="a14">
+          <p:sp>
+            <p:nvSpPr>
+              <p:cNvPr id="44" name="TextBox 43">
+                <a:extLst>
+                  <a:ext uri="{FF2B5EF4-FFF2-40B4-BE49-F238E27FC236}">
+                    <a16:creationId xmlns:a16="http://schemas.microsoft.com/office/drawing/2014/main" id="{B332B177-0A41-E5B4-F6AE-9D3162758DA8}"/>
+                  </a:ext>
+                </a:extLst>
+              </p:cNvPr>
+              <p:cNvSpPr txBox="1"/>
+              <p:nvPr/>
+            </p:nvSpPr>
+            <p:spPr>
+              <a:xfrm>
+                <a:off x="6016083" y="5907306"/>
+                <a:ext cx="898946" cy="369332"/>
+              </a:xfrm>
+              <a:prstGeom prst="rect">
+                <a:avLst/>
+              </a:prstGeom>
+              <a:noFill/>
+            </p:spPr>
+            <p:txBody>
+              <a:bodyPr wrap="square">
+                <a:spAutoFit/>
+              </a:bodyPr>
+              <a:lstStyle/>
+              <a:p>
+                <a:pPr/>
+                <a14:m>
+                  <m:oMathPara xmlns:m="http://schemas.openxmlformats.org/officeDocument/2006/math">
+                    <m:oMathParaPr>
+                      <m:jc m:val="centerGroup"/>
+                    </m:oMathParaPr>
+                    <m:oMath xmlns:m="http://schemas.openxmlformats.org/officeDocument/2006/math">
+                      <m:r>
+                        <a:rPr lang="en-US" i="1" dirty="0" smtClean="0">
+                          <a:latin typeface="Cambria Math" panose="02040503050406030204" pitchFamily="18" charset="0"/>
+                        </a:rPr>
+                        <m:t>𝑉</m:t>
+                      </m:r>
+                    </m:oMath>
+                  </m:oMathPara>
+                </a14:m>
+                <a:endParaRPr lang="en-US" dirty="0"/>
+              </a:p>
+            </p:txBody>
+          </p:sp>
+        </mc:Choice>
+        <mc:Fallback>
+          <p:sp>
+            <p:nvSpPr>
+              <p:cNvPr id="44" name="TextBox 43">
+                <a:extLst>
+                  <a:ext uri="{FF2B5EF4-FFF2-40B4-BE49-F238E27FC236}">
+                    <a16:creationId xmlns:a16="http://schemas.microsoft.com/office/drawing/2014/main" id="{B332B177-0A41-E5B4-F6AE-9D3162758DA8}"/>
+                  </a:ext>
+                </a:extLst>
+              </p:cNvPr>
+              <p:cNvSpPr txBox="1">
+                <a:spLocks noRot="1" noChangeAspect="1" noMove="1" noResize="1" noEditPoints="1" noAdjustHandles="1" noChangeArrowheads="1" noChangeShapeType="1" noTextEdit="1"/>
+              </p:cNvSpPr>
+              <p:nvPr/>
+            </p:nvSpPr>
+            <p:spPr>
+              <a:xfrm>
+                <a:off x="6016083" y="5907306"/>
+                <a:ext cx="898946" cy="369332"/>
+              </a:xfrm>
+              <a:prstGeom prst="rect">
+                <a:avLst/>
+              </a:prstGeom>
+              <a:blipFill>
+                <a:blip r:embed="rId8"/>
+                <a:stretch>
+                  <a:fillRect/>
+                </a:stretch>
+              </a:blipFill>
+            </p:spPr>
+            <p:txBody>
+              <a:bodyPr/>
+              <a:lstStyle/>
+              <a:p>
+                <a:r>
+                  <a:rPr lang="en-US">
+                    <a:noFill/>
+                  </a:rPr>
+                  <a:t> </a:t>
+                </a:r>
+              </a:p>
+            </p:txBody>
+          </p:sp>
+        </mc:Fallback>
+      </mc:AlternateContent>
+      <p:cxnSp>
+        <p:nvCxnSpPr>
+          <p:cNvPr id="45" name="Straight Connector 44">
+            <a:extLst>
+              <a:ext uri="{FF2B5EF4-FFF2-40B4-BE49-F238E27FC236}">
+                <a16:creationId xmlns:a16="http://schemas.microsoft.com/office/drawing/2014/main" id="{B34DAAE6-FBA9-255A-C831-6F85751EE031}"/>
+              </a:ext>
+            </a:extLst>
+          </p:cNvPr>
+          <p:cNvCxnSpPr>
+            <a:cxnSpLocks/>
+          </p:cNvCxnSpPr>
+          <p:nvPr/>
+        </p:nvCxnSpPr>
+        <p:spPr>
+          <a:xfrm>
+            <a:off x="6465556" y="4256780"/>
+            <a:ext cx="0" cy="1654163"/>
+          </a:xfrm>
+          <a:prstGeom prst="line">
+            <a:avLst/>
+          </a:prstGeom>
+          <a:ln>
+            <a:prstDash val="dashDot"/>
+          </a:ln>
+        </p:spPr>
+        <p:style>
+          <a:lnRef idx="1">
+            <a:schemeClr val="accent2"/>
+          </a:lnRef>
+          <a:fillRef idx="0">
+            <a:schemeClr val="accent2"/>
+          </a:fillRef>
+          <a:effectRef idx="0">
+            <a:schemeClr val="accent2"/>
+          </a:effectRef>
+          <a:fontRef idx="minor">
+            <a:schemeClr val="tx1"/>
+          </a:fontRef>
+        </p:style>
+      </p:cxnSp>
+      <p:cxnSp>
+        <p:nvCxnSpPr>
+          <p:cNvPr id="46" name="Straight Connector 45">
+            <a:extLst>
+              <a:ext uri="{FF2B5EF4-FFF2-40B4-BE49-F238E27FC236}">
+                <a16:creationId xmlns:a16="http://schemas.microsoft.com/office/drawing/2014/main" id="{A3B295EF-8E81-54C2-9674-27F0AA402C4B}"/>
+              </a:ext>
+            </a:extLst>
+          </p:cNvPr>
+          <p:cNvCxnSpPr>
+            <a:cxnSpLocks/>
+          </p:cNvCxnSpPr>
+          <p:nvPr/>
+        </p:nvCxnSpPr>
+        <p:spPr>
+          <a:xfrm flipH="1">
+            <a:off x="3652706" y="4256780"/>
+            <a:ext cx="2812850" cy="0"/>
+          </a:xfrm>
+          <a:prstGeom prst="line">
+            <a:avLst/>
+          </a:prstGeom>
+          <a:ln>
+            <a:prstDash val="dashDot"/>
+          </a:ln>
+        </p:spPr>
+        <p:style>
+          <a:lnRef idx="1">
+            <a:schemeClr val="accent2"/>
+          </a:lnRef>
+          <a:fillRef idx="0">
+            <a:schemeClr val="accent2"/>
+          </a:fillRef>
+          <a:effectRef idx="0">
+            <a:schemeClr val="accent2"/>
+          </a:effectRef>
+          <a:fontRef idx="minor">
+            <a:schemeClr val="tx1"/>
+          </a:fontRef>
+        </p:style>
+      </p:cxnSp>
+    </p:spTree>
+    <p:extLst>
+      <p:ext uri="{BB962C8B-B14F-4D97-AF65-F5344CB8AC3E}">
+        <p14:creationId xmlns:p14="http://schemas.microsoft.com/office/powerpoint/2010/main" val="2344047980"/>
+      </p:ext>
+    </p:extLst>
+  </p:cSld>
+  <p:clrMapOvr>
+    <a:masterClrMapping/>
+  </p:clrMapOvr>
+</p:sld>
+</file>
+
+<file path=ppt/slides/slide8.xml><?xml version="1.0" encoding="utf-8"?>
+<p:sld xmlns:a="http://schemas.openxmlformats.org/drawingml/2006/main" xmlns:r="http://schemas.openxmlformats.org/officeDocument/2006/relationships" xmlns:p="http://schemas.openxmlformats.org/presentationml/2006/main">
+  <p:cSld>
+    <p:spTree>
+      <p:nvGrpSpPr>
+        <p:cNvPr id="1" name=""/>
+        <p:cNvGrpSpPr/>
+        <p:nvPr/>
+      </p:nvGrpSpPr>
+      <p:grpSpPr>
+        <a:xfrm>
+          <a:off x="0" y="0"/>
+          <a:ext cx="0" cy="0"/>
+          <a:chOff x="0" y="0"/>
+          <a:chExt cx="0" cy="0"/>
+        </a:xfrm>
+      </p:grpSpPr>
+      <p:sp>
+        <p:nvSpPr>
+          <p:cNvPr id="2" name="Title 1">
+            <a:extLst>
+              <a:ext uri="{FF2B5EF4-FFF2-40B4-BE49-F238E27FC236}">
+                <a16:creationId xmlns:a16="http://schemas.microsoft.com/office/drawing/2014/main" id="{0B61EC7D-B7F9-F8FD-9ACE-9DC386F15EE5}"/>
+              </a:ext>
+            </a:extLst>
+          </p:cNvPr>
+          <p:cNvSpPr>
+            <a:spLocks noGrp="1"/>
+          </p:cNvSpPr>
+          <p:nvPr>
+            <p:ph type="title"/>
+          </p:nvPr>
+        </p:nvSpPr>
+        <p:spPr/>
+        <p:txBody>
+          <a:bodyPr/>
+          <a:lstStyle/>
+          <a:p>
+            <a:endParaRPr lang="en-US" dirty="0"/>
+          </a:p>
+        </p:txBody>
+      </p:sp>
+      <p:pic>
+        <p:nvPicPr>
+          <p:cNvPr id="5" name="Content Placeholder 4">
+            <a:extLst>
+              <a:ext uri="{FF2B5EF4-FFF2-40B4-BE49-F238E27FC236}">
+                <a16:creationId xmlns:a16="http://schemas.microsoft.com/office/drawing/2014/main" id="{40366C56-9D01-21E0-C6D4-FD5A01963816}"/>
+              </a:ext>
+            </a:extLst>
+          </p:cNvPr>
+          <p:cNvPicPr>
+            <a:picLocks noGrp="1" noChangeAspect="1"/>
+          </p:cNvPicPr>
+          <p:nvPr>
+            <p:ph idx="1"/>
+          </p:nvPr>
+        </p:nvPicPr>
+        <p:blipFill>
+          <a:blip r:embed="rId2"/>
+          <a:stretch>
+            <a:fillRect/>
+          </a:stretch>
+        </p:blipFill>
+        <p:spPr>
+          <a:xfrm>
+            <a:off x="2313278" y="1825625"/>
+            <a:ext cx="7565444" cy="4351338"/>
+          </a:xfrm>
+        </p:spPr>
+      </p:pic>
+    </p:spTree>
+    <p:extLst>
+      <p:ext uri="{BB962C8B-B14F-4D97-AF65-F5344CB8AC3E}">
+        <p14:creationId xmlns:p14="http://schemas.microsoft.com/office/powerpoint/2010/main" val="2827432413"/>
+      </p:ext>
+    </p:extLst>
+  </p:cSld>
+  <p:clrMapOvr>
+    <a:masterClrMapping/>
+  </p:clrMapOvr>
+</p:sld>
+</file>
+
 <file path=ppt/theme/theme1.xml><?xml version="1.0" encoding="utf-8"?>
 <a:theme xmlns:a="http://schemas.openxmlformats.org/drawingml/2006/main" name="Office Theme">
   <a:themeElements>

--- a/SoC Estimation.pptx
+++ b/SoC Estimation.pptx
@@ -6633,8 +6633,8 @@
         </p:blipFill>
         <p:spPr>
           <a:xfrm>
-            <a:off x="2313278" y="1825625"/>
-            <a:ext cx="7565444" cy="4351338"/>
+            <a:off x="579124" y="297853"/>
+            <a:ext cx="10887924" cy="6262294"/>
           </a:xfrm>
         </p:spPr>
       </p:pic>

--- a/SoC Estimation.pptx
+++ b/SoC Estimation.pptx
@@ -7,12 +7,21 @@
   <p:sldIdLst>
     <p:sldId id="256" r:id="rId2"/>
     <p:sldId id="258" r:id="rId3"/>
-    <p:sldId id="257" r:id="rId4"/>
-    <p:sldId id="260" r:id="rId5"/>
-    <p:sldId id="259" r:id="rId6"/>
+    <p:sldId id="266" r:id="rId4"/>
+    <p:sldId id="267" r:id="rId5"/>
+    <p:sldId id="257" r:id="rId6"/>
     <p:sldId id="261" r:id="rId7"/>
     <p:sldId id="263" r:id="rId8"/>
     <p:sldId id="262" r:id="rId9"/>
+    <p:sldId id="260" r:id="rId10"/>
+    <p:sldId id="259" r:id="rId11"/>
+    <p:sldId id="264" r:id="rId12"/>
+    <p:sldId id="265" r:id="rId13"/>
+    <p:sldId id="268" r:id="rId14"/>
+    <p:sldId id="270" r:id="rId15"/>
+    <p:sldId id="269" r:id="rId16"/>
+    <p:sldId id="271" r:id="rId17"/>
+    <p:sldId id="272" r:id="rId18"/>
   </p:sldIdLst>
   <p:sldSz cx="12192000" cy="6858000"/>
   <p:notesSz cx="6858000" cy="9144000"/>
@@ -3397,6 +3406,2457 @@
 </p:sld>
 </file>
 
+<file path=ppt/slides/slide10.xml><?xml version="1.0" encoding="utf-8"?>
+<p:sld xmlns:a="http://schemas.openxmlformats.org/drawingml/2006/main" xmlns:r="http://schemas.openxmlformats.org/officeDocument/2006/relationships" xmlns:p="http://schemas.openxmlformats.org/presentationml/2006/main">
+  <p:cSld>
+    <p:spTree>
+      <p:nvGrpSpPr>
+        <p:cNvPr id="1" name=""/>
+        <p:cNvGrpSpPr/>
+        <p:nvPr/>
+      </p:nvGrpSpPr>
+      <p:grpSpPr>
+        <a:xfrm>
+          <a:off x="0" y="0"/>
+          <a:ext cx="0" cy="0"/>
+          <a:chOff x="0" y="0"/>
+          <a:chExt cx="0" cy="0"/>
+        </a:xfrm>
+      </p:grpSpPr>
+      <p:sp>
+        <p:nvSpPr>
+          <p:cNvPr id="2" name="Title 1">
+            <a:extLst>
+              <a:ext uri="{FF2B5EF4-FFF2-40B4-BE49-F238E27FC236}">
+                <a16:creationId xmlns:a16="http://schemas.microsoft.com/office/drawing/2014/main" id="{90C9B0CA-5806-C805-DF53-2C80D115E99D}"/>
+              </a:ext>
+            </a:extLst>
+          </p:cNvPr>
+          <p:cNvSpPr>
+            <a:spLocks noGrp="1"/>
+          </p:cNvSpPr>
+          <p:nvPr>
+            <p:ph type="title"/>
+          </p:nvPr>
+        </p:nvSpPr>
+        <p:spPr/>
+        <p:txBody>
+          <a:bodyPr/>
+          <a:lstStyle/>
+          <a:p>
+            <a:r>
+              <a:rPr lang="en-US" dirty="0"/>
+              <a:t>Ah Integration Method </a:t>
+            </a:r>
+          </a:p>
+        </p:txBody>
+      </p:sp>
+      <p:pic>
+        <p:nvPicPr>
+          <p:cNvPr id="5" name="Content Placeholder 4">
+            <a:extLst>
+              <a:ext uri="{FF2B5EF4-FFF2-40B4-BE49-F238E27FC236}">
+                <a16:creationId xmlns:a16="http://schemas.microsoft.com/office/drawing/2014/main" id="{D109786C-9B32-5E2B-6A23-90C69535E33C}"/>
+              </a:ext>
+            </a:extLst>
+          </p:cNvPr>
+          <p:cNvPicPr>
+            <a:picLocks noGrp="1" noChangeAspect="1"/>
+          </p:cNvPicPr>
+          <p:nvPr>
+            <p:ph idx="1"/>
+          </p:nvPr>
+        </p:nvPicPr>
+        <p:blipFill>
+          <a:blip r:embed="rId2"/>
+          <a:stretch>
+            <a:fillRect/>
+          </a:stretch>
+        </p:blipFill>
+        <p:spPr>
+          <a:xfrm>
+            <a:off x="1162516" y="1825625"/>
+            <a:ext cx="9866967" cy="4351338"/>
+          </a:xfrm>
+        </p:spPr>
+      </p:pic>
+    </p:spTree>
+    <p:extLst>
+      <p:ext uri="{BB962C8B-B14F-4D97-AF65-F5344CB8AC3E}">
+        <p14:creationId xmlns:p14="http://schemas.microsoft.com/office/powerpoint/2010/main" val="3098643827"/>
+      </p:ext>
+    </p:extLst>
+  </p:cSld>
+  <p:clrMapOvr>
+    <a:masterClrMapping/>
+  </p:clrMapOvr>
+</p:sld>
+</file>
+
+<file path=ppt/slides/slide11.xml><?xml version="1.0" encoding="utf-8"?>
+<p:sld xmlns:a="http://schemas.openxmlformats.org/drawingml/2006/main" xmlns:r="http://schemas.openxmlformats.org/officeDocument/2006/relationships" xmlns:p="http://schemas.openxmlformats.org/presentationml/2006/main">
+  <p:cSld>
+    <p:spTree>
+      <p:nvGrpSpPr>
+        <p:cNvPr id="1" name=""/>
+        <p:cNvGrpSpPr/>
+        <p:nvPr/>
+      </p:nvGrpSpPr>
+      <p:grpSpPr>
+        <a:xfrm>
+          <a:off x="0" y="0"/>
+          <a:ext cx="0" cy="0"/>
+          <a:chOff x="0" y="0"/>
+          <a:chExt cx="0" cy="0"/>
+        </a:xfrm>
+      </p:grpSpPr>
+      <p:sp>
+        <p:nvSpPr>
+          <p:cNvPr id="2" name="Title 1">
+            <a:extLst>
+              <a:ext uri="{FF2B5EF4-FFF2-40B4-BE49-F238E27FC236}">
+                <a16:creationId xmlns:a16="http://schemas.microsoft.com/office/drawing/2014/main" id="{1C371461-34D0-B051-4F30-155A46444EE9}"/>
+              </a:ext>
+            </a:extLst>
+          </p:cNvPr>
+          <p:cNvSpPr>
+            <a:spLocks noGrp="1"/>
+          </p:cNvSpPr>
+          <p:nvPr>
+            <p:ph type="title"/>
+          </p:nvPr>
+        </p:nvSpPr>
+        <p:spPr/>
+        <p:txBody>
+          <a:bodyPr>
+            <a:normAutofit/>
+          </a:bodyPr>
+          <a:lstStyle/>
+          <a:p>
+            <a:r>
+              <a:rPr lang="en-US" b="1" dirty="0"/>
+              <a:t>Model-Based Estimation (Kalman Filters)</a:t>
+            </a:r>
+            <a:endParaRPr lang="en-US" dirty="0"/>
+          </a:p>
+        </p:txBody>
+      </p:sp>
+      <p:sp>
+        <p:nvSpPr>
+          <p:cNvPr id="3" name="Content Placeholder 2">
+            <a:extLst>
+              <a:ext uri="{FF2B5EF4-FFF2-40B4-BE49-F238E27FC236}">
+                <a16:creationId xmlns:a16="http://schemas.microsoft.com/office/drawing/2014/main" id="{4DCF4554-8AF5-05A2-13CE-B8EB0C874A13}"/>
+              </a:ext>
+            </a:extLst>
+          </p:cNvPr>
+          <p:cNvSpPr>
+            <a:spLocks noGrp="1"/>
+          </p:cNvSpPr>
+          <p:nvPr>
+            <p:ph idx="1"/>
+          </p:nvPr>
+        </p:nvSpPr>
+        <p:spPr/>
+        <p:txBody>
+          <a:bodyPr>
+            <a:normAutofit fontScale="92500" lnSpcReduction="20000"/>
+          </a:bodyPr>
+          <a:lstStyle/>
+          <a:p>
+            <a:pPr>
+              <a:buFont typeface="Arial" panose="020B0604020202020204" pitchFamily="34" charset="0"/>
+              <a:buChar char="•"/>
+            </a:pPr>
+            <a:r>
+              <a:rPr lang="en-US" b="1" dirty="0"/>
+              <a:t>Idea:</a:t>
+            </a:r>
+            <a:r>
+              <a:rPr lang="en-US" dirty="0"/>
+              <a:t> Model the battery using electrical equivalents (resistors, capacitors) and apply estimation techniques.</a:t>
+            </a:r>
+          </a:p>
+          <a:p>
+            <a:pPr>
+              <a:buFont typeface="Arial" panose="020B0604020202020204" pitchFamily="34" charset="0"/>
+              <a:buChar char="•"/>
+            </a:pPr>
+            <a:r>
+              <a:rPr lang="en-US" b="1" dirty="0"/>
+              <a:t>Popular Tools:</a:t>
+            </a:r>
+            <a:endParaRPr lang="en-US" dirty="0"/>
+          </a:p>
+          <a:p>
+            <a:pPr marL="742950" lvl="1" indent="-285750">
+              <a:buFont typeface="Arial" panose="020B0604020202020204" pitchFamily="34" charset="0"/>
+              <a:buChar char="•"/>
+            </a:pPr>
+            <a:r>
+              <a:rPr lang="en-US" b="1" dirty="0"/>
+              <a:t>Extended Kalman Filter (EKF)</a:t>
+            </a:r>
+            <a:endParaRPr lang="en-US" dirty="0"/>
+          </a:p>
+          <a:p>
+            <a:pPr marL="742950" lvl="1" indent="-285750">
+              <a:buFont typeface="Arial" panose="020B0604020202020204" pitchFamily="34" charset="0"/>
+              <a:buChar char="•"/>
+            </a:pPr>
+            <a:r>
+              <a:rPr lang="en-US" b="1" dirty="0"/>
+              <a:t>Unscented Kalman Filter (UKF)</a:t>
+            </a:r>
+            <a:endParaRPr lang="en-US" dirty="0"/>
+          </a:p>
+          <a:p>
+            <a:pPr>
+              <a:buFont typeface="Arial" panose="020B0604020202020204" pitchFamily="34" charset="0"/>
+              <a:buChar char="•"/>
+            </a:pPr>
+            <a:r>
+              <a:rPr lang="en-US" b="1" dirty="0"/>
+              <a:t>Pros:</a:t>
+            </a:r>
+            <a:endParaRPr lang="en-US" dirty="0"/>
+          </a:p>
+          <a:p>
+            <a:pPr marL="742950" lvl="1" indent="-285750">
+              <a:buFont typeface="Arial" panose="020B0604020202020204" pitchFamily="34" charset="0"/>
+              <a:buChar char="•"/>
+            </a:pPr>
+            <a:r>
+              <a:rPr lang="en-US" dirty="0"/>
+              <a:t>Good balance between accuracy and real-time performance.</a:t>
+            </a:r>
+          </a:p>
+          <a:p>
+            <a:pPr marL="742950" lvl="1" indent="-285750">
+              <a:buFont typeface="Arial" panose="020B0604020202020204" pitchFamily="34" charset="0"/>
+              <a:buChar char="•"/>
+            </a:pPr>
+            <a:r>
+              <a:rPr lang="en-US" dirty="0"/>
+              <a:t>Can correct for some noise and errors.</a:t>
+            </a:r>
+          </a:p>
+          <a:p>
+            <a:pPr>
+              <a:buFont typeface="Arial" panose="020B0604020202020204" pitchFamily="34" charset="0"/>
+              <a:buChar char="•"/>
+            </a:pPr>
+            <a:r>
+              <a:rPr lang="en-US" b="1" dirty="0"/>
+              <a:t>Cons:</a:t>
+            </a:r>
+            <a:endParaRPr lang="en-US" dirty="0"/>
+          </a:p>
+          <a:p>
+            <a:pPr marL="742950" lvl="1" indent="-285750">
+              <a:buFont typeface="Arial" panose="020B0604020202020204" pitchFamily="34" charset="0"/>
+              <a:buChar char="•"/>
+            </a:pPr>
+            <a:r>
+              <a:rPr lang="en-US" dirty="0"/>
+              <a:t>Requires good battery models.</a:t>
+            </a:r>
+          </a:p>
+          <a:p>
+            <a:pPr marL="742950" lvl="1" indent="-285750">
+              <a:buFont typeface="Arial" panose="020B0604020202020204" pitchFamily="34" charset="0"/>
+              <a:buChar char="•"/>
+            </a:pPr>
+            <a:r>
+              <a:rPr lang="en-US" dirty="0"/>
+              <a:t>More complex to implement.</a:t>
+            </a:r>
+          </a:p>
+          <a:p>
+            <a:pPr marL="742950" lvl="1" indent="-285750">
+              <a:buFont typeface="Arial" panose="020B0604020202020204" pitchFamily="34" charset="0"/>
+              <a:buChar char="•"/>
+            </a:pPr>
+            <a:r>
+              <a:rPr lang="en-US" dirty="0"/>
+              <a:t>Computationally heavier than simple counting.</a:t>
+            </a:r>
+          </a:p>
+          <a:p>
+            <a:endParaRPr lang="en-US" dirty="0"/>
+          </a:p>
+        </p:txBody>
+      </p:sp>
+    </p:spTree>
+    <p:extLst>
+      <p:ext uri="{BB962C8B-B14F-4D97-AF65-F5344CB8AC3E}">
+        <p14:creationId xmlns:p14="http://schemas.microsoft.com/office/powerpoint/2010/main" val="3746122073"/>
+      </p:ext>
+    </p:extLst>
+  </p:cSld>
+  <p:clrMapOvr>
+    <a:masterClrMapping/>
+  </p:clrMapOvr>
+</p:sld>
+</file>
+
+<file path=ppt/slides/slide12.xml><?xml version="1.0" encoding="utf-8"?>
+<p:sld xmlns:a="http://schemas.openxmlformats.org/drawingml/2006/main" xmlns:r="http://schemas.openxmlformats.org/officeDocument/2006/relationships" xmlns:p="http://schemas.openxmlformats.org/presentationml/2006/main">
+  <p:cSld>
+    <p:spTree>
+      <p:nvGrpSpPr>
+        <p:cNvPr id="1" name=""/>
+        <p:cNvGrpSpPr/>
+        <p:nvPr/>
+      </p:nvGrpSpPr>
+      <p:grpSpPr>
+        <a:xfrm>
+          <a:off x="0" y="0"/>
+          <a:ext cx="0" cy="0"/>
+          <a:chOff x="0" y="0"/>
+          <a:chExt cx="0" cy="0"/>
+        </a:xfrm>
+      </p:grpSpPr>
+      <p:sp>
+        <p:nvSpPr>
+          <p:cNvPr id="2" name="Title 1">
+            <a:extLst>
+              <a:ext uri="{FF2B5EF4-FFF2-40B4-BE49-F238E27FC236}">
+                <a16:creationId xmlns:a16="http://schemas.microsoft.com/office/drawing/2014/main" id="{5218E91A-8DB9-8B97-C26E-5A42424EEC40}"/>
+              </a:ext>
+            </a:extLst>
+          </p:cNvPr>
+          <p:cNvSpPr>
+            <a:spLocks noGrp="1"/>
+          </p:cNvSpPr>
+          <p:nvPr>
+            <p:ph type="title"/>
+          </p:nvPr>
+        </p:nvSpPr>
+        <p:spPr/>
+        <p:txBody>
+          <a:bodyPr/>
+          <a:lstStyle/>
+          <a:p>
+            <a:r>
+              <a:rPr lang="en-US" b="1" i="0" dirty="0">
+                <a:solidFill>
+                  <a:srgbClr val="2C2C36"/>
+                </a:solidFill>
+                <a:effectLst/>
+                <a:latin typeface="system-ui"/>
+              </a:rPr>
+              <a:t>Why Use a Kalman Filter?</a:t>
+            </a:r>
+            <a:endParaRPr lang="en-US" dirty="0"/>
+          </a:p>
+        </p:txBody>
+      </p:sp>
+      <p:sp>
+        <p:nvSpPr>
+          <p:cNvPr id="3" name="Content Placeholder 2">
+            <a:extLst>
+              <a:ext uri="{FF2B5EF4-FFF2-40B4-BE49-F238E27FC236}">
+                <a16:creationId xmlns:a16="http://schemas.microsoft.com/office/drawing/2014/main" id="{E476C47C-7F39-DBA2-0378-3E90F96E3A8B}"/>
+              </a:ext>
+            </a:extLst>
+          </p:cNvPr>
+          <p:cNvSpPr>
+            <a:spLocks noGrp="1"/>
+          </p:cNvSpPr>
+          <p:nvPr>
+            <p:ph idx="1"/>
+          </p:nvPr>
+        </p:nvSpPr>
+        <p:spPr/>
+        <p:txBody>
+          <a:bodyPr>
+            <a:normAutofit fontScale="92500" lnSpcReduction="20000"/>
+          </a:bodyPr>
+          <a:lstStyle/>
+          <a:p>
+            <a:pPr algn="l">
+              <a:spcBef>
+                <a:spcPts val="900"/>
+              </a:spcBef>
+              <a:spcAft>
+                <a:spcPts val="900"/>
+              </a:spcAft>
+              <a:buNone/>
+            </a:pPr>
+            <a:r>
+              <a:rPr lang="en-US" b="0" i="0" dirty="0">
+                <a:solidFill>
+                  <a:srgbClr val="2C2C36"/>
+                </a:solidFill>
+                <a:effectLst/>
+                <a:latin typeface="system-ui"/>
+              </a:rPr>
+              <a:t>The Kalman Filter is an ideal tool for SoC estimation because it addresses the above challenges effectively:</a:t>
+            </a:r>
+          </a:p>
+          <a:p>
+            <a:pPr algn="l">
+              <a:spcBef>
+                <a:spcPts val="900"/>
+              </a:spcBef>
+              <a:spcAft>
+                <a:spcPts val="900"/>
+              </a:spcAft>
+              <a:buFont typeface="+mj-lt"/>
+              <a:buAutoNum type="arabicPeriod"/>
+            </a:pPr>
+            <a:r>
+              <a:rPr lang="en-US" b="0" i="0" dirty="0">
+                <a:solidFill>
+                  <a:srgbClr val="111827"/>
+                </a:solidFill>
+                <a:effectLst/>
+                <a:latin typeface="system-ui"/>
+              </a:rPr>
+              <a:t>Combines Predictions and Measurements </a:t>
+            </a:r>
+            <a:r>
+              <a:rPr lang="en-US" b="0" i="0" dirty="0">
+                <a:solidFill>
+                  <a:srgbClr val="2C2C36"/>
+                </a:solidFill>
+                <a:effectLst/>
+                <a:latin typeface="system-ui"/>
+              </a:rPr>
+              <a:t>:</a:t>
+            </a:r>
+          </a:p>
+          <a:p>
+            <a:pPr marL="971550" lvl="1" indent="-514350" algn="l">
+              <a:spcBef>
+                <a:spcPts val="900"/>
+              </a:spcBef>
+              <a:spcAft>
+                <a:spcPts val="900"/>
+              </a:spcAft>
+              <a:buFont typeface="+mj-lt"/>
+              <a:buAutoNum type="romanUcPeriod"/>
+            </a:pPr>
+            <a:r>
+              <a:rPr lang="en-US" b="0" i="0" dirty="0">
+                <a:solidFill>
+                  <a:srgbClr val="2C2C36"/>
+                </a:solidFill>
+                <a:effectLst/>
+                <a:latin typeface="system-ui"/>
+              </a:rPr>
+              <a:t>The Kalman Filter uses </a:t>
+            </a:r>
+            <a:r>
+              <a:rPr lang="en-US" b="1" i="0" dirty="0">
+                <a:solidFill>
+                  <a:srgbClr val="111827"/>
+                </a:solidFill>
+                <a:effectLst/>
+                <a:latin typeface="system-ui"/>
+              </a:rPr>
+              <a:t>Coulomb counting </a:t>
+            </a:r>
+            <a:r>
+              <a:rPr lang="en-US" b="1" i="0" dirty="0">
+                <a:solidFill>
+                  <a:srgbClr val="2C2C36"/>
+                </a:solidFill>
+                <a:effectLst/>
+                <a:latin typeface="system-ui"/>
+              </a:rPr>
+              <a:t>(current integration) </a:t>
+            </a:r>
+            <a:r>
+              <a:rPr lang="en-US" b="0" i="0" dirty="0">
+                <a:solidFill>
+                  <a:srgbClr val="2C2C36"/>
+                </a:solidFill>
+                <a:effectLst/>
+                <a:latin typeface="system-ui"/>
+              </a:rPr>
+              <a:t>to predict SoC and then refines the prediction using </a:t>
+            </a:r>
+            <a:r>
+              <a:rPr lang="en-US" b="0" i="0" dirty="0">
+                <a:solidFill>
+                  <a:srgbClr val="111827"/>
+                </a:solidFill>
+                <a:effectLst/>
+                <a:latin typeface="system-ui"/>
+              </a:rPr>
+              <a:t>voltage measurements </a:t>
+            </a:r>
+            <a:r>
+              <a:rPr lang="en-US" b="0" i="0" dirty="0">
+                <a:solidFill>
+                  <a:srgbClr val="2C2C36"/>
+                </a:solidFill>
+                <a:effectLst/>
+                <a:latin typeface="system-ui"/>
+              </a:rPr>
+              <a:t>.</a:t>
+            </a:r>
+          </a:p>
+          <a:p>
+            <a:pPr marL="971550" lvl="1" indent="-514350" algn="l">
+              <a:spcBef>
+                <a:spcPts val="900"/>
+              </a:spcBef>
+              <a:spcAft>
+                <a:spcPts val="900"/>
+              </a:spcAft>
+              <a:buFont typeface="+mj-lt"/>
+              <a:buAutoNum type="romanUcPeriod"/>
+            </a:pPr>
+            <a:r>
+              <a:rPr lang="en-US" b="0" i="0" dirty="0">
+                <a:solidFill>
+                  <a:srgbClr val="2C2C36"/>
+                </a:solidFill>
+                <a:effectLst/>
+                <a:latin typeface="system-ui"/>
+              </a:rPr>
+              <a:t>This combination reduces reliance on either method alone, improving accuracy.</a:t>
+            </a:r>
+          </a:p>
+          <a:p>
+            <a:pPr algn="l">
+              <a:spcBef>
+                <a:spcPts val="900"/>
+              </a:spcBef>
+              <a:spcAft>
+                <a:spcPts val="900"/>
+              </a:spcAft>
+              <a:buFont typeface="+mj-lt"/>
+              <a:buAutoNum type="arabicPeriod"/>
+            </a:pPr>
+            <a:r>
+              <a:rPr lang="en-US" b="0" i="0" dirty="0">
+                <a:solidFill>
+                  <a:srgbClr val="111827"/>
+                </a:solidFill>
+                <a:effectLst/>
+                <a:latin typeface="system-ui"/>
+              </a:rPr>
+              <a:t>Handles Noise </a:t>
+            </a:r>
+            <a:r>
+              <a:rPr lang="en-US" b="0" i="0" dirty="0">
+                <a:solidFill>
+                  <a:srgbClr val="2C2C36"/>
+                </a:solidFill>
+                <a:effectLst/>
+                <a:latin typeface="system-ui"/>
+              </a:rPr>
+              <a:t>:</a:t>
+            </a:r>
+          </a:p>
+          <a:p>
+            <a:pPr marL="971550" lvl="1" indent="-514350" algn="l">
+              <a:spcBef>
+                <a:spcPts val="900"/>
+              </a:spcBef>
+              <a:spcAft>
+                <a:spcPts val="900"/>
+              </a:spcAft>
+              <a:buFont typeface="+mj-lt"/>
+              <a:buAutoNum type="romanUcPeriod"/>
+            </a:pPr>
+            <a:r>
+              <a:rPr lang="en-US" b="0" i="0" dirty="0">
+                <a:solidFill>
+                  <a:srgbClr val="2C2C36"/>
+                </a:solidFill>
+                <a:effectLst/>
+                <a:latin typeface="system-ui"/>
+              </a:rPr>
+              <a:t>The filter accounts for uncertainties in both the prediction (process noise) and measurements (measurement noise).</a:t>
+            </a:r>
+          </a:p>
+          <a:p>
+            <a:pPr marL="971550" lvl="1" indent="-514350" algn="l">
+              <a:spcBef>
+                <a:spcPts val="900"/>
+              </a:spcBef>
+              <a:spcAft>
+                <a:spcPts val="900"/>
+              </a:spcAft>
+              <a:buFont typeface="+mj-lt"/>
+              <a:buAutoNum type="romanUcPeriod"/>
+            </a:pPr>
+            <a:r>
+              <a:rPr lang="en-US" b="0" i="0" dirty="0">
+                <a:solidFill>
+                  <a:srgbClr val="2C2C36"/>
+                </a:solidFill>
+                <a:effectLst/>
+                <a:latin typeface="system-ui"/>
+              </a:rPr>
+              <a:t>By weighting predictions and measurements based on their respective uncertainties, the Kalman Filter minimizes the impact of noise.</a:t>
+            </a:r>
+          </a:p>
+          <a:p>
+            <a:endParaRPr lang="en-US" dirty="0"/>
+          </a:p>
+        </p:txBody>
+      </p:sp>
+    </p:spTree>
+    <p:extLst>
+      <p:ext uri="{BB962C8B-B14F-4D97-AF65-F5344CB8AC3E}">
+        <p14:creationId xmlns:p14="http://schemas.microsoft.com/office/powerpoint/2010/main" val="2260533031"/>
+      </p:ext>
+    </p:extLst>
+  </p:cSld>
+  <p:clrMapOvr>
+    <a:masterClrMapping/>
+  </p:clrMapOvr>
+</p:sld>
+</file>
+
+<file path=ppt/slides/slide13.xml><?xml version="1.0" encoding="utf-8"?>
+<p:sld xmlns:a="http://schemas.openxmlformats.org/drawingml/2006/main" xmlns:r="http://schemas.openxmlformats.org/officeDocument/2006/relationships" xmlns:p="http://schemas.openxmlformats.org/presentationml/2006/main">
+  <p:cSld>
+    <p:spTree>
+      <p:nvGrpSpPr>
+        <p:cNvPr id="1" name=""/>
+        <p:cNvGrpSpPr/>
+        <p:nvPr/>
+      </p:nvGrpSpPr>
+      <p:grpSpPr>
+        <a:xfrm>
+          <a:off x="0" y="0"/>
+          <a:ext cx="0" cy="0"/>
+          <a:chOff x="0" y="0"/>
+          <a:chExt cx="0" cy="0"/>
+        </a:xfrm>
+      </p:grpSpPr>
+      <p:sp>
+        <p:nvSpPr>
+          <p:cNvPr id="2" name="Title 1">
+            <a:extLst>
+              <a:ext uri="{FF2B5EF4-FFF2-40B4-BE49-F238E27FC236}">
+                <a16:creationId xmlns:a16="http://schemas.microsoft.com/office/drawing/2014/main" id="{ECF294A0-3887-1E2A-9C42-DE04E0AF97FB}"/>
+              </a:ext>
+            </a:extLst>
+          </p:cNvPr>
+          <p:cNvSpPr>
+            <a:spLocks noGrp="1"/>
+          </p:cNvSpPr>
+          <p:nvPr>
+            <p:ph type="title"/>
+          </p:nvPr>
+        </p:nvSpPr>
+        <p:spPr/>
+        <p:txBody>
+          <a:bodyPr/>
+          <a:lstStyle/>
+          <a:p>
+            <a:endParaRPr lang="en-US"/>
+          </a:p>
+        </p:txBody>
+      </p:sp>
+      <p:sp>
+        <p:nvSpPr>
+          <p:cNvPr id="3" name="Content Placeholder 2">
+            <a:extLst>
+              <a:ext uri="{FF2B5EF4-FFF2-40B4-BE49-F238E27FC236}">
+                <a16:creationId xmlns:a16="http://schemas.microsoft.com/office/drawing/2014/main" id="{9F30FAEA-0279-21DB-1DDE-E839E729E728}"/>
+              </a:ext>
+            </a:extLst>
+          </p:cNvPr>
+          <p:cNvSpPr>
+            <a:spLocks noGrp="1"/>
+          </p:cNvSpPr>
+          <p:nvPr>
+            <p:ph idx="1"/>
+          </p:nvPr>
+        </p:nvSpPr>
+        <p:spPr/>
+        <p:txBody>
+          <a:bodyPr/>
+          <a:lstStyle/>
+          <a:p>
+            <a:pPr marL="514350" indent="-514350" algn="l">
+              <a:spcBef>
+                <a:spcPts val="900"/>
+              </a:spcBef>
+              <a:spcAft>
+                <a:spcPts val="900"/>
+              </a:spcAft>
+              <a:buFont typeface="+mj-lt"/>
+              <a:buAutoNum type="arabicPeriod" startAt="3"/>
+            </a:pPr>
+            <a:r>
+              <a:rPr lang="en-US" b="0" i="0" dirty="0">
+                <a:solidFill>
+                  <a:srgbClr val="111827"/>
+                </a:solidFill>
+                <a:effectLst/>
+                <a:latin typeface="system-ui"/>
+              </a:rPr>
+              <a:t>Recursive and Real-Time </a:t>
+            </a:r>
+            <a:r>
+              <a:rPr lang="en-US" b="0" i="0" dirty="0">
+                <a:solidFill>
+                  <a:srgbClr val="2C2C36"/>
+                </a:solidFill>
+                <a:effectLst/>
+                <a:latin typeface="system-ui"/>
+              </a:rPr>
+              <a:t>:</a:t>
+            </a:r>
+          </a:p>
+          <a:p>
+            <a:pPr marL="971550" lvl="1" indent="-514350" algn="l">
+              <a:spcBef>
+                <a:spcPts val="900"/>
+              </a:spcBef>
+              <a:spcAft>
+                <a:spcPts val="900"/>
+              </a:spcAft>
+              <a:buFont typeface="+mj-lt"/>
+              <a:buAutoNum type="romanUcPeriod"/>
+            </a:pPr>
+            <a:r>
+              <a:rPr lang="en-US" b="0" i="0" dirty="0">
+                <a:solidFill>
+                  <a:srgbClr val="2C2C36"/>
+                </a:solidFill>
+                <a:effectLst/>
+                <a:latin typeface="system-ui"/>
+              </a:rPr>
+              <a:t>The Kalman Filter operates recursively, updating the SoC estimate at each time step. This makes it suitable for real-time applications like BMS.</a:t>
+            </a:r>
+          </a:p>
+          <a:p>
+            <a:pPr algn="l">
+              <a:spcBef>
+                <a:spcPts val="900"/>
+              </a:spcBef>
+              <a:spcAft>
+                <a:spcPts val="900"/>
+              </a:spcAft>
+              <a:buFont typeface="+mj-lt"/>
+              <a:buAutoNum type="arabicPeriod" startAt="3"/>
+            </a:pPr>
+            <a:r>
+              <a:rPr lang="en-US" b="0" i="0" dirty="0">
+                <a:solidFill>
+                  <a:srgbClr val="111827"/>
+                </a:solidFill>
+                <a:effectLst/>
+                <a:latin typeface="system-ui"/>
+              </a:rPr>
+              <a:t> Optimal Estimation </a:t>
+            </a:r>
+            <a:r>
+              <a:rPr lang="en-US" b="0" i="0" dirty="0">
+                <a:solidFill>
+                  <a:srgbClr val="2C2C36"/>
+                </a:solidFill>
+                <a:effectLst/>
+                <a:latin typeface="system-ui"/>
+              </a:rPr>
+              <a:t>:</a:t>
+            </a:r>
+          </a:p>
+          <a:p>
+            <a:pPr marL="971550" lvl="1" indent="-514350" algn="l">
+              <a:spcBef>
+                <a:spcPts val="900"/>
+              </a:spcBef>
+              <a:spcAft>
+                <a:spcPts val="900"/>
+              </a:spcAft>
+              <a:buFont typeface="+mj-lt"/>
+              <a:buAutoNum type="romanUcPeriod"/>
+            </a:pPr>
+            <a:r>
+              <a:rPr lang="en-US" b="0" i="0" dirty="0">
+                <a:solidFill>
+                  <a:srgbClr val="2C2C36"/>
+                </a:solidFill>
+                <a:effectLst/>
+                <a:latin typeface="system-ui"/>
+              </a:rPr>
+              <a:t>Under the assumptions of linearity and Gaussian noise, the Kalman Filter provides the </a:t>
+            </a:r>
+            <a:r>
+              <a:rPr lang="en-US" b="0" i="0" dirty="0">
+                <a:solidFill>
+                  <a:srgbClr val="111827"/>
+                </a:solidFill>
+                <a:effectLst/>
+                <a:latin typeface="system-ui"/>
+              </a:rPr>
+              <a:t>minimum mean square error (MMSE) </a:t>
+            </a:r>
+            <a:r>
+              <a:rPr lang="en-US" b="0" i="0" dirty="0">
+                <a:solidFill>
+                  <a:srgbClr val="2C2C36"/>
+                </a:solidFill>
+                <a:effectLst/>
+                <a:latin typeface="system-ui"/>
+              </a:rPr>
+              <a:t>estimate of the state.</a:t>
+            </a:r>
+          </a:p>
+          <a:p>
+            <a:endParaRPr lang="en-US" dirty="0"/>
+          </a:p>
+        </p:txBody>
+      </p:sp>
+    </p:spTree>
+    <p:extLst>
+      <p:ext uri="{BB962C8B-B14F-4D97-AF65-F5344CB8AC3E}">
+        <p14:creationId xmlns:p14="http://schemas.microsoft.com/office/powerpoint/2010/main" val="3344687584"/>
+      </p:ext>
+    </p:extLst>
+  </p:cSld>
+  <p:clrMapOvr>
+    <a:masterClrMapping/>
+  </p:clrMapOvr>
+</p:sld>
+</file>
+
+<file path=ppt/slides/slide14.xml><?xml version="1.0" encoding="utf-8"?>
+<p:sld xmlns:a="http://schemas.openxmlformats.org/drawingml/2006/main" xmlns:r="http://schemas.openxmlformats.org/officeDocument/2006/relationships" xmlns:p="http://schemas.openxmlformats.org/presentationml/2006/main">
+  <p:cSld>
+    <p:spTree>
+      <p:nvGrpSpPr>
+        <p:cNvPr id="1" name=""/>
+        <p:cNvGrpSpPr/>
+        <p:nvPr/>
+      </p:nvGrpSpPr>
+      <p:grpSpPr>
+        <a:xfrm>
+          <a:off x="0" y="0"/>
+          <a:ext cx="0" cy="0"/>
+          <a:chOff x="0" y="0"/>
+          <a:chExt cx="0" cy="0"/>
+        </a:xfrm>
+      </p:grpSpPr>
+      <p:sp>
+        <p:nvSpPr>
+          <p:cNvPr id="2" name="Title 1">
+            <a:extLst>
+              <a:ext uri="{FF2B5EF4-FFF2-40B4-BE49-F238E27FC236}">
+                <a16:creationId xmlns:a16="http://schemas.microsoft.com/office/drawing/2014/main" id="{E5D90E8C-B476-C997-0DE0-42B7E562141D}"/>
+              </a:ext>
+            </a:extLst>
+          </p:cNvPr>
+          <p:cNvSpPr>
+            <a:spLocks noGrp="1"/>
+          </p:cNvSpPr>
+          <p:nvPr>
+            <p:ph type="title"/>
+          </p:nvPr>
+        </p:nvSpPr>
+        <p:spPr/>
+        <p:txBody>
+          <a:bodyPr/>
+          <a:lstStyle/>
+          <a:p>
+            <a:endParaRPr lang="en-US"/>
+          </a:p>
+        </p:txBody>
+      </p:sp>
+      <p:sp>
+        <p:nvSpPr>
+          <p:cNvPr id="3" name="Content Placeholder 2">
+            <a:extLst>
+              <a:ext uri="{FF2B5EF4-FFF2-40B4-BE49-F238E27FC236}">
+                <a16:creationId xmlns:a16="http://schemas.microsoft.com/office/drawing/2014/main" id="{A035B3FD-3C98-D42E-11FF-8F1D12590FFD}"/>
+              </a:ext>
+            </a:extLst>
+          </p:cNvPr>
+          <p:cNvSpPr>
+            <a:spLocks noGrp="1"/>
+          </p:cNvSpPr>
+          <p:nvPr>
+            <p:ph idx="1"/>
+          </p:nvPr>
+        </p:nvSpPr>
+        <p:spPr/>
+        <p:txBody>
+          <a:bodyPr/>
+          <a:lstStyle/>
+          <a:p>
+            <a:r>
+              <a:rPr lang="en-US" b="0" i="0" dirty="0">
+                <a:solidFill>
+                  <a:srgbClr val="2C2C36"/>
+                </a:solidFill>
+                <a:effectLst/>
+                <a:latin typeface="system-ui"/>
+              </a:rPr>
+              <a:t>The </a:t>
+            </a:r>
+            <a:r>
+              <a:rPr lang="en-US" b="0" i="0" dirty="0">
+                <a:solidFill>
+                  <a:srgbClr val="111827"/>
+                </a:solidFill>
+                <a:effectLst/>
+                <a:latin typeface="system-ui"/>
+              </a:rPr>
+              <a:t>Extended Kalman Filter (EKF) </a:t>
+            </a:r>
+            <a:r>
+              <a:rPr lang="en-US" b="0" i="0" dirty="0">
+                <a:solidFill>
+                  <a:srgbClr val="2C2C36"/>
+                </a:solidFill>
+                <a:effectLst/>
+                <a:latin typeface="system-ui"/>
+              </a:rPr>
+              <a:t>is a powerful extension of the standard Kalman Filter that allows it to handle </a:t>
+            </a:r>
+            <a:r>
+              <a:rPr lang="en-US" b="0" i="0" dirty="0">
+                <a:solidFill>
+                  <a:srgbClr val="111827"/>
+                </a:solidFill>
+                <a:effectLst/>
+                <a:latin typeface="system-ui"/>
+              </a:rPr>
+              <a:t>nonlinear systems.</a:t>
+            </a:r>
+          </a:p>
+          <a:p>
+            <a:r>
+              <a:rPr lang="en-US" b="0" i="0" dirty="0">
+                <a:solidFill>
+                  <a:srgbClr val="2C2C36"/>
+                </a:solidFill>
+                <a:effectLst/>
+                <a:latin typeface="system-ui"/>
+              </a:rPr>
+              <a:t>In a nonlinear system, the state transition and measurement models are expressed as:</a:t>
+            </a:r>
+          </a:p>
+          <a:p>
+            <a:pPr marL="0" indent="0">
+              <a:buNone/>
+            </a:pPr>
+            <a:endParaRPr lang="en-US" dirty="0"/>
+          </a:p>
+        </p:txBody>
+      </p:sp>
+    </p:spTree>
+    <p:extLst>
+      <p:ext uri="{BB962C8B-B14F-4D97-AF65-F5344CB8AC3E}">
+        <p14:creationId xmlns:p14="http://schemas.microsoft.com/office/powerpoint/2010/main" val="3732358346"/>
+      </p:ext>
+    </p:extLst>
+  </p:cSld>
+  <p:clrMapOvr>
+    <a:masterClrMapping/>
+  </p:clrMapOvr>
+</p:sld>
+</file>
+
+<file path=ppt/slides/slide15.xml><?xml version="1.0" encoding="utf-8"?>
+<p:sld xmlns:a="http://schemas.openxmlformats.org/drawingml/2006/main" xmlns:r="http://schemas.openxmlformats.org/officeDocument/2006/relationships" xmlns:p="http://schemas.openxmlformats.org/presentationml/2006/main">
+  <p:cSld>
+    <p:spTree>
+      <p:nvGrpSpPr>
+        <p:cNvPr id="1" name=""/>
+        <p:cNvGrpSpPr/>
+        <p:nvPr/>
+      </p:nvGrpSpPr>
+      <p:grpSpPr>
+        <a:xfrm>
+          <a:off x="0" y="0"/>
+          <a:ext cx="0" cy="0"/>
+          <a:chOff x="0" y="0"/>
+          <a:chExt cx="0" cy="0"/>
+        </a:xfrm>
+      </p:grpSpPr>
+      <p:sp>
+        <p:nvSpPr>
+          <p:cNvPr id="2" name="Title 1">
+            <a:extLst>
+              <a:ext uri="{FF2B5EF4-FFF2-40B4-BE49-F238E27FC236}">
+                <a16:creationId xmlns:a16="http://schemas.microsoft.com/office/drawing/2014/main" id="{9606E023-D74E-FBEC-0D75-0B4C1F99D04B}"/>
+              </a:ext>
+            </a:extLst>
+          </p:cNvPr>
+          <p:cNvSpPr>
+            <a:spLocks noGrp="1"/>
+          </p:cNvSpPr>
+          <p:nvPr>
+            <p:ph type="title"/>
+          </p:nvPr>
+        </p:nvSpPr>
+        <p:spPr/>
+        <p:txBody>
+          <a:bodyPr/>
+          <a:lstStyle/>
+          <a:p>
+            <a:r>
+              <a:rPr lang="en-US" b="1" i="0" dirty="0">
+                <a:solidFill>
+                  <a:srgbClr val="2C2C36"/>
+                </a:solidFill>
+                <a:effectLst/>
+                <a:latin typeface="system-ui"/>
+              </a:rPr>
+              <a:t>Problem Setup</a:t>
+            </a:r>
+            <a:endParaRPr lang="en-US" dirty="0"/>
+          </a:p>
+        </p:txBody>
+      </p:sp>
+      <mc:AlternateContent xmlns:mc="http://schemas.openxmlformats.org/markup-compatibility/2006">
+        <mc:Choice xmlns:a14="http://schemas.microsoft.com/office/drawing/2010/main" Requires="a14">
+          <p:sp>
+            <p:nvSpPr>
+              <p:cNvPr id="3" name="Content Placeholder 2">
+                <a:extLst>
+                  <a:ext uri="{FF2B5EF4-FFF2-40B4-BE49-F238E27FC236}">
+                    <a16:creationId xmlns:a16="http://schemas.microsoft.com/office/drawing/2014/main" id="{7B83E401-9945-11FF-635E-BD9CB358B6E9}"/>
+                  </a:ext>
+                </a:extLst>
+              </p:cNvPr>
+              <p:cNvSpPr>
+                <a:spLocks noGrp="1"/>
+              </p:cNvSpPr>
+              <p:nvPr>
+                <p:ph idx="1"/>
+              </p:nvPr>
+            </p:nvSpPr>
+            <p:spPr/>
+            <p:txBody>
+              <a:bodyPr>
+                <a:normAutofit fontScale="92500" lnSpcReduction="10000"/>
+              </a:bodyPr>
+              <a:lstStyle/>
+              <a:p>
+                <a:pPr algn="l">
+                  <a:spcBef>
+                    <a:spcPts val="900"/>
+                  </a:spcBef>
+                  <a:spcAft>
+                    <a:spcPts val="900"/>
+                  </a:spcAft>
+                  <a:buNone/>
+                </a:pPr>
+                <a:r>
+                  <a:rPr lang="en-US" b="1" i="0" dirty="0">
+                    <a:solidFill>
+                      <a:srgbClr val="2C2C36"/>
+                    </a:solidFill>
+                    <a:effectLst/>
+                    <a:latin typeface="system-ui"/>
+                  </a:rPr>
+                  <a:t>State Transition Model</a:t>
+                </a:r>
+              </a:p>
+              <a:p>
+                <a:pPr algn="l">
+                  <a:spcBef>
+                    <a:spcPts val="900"/>
+                  </a:spcBef>
+                  <a:spcAft>
+                    <a:spcPts val="900"/>
+                  </a:spcAft>
+                  <a:buNone/>
+                </a:pPr>
+                <a:r>
+                  <a:rPr lang="en-US" b="0" i="0" dirty="0">
+                    <a:solidFill>
+                      <a:srgbClr val="2C2C36"/>
+                    </a:solidFill>
+                    <a:effectLst/>
+                    <a:latin typeface="system-ui"/>
+                  </a:rPr>
+                  <a:t>The state evolves according to a nonlinear function:</a:t>
+                </a:r>
+              </a:p>
+              <a:p>
+                <a:pPr>
+                  <a:spcBef>
+                    <a:spcPts val="900"/>
+                  </a:spcBef>
+                  <a:spcAft>
+                    <a:spcPts val="900"/>
+                  </a:spcAft>
+                  <a:buNone/>
+                </a:pPr>
+                <a14:m>
+                  <m:oMathPara xmlns:m="http://schemas.openxmlformats.org/officeDocument/2006/math">
+                    <m:oMathParaPr>
+                      <m:jc m:val="centerGroup"/>
+                    </m:oMathParaPr>
+                    <m:oMath xmlns:m="http://schemas.openxmlformats.org/officeDocument/2006/math">
+                      <m:sSub>
+                        <m:sSubPr>
+                          <m:ctrlPr>
+                            <a:rPr lang="en-US" b="0" i="1" dirty="0" smtClean="0">
+                              <a:solidFill>
+                                <a:srgbClr val="2C2C36"/>
+                              </a:solidFill>
+                              <a:effectLst/>
+                              <a:latin typeface="Cambria Math" panose="02040503050406030204" pitchFamily="18" charset="0"/>
+                            </a:rPr>
+                          </m:ctrlPr>
+                        </m:sSubPr>
+                        <m:e>
+                          <m:r>
+                            <a:rPr lang="en-US" b="1" i="1" dirty="0" smtClean="0">
+                              <a:solidFill>
+                                <a:srgbClr val="2C2C36"/>
+                              </a:solidFill>
+                              <a:effectLst/>
+                              <a:latin typeface="Cambria Math" panose="02040503050406030204" pitchFamily="18" charset="0"/>
+                            </a:rPr>
+                            <m:t>𝒙</m:t>
+                          </m:r>
+                        </m:e>
+                        <m:sub>
+                          <m:r>
+                            <a:rPr lang="en-US" b="0" i="1" dirty="0" err="1" smtClean="0">
+                              <a:solidFill>
+                                <a:srgbClr val="2C2C36"/>
+                              </a:solidFill>
+                              <a:effectLst/>
+                              <a:latin typeface="Cambria Math" panose="02040503050406030204" pitchFamily="18" charset="0"/>
+                            </a:rPr>
+                            <m:t>𝑘</m:t>
+                          </m:r>
+                        </m:sub>
+                      </m:sSub>
+                      <m:r>
+                        <a:rPr lang="en-US" b="0" i="1" dirty="0" smtClean="0">
+                          <a:solidFill>
+                            <a:srgbClr val="2C2C36"/>
+                          </a:solidFill>
+                          <a:effectLst/>
+                          <a:latin typeface="Cambria Math" panose="02040503050406030204" pitchFamily="18" charset="0"/>
+                        </a:rPr>
+                        <m:t>​=</m:t>
+                      </m:r>
+                      <m:r>
+                        <a:rPr lang="en-US" b="0" i="1" dirty="0" smtClean="0">
+                          <a:solidFill>
+                            <a:srgbClr val="2C2C36"/>
+                          </a:solidFill>
+                          <a:effectLst/>
+                          <a:latin typeface="Cambria Math" panose="02040503050406030204" pitchFamily="18" charset="0"/>
+                        </a:rPr>
+                        <m:t>𝑓</m:t>
+                      </m:r>
+                      <m:r>
+                        <a:rPr lang="en-US" b="0" i="1" dirty="0" smtClean="0">
+                          <a:solidFill>
+                            <a:srgbClr val="2C2C36"/>
+                          </a:solidFill>
+                          <a:effectLst/>
+                          <a:latin typeface="Cambria Math" panose="02040503050406030204" pitchFamily="18" charset="0"/>
+                        </a:rPr>
+                        <m:t>(</m:t>
+                      </m:r>
+                      <m:sSub>
+                        <m:sSubPr>
+                          <m:ctrlPr>
+                            <a:rPr lang="en-US" b="0" i="1" dirty="0" smtClean="0">
+                              <a:solidFill>
+                                <a:srgbClr val="2C2C36"/>
+                              </a:solidFill>
+                              <a:effectLst/>
+                              <a:latin typeface="Cambria Math" panose="02040503050406030204" pitchFamily="18" charset="0"/>
+                            </a:rPr>
+                          </m:ctrlPr>
+                        </m:sSubPr>
+                        <m:e>
+                          <m:r>
+                            <a:rPr lang="en-US" b="1" i="1" dirty="0" smtClean="0">
+                              <a:solidFill>
+                                <a:srgbClr val="2C2C36"/>
+                              </a:solidFill>
+                              <a:effectLst/>
+                              <a:latin typeface="Cambria Math" panose="02040503050406030204" pitchFamily="18" charset="0"/>
+                            </a:rPr>
+                            <m:t>𝒙</m:t>
+                          </m:r>
+                        </m:e>
+                        <m:sub>
+                          <m:r>
+                            <a:rPr lang="en-US" b="0" i="1" dirty="0" smtClean="0">
+                              <a:solidFill>
+                                <a:srgbClr val="2C2C36"/>
+                              </a:solidFill>
+                              <a:effectLst/>
+                              <a:latin typeface="Cambria Math" panose="02040503050406030204" pitchFamily="18" charset="0"/>
+                            </a:rPr>
+                            <m:t>𝑘</m:t>
+                          </m:r>
+                          <m:r>
+                            <a:rPr lang="en-US" b="0" i="1" dirty="0" smtClean="0">
+                              <a:solidFill>
+                                <a:srgbClr val="2C2C36"/>
+                              </a:solidFill>
+                              <a:effectLst/>
+                              <a:latin typeface="Cambria Math" panose="02040503050406030204" pitchFamily="18" charset="0"/>
+                            </a:rPr>
+                            <m:t>−1</m:t>
+                          </m:r>
+                        </m:sub>
+                      </m:sSub>
+                      <m:r>
+                        <a:rPr lang="en-US" b="0" i="1" dirty="0" smtClean="0">
+                          <a:solidFill>
+                            <a:srgbClr val="2C2C36"/>
+                          </a:solidFill>
+                          <a:effectLst/>
+                          <a:latin typeface="Cambria Math" panose="02040503050406030204" pitchFamily="18" charset="0"/>
+                        </a:rPr>
+                        <m:t>​,</m:t>
+                      </m:r>
+                      <m:sSub>
+                        <m:sSubPr>
+                          <m:ctrlPr>
+                            <a:rPr lang="en-US" b="0" i="1" dirty="0" smtClean="0">
+                              <a:solidFill>
+                                <a:srgbClr val="2C2C36"/>
+                              </a:solidFill>
+                              <a:effectLst/>
+                              <a:latin typeface="Cambria Math" panose="02040503050406030204" pitchFamily="18" charset="0"/>
+                            </a:rPr>
+                          </m:ctrlPr>
+                        </m:sSubPr>
+                        <m:e>
+                          <m:r>
+                            <a:rPr lang="en-US" b="1" i="1" dirty="0" err="1" smtClean="0">
+                              <a:solidFill>
+                                <a:srgbClr val="2C2C36"/>
+                              </a:solidFill>
+                              <a:effectLst/>
+                              <a:latin typeface="Cambria Math" panose="02040503050406030204" pitchFamily="18" charset="0"/>
+                            </a:rPr>
+                            <m:t>𝒖</m:t>
+                          </m:r>
+                        </m:e>
+                        <m:sub>
+                          <m:r>
+                            <a:rPr lang="en-US" b="0" i="1" dirty="0" err="1" smtClean="0">
+                              <a:solidFill>
+                                <a:srgbClr val="2C2C36"/>
+                              </a:solidFill>
+                              <a:effectLst/>
+                              <a:latin typeface="Cambria Math" panose="02040503050406030204" pitchFamily="18" charset="0"/>
+                            </a:rPr>
+                            <m:t>𝑘</m:t>
+                          </m:r>
+                        </m:sub>
+                      </m:sSub>
+                      <m:r>
+                        <a:rPr lang="en-US" b="0" i="1" dirty="0" smtClean="0">
+                          <a:solidFill>
+                            <a:srgbClr val="2C2C36"/>
+                          </a:solidFill>
+                          <a:effectLst/>
+                          <a:latin typeface="Cambria Math" panose="02040503050406030204" pitchFamily="18" charset="0"/>
+                        </a:rPr>
+                        <m:t>​)+</m:t>
+                      </m:r>
+                      <m:sSub>
+                        <m:sSubPr>
+                          <m:ctrlPr>
+                            <a:rPr lang="en-US" b="0" i="1" dirty="0" smtClean="0">
+                              <a:solidFill>
+                                <a:srgbClr val="2C2C36"/>
+                              </a:solidFill>
+                              <a:effectLst/>
+                              <a:latin typeface="Cambria Math" panose="02040503050406030204" pitchFamily="18" charset="0"/>
+                            </a:rPr>
+                          </m:ctrlPr>
+                        </m:sSubPr>
+                        <m:e>
+                          <m:r>
+                            <a:rPr lang="en-US" b="1" i="1" dirty="0" err="1" smtClean="0">
+                              <a:solidFill>
+                                <a:srgbClr val="2C2C36"/>
+                              </a:solidFill>
+                              <a:effectLst/>
+                              <a:latin typeface="Cambria Math" panose="02040503050406030204" pitchFamily="18" charset="0"/>
+                            </a:rPr>
+                            <m:t>𝒘</m:t>
+                          </m:r>
+                        </m:e>
+                        <m:sub>
+                          <m:r>
+                            <a:rPr lang="en-US" b="0" i="1" dirty="0" err="1" smtClean="0">
+                              <a:solidFill>
+                                <a:srgbClr val="2C2C36"/>
+                              </a:solidFill>
+                              <a:effectLst/>
+                              <a:latin typeface="Cambria Math" panose="02040503050406030204" pitchFamily="18" charset="0"/>
+                            </a:rPr>
+                            <m:t>𝑘</m:t>
+                          </m:r>
+                        </m:sub>
+                      </m:sSub>
+                      <m:r>
+                        <a:rPr lang="en-US" b="0" i="1" dirty="0" smtClean="0">
+                          <a:solidFill>
+                            <a:srgbClr val="2C2C36"/>
+                          </a:solidFill>
+                          <a:effectLst/>
+                          <a:latin typeface="Cambria Math" panose="02040503050406030204" pitchFamily="18" charset="0"/>
+                        </a:rPr>
+                        <m:t>​</m:t>
+                      </m:r>
+                    </m:oMath>
+                  </m:oMathPara>
+                </a14:m>
+                <a:endParaRPr lang="en-US" b="0" i="0" dirty="0">
+                  <a:solidFill>
+                    <a:srgbClr val="2C2C36"/>
+                  </a:solidFill>
+                  <a:effectLst/>
+                  <a:latin typeface="KaTeX_Main"/>
+                </a:endParaRPr>
+              </a:p>
+              <a:p>
+                <a:pPr algn="l">
+                  <a:spcBef>
+                    <a:spcPts val="900"/>
+                  </a:spcBef>
+                  <a:spcAft>
+                    <a:spcPts val="900"/>
+                  </a:spcAft>
+                  <a:buNone/>
+                </a:pPr>
+                <a:r>
+                  <a:rPr lang="en-US" b="0" i="0" dirty="0">
+                    <a:solidFill>
+                      <a:srgbClr val="2C2C36"/>
+                    </a:solidFill>
+                    <a:effectLst/>
+                    <a:latin typeface="system-ui"/>
+                  </a:rPr>
+                  <a:t>where:</a:t>
+                </a:r>
+              </a:p>
+              <a:p>
+                <a:pPr algn="l">
+                  <a:spcBef>
+                    <a:spcPts val="900"/>
+                  </a:spcBef>
+                  <a:spcAft>
+                    <a:spcPts val="900"/>
+                  </a:spcAft>
+                  <a:buFont typeface="Arial" panose="020B0604020202020204" pitchFamily="34" charset="0"/>
+                  <a:buChar char="•"/>
+                </a:pPr>
+                <a14:m>
+                  <m:oMath xmlns:m="http://schemas.openxmlformats.org/officeDocument/2006/math">
+                    <m:sSub>
+                      <m:sSubPr>
+                        <m:ctrlPr>
+                          <a:rPr lang="en-US" b="0" i="1" dirty="0" smtClean="0">
+                            <a:solidFill>
+                              <a:srgbClr val="2C2C36"/>
+                            </a:solidFill>
+                            <a:effectLst/>
+                            <a:latin typeface="Cambria Math" panose="02040503050406030204" pitchFamily="18" charset="0"/>
+                          </a:rPr>
+                        </m:ctrlPr>
+                      </m:sSubPr>
+                      <m:e>
+                        <m:r>
+                          <a:rPr lang="en-US" b="1" i="1" dirty="0" smtClean="0">
+                            <a:solidFill>
+                              <a:srgbClr val="2C2C36"/>
+                            </a:solidFill>
+                            <a:effectLst/>
+                            <a:latin typeface="Cambria Math" panose="02040503050406030204" pitchFamily="18" charset="0"/>
+                          </a:rPr>
+                          <m:t>𝒙</m:t>
+                        </m:r>
+                      </m:e>
+                      <m:sub>
+                        <m:r>
+                          <a:rPr lang="en-US" b="0" i="1" dirty="0" err="1" smtClean="0">
+                            <a:solidFill>
+                              <a:srgbClr val="2C2C36"/>
+                            </a:solidFill>
+                            <a:effectLst/>
+                            <a:latin typeface="Cambria Math" panose="02040503050406030204" pitchFamily="18" charset="0"/>
+                          </a:rPr>
+                          <m:t>𝑘</m:t>
+                        </m:r>
+                      </m:sub>
+                    </m:sSub>
+                    <m:r>
+                      <a:rPr lang="en-US" b="0" i="1" dirty="0" smtClean="0">
+                        <a:solidFill>
+                          <a:srgbClr val="2C2C36"/>
+                        </a:solidFill>
+                        <a:effectLst/>
+                        <a:latin typeface="Cambria Math" panose="02040503050406030204" pitchFamily="18" charset="0"/>
+                      </a:rPr>
+                      <m:t>​</m:t>
+                    </m:r>
+                  </m:oMath>
+                </a14:m>
+                <a:r>
+                  <a:rPr lang="en-US" b="0" i="0" dirty="0">
+                    <a:solidFill>
+                      <a:srgbClr val="2C2C36"/>
+                    </a:solidFill>
+                    <a:effectLst/>
+                    <a:latin typeface="system-ui"/>
+                  </a:rPr>
+                  <a:t>: State vector at time </a:t>
+                </a:r>
+                <a:r>
+                  <a:rPr lang="en-US" b="0" i="1" dirty="0">
+                    <a:solidFill>
+                      <a:srgbClr val="2C2C36"/>
+                    </a:solidFill>
+                    <a:effectLst/>
+                    <a:latin typeface="KaTeX_Math"/>
+                  </a:rPr>
+                  <a:t>k</a:t>
+                </a:r>
+                <a:r>
+                  <a:rPr lang="en-US" b="0" i="0" dirty="0">
+                    <a:solidFill>
+                      <a:srgbClr val="2C2C36"/>
+                    </a:solidFill>
+                    <a:effectLst/>
+                    <a:latin typeface="system-ui"/>
+                  </a:rPr>
+                  <a:t>.</a:t>
+                </a:r>
+              </a:p>
+              <a:p>
+                <a:pPr algn="l">
+                  <a:spcBef>
+                    <a:spcPts val="900"/>
+                  </a:spcBef>
+                  <a:spcAft>
+                    <a:spcPts val="900"/>
+                  </a:spcAft>
+                  <a:buFont typeface="Arial" panose="020B0604020202020204" pitchFamily="34" charset="0"/>
+                  <a:buChar char="•"/>
+                </a:pPr>
+                <a14:m>
+                  <m:oMath xmlns:m="http://schemas.openxmlformats.org/officeDocument/2006/math">
+                    <m:sSub>
+                      <m:sSubPr>
+                        <m:ctrlPr>
+                          <a:rPr lang="en-US" b="0" i="1" dirty="0" smtClean="0">
+                            <a:solidFill>
+                              <a:srgbClr val="2C2C36"/>
+                            </a:solidFill>
+                            <a:effectLst/>
+                            <a:latin typeface="Cambria Math" panose="02040503050406030204" pitchFamily="18" charset="0"/>
+                          </a:rPr>
+                        </m:ctrlPr>
+                      </m:sSubPr>
+                      <m:e>
+                        <m:r>
+                          <a:rPr lang="en-US" b="1" i="1" dirty="0" smtClean="0">
+                            <a:solidFill>
+                              <a:srgbClr val="2C2C36"/>
+                            </a:solidFill>
+                            <a:effectLst/>
+                            <a:latin typeface="Cambria Math" panose="02040503050406030204" pitchFamily="18" charset="0"/>
+                          </a:rPr>
+                          <m:t>𝒖</m:t>
+                        </m:r>
+                      </m:e>
+                      <m:sub>
+                        <m:r>
+                          <a:rPr lang="en-US" b="0" i="1" dirty="0" err="1" smtClean="0">
+                            <a:solidFill>
+                              <a:srgbClr val="2C2C36"/>
+                            </a:solidFill>
+                            <a:effectLst/>
+                            <a:latin typeface="Cambria Math" panose="02040503050406030204" pitchFamily="18" charset="0"/>
+                          </a:rPr>
+                          <m:t>𝑘</m:t>
+                        </m:r>
+                      </m:sub>
+                    </m:sSub>
+                    <m:r>
+                      <a:rPr lang="en-US" b="0" i="1" dirty="0" smtClean="0">
+                        <a:solidFill>
+                          <a:srgbClr val="2C2C36"/>
+                        </a:solidFill>
+                        <a:effectLst/>
+                        <a:latin typeface="Cambria Math" panose="02040503050406030204" pitchFamily="18" charset="0"/>
+                      </a:rPr>
+                      <m:t>​</m:t>
+                    </m:r>
+                  </m:oMath>
+                </a14:m>
+                <a:r>
+                  <a:rPr lang="en-US" b="0" i="0" dirty="0">
+                    <a:solidFill>
+                      <a:srgbClr val="2C2C36"/>
+                    </a:solidFill>
+                    <a:effectLst/>
+                    <a:latin typeface="system-ui"/>
+                  </a:rPr>
+                  <a:t>: Control input (e.g., current in battery systems).</a:t>
+                </a:r>
+              </a:p>
+              <a:p>
+                <a:pPr algn="l">
+                  <a:spcBef>
+                    <a:spcPts val="900"/>
+                  </a:spcBef>
+                  <a:spcAft>
+                    <a:spcPts val="900"/>
+                  </a:spcAft>
+                  <a:buFont typeface="Arial" panose="020B0604020202020204" pitchFamily="34" charset="0"/>
+                  <a:buChar char="•"/>
+                </a:pPr>
+                <a14:m>
+                  <m:oMath xmlns:m="http://schemas.openxmlformats.org/officeDocument/2006/math">
+                    <m:r>
+                      <a:rPr lang="en-US" b="0" i="1" dirty="0" smtClean="0">
+                        <a:solidFill>
+                          <a:srgbClr val="2C2C36"/>
+                        </a:solidFill>
+                        <a:effectLst/>
+                        <a:latin typeface="Cambria Math" panose="02040503050406030204" pitchFamily="18" charset="0"/>
+                      </a:rPr>
+                      <m:t>𝑓</m:t>
+                    </m:r>
+                    <m:r>
+                      <a:rPr lang="en-US" b="0" i="1" dirty="0" smtClean="0">
+                        <a:solidFill>
+                          <a:srgbClr val="2C2C36"/>
+                        </a:solidFill>
+                        <a:effectLst/>
+                        <a:latin typeface="Cambria Math" panose="02040503050406030204" pitchFamily="18" charset="0"/>
+                      </a:rPr>
+                      <m:t>(⋅)</m:t>
+                    </m:r>
+                  </m:oMath>
+                </a14:m>
+                <a:r>
+                  <a:rPr lang="en-US" b="0" i="0" dirty="0">
+                    <a:solidFill>
+                      <a:srgbClr val="2C2C36"/>
+                    </a:solidFill>
+                    <a:effectLst/>
+                    <a:latin typeface="system-ui"/>
+                  </a:rPr>
+                  <a:t>: Nonlinear function describing the system dynamics.</a:t>
+                </a:r>
+              </a:p>
+              <a:p>
+                <a:pPr algn="l">
+                  <a:spcBef>
+                    <a:spcPts val="900"/>
+                  </a:spcBef>
+                  <a:spcAft>
+                    <a:spcPts val="900"/>
+                  </a:spcAft>
+                  <a:buFont typeface="Arial" panose="020B0604020202020204" pitchFamily="34" charset="0"/>
+                  <a:buChar char="•"/>
+                </a:pPr>
+                <a14:m>
+                  <m:oMath xmlns:m="http://schemas.openxmlformats.org/officeDocument/2006/math">
+                    <m:sSub>
+                      <m:sSubPr>
+                        <m:ctrlPr>
+                          <a:rPr lang="en-US" b="0" i="1" dirty="0" smtClean="0">
+                            <a:solidFill>
+                              <a:srgbClr val="2C2C36"/>
+                            </a:solidFill>
+                            <a:effectLst/>
+                            <a:latin typeface="Cambria Math" panose="02040503050406030204" pitchFamily="18" charset="0"/>
+                          </a:rPr>
+                        </m:ctrlPr>
+                      </m:sSubPr>
+                      <m:e>
+                        <m:r>
+                          <a:rPr lang="en-US" b="1" i="1" dirty="0" smtClean="0">
+                            <a:solidFill>
+                              <a:srgbClr val="2C2C36"/>
+                            </a:solidFill>
+                            <a:effectLst/>
+                            <a:latin typeface="Cambria Math" panose="02040503050406030204" pitchFamily="18" charset="0"/>
+                          </a:rPr>
+                          <m:t>𝒘</m:t>
+                        </m:r>
+                      </m:e>
+                      <m:sub>
+                        <m:r>
+                          <a:rPr lang="en-US" b="0" i="1" dirty="0" err="1" smtClean="0">
+                            <a:solidFill>
+                              <a:srgbClr val="2C2C36"/>
+                            </a:solidFill>
+                            <a:effectLst/>
+                            <a:latin typeface="Cambria Math" panose="02040503050406030204" pitchFamily="18" charset="0"/>
+                          </a:rPr>
+                          <m:t>𝑘</m:t>
+                        </m:r>
+                      </m:sub>
+                    </m:sSub>
+                    <m:r>
+                      <a:rPr lang="en-US" b="0" i="1" dirty="0" smtClean="0">
+                        <a:solidFill>
+                          <a:srgbClr val="2C2C36"/>
+                        </a:solidFill>
+                        <a:effectLst/>
+                        <a:latin typeface="Cambria Math" panose="02040503050406030204" pitchFamily="18" charset="0"/>
+                      </a:rPr>
+                      <m:t>​</m:t>
+                    </m:r>
+                  </m:oMath>
+                </a14:m>
+                <a:r>
+                  <a:rPr lang="en-US" b="0" i="0" dirty="0">
+                    <a:solidFill>
+                      <a:srgbClr val="2C2C36"/>
+                    </a:solidFill>
+                    <a:effectLst/>
+                    <a:latin typeface="system-ui"/>
+                  </a:rPr>
+                  <a:t>: Process noise (assumed Gaussian with covariance </a:t>
+                </a:r>
+                <a:r>
+                  <a:rPr lang="en-US" b="1" i="0" dirty="0" err="1">
+                    <a:solidFill>
+                      <a:srgbClr val="2C2C36"/>
+                    </a:solidFill>
+                    <a:effectLst/>
+                    <a:latin typeface="KaTeX_Main"/>
+                  </a:rPr>
+                  <a:t>Q</a:t>
+                </a:r>
+                <a:r>
+                  <a:rPr lang="en-US" b="0" i="1" dirty="0" err="1">
+                    <a:solidFill>
+                      <a:srgbClr val="2C2C36"/>
+                    </a:solidFill>
+                    <a:effectLst/>
+                    <a:latin typeface="KaTeX_Math"/>
+                  </a:rPr>
+                  <a:t>k</a:t>
+                </a:r>
+                <a:r>
+                  <a:rPr lang="en-US" b="0" i="0" dirty="0">
+                    <a:solidFill>
+                      <a:srgbClr val="2C2C36"/>
+                    </a:solidFill>
+                    <a:effectLst/>
+                    <a:latin typeface="KaTeX_Main"/>
+                  </a:rPr>
+                  <a:t>​</a:t>
+                </a:r>
+                <a:r>
+                  <a:rPr lang="en-US" b="0" i="0" dirty="0">
+                    <a:solidFill>
+                      <a:srgbClr val="2C2C36"/>
+                    </a:solidFill>
+                    <a:effectLst/>
+                    <a:latin typeface="system-ui"/>
+                  </a:rPr>
+                  <a:t>).</a:t>
+                </a:r>
+              </a:p>
+              <a:p>
+                <a:endParaRPr lang="en-US" dirty="0"/>
+              </a:p>
+            </p:txBody>
+          </p:sp>
+        </mc:Choice>
+        <mc:Fallback>
+          <p:sp>
+            <p:nvSpPr>
+              <p:cNvPr id="3" name="Content Placeholder 2">
+                <a:extLst>
+                  <a:ext uri="{FF2B5EF4-FFF2-40B4-BE49-F238E27FC236}">
+                    <a16:creationId xmlns:a16="http://schemas.microsoft.com/office/drawing/2014/main" id="{7B83E401-9945-11FF-635E-BD9CB358B6E9}"/>
+                  </a:ext>
+                </a:extLst>
+              </p:cNvPr>
+              <p:cNvSpPr>
+                <a:spLocks noGrp="1" noRot="1" noChangeAspect="1" noMove="1" noResize="1" noEditPoints="1" noAdjustHandles="1" noChangeArrowheads="1" noChangeShapeType="1" noTextEdit="1"/>
+              </p:cNvSpPr>
+              <p:nvPr>
+                <p:ph idx="1"/>
+              </p:nvPr>
+            </p:nvSpPr>
+            <p:spPr>
+              <a:blipFill>
+                <a:blip r:embed="rId2"/>
+                <a:stretch>
+                  <a:fillRect l="-1043" t="-2801"/>
+                </a:stretch>
+              </a:blipFill>
+            </p:spPr>
+            <p:txBody>
+              <a:bodyPr/>
+              <a:lstStyle/>
+              <a:p>
+                <a:r>
+                  <a:rPr lang="en-US">
+                    <a:noFill/>
+                  </a:rPr>
+                  <a:t> </a:t>
+                </a:r>
+              </a:p>
+            </p:txBody>
+          </p:sp>
+        </mc:Fallback>
+      </mc:AlternateContent>
+    </p:spTree>
+    <p:extLst>
+      <p:ext uri="{BB962C8B-B14F-4D97-AF65-F5344CB8AC3E}">
+        <p14:creationId xmlns:p14="http://schemas.microsoft.com/office/powerpoint/2010/main" val="3176982011"/>
+      </p:ext>
+    </p:extLst>
+  </p:cSld>
+  <p:clrMapOvr>
+    <a:masterClrMapping/>
+  </p:clrMapOvr>
+</p:sld>
+</file>
+
+<file path=ppt/slides/slide16.xml><?xml version="1.0" encoding="utf-8"?>
+<p:sld xmlns:a="http://schemas.openxmlformats.org/drawingml/2006/main" xmlns:r="http://schemas.openxmlformats.org/officeDocument/2006/relationships" xmlns:p="http://schemas.openxmlformats.org/presentationml/2006/main">
+  <p:cSld>
+    <p:spTree>
+      <p:nvGrpSpPr>
+        <p:cNvPr id="1" name=""/>
+        <p:cNvGrpSpPr/>
+        <p:nvPr/>
+      </p:nvGrpSpPr>
+      <p:grpSpPr>
+        <a:xfrm>
+          <a:off x="0" y="0"/>
+          <a:ext cx="0" cy="0"/>
+          <a:chOff x="0" y="0"/>
+          <a:chExt cx="0" cy="0"/>
+        </a:xfrm>
+      </p:grpSpPr>
+      <p:sp>
+        <p:nvSpPr>
+          <p:cNvPr id="2" name="Title 1">
+            <a:extLst>
+              <a:ext uri="{FF2B5EF4-FFF2-40B4-BE49-F238E27FC236}">
+                <a16:creationId xmlns:a16="http://schemas.microsoft.com/office/drawing/2014/main" id="{A06E1347-7BA6-8147-49F3-8087FAA4881B}"/>
+              </a:ext>
+            </a:extLst>
+          </p:cNvPr>
+          <p:cNvSpPr>
+            <a:spLocks noGrp="1"/>
+          </p:cNvSpPr>
+          <p:nvPr>
+            <p:ph type="title"/>
+          </p:nvPr>
+        </p:nvSpPr>
+        <p:spPr/>
+        <p:txBody>
+          <a:bodyPr/>
+          <a:lstStyle/>
+          <a:p>
+            <a:endParaRPr lang="en-US"/>
+          </a:p>
+        </p:txBody>
+      </p:sp>
+      <mc:AlternateContent xmlns:mc="http://schemas.openxmlformats.org/markup-compatibility/2006">
+        <mc:Choice xmlns:a14="http://schemas.microsoft.com/office/drawing/2010/main" Requires="a14">
+          <p:sp>
+            <p:nvSpPr>
+              <p:cNvPr id="3" name="Content Placeholder 2">
+                <a:extLst>
+                  <a:ext uri="{FF2B5EF4-FFF2-40B4-BE49-F238E27FC236}">
+                    <a16:creationId xmlns:a16="http://schemas.microsoft.com/office/drawing/2014/main" id="{FC5F8332-90EF-C9AD-B984-D19E9BFE4F97}"/>
+                  </a:ext>
+                </a:extLst>
+              </p:cNvPr>
+              <p:cNvSpPr>
+                <a:spLocks noGrp="1"/>
+              </p:cNvSpPr>
+              <p:nvPr>
+                <p:ph idx="1"/>
+              </p:nvPr>
+            </p:nvSpPr>
+            <p:spPr/>
+            <p:txBody>
+              <a:bodyPr>
+                <a:normAutofit lnSpcReduction="10000"/>
+              </a:bodyPr>
+              <a:lstStyle/>
+              <a:p>
+                <a:pPr algn="l">
+                  <a:spcBef>
+                    <a:spcPts val="900"/>
+                  </a:spcBef>
+                  <a:spcAft>
+                    <a:spcPts val="900"/>
+                  </a:spcAft>
+                  <a:buNone/>
+                </a:pPr>
+                <a:r>
+                  <a:rPr lang="en-US" b="1" i="0" dirty="0">
+                    <a:solidFill>
+                      <a:srgbClr val="2C2C36"/>
+                    </a:solidFill>
+                    <a:effectLst/>
+                    <a:latin typeface="system-ui"/>
+                  </a:rPr>
+                  <a:t>Measurement Model</a:t>
+                </a:r>
+              </a:p>
+              <a:p>
+                <a:pPr algn="l">
+                  <a:spcBef>
+                    <a:spcPts val="900"/>
+                  </a:spcBef>
+                  <a:spcAft>
+                    <a:spcPts val="900"/>
+                  </a:spcAft>
+                  <a:buNone/>
+                </a:pPr>
+                <a:r>
+                  <a:rPr lang="en-US" b="0" i="0" dirty="0">
+                    <a:solidFill>
+                      <a:srgbClr val="2C2C36"/>
+                    </a:solidFill>
+                    <a:effectLst/>
+                    <a:latin typeface="system-ui"/>
+                  </a:rPr>
+                  <a:t>The measurement is related to the state through another nonlinear function:</a:t>
+                </a:r>
+              </a:p>
+              <a:p>
+                <a:pPr algn="l">
+                  <a:spcBef>
+                    <a:spcPts val="900"/>
+                  </a:spcBef>
+                  <a:spcAft>
+                    <a:spcPts val="900"/>
+                  </a:spcAft>
+                  <a:buNone/>
+                </a:pPr>
+                <a14:m>
+                  <m:oMathPara xmlns:m="http://schemas.openxmlformats.org/officeDocument/2006/math">
+                    <m:oMathParaPr>
+                      <m:jc m:val="centerGroup"/>
+                    </m:oMathParaPr>
+                    <m:oMath xmlns:m="http://schemas.openxmlformats.org/officeDocument/2006/math">
+                      <m:sSub>
+                        <m:sSubPr>
+                          <m:ctrlPr>
+                            <a:rPr lang="en-US" b="0" i="1" dirty="0" smtClean="0">
+                              <a:solidFill>
+                                <a:srgbClr val="2C2C36"/>
+                              </a:solidFill>
+                              <a:effectLst/>
+                              <a:latin typeface="Cambria Math" panose="02040503050406030204" pitchFamily="18" charset="0"/>
+                            </a:rPr>
+                          </m:ctrlPr>
+                        </m:sSubPr>
+                        <m:e>
+                          <m:r>
+                            <a:rPr lang="en-US" b="1" i="1" dirty="0" smtClean="0">
+                              <a:solidFill>
+                                <a:srgbClr val="2C2C36"/>
+                              </a:solidFill>
+                              <a:effectLst/>
+                              <a:latin typeface="Cambria Math" panose="02040503050406030204" pitchFamily="18" charset="0"/>
+                            </a:rPr>
+                            <m:t>𝒛</m:t>
+                          </m:r>
+                        </m:e>
+                        <m:sub>
+                          <m:r>
+                            <a:rPr lang="en-US" b="0" i="1" dirty="0" err="1" smtClean="0">
+                              <a:solidFill>
+                                <a:srgbClr val="2C2C36"/>
+                              </a:solidFill>
+                              <a:effectLst/>
+                              <a:latin typeface="Cambria Math" panose="02040503050406030204" pitchFamily="18" charset="0"/>
+                            </a:rPr>
+                            <m:t>𝑘</m:t>
+                          </m:r>
+                        </m:sub>
+                      </m:sSub>
+                      <m:r>
+                        <a:rPr lang="en-US" b="0" i="1" dirty="0" smtClean="0">
+                          <a:solidFill>
+                            <a:srgbClr val="2C2C36"/>
+                          </a:solidFill>
+                          <a:effectLst/>
+                          <a:latin typeface="Cambria Math" panose="02040503050406030204" pitchFamily="18" charset="0"/>
+                        </a:rPr>
+                        <m:t>​=</m:t>
+                      </m:r>
+                      <m:r>
+                        <a:rPr lang="en-US" b="0" i="1" dirty="0" smtClean="0">
+                          <a:solidFill>
+                            <a:srgbClr val="2C2C36"/>
+                          </a:solidFill>
+                          <a:effectLst/>
+                          <a:latin typeface="Cambria Math" panose="02040503050406030204" pitchFamily="18" charset="0"/>
+                        </a:rPr>
+                        <m:t>h</m:t>
+                      </m:r>
+                      <m:r>
+                        <a:rPr lang="en-US" b="0" i="1" dirty="0" smtClean="0">
+                          <a:solidFill>
+                            <a:srgbClr val="2C2C36"/>
+                          </a:solidFill>
+                          <a:effectLst/>
+                          <a:latin typeface="Cambria Math" panose="02040503050406030204" pitchFamily="18" charset="0"/>
+                        </a:rPr>
+                        <m:t>(</m:t>
+                      </m:r>
+                      <m:sSub>
+                        <m:sSubPr>
+                          <m:ctrlPr>
+                            <a:rPr lang="en-US" b="1" i="1" dirty="0" smtClean="0">
+                              <a:solidFill>
+                                <a:srgbClr val="2C2C36"/>
+                              </a:solidFill>
+                              <a:effectLst/>
+                              <a:latin typeface="Cambria Math" panose="02040503050406030204" pitchFamily="18" charset="0"/>
+                            </a:rPr>
+                          </m:ctrlPr>
+                        </m:sSubPr>
+                        <m:e>
+                          <m:r>
+                            <a:rPr lang="en-US" b="1" i="1" dirty="0" err="1" smtClean="0">
+                              <a:solidFill>
+                                <a:srgbClr val="2C2C36"/>
+                              </a:solidFill>
+                              <a:effectLst/>
+                              <a:latin typeface="Cambria Math" panose="02040503050406030204" pitchFamily="18" charset="0"/>
+                            </a:rPr>
+                            <m:t>𝒙</m:t>
+                          </m:r>
+                        </m:e>
+                        <m:sub>
+                          <m:r>
+                            <a:rPr lang="en-US" b="0" i="1" dirty="0" err="1" smtClean="0">
+                              <a:solidFill>
+                                <a:srgbClr val="2C2C36"/>
+                              </a:solidFill>
+                              <a:effectLst/>
+                              <a:latin typeface="Cambria Math" panose="02040503050406030204" pitchFamily="18" charset="0"/>
+                            </a:rPr>
+                            <m:t>𝑘</m:t>
+                          </m:r>
+                        </m:sub>
+                      </m:sSub>
+                      <m:r>
+                        <a:rPr lang="en-US" b="0" i="1" dirty="0" smtClean="0">
+                          <a:solidFill>
+                            <a:srgbClr val="2C2C36"/>
+                          </a:solidFill>
+                          <a:effectLst/>
+                          <a:latin typeface="Cambria Math" panose="02040503050406030204" pitchFamily="18" charset="0"/>
+                        </a:rPr>
+                        <m:t>​)+</m:t>
+                      </m:r>
+                      <m:sSub>
+                        <m:sSubPr>
+                          <m:ctrlPr>
+                            <a:rPr lang="en-US" b="0" i="1" dirty="0" smtClean="0">
+                              <a:solidFill>
+                                <a:srgbClr val="2C2C36"/>
+                              </a:solidFill>
+                              <a:effectLst/>
+                              <a:latin typeface="Cambria Math" panose="02040503050406030204" pitchFamily="18" charset="0"/>
+                            </a:rPr>
+                          </m:ctrlPr>
+                        </m:sSubPr>
+                        <m:e>
+                          <m:r>
+                            <a:rPr lang="en-US" b="1" i="1" dirty="0" err="1" smtClean="0">
+                              <a:solidFill>
+                                <a:srgbClr val="2C2C36"/>
+                              </a:solidFill>
+                              <a:effectLst/>
+                              <a:latin typeface="Cambria Math" panose="02040503050406030204" pitchFamily="18" charset="0"/>
+                            </a:rPr>
+                            <m:t>𝒗</m:t>
+                          </m:r>
+                        </m:e>
+                        <m:sub>
+                          <m:r>
+                            <a:rPr lang="en-US" b="0" i="1" dirty="0" err="1" smtClean="0">
+                              <a:solidFill>
+                                <a:srgbClr val="2C2C36"/>
+                              </a:solidFill>
+                              <a:effectLst/>
+                              <a:latin typeface="Cambria Math" panose="02040503050406030204" pitchFamily="18" charset="0"/>
+                            </a:rPr>
+                            <m:t>𝑘</m:t>
+                          </m:r>
+                        </m:sub>
+                      </m:sSub>
+                      <m:r>
+                        <a:rPr lang="en-US" b="0" i="1" dirty="0" smtClean="0">
+                          <a:solidFill>
+                            <a:srgbClr val="2C2C36"/>
+                          </a:solidFill>
+                          <a:effectLst/>
+                          <a:latin typeface="Cambria Math" panose="02040503050406030204" pitchFamily="18" charset="0"/>
+                        </a:rPr>
+                        <m:t>​</m:t>
+                      </m:r>
+                    </m:oMath>
+                  </m:oMathPara>
+                </a14:m>
+                <a:endParaRPr lang="en-US" b="0" i="0" dirty="0">
+                  <a:solidFill>
+                    <a:srgbClr val="2C2C36"/>
+                  </a:solidFill>
+                  <a:effectLst/>
+                  <a:latin typeface="KaTeX_Main"/>
+                </a:endParaRPr>
+              </a:p>
+              <a:p>
+                <a:pPr algn="l">
+                  <a:spcBef>
+                    <a:spcPts val="900"/>
+                  </a:spcBef>
+                  <a:spcAft>
+                    <a:spcPts val="900"/>
+                  </a:spcAft>
+                  <a:buNone/>
+                </a:pPr>
+                <a:r>
+                  <a:rPr lang="en-US" b="0" i="0" dirty="0">
+                    <a:solidFill>
+                      <a:srgbClr val="2C2C36"/>
+                    </a:solidFill>
+                    <a:effectLst/>
+                    <a:latin typeface="system-ui"/>
+                  </a:rPr>
+                  <a:t>where:</a:t>
+                </a:r>
+              </a:p>
+              <a:p>
+                <a:pPr algn="l">
+                  <a:spcBef>
+                    <a:spcPts val="900"/>
+                  </a:spcBef>
+                  <a:spcAft>
+                    <a:spcPts val="900"/>
+                  </a:spcAft>
+                  <a:buFont typeface="Arial" panose="020B0604020202020204" pitchFamily="34" charset="0"/>
+                  <a:buChar char="•"/>
+                </a:pPr>
+                <a14:m>
+                  <m:oMath xmlns:m="http://schemas.openxmlformats.org/officeDocument/2006/math">
+                    <m:sSub>
+                      <m:sSubPr>
+                        <m:ctrlPr>
+                          <a:rPr lang="en-US" b="0" i="1" dirty="0" smtClean="0">
+                            <a:solidFill>
+                              <a:srgbClr val="2C2C36"/>
+                            </a:solidFill>
+                            <a:effectLst/>
+                            <a:latin typeface="Cambria Math" panose="02040503050406030204" pitchFamily="18" charset="0"/>
+                          </a:rPr>
+                        </m:ctrlPr>
+                      </m:sSubPr>
+                      <m:e>
+                        <m:r>
+                          <a:rPr lang="en-US" b="1" i="1" dirty="0" smtClean="0">
+                            <a:solidFill>
+                              <a:srgbClr val="2C2C36"/>
+                            </a:solidFill>
+                            <a:effectLst/>
+                            <a:latin typeface="Cambria Math" panose="02040503050406030204" pitchFamily="18" charset="0"/>
+                          </a:rPr>
+                          <m:t>𝒛</m:t>
+                        </m:r>
+                      </m:e>
+                      <m:sub>
+                        <m:r>
+                          <a:rPr lang="en-US" b="0" i="1" dirty="0" err="1" smtClean="0">
+                            <a:solidFill>
+                              <a:srgbClr val="2C2C36"/>
+                            </a:solidFill>
+                            <a:effectLst/>
+                            <a:latin typeface="Cambria Math" panose="02040503050406030204" pitchFamily="18" charset="0"/>
+                          </a:rPr>
+                          <m:t>𝑘</m:t>
+                        </m:r>
+                      </m:sub>
+                    </m:sSub>
+                  </m:oMath>
+                </a14:m>
+                <a:r>
+                  <a:rPr lang="en-US" b="0" i="0" dirty="0">
+                    <a:solidFill>
+                      <a:srgbClr val="2C2C36"/>
+                    </a:solidFill>
+                    <a:effectLst/>
+                    <a:latin typeface="KaTeX_Main"/>
+                  </a:rPr>
+                  <a:t>​</a:t>
+                </a:r>
+                <a:r>
+                  <a:rPr lang="en-US" b="0" i="0" dirty="0">
+                    <a:solidFill>
+                      <a:srgbClr val="2C2C36"/>
+                    </a:solidFill>
+                    <a:effectLst/>
+                    <a:latin typeface="system-ui"/>
+                  </a:rPr>
+                  <a:t>: Measurement vector at time </a:t>
+                </a:r>
+                <a:r>
+                  <a:rPr lang="en-US" b="0" i="1" dirty="0">
+                    <a:solidFill>
+                      <a:srgbClr val="2C2C36"/>
+                    </a:solidFill>
+                    <a:effectLst/>
+                    <a:latin typeface="KaTeX_Math"/>
+                  </a:rPr>
+                  <a:t>k</a:t>
+                </a:r>
+                <a:r>
+                  <a:rPr lang="en-US" b="0" i="0" dirty="0">
+                    <a:solidFill>
+                      <a:srgbClr val="2C2C36"/>
+                    </a:solidFill>
+                    <a:effectLst/>
+                    <a:latin typeface="system-ui"/>
+                  </a:rPr>
+                  <a:t>.</a:t>
+                </a:r>
+              </a:p>
+              <a:p>
+                <a:pPr algn="l">
+                  <a:spcBef>
+                    <a:spcPts val="900"/>
+                  </a:spcBef>
+                  <a:spcAft>
+                    <a:spcPts val="900"/>
+                  </a:spcAft>
+                  <a:buFont typeface="Arial" panose="020B0604020202020204" pitchFamily="34" charset="0"/>
+                  <a:buChar char="•"/>
+                </a:pPr>
+                <a14:m>
+                  <m:oMath xmlns:m="http://schemas.openxmlformats.org/officeDocument/2006/math">
+                    <m:r>
+                      <a:rPr lang="en-US" b="0" i="1" dirty="0" smtClean="0">
+                        <a:solidFill>
+                          <a:srgbClr val="2C2C36"/>
+                        </a:solidFill>
+                        <a:effectLst/>
+                        <a:latin typeface="Cambria Math" panose="02040503050406030204" pitchFamily="18" charset="0"/>
+                      </a:rPr>
+                      <m:t>h</m:t>
+                    </m:r>
+                    <m:r>
+                      <a:rPr lang="en-US" b="0" i="1" dirty="0" smtClean="0">
+                        <a:solidFill>
+                          <a:srgbClr val="2C2C36"/>
+                        </a:solidFill>
+                        <a:effectLst/>
+                        <a:latin typeface="Cambria Math" panose="02040503050406030204" pitchFamily="18" charset="0"/>
+                      </a:rPr>
+                      <m:t>(⋅)</m:t>
+                    </m:r>
+                  </m:oMath>
+                </a14:m>
+                <a:r>
+                  <a:rPr lang="en-US" b="0" i="0" dirty="0">
+                    <a:solidFill>
+                      <a:srgbClr val="2C2C36"/>
+                    </a:solidFill>
+                    <a:effectLst/>
+                    <a:latin typeface="system-ui"/>
+                  </a:rPr>
+                  <a:t>: Nonlinear function relating the state to the measurement.</a:t>
+                </a:r>
+              </a:p>
+              <a:p>
+                <a:pPr algn="l">
+                  <a:spcBef>
+                    <a:spcPts val="900"/>
+                  </a:spcBef>
+                  <a:spcAft>
+                    <a:spcPts val="900"/>
+                  </a:spcAft>
+                  <a:buFont typeface="Arial" panose="020B0604020202020204" pitchFamily="34" charset="0"/>
+                  <a:buChar char="•"/>
+                </a:pPr>
+                <a14:m>
+                  <m:oMath xmlns:m="http://schemas.openxmlformats.org/officeDocument/2006/math">
+                    <m:sSub>
+                      <m:sSubPr>
+                        <m:ctrlPr>
+                          <a:rPr lang="en-US" b="0" i="1" dirty="0" smtClean="0">
+                            <a:solidFill>
+                              <a:srgbClr val="2C2C36"/>
+                            </a:solidFill>
+                            <a:effectLst/>
+                            <a:latin typeface="Cambria Math" panose="02040503050406030204" pitchFamily="18" charset="0"/>
+                          </a:rPr>
+                        </m:ctrlPr>
+                      </m:sSubPr>
+                      <m:e>
+                        <m:r>
+                          <a:rPr lang="en-US" b="1" i="1" dirty="0" smtClean="0">
+                            <a:solidFill>
+                              <a:srgbClr val="2C2C36"/>
+                            </a:solidFill>
+                            <a:effectLst/>
+                            <a:latin typeface="Cambria Math" panose="02040503050406030204" pitchFamily="18" charset="0"/>
+                          </a:rPr>
+                          <m:t>𝒗</m:t>
+                        </m:r>
+                      </m:e>
+                      <m:sub>
+                        <m:r>
+                          <a:rPr lang="en-US" b="0" i="1" dirty="0" err="1" smtClean="0">
+                            <a:solidFill>
+                              <a:srgbClr val="2C2C36"/>
+                            </a:solidFill>
+                            <a:effectLst/>
+                            <a:latin typeface="Cambria Math" panose="02040503050406030204" pitchFamily="18" charset="0"/>
+                          </a:rPr>
+                          <m:t>𝑘</m:t>
+                        </m:r>
+                      </m:sub>
+                    </m:sSub>
+                    <m:r>
+                      <a:rPr lang="en-US" b="0" i="1" dirty="0" smtClean="0">
+                        <a:solidFill>
+                          <a:srgbClr val="2C2C36"/>
+                        </a:solidFill>
+                        <a:effectLst/>
+                        <a:latin typeface="Cambria Math" panose="02040503050406030204" pitchFamily="18" charset="0"/>
+                      </a:rPr>
+                      <m:t>​</m:t>
+                    </m:r>
+                  </m:oMath>
+                </a14:m>
+                <a:r>
+                  <a:rPr lang="en-US" b="0" i="0" dirty="0">
+                    <a:solidFill>
+                      <a:srgbClr val="2C2C36"/>
+                    </a:solidFill>
+                    <a:effectLst/>
+                    <a:latin typeface="system-ui"/>
+                  </a:rPr>
+                  <a:t>: Measurement noise (assumed Gaussian with covariance </a:t>
+                </a:r>
+                <a14:m>
+                  <m:oMath xmlns:m="http://schemas.openxmlformats.org/officeDocument/2006/math">
+                    <m:sSub>
+                      <m:sSubPr>
+                        <m:ctrlPr>
+                          <a:rPr lang="en-US" b="0" i="1" dirty="0" smtClean="0">
+                            <a:solidFill>
+                              <a:srgbClr val="2C2C36"/>
+                            </a:solidFill>
+                            <a:effectLst/>
+                            <a:latin typeface="Cambria Math" panose="02040503050406030204" pitchFamily="18" charset="0"/>
+                          </a:rPr>
+                        </m:ctrlPr>
+                      </m:sSubPr>
+                      <m:e>
+                        <m:r>
+                          <a:rPr lang="en-US" b="1" i="1" dirty="0" smtClean="0">
+                            <a:solidFill>
+                              <a:srgbClr val="2C2C36"/>
+                            </a:solidFill>
+                            <a:effectLst/>
+                            <a:latin typeface="Cambria Math" panose="02040503050406030204" pitchFamily="18" charset="0"/>
+                          </a:rPr>
+                          <m:t>𝑹</m:t>
+                        </m:r>
+                      </m:e>
+                      <m:sub>
+                        <m:r>
+                          <a:rPr lang="en-US" b="0" i="1" dirty="0" err="1" smtClean="0">
+                            <a:solidFill>
+                              <a:srgbClr val="2C2C36"/>
+                            </a:solidFill>
+                            <a:effectLst/>
+                            <a:latin typeface="Cambria Math" panose="02040503050406030204" pitchFamily="18" charset="0"/>
+                          </a:rPr>
+                          <m:t>𝑘</m:t>
+                        </m:r>
+                      </m:sub>
+                    </m:sSub>
+                    <m:r>
+                      <a:rPr lang="en-US" b="0" i="1" dirty="0" smtClean="0">
+                        <a:solidFill>
+                          <a:srgbClr val="2C2C36"/>
+                        </a:solidFill>
+                        <a:effectLst/>
+                        <a:latin typeface="Cambria Math" panose="02040503050406030204" pitchFamily="18" charset="0"/>
+                      </a:rPr>
+                      <m:t>​</m:t>
+                    </m:r>
+                  </m:oMath>
+                </a14:m>
+                <a:r>
+                  <a:rPr lang="en-US" b="0" i="0" dirty="0">
+                    <a:solidFill>
+                      <a:srgbClr val="2C2C36"/>
+                    </a:solidFill>
+                    <a:effectLst/>
+                    <a:latin typeface="system-ui"/>
+                  </a:rPr>
+                  <a:t>).</a:t>
+                </a:r>
+              </a:p>
+              <a:p>
+                <a:endParaRPr lang="en-US" dirty="0"/>
+              </a:p>
+            </p:txBody>
+          </p:sp>
+        </mc:Choice>
+        <mc:Fallback>
+          <p:sp>
+            <p:nvSpPr>
+              <p:cNvPr id="3" name="Content Placeholder 2">
+                <a:extLst>
+                  <a:ext uri="{FF2B5EF4-FFF2-40B4-BE49-F238E27FC236}">
+                    <a16:creationId xmlns:a16="http://schemas.microsoft.com/office/drawing/2014/main" id="{FC5F8332-90EF-C9AD-B984-D19E9BFE4F97}"/>
+                  </a:ext>
+                </a:extLst>
+              </p:cNvPr>
+              <p:cNvSpPr>
+                <a:spLocks noGrp="1" noRot="1" noChangeAspect="1" noMove="1" noResize="1" noEditPoints="1" noAdjustHandles="1" noChangeArrowheads="1" noChangeShapeType="1" noTextEdit="1"/>
+              </p:cNvSpPr>
+              <p:nvPr>
+                <p:ph idx="1"/>
+              </p:nvPr>
+            </p:nvSpPr>
+            <p:spPr>
+              <a:blipFill>
+                <a:blip r:embed="rId2"/>
+                <a:stretch>
+                  <a:fillRect l="-1217" t="-3081"/>
+                </a:stretch>
+              </a:blipFill>
+            </p:spPr>
+            <p:txBody>
+              <a:bodyPr/>
+              <a:lstStyle/>
+              <a:p>
+                <a:r>
+                  <a:rPr lang="en-US">
+                    <a:noFill/>
+                  </a:rPr>
+                  <a:t> </a:t>
+                </a:r>
+              </a:p>
+            </p:txBody>
+          </p:sp>
+        </mc:Fallback>
+      </mc:AlternateContent>
+    </p:spTree>
+    <p:extLst>
+      <p:ext uri="{BB962C8B-B14F-4D97-AF65-F5344CB8AC3E}">
+        <p14:creationId xmlns:p14="http://schemas.microsoft.com/office/powerpoint/2010/main" val="1780250082"/>
+      </p:ext>
+    </p:extLst>
+  </p:cSld>
+  <p:clrMapOvr>
+    <a:masterClrMapping/>
+  </p:clrMapOvr>
+</p:sld>
+</file>
+
+<file path=ppt/slides/slide17.xml><?xml version="1.0" encoding="utf-8"?>
+<p:sld xmlns:a="http://schemas.openxmlformats.org/drawingml/2006/main" xmlns:r="http://schemas.openxmlformats.org/officeDocument/2006/relationships" xmlns:p="http://schemas.openxmlformats.org/presentationml/2006/main">
+  <p:cSld>
+    <p:spTree>
+      <p:nvGrpSpPr>
+        <p:cNvPr id="1" name=""/>
+        <p:cNvGrpSpPr/>
+        <p:nvPr/>
+      </p:nvGrpSpPr>
+      <p:grpSpPr>
+        <a:xfrm>
+          <a:off x="0" y="0"/>
+          <a:ext cx="0" cy="0"/>
+          <a:chOff x="0" y="0"/>
+          <a:chExt cx="0" cy="0"/>
+        </a:xfrm>
+      </p:grpSpPr>
+      <p:sp>
+        <p:nvSpPr>
+          <p:cNvPr id="2" name="Title 1">
+            <a:extLst>
+              <a:ext uri="{FF2B5EF4-FFF2-40B4-BE49-F238E27FC236}">
+                <a16:creationId xmlns:a16="http://schemas.microsoft.com/office/drawing/2014/main" id="{886B770A-DF9C-BEF3-D743-468894256FD2}"/>
+              </a:ext>
+            </a:extLst>
+          </p:cNvPr>
+          <p:cNvSpPr>
+            <a:spLocks noGrp="1"/>
+          </p:cNvSpPr>
+          <p:nvPr>
+            <p:ph type="title"/>
+          </p:nvPr>
+        </p:nvSpPr>
+        <p:spPr/>
+        <p:txBody>
+          <a:bodyPr/>
+          <a:lstStyle/>
+          <a:p>
+            <a:endParaRPr lang="en-US"/>
+          </a:p>
+        </p:txBody>
+      </p:sp>
+      <p:sp>
+        <p:nvSpPr>
+          <p:cNvPr id="3" name="Content Placeholder 2">
+            <a:extLst>
+              <a:ext uri="{FF2B5EF4-FFF2-40B4-BE49-F238E27FC236}">
+                <a16:creationId xmlns:a16="http://schemas.microsoft.com/office/drawing/2014/main" id="{2BF1FAA3-50A3-68EE-C8AA-DFDA81DFA666}"/>
+              </a:ext>
+            </a:extLst>
+          </p:cNvPr>
+          <p:cNvSpPr>
+            <a:spLocks noGrp="1"/>
+          </p:cNvSpPr>
+          <p:nvPr>
+            <p:ph idx="1"/>
+          </p:nvPr>
+        </p:nvSpPr>
+        <p:spPr/>
+        <p:txBody>
+          <a:bodyPr/>
+          <a:lstStyle/>
+          <a:p>
+            <a:endParaRPr lang="en-US"/>
+          </a:p>
+        </p:txBody>
+      </p:sp>
+    </p:spTree>
+    <p:extLst>
+      <p:ext uri="{BB962C8B-B14F-4D97-AF65-F5344CB8AC3E}">
+        <p14:creationId xmlns:p14="http://schemas.microsoft.com/office/powerpoint/2010/main" val="1884097833"/>
+      </p:ext>
+    </p:extLst>
+  </p:cSld>
+  <p:clrMapOvr>
+    <a:masterClrMapping/>
+  </p:clrMapOvr>
+</p:sld>
+</file>
+
 <file path=ppt/slides/slide2.xml><?xml version="1.0" encoding="utf-8"?>
 <p:sld xmlns:a="http://schemas.openxmlformats.org/drawingml/2006/main" xmlns:r="http://schemas.openxmlformats.org/officeDocument/2006/relationships" xmlns:p="http://schemas.openxmlformats.org/presentationml/2006/main">
   <p:cSld>
@@ -3535,6 +5995,510 @@
 </file>
 
 <file path=ppt/slides/slide3.xml><?xml version="1.0" encoding="utf-8"?>
+<p:sld xmlns:a="http://schemas.openxmlformats.org/drawingml/2006/main" xmlns:r="http://schemas.openxmlformats.org/officeDocument/2006/relationships" xmlns:p="http://schemas.openxmlformats.org/presentationml/2006/main">
+  <p:cSld>
+    <p:spTree>
+      <p:nvGrpSpPr>
+        <p:cNvPr id="1" name=""/>
+        <p:cNvGrpSpPr/>
+        <p:nvPr/>
+      </p:nvGrpSpPr>
+      <p:grpSpPr>
+        <a:xfrm>
+          <a:off x="0" y="0"/>
+          <a:ext cx="0" cy="0"/>
+          <a:chOff x="0" y="0"/>
+          <a:chExt cx="0" cy="0"/>
+        </a:xfrm>
+      </p:grpSpPr>
+      <p:sp>
+        <p:nvSpPr>
+          <p:cNvPr id="2" name="Title 1">
+            <a:extLst>
+              <a:ext uri="{FF2B5EF4-FFF2-40B4-BE49-F238E27FC236}">
+                <a16:creationId xmlns:a16="http://schemas.microsoft.com/office/drawing/2014/main" id="{63EA3ABB-93B6-310F-4382-5E250110F9B2}"/>
+              </a:ext>
+            </a:extLst>
+          </p:cNvPr>
+          <p:cNvSpPr>
+            <a:spLocks noGrp="1"/>
+          </p:cNvSpPr>
+          <p:nvPr>
+            <p:ph type="title"/>
+          </p:nvPr>
+        </p:nvSpPr>
+        <p:spPr/>
+        <p:txBody>
+          <a:bodyPr/>
+          <a:lstStyle/>
+          <a:p>
+            <a:r>
+              <a:rPr lang="en-US" dirty="0"/>
+              <a:t>1. Why Estimate SoC?</a:t>
+            </a:r>
+          </a:p>
+        </p:txBody>
+      </p:sp>
+      <p:sp>
+        <p:nvSpPr>
+          <p:cNvPr id="3" name="Content Placeholder 2">
+            <a:extLst>
+              <a:ext uri="{FF2B5EF4-FFF2-40B4-BE49-F238E27FC236}">
+                <a16:creationId xmlns:a16="http://schemas.microsoft.com/office/drawing/2014/main" id="{991449E1-40DB-B43B-81AF-EC7DA2BDFD54}"/>
+              </a:ext>
+            </a:extLst>
+          </p:cNvPr>
+          <p:cNvSpPr>
+            <a:spLocks noGrp="1"/>
+          </p:cNvSpPr>
+          <p:nvPr>
+            <p:ph idx="1"/>
+          </p:nvPr>
+        </p:nvSpPr>
+        <p:spPr/>
+        <p:txBody>
+          <a:bodyPr>
+            <a:normAutofit fontScale="77500" lnSpcReduction="20000"/>
+          </a:bodyPr>
+          <a:lstStyle/>
+          <a:p>
+            <a:r>
+              <a:rPr lang="en-US" dirty="0"/>
+              <a:t>The State of Charge (SoC) is a critical parameter in battery management systems (BMS). It represents the remaining charge in the battery as a percentage of its total capacity. Accurate SoC estimation is essential for:</a:t>
+            </a:r>
+          </a:p>
+          <a:p>
+            <a:r>
+              <a:rPr lang="en-US" dirty="0"/>
+              <a:t>Ensuring safe and efficient operation of the battery.</a:t>
+            </a:r>
+          </a:p>
+          <a:p>
+            <a:r>
+              <a:rPr lang="en-US" dirty="0"/>
+              <a:t>Preventing overcharging or deep discharging, which can damage the battery.</a:t>
+            </a:r>
+          </a:p>
+          <a:p>
+            <a:r>
+              <a:rPr lang="en-US" dirty="0"/>
+              <a:t>Providing users with accurate information about battery life.</a:t>
+            </a:r>
+          </a:p>
+          <a:p>
+            <a:r>
+              <a:rPr lang="en-US" dirty="0"/>
+              <a:t>However, directly measuring SoC is not possible because it is an internal state of the battery. Instead, SoC must be estimated using indirect measurements like:</a:t>
+            </a:r>
+          </a:p>
+          <a:p>
+            <a:endParaRPr lang="en-US" dirty="0"/>
+          </a:p>
+          <a:p>
+            <a:r>
+              <a:rPr lang="en-US" dirty="0"/>
+              <a:t>Current : Used for Coulomb counting.</a:t>
+            </a:r>
+          </a:p>
+          <a:p>
+            <a:r>
+              <a:rPr lang="en-US" dirty="0"/>
+              <a:t>Voltage : Related to the Open-Circuit Voltage (OCV), which depends on </a:t>
+            </a:r>
+            <a:r>
+              <a:rPr lang="en-US" dirty="0" err="1"/>
+              <a:t>SoC.</a:t>
+            </a:r>
+            <a:endParaRPr lang="en-US" dirty="0"/>
+          </a:p>
+          <a:p>
+            <a:r>
+              <a:rPr lang="en-US" dirty="0"/>
+              <a:t>These measurements are often noisy and subject to inaccuracies, making robust estimation challenging.</a:t>
+            </a:r>
+          </a:p>
+        </p:txBody>
+      </p:sp>
+    </p:spTree>
+    <p:extLst>
+      <p:ext uri="{BB962C8B-B14F-4D97-AF65-F5344CB8AC3E}">
+        <p14:creationId xmlns:p14="http://schemas.microsoft.com/office/powerpoint/2010/main" val="1211621384"/>
+      </p:ext>
+    </p:extLst>
+  </p:cSld>
+  <p:clrMapOvr>
+    <a:masterClrMapping/>
+  </p:clrMapOvr>
+</p:sld>
+</file>
+
+<file path=ppt/slides/slide4.xml><?xml version="1.0" encoding="utf-8"?>
+<p:sld xmlns:a="http://schemas.openxmlformats.org/drawingml/2006/main" xmlns:r="http://schemas.openxmlformats.org/officeDocument/2006/relationships" xmlns:p="http://schemas.openxmlformats.org/presentationml/2006/main">
+  <p:cSld>
+    <p:spTree>
+      <p:nvGrpSpPr>
+        <p:cNvPr id="1" name=""/>
+        <p:cNvGrpSpPr/>
+        <p:nvPr/>
+      </p:nvGrpSpPr>
+      <p:grpSpPr>
+        <a:xfrm>
+          <a:off x="0" y="0"/>
+          <a:ext cx="0" cy="0"/>
+          <a:chOff x="0" y="0"/>
+          <a:chExt cx="0" cy="0"/>
+        </a:xfrm>
+      </p:grpSpPr>
+      <p:sp>
+        <p:nvSpPr>
+          <p:cNvPr id="2" name="Title 1">
+            <a:extLst>
+              <a:ext uri="{FF2B5EF4-FFF2-40B4-BE49-F238E27FC236}">
+                <a16:creationId xmlns:a16="http://schemas.microsoft.com/office/drawing/2014/main" id="{B661060D-20BE-B5E5-F193-A249BC31E87F}"/>
+              </a:ext>
+            </a:extLst>
+          </p:cNvPr>
+          <p:cNvSpPr>
+            <a:spLocks noGrp="1"/>
+          </p:cNvSpPr>
+          <p:nvPr>
+            <p:ph type="title"/>
+          </p:nvPr>
+        </p:nvSpPr>
+        <p:spPr/>
+        <p:txBody>
+          <a:bodyPr/>
+          <a:lstStyle/>
+          <a:p>
+            <a:r>
+              <a:rPr lang="en-US" dirty="0"/>
+              <a:t>Challenges in SoC Estimation</a:t>
+            </a:r>
+          </a:p>
+        </p:txBody>
+      </p:sp>
+      <p:sp>
+        <p:nvSpPr>
+          <p:cNvPr id="3" name="Content Placeholder 2">
+            <a:extLst>
+              <a:ext uri="{FF2B5EF4-FFF2-40B4-BE49-F238E27FC236}">
+                <a16:creationId xmlns:a16="http://schemas.microsoft.com/office/drawing/2014/main" id="{C0E8B833-B7F7-24CA-34C8-F59C3BB0883A}"/>
+              </a:ext>
+            </a:extLst>
+          </p:cNvPr>
+          <p:cNvSpPr>
+            <a:spLocks noGrp="1"/>
+          </p:cNvSpPr>
+          <p:nvPr>
+            <p:ph idx="1"/>
+          </p:nvPr>
+        </p:nvSpPr>
+        <p:spPr/>
+        <p:txBody>
+          <a:bodyPr>
+            <a:normAutofit fontScale="55000" lnSpcReduction="20000"/>
+          </a:bodyPr>
+          <a:lstStyle/>
+          <a:p>
+            <a:pPr algn="l">
+              <a:spcBef>
+                <a:spcPts val="900"/>
+              </a:spcBef>
+              <a:spcAft>
+                <a:spcPts val="900"/>
+              </a:spcAft>
+              <a:buNone/>
+            </a:pPr>
+            <a:r>
+              <a:rPr lang="en-US" b="0" i="0" dirty="0">
+                <a:solidFill>
+                  <a:srgbClr val="2C2C36"/>
+                </a:solidFill>
+                <a:effectLst/>
+                <a:latin typeface="system-ui"/>
+              </a:rPr>
+              <a:t>Several factors make SoC estimation difficult:</a:t>
+            </a:r>
+          </a:p>
+          <a:p>
+            <a:pPr algn="l">
+              <a:spcBef>
+                <a:spcPts val="900"/>
+              </a:spcBef>
+              <a:spcAft>
+                <a:spcPts val="900"/>
+              </a:spcAft>
+              <a:buFont typeface="+mj-lt"/>
+              <a:buAutoNum type="arabicPeriod"/>
+            </a:pPr>
+            <a:r>
+              <a:rPr lang="en-US" b="0" i="0" dirty="0">
+                <a:solidFill>
+                  <a:srgbClr val="111827"/>
+                </a:solidFill>
+                <a:effectLst/>
+                <a:latin typeface="system-ui"/>
+              </a:rPr>
+              <a:t>Measurement Noise </a:t>
+            </a:r>
+            <a:r>
+              <a:rPr lang="en-US" b="0" i="0" dirty="0">
+                <a:solidFill>
+                  <a:srgbClr val="2C2C36"/>
+                </a:solidFill>
+                <a:effectLst/>
+                <a:latin typeface="system-ui"/>
+              </a:rPr>
+              <a:t>:</a:t>
+            </a:r>
+          </a:p>
+          <a:p>
+            <a:pPr marL="742950" lvl="1" indent="-285750" algn="l">
+              <a:spcBef>
+                <a:spcPts val="900"/>
+              </a:spcBef>
+              <a:spcAft>
+                <a:spcPts val="900"/>
+              </a:spcAft>
+              <a:buFont typeface="+mj-lt"/>
+              <a:buAutoNum type="arabicPeriod"/>
+            </a:pPr>
+            <a:r>
+              <a:rPr lang="en-US" b="0" i="0" dirty="0">
+                <a:solidFill>
+                  <a:srgbClr val="2C2C36"/>
+                </a:solidFill>
+                <a:effectLst/>
+                <a:latin typeface="system-ui"/>
+              </a:rPr>
+              <a:t>Current sensors and voltage measurements are prone to noise and errors.</a:t>
+            </a:r>
+          </a:p>
+          <a:p>
+            <a:pPr marL="742950" lvl="1" indent="-285750" algn="l">
+              <a:spcBef>
+                <a:spcPts val="900"/>
+              </a:spcBef>
+              <a:spcAft>
+                <a:spcPts val="900"/>
+              </a:spcAft>
+              <a:buFont typeface="+mj-lt"/>
+              <a:buAutoNum type="arabicPeriod"/>
+            </a:pPr>
+            <a:r>
+              <a:rPr lang="en-US" b="0" i="0" dirty="0">
+                <a:solidFill>
+                  <a:srgbClr val="2C2C36"/>
+                </a:solidFill>
+                <a:effectLst/>
+                <a:latin typeface="system-ui"/>
+              </a:rPr>
+              <a:t>For example, voltage measurements may fluctuate due to temperature, internal resistance, or transient effects.</a:t>
+            </a:r>
+          </a:p>
+          <a:p>
+            <a:pPr algn="l">
+              <a:spcBef>
+                <a:spcPts val="900"/>
+              </a:spcBef>
+              <a:spcAft>
+                <a:spcPts val="900"/>
+              </a:spcAft>
+              <a:buFont typeface="+mj-lt"/>
+              <a:buAutoNum type="arabicPeriod"/>
+            </a:pPr>
+            <a:r>
+              <a:rPr lang="en-US" b="0" i="0" dirty="0">
+                <a:solidFill>
+                  <a:srgbClr val="111827"/>
+                </a:solidFill>
+                <a:effectLst/>
+                <a:latin typeface="system-ui"/>
+              </a:rPr>
+              <a:t>Model Uncertainty </a:t>
+            </a:r>
+            <a:r>
+              <a:rPr lang="en-US" b="0" i="0" dirty="0">
+                <a:solidFill>
+                  <a:srgbClr val="2C2C36"/>
+                </a:solidFill>
+                <a:effectLst/>
+                <a:latin typeface="system-ui"/>
+              </a:rPr>
+              <a:t>:</a:t>
+            </a:r>
+          </a:p>
+          <a:p>
+            <a:pPr marL="742950" lvl="1" indent="-285750" algn="l">
+              <a:spcBef>
+                <a:spcPts val="900"/>
+              </a:spcBef>
+              <a:spcAft>
+                <a:spcPts val="900"/>
+              </a:spcAft>
+              <a:buFont typeface="+mj-lt"/>
+              <a:buAutoNum type="arabicPeriod"/>
+            </a:pPr>
+            <a:r>
+              <a:rPr lang="en-US" b="0" i="0" dirty="0">
+                <a:solidFill>
+                  <a:srgbClr val="2C2C36"/>
+                </a:solidFill>
+                <a:effectLst/>
+                <a:latin typeface="system-ui"/>
+              </a:rPr>
+              <a:t>Battery models (e.g., OCV vs. SoC relationships) are approximations and may not perfectly represent real-world behavior.</a:t>
+            </a:r>
+          </a:p>
+          <a:p>
+            <a:pPr marL="742950" lvl="1" indent="-285750" algn="l">
+              <a:spcBef>
+                <a:spcPts val="900"/>
+              </a:spcBef>
+              <a:spcAft>
+                <a:spcPts val="900"/>
+              </a:spcAft>
+              <a:buFont typeface="+mj-lt"/>
+              <a:buAutoNum type="arabicPeriod"/>
+            </a:pPr>
+            <a:r>
+              <a:rPr lang="en-US" b="0" i="0" dirty="0">
+                <a:solidFill>
+                  <a:srgbClr val="2C2C36"/>
+                </a:solidFill>
+                <a:effectLst/>
+                <a:latin typeface="system-ui"/>
+              </a:rPr>
+              <a:t>Factors like aging, temperature, and hysteresis further complicate the model.</a:t>
+            </a:r>
+          </a:p>
+          <a:p>
+            <a:pPr algn="l">
+              <a:spcBef>
+                <a:spcPts val="900"/>
+              </a:spcBef>
+              <a:spcAft>
+                <a:spcPts val="900"/>
+              </a:spcAft>
+              <a:buFont typeface="+mj-lt"/>
+              <a:buAutoNum type="arabicPeriod"/>
+            </a:pPr>
+            <a:r>
+              <a:rPr lang="en-US" b="0" i="0" dirty="0">
+                <a:solidFill>
+                  <a:srgbClr val="111827"/>
+                </a:solidFill>
+                <a:effectLst/>
+                <a:latin typeface="system-ui"/>
+              </a:rPr>
+              <a:t>Drift in Coulomb Counting </a:t>
+            </a:r>
+            <a:r>
+              <a:rPr lang="en-US" b="0" i="0" dirty="0">
+                <a:solidFill>
+                  <a:srgbClr val="2C2C36"/>
+                </a:solidFill>
+                <a:effectLst/>
+                <a:latin typeface="system-ui"/>
+              </a:rPr>
+              <a:t>:</a:t>
+            </a:r>
+          </a:p>
+          <a:p>
+            <a:pPr marL="742950" lvl="1" indent="-285750" algn="l">
+              <a:spcBef>
+                <a:spcPts val="900"/>
+              </a:spcBef>
+              <a:spcAft>
+                <a:spcPts val="900"/>
+              </a:spcAft>
+              <a:buFont typeface="+mj-lt"/>
+              <a:buAutoNum type="arabicPeriod"/>
+            </a:pPr>
+            <a:r>
+              <a:rPr lang="en-US" b="0" i="0" dirty="0">
+                <a:solidFill>
+                  <a:srgbClr val="2C2C36"/>
+                </a:solidFill>
+                <a:effectLst/>
+                <a:latin typeface="system-ui"/>
+              </a:rPr>
+              <a:t>Coulomb counting estimates SoC by integrating current over time. However, small errors in current measurements accumulate over time, leading to drift.</a:t>
+            </a:r>
+          </a:p>
+          <a:p>
+            <a:pPr algn="l">
+              <a:spcBef>
+                <a:spcPts val="900"/>
+              </a:spcBef>
+              <a:spcAft>
+                <a:spcPts val="900"/>
+              </a:spcAft>
+              <a:buFont typeface="+mj-lt"/>
+              <a:buAutoNum type="arabicPeriod"/>
+            </a:pPr>
+            <a:r>
+              <a:rPr lang="en-US" b="0" i="0" dirty="0">
+                <a:solidFill>
+                  <a:srgbClr val="111827"/>
+                </a:solidFill>
+                <a:effectLst/>
+                <a:latin typeface="system-ui"/>
+              </a:rPr>
+              <a:t>Dynamic Behavior </a:t>
+            </a:r>
+            <a:r>
+              <a:rPr lang="en-US" b="0" i="0" dirty="0">
+                <a:solidFill>
+                  <a:srgbClr val="2C2C36"/>
+                </a:solidFill>
+                <a:effectLst/>
+                <a:latin typeface="system-ui"/>
+              </a:rPr>
+              <a:t>:</a:t>
+            </a:r>
+          </a:p>
+          <a:p>
+            <a:pPr marL="742950" lvl="1" indent="-285750" algn="l">
+              <a:spcBef>
+                <a:spcPts val="900"/>
+              </a:spcBef>
+              <a:spcAft>
+                <a:spcPts val="900"/>
+              </a:spcAft>
+              <a:buFont typeface="+mj-lt"/>
+              <a:buAutoNum type="arabicPeriod"/>
+            </a:pPr>
+            <a:r>
+              <a:rPr lang="en-US" b="0" i="0" dirty="0">
+                <a:solidFill>
+                  <a:srgbClr val="2C2C36"/>
+                </a:solidFill>
+                <a:effectLst/>
+                <a:latin typeface="system-ui"/>
+              </a:rPr>
+              <a:t>Batteries are dynamic systems where SoC changes continuously based on load conditions, making real-time estimation critical.</a:t>
+            </a:r>
+          </a:p>
+          <a:p>
+            <a:endParaRPr lang="en-US" dirty="0"/>
+          </a:p>
+        </p:txBody>
+      </p:sp>
+    </p:spTree>
+    <p:extLst>
+      <p:ext uri="{BB962C8B-B14F-4D97-AF65-F5344CB8AC3E}">
+        <p14:creationId xmlns:p14="http://schemas.microsoft.com/office/powerpoint/2010/main" val="1805582346"/>
+      </p:ext>
+    </p:extLst>
+  </p:cSld>
+  <p:clrMapOvr>
+    <a:masterClrMapping/>
+  </p:clrMapOvr>
+</p:sld>
+</file>
+
+<file path=ppt/slides/slide5.xml><?xml version="1.0" encoding="utf-8"?>
 <p:sld xmlns:a="http://schemas.openxmlformats.org/drawingml/2006/main" xmlns:r="http://schemas.openxmlformats.org/officeDocument/2006/relationships" xmlns:p="http://schemas.openxmlformats.org/presentationml/2006/main">
   <p:cSld>
     <p:spTree>
@@ -4237,7 +7201,1781 @@
 </p:sld>
 </file>
 
-<file path=ppt/slides/slide4.xml><?xml version="1.0" encoding="utf-8"?>
+<file path=ppt/slides/slide6.xml><?xml version="1.0" encoding="utf-8"?>
+<p:sld xmlns:a="http://schemas.openxmlformats.org/drawingml/2006/main" xmlns:r="http://schemas.openxmlformats.org/officeDocument/2006/relationships" xmlns:p="http://schemas.openxmlformats.org/presentationml/2006/main">
+  <p:cSld>
+    <p:spTree>
+      <p:nvGrpSpPr>
+        <p:cNvPr id="1" name=""/>
+        <p:cNvGrpSpPr/>
+        <p:nvPr/>
+      </p:nvGrpSpPr>
+      <p:grpSpPr>
+        <a:xfrm>
+          <a:off x="0" y="0"/>
+          <a:ext cx="0" cy="0"/>
+          <a:chOff x="0" y="0"/>
+          <a:chExt cx="0" cy="0"/>
+        </a:xfrm>
+      </p:grpSpPr>
+      <p:sp>
+        <p:nvSpPr>
+          <p:cNvPr id="2" name="Title 1">
+            <a:extLst>
+              <a:ext uri="{FF2B5EF4-FFF2-40B4-BE49-F238E27FC236}">
+                <a16:creationId xmlns:a16="http://schemas.microsoft.com/office/drawing/2014/main" id="{EF20533D-3906-4E7B-B601-8F86866F47BD}"/>
+              </a:ext>
+            </a:extLst>
+          </p:cNvPr>
+          <p:cNvSpPr>
+            <a:spLocks noGrp="1"/>
+          </p:cNvSpPr>
+          <p:nvPr>
+            <p:ph type="title"/>
+          </p:nvPr>
+        </p:nvSpPr>
+        <p:spPr/>
+        <p:txBody>
+          <a:bodyPr/>
+          <a:lstStyle/>
+          <a:p>
+            <a:r>
+              <a:rPr lang="en-US" dirty="0"/>
+              <a:t>Direct Measurement Methods</a:t>
+            </a:r>
+          </a:p>
+        </p:txBody>
+      </p:sp>
+      <p:sp>
+        <p:nvSpPr>
+          <p:cNvPr id="3" name="Content Placeholder 2">
+            <a:extLst>
+              <a:ext uri="{FF2B5EF4-FFF2-40B4-BE49-F238E27FC236}">
+                <a16:creationId xmlns:a16="http://schemas.microsoft.com/office/drawing/2014/main" id="{C00D71CF-86D5-742E-9714-5AE79077CB47}"/>
+              </a:ext>
+            </a:extLst>
+          </p:cNvPr>
+          <p:cNvSpPr>
+            <a:spLocks noGrp="1"/>
+          </p:cNvSpPr>
+          <p:nvPr>
+            <p:ph idx="1"/>
+          </p:nvPr>
+        </p:nvSpPr>
+        <p:spPr/>
+        <p:txBody>
+          <a:bodyPr/>
+          <a:lstStyle/>
+          <a:p>
+            <a:pPr>
+              <a:buNone/>
+            </a:pPr>
+            <a:r>
+              <a:rPr lang="en-US" b="1" dirty="0"/>
+              <a:t>Example: Open Circuit Voltage (OCV)</a:t>
+            </a:r>
+          </a:p>
+          <a:p>
+            <a:pPr>
+              <a:buFont typeface="Arial" panose="020B0604020202020204" pitchFamily="34" charset="0"/>
+              <a:buChar char="•"/>
+            </a:pPr>
+            <a:r>
+              <a:rPr lang="en-US" b="1" dirty="0"/>
+              <a:t>Idea:</a:t>
+            </a:r>
+            <a:r>
+              <a:rPr lang="en-US" dirty="0"/>
+              <a:t> SoC correlates to battery voltage when the battery is at rest (no current flowing).</a:t>
+            </a:r>
+          </a:p>
+          <a:p>
+            <a:pPr>
+              <a:buFont typeface="Arial" panose="020B0604020202020204" pitchFamily="34" charset="0"/>
+              <a:buChar char="•"/>
+            </a:pPr>
+            <a:r>
+              <a:rPr lang="en-US" b="1" dirty="0"/>
+              <a:t>Pros:</a:t>
+            </a:r>
+            <a:endParaRPr lang="en-US" dirty="0"/>
+          </a:p>
+          <a:p>
+            <a:pPr marL="742950" lvl="1" indent="-285750">
+              <a:buFont typeface="Arial" panose="020B0604020202020204" pitchFamily="34" charset="0"/>
+              <a:buChar char="•"/>
+            </a:pPr>
+            <a:r>
+              <a:rPr lang="en-US" dirty="0"/>
+              <a:t>Very simple.</a:t>
+            </a:r>
+          </a:p>
+          <a:p>
+            <a:pPr marL="742950" lvl="1" indent="-285750">
+              <a:buFont typeface="Arial" panose="020B0604020202020204" pitchFamily="34" charset="0"/>
+              <a:buChar char="•"/>
+            </a:pPr>
+            <a:r>
+              <a:rPr lang="en-US" dirty="0"/>
+              <a:t>No complex modeling required.</a:t>
+            </a:r>
+          </a:p>
+          <a:p>
+            <a:pPr>
+              <a:buFont typeface="Arial" panose="020B0604020202020204" pitchFamily="34" charset="0"/>
+              <a:buChar char="•"/>
+            </a:pPr>
+            <a:r>
+              <a:rPr lang="en-US" b="1" dirty="0"/>
+              <a:t>Cons:</a:t>
+            </a:r>
+            <a:endParaRPr lang="en-US" dirty="0"/>
+          </a:p>
+          <a:p>
+            <a:pPr marL="742950" lvl="1" indent="-285750">
+              <a:buFont typeface="Arial" panose="020B0604020202020204" pitchFamily="34" charset="0"/>
+              <a:buChar char="•"/>
+            </a:pPr>
+            <a:r>
+              <a:rPr lang="en-US" b="1" dirty="0"/>
+              <a:t>Only accurate when the battery is at rest</a:t>
+            </a:r>
+            <a:r>
+              <a:rPr lang="en-US" dirty="0"/>
+              <a:t> for a long period (several hours sometimes).</a:t>
+            </a:r>
+          </a:p>
+          <a:p>
+            <a:pPr marL="742950" lvl="1" indent="-285750">
+              <a:buFont typeface="Arial" panose="020B0604020202020204" pitchFamily="34" charset="0"/>
+              <a:buChar char="•"/>
+            </a:pPr>
+            <a:r>
+              <a:rPr lang="en-US" dirty="0"/>
+              <a:t>Not usable during active operation (driving an EV, for example).</a:t>
+            </a:r>
+          </a:p>
+        </p:txBody>
+      </p:sp>
+    </p:spTree>
+    <p:extLst>
+      <p:ext uri="{BB962C8B-B14F-4D97-AF65-F5344CB8AC3E}">
+        <p14:creationId xmlns:p14="http://schemas.microsoft.com/office/powerpoint/2010/main" val="4241955967"/>
+      </p:ext>
+    </p:extLst>
+  </p:cSld>
+  <p:clrMapOvr>
+    <a:masterClrMapping/>
+  </p:clrMapOvr>
+</p:sld>
+</file>
+
+<file path=ppt/slides/slide7.xml><?xml version="1.0" encoding="utf-8"?>
+<p:sld xmlns:a="http://schemas.openxmlformats.org/drawingml/2006/main" xmlns:r="http://schemas.openxmlformats.org/officeDocument/2006/relationships" xmlns:p="http://schemas.openxmlformats.org/presentationml/2006/main">
+  <p:cSld>
+    <p:spTree>
+      <p:nvGrpSpPr>
+        <p:cNvPr id="1" name=""/>
+        <p:cNvGrpSpPr/>
+        <p:nvPr/>
+      </p:nvGrpSpPr>
+      <p:grpSpPr>
+        <a:xfrm>
+          <a:off x="0" y="0"/>
+          <a:ext cx="0" cy="0"/>
+          <a:chOff x="0" y="0"/>
+          <a:chExt cx="0" cy="0"/>
+        </a:xfrm>
+      </p:grpSpPr>
+      <p:sp>
+        <p:nvSpPr>
+          <p:cNvPr id="2" name="Title 1">
+            <a:extLst>
+              <a:ext uri="{FF2B5EF4-FFF2-40B4-BE49-F238E27FC236}">
+                <a16:creationId xmlns:a16="http://schemas.microsoft.com/office/drawing/2014/main" id="{329620AD-9FFD-7A97-1372-05609162FBE9}"/>
+              </a:ext>
+            </a:extLst>
+          </p:cNvPr>
+          <p:cNvSpPr>
+            <a:spLocks noGrp="1"/>
+          </p:cNvSpPr>
+          <p:nvPr>
+            <p:ph type="title"/>
+          </p:nvPr>
+        </p:nvSpPr>
+        <p:spPr/>
+        <p:txBody>
+          <a:bodyPr/>
+          <a:lstStyle/>
+          <a:p>
+            <a:r>
+              <a:rPr lang="en-US" dirty="0"/>
+              <a:t>OCV Method</a:t>
+            </a:r>
+          </a:p>
+        </p:txBody>
+      </p:sp>
+      <p:cxnSp>
+        <p:nvCxnSpPr>
+          <p:cNvPr id="5" name="Straight Arrow Connector 4">
+            <a:extLst>
+              <a:ext uri="{FF2B5EF4-FFF2-40B4-BE49-F238E27FC236}">
+                <a16:creationId xmlns:a16="http://schemas.microsoft.com/office/drawing/2014/main" id="{3B049587-F996-A949-B720-370A68A3E0D1}"/>
+              </a:ext>
+            </a:extLst>
+          </p:cNvPr>
+          <p:cNvCxnSpPr>
+            <a:cxnSpLocks/>
+          </p:cNvCxnSpPr>
+          <p:nvPr/>
+        </p:nvCxnSpPr>
+        <p:spPr>
+          <a:xfrm flipV="1">
+            <a:off x="3734353" y="3083560"/>
+            <a:ext cx="0" cy="2739426"/>
+          </a:xfrm>
+          <a:prstGeom prst="straightConnector1">
+            <a:avLst/>
+          </a:prstGeom>
+          <a:ln>
+            <a:tailEnd type="triangle"/>
+          </a:ln>
+        </p:spPr>
+        <p:style>
+          <a:lnRef idx="1">
+            <a:schemeClr val="accent1"/>
+          </a:lnRef>
+          <a:fillRef idx="0">
+            <a:schemeClr val="accent1"/>
+          </a:fillRef>
+          <a:effectRef idx="0">
+            <a:schemeClr val="accent1"/>
+          </a:effectRef>
+          <a:fontRef idx="minor">
+            <a:schemeClr val="tx1"/>
+          </a:fontRef>
+        </p:style>
+      </p:cxnSp>
+      <p:cxnSp>
+        <p:nvCxnSpPr>
+          <p:cNvPr id="7" name="Straight Arrow Connector 6">
+            <a:extLst>
+              <a:ext uri="{FF2B5EF4-FFF2-40B4-BE49-F238E27FC236}">
+                <a16:creationId xmlns:a16="http://schemas.microsoft.com/office/drawing/2014/main" id="{0978D7E6-71AC-B642-E02F-C499DA0A5B5F}"/>
+              </a:ext>
+            </a:extLst>
+          </p:cNvPr>
+          <p:cNvCxnSpPr>
+            <a:cxnSpLocks/>
+          </p:cNvCxnSpPr>
+          <p:nvPr/>
+        </p:nvCxnSpPr>
+        <p:spPr>
+          <a:xfrm>
+            <a:off x="3734353" y="5810770"/>
+            <a:ext cx="5130247" cy="0"/>
+          </a:xfrm>
+          <a:prstGeom prst="straightConnector1">
+            <a:avLst/>
+          </a:prstGeom>
+          <a:ln>
+            <a:tailEnd type="triangle"/>
+          </a:ln>
+        </p:spPr>
+        <p:style>
+          <a:lnRef idx="1">
+            <a:schemeClr val="accent1"/>
+          </a:lnRef>
+          <a:fillRef idx="0">
+            <a:schemeClr val="accent1"/>
+          </a:fillRef>
+          <a:effectRef idx="0">
+            <a:schemeClr val="accent1"/>
+          </a:effectRef>
+          <a:fontRef idx="minor">
+            <a:schemeClr val="tx1"/>
+          </a:fontRef>
+        </p:style>
+      </p:cxnSp>
+      <p:cxnSp>
+        <p:nvCxnSpPr>
+          <p:cNvPr id="9" name="Straight Connector 8">
+            <a:extLst>
+              <a:ext uri="{FF2B5EF4-FFF2-40B4-BE49-F238E27FC236}">
+                <a16:creationId xmlns:a16="http://schemas.microsoft.com/office/drawing/2014/main" id="{C0943FEC-FAA6-2ACD-6A11-7D56C785DE7D}"/>
+              </a:ext>
+            </a:extLst>
+          </p:cNvPr>
+          <p:cNvCxnSpPr/>
+          <p:nvPr/>
+        </p:nvCxnSpPr>
+        <p:spPr>
+          <a:xfrm flipV="1">
+            <a:off x="4083862" y="3429000"/>
+            <a:ext cx="4001359" cy="2062557"/>
+          </a:xfrm>
+          <a:prstGeom prst="line">
+            <a:avLst/>
+          </a:prstGeom>
+        </p:spPr>
+        <p:style>
+          <a:lnRef idx="1">
+            <a:schemeClr val="dk1"/>
+          </a:lnRef>
+          <a:fillRef idx="0">
+            <a:schemeClr val="dk1"/>
+          </a:fillRef>
+          <a:effectRef idx="0">
+            <a:schemeClr val="dk1"/>
+          </a:effectRef>
+          <a:fontRef idx="minor">
+            <a:schemeClr val="tx1"/>
+          </a:fontRef>
+        </p:style>
+      </p:cxnSp>
+      <p:cxnSp>
+        <p:nvCxnSpPr>
+          <p:cNvPr id="11" name="Straight Connector 10">
+            <a:extLst>
+              <a:ext uri="{FF2B5EF4-FFF2-40B4-BE49-F238E27FC236}">
+                <a16:creationId xmlns:a16="http://schemas.microsoft.com/office/drawing/2014/main" id="{AD8B4F45-BC7A-FDF2-5B08-DBCD27629087}"/>
+              </a:ext>
+            </a:extLst>
+          </p:cNvPr>
+          <p:cNvCxnSpPr/>
+          <p:nvPr/>
+        </p:nvCxnSpPr>
+        <p:spPr>
+          <a:xfrm>
+            <a:off x="8085221" y="3429000"/>
+            <a:ext cx="0" cy="2481943"/>
+          </a:xfrm>
+          <a:prstGeom prst="line">
+            <a:avLst/>
+          </a:prstGeom>
+          <a:ln>
+            <a:prstDash val="dashDot"/>
+          </a:ln>
+        </p:spPr>
+        <p:style>
+          <a:lnRef idx="1">
+            <a:schemeClr val="accent2"/>
+          </a:lnRef>
+          <a:fillRef idx="0">
+            <a:schemeClr val="accent2"/>
+          </a:fillRef>
+          <a:effectRef idx="0">
+            <a:schemeClr val="accent2"/>
+          </a:effectRef>
+          <a:fontRef idx="minor">
+            <a:schemeClr val="tx1"/>
+          </a:fontRef>
+        </p:style>
+      </p:cxnSp>
+      <p:cxnSp>
+        <p:nvCxnSpPr>
+          <p:cNvPr id="12" name="Straight Connector 11">
+            <a:extLst>
+              <a:ext uri="{FF2B5EF4-FFF2-40B4-BE49-F238E27FC236}">
+                <a16:creationId xmlns:a16="http://schemas.microsoft.com/office/drawing/2014/main" id="{4BB3E6D7-7B36-EFF0-A08B-159735AE4FA8}"/>
+              </a:ext>
+            </a:extLst>
+          </p:cNvPr>
+          <p:cNvCxnSpPr>
+            <a:cxnSpLocks/>
+          </p:cNvCxnSpPr>
+          <p:nvPr/>
+        </p:nvCxnSpPr>
+        <p:spPr>
+          <a:xfrm>
+            <a:off x="4277513" y="5381554"/>
+            <a:ext cx="0" cy="591266"/>
+          </a:xfrm>
+          <a:prstGeom prst="line">
+            <a:avLst/>
+          </a:prstGeom>
+          <a:ln>
+            <a:prstDash val="dashDot"/>
+          </a:ln>
+        </p:spPr>
+        <p:style>
+          <a:lnRef idx="1">
+            <a:schemeClr val="accent2"/>
+          </a:lnRef>
+          <a:fillRef idx="0">
+            <a:schemeClr val="accent2"/>
+          </a:fillRef>
+          <a:effectRef idx="0">
+            <a:schemeClr val="accent2"/>
+          </a:effectRef>
+          <a:fontRef idx="minor">
+            <a:schemeClr val="tx1"/>
+          </a:fontRef>
+        </p:style>
+      </p:cxnSp>
+      <p:sp>
+        <p:nvSpPr>
+          <p:cNvPr id="21" name="TextBox 20">
+            <a:extLst>
+              <a:ext uri="{FF2B5EF4-FFF2-40B4-BE49-F238E27FC236}">
+                <a16:creationId xmlns:a16="http://schemas.microsoft.com/office/drawing/2014/main" id="{577EE939-981C-6FC5-B640-D3B627091CA4}"/>
+              </a:ext>
+            </a:extLst>
+          </p:cNvPr>
+          <p:cNvSpPr txBox="1"/>
+          <p:nvPr/>
+        </p:nvSpPr>
+        <p:spPr>
+          <a:xfrm>
+            <a:off x="8864600" y="5788154"/>
+            <a:ext cx="591829" cy="369332"/>
+          </a:xfrm>
+          <a:prstGeom prst="rect">
+            <a:avLst/>
+          </a:prstGeom>
+          <a:noFill/>
+        </p:spPr>
+        <p:txBody>
+          <a:bodyPr wrap="none" rtlCol="0">
+            <a:spAutoFit/>
+          </a:bodyPr>
+          <a:lstStyle/>
+          <a:p>
+            <a:r>
+              <a:rPr lang="en-US" dirty="0"/>
+              <a:t>OCV</a:t>
+            </a:r>
+          </a:p>
+        </p:txBody>
+      </p:sp>
+      <p:sp>
+        <p:nvSpPr>
+          <p:cNvPr id="22" name="TextBox 21">
+            <a:extLst>
+              <a:ext uri="{FF2B5EF4-FFF2-40B4-BE49-F238E27FC236}">
+                <a16:creationId xmlns:a16="http://schemas.microsoft.com/office/drawing/2014/main" id="{304A2FC6-9566-FD6C-138E-F1EE67B612EC}"/>
+              </a:ext>
+            </a:extLst>
+          </p:cNvPr>
+          <p:cNvSpPr txBox="1"/>
+          <p:nvPr/>
+        </p:nvSpPr>
+        <p:spPr>
+          <a:xfrm>
+            <a:off x="3325846" y="2676908"/>
+            <a:ext cx="535724" cy="369332"/>
+          </a:xfrm>
+          <a:prstGeom prst="rect">
+            <a:avLst/>
+          </a:prstGeom>
+          <a:noFill/>
+        </p:spPr>
+        <p:txBody>
+          <a:bodyPr wrap="none" rtlCol="0">
+            <a:spAutoFit/>
+          </a:bodyPr>
+          <a:lstStyle/>
+          <a:p>
+            <a:r>
+              <a:rPr lang="en-US" dirty="0"/>
+              <a:t>SoC</a:t>
+            </a:r>
+          </a:p>
+        </p:txBody>
+      </p:sp>
+      <mc:AlternateContent xmlns:mc="http://schemas.openxmlformats.org/markup-compatibility/2006">
+        <mc:Choice xmlns:a14="http://schemas.microsoft.com/office/drawing/2010/main" Requires="a14">
+          <p:sp>
+            <p:nvSpPr>
+              <p:cNvPr id="24" name="TextBox 23">
+                <a:extLst>
+                  <a:ext uri="{FF2B5EF4-FFF2-40B4-BE49-F238E27FC236}">
+                    <a16:creationId xmlns:a16="http://schemas.microsoft.com/office/drawing/2014/main" id="{DE9469AA-1BE5-481E-FDD7-A9FAD57A2802}"/>
+                  </a:ext>
+                </a:extLst>
+              </p:cNvPr>
+              <p:cNvSpPr txBox="1"/>
+              <p:nvPr/>
+            </p:nvSpPr>
+            <p:spPr>
+              <a:xfrm>
+                <a:off x="3946946" y="5843208"/>
+                <a:ext cx="686353" cy="369332"/>
+              </a:xfrm>
+              <a:prstGeom prst="rect">
+                <a:avLst/>
+              </a:prstGeom>
+              <a:noFill/>
+            </p:spPr>
+            <p:txBody>
+              <a:bodyPr wrap="square">
+                <a:spAutoFit/>
+              </a:bodyPr>
+              <a:lstStyle/>
+              <a:p>
+                <a:pPr/>
+                <a14:m>
+                  <m:oMathPara xmlns:m="http://schemas.openxmlformats.org/officeDocument/2006/math">
+                    <m:oMathParaPr>
+                      <m:jc m:val="centerGroup"/>
+                    </m:oMathParaPr>
+                    <m:oMath xmlns:m="http://schemas.openxmlformats.org/officeDocument/2006/math">
+                      <m:sSub>
+                        <m:sSubPr>
+                          <m:ctrlPr>
+                            <a:rPr lang="en-US" b="0" i="1" dirty="0" smtClean="0">
+                              <a:latin typeface="Cambria Math" panose="02040503050406030204" pitchFamily="18" charset="0"/>
+                            </a:rPr>
+                          </m:ctrlPr>
+                        </m:sSubPr>
+                        <m:e>
+                          <m:r>
+                            <a:rPr lang="en-US" b="0" i="1" dirty="0" smtClean="0">
+                              <a:latin typeface="Cambria Math" panose="02040503050406030204" pitchFamily="18" charset="0"/>
+                            </a:rPr>
+                            <m:t>𝑉</m:t>
+                          </m:r>
+                        </m:e>
+                        <m:sub>
+                          <m:r>
+                            <a:rPr lang="en-US" b="0" i="1" dirty="0" smtClean="0">
+                              <a:latin typeface="Cambria Math" panose="02040503050406030204" pitchFamily="18" charset="0"/>
+                            </a:rPr>
+                            <m:t>0</m:t>
+                          </m:r>
+                        </m:sub>
+                      </m:sSub>
+                    </m:oMath>
+                  </m:oMathPara>
+                </a14:m>
+                <a:endParaRPr lang="en-US" dirty="0"/>
+              </a:p>
+            </p:txBody>
+          </p:sp>
+        </mc:Choice>
+        <mc:Fallback>
+          <p:sp>
+            <p:nvSpPr>
+              <p:cNvPr id="24" name="TextBox 23">
+                <a:extLst>
+                  <a:ext uri="{FF2B5EF4-FFF2-40B4-BE49-F238E27FC236}">
+                    <a16:creationId xmlns:a16="http://schemas.microsoft.com/office/drawing/2014/main" id="{DE9469AA-1BE5-481E-FDD7-A9FAD57A2802}"/>
+                  </a:ext>
+                </a:extLst>
+              </p:cNvPr>
+              <p:cNvSpPr txBox="1">
+                <a:spLocks noRot="1" noChangeAspect="1" noMove="1" noResize="1" noEditPoints="1" noAdjustHandles="1" noChangeArrowheads="1" noChangeShapeType="1" noTextEdit="1"/>
+              </p:cNvSpPr>
+              <p:nvPr/>
+            </p:nvSpPr>
+            <p:spPr>
+              <a:xfrm>
+                <a:off x="3946946" y="5843208"/>
+                <a:ext cx="686353" cy="369332"/>
+              </a:xfrm>
+              <a:prstGeom prst="rect">
+                <a:avLst/>
+              </a:prstGeom>
+              <a:blipFill>
+                <a:blip r:embed="rId2"/>
+                <a:stretch>
+                  <a:fillRect/>
+                </a:stretch>
+              </a:blipFill>
+            </p:spPr>
+            <p:txBody>
+              <a:bodyPr/>
+              <a:lstStyle/>
+              <a:p>
+                <a:r>
+                  <a:rPr lang="en-US">
+                    <a:noFill/>
+                  </a:rPr>
+                  <a:t> </a:t>
+                </a:r>
+              </a:p>
+            </p:txBody>
+          </p:sp>
+        </mc:Fallback>
+      </mc:AlternateContent>
+      <mc:AlternateContent xmlns:mc="http://schemas.openxmlformats.org/markup-compatibility/2006">
+        <mc:Choice xmlns:a14="http://schemas.microsoft.com/office/drawing/2010/main" Requires="a14">
+          <p:sp>
+            <p:nvSpPr>
+              <p:cNvPr id="26" name="TextBox 25">
+                <a:extLst>
+                  <a:ext uri="{FF2B5EF4-FFF2-40B4-BE49-F238E27FC236}">
+                    <a16:creationId xmlns:a16="http://schemas.microsoft.com/office/drawing/2014/main" id="{F8DF6A8E-FBDD-C730-2EFD-AA74B3FB823E}"/>
+                  </a:ext>
+                </a:extLst>
+              </p:cNvPr>
+              <p:cNvSpPr txBox="1"/>
+              <p:nvPr/>
+            </p:nvSpPr>
+            <p:spPr>
+              <a:xfrm>
+                <a:off x="7742044" y="5933559"/>
+                <a:ext cx="686353" cy="369332"/>
+              </a:xfrm>
+              <a:prstGeom prst="rect">
+                <a:avLst/>
+              </a:prstGeom>
+              <a:noFill/>
+            </p:spPr>
+            <p:txBody>
+              <a:bodyPr wrap="square">
+                <a:spAutoFit/>
+              </a:bodyPr>
+              <a:lstStyle/>
+              <a:p>
+                <a:pPr/>
+                <a14:m>
+                  <m:oMathPara xmlns:m="http://schemas.openxmlformats.org/officeDocument/2006/math">
+                    <m:oMathParaPr>
+                      <m:jc m:val="centerGroup"/>
+                    </m:oMathParaPr>
+                    <m:oMath xmlns:m="http://schemas.openxmlformats.org/officeDocument/2006/math">
+                      <m:sSub>
+                        <m:sSubPr>
+                          <m:ctrlPr>
+                            <a:rPr lang="en-US" b="0" i="1" dirty="0" smtClean="0">
+                              <a:latin typeface="Cambria Math" panose="02040503050406030204" pitchFamily="18" charset="0"/>
+                            </a:rPr>
+                          </m:ctrlPr>
+                        </m:sSubPr>
+                        <m:e>
+                          <m:r>
+                            <a:rPr lang="en-US" b="0" i="1" dirty="0" smtClean="0">
+                              <a:latin typeface="Cambria Math" panose="02040503050406030204" pitchFamily="18" charset="0"/>
+                            </a:rPr>
+                            <m:t>𝑉</m:t>
+                          </m:r>
+                        </m:e>
+                        <m:sub>
+                          <m:r>
+                            <a:rPr lang="en-US" b="0" i="1" dirty="0" smtClean="0">
+                              <a:latin typeface="Cambria Math" panose="02040503050406030204" pitchFamily="18" charset="0"/>
+                            </a:rPr>
+                            <m:t>1</m:t>
+                          </m:r>
+                        </m:sub>
+                      </m:sSub>
+                    </m:oMath>
+                  </m:oMathPara>
+                </a14:m>
+                <a:endParaRPr lang="en-US" dirty="0"/>
+              </a:p>
+            </p:txBody>
+          </p:sp>
+        </mc:Choice>
+        <mc:Fallback>
+          <p:sp>
+            <p:nvSpPr>
+              <p:cNvPr id="26" name="TextBox 25">
+                <a:extLst>
+                  <a:ext uri="{FF2B5EF4-FFF2-40B4-BE49-F238E27FC236}">
+                    <a16:creationId xmlns:a16="http://schemas.microsoft.com/office/drawing/2014/main" id="{F8DF6A8E-FBDD-C730-2EFD-AA74B3FB823E}"/>
+                  </a:ext>
+                </a:extLst>
+              </p:cNvPr>
+              <p:cNvSpPr txBox="1">
+                <a:spLocks noRot="1" noChangeAspect="1" noMove="1" noResize="1" noEditPoints="1" noAdjustHandles="1" noChangeArrowheads="1" noChangeShapeType="1" noTextEdit="1"/>
+              </p:cNvSpPr>
+              <p:nvPr/>
+            </p:nvSpPr>
+            <p:spPr>
+              <a:xfrm>
+                <a:off x="7742044" y="5933559"/>
+                <a:ext cx="686353" cy="369332"/>
+              </a:xfrm>
+              <a:prstGeom prst="rect">
+                <a:avLst/>
+              </a:prstGeom>
+              <a:blipFill>
+                <a:blip r:embed="rId3"/>
+                <a:stretch>
+                  <a:fillRect/>
+                </a:stretch>
+              </a:blipFill>
+            </p:spPr>
+            <p:txBody>
+              <a:bodyPr/>
+              <a:lstStyle/>
+              <a:p>
+                <a:r>
+                  <a:rPr lang="en-US">
+                    <a:noFill/>
+                  </a:rPr>
+                  <a:t> </a:t>
+                </a:r>
+              </a:p>
+            </p:txBody>
+          </p:sp>
+        </mc:Fallback>
+      </mc:AlternateContent>
+      <p:cxnSp>
+        <p:nvCxnSpPr>
+          <p:cNvPr id="27" name="Straight Connector 26">
+            <a:extLst>
+              <a:ext uri="{FF2B5EF4-FFF2-40B4-BE49-F238E27FC236}">
+                <a16:creationId xmlns:a16="http://schemas.microsoft.com/office/drawing/2014/main" id="{A1641DE7-6C54-FAA0-0A1C-FF7BDD8A203F}"/>
+              </a:ext>
+            </a:extLst>
+          </p:cNvPr>
+          <p:cNvCxnSpPr>
+            <a:cxnSpLocks/>
+          </p:cNvCxnSpPr>
+          <p:nvPr/>
+        </p:nvCxnSpPr>
+        <p:spPr>
+          <a:xfrm flipH="1">
+            <a:off x="3687233" y="5381554"/>
+            <a:ext cx="602889" cy="0"/>
+          </a:xfrm>
+          <a:prstGeom prst="line">
+            <a:avLst/>
+          </a:prstGeom>
+          <a:ln>
+            <a:prstDash val="dashDot"/>
+          </a:ln>
+        </p:spPr>
+        <p:style>
+          <a:lnRef idx="1">
+            <a:schemeClr val="accent2"/>
+          </a:lnRef>
+          <a:fillRef idx="0">
+            <a:schemeClr val="accent2"/>
+          </a:fillRef>
+          <a:effectRef idx="0">
+            <a:schemeClr val="accent2"/>
+          </a:effectRef>
+          <a:fontRef idx="minor">
+            <a:schemeClr val="tx1"/>
+          </a:fontRef>
+        </p:style>
+      </p:cxnSp>
+      <mc:AlternateContent xmlns:mc="http://schemas.openxmlformats.org/markup-compatibility/2006">
+        <mc:Choice xmlns:a14="http://schemas.microsoft.com/office/drawing/2010/main" Requires="a14">
+          <p:sp>
+            <p:nvSpPr>
+              <p:cNvPr id="31" name="TextBox 30">
+                <a:extLst>
+                  <a:ext uri="{FF2B5EF4-FFF2-40B4-BE49-F238E27FC236}">
+                    <a16:creationId xmlns:a16="http://schemas.microsoft.com/office/drawing/2014/main" id="{7FCD2BC7-C22B-10C1-6AC6-00D5140B6168}"/>
+                  </a:ext>
+                </a:extLst>
+              </p:cNvPr>
+              <p:cNvSpPr txBox="1"/>
+              <p:nvPr/>
+            </p:nvSpPr>
+            <p:spPr>
+              <a:xfrm>
+                <a:off x="2982670" y="5122225"/>
+                <a:ext cx="686353" cy="369332"/>
+              </a:xfrm>
+              <a:prstGeom prst="rect">
+                <a:avLst/>
+              </a:prstGeom>
+              <a:noFill/>
+            </p:spPr>
+            <p:txBody>
+              <a:bodyPr wrap="square">
+                <a:spAutoFit/>
+              </a:bodyPr>
+              <a:lstStyle/>
+              <a:p>
+                <a:pPr/>
+                <a14:m>
+                  <m:oMathPara xmlns:m="http://schemas.openxmlformats.org/officeDocument/2006/math">
+                    <m:oMathParaPr>
+                      <m:jc m:val="centerGroup"/>
+                    </m:oMathParaPr>
+                    <m:oMath xmlns:m="http://schemas.openxmlformats.org/officeDocument/2006/math">
+                      <m:sSub>
+                        <m:sSubPr>
+                          <m:ctrlPr>
+                            <a:rPr lang="en-US" b="0" i="1" dirty="0" smtClean="0">
+                              <a:latin typeface="Cambria Math" panose="02040503050406030204" pitchFamily="18" charset="0"/>
+                            </a:rPr>
+                          </m:ctrlPr>
+                        </m:sSubPr>
+                        <m:e>
+                          <m:r>
+                            <a:rPr lang="en-US" b="0" i="1" dirty="0" smtClean="0">
+                              <a:latin typeface="Cambria Math" panose="02040503050406030204" pitchFamily="18" charset="0"/>
+                            </a:rPr>
+                            <m:t>𝑆</m:t>
+                          </m:r>
+                        </m:e>
+                        <m:sub>
+                          <m:r>
+                            <a:rPr lang="en-US" b="0" i="1" dirty="0" smtClean="0">
+                              <a:latin typeface="Cambria Math" panose="02040503050406030204" pitchFamily="18" charset="0"/>
+                            </a:rPr>
+                            <m:t>0</m:t>
+                          </m:r>
+                        </m:sub>
+                      </m:sSub>
+                    </m:oMath>
+                  </m:oMathPara>
+                </a14:m>
+                <a:endParaRPr lang="en-US" dirty="0"/>
+              </a:p>
+            </p:txBody>
+          </p:sp>
+        </mc:Choice>
+        <mc:Fallback>
+          <p:sp>
+            <p:nvSpPr>
+              <p:cNvPr id="31" name="TextBox 30">
+                <a:extLst>
+                  <a:ext uri="{FF2B5EF4-FFF2-40B4-BE49-F238E27FC236}">
+                    <a16:creationId xmlns:a16="http://schemas.microsoft.com/office/drawing/2014/main" id="{7FCD2BC7-C22B-10C1-6AC6-00D5140B6168}"/>
+                  </a:ext>
+                </a:extLst>
+              </p:cNvPr>
+              <p:cNvSpPr txBox="1">
+                <a:spLocks noRot="1" noChangeAspect="1" noMove="1" noResize="1" noEditPoints="1" noAdjustHandles="1" noChangeArrowheads="1" noChangeShapeType="1" noTextEdit="1"/>
+              </p:cNvSpPr>
+              <p:nvPr/>
+            </p:nvSpPr>
+            <p:spPr>
+              <a:xfrm>
+                <a:off x="2982670" y="5122225"/>
+                <a:ext cx="686353" cy="369332"/>
+              </a:xfrm>
+              <a:prstGeom prst="rect">
+                <a:avLst/>
+              </a:prstGeom>
+              <a:blipFill>
+                <a:blip r:embed="rId4"/>
+                <a:stretch>
+                  <a:fillRect/>
+                </a:stretch>
+              </a:blipFill>
+            </p:spPr>
+            <p:txBody>
+              <a:bodyPr/>
+              <a:lstStyle/>
+              <a:p>
+                <a:r>
+                  <a:rPr lang="en-US">
+                    <a:noFill/>
+                  </a:rPr>
+                  <a:t> </a:t>
+                </a:r>
+              </a:p>
+            </p:txBody>
+          </p:sp>
+        </mc:Fallback>
+      </mc:AlternateContent>
+      <mc:AlternateContent xmlns:mc="http://schemas.openxmlformats.org/markup-compatibility/2006">
+        <mc:Choice xmlns:a14="http://schemas.microsoft.com/office/drawing/2010/main" Requires="a14">
+          <p:sp>
+            <p:nvSpPr>
+              <p:cNvPr id="37" name="TextBox 36">
+                <a:extLst>
+                  <a:ext uri="{FF2B5EF4-FFF2-40B4-BE49-F238E27FC236}">
+                    <a16:creationId xmlns:a16="http://schemas.microsoft.com/office/drawing/2014/main" id="{F970F0FB-47F5-5737-C1A9-6638CBBA3EBE}"/>
+                  </a:ext>
+                </a:extLst>
+              </p:cNvPr>
+              <p:cNvSpPr txBox="1"/>
+              <p:nvPr/>
+            </p:nvSpPr>
+            <p:spPr>
+              <a:xfrm>
+                <a:off x="3036541" y="1959088"/>
+                <a:ext cx="6096000" cy="657937"/>
+              </a:xfrm>
+              <a:prstGeom prst="rect">
+                <a:avLst/>
+              </a:prstGeom>
+              <a:noFill/>
+            </p:spPr>
+            <p:txBody>
+              <a:bodyPr wrap="square">
+                <a:spAutoFit/>
+              </a:bodyPr>
+              <a:lstStyle/>
+              <a:p>
+                <a:pPr marL="0" indent="0">
+                  <a:buNone/>
+                </a:pPr>
+                <a14:m>
+                  <m:oMathPara xmlns:m="http://schemas.openxmlformats.org/officeDocument/2006/math">
+                    <m:oMathParaPr>
+                      <m:jc m:val="centerGroup"/>
+                    </m:oMathParaPr>
+                    <m:oMath xmlns:m="http://schemas.openxmlformats.org/officeDocument/2006/math">
+                      <m:r>
+                        <a:rPr lang="en-US" i="1" dirty="0" smtClean="0">
+                          <a:latin typeface="Cambria Math" panose="02040503050406030204" pitchFamily="18" charset="0"/>
+                        </a:rPr>
+                        <m:t>𝑆𝑜</m:t>
+                      </m:r>
+                      <m:sSub>
+                        <m:sSubPr>
+                          <m:ctrlPr>
+                            <a:rPr lang="en-US" b="0" i="1" dirty="0" smtClean="0">
+                              <a:latin typeface="Cambria Math" panose="02040503050406030204" pitchFamily="18" charset="0"/>
+                            </a:rPr>
+                          </m:ctrlPr>
+                        </m:sSubPr>
+                        <m:e>
+                          <m:r>
+                            <a:rPr lang="en-US" i="1" dirty="0" smtClean="0">
+                              <a:latin typeface="Cambria Math" panose="02040503050406030204" pitchFamily="18" charset="0"/>
+                            </a:rPr>
+                            <m:t>𝐶</m:t>
+                          </m:r>
+                        </m:e>
+                        <m:sub>
+                          <m:r>
+                            <a:rPr lang="en-US" b="0" i="1" dirty="0" smtClean="0">
+                              <a:latin typeface="Cambria Math" panose="02040503050406030204" pitchFamily="18" charset="0"/>
+                            </a:rPr>
+                            <m:t>𝑉</m:t>
+                          </m:r>
+                        </m:sub>
+                      </m:sSub>
+                      <m:r>
+                        <a:rPr lang="en-US" i="1" dirty="0" smtClean="0">
+                          <a:latin typeface="Cambria Math" panose="02040503050406030204" pitchFamily="18" charset="0"/>
+                        </a:rPr>
+                        <m:t> =</m:t>
+                      </m:r>
+                      <m:sSub>
+                        <m:sSubPr>
+                          <m:ctrlPr>
+                            <a:rPr lang="en-US" b="0" i="1" dirty="0" smtClean="0">
+                              <a:latin typeface="Cambria Math" panose="02040503050406030204" pitchFamily="18" charset="0"/>
+                            </a:rPr>
+                          </m:ctrlPr>
+                        </m:sSubPr>
+                        <m:e>
+                          <m:r>
+                            <a:rPr lang="en-US" b="0" i="1" dirty="0" smtClean="0">
+                              <a:latin typeface="Cambria Math" panose="02040503050406030204" pitchFamily="18" charset="0"/>
+                            </a:rPr>
+                            <m:t>𝑆</m:t>
+                          </m:r>
+                        </m:e>
+                        <m:sub>
+                          <m:r>
+                            <a:rPr lang="en-US" b="0" i="1" dirty="0" smtClean="0">
+                              <a:latin typeface="Cambria Math" panose="02040503050406030204" pitchFamily="18" charset="0"/>
+                            </a:rPr>
+                            <m:t>0</m:t>
+                          </m:r>
+                        </m:sub>
+                      </m:sSub>
+                      <m:r>
+                        <a:rPr lang="en-US" b="0" i="1" dirty="0" smtClean="0">
+                          <a:latin typeface="Cambria Math" panose="02040503050406030204" pitchFamily="18" charset="0"/>
+                        </a:rPr>
+                        <m:t>+(</m:t>
+                      </m:r>
+                      <m:sSub>
+                        <m:sSubPr>
+                          <m:ctrlPr>
+                            <a:rPr lang="en-US" b="0" i="1" dirty="0" smtClean="0">
+                              <a:latin typeface="Cambria Math" panose="02040503050406030204" pitchFamily="18" charset="0"/>
+                            </a:rPr>
+                          </m:ctrlPr>
+                        </m:sSubPr>
+                        <m:e>
+                          <m:r>
+                            <a:rPr lang="en-US" b="0" i="1" dirty="0" smtClean="0">
+                              <a:latin typeface="Cambria Math" panose="02040503050406030204" pitchFamily="18" charset="0"/>
+                            </a:rPr>
+                            <m:t>𝑆</m:t>
+                          </m:r>
+                        </m:e>
+                        <m:sub>
+                          <m:r>
+                            <a:rPr lang="en-US" b="0" i="1" dirty="0" smtClean="0">
+                              <a:latin typeface="Cambria Math" panose="02040503050406030204" pitchFamily="18" charset="0"/>
+                            </a:rPr>
+                            <m:t>1</m:t>
+                          </m:r>
+                        </m:sub>
+                      </m:sSub>
+                      <m:r>
+                        <a:rPr lang="en-US" b="0" i="1" dirty="0" smtClean="0">
+                          <a:latin typeface="Cambria Math" panose="02040503050406030204" pitchFamily="18" charset="0"/>
+                        </a:rPr>
+                        <m:t>−</m:t>
+                      </m:r>
+                      <m:sSub>
+                        <m:sSubPr>
+                          <m:ctrlPr>
+                            <a:rPr lang="en-US" b="0" i="1" dirty="0" smtClean="0">
+                              <a:latin typeface="Cambria Math" panose="02040503050406030204" pitchFamily="18" charset="0"/>
+                            </a:rPr>
+                          </m:ctrlPr>
+                        </m:sSubPr>
+                        <m:e>
+                          <m:r>
+                            <a:rPr lang="en-US" b="0" i="1" dirty="0" smtClean="0">
+                              <a:latin typeface="Cambria Math" panose="02040503050406030204" pitchFamily="18" charset="0"/>
+                            </a:rPr>
+                            <m:t>𝑆</m:t>
+                          </m:r>
+                        </m:e>
+                        <m:sub>
+                          <m:r>
+                            <a:rPr lang="en-US" b="0" i="1" dirty="0" smtClean="0">
+                              <a:latin typeface="Cambria Math" panose="02040503050406030204" pitchFamily="18" charset="0"/>
+                            </a:rPr>
+                            <m:t>0</m:t>
+                          </m:r>
+                        </m:sub>
+                      </m:sSub>
+                      <m:r>
+                        <a:rPr lang="en-US" b="0" i="1" dirty="0" smtClean="0">
+                          <a:latin typeface="Cambria Math" panose="02040503050406030204" pitchFamily="18" charset="0"/>
+                        </a:rPr>
+                        <m:t>)</m:t>
+                      </m:r>
+                      <m:f>
+                        <m:fPr>
+                          <m:ctrlPr>
+                            <a:rPr lang="en-US" b="0" i="1" dirty="0" smtClean="0">
+                              <a:latin typeface="Cambria Math" panose="02040503050406030204" pitchFamily="18" charset="0"/>
+                            </a:rPr>
+                          </m:ctrlPr>
+                        </m:fPr>
+                        <m:num>
+                          <m:r>
+                            <a:rPr lang="en-US" b="0" i="1" dirty="0" smtClean="0">
+                              <a:latin typeface="Cambria Math" panose="02040503050406030204" pitchFamily="18" charset="0"/>
+                            </a:rPr>
+                            <m:t>𝑉</m:t>
+                          </m:r>
+                          <m:r>
+                            <a:rPr lang="en-US" b="0" i="1" dirty="0" smtClean="0">
+                              <a:latin typeface="Cambria Math" panose="02040503050406030204" pitchFamily="18" charset="0"/>
+                            </a:rPr>
+                            <m:t>−</m:t>
+                          </m:r>
+                          <m:sSub>
+                            <m:sSubPr>
+                              <m:ctrlPr>
+                                <a:rPr lang="en-US" b="0" i="1" dirty="0" smtClean="0">
+                                  <a:latin typeface="Cambria Math" panose="02040503050406030204" pitchFamily="18" charset="0"/>
+                                </a:rPr>
+                              </m:ctrlPr>
+                            </m:sSubPr>
+                            <m:e>
+                              <m:r>
+                                <a:rPr lang="en-US" b="0" i="1" dirty="0" smtClean="0">
+                                  <a:latin typeface="Cambria Math" panose="02040503050406030204" pitchFamily="18" charset="0"/>
+                                </a:rPr>
+                                <m:t>𝑉</m:t>
+                              </m:r>
+                            </m:e>
+                            <m:sub>
+                              <m:r>
+                                <a:rPr lang="en-US" b="0" i="1" dirty="0" smtClean="0">
+                                  <a:latin typeface="Cambria Math" panose="02040503050406030204" pitchFamily="18" charset="0"/>
+                                </a:rPr>
+                                <m:t>0</m:t>
+                              </m:r>
+                            </m:sub>
+                          </m:sSub>
+                        </m:num>
+                        <m:den>
+                          <m:sSub>
+                            <m:sSubPr>
+                              <m:ctrlPr>
+                                <a:rPr lang="en-US" b="0" i="1" dirty="0" smtClean="0">
+                                  <a:latin typeface="Cambria Math" panose="02040503050406030204" pitchFamily="18" charset="0"/>
+                                </a:rPr>
+                              </m:ctrlPr>
+                            </m:sSubPr>
+                            <m:e>
+                              <m:r>
+                                <a:rPr lang="en-US" b="0" i="1" dirty="0" smtClean="0">
+                                  <a:latin typeface="Cambria Math" panose="02040503050406030204" pitchFamily="18" charset="0"/>
+                                </a:rPr>
+                                <m:t>𝑉</m:t>
+                              </m:r>
+                            </m:e>
+                            <m:sub>
+                              <m:r>
+                                <a:rPr lang="en-US" b="0" i="1" dirty="0" smtClean="0">
+                                  <a:latin typeface="Cambria Math" panose="02040503050406030204" pitchFamily="18" charset="0"/>
+                                </a:rPr>
+                                <m:t>1</m:t>
+                              </m:r>
+                            </m:sub>
+                          </m:sSub>
+                          <m:r>
+                            <a:rPr lang="en-US" b="0" i="1" dirty="0" smtClean="0">
+                              <a:latin typeface="Cambria Math" panose="02040503050406030204" pitchFamily="18" charset="0"/>
+                            </a:rPr>
+                            <m:t>−</m:t>
+                          </m:r>
+                          <m:sSub>
+                            <m:sSubPr>
+                              <m:ctrlPr>
+                                <a:rPr lang="en-US" b="0" i="1" dirty="0" smtClean="0">
+                                  <a:latin typeface="Cambria Math" panose="02040503050406030204" pitchFamily="18" charset="0"/>
+                                </a:rPr>
+                              </m:ctrlPr>
+                            </m:sSubPr>
+                            <m:e>
+                              <m:r>
+                                <a:rPr lang="en-US" b="0" i="1" dirty="0" smtClean="0">
+                                  <a:latin typeface="Cambria Math" panose="02040503050406030204" pitchFamily="18" charset="0"/>
+                                </a:rPr>
+                                <m:t>𝑉</m:t>
+                              </m:r>
+                            </m:e>
+                            <m:sub>
+                              <m:r>
+                                <a:rPr lang="en-US" b="0" i="1" dirty="0" smtClean="0">
+                                  <a:latin typeface="Cambria Math" panose="02040503050406030204" pitchFamily="18" charset="0"/>
+                                </a:rPr>
+                                <m:t>0</m:t>
+                              </m:r>
+                            </m:sub>
+                          </m:sSub>
+                        </m:den>
+                      </m:f>
+                    </m:oMath>
+                  </m:oMathPara>
+                </a14:m>
+                <a:endParaRPr lang="en-US" dirty="0"/>
+              </a:p>
+            </p:txBody>
+          </p:sp>
+        </mc:Choice>
+        <mc:Fallback>
+          <p:sp>
+            <p:nvSpPr>
+              <p:cNvPr id="37" name="TextBox 36">
+                <a:extLst>
+                  <a:ext uri="{FF2B5EF4-FFF2-40B4-BE49-F238E27FC236}">
+                    <a16:creationId xmlns:a16="http://schemas.microsoft.com/office/drawing/2014/main" id="{F970F0FB-47F5-5737-C1A9-6638CBBA3EBE}"/>
+                  </a:ext>
+                </a:extLst>
+              </p:cNvPr>
+              <p:cNvSpPr txBox="1">
+                <a:spLocks noRot="1" noChangeAspect="1" noMove="1" noResize="1" noEditPoints="1" noAdjustHandles="1" noChangeArrowheads="1" noChangeShapeType="1" noTextEdit="1"/>
+              </p:cNvSpPr>
+              <p:nvPr/>
+            </p:nvSpPr>
+            <p:spPr>
+              <a:xfrm>
+                <a:off x="3036541" y="1959088"/>
+                <a:ext cx="6096000" cy="657937"/>
+              </a:xfrm>
+              <a:prstGeom prst="rect">
+                <a:avLst/>
+              </a:prstGeom>
+              <a:blipFill>
+                <a:blip r:embed="rId5"/>
+                <a:stretch>
+                  <a:fillRect/>
+                </a:stretch>
+              </a:blipFill>
+            </p:spPr>
+            <p:txBody>
+              <a:bodyPr/>
+              <a:lstStyle/>
+              <a:p>
+                <a:r>
+                  <a:rPr lang="en-US">
+                    <a:noFill/>
+                  </a:rPr>
+                  <a:t> </a:t>
+                </a:r>
+              </a:p>
+            </p:txBody>
+          </p:sp>
+        </mc:Fallback>
+      </mc:AlternateContent>
+      <p:cxnSp>
+        <p:nvCxnSpPr>
+          <p:cNvPr id="38" name="Straight Connector 37">
+            <a:extLst>
+              <a:ext uri="{FF2B5EF4-FFF2-40B4-BE49-F238E27FC236}">
+                <a16:creationId xmlns:a16="http://schemas.microsoft.com/office/drawing/2014/main" id="{02B5679B-6DEC-2B04-929B-7AA7C8E1E871}"/>
+              </a:ext>
+            </a:extLst>
+          </p:cNvPr>
+          <p:cNvCxnSpPr>
+            <a:cxnSpLocks/>
+          </p:cNvCxnSpPr>
+          <p:nvPr/>
+        </p:nvCxnSpPr>
+        <p:spPr>
+          <a:xfrm flipH="1">
+            <a:off x="3652707" y="3444804"/>
+            <a:ext cx="4432513" cy="0"/>
+          </a:xfrm>
+          <a:prstGeom prst="line">
+            <a:avLst/>
+          </a:prstGeom>
+          <a:ln>
+            <a:prstDash val="dashDot"/>
+          </a:ln>
+        </p:spPr>
+        <p:style>
+          <a:lnRef idx="1">
+            <a:schemeClr val="accent2"/>
+          </a:lnRef>
+          <a:fillRef idx="0">
+            <a:schemeClr val="accent2"/>
+          </a:fillRef>
+          <a:effectRef idx="0">
+            <a:schemeClr val="accent2"/>
+          </a:effectRef>
+          <a:fontRef idx="minor">
+            <a:schemeClr val="tx1"/>
+          </a:fontRef>
+        </p:style>
+      </p:cxnSp>
+      <mc:AlternateContent xmlns:mc="http://schemas.openxmlformats.org/markup-compatibility/2006">
+        <mc:Choice xmlns:a14="http://schemas.microsoft.com/office/drawing/2010/main" Requires="a14">
+          <p:sp>
+            <p:nvSpPr>
+              <p:cNvPr id="40" name="TextBox 39">
+                <a:extLst>
+                  <a:ext uri="{FF2B5EF4-FFF2-40B4-BE49-F238E27FC236}">
+                    <a16:creationId xmlns:a16="http://schemas.microsoft.com/office/drawing/2014/main" id="{E52258C7-A001-C693-F943-66690B16ED25}"/>
+                  </a:ext>
+                </a:extLst>
+              </p:cNvPr>
+              <p:cNvSpPr txBox="1"/>
+              <p:nvPr/>
+            </p:nvSpPr>
+            <p:spPr>
+              <a:xfrm>
+                <a:off x="3041668" y="3200255"/>
+                <a:ext cx="686353" cy="369332"/>
+              </a:xfrm>
+              <a:prstGeom prst="rect">
+                <a:avLst/>
+              </a:prstGeom>
+              <a:noFill/>
+            </p:spPr>
+            <p:txBody>
+              <a:bodyPr wrap="square">
+                <a:spAutoFit/>
+              </a:bodyPr>
+              <a:lstStyle/>
+              <a:p>
+                <a:pPr/>
+                <a14:m>
+                  <m:oMathPara xmlns:m="http://schemas.openxmlformats.org/officeDocument/2006/math">
+                    <m:oMathParaPr>
+                      <m:jc m:val="centerGroup"/>
+                    </m:oMathParaPr>
+                    <m:oMath xmlns:m="http://schemas.openxmlformats.org/officeDocument/2006/math">
+                      <m:sSub>
+                        <m:sSubPr>
+                          <m:ctrlPr>
+                            <a:rPr lang="en-US" b="0" i="1" dirty="0" smtClean="0">
+                              <a:latin typeface="Cambria Math" panose="02040503050406030204" pitchFamily="18" charset="0"/>
+                            </a:rPr>
+                          </m:ctrlPr>
+                        </m:sSubPr>
+                        <m:e>
+                          <m:r>
+                            <a:rPr lang="en-US" b="0" i="1" dirty="0" smtClean="0">
+                              <a:latin typeface="Cambria Math" panose="02040503050406030204" pitchFamily="18" charset="0"/>
+                            </a:rPr>
+                            <m:t>𝑆</m:t>
+                          </m:r>
+                        </m:e>
+                        <m:sub>
+                          <m:r>
+                            <a:rPr lang="en-US" b="0" i="1" dirty="0" smtClean="0">
+                              <a:latin typeface="Cambria Math" panose="02040503050406030204" pitchFamily="18" charset="0"/>
+                            </a:rPr>
+                            <m:t>1</m:t>
+                          </m:r>
+                        </m:sub>
+                      </m:sSub>
+                    </m:oMath>
+                  </m:oMathPara>
+                </a14:m>
+                <a:endParaRPr lang="en-US" dirty="0"/>
+              </a:p>
+            </p:txBody>
+          </p:sp>
+        </mc:Choice>
+        <mc:Fallback>
+          <p:sp>
+            <p:nvSpPr>
+              <p:cNvPr id="40" name="TextBox 39">
+                <a:extLst>
+                  <a:ext uri="{FF2B5EF4-FFF2-40B4-BE49-F238E27FC236}">
+                    <a16:creationId xmlns:a16="http://schemas.microsoft.com/office/drawing/2014/main" id="{E52258C7-A001-C693-F943-66690B16ED25}"/>
+                  </a:ext>
+                </a:extLst>
+              </p:cNvPr>
+              <p:cNvSpPr txBox="1">
+                <a:spLocks noRot="1" noChangeAspect="1" noMove="1" noResize="1" noEditPoints="1" noAdjustHandles="1" noChangeArrowheads="1" noChangeShapeType="1" noTextEdit="1"/>
+              </p:cNvSpPr>
+              <p:nvPr/>
+            </p:nvSpPr>
+            <p:spPr>
+              <a:xfrm>
+                <a:off x="3041668" y="3200255"/>
+                <a:ext cx="686353" cy="369332"/>
+              </a:xfrm>
+              <a:prstGeom prst="rect">
+                <a:avLst/>
+              </a:prstGeom>
+              <a:blipFill>
+                <a:blip r:embed="rId6"/>
+                <a:stretch>
+                  <a:fillRect/>
+                </a:stretch>
+              </a:blipFill>
+            </p:spPr>
+            <p:txBody>
+              <a:bodyPr/>
+              <a:lstStyle/>
+              <a:p>
+                <a:r>
+                  <a:rPr lang="en-US">
+                    <a:noFill/>
+                  </a:rPr>
+                  <a:t> </a:t>
+                </a:r>
+              </a:p>
+            </p:txBody>
+          </p:sp>
+        </mc:Fallback>
+      </mc:AlternateContent>
+      <mc:AlternateContent xmlns:mc="http://schemas.openxmlformats.org/markup-compatibility/2006">
+        <mc:Choice xmlns:a14="http://schemas.microsoft.com/office/drawing/2010/main" Requires="a14">
+          <p:sp>
+            <p:nvSpPr>
+              <p:cNvPr id="42" name="TextBox 41">
+                <a:extLst>
+                  <a:ext uri="{FF2B5EF4-FFF2-40B4-BE49-F238E27FC236}">
+                    <a16:creationId xmlns:a16="http://schemas.microsoft.com/office/drawing/2014/main" id="{B5EA3B4B-1F3D-6A54-0CD0-F4C91CE33855}"/>
+                  </a:ext>
+                </a:extLst>
+              </p:cNvPr>
+              <p:cNvSpPr txBox="1"/>
+              <p:nvPr/>
+            </p:nvSpPr>
+            <p:spPr>
+              <a:xfrm>
+                <a:off x="2855453" y="4056310"/>
+                <a:ext cx="813570" cy="369332"/>
+              </a:xfrm>
+              <a:prstGeom prst="rect">
+                <a:avLst/>
+              </a:prstGeom>
+              <a:noFill/>
+            </p:spPr>
+            <p:txBody>
+              <a:bodyPr wrap="square">
+                <a:spAutoFit/>
+              </a:bodyPr>
+              <a:lstStyle/>
+              <a:p>
+                <a:pPr/>
+                <a14:m>
+                  <m:oMathPara xmlns:m="http://schemas.openxmlformats.org/officeDocument/2006/math">
+                    <m:oMathParaPr>
+                      <m:jc m:val="centerGroup"/>
+                    </m:oMathParaPr>
+                    <m:oMath xmlns:m="http://schemas.openxmlformats.org/officeDocument/2006/math">
+                      <m:r>
+                        <a:rPr lang="en-US" i="1" dirty="0" smtClean="0">
+                          <a:latin typeface="Cambria Math" panose="02040503050406030204" pitchFamily="18" charset="0"/>
+                        </a:rPr>
+                        <m:t>𝑆𝑜</m:t>
+                      </m:r>
+                      <m:sSub>
+                        <m:sSubPr>
+                          <m:ctrlPr>
+                            <a:rPr lang="en-US" b="0" i="1" dirty="0" smtClean="0">
+                              <a:latin typeface="Cambria Math" panose="02040503050406030204" pitchFamily="18" charset="0"/>
+                            </a:rPr>
+                          </m:ctrlPr>
+                        </m:sSubPr>
+                        <m:e>
+                          <m:r>
+                            <a:rPr lang="en-US" i="1" dirty="0" smtClean="0">
+                              <a:latin typeface="Cambria Math" panose="02040503050406030204" pitchFamily="18" charset="0"/>
+                            </a:rPr>
+                            <m:t>𝐶</m:t>
+                          </m:r>
+                        </m:e>
+                        <m:sub>
+                          <m:r>
+                            <a:rPr lang="en-US" b="0" i="1" dirty="0" smtClean="0">
+                              <a:latin typeface="Cambria Math" panose="02040503050406030204" pitchFamily="18" charset="0"/>
+                            </a:rPr>
+                            <m:t>𝑉</m:t>
+                          </m:r>
+                        </m:sub>
+                      </m:sSub>
+                    </m:oMath>
+                  </m:oMathPara>
+                </a14:m>
+                <a:endParaRPr lang="en-US" dirty="0"/>
+              </a:p>
+            </p:txBody>
+          </p:sp>
+        </mc:Choice>
+        <mc:Fallback>
+          <p:sp>
+            <p:nvSpPr>
+              <p:cNvPr id="42" name="TextBox 41">
+                <a:extLst>
+                  <a:ext uri="{FF2B5EF4-FFF2-40B4-BE49-F238E27FC236}">
+                    <a16:creationId xmlns:a16="http://schemas.microsoft.com/office/drawing/2014/main" id="{B5EA3B4B-1F3D-6A54-0CD0-F4C91CE33855}"/>
+                  </a:ext>
+                </a:extLst>
+              </p:cNvPr>
+              <p:cNvSpPr txBox="1">
+                <a:spLocks noRot="1" noChangeAspect="1" noMove="1" noResize="1" noEditPoints="1" noAdjustHandles="1" noChangeArrowheads="1" noChangeShapeType="1" noTextEdit="1"/>
+              </p:cNvSpPr>
+              <p:nvPr/>
+            </p:nvSpPr>
+            <p:spPr>
+              <a:xfrm>
+                <a:off x="2855453" y="4056310"/>
+                <a:ext cx="813570" cy="369332"/>
+              </a:xfrm>
+              <a:prstGeom prst="rect">
+                <a:avLst/>
+              </a:prstGeom>
+              <a:blipFill>
+                <a:blip r:embed="rId7"/>
+                <a:stretch>
+                  <a:fillRect/>
+                </a:stretch>
+              </a:blipFill>
+            </p:spPr>
+            <p:txBody>
+              <a:bodyPr/>
+              <a:lstStyle/>
+              <a:p>
+                <a:r>
+                  <a:rPr lang="en-US">
+                    <a:noFill/>
+                  </a:rPr>
+                  <a:t> </a:t>
+                </a:r>
+              </a:p>
+            </p:txBody>
+          </p:sp>
+        </mc:Fallback>
+      </mc:AlternateContent>
+      <mc:AlternateContent xmlns:mc="http://schemas.openxmlformats.org/markup-compatibility/2006">
+        <mc:Choice xmlns:a14="http://schemas.microsoft.com/office/drawing/2010/main" Requires="a14">
+          <p:sp>
+            <p:nvSpPr>
+              <p:cNvPr id="44" name="TextBox 43">
+                <a:extLst>
+                  <a:ext uri="{FF2B5EF4-FFF2-40B4-BE49-F238E27FC236}">
+                    <a16:creationId xmlns:a16="http://schemas.microsoft.com/office/drawing/2014/main" id="{B332B177-0A41-E5B4-F6AE-9D3162758DA8}"/>
+                  </a:ext>
+                </a:extLst>
+              </p:cNvPr>
+              <p:cNvSpPr txBox="1"/>
+              <p:nvPr/>
+            </p:nvSpPr>
+            <p:spPr>
+              <a:xfrm>
+                <a:off x="6016083" y="5907306"/>
+                <a:ext cx="898946" cy="369332"/>
+              </a:xfrm>
+              <a:prstGeom prst="rect">
+                <a:avLst/>
+              </a:prstGeom>
+              <a:noFill/>
+            </p:spPr>
+            <p:txBody>
+              <a:bodyPr wrap="square">
+                <a:spAutoFit/>
+              </a:bodyPr>
+              <a:lstStyle/>
+              <a:p>
+                <a:pPr/>
+                <a14:m>
+                  <m:oMathPara xmlns:m="http://schemas.openxmlformats.org/officeDocument/2006/math">
+                    <m:oMathParaPr>
+                      <m:jc m:val="centerGroup"/>
+                    </m:oMathParaPr>
+                    <m:oMath xmlns:m="http://schemas.openxmlformats.org/officeDocument/2006/math">
+                      <m:r>
+                        <a:rPr lang="en-US" i="1" dirty="0" smtClean="0">
+                          <a:latin typeface="Cambria Math" panose="02040503050406030204" pitchFamily="18" charset="0"/>
+                        </a:rPr>
+                        <m:t>𝑉</m:t>
+                      </m:r>
+                    </m:oMath>
+                  </m:oMathPara>
+                </a14:m>
+                <a:endParaRPr lang="en-US" dirty="0"/>
+              </a:p>
+            </p:txBody>
+          </p:sp>
+        </mc:Choice>
+        <mc:Fallback>
+          <p:sp>
+            <p:nvSpPr>
+              <p:cNvPr id="44" name="TextBox 43">
+                <a:extLst>
+                  <a:ext uri="{FF2B5EF4-FFF2-40B4-BE49-F238E27FC236}">
+                    <a16:creationId xmlns:a16="http://schemas.microsoft.com/office/drawing/2014/main" id="{B332B177-0A41-E5B4-F6AE-9D3162758DA8}"/>
+                  </a:ext>
+                </a:extLst>
+              </p:cNvPr>
+              <p:cNvSpPr txBox="1">
+                <a:spLocks noRot="1" noChangeAspect="1" noMove="1" noResize="1" noEditPoints="1" noAdjustHandles="1" noChangeArrowheads="1" noChangeShapeType="1" noTextEdit="1"/>
+              </p:cNvSpPr>
+              <p:nvPr/>
+            </p:nvSpPr>
+            <p:spPr>
+              <a:xfrm>
+                <a:off x="6016083" y="5907306"/>
+                <a:ext cx="898946" cy="369332"/>
+              </a:xfrm>
+              <a:prstGeom prst="rect">
+                <a:avLst/>
+              </a:prstGeom>
+              <a:blipFill>
+                <a:blip r:embed="rId8"/>
+                <a:stretch>
+                  <a:fillRect/>
+                </a:stretch>
+              </a:blipFill>
+            </p:spPr>
+            <p:txBody>
+              <a:bodyPr/>
+              <a:lstStyle/>
+              <a:p>
+                <a:r>
+                  <a:rPr lang="en-US">
+                    <a:noFill/>
+                  </a:rPr>
+                  <a:t> </a:t>
+                </a:r>
+              </a:p>
+            </p:txBody>
+          </p:sp>
+        </mc:Fallback>
+      </mc:AlternateContent>
+      <p:cxnSp>
+        <p:nvCxnSpPr>
+          <p:cNvPr id="45" name="Straight Connector 44">
+            <a:extLst>
+              <a:ext uri="{FF2B5EF4-FFF2-40B4-BE49-F238E27FC236}">
+                <a16:creationId xmlns:a16="http://schemas.microsoft.com/office/drawing/2014/main" id="{B34DAAE6-FBA9-255A-C831-6F85751EE031}"/>
+              </a:ext>
+            </a:extLst>
+          </p:cNvPr>
+          <p:cNvCxnSpPr>
+            <a:cxnSpLocks/>
+          </p:cNvCxnSpPr>
+          <p:nvPr/>
+        </p:nvCxnSpPr>
+        <p:spPr>
+          <a:xfrm>
+            <a:off x="6465556" y="4256780"/>
+            <a:ext cx="0" cy="1654163"/>
+          </a:xfrm>
+          <a:prstGeom prst="line">
+            <a:avLst/>
+          </a:prstGeom>
+          <a:ln>
+            <a:prstDash val="dashDot"/>
+          </a:ln>
+        </p:spPr>
+        <p:style>
+          <a:lnRef idx="1">
+            <a:schemeClr val="accent2"/>
+          </a:lnRef>
+          <a:fillRef idx="0">
+            <a:schemeClr val="accent2"/>
+          </a:fillRef>
+          <a:effectRef idx="0">
+            <a:schemeClr val="accent2"/>
+          </a:effectRef>
+          <a:fontRef idx="minor">
+            <a:schemeClr val="tx1"/>
+          </a:fontRef>
+        </p:style>
+      </p:cxnSp>
+      <p:cxnSp>
+        <p:nvCxnSpPr>
+          <p:cNvPr id="46" name="Straight Connector 45">
+            <a:extLst>
+              <a:ext uri="{FF2B5EF4-FFF2-40B4-BE49-F238E27FC236}">
+                <a16:creationId xmlns:a16="http://schemas.microsoft.com/office/drawing/2014/main" id="{A3B295EF-8E81-54C2-9674-27F0AA402C4B}"/>
+              </a:ext>
+            </a:extLst>
+          </p:cNvPr>
+          <p:cNvCxnSpPr>
+            <a:cxnSpLocks/>
+          </p:cNvCxnSpPr>
+          <p:nvPr/>
+        </p:nvCxnSpPr>
+        <p:spPr>
+          <a:xfrm flipH="1">
+            <a:off x="3652706" y="4256780"/>
+            <a:ext cx="2812850" cy="0"/>
+          </a:xfrm>
+          <a:prstGeom prst="line">
+            <a:avLst/>
+          </a:prstGeom>
+          <a:ln>
+            <a:prstDash val="dashDot"/>
+          </a:ln>
+        </p:spPr>
+        <p:style>
+          <a:lnRef idx="1">
+            <a:schemeClr val="accent2"/>
+          </a:lnRef>
+          <a:fillRef idx="0">
+            <a:schemeClr val="accent2"/>
+          </a:fillRef>
+          <a:effectRef idx="0">
+            <a:schemeClr val="accent2"/>
+          </a:effectRef>
+          <a:fontRef idx="minor">
+            <a:schemeClr val="tx1"/>
+          </a:fontRef>
+        </p:style>
+      </p:cxnSp>
+    </p:spTree>
+    <p:extLst>
+      <p:ext uri="{BB962C8B-B14F-4D97-AF65-F5344CB8AC3E}">
+        <p14:creationId xmlns:p14="http://schemas.microsoft.com/office/powerpoint/2010/main" val="2344047980"/>
+      </p:ext>
+    </p:extLst>
+  </p:cSld>
+  <p:clrMapOvr>
+    <a:masterClrMapping/>
+  </p:clrMapOvr>
+</p:sld>
+</file>
+
+<file path=ppt/slides/slide8.xml><?xml version="1.0" encoding="utf-8"?>
+<p:sld xmlns:a="http://schemas.openxmlformats.org/drawingml/2006/main" xmlns:r="http://schemas.openxmlformats.org/officeDocument/2006/relationships" xmlns:p="http://schemas.openxmlformats.org/presentationml/2006/main">
+  <p:cSld>
+    <p:spTree>
+      <p:nvGrpSpPr>
+        <p:cNvPr id="1" name=""/>
+        <p:cNvGrpSpPr/>
+        <p:nvPr/>
+      </p:nvGrpSpPr>
+      <p:grpSpPr>
+        <a:xfrm>
+          <a:off x="0" y="0"/>
+          <a:ext cx="0" cy="0"/>
+          <a:chOff x="0" y="0"/>
+          <a:chExt cx="0" cy="0"/>
+        </a:xfrm>
+      </p:grpSpPr>
+      <p:sp>
+        <p:nvSpPr>
+          <p:cNvPr id="2" name="Title 1">
+            <a:extLst>
+              <a:ext uri="{FF2B5EF4-FFF2-40B4-BE49-F238E27FC236}">
+                <a16:creationId xmlns:a16="http://schemas.microsoft.com/office/drawing/2014/main" id="{0B61EC7D-B7F9-F8FD-9ACE-9DC386F15EE5}"/>
+              </a:ext>
+            </a:extLst>
+          </p:cNvPr>
+          <p:cNvSpPr>
+            <a:spLocks noGrp="1"/>
+          </p:cNvSpPr>
+          <p:nvPr>
+            <p:ph type="title"/>
+          </p:nvPr>
+        </p:nvSpPr>
+        <p:spPr/>
+        <p:txBody>
+          <a:bodyPr/>
+          <a:lstStyle/>
+          <a:p>
+            <a:endParaRPr lang="en-US" dirty="0"/>
+          </a:p>
+        </p:txBody>
+      </p:sp>
+      <p:sp>
+        <p:nvSpPr>
+          <p:cNvPr id="7" name="Content Placeholder 6">
+            <a:extLst>
+              <a:ext uri="{FF2B5EF4-FFF2-40B4-BE49-F238E27FC236}">
+                <a16:creationId xmlns:a16="http://schemas.microsoft.com/office/drawing/2014/main" id="{334BE414-F65F-5B83-47A0-3EEC7A5C8399}"/>
+              </a:ext>
+            </a:extLst>
+          </p:cNvPr>
+          <p:cNvSpPr>
+            <a:spLocks noGrp="1"/>
+          </p:cNvSpPr>
+          <p:nvPr>
+            <p:ph idx="1"/>
+          </p:nvPr>
+        </p:nvSpPr>
+        <p:spPr/>
+        <p:txBody>
+          <a:bodyPr/>
+          <a:lstStyle/>
+          <a:p>
+            <a:endParaRPr lang="en-US"/>
+          </a:p>
+        </p:txBody>
+      </p:sp>
+      <p:pic>
+        <p:nvPicPr>
+          <p:cNvPr id="9" name="Picture 8">
+            <a:extLst>
+              <a:ext uri="{FF2B5EF4-FFF2-40B4-BE49-F238E27FC236}">
+                <a16:creationId xmlns:a16="http://schemas.microsoft.com/office/drawing/2014/main" id="{63303B15-5F4D-F731-8022-F423772040C4}"/>
+              </a:ext>
+            </a:extLst>
+          </p:cNvPr>
+          <p:cNvPicPr>
+            <a:picLocks noChangeAspect="1"/>
+          </p:cNvPicPr>
+          <p:nvPr/>
+        </p:nvPicPr>
+        <p:blipFill>
+          <a:blip r:embed="rId2"/>
+          <a:stretch>
+            <a:fillRect/>
+          </a:stretch>
+        </p:blipFill>
+        <p:spPr>
+          <a:xfrm>
+            <a:off x="1086140" y="0"/>
+            <a:ext cx="10019720" cy="6858000"/>
+          </a:xfrm>
+          <a:prstGeom prst="rect">
+            <a:avLst/>
+          </a:prstGeom>
+        </p:spPr>
+      </p:pic>
+    </p:spTree>
+    <p:extLst>
+      <p:ext uri="{BB962C8B-B14F-4D97-AF65-F5344CB8AC3E}">
+        <p14:creationId xmlns:p14="http://schemas.microsoft.com/office/powerpoint/2010/main" val="2827432413"/>
+      </p:ext>
+    </p:extLst>
+  </p:cSld>
+  <p:clrMapOvr>
+    <a:masterClrMapping/>
+  </p:clrMapOvr>
+</p:sld>
+</file>
+
+<file path=ppt/slides/slide9.xml><?xml version="1.0" encoding="utf-8"?>
 <p:sld xmlns:a="http://schemas.openxmlformats.org/drawingml/2006/main" xmlns:r="http://schemas.openxmlformats.org/officeDocument/2006/relationships" xmlns:p="http://schemas.openxmlformats.org/presentationml/2006/main">
   <p:cSld>
     <p:spTree>
@@ -4806,1842 +9544,7 @@
     </p:spTree>
     <p:extLst>
       <p:ext uri="{BB962C8B-B14F-4D97-AF65-F5344CB8AC3E}">
-        <p14:creationId xmlns:p14="http://schemas.microsoft.com/office/powerpoint/2010/main" val="127594776"/>
-      </p:ext>
-    </p:extLst>
-  </p:cSld>
-  <p:clrMapOvr>
-    <a:masterClrMapping/>
-  </p:clrMapOvr>
-</p:sld>
-</file>
-
-<file path=ppt/slides/slide5.xml><?xml version="1.0" encoding="utf-8"?>
-<p:sld xmlns:a="http://schemas.openxmlformats.org/drawingml/2006/main" xmlns:r="http://schemas.openxmlformats.org/officeDocument/2006/relationships" xmlns:p="http://schemas.openxmlformats.org/presentationml/2006/main">
-  <p:cSld>
-    <p:spTree>
-      <p:nvGrpSpPr>
-        <p:cNvPr id="1" name=""/>
-        <p:cNvGrpSpPr/>
-        <p:nvPr/>
-      </p:nvGrpSpPr>
-      <p:grpSpPr>
-        <a:xfrm>
-          <a:off x="0" y="0"/>
-          <a:ext cx="0" cy="0"/>
-          <a:chOff x="0" y="0"/>
-          <a:chExt cx="0" cy="0"/>
-        </a:xfrm>
-      </p:grpSpPr>
-      <p:sp>
-        <p:nvSpPr>
-          <p:cNvPr id="2" name="Title 1">
-            <a:extLst>
-              <a:ext uri="{FF2B5EF4-FFF2-40B4-BE49-F238E27FC236}">
-                <a16:creationId xmlns:a16="http://schemas.microsoft.com/office/drawing/2014/main" id="{90C9B0CA-5806-C805-DF53-2C80D115E99D}"/>
-              </a:ext>
-            </a:extLst>
-          </p:cNvPr>
-          <p:cNvSpPr>
-            <a:spLocks noGrp="1"/>
-          </p:cNvSpPr>
-          <p:nvPr>
-            <p:ph type="title"/>
-          </p:nvPr>
-        </p:nvSpPr>
-        <p:spPr/>
-        <p:txBody>
-          <a:bodyPr/>
-          <a:lstStyle/>
-          <a:p>
-            <a:r>
-              <a:rPr lang="en-US" dirty="0"/>
-              <a:t>Ah Integration Method </a:t>
-            </a:r>
-          </a:p>
-        </p:txBody>
-      </p:sp>
-      <p:pic>
-        <p:nvPicPr>
-          <p:cNvPr id="5" name="Content Placeholder 4">
-            <a:extLst>
-              <a:ext uri="{FF2B5EF4-FFF2-40B4-BE49-F238E27FC236}">
-                <a16:creationId xmlns:a16="http://schemas.microsoft.com/office/drawing/2014/main" id="{D109786C-9B32-5E2B-6A23-90C69535E33C}"/>
-              </a:ext>
-            </a:extLst>
-          </p:cNvPr>
-          <p:cNvPicPr>
-            <a:picLocks noGrp="1" noChangeAspect="1"/>
-          </p:cNvPicPr>
-          <p:nvPr>
-            <p:ph idx="1"/>
-          </p:nvPr>
-        </p:nvPicPr>
-        <p:blipFill>
-          <a:blip r:embed="rId2"/>
-          <a:stretch>
-            <a:fillRect/>
-          </a:stretch>
-        </p:blipFill>
-        <p:spPr>
-          <a:xfrm>
-            <a:off x="1162516" y="1825625"/>
-            <a:ext cx="9866967" cy="4351338"/>
-          </a:xfrm>
-        </p:spPr>
-      </p:pic>
-    </p:spTree>
-    <p:extLst>
-      <p:ext uri="{BB962C8B-B14F-4D97-AF65-F5344CB8AC3E}">
-        <p14:creationId xmlns:p14="http://schemas.microsoft.com/office/powerpoint/2010/main" val="3277050853"/>
-      </p:ext>
-    </p:extLst>
-  </p:cSld>
-  <p:clrMapOvr>
-    <a:masterClrMapping/>
-  </p:clrMapOvr>
-</p:sld>
-</file>
-
-<file path=ppt/slides/slide6.xml><?xml version="1.0" encoding="utf-8"?>
-<p:sld xmlns:a="http://schemas.openxmlformats.org/drawingml/2006/main" xmlns:r="http://schemas.openxmlformats.org/officeDocument/2006/relationships" xmlns:p="http://schemas.openxmlformats.org/presentationml/2006/main">
-  <p:cSld>
-    <p:spTree>
-      <p:nvGrpSpPr>
-        <p:cNvPr id="1" name=""/>
-        <p:cNvGrpSpPr/>
-        <p:nvPr/>
-      </p:nvGrpSpPr>
-      <p:grpSpPr>
-        <a:xfrm>
-          <a:off x="0" y="0"/>
-          <a:ext cx="0" cy="0"/>
-          <a:chOff x="0" y="0"/>
-          <a:chExt cx="0" cy="0"/>
-        </a:xfrm>
-      </p:grpSpPr>
-      <p:sp>
-        <p:nvSpPr>
-          <p:cNvPr id="2" name="Title 1">
-            <a:extLst>
-              <a:ext uri="{FF2B5EF4-FFF2-40B4-BE49-F238E27FC236}">
-                <a16:creationId xmlns:a16="http://schemas.microsoft.com/office/drawing/2014/main" id="{EF20533D-3906-4E7B-B601-8F86866F47BD}"/>
-              </a:ext>
-            </a:extLst>
-          </p:cNvPr>
-          <p:cNvSpPr>
-            <a:spLocks noGrp="1"/>
-          </p:cNvSpPr>
-          <p:nvPr>
-            <p:ph type="title"/>
-          </p:nvPr>
-        </p:nvSpPr>
-        <p:spPr/>
-        <p:txBody>
-          <a:bodyPr/>
-          <a:lstStyle/>
-          <a:p>
-            <a:r>
-              <a:rPr lang="en-US" dirty="0"/>
-              <a:t>Direct Measurement Methods</a:t>
-            </a:r>
-          </a:p>
-        </p:txBody>
-      </p:sp>
-      <p:sp>
-        <p:nvSpPr>
-          <p:cNvPr id="3" name="Content Placeholder 2">
-            <a:extLst>
-              <a:ext uri="{FF2B5EF4-FFF2-40B4-BE49-F238E27FC236}">
-                <a16:creationId xmlns:a16="http://schemas.microsoft.com/office/drawing/2014/main" id="{C00D71CF-86D5-742E-9714-5AE79077CB47}"/>
-              </a:ext>
-            </a:extLst>
-          </p:cNvPr>
-          <p:cNvSpPr>
-            <a:spLocks noGrp="1"/>
-          </p:cNvSpPr>
-          <p:nvPr>
-            <p:ph idx="1"/>
-          </p:nvPr>
-        </p:nvSpPr>
-        <p:spPr/>
-        <p:txBody>
-          <a:bodyPr/>
-          <a:lstStyle/>
-          <a:p>
-            <a:pPr>
-              <a:buNone/>
-            </a:pPr>
-            <a:r>
-              <a:rPr lang="en-US" b="1" dirty="0"/>
-              <a:t>Example: Open Circuit Voltage (OCV)</a:t>
-            </a:r>
-          </a:p>
-          <a:p>
-            <a:pPr>
-              <a:buFont typeface="Arial" panose="020B0604020202020204" pitchFamily="34" charset="0"/>
-              <a:buChar char="•"/>
-            </a:pPr>
-            <a:r>
-              <a:rPr lang="en-US" b="1" dirty="0"/>
-              <a:t>Idea:</a:t>
-            </a:r>
-            <a:r>
-              <a:rPr lang="en-US" dirty="0"/>
-              <a:t> SoC correlates to battery voltage when the battery is at rest (no current flowing).</a:t>
-            </a:r>
-          </a:p>
-          <a:p>
-            <a:pPr>
-              <a:buFont typeface="Arial" panose="020B0604020202020204" pitchFamily="34" charset="0"/>
-              <a:buChar char="•"/>
-            </a:pPr>
-            <a:r>
-              <a:rPr lang="en-US" b="1" dirty="0"/>
-              <a:t>Pros:</a:t>
-            </a:r>
-            <a:endParaRPr lang="en-US" dirty="0"/>
-          </a:p>
-          <a:p>
-            <a:pPr marL="742950" lvl="1" indent="-285750">
-              <a:buFont typeface="Arial" panose="020B0604020202020204" pitchFamily="34" charset="0"/>
-              <a:buChar char="•"/>
-            </a:pPr>
-            <a:r>
-              <a:rPr lang="en-US" dirty="0"/>
-              <a:t>Very simple.</a:t>
-            </a:r>
-          </a:p>
-          <a:p>
-            <a:pPr marL="742950" lvl="1" indent="-285750">
-              <a:buFont typeface="Arial" panose="020B0604020202020204" pitchFamily="34" charset="0"/>
-              <a:buChar char="•"/>
-            </a:pPr>
-            <a:r>
-              <a:rPr lang="en-US" dirty="0"/>
-              <a:t>No complex modeling required.</a:t>
-            </a:r>
-          </a:p>
-          <a:p>
-            <a:pPr>
-              <a:buFont typeface="Arial" panose="020B0604020202020204" pitchFamily="34" charset="0"/>
-              <a:buChar char="•"/>
-            </a:pPr>
-            <a:r>
-              <a:rPr lang="en-US" b="1" dirty="0"/>
-              <a:t>Cons:</a:t>
-            </a:r>
-            <a:endParaRPr lang="en-US" dirty="0"/>
-          </a:p>
-          <a:p>
-            <a:pPr marL="742950" lvl="1" indent="-285750">
-              <a:buFont typeface="Arial" panose="020B0604020202020204" pitchFamily="34" charset="0"/>
-              <a:buChar char="•"/>
-            </a:pPr>
-            <a:r>
-              <a:rPr lang="en-US" b="1" dirty="0"/>
-              <a:t>Only accurate when the battery is at rest</a:t>
-            </a:r>
-            <a:r>
-              <a:rPr lang="en-US" dirty="0"/>
-              <a:t> for a long period (several hours sometimes).</a:t>
-            </a:r>
-          </a:p>
-          <a:p>
-            <a:pPr marL="742950" lvl="1" indent="-285750">
-              <a:buFont typeface="Arial" panose="020B0604020202020204" pitchFamily="34" charset="0"/>
-              <a:buChar char="•"/>
-            </a:pPr>
-            <a:r>
-              <a:rPr lang="en-US" dirty="0"/>
-              <a:t>Not usable during active operation (driving an EV, for example).</a:t>
-            </a:r>
-          </a:p>
-        </p:txBody>
-      </p:sp>
-    </p:spTree>
-    <p:extLst>
-      <p:ext uri="{BB962C8B-B14F-4D97-AF65-F5344CB8AC3E}">
-        <p14:creationId xmlns:p14="http://schemas.microsoft.com/office/powerpoint/2010/main" val="4241955967"/>
-      </p:ext>
-    </p:extLst>
-  </p:cSld>
-  <p:clrMapOvr>
-    <a:masterClrMapping/>
-  </p:clrMapOvr>
-</p:sld>
-</file>
-
-<file path=ppt/slides/slide7.xml><?xml version="1.0" encoding="utf-8"?>
-<p:sld xmlns:a="http://schemas.openxmlformats.org/drawingml/2006/main" xmlns:r="http://schemas.openxmlformats.org/officeDocument/2006/relationships" xmlns:p="http://schemas.openxmlformats.org/presentationml/2006/main">
-  <p:cSld>
-    <p:spTree>
-      <p:nvGrpSpPr>
-        <p:cNvPr id="1" name=""/>
-        <p:cNvGrpSpPr/>
-        <p:nvPr/>
-      </p:nvGrpSpPr>
-      <p:grpSpPr>
-        <a:xfrm>
-          <a:off x="0" y="0"/>
-          <a:ext cx="0" cy="0"/>
-          <a:chOff x="0" y="0"/>
-          <a:chExt cx="0" cy="0"/>
-        </a:xfrm>
-      </p:grpSpPr>
-      <p:sp>
-        <p:nvSpPr>
-          <p:cNvPr id="2" name="Title 1">
-            <a:extLst>
-              <a:ext uri="{FF2B5EF4-FFF2-40B4-BE49-F238E27FC236}">
-                <a16:creationId xmlns:a16="http://schemas.microsoft.com/office/drawing/2014/main" id="{329620AD-9FFD-7A97-1372-05609162FBE9}"/>
-              </a:ext>
-            </a:extLst>
-          </p:cNvPr>
-          <p:cNvSpPr>
-            <a:spLocks noGrp="1"/>
-          </p:cNvSpPr>
-          <p:nvPr>
-            <p:ph type="title"/>
-          </p:nvPr>
-        </p:nvSpPr>
-        <p:spPr/>
-        <p:txBody>
-          <a:bodyPr/>
-          <a:lstStyle/>
-          <a:p>
-            <a:r>
-              <a:rPr lang="en-US" dirty="0"/>
-              <a:t>OCV Method</a:t>
-            </a:r>
-          </a:p>
-        </p:txBody>
-      </p:sp>
-      <p:cxnSp>
-        <p:nvCxnSpPr>
-          <p:cNvPr id="5" name="Straight Arrow Connector 4">
-            <a:extLst>
-              <a:ext uri="{FF2B5EF4-FFF2-40B4-BE49-F238E27FC236}">
-                <a16:creationId xmlns:a16="http://schemas.microsoft.com/office/drawing/2014/main" id="{3B049587-F996-A949-B720-370A68A3E0D1}"/>
-              </a:ext>
-            </a:extLst>
-          </p:cNvPr>
-          <p:cNvCxnSpPr>
-            <a:cxnSpLocks/>
-          </p:cNvCxnSpPr>
-          <p:nvPr/>
-        </p:nvCxnSpPr>
-        <p:spPr>
-          <a:xfrm flipV="1">
-            <a:off x="3734353" y="3083560"/>
-            <a:ext cx="0" cy="2739426"/>
-          </a:xfrm>
-          <a:prstGeom prst="straightConnector1">
-            <a:avLst/>
-          </a:prstGeom>
-          <a:ln>
-            <a:tailEnd type="triangle"/>
-          </a:ln>
-        </p:spPr>
-        <p:style>
-          <a:lnRef idx="1">
-            <a:schemeClr val="accent1"/>
-          </a:lnRef>
-          <a:fillRef idx="0">
-            <a:schemeClr val="accent1"/>
-          </a:fillRef>
-          <a:effectRef idx="0">
-            <a:schemeClr val="accent1"/>
-          </a:effectRef>
-          <a:fontRef idx="minor">
-            <a:schemeClr val="tx1"/>
-          </a:fontRef>
-        </p:style>
-      </p:cxnSp>
-      <p:cxnSp>
-        <p:nvCxnSpPr>
-          <p:cNvPr id="7" name="Straight Arrow Connector 6">
-            <a:extLst>
-              <a:ext uri="{FF2B5EF4-FFF2-40B4-BE49-F238E27FC236}">
-                <a16:creationId xmlns:a16="http://schemas.microsoft.com/office/drawing/2014/main" id="{0978D7E6-71AC-B642-E02F-C499DA0A5B5F}"/>
-              </a:ext>
-            </a:extLst>
-          </p:cNvPr>
-          <p:cNvCxnSpPr>
-            <a:cxnSpLocks/>
-          </p:cNvCxnSpPr>
-          <p:nvPr/>
-        </p:nvCxnSpPr>
-        <p:spPr>
-          <a:xfrm>
-            <a:off x="3734353" y="5810770"/>
-            <a:ext cx="5130247" cy="0"/>
-          </a:xfrm>
-          <a:prstGeom prst="straightConnector1">
-            <a:avLst/>
-          </a:prstGeom>
-          <a:ln>
-            <a:tailEnd type="triangle"/>
-          </a:ln>
-        </p:spPr>
-        <p:style>
-          <a:lnRef idx="1">
-            <a:schemeClr val="accent1"/>
-          </a:lnRef>
-          <a:fillRef idx="0">
-            <a:schemeClr val="accent1"/>
-          </a:fillRef>
-          <a:effectRef idx="0">
-            <a:schemeClr val="accent1"/>
-          </a:effectRef>
-          <a:fontRef idx="minor">
-            <a:schemeClr val="tx1"/>
-          </a:fontRef>
-        </p:style>
-      </p:cxnSp>
-      <p:cxnSp>
-        <p:nvCxnSpPr>
-          <p:cNvPr id="9" name="Straight Connector 8">
-            <a:extLst>
-              <a:ext uri="{FF2B5EF4-FFF2-40B4-BE49-F238E27FC236}">
-                <a16:creationId xmlns:a16="http://schemas.microsoft.com/office/drawing/2014/main" id="{C0943FEC-FAA6-2ACD-6A11-7D56C785DE7D}"/>
-              </a:ext>
-            </a:extLst>
-          </p:cNvPr>
-          <p:cNvCxnSpPr/>
-          <p:nvPr/>
-        </p:nvCxnSpPr>
-        <p:spPr>
-          <a:xfrm flipV="1">
-            <a:off x="4083862" y="3429000"/>
-            <a:ext cx="4001359" cy="2062557"/>
-          </a:xfrm>
-          <a:prstGeom prst="line">
-            <a:avLst/>
-          </a:prstGeom>
-        </p:spPr>
-        <p:style>
-          <a:lnRef idx="1">
-            <a:schemeClr val="dk1"/>
-          </a:lnRef>
-          <a:fillRef idx="0">
-            <a:schemeClr val="dk1"/>
-          </a:fillRef>
-          <a:effectRef idx="0">
-            <a:schemeClr val="dk1"/>
-          </a:effectRef>
-          <a:fontRef idx="minor">
-            <a:schemeClr val="tx1"/>
-          </a:fontRef>
-        </p:style>
-      </p:cxnSp>
-      <p:cxnSp>
-        <p:nvCxnSpPr>
-          <p:cNvPr id="11" name="Straight Connector 10">
-            <a:extLst>
-              <a:ext uri="{FF2B5EF4-FFF2-40B4-BE49-F238E27FC236}">
-                <a16:creationId xmlns:a16="http://schemas.microsoft.com/office/drawing/2014/main" id="{AD8B4F45-BC7A-FDF2-5B08-DBCD27629087}"/>
-              </a:ext>
-            </a:extLst>
-          </p:cNvPr>
-          <p:cNvCxnSpPr/>
-          <p:nvPr/>
-        </p:nvCxnSpPr>
-        <p:spPr>
-          <a:xfrm>
-            <a:off x="8085221" y="3429000"/>
-            <a:ext cx="0" cy="2481943"/>
-          </a:xfrm>
-          <a:prstGeom prst="line">
-            <a:avLst/>
-          </a:prstGeom>
-          <a:ln>
-            <a:prstDash val="dashDot"/>
-          </a:ln>
-        </p:spPr>
-        <p:style>
-          <a:lnRef idx="1">
-            <a:schemeClr val="accent2"/>
-          </a:lnRef>
-          <a:fillRef idx="0">
-            <a:schemeClr val="accent2"/>
-          </a:fillRef>
-          <a:effectRef idx="0">
-            <a:schemeClr val="accent2"/>
-          </a:effectRef>
-          <a:fontRef idx="minor">
-            <a:schemeClr val="tx1"/>
-          </a:fontRef>
-        </p:style>
-      </p:cxnSp>
-      <p:cxnSp>
-        <p:nvCxnSpPr>
-          <p:cNvPr id="12" name="Straight Connector 11">
-            <a:extLst>
-              <a:ext uri="{FF2B5EF4-FFF2-40B4-BE49-F238E27FC236}">
-                <a16:creationId xmlns:a16="http://schemas.microsoft.com/office/drawing/2014/main" id="{4BB3E6D7-7B36-EFF0-A08B-159735AE4FA8}"/>
-              </a:ext>
-            </a:extLst>
-          </p:cNvPr>
-          <p:cNvCxnSpPr>
-            <a:cxnSpLocks/>
-          </p:cNvCxnSpPr>
-          <p:nvPr/>
-        </p:nvCxnSpPr>
-        <p:spPr>
-          <a:xfrm>
-            <a:off x="4277513" y="5381554"/>
-            <a:ext cx="0" cy="591266"/>
-          </a:xfrm>
-          <a:prstGeom prst="line">
-            <a:avLst/>
-          </a:prstGeom>
-          <a:ln>
-            <a:prstDash val="dashDot"/>
-          </a:ln>
-        </p:spPr>
-        <p:style>
-          <a:lnRef idx="1">
-            <a:schemeClr val="accent2"/>
-          </a:lnRef>
-          <a:fillRef idx="0">
-            <a:schemeClr val="accent2"/>
-          </a:fillRef>
-          <a:effectRef idx="0">
-            <a:schemeClr val="accent2"/>
-          </a:effectRef>
-          <a:fontRef idx="minor">
-            <a:schemeClr val="tx1"/>
-          </a:fontRef>
-        </p:style>
-      </p:cxnSp>
-      <p:sp>
-        <p:nvSpPr>
-          <p:cNvPr id="21" name="TextBox 20">
-            <a:extLst>
-              <a:ext uri="{FF2B5EF4-FFF2-40B4-BE49-F238E27FC236}">
-                <a16:creationId xmlns:a16="http://schemas.microsoft.com/office/drawing/2014/main" id="{577EE939-981C-6FC5-B640-D3B627091CA4}"/>
-              </a:ext>
-            </a:extLst>
-          </p:cNvPr>
-          <p:cNvSpPr txBox="1"/>
-          <p:nvPr/>
-        </p:nvSpPr>
-        <p:spPr>
-          <a:xfrm>
-            <a:off x="8864600" y="5788154"/>
-            <a:ext cx="591829" cy="369332"/>
-          </a:xfrm>
-          <a:prstGeom prst="rect">
-            <a:avLst/>
-          </a:prstGeom>
-          <a:noFill/>
-        </p:spPr>
-        <p:txBody>
-          <a:bodyPr wrap="none" rtlCol="0">
-            <a:spAutoFit/>
-          </a:bodyPr>
-          <a:lstStyle/>
-          <a:p>
-            <a:r>
-              <a:rPr lang="en-US" dirty="0"/>
-              <a:t>OCV</a:t>
-            </a:r>
-          </a:p>
-        </p:txBody>
-      </p:sp>
-      <p:sp>
-        <p:nvSpPr>
-          <p:cNvPr id="22" name="TextBox 21">
-            <a:extLst>
-              <a:ext uri="{FF2B5EF4-FFF2-40B4-BE49-F238E27FC236}">
-                <a16:creationId xmlns:a16="http://schemas.microsoft.com/office/drawing/2014/main" id="{304A2FC6-9566-FD6C-138E-F1EE67B612EC}"/>
-              </a:ext>
-            </a:extLst>
-          </p:cNvPr>
-          <p:cNvSpPr txBox="1"/>
-          <p:nvPr/>
-        </p:nvSpPr>
-        <p:spPr>
-          <a:xfrm>
-            <a:off x="3325846" y="2676908"/>
-            <a:ext cx="535724" cy="369332"/>
-          </a:xfrm>
-          <a:prstGeom prst="rect">
-            <a:avLst/>
-          </a:prstGeom>
-          <a:noFill/>
-        </p:spPr>
-        <p:txBody>
-          <a:bodyPr wrap="none" rtlCol="0">
-            <a:spAutoFit/>
-          </a:bodyPr>
-          <a:lstStyle/>
-          <a:p>
-            <a:r>
-              <a:rPr lang="en-US" dirty="0"/>
-              <a:t>SoC</a:t>
-            </a:r>
-          </a:p>
-        </p:txBody>
-      </p:sp>
-      <mc:AlternateContent xmlns:mc="http://schemas.openxmlformats.org/markup-compatibility/2006">
-        <mc:Choice xmlns:a14="http://schemas.microsoft.com/office/drawing/2010/main" Requires="a14">
-          <p:sp>
-            <p:nvSpPr>
-              <p:cNvPr id="24" name="TextBox 23">
-                <a:extLst>
-                  <a:ext uri="{FF2B5EF4-FFF2-40B4-BE49-F238E27FC236}">
-                    <a16:creationId xmlns:a16="http://schemas.microsoft.com/office/drawing/2014/main" id="{DE9469AA-1BE5-481E-FDD7-A9FAD57A2802}"/>
-                  </a:ext>
-                </a:extLst>
-              </p:cNvPr>
-              <p:cNvSpPr txBox="1"/>
-              <p:nvPr/>
-            </p:nvSpPr>
-            <p:spPr>
-              <a:xfrm>
-                <a:off x="3946946" y="5843208"/>
-                <a:ext cx="686353" cy="369332"/>
-              </a:xfrm>
-              <a:prstGeom prst="rect">
-                <a:avLst/>
-              </a:prstGeom>
-              <a:noFill/>
-            </p:spPr>
-            <p:txBody>
-              <a:bodyPr wrap="square">
-                <a:spAutoFit/>
-              </a:bodyPr>
-              <a:lstStyle/>
-              <a:p>
-                <a:pPr/>
-                <a14:m>
-                  <m:oMathPara xmlns:m="http://schemas.openxmlformats.org/officeDocument/2006/math">
-                    <m:oMathParaPr>
-                      <m:jc m:val="centerGroup"/>
-                    </m:oMathParaPr>
-                    <m:oMath xmlns:m="http://schemas.openxmlformats.org/officeDocument/2006/math">
-                      <m:sSub>
-                        <m:sSubPr>
-                          <m:ctrlPr>
-                            <a:rPr lang="en-US" b="0" i="1" dirty="0" smtClean="0">
-                              <a:latin typeface="Cambria Math" panose="02040503050406030204" pitchFamily="18" charset="0"/>
-                            </a:rPr>
-                          </m:ctrlPr>
-                        </m:sSubPr>
-                        <m:e>
-                          <m:r>
-                            <a:rPr lang="en-US" b="0" i="1" dirty="0" smtClean="0">
-                              <a:latin typeface="Cambria Math" panose="02040503050406030204" pitchFamily="18" charset="0"/>
-                            </a:rPr>
-                            <m:t>𝑉</m:t>
-                          </m:r>
-                        </m:e>
-                        <m:sub>
-                          <m:r>
-                            <a:rPr lang="en-US" b="0" i="1" dirty="0" smtClean="0">
-                              <a:latin typeface="Cambria Math" panose="02040503050406030204" pitchFamily="18" charset="0"/>
-                            </a:rPr>
-                            <m:t>0</m:t>
-                          </m:r>
-                        </m:sub>
-                      </m:sSub>
-                    </m:oMath>
-                  </m:oMathPara>
-                </a14:m>
-                <a:endParaRPr lang="en-US" dirty="0"/>
-              </a:p>
-            </p:txBody>
-          </p:sp>
-        </mc:Choice>
-        <mc:Fallback>
-          <p:sp>
-            <p:nvSpPr>
-              <p:cNvPr id="24" name="TextBox 23">
-                <a:extLst>
-                  <a:ext uri="{FF2B5EF4-FFF2-40B4-BE49-F238E27FC236}">
-                    <a16:creationId xmlns:a16="http://schemas.microsoft.com/office/drawing/2014/main" id="{DE9469AA-1BE5-481E-FDD7-A9FAD57A2802}"/>
-                  </a:ext>
-                </a:extLst>
-              </p:cNvPr>
-              <p:cNvSpPr txBox="1">
-                <a:spLocks noRot="1" noChangeAspect="1" noMove="1" noResize="1" noEditPoints="1" noAdjustHandles="1" noChangeArrowheads="1" noChangeShapeType="1" noTextEdit="1"/>
-              </p:cNvSpPr>
-              <p:nvPr/>
-            </p:nvSpPr>
-            <p:spPr>
-              <a:xfrm>
-                <a:off x="3946946" y="5843208"/>
-                <a:ext cx="686353" cy="369332"/>
-              </a:xfrm>
-              <a:prstGeom prst="rect">
-                <a:avLst/>
-              </a:prstGeom>
-              <a:blipFill>
-                <a:blip r:embed="rId2"/>
-                <a:stretch>
-                  <a:fillRect/>
-                </a:stretch>
-              </a:blipFill>
-            </p:spPr>
-            <p:txBody>
-              <a:bodyPr/>
-              <a:lstStyle/>
-              <a:p>
-                <a:r>
-                  <a:rPr lang="en-US">
-                    <a:noFill/>
-                  </a:rPr>
-                  <a:t> </a:t>
-                </a:r>
-              </a:p>
-            </p:txBody>
-          </p:sp>
-        </mc:Fallback>
-      </mc:AlternateContent>
-      <mc:AlternateContent xmlns:mc="http://schemas.openxmlformats.org/markup-compatibility/2006">
-        <mc:Choice xmlns:a14="http://schemas.microsoft.com/office/drawing/2010/main" Requires="a14">
-          <p:sp>
-            <p:nvSpPr>
-              <p:cNvPr id="26" name="TextBox 25">
-                <a:extLst>
-                  <a:ext uri="{FF2B5EF4-FFF2-40B4-BE49-F238E27FC236}">
-                    <a16:creationId xmlns:a16="http://schemas.microsoft.com/office/drawing/2014/main" id="{F8DF6A8E-FBDD-C730-2EFD-AA74B3FB823E}"/>
-                  </a:ext>
-                </a:extLst>
-              </p:cNvPr>
-              <p:cNvSpPr txBox="1"/>
-              <p:nvPr/>
-            </p:nvSpPr>
-            <p:spPr>
-              <a:xfrm>
-                <a:off x="7742044" y="5933559"/>
-                <a:ext cx="686353" cy="369332"/>
-              </a:xfrm>
-              <a:prstGeom prst="rect">
-                <a:avLst/>
-              </a:prstGeom>
-              <a:noFill/>
-            </p:spPr>
-            <p:txBody>
-              <a:bodyPr wrap="square">
-                <a:spAutoFit/>
-              </a:bodyPr>
-              <a:lstStyle/>
-              <a:p>
-                <a:pPr/>
-                <a14:m>
-                  <m:oMathPara xmlns:m="http://schemas.openxmlformats.org/officeDocument/2006/math">
-                    <m:oMathParaPr>
-                      <m:jc m:val="centerGroup"/>
-                    </m:oMathParaPr>
-                    <m:oMath xmlns:m="http://schemas.openxmlformats.org/officeDocument/2006/math">
-                      <m:sSub>
-                        <m:sSubPr>
-                          <m:ctrlPr>
-                            <a:rPr lang="en-US" b="0" i="1" dirty="0" smtClean="0">
-                              <a:latin typeface="Cambria Math" panose="02040503050406030204" pitchFamily="18" charset="0"/>
-                            </a:rPr>
-                          </m:ctrlPr>
-                        </m:sSubPr>
-                        <m:e>
-                          <m:r>
-                            <a:rPr lang="en-US" b="0" i="1" dirty="0" smtClean="0">
-                              <a:latin typeface="Cambria Math" panose="02040503050406030204" pitchFamily="18" charset="0"/>
-                            </a:rPr>
-                            <m:t>𝑉</m:t>
-                          </m:r>
-                        </m:e>
-                        <m:sub>
-                          <m:r>
-                            <a:rPr lang="en-US" b="0" i="1" dirty="0" smtClean="0">
-                              <a:latin typeface="Cambria Math" panose="02040503050406030204" pitchFamily="18" charset="0"/>
-                            </a:rPr>
-                            <m:t>1</m:t>
-                          </m:r>
-                        </m:sub>
-                      </m:sSub>
-                    </m:oMath>
-                  </m:oMathPara>
-                </a14:m>
-                <a:endParaRPr lang="en-US" dirty="0"/>
-              </a:p>
-            </p:txBody>
-          </p:sp>
-        </mc:Choice>
-        <mc:Fallback>
-          <p:sp>
-            <p:nvSpPr>
-              <p:cNvPr id="26" name="TextBox 25">
-                <a:extLst>
-                  <a:ext uri="{FF2B5EF4-FFF2-40B4-BE49-F238E27FC236}">
-                    <a16:creationId xmlns:a16="http://schemas.microsoft.com/office/drawing/2014/main" id="{F8DF6A8E-FBDD-C730-2EFD-AA74B3FB823E}"/>
-                  </a:ext>
-                </a:extLst>
-              </p:cNvPr>
-              <p:cNvSpPr txBox="1">
-                <a:spLocks noRot="1" noChangeAspect="1" noMove="1" noResize="1" noEditPoints="1" noAdjustHandles="1" noChangeArrowheads="1" noChangeShapeType="1" noTextEdit="1"/>
-              </p:cNvSpPr>
-              <p:nvPr/>
-            </p:nvSpPr>
-            <p:spPr>
-              <a:xfrm>
-                <a:off x="7742044" y="5933559"/>
-                <a:ext cx="686353" cy="369332"/>
-              </a:xfrm>
-              <a:prstGeom prst="rect">
-                <a:avLst/>
-              </a:prstGeom>
-              <a:blipFill>
-                <a:blip r:embed="rId3"/>
-                <a:stretch>
-                  <a:fillRect/>
-                </a:stretch>
-              </a:blipFill>
-            </p:spPr>
-            <p:txBody>
-              <a:bodyPr/>
-              <a:lstStyle/>
-              <a:p>
-                <a:r>
-                  <a:rPr lang="en-US">
-                    <a:noFill/>
-                  </a:rPr>
-                  <a:t> </a:t>
-                </a:r>
-              </a:p>
-            </p:txBody>
-          </p:sp>
-        </mc:Fallback>
-      </mc:AlternateContent>
-      <p:cxnSp>
-        <p:nvCxnSpPr>
-          <p:cNvPr id="27" name="Straight Connector 26">
-            <a:extLst>
-              <a:ext uri="{FF2B5EF4-FFF2-40B4-BE49-F238E27FC236}">
-                <a16:creationId xmlns:a16="http://schemas.microsoft.com/office/drawing/2014/main" id="{A1641DE7-6C54-FAA0-0A1C-FF7BDD8A203F}"/>
-              </a:ext>
-            </a:extLst>
-          </p:cNvPr>
-          <p:cNvCxnSpPr>
-            <a:cxnSpLocks/>
-          </p:cNvCxnSpPr>
-          <p:nvPr/>
-        </p:nvCxnSpPr>
-        <p:spPr>
-          <a:xfrm flipH="1">
-            <a:off x="3687233" y="5381554"/>
-            <a:ext cx="602889" cy="0"/>
-          </a:xfrm>
-          <a:prstGeom prst="line">
-            <a:avLst/>
-          </a:prstGeom>
-          <a:ln>
-            <a:prstDash val="dashDot"/>
-          </a:ln>
-        </p:spPr>
-        <p:style>
-          <a:lnRef idx="1">
-            <a:schemeClr val="accent2"/>
-          </a:lnRef>
-          <a:fillRef idx="0">
-            <a:schemeClr val="accent2"/>
-          </a:fillRef>
-          <a:effectRef idx="0">
-            <a:schemeClr val="accent2"/>
-          </a:effectRef>
-          <a:fontRef idx="minor">
-            <a:schemeClr val="tx1"/>
-          </a:fontRef>
-        </p:style>
-      </p:cxnSp>
-      <mc:AlternateContent xmlns:mc="http://schemas.openxmlformats.org/markup-compatibility/2006">
-        <mc:Choice xmlns:a14="http://schemas.microsoft.com/office/drawing/2010/main" Requires="a14">
-          <p:sp>
-            <p:nvSpPr>
-              <p:cNvPr id="31" name="TextBox 30">
-                <a:extLst>
-                  <a:ext uri="{FF2B5EF4-FFF2-40B4-BE49-F238E27FC236}">
-                    <a16:creationId xmlns:a16="http://schemas.microsoft.com/office/drawing/2014/main" id="{7FCD2BC7-C22B-10C1-6AC6-00D5140B6168}"/>
-                  </a:ext>
-                </a:extLst>
-              </p:cNvPr>
-              <p:cNvSpPr txBox="1"/>
-              <p:nvPr/>
-            </p:nvSpPr>
-            <p:spPr>
-              <a:xfrm>
-                <a:off x="2982670" y="5122225"/>
-                <a:ext cx="686353" cy="369332"/>
-              </a:xfrm>
-              <a:prstGeom prst="rect">
-                <a:avLst/>
-              </a:prstGeom>
-              <a:noFill/>
-            </p:spPr>
-            <p:txBody>
-              <a:bodyPr wrap="square">
-                <a:spAutoFit/>
-              </a:bodyPr>
-              <a:lstStyle/>
-              <a:p>
-                <a:pPr/>
-                <a14:m>
-                  <m:oMathPara xmlns:m="http://schemas.openxmlformats.org/officeDocument/2006/math">
-                    <m:oMathParaPr>
-                      <m:jc m:val="centerGroup"/>
-                    </m:oMathParaPr>
-                    <m:oMath xmlns:m="http://schemas.openxmlformats.org/officeDocument/2006/math">
-                      <m:sSub>
-                        <m:sSubPr>
-                          <m:ctrlPr>
-                            <a:rPr lang="en-US" b="0" i="1" dirty="0" smtClean="0">
-                              <a:latin typeface="Cambria Math" panose="02040503050406030204" pitchFamily="18" charset="0"/>
-                            </a:rPr>
-                          </m:ctrlPr>
-                        </m:sSubPr>
-                        <m:e>
-                          <m:r>
-                            <a:rPr lang="en-US" b="0" i="1" dirty="0" smtClean="0">
-                              <a:latin typeface="Cambria Math" panose="02040503050406030204" pitchFamily="18" charset="0"/>
-                            </a:rPr>
-                            <m:t>𝑆</m:t>
-                          </m:r>
-                        </m:e>
-                        <m:sub>
-                          <m:r>
-                            <a:rPr lang="en-US" b="0" i="1" dirty="0" smtClean="0">
-                              <a:latin typeface="Cambria Math" panose="02040503050406030204" pitchFamily="18" charset="0"/>
-                            </a:rPr>
-                            <m:t>0</m:t>
-                          </m:r>
-                        </m:sub>
-                      </m:sSub>
-                    </m:oMath>
-                  </m:oMathPara>
-                </a14:m>
-                <a:endParaRPr lang="en-US" dirty="0"/>
-              </a:p>
-            </p:txBody>
-          </p:sp>
-        </mc:Choice>
-        <mc:Fallback>
-          <p:sp>
-            <p:nvSpPr>
-              <p:cNvPr id="31" name="TextBox 30">
-                <a:extLst>
-                  <a:ext uri="{FF2B5EF4-FFF2-40B4-BE49-F238E27FC236}">
-                    <a16:creationId xmlns:a16="http://schemas.microsoft.com/office/drawing/2014/main" id="{7FCD2BC7-C22B-10C1-6AC6-00D5140B6168}"/>
-                  </a:ext>
-                </a:extLst>
-              </p:cNvPr>
-              <p:cNvSpPr txBox="1">
-                <a:spLocks noRot="1" noChangeAspect="1" noMove="1" noResize="1" noEditPoints="1" noAdjustHandles="1" noChangeArrowheads="1" noChangeShapeType="1" noTextEdit="1"/>
-              </p:cNvSpPr>
-              <p:nvPr/>
-            </p:nvSpPr>
-            <p:spPr>
-              <a:xfrm>
-                <a:off x="2982670" y="5122225"/>
-                <a:ext cx="686353" cy="369332"/>
-              </a:xfrm>
-              <a:prstGeom prst="rect">
-                <a:avLst/>
-              </a:prstGeom>
-              <a:blipFill>
-                <a:blip r:embed="rId4"/>
-                <a:stretch>
-                  <a:fillRect/>
-                </a:stretch>
-              </a:blipFill>
-            </p:spPr>
-            <p:txBody>
-              <a:bodyPr/>
-              <a:lstStyle/>
-              <a:p>
-                <a:r>
-                  <a:rPr lang="en-US">
-                    <a:noFill/>
-                  </a:rPr>
-                  <a:t> </a:t>
-                </a:r>
-              </a:p>
-            </p:txBody>
-          </p:sp>
-        </mc:Fallback>
-      </mc:AlternateContent>
-      <mc:AlternateContent xmlns:mc="http://schemas.openxmlformats.org/markup-compatibility/2006">
-        <mc:Choice xmlns:a14="http://schemas.microsoft.com/office/drawing/2010/main" Requires="a14">
-          <p:sp>
-            <p:nvSpPr>
-              <p:cNvPr id="37" name="TextBox 36">
-                <a:extLst>
-                  <a:ext uri="{FF2B5EF4-FFF2-40B4-BE49-F238E27FC236}">
-                    <a16:creationId xmlns:a16="http://schemas.microsoft.com/office/drawing/2014/main" id="{F970F0FB-47F5-5737-C1A9-6638CBBA3EBE}"/>
-                  </a:ext>
-                </a:extLst>
-              </p:cNvPr>
-              <p:cNvSpPr txBox="1"/>
-              <p:nvPr/>
-            </p:nvSpPr>
-            <p:spPr>
-              <a:xfrm>
-                <a:off x="3036541" y="1959088"/>
-                <a:ext cx="6096000" cy="657937"/>
-              </a:xfrm>
-              <a:prstGeom prst="rect">
-                <a:avLst/>
-              </a:prstGeom>
-              <a:noFill/>
-            </p:spPr>
-            <p:txBody>
-              <a:bodyPr wrap="square">
-                <a:spAutoFit/>
-              </a:bodyPr>
-              <a:lstStyle/>
-              <a:p>
-                <a:pPr marL="0" indent="0">
-                  <a:buNone/>
-                </a:pPr>
-                <a14:m>
-                  <m:oMathPara xmlns:m="http://schemas.openxmlformats.org/officeDocument/2006/math">
-                    <m:oMathParaPr>
-                      <m:jc m:val="centerGroup"/>
-                    </m:oMathParaPr>
-                    <m:oMath xmlns:m="http://schemas.openxmlformats.org/officeDocument/2006/math">
-                      <m:r>
-                        <a:rPr lang="en-US" i="1" dirty="0" smtClean="0">
-                          <a:latin typeface="Cambria Math" panose="02040503050406030204" pitchFamily="18" charset="0"/>
-                        </a:rPr>
-                        <m:t>𝑆𝑜</m:t>
-                      </m:r>
-                      <m:sSub>
-                        <m:sSubPr>
-                          <m:ctrlPr>
-                            <a:rPr lang="en-US" b="0" i="1" dirty="0" smtClean="0">
-                              <a:latin typeface="Cambria Math" panose="02040503050406030204" pitchFamily="18" charset="0"/>
-                            </a:rPr>
-                          </m:ctrlPr>
-                        </m:sSubPr>
-                        <m:e>
-                          <m:r>
-                            <a:rPr lang="en-US" i="1" dirty="0" smtClean="0">
-                              <a:latin typeface="Cambria Math" panose="02040503050406030204" pitchFamily="18" charset="0"/>
-                            </a:rPr>
-                            <m:t>𝐶</m:t>
-                          </m:r>
-                        </m:e>
-                        <m:sub>
-                          <m:r>
-                            <a:rPr lang="en-US" b="0" i="1" dirty="0" smtClean="0">
-                              <a:latin typeface="Cambria Math" panose="02040503050406030204" pitchFamily="18" charset="0"/>
-                            </a:rPr>
-                            <m:t>𝑉</m:t>
-                          </m:r>
-                        </m:sub>
-                      </m:sSub>
-                      <m:r>
-                        <a:rPr lang="en-US" i="1" dirty="0" smtClean="0">
-                          <a:latin typeface="Cambria Math" panose="02040503050406030204" pitchFamily="18" charset="0"/>
-                        </a:rPr>
-                        <m:t> =</m:t>
-                      </m:r>
-                      <m:sSub>
-                        <m:sSubPr>
-                          <m:ctrlPr>
-                            <a:rPr lang="en-US" b="0" i="1" dirty="0" smtClean="0">
-                              <a:latin typeface="Cambria Math" panose="02040503050406030204" pitchFamily="18" charset="0"/>
-                            </a:rPr>
-                          </m:ctrlPr>
-                        </m:sSubPr>
-                        <m:e>
-                          <m:r>
-                            <a:rPr lang="en-US" b="0" i="1" dirty="0" smtClean="0">
-                              <a:latin typeface="Cambria Math" panose="02040503050406030204" pitchFamily="18" charset="0"/>
-                            </a:rPr>
-                            <m:t>𝑆</m:t>
-                          </m:r>
-                        </m:e>
-                        <m:sub>
-                          <m:r>
-                            <a:rPr lang="en-US" b="0" i="1" dirty="0" smtClean="0">
-                              <a:latin typeface="Cambria Math" panose="02040503050406030204" pitchFamily="18" charset="0"/>
-                            </a:rPr>
-                            <m:t>0</m:t>
-                          </m:r>
-                        </m:sub>
-                      </m:sSub>
-                      <m:r>
-                        <a:rPr lang="en-US" b="0" i="1" dirty="0" smtClean="0">
-                          <a:latin typeface="Cambria Math" panose="02040503050406030204" pitchFamily="18" charset="0"/>
-                        </a:rPr>
-                        <m:t>+(</m:t>
-                      </m:r>
-                      <m:sSub>
-                        <m:sSubPr>
-                          <m:ctrlPr>
-                            <a:rPr lang="en-US" b="0" i="1" dirty="0" smtClean="0">
-                              <a:latin typeface="Cambria Math" panose="02040503050406030204" pitchFamily="18" charset="0"/>
-                            </a:rPr>
-                          </m:ctrlPr>
-                        </m:sSubPr>
-                        <m:e>
-                          <m:r>
-                            <a:rPr lang="en-US" b="0" i="1" dirty="0" smtClean="0">
-                              <a:latin typeface="Cambria Math" panose="02040503050406030204" pitchFamily="18" charset="0"/>
-                            </a:rPr>
-                            <m:t>𝑆</m:t>
-                          </m:r>
-                        </m:e>
-                        <m:sub>
-                          <m:r>
-                            <a:rPr lang="en-US" b="0" i="1" dirty="0" smtClean="0">
-                              <a:latin typeface="Cambria Math" panose="02040503050406030204" pitchFamily="18" charset="0"/>
-                            </a:rPr>
-                            <m:t>1</m:t>
-                          </m:r>
-                        </m:sub>
-                      </m:sSub>
-                      <m:r>
-                        <a:rPr lang="en-US" b="0" i="1" dirty="0" smtClean="0">
-                          <a:latin typeface="Cambria Math" panose="02040503050406030204" pitchFamily="18" charset="0"/>
-                        </a:rPr>
-                        <m:t>−</m:t>
-                      </m:r>
-                      <m:sSub>
-                        <m:sSubPr>
-                          <m:ctrlPr>
-                            <a:rPr lang="en-US" b="0" i="1" dirty="0" smtClean="0">
-                              <a:latin typeface="Cambria Math" panose="02040503050406030204" pitchFamily="18" charset="0"/>
-                            </a:rPr>
-                          </m:ctrlPr>
-                        </m:sSubPr>
-                        <m:e>
-                          <m:r>
-                            <a:rPr lang="en-US" b="0" i="1" dirty="0" smtClean="0">
-                              <a:latin typeface="Cambria Math" panose="02040503050406030204" pitchFamily="18" charset="0"/>
-                            </a:rPr>
-                            <m:t>𝑆</m:t>
-                          </m:r>
-                        </m:e>
-                        <m:sub>
-                          <m:r>
-                            <a:rPr lang="en-US" b="0" i="1" dirty="0" smtClean="0">
-                              <a:latin typeface="Cambria Math" panose="02040503050406030204" pitchFamily="18" charset="0"/>
-                            </a:rPr>
-                            <m:t>0</m:t>
-                          </m:r>
-                        </m:sub>
-                      </m:sSub>
-                      <m:r>
-                        <a:rPr lang="en-US" b="0" i="1" dirty="0" smtClean="0">
-                          <a:latin typeface="Cambria Math" panose="02040503050406030204" pitchFamily="18" charset="0"/>
-                        </a:rPr>
-                        <m:t>)</m:t>
-                      </m:r>
-                      <m:f>
-                        <m:fPr>
-                          <m:ctrlPr>
-                            <a:rPr lang="en-US" b="0" i="1" dirty="0" smtClean="0">
-                              <a:latin typeface="Cambria Math" panose="02040503050406030204" pitchFamily="18" charset="0"/>
-                            </a:rPr>
-                          </m:ctrlPr>
-                        </m:fPr>
-                        <m:num>
-                          <m:r>
-                            <a:rPr lang="en-US" b="0" i="1" dirty="0" smtClean="0">
-                              <a:latin typeface="Cambria Math" panose="02040503050406030204" pitchFamily="18" charset="0"/>
-                            </a:rPr>
-                            <m:t>𝑉</m:t>
-                          </m:r>
-                          <m:r>
-                            <a:rPr lang="en-US" b="0" i="1" dirty="0" smtClean="0">
-                              <a:latin typeface="Cambria Math" panose="02040503050406030204" pitchFamily="18" charset="0"/>
-                            </a:rPr>
-                            <m:t>−</m:t>
-                          </m:r>
-                          <m:sSub>
-                            <m:sSubPr>
-                              <m:ctrlPr>
-                                <a:rPr lang="en-US" b="0" i="1" dirty="0" smtClean="0">
-                                  <a:latin typeface="Cambria Math" panose="02040503050406030204" pitchFamily="18" charset="0"/>
-                                </a:rPr>
-                              </m:ctrlPr>
-                            </m:sSubPr>
-                            <m:e>
-                              <m:r>
-                                <a:rPr lang="en-US" b="0" i="1" dirty="0" smtClean="0">
-                                  <a:latin typeface="Cambria Math" panose="02040503050406030204" pitchFamily="18" charset="0"/>
-                                </a:rPr>
-                                <m:t>𝑉</m:t>
-                              </m:r>
-                            </m:e>
-                            <m:sub>
-                              <m:r>
-                                <a:rPr lang="en-US" b="0" i="1" dirty="0" smtClean="0">
-                                  <a:latin typeface="Cambria Math" panose="02040503050406030204" pitchFamily="18" charset="0"/>
-                                </a:rPr>
-                                <m:t>0</m:t>
-                              </m:r>
-                            </m:sub>
-                          </m:sSub>
-                        </m:num>
-                        <m:den>
-                          <m:sSub>
-                            <m:sSubPr>
-                              <m:ctrlPr>
-                                <a:rPr lang="en-US" b="0" i="1" dirty="0" smtClean="0">
-                                  <a:latin typeface="Cambria Math" panose="02040503050406030204" pitchFamily="18" charset="0"/>
-                                </a:rPr>
-                              </m:ctrlPr>
-                            </m:sSubPr>
-                            <m:e>
-                              <m:r>
-                                <a:rPr lang="en-US" b="0" i="1" dirty="0" smtClean="0">
-                                  <a:latin typeface="Cambria Math" panose="02040503050406030204" pitchFamily="18" charset="0"/>
-                                </a:rPr>
-                                <m:t>𝑉</m:t>
-                              </m:r>
-                            </m:e>
-                            <m:sub>
-                              <m:r>
-                                <a:rPr lang="en-US" b="0" i="1" dirty="0" smtClean="0">
-                                  <a:latin typeface="Cambria Math" panose="02040503050406030204" pitchFamily="18" charset="0"/>
-                                </a:rPr>
-                                <m:t>1</m:t>
-                              </m:r>
-                            </m:sub>
-                          </m:sSub>
-                          <m:r>
-                            <a:rPr lang="en-US" b="0" i="1" dirty="0" smtClean="0">
-                              <a:latin typeface="Cambria Math" panose="02040503050406030204" pitchFamily="18" charset="0"/>
-                            </a:rPr>
-                            <m:t>−</m:t>
-                          </m:r>
-                          <m:sSub>
-                            <m:sSubPr>
-                              <m:ctrlPr>
-                                <a:rPr lang="en-US" b="0" i="1" dirty="0" smtClean="0">
-                                  <a:latin typeface="Cambria Math" panose="02040503050406030204" pitchFamily="18" charset="0"/>
-                                </a:rPr>
-                              </m:ctrlPr>
-                            </m:sSubPr>
-                            <m:e>
-                              <m:r>
-                                <a:rPr lang="en-US" b="0" i="1" dirty="0" smtClean="0">
-                                  <a:latin typeface="Cambria Math" panose="02040503050406030204" pitchFamily="18" charset="0"/>
-                                </a:rPr>
-                                <m:t>𝑉</m:t>
-                              </m:r>
-                            </m:e>
-                            <m:sub>
-                              <m:r>
-                                <a:rPr lang="en-US" b="0" i="1" dirty="0" smtClean="0">
-                                  <a:latin typeface="Cambria Math" panose="02040503050406030204" pitchFamily="18" charset="0"/>
-                                </a:rPr>
-                                <m:t>0</m:t>
-                              </m:r>
-                            </m:sub>
-                          </m:sSub>
-                        </m:den>
-                      </m:f>
-                    </m:oMath>
-                  </m:oMathPara>
-                </a14:m>
-                <a:endParaRPr lang="en-US" dirty="0"/>
-              </a:p>
-            </p:txBody>
-          </p:sp>
-        </mc:Choice>
-        <mc:Fallback>
-          <p:sp>
-            <p:nvSpPr>
-              <p:cNvPr id="37" name="TextBox 36">
-                <a:extLst>
-                  <a:ext uri="{FF2B5EF4-FFF2-40B4-BE49-F238E27FC236}">
-                    <a16:creationId xmlns:a16="http://schemas.microsoft.com/office/drawing/2014/main" id="{F970F0FB-47F5-5737-C1A9-6638CBBA3EBE}"/>
-                  </a:ext>
-                </a:extLst>
-              </p:cNvPr>
-              <p:cNvSpPr txBox="1">
-                <a:spLocks noRot="1" noChangeAspect="1" noMove="1" noResize="1" noEditPoints="1" noAdjustHandles="1" noChangeArrowheads="1" noChangeShapeType="1" noTextEdit="1"/>
-              </p:cNvSpPr>
-              <p:nvPr/>
-            </p:nvSpPr>
-            <p:spPr>
-              <a:xfrm>
-                <a:off x="3036541" y="1959088"/>
-                <a:ext cx="6096000" cy="657937"/>
-              </a:xfrm>
-              <a:prstGeom prst="rect">
-                <a:avLst/>
-              </a:prstGeom>
-              <a:blipFill>
-                <a:blip r:embed="rId5"/>
-                <a:stretch>
-                  <a:fillRect/>
-                </a:stretch>
-              </a:blipFill>
-            </p:spPr>
-            <p:txBody>
-              <a:bodyPr/>
-              <a:lstStyle/>
-              <a:p>
-                <a:r>
-                  <a:rPr lang="en-US">
-                    <a:noFill/>
-                  </a:rPr>
-                  <a:t> </a:t>
-                </a:r>
-              </a:p>
-            </p:txBody>
-          </p:sp>
-        </mc:Fallback>
-      </mc:AlternateContent>
-      <p:cxnSp>
-        <p:nvCxnSpPr>
-          <p:cNvPr id="38" name="Straight Connector 37">
-            <a:extLst>
-              <a:ext uri="{FF2B5EF4-FFF2-40B4-BE49-F238E27FC236}">
-                <a16:creationId xmlns:a16="http://schemas.microsoft.com/office/drawing/2014/main" id="{02B5679B-6DEC-2B04-929B-7AA7C8E1E871}"/>
-              </a:ext>
-            </a:extLst>
-          </p:cNvPr>
-          <p:cNvCxnSpPr>
-            <a:cxnSpLocks/>
-          </p:cNvCxnSpPr>
-          <p:nvPr/>
-        </p:nvCxnSpPr>
-        <p:spPr>
-          <a:xfrm flipH="1">
-            <a:off x="3652707" y="3444804"/>
-            <a:ext cx="4432513" cy="0"/>
-          </a:xfrm>
-          <a:prstGeom prst="line">
-            <a:avLst/>
-          </a:prstGeom>
-          <a:ln>
-            <a:prstDash val="dashDot"/>
-          </a:ln>
-        </p:spPr>
-        <p:style>
-          <a:lnRef idx="1">
-            <a:schemeClr val="accent2"/>
-          </a:lnRef>
-          <a:fillRef idx="0">
-            <a:schemeClr val="accent2"/>
-          </a:fillRef>
-          <a:effectRef idx="0">
-            <a:schemeClr val="accent2"/>
-          </a:effectRef>
-          <a:fontRef idx="minor">
-            <a:schemeClr val="tx1"/>
-          </a:fontRef>
-        </p:style>
-      </p:cxnSp>
-      <mc:AlternateContent xmlns:mc="http://schemas.openxmlformats.org/markup-compatibility/2006">
-        <mc:Choice xmlns:a14="http://schemas.microsoft.com/office/drawing/2010/main" Requires="a14">
-          <p:sp>
-            <p:nvSpPr>
-              <p:cNvPr id="40" name="TextBox 39">
-                <a:extLst>
-                  <a:ext uri="{FF2B5EF4-FFF2-40B4-BE49-F238E27FC236}">
-                    <a16:creationId xmlns:a16="http://schemas.microsoft.com/office/drawing/2014/main" id="{E52258C7-A001-C693-F943-66690B16ED25}"/>
-                  </a:ext>
-                </a:extLst>
-              </p:cNvPr>
-              <p:cNvSpPr txBox="1"/>
-              <p:nvPr/>
-            </p:nvSpPr>
-            <p:spPr>
-              <a:xfrm>
-                <a:off x="3041668" y="3200255"/>
-                <a:ext cx="686353" cy="369332"/>
-              </a:xfrm>
-              <a:prstGeom prst="rect">
-                <a:avLst/>
-              </a:prstGeom>
-              <a:noFill/>
-            </p:spPr>
-            <p:txBody>
-              <a:bodyPr wrap="square">
-                <a:spAutoFit/>
-              </a:bodyPr>
-              <a:lstStyle/>
-              <a:p>
-                <a:pPr/>
-                <a14:m>
-                  <m:oMathPara xmlns:m="http://schemas.openxmlformats.org/officeDocument/2006/math">
-                    <m:oMathParaPr>
-                      <m:jc m:val="centerGroup"/>
-                    </m:oMathParaPr>
-                    <m:oMath xmlns:m="http://schemas.openxmlformats.org/officeDocument/2006/math">
-                      <m:sSub>
-                        <m:sSubPr>
-                          <m:ctrlPr>
-                            <a:rPr lang="en-US" b="0" i="1" dirty="0" smtClean="0">
-                              <a:latin typeface="Cambria Math" panose="02040503050406030204" pitchFamily="18" charset="0"/>
-                            </a:rPr>
-                          </m:ctrlPr>
-                        </m:sSubPr>
-                        <m:e>
-                          <m:r>
-                            <a:rPr lang="en-US" b="0" i="1" dirty="0" smtClean="0">
-                              <a:latin typeface="Cambria Math" panose="02040503050406030204" pitchFamily="18" charset="0"/>
-                            </a:rPr>
-                            <m:t>𝑆</m:t>
-                          </m:r>
-                        </m:e>
-                        <m:sub>
-                          <m:r>
-                            <a:rPr lang="en-US" b="0" i="1" dirty="0" smtClean="0">
-                              <a:latin typeface="Cambria Math" panose="02040503050406030204" pitchFamily="18" charset="0"/>
-                            </a:rPr>
-                            <m:t>1</m:t>
-                          </m:r>
-                        </m:sub>
-                      </m:sSub>
-                    </m:oMath>
-                  </m:oMathPara>
-                </a14:m>
-                <a:endParaRPr lang="en-US" dirty="0"/>
-              </a:p>
-            </p:txBody>
-          </p:sp>
-        </mc:Choice>
-        <mc:Fallback>
-          <p:sp>
-            <p:nvSpPr>
-              <p:cNvPr id="40" name="TextBox 39">
-                <a:extLst>
-                  <a:ext uri="{FF2B5EF4-FFF2-40B4-BE49-F238E27FC236}">
-                    <a16:creationId xmlns:a16="http://schemas.microsoft.com/office/drawing/2014/main" id="{E52258C7-A001-C693-F943-66690B16ED25}"/>
-                  </a:ext>
-                </a:extLst>
-              </p:cNvPr>
-              <p:cNvSpPr txBox="1">
-                <a:spLocks noRot="1" noChangeAspect="1" noMove="1" noResize="1" noEditPoints="1" noAdjustHandles="1" noChangeArrowheads="1" noChangeShapeType="1" noTextEdit="1"/>
-              </p:cNvSpPr>
-              <p:nvPr/>
-            </p:nvSpPr>
-            <p:spPr>
-              <a:xfrm>
-                <a:off x="3041668" y="3200255"/>
-                <a:ext cx="686353" cy="369332"/>
-              </a:xfrm>
-              <a:prstGeom prst="rect">
-                <a:avLst/>
-              </a:prstGeom>
-              <a:blipFill>
-                <a:blip r:embed="rId6"/>
-                <a:stretch>
-                  <a:fillRect/>
-                </a:stretch>
-              </a:blipFill>
-            </p:spPr>
-            <p:txBody>
-              <a:bodyPr/>
-              <a:lstStyle/>
-              <a:p>
-                <a:r>
-                  <a:rPr lang="en-US">
-                    <a:noFill/>
-                  </a:rPr>
-                  <a:t> </a:t>
-                </a:r>
-              </a:p>
-            </p:txBody>
-          </p:sp>
-        </mc:Fallback>
-      </mc:AlternateContent>
-      <mc:AlternateContent xmlns:mc="http://schemas.openxmlformats.org/markup-compatibility/2006">
-        <mc:Choice xmlns:a14="http://schemas.microsoft.com/office/drawing/2010/main" Requires="a14">
-          <p:sp>
-            <p:nvSpPr>
-              <p:cNvPr id="42" name="TextBox 41">
-                <a:extLst>
-                  <a:ext uri="{FF2B5EF4-FFF2-40B4-BE49-F238E27FC236}">
-                    <a16:creationId xmlns:a16="http://schemas.microsoft.com/office/drawing/2014/main" id="{B5EA3B4B-1F3D-6A54-0CD0-F4C91CE33855}"/>
-                  </a:ext>
-                </a:extLst>
-              </p:cNvPr>
-              <p:cNvSpPr txBox="1"/>
-              <p:nvPr/>
-            </p:nvSpPr>
-            <p:spPr>
-              <a:xfrm>
-                <a:off x="2855453" y="4056310"/>
-                <a:ext cx="813570" cy="369332"/>
-              </a:xfrm>
-              <a:prstGeom prst="rect">
-                <a:avLst/>
-              </a:prstGeom>
-              <a:noFill/>
-            </p:spPr>
-            <p:txBody>
-              <a:bodyPr wrap="square">
-                <a:spAutoFit/>
-              </a:bodyPr>
-              <a:lstStyle/>
-              <a:p>
-                <a:pPr/>
-                <a14:m>
-                  <m:oMathPara xmlns:m="http://schemas.openxmlformats.org/officeDocument/2006/math">
-                    <m:oMathParaPr>
-                      <m:jc m:val="centerGroup"/>
-                    </m:oMathParaPr>
-                    <m:oMath xmlns:m="http://schemas.openxmlformats.org/officeDocument/2006/math">
-                      <m:r>
-                        <a:rPr lang="en-US" i="1" dirty="0" smtClean="0">
-                          <a:latin typeface="Cambria Math" panose="02040503050406030204" pitchFamily="18" charset="0"/>
-                        </a:rPr>
-                        <m:t>𝑆𝑜</m:t>
-                      </m:r>
-                      <m:sSub>
-                        <m:sSubPr>
-                          <m:ctrlPr>
-                            <a:rPr lang="en-US" b="0" i="1" dirty="0" smtClean="0">
-                              <a:latin typeface="Cambria Math" panose="02040503050406030204" pitchFamily="18" charset="0"/>
-                            </a:rPr>
-                          </m:ctrlPr>
-                        </m:sSubPr>
-                        <m:e>
-                          <m:r>
-                            <a:rPr lang="en-US" i="1" dirty="0" smtClean="0">
-                              <a:latin typeface="Cambria Math" panose="02040503050406030204" pitchFamily="18" charset="0"/>
-                            </a:rPr>
-                            <m:t>𝐶</m:t>
-                          </m:r>
-                        </m:e>
-                        <m:sub>
-                          <m:r>
-                            <a:rPr lang="en-US" b="0" i="1" dirty="0" smtClean="0">
-                              <a:latin typeface="Cambria Math" panose="02040503050406030204" pitchFamily="18" charset="0"/>
-                            </a:rPr>
-                            <m:t>𝑉</m:t>
-                          </m:r>
-                        </m:sub>
-                      </m:sSub>
-                    </m:oMath>
-                  </m:oMathPara>
-                </a14:m>
-                <a:endParaRPr lang="en-US" dirty="0"/>
-              </a:p>
-            </p:txBody>
-          </p:sp>
-        </mc:Choice>
-        <mc:Fallback>
-          <p:sp>
-            <p:nvSpPr>
-              <p:cNvPr id="42" name="TextBox 41">
-                <a:extLst>
-                  <a:ext uri="{FF2B5EF4-FFF2-40B4-BE49-F238E27FC236}">
-                    <a16:creationId xmlns:a16="http://schemas.microsoft.com/office/drawing/2014/main" id="{B5EA3B4B-1F3D-6A54-0CD0-F4C91CE33855}"/>
-                  </a:ext>
-                </a:extLst>
-              </p:cNvPr>
-              <p:cNvSpPr txBox="1">
-                <a:spLocks noRot="1" noChangeAspect="1" noMove="1" noResize="1" noEditPoints="1" noAdjustHandles="1" noChangeArrowheads="1" noChangeShapeType="1" noTextEdit="1"/>
-              </p:cNvSpPr>
-              <p:nvPr/>
-            </p:nvSpPr>
-            <p:spPr>
-              <a:xfrm>
-                <a:off x="2855453" y="4056310"/>
-                <a:ext cx="813570" cy="369332"/>
-              </a:xfrm>
-              <a:prstGeom prst="rect">
-                <a:avLst/>
-              </a:prstGeom>
-              <a:blipFill>
-                <a:blip r:embed="rId7"/>
-                <a:stretch>
-                  <a:fillRect/>
-                </a:stretch>
-              </a:blipFill>
-            </p:spPr>
-            <p:txBody>
-              <a:bodyPr/>
-              <a:lstStyle/>
-              <a:p>
-                <a:r>
-                  <a:rPr lang="en-US">
-                    <a:noFill/>
-                  </a:rPr>
-                  <a:t> </a:t>
-                </a:r>
-              </a:p>
-            </p:txBody>
-          </p:sp>
-        </mc:Fallback>
-      </mc:AlternateContent>
-      <mc:AlternateContent xmlns:mc="http://schemas.openxmlformats.org/markup-compatibility/2006">
-        <mc:Choice xmlns:a14="http://schemas.microsoft.com/office/drawing/2010/main" Requires="a14">
-          <p:sp>
-            <p:nvSpPr>
-              <p:cNvPr id="44" name="TextBox 43">
-                <a:extLst>
-                  <a:ext uri="{FF2B5EF4-FFF2-40B4-BE49-F238E27FC236}">
-                    <a16:creationId xmlns:a16="http://schemas.microsoft.com/office/drawing/2014/main" id="{B332B177-0A41-E5B4-F6AE-9D3162758DA8}"/>
-                  </a:ext>
-                </a:extLst>
-              </p:cNvPr>
-              <p:cNvSpPr txBox="1"/>
-              <p:nvPr/>
-            </p:nvSpPr>
-            <p:spPr>
-              <a:xfrm>
-                <a:off x="6016083" y="5907306"/>
-                <a:ext cx="898946" cy="369332"/>
-              </a:xfrm>
-              <a:prstGeom prst="rect">
-                <a:avLst/>
-              </a:prstGeom>
-              <a:noFill/>
-            </p:spPr>
-            <p:txBody>
-              <a:bodyPr wrap="square">
-                <a:spAutoFit/>
-              </a:bodyPr>
-              <a:lstStyle/>
-              <a:p>
-                <a:pPr/>
-                <a14:m>
-                  <m:oMathPara xmlns:m="http://schemas.openxmlformats.org/officeDocument/2006/math">
-                    <m:oMathParaPr>
-                      <m:jc m:val="centerGroup"/>
-                    </m:oMathParaPr>
-                    <m:oMath xmlns:m="http://schemas.openxmlformats.org/officeDocument/2006/math">
-                      <m:r>
-                        <a:rPr lang="en-US" i="1" dirty="0" smtClean="0">
-                          <a:latin typeface="Cambria Math" panose="02040503050406030204" pitchFamily="18" charset="0"/>
-                        </a:rPr>
-                        <m:t>𝑉</m:t>
-                      </m:r>
-                    </m:oMath>
-                  </m:oMathPara>
-                </a14:m>
-                <a:endParaRPr lang="en-US" dirty="0"/>
-              </a:p>
-            </p:txBody>
-          </p:sp>
-        </mc:Choice>
-        <mc:Fallback>
-          <p:sp>
-            <p:nvSpPr>
-              <p:cNvPr id="44" name="TextBox 43">
-                <a:extLst>
-                  <a:ext uri="{FF2B5EF4-FFF2-40B4-BE49-F238E27FC236}">
-                    <a16:creationId xmlns:a16="http://schemas.microsoft.com/office/drawing/2014/main" id="{B332B177-0A41-E5B4-F6AE-9D3162758DA8}"/>
-                  </a:ext>
-                </a:extLst>
-              </p:cNvPr>
-              <p:cNvSpPr txBox="1">
-                <a:spLocks noRot="1" noChangeAspect="1" noMove="1" noResize="1" noEditPoints="1" noAdjustHandles="1" noChangeArrowheads="1" noChangeShapeType="1" noTextEdit="1"/>
-              </p:cNvSpPr>
-              <p:nvPr/>
-            </p:nvSpPr>
-            <p:spPr>
-              <a:xfrm>
-                <a:off x="6016083" y="5907306"/>
-                <a:ext cx="898946" cy="369332"/>
-              </a:xfrm>
-              <a:prstGeom prst="rect">
-                <a:avLst/>
-              </a:prstGeom>
-              <a:blipFill>
-                <a:blip r:embed="rId8"/>
-                <a:stretch>
-                  <a:fillRect/>
-                </a:stretch>
-              </a:blipFill>
-            </p:spPr>
-            <p:txBody>
-              <a:bodyPr/>
-              <a:lstStyle/>
-              <a:p>
-                <a:r>
-                  <a:rPr lang="en-US">
-                    <a:noFill/>
-                  </a:rPr>
-                  <a:t> </a:t>
-                </a:r>
-              </a:p>
-            </p:txBody>
-          </p:sp>
-        </mc:Fallback>
-      </mc:AlternateContent>
-      <p:cxnSp>
-        <p:nvCxnSpPr>
-          <p:cNvPr id="45" name="Straight Connector 44">
-            <a:extLst>
-              <a:ext uri="{FF2B5EF4-FFF2-40B4-BE49-F238E27FC236}">
-                <a16:creationId xmlns:a16="http://schemas.microsoft.com/office/drawing/2014/main" id="{B34DAAE6-FBA9-255A-C831-6F85751EE031}"/>
-              </a:ext>
-            </a:extLst>
-          </p:cNvPr>
-          <p:cNvCxnSpPr>
-            <a:cxnSpLocks/>
-          </p:cNvCxnSpPr>
-          <p:nvPr/>
-        </p:nvCxnSpPr>
-        <p:spPr>
-          <a:xfrm>
-            <a:off x="6465556" y="4256780"/>
-            <a:ext cx="0" cy="1654163"/>
-          </a:xfrm>
-          <a:prstGeom prst="line">
-            <a:avLst/>
-          </a:prstGeom>
-          <a:ln>
-            <a:prstDash val="dashDot"/>
-          </a:ln>
-        </p:spPr>
-        <p:style>
-          <a:lnRef idx="1">
-            <a:schemeClr val="accent2"/>
-          </a:lnRef>
-          <a:fillRef idx="0">
-            <a:schemeClr val="accent2"/>
-          </a:fillRef>
-          <a:effectRef idx="0">
-            <a:schemeClr val="accent2"/>
-          </a:effectRef>
-          <a:fontRef idx="minor">
-            <a:schemeClr val="tx1"/>
-          </a:fontRef>
-        </p:style>
-      </p:cxnSp>
-      <p:cxnSp>
-        <p:nvCxnSpPr>
-          <p:cNvPr id="46" name="Straight Connector 45">
-            <a:extLst>
-              <a:ext uri="{FF2B5EF4-FFF2-40B4-BE49-F238E27FC236}">
-                <a16:creationId xmlns:a16="http://schemas.microsoft.com/office/drawing/2014/main" id="{A3B295EF-8E81-54C2-9674-27F0AA402C4B}"/>
-              </a:ext>
-            </a:extLst>
-          </p:cNvPr>
-          <p:cNvCxnSpPr>
-            <a:cxnSpLocks/>
-          </p:cNvCxnSpPr>
-          <p:nvPr/>
-        </p:nvCxnSpPr>
-        <p:spPr>
-          <a:xfrm flipH="1">
-            <a:off x="3652706" y="4256780"/>
-            <a:ext cx="2812850" cy="0"/>
-          </a:xfrm>
-          <a:prstGeom prst="line">
-            <a:avLst/>
-          </a:prstGeom>
-          <a:ln>
-            <a:prstDash val="dashDot"/>
-          </a:ln>
-        </p:spPr>
-        <p:style>
-          <a:lnRef idx="1">
-            <a:schemeClr val="accent2"/>
-          </a:lnRef>
-          <a:fillRef idx="0">
-            <a:schemeClr val="accent2"/>
-          </a:fillRef>
-          <a:effectRef idx="0">
-            <a:schemeClr val="accent2"/>
-          </a:effectRef>
-          <a:fontRef idx="minor">
-            <a:schemeClr val="tx1"/>
-          </a:fontRef>
-        </p:style>
-      </p:cxnSp>
-    </p:spTree>
-    <p:extLst>
-      <p:ext uri="{BB962C8B-B14F-4D97-AF65-F5344CB8AC3E}">
-        <p14:creationId xmlns:p14="http://schemas.microsoft.com/office/powerpoint/2010/main" val="2344047980"/>
-      </p:ext>
-    </p:extLst>
-  </p:cSld>
-  <p:clrMapOvr>
-    <a:masterClrMapping/>
-  </p:clrMapOvr>
-</p:sld>
-</file>
-
-<file path=ppt/slides/slide8.xml><?xml version="1.0" encoding="utf-8"?>
-<p:sld xmlns:a="http://schemas.openxmlformats.org/drawingml/2006/main" xmlns:r="http://schemas.openxmlformats.org/officeDocument/2006/relationships" xmlns:p="http://schemas.openxmlformats.org/presentationml/2006/main">
-  <p:cSld>
-    <p:spTree>
-      <p:nvGrpSpPr>
-        <p:cNvPr id="1" name=""/>
-        <p:cNvGrpSpPr/>
-        <p:nvPr/>
-      </p:nvGrpSpPr>
-      <p:grpSpPr>
-        <a:xfrm>
-          <a:off x="0" y="0"/>
-          <a:ext cx="0" cy="0"/>
-          <a:chOff x="0" y="0"/>
-          <a:chExt cx="0" cy="0"/>
-        </a:xfrm>
-      </p:grpSpPr>
-      <p:sp>
-        <p:nvSpPr>
-          <p:cNvPr id="2" name="Title 1">
-            <a:extLst>
-              <a:ext uri="{FF2B5EF4-FFF2-40B4-BE49-F238E27FC236}">
-                <a16:creationId xmlns:a16="http://schemas.microsoft.com/office/drawing/2014/main" id="{0B61EC7D-B7F9-F8FD-9ACE-9DC386F15EE5}"/>
-              </a:ext>
-            </a:extLst>
-          </p:cNvPr>
-          <p:cNvSpPr>
-            <a:spLocks noGrp="1"/>
-          </p:cNvSpPr>
-          <p:nvPr>
-            <p:ph type="title"/>
-          </p:nvPr>
-        </p:nvSpPr>
-        <p:spPr/>
-        <p:txBody>
-          <a:bodyPr/>
-          <a:lstStyle/>
-          <a:p>
-            <a:endParaRPr lang="en-US" dirty="0"/>
-          </a:p>
-        </p:txBody>
-      </p:sp>
-      <p:pic>
-        <p:nvPicPr>
-          <p:cNvPr id="5" name="Content Placeholder 4">
-            <a:extLst>
-              <a:ext uri="{FF2B5EF4-FFF2-40B4-BE49-F238E27FC236}">
-                <a16:creationId xmlns:a16="http://schemas.microsoft.com/office/drawing/2014/main" id="{40366C56-9D01-21E0-C6D4-FD5A01963816}"/>
-              </a:ext>
-            </a:extLst>
-          </p:cNvPr>
-          <p:cNvPicPr>
-            <a:picLocks noGrp="1" noChangeAspect="1"/>
-          </p:cNvPicPr>
-          <p:nvPr>
-            <p:ph idx="1"/>
-          </p:nvPr>
-        </p:nvPicPr>
-        <p:blipFill>
-          <a:blip r:embed="rId2"/>
-          <a:stretch>
-            <a:fillRect/>
-          </a:stretch>
-        </p:blipFill>
-        <p:spPr>
-          <a:xfrm>
-            <a:off x="579124" y="297853"/>
-            <a:ext cx="10887924" cy="6262294"/>
-          </a:xfrm>
-        </p:spPr>
-      </p:pic>
-    </p:spTree>
-    <p:extLst>
-      <p:ext uri="{BB962C8B-B14F-4D97-AF65-F5344CB8AC3E}">
-        <p14:creationId xmlns:p14="http://schemas.microsoft.com/office/powerpoint/2010/main" val="2827432413"/>
+        <p14:creationId xmlns:p14="http://schemas.microsoft.com/office/powerpoint/2010/main" val="1009430944"/>
       </p:ext>
     </p:extLst>
   </p:cSld>

--- a/SoC Estimation.pptx
+++ b/SoC Estimation.pptx
@@ -22,6 +22,9 @@
     <p:sldId id="269" r:id="rId16"/>
     <p:sldId id="271" r:id="rId17"/>
     <p:sldId id="272" r:id="rId18"/>
+    <p:sldId id="273" r:id="rId19"/>
+    <p:sldId id="274" r:id="rId20"/>
+    <p:sldId id="275" r:id="rId21"/>
   </p:sldIdLst>
   <p:sldSz cx="12192000" cy="6858000"/>
   <p:notesSz cx="6858000" cy="9144000"/>
@@ -5815,7 +5818,24 @@
           <a:bodyPr/>
           <a:lstStyle/>
           <a:p>
-            <a:endParaRPr lang="en-US"/>
+            <a:r>
+              <a:rPr lang="en-US" b="1" dirty="0">
+                <a:solidFill>
+                  <a:srgbClr val="2C2C36"/>
+                </a:solidFill>
+                <a:effectLst/>
+              </a:rPr>
+              <a:t>Step 1: Prediction</a:t>
+            </a:r>
+            <a:br>
+              <a:rPr lang="en-US" b="1" dirty="0">
+                <a:solidFill>
+                  <a:srgbClr val="2C2C36"/>
+                </a:solidFill>
+                <a:effectLst/>
+              </a:rPr>
+            </a:br>
+            <a:endParaRPr lang="en-US" dirty="0"/>
           </a:p>
         </p:txBody>
       </p:sp>
@@ -5837,10 +5857,585 @@
         </p:nvSpPr>
         <p:spPr/>
         <p:txBody>
-          <a:bodyPr/>
+          <a:bodyPr>
+            <a:normAutofit fontScale="92500" lnSpcReduction="20000"/>
+          </a:bodyPr>
           <a:lstStyle/>
           <a:p>
-            <a:endParaRPr lang="en-US"/>
+            <a:pPr>
+              <a:spcBef>
+                <a:spcPts val="900"/>
+              </a:spcBef>
+              <a:spcAft>
+                <a:spcPts val="900"/>
+              </a:spcAft>
+              <a:buFont typeface="+mj-lt"/>
+              <a:buAutoNum type="arabicPeriod"/>
+            </a:pPr>
+            <a:r>
+              <a:rPr lang="en-US" b="0" dirty="0">
+                <a:solidFill>
+                  <a:srgbClr val="111827"/>
+                </a:solidFill>
+                <a:effectLst/>
+              </a:rPr>
+              <a:t>Predict the State Estimate </a:t>
+            </a:r>
+            <a:r>
+              <a:rPr lang="en-US" dirty="0">
+                <a:effectLst/>
+              </a:rPr>
+              <a:t>: Use the nonlinear state transition function </a:t>
+            </a:r>
+            <a:r>
+              <a:rPr lang="en-US" i="1" dirty="0">
+                <a:effectLst/>
+                <a:latin typeface="KaTeX_Math"/>
+              </a:rPr>
+              <a:t>f</a:t>
+            </a:r>
+            <a:r>
+              <a:rPr lang="en-US" dirty="0">
+                <a:effectLst/>
+                <a:latin typeface="KaTeX_Main"/>
+              </a:rPr>
+              <a:t>(⋅)</a:t>
+            </a:r>
+            <a:r>
+              <a:rPr lang="en-US" dirty="0">
+                <a:effectLst/>
+              </a:rPr>
+              <a:t> to predict the next state:</a:t>
+            </a:r>
+          </a:p>
+          <a:p>
+            <a:pPr>
+              <a:spcBef>
+                <a:spcPts val="900"/>
+              </a:spcBef>
+              <a:spcAft>
+                <a:spcPts val="900"/>
+              </a:spcAft>
+              <a:buFont typeface="+mj-lt"/>
+              <a:buAutoNum type="arabicPeriod"/>
+            </a:pPr>
+            <a:r>
+              <a:rPr lang="en-US" b="1" dirty="0">
+                <a:effectLst/>
+                <a:latin typeface="KaTeX_Main"/>
+              </a:rPr>
+              <a:t>x</a:t>
+            </a:r>
+            <a:r>
+              <a:rPr lang="en-US" dirty="0">
+                <a:effectLst/>
+                <a:latin typeface="KaTeX_Main"/>
+              </a:rPr>
+              <a:t>^</a:t>
+            </a:r>
+            <a:r>
+              <a:rPr lang="en-US" i="1" dirty="0">
+                <a:effectLst/>
+                <a:latin typeface="KaTeX_Math"/>
+              </a:rPr>
+              <a:t>k</a:t>
+            </a:r>
+            <a:r>
+              <a:rPr lang="en-US" dirty="0">
+                <a:effectLst/>
+                <a:latin typeface="KaTeX_Main"/>
+              </a:rPr>
+              <a:t>∣</a:t>
+            </a:r>
+            <a:r>
+              <a:rPr lang="en-US" i="1" dirty="0">
+                <a:effectLst/>
+                <a:latin typeface="KaTeX_Math"/>
+              </a:rPr>
+              <a:t>k</a:t>
+            </a:r>
+            <a:r>
+              <a:rPr lang="en-US" dirty="0">
+                <a:effectLst/>
+                <a:latin typeface="KaTeX_Main"/>
+              </a:rPr>
+              <a:t>−1​=</a:t>
+            </a:r>
+            <a:r>
+              <a:rPr lang="en-US" i="1" dirty="0">
+                <a:effectLst/>
+                <a:latin typeface="KaTeX_Math"/>
+              </a:rPr>
+              <a:t>f</a:t>
+            </a:r>
+            <a:r>
+              <a:rPr lang="en-US" dirty="0">
+                <a:effectLst/>
+                <a:latin typeface="KaTeX_Main"/>
+              </a:rPr>
+              <a:t>(</a:t>
+            </a:r>
+            <a:r>
+              <a:rPr lang="en-US" b="1" dirty="0">
+                <a:effectLst/>
+                <a:latin typeface="KaTeX_Main"/>
+              </a:rPr>
+              <a:t>x</a:t>
+            </a:r>
+            <a:r>
+              <a:rPr lang="en-US" dirty="0">
+                <a:effectLst/>
+                <a:latin typeface="KaTeX_Main"/>
+              </a:rPr>
+              <a:t>^</a:t>
+            </a:r>
+            <a:r>
+              <a:rPr lang="en-US" i="1" dirty="0">
+                <a:effectLst/>
+                <a:latin typeface="KaTeX_Math"/>
+              </a:rPr>
+              <a:t>k</a:t>
+            </a:r>
+            <a:r>
+              <a:rPr lang="en-US" dirty="0">
+                <a:effectLst/>
+                <a:latin typeface="KaTeX_Main"/>
+              </a:rPr>
+              <a:t>−1∣</a:t>
+            </a:r>
+            <a:r>
+              <a:rPr lang="en-US" i="1" dirty="0">
+                <a:effectLst/>
+                <a:latin typeface="KaTeX_Math"/>
+              </a:rPr>
+              <a:t>k</a:t>
+            </a:r>
+            <a:r>
+              <a:rPr lang="en-US" dirty="0">
+                <a:effectLst/>
+                <a:latin typeface="KaTeX_Main"/>
+              </a:rPr>
+              <a:t>−1​,</a:t>
+            </a:r>
+            <a:r>
+              <a:rPr lang="en-US" b="1" dirty="0" err="1">
+                <a:effectLst/>
+                <a:latin typeface="KaTeX_Main"/>
+              </a:rPr>
+              <a:t>u</a:t>
+            </a:r>
+            <a:r>
+              <a:rPr lang="en-US" i="1" dirty="0" err="1">
+                <a:effectLst/>
+                <a:latin typeface="KaTeX_Math"/>
+              </a:rPr>
+              <a:t>k</a:t>
+            </a:r>
+            <a:r>
+              <a:rPr lang="en-US" dirty="0">
+                <a:effectLst/>
+                <a:latin typeface="KaTeX_Main"/>
+              </a:rPr>
+              <a:t>​)</a:t>
+            </a:r>
+            <a:endParaRPr lang="en-US" dirty="0">
+              <a:effectLst/>
+            </a:endParaRPr>
+          </a:p>
+          <a:p>
+            <a:pPr>
+              <a:spcBef>
+                <a:spcPts val="900"/>
+              </a:spcBef>
+              <a:spcAft>
+                <a:spcPts val="900"/>
+              </a:spcAft>
+              <a:buFont typeface="+mj-lt"/>
+              <a:buAutoNum type="arabicPeriod"/>
+            </a:pPr>
+            <a:r>
+              <a:rPr lang="en-US" b="0" dirty="0">
+                <a:solidFill>
+                  <a:srgbClr val="111827"/>
+                </a:solidFill>
+                <a:effectLst/>
+              </a:rPr>
+              <a:t>Linearize the State Transition Model </a:t>
+            </a:r>
+            <a:r>
+              <a:rPr lang="en-US" dirty="0">
+                <a:effectLst/>
+              </a:rPr>
+              <a:t>: Compute the Jacobian matrix </a:t>
+            </a:r>
+            <a:r>
+              <a:rPr lang="en-US" b="1" dirty="0" err="1">
+                <a:effectLst/>
+                <a:latin typeface="KaTeX_Main"/>
+              </a:rPr>
+              <a:t>F</a:t>
+            </a:r>
+            <a:r>
+              <a:rPr lang="en-US" i="1" dirty="0" err="1">
+                <a:effectLst/>
+                <a:latin typeface="KaTeX_Math"/>
+              </a:rPr>
+              <a:t>k</a:t>
+            </a:r>
+            <a:r>
+              <a:rPr lang="en-US" dirty="0">
+                <a:effectLst/>
+                <a:latin typeface="KaTeX_Main"/>
+              </a:rPr>
+              <a:t>​</a:t>
+            </a:r>
+            <a:r>
+              <a:rPr lang="en-US" dirty="0">
+                <a:effectLst/>
+              </a:rPr>
+              <a:t> of the state transition function </a:t>
+            </a:r>
+            <a:r>
+              <a:rPr lang="en-US" i="1" dirty="0">
+                <a:effectLst/>
+                <a:latin typeface="KaTeX_Math"/>
+              </a:rPr>
+              <a:t>f</a:t>
+            </a:r>
+            <a:r>
+              <a:rPr lang="en-US" dirty="0">
+                <a:effectLst/>
+                <a:latin typeface="KaTeX_Main"/>
+              </a:rPr>
+              <a:t>(⋅)</a:t>
+            </a:r>
+            <a:r>
+              <a:rPr lang="en-US" dirty="0">
+                <a:effectLst/>
+              </a:rPr>
+              <a:t> with respect to the state:</a:t>
+            </a:r>
+          </a:p>
+          <a:p>
+            <a:pPr>
+              <a:spcBef>
+                <a:spcPts val="900"/>
+              </a:spcBef>
+              <a:spcAft>
+                <a:spcPts val="900"/>
+              </a:spcAft>
+              <a:buFont typeface="+mj-lt"/>
+              <a:buAutoNum type="arabicPeriod"/>
+            </a:pPr>
+            <a:r>
+              <a:rPr lang="en-US" b="1" dirty="0" err="1">
+                <a:effectLst/>
+                <a:latin typeface="KaTeX_Main"/>
+              </a:rPr>
+              <a:t>F</a:t>
+            </a:r>
+            <a:r>
+              <a:rPr lang="en-US" i="1" dirty="0" err="1">
+                <a:effectLst/>
+                <a:latin typeface="KaTeX_Math"/>
+              </a:rPr>
+              <a:t>k</a:t>
+            </a:r>
+            <a:r>
+              <a:rPr lang="en-US" dirty="0">
+                <a:effectLst/>
+                <a:latin typeface="KaTeX_Main"/>
+              </a:rPr>
+              <a:t>​=∂</a:t>
+            </a:r>
+            <a:r>
+              <a:rPr lang="en-US" b="1" dirty="0" err="1">
+                <a:effectLst/>
+                <a:latin typeface="KaTeX_Main"/>
+              </a:rPr>
+              <a:t>x</a:t>
+            </a:r>
+            <a:r>
+              <a:rPr lang="en-US" dirty="0" err="1">
+                <a:effectLst/>
+                <a:latin typeface="KaTeX_Main"/>
+              </a:rPr>
+              <a:t>∂</a:t>
+            </a:r>
+            <a:r>
+              <a:rPr lang="en-US" i="1" dirty="0" err="1">
+                <a:effectLst/>
+                <a:latin typeface="KaTeX_Math"/>
+              </a:rPr>
+              <a:t>f</a:t>
+            </a:r>
+            <a:r>
+              <a:rPr lang="en-US" dirty="0">
+                <a:effectLst/>
+                <a:latin typeface="KaTeX_Main"/>
+              </a:rPr>
+              <a:t>​​</a:t>
+            </a:r>
+            <a:r>
+              <a:rPr lang="en-US" b="1" dirty="0">
+                <a:effectLst/>
+                <a:latin typeface="KaTeX_Main"/>
+              </a:rPr>
+              <a:t>x</a:t>
+            </a:r>
+            <a:r>
+              <a:rPr lang="en-US" dirty="0">
+                <a:effectLst/>
+                <a:latin typeface="KaTeX_Main"/>
+              </a:rPr>
+              <a:t>^</a:t>
+            </a:r>
+            <a:r>
+              <a:rPr lang="en-US" i="1" dirty="0">
+                <a:effectLst/>
+                <a:latin typeface="KaTeX_Math"/>
+              </a:rPr>
+              <a:t>k</a:t>
+            </a:r>
+            <a:r>
+              <a:rPr lang="en-US" dirty="0">
+                <a:effectLst/>
+                <a:latin typeface="KaTeX_Main"/>
+              </a:rPr>
+              <a:t>−1∣</a:t>
+            </a:r>
+            <a:r>
+              <a:rPr lang="en-US" i="1" dirty="0">
+                <a:effectLst/>
+                <a:latin typeface="KaTeX_Math"/>
+              </a:rPr>
+              <a:t>k</a:t>
+            </a:r>
+            <a:r>
+              <a:rPr lang="en-US" dirty="0">
+                <a:effectLst/>
+                <a:latin typeface="KaTeX_Main"/>
+              </a:rPr>
+              <a:t>−1​,</a:t>
+            </a:r>
+            <a:r>
+              <a:rPr lang="en-US" b="1" dirty="0" err="1">
+                <a:effectLst/>
+                <a:latin typeface="KaTeX_Main"/>
+              </a:rPr>
+              <a:t>u</a:t>
+            </a:r>
+            <a:r>
+              <a:rPr lang="en-US" i="1" dirty="0" err="1">
+                <a:effectLst/>
+                <a:latin typeface="KaTeX_Math"/>
+              </a:rPr>
+              <a:t>k</a:t>
+            </a:r>
+            <a:r>
+              <a:rPr lang="en-US" dirty="0">
+                <a:effectLst/>
+                <a:latin typeface="KaTeX_Main"/>
+              </a:rPr>
+              <a:t>​​</a:t>
+            </a:r>
+            <a:endParaRPr lang="en-US" dirty="0">
+              <a:effectLst/>
+            </a:endParaRPr>
+          </a:p>
+          <a:p>
+            <a:pPr>
+              <a:spcBef>
+                <a:spcPts val="900"/>
+              </a:spcBef>
+              <a:spcAft>
+                <a:spcPts val="900"/>
+              </a:spcAft>
+              <a:buFont typeface="+mj-lt"/>
+              <a:buAutoNum type="arabicPeriod"/>
+            </a:pPr>
+            <a:r>
+              <a:rPr lang="en-US" b="0" dirty="0">
+                <a:solidFill>
+                  <a:srgbClr val="111827"/>
+                </a:solidFill>
+                <a:effectLst/>
+              </a:rPr>
+              <a:t>Predict the Error Covariance </a:t>
+            </a:r>
+            <a:r>
+              <a:rPr lang="en-US" dirty="0">
+                <a:effectLst/>
+              </a:rPr>
+              <a:t>: Update the error covariance matrix </a:t>
+            </a:r>
+            <a:r>
+              <a:rPr lang="en-US" b="1" dirty="0">
+                <a:effectLst/>
+                <a:latin typeface="KaTeX_Main"/>
+              </a:rPr>
+              <a:t>P</a:t>
+            </a:r>
+            <a:r>
+              <a:rPr lang="en-US" dirty="0">
+                <a:effectLst/>
+              </a:rPr>
+              <a:t> using the linearized model:</a:t>
+            </a:r>
+          </a:p>
+          <a:p>
+            <a:pPr>
+              <a:buNone/>
+            </a:pPr>
+            <a:r>
+              <a:rPr lang="en-US" b="1" dirty="0">
+                <a:effectLst/>
+                <a:latin typeface="KaTeX_Main"/>
+              </a:rPr>
+              <a:t>P</a:t>
+            </a:r>
+            <a:r>
+              <a:rPr lang="en-US" i="1" dirty="0">
+                <a:effectLst/>
+                <a:latin typeface="KaTeX_Math"/>
+              </a:rPr>
+              <a:t>k</a:t>
+            </a:r>
+            <a:r>
+              <a:rPr lang="en-US" dirty="0">
+                <a:effectLst/>
+                <a:latin typeface="KaTeX_Main"/>
+              </a:rPr>
+              <a:t>∣</a:t>
+            </a:r>
+            <a:r>
+              <a:rPr lang="en-US" i="1" dirty="0">
+                <a:effectLst/>
+                <a:latin typeface="KaTeX_Math"/>
+              </a:rPr>
+              <a:t>k</a:t>
+            </a:r>
+            <a:r>
+              <a:rPr lang="en-US" dirty="0">
+                <a:effectLst/>
+                <a:latin typeface="KaTeX_Main"/>
+              </a:rPr>
+              <a:t>−1​=</a:t>
+            </a:r>
+            <a:r>
+              <a:rPr lang="en-US" b="1" dirty="0" err="1">
+                <a:effectLst/>
+                <a:latin typeface="KaTeX_Main"/>
+              </a:rPr>
+              <a:t>F</a:t>
+            </a:r>
+            <a:r>
+              <a:rPr lang="en-US" i="1" dirty="0" err="1">
+                <a:effectLst/>
+                <a:latin typeface="KaTeX_Math"/>
+              </a:rPr>
+              <a:t>k</a:t>
+            </a:r>
+            <a:r>
+              <a:rPr lang="en-US" dirty="0">
+                <a:effectLst/>
+                <a:latin typeface="KaTeX_Main"/>
+              </a:rPr>
+              <a:t>​</a:t>
+            </a:r>
+            <a:r>
+              <a:rPr lang="en-US" b="1" dirty="0">
+                <a:effectLst/>
+                <a:latin typeface="KaTeX_Main"/>
+              </a:rPr>
+              <a:t>P</a:t>
+            </a:r>
+            <a:r>
+              <a:rPr lang="en-US" i="1" dirty="0">
+                <a:effectLst/>
+                <a:latin typeface="KaTeX_Math"/>
+              </a:rPr>
+              <a:t>k</a:t>
+            </a:r>
+            <a:r>
+              <a:rPr lang="en-US" dirty="0">
+                <a:effectLst/>
+                <a:latin typeface="KaTeX_Main"/>
+              </a:rPr>
+              <a:t>−1∣</a:t>
+            </a:r>
+            <a:r>
+              <a:rPr lang="en-US" i="1" dirty="0">
+                <a:effectLst/>
+                <a:latin typeface="KaTeX_Math"/>
+              </a:rPr>
+              <a:t>k</a:t>
+            </a:r>
+            <a:r>
+              <a:rPr lang="en-US" dirty="0">
+                <a:effectLst/>
+                <a:latin typeface="KaTeX_Main"/>
+              </a:rPr>
+              <a:t>−1​</a:t>
+            </a:r>
+            <a:r>
+              <a:rPr lang="en-US" b="1" dirty="0" err="1">
+                <a:effectLst/>
+                <a:latin typeface="KaTeX_Main"/>
+              </a:rPr>
+              <a:t>F</a:t>
+            </a:r>
+            <a:r>
+              <a:rPr lang="en-US" i="1" dirty="0" err="1">
+                <a:effectLst/>
+                <a:latin typeface="KaTeX_Math"/>
+              </a:rPr>
+              <a:t>kT</a:t>
+            </a:r>
+            <a:r>
+              <a:rPr lang="en-US" dirty="0">
+                <a:effectLst/>
+                <a:latin typeface="KaTeX_Main"/>
+              </a:rPr>
+              <a:t>​+</a:t>
+            </a:r>
+            <a:r>
+              <a:rPr lang="en-US" b="1" dirty="0" err="1">
+                <a:effectLst/>
+                <a:latin typeface="KaTeX_Main"/>
+              </a:rPr>
+              <a:t>Q</a:t>
+            </a:r>
+            <a:r>
+              <a:rPr lang="en-US" b="0" i="1" dirty="0" err="1">
+                <a:solidFill>
+                  <a:srgbClr val="2C2C36"/>
+                </a:solidFill>
+                <a:effectLst/>
+                <a:latin typeface="KaTeX_Math"/>
+              </a:rPr>
+              <a:t>k</a:t>
+            </a:r>
+            <a:r>
+              <a:rPr lang="en-US" b="0" i="0" dirty="0">
+                <a:solidFill>
+                  <a:srgbClr val="2C2C36"/>
+                </a:solidFill>
+                <a:effectLst/>
+                <a:latin typeface="KaTeX_Main"/>
+              </a:rPr>
+              <a:t>​</a:t>
+            </a:r>
+            <a:br>
+              <a:rPr lang="en-US" b="0" i="0" dirty="0">
+                <a:solidFill>
+                  <a:srgbClr val="2C2C36"/>
+                </a:solidFill>
+                <a:effectLst/>
+                <a:latin typeface="KaTeX_Main"/>
+              </a:rPr>
+            </a:br>
+            <a:endParaRPr lang="en-US" dirty="0"/>
           </a:p>
         </p:txBody>
       </p:sp>
@@ -5848,6 +6443,2018 @@
     <p:extLst>
       <p:ext uri="{BB962C8B-B14F-4D97-AF65-F5344CB8AC3E}">
         <p14:creationId xmlns:p14="http://schemas.microsoft.com/office/powerpoint/2010/main" val="1884097833"/>
+      </p:ext>
+    </p:extLst>
+  </p:cSld>
+  <p:clrMapOvr>
+    <a:masterClrMapping/>
+  </p:clrMapOvr>
+</p:sld>
+</file>
+
+<file path=ppt/slides/slide18.xml><?xml version="1.0" encoding="utf-8"?>
+<p:sld xmlns:a="http://schemas.openxmlformats.org/drawingml/2006/main" xmlns:r="http://schemas.openxmlformats.org/officeDocument/2006/relationships" xmlns:p="http://schemas.openxmlformats.org/presentationml/2006/main">
+  <p:cSld>
+    <p:spTree>
+      <p:nvGrpSpPr>
+        <p:cNvPr id="1" name=""/>
+        <p:cNvGrpSpPr/>
+        <p:nvPr/>
+      </p:nvGrpSpPr>
+      <p:grpSpPr>
+        <a:xfrm>
+          <a:off x="0" y="0"/>
+          <a:ext cx="0" cy="0"/>
+          <a:chOff x="0" y="0"/>
+          <a:chExt cx="0" cy="0"/>
+        </a:xfrm>
+      </p:grpSpPr>
+      <p:sp>
+        <p:nvSpPr>
+          <p:cNvPr id="2" name="Title 1">
+            <a:extLst>
+              <a:ext uri="{FF2B5EF4-FFF2-40B4-BE49-F238E27FC236}">
+                <a16:creationId xmlns:a16="http://schemas.microsoft.com/office/drawing/2014/main" id="{3959F1AF-14A2-AE7A-9D29-11D7E9E69FED}"/>
+              </a:ext>
+            </a:extLst>
+          </p:cNvPr>
+          <p:cNvSpPr>
+            <a:spLocks noGrp="1"/>
+          </p:cNvSpPr>
+          <p:nvPr>
+            <p:ph type="title"/>
+          </p:nvPr>
+        </p:nvSpPr>
+        <p:spPr/>
+        <p:txBody>
+          <a:bodyPr>
+            <a:normAutofit/>
+          </a:bodyPr>
+          <a:lstStyle/>
+          <a:p>
+            <a:pPr>
+              <a:spcBef>
+                <a:spcPts val="900"/>
+              </a:spcBef>
+              <a:spcAft>
+                <a:spcPts val="900"/>
+              </a:spcAft>
+            </a:pPr>
+            <a:r>
+              <a:rPr lang="en-US" b="1" i="0" dirty="0">
+                <a:solidFill>
+                  <a:srgbClr val="2C2C36"/>
+                </a:solidFill>
+                <a:effectLst/>
+                <a:latin typeface="system-ui"/>
+              </a:rPr>
+              <a:t>Step 2: Update</a:t>
+            </a:r>
+            <a:br>
+              <a:rPr lang="en-US" b="1" i="0" dirty="0">
+                <a:solidFill>
+                  <a:srgbClr val="2C2C36"/>
+                </a:solidFill>
+                <a:effectLst/>
+                <a:latin typeface="system-ui"/>
+              </a:rPr>
+            </a:br>
+            <a:endParaRPr lang="en-US" dirty="0"/>
+          </a:p>
+        </p:txBody>
+      </p:sp>
+      <p:sp>
+        <p:nvSpPr>
+          <p:cNvPr id="3" name="Content Placeholder 2">
+            <a:extLst>
+              <a:ext uri="{FF2B5EF4-FFF2-40B4-BE49-F238E27FC236}">
+                <a16:creationId xmlns:a16="http://schemas.microsoft.com/office/drawing/2014/main" id="{4A3288D8-6A54-DB4C-EDE2-364933EBD371}"/>
+              </a:ext>
+            </a:extLst>
+          </p:cNvPr>
+          <p:cNvSpPr>
+            <a:spLocks noGrp="1"/>
+          </p:cNvSpPr>
+          <p:nvPr>
+            <p:ph idx="1"/>
+          </p:nvPr>
+        </p:nvSpPr>
+        <p:spPr/>
+        <p:txBody>
+          <a:bodyPr>
+            <a:normAutofit fontScale="55000" lnSpcReduction="20000"/>
+          </a:bodyPr>
+          <a:lstStyle/>
+          <a:p>
+            <a:pPr algn="l">
+              <a:spcBef>
+                <a:spcPts val="900"/>
+              </a:spcBef>
+              <a:spcAft>
+                <a:spcPts val="900"/>
+              </a:spcAft>
+              <a:buFont typeface="+mj-lt"/>
+              <a:buAutoNum type="arabicPeriod"/>
+            </a:pPr>
+            <a:r>
+              <a:rPr lang="en-US" b="0" i="0" dirty="0">
+                <a:solidFill>
+                  <a:srgbClr val="111827"/>
+                </a:solidFill>
+                <a:effectLst/>
+                <a:latin typeface="system-ui"/>
+              </a:rPr>
+              <a:t>Predict the Measurement </a:t>
+            </a:r>
+            <a:r>
+              <a:rPr lang="en-US" b="0" i="0" dirty="0">
+                <a:solidFill>
+                  <a:srgbClr val="2C2C36"/>
+                </a:solidFill>
+                <a:effectLst/>
+                <a:latin typeface="system-ui"/>
+              </a:rPr>
+              <a:t>: Use the nonlinear measurement function </a:t>
+            </a:r>
+            <a:r>
+              <a:rPr lang="en-US" b="0" i="1" dirty="0">
+                <a:solidFill>
+                  <a:srgbClr val="2C2C36"/>
+                </a:solidFill>
+                <a:effectLst/>
+                <a:latin typeface="KaTeX_Math"/>
+              </a:rPr>
+              <a:t>h</a:t>
+            </a:r>
+            <a:r>
+              <a:rPr lang="en-US" b="0" i="0" dirty="0">
+                <a:solidFill>
+                  <a:srgbClr val="2C2C36"/>
+                </a:solidFill>
+                <a:effectLst/>
+                <a:latin typeface="KaTeX_Main"/>
+              </a:rPr>
+              <a:t>(⋅)</a:t>
+            </a:r>
+            <a:r>
+              <a:rPr lang="en-US" b="0" i="0" dirty="0">
+                <a:solidFill>
+                  <a:srgbClr val="2C2C36"/>
+                </a:solidFill>
+                <a:effectLst/>
+                <a:latin typeface="system-ui"/>
+              </a:rPr>
+              <a:t> to predict the measurement:</a:t>
+            </a:r>
+          </a:p>
+          <a:p>
+            <a:pPr marL="0" indent="0" algn="l">
+              <a:spcBef>
+                <a:spcPts val="900"/>
+              </a:spcBef>
+              <a:spcAft>
+                <a:spcPts val="900"/>
+              </a:spcAft>
+              <a:buNone/>
+            </a:pPr>
+            <a:r>
+              <a:rPr lang="en-US" b="1" i="0" dirty="0">
+                <a:solidFill>
+                  <a:srgbClr val="2C2C36"/>
+                </a:solidFill>
+                <a:effectLst/>
+                <a:latin typeface="KaTeX_Main"/>
+              </a:rPr>
+              <a:t>z</a:t>
+            </a:r>
+            <a:r>
+              <a:rPr lang="en-US" b="0" i="0" dirty="0">
+                <a:solidFill>
+                  <a:srgbClr val="2C2C36"/>
+                </a:solidFill>
+                <a:effectLst/>
+                <a:latin typeface="KaTeX_Main"/>
+              </a:rPr>
+              <a:t>^</a:t>
+            </a:r>
+            <a:r>
+              <a:rPr lang="en-US" b="0" i="1" dirty="0">
+                <a:solidFill>
+                  <a:srgbClr val="2C2C36"/>
+                </a:solidFill>
+                <a:effectLst/>
+                <a:latin typeface="KaTeX_Math"/>
+              </a:rPr>
+              <a:t>k</a:t>
+            </a:r>
+            <a:r>
+              <a:rPr lang="en-US" b="0" i="0" dirty="0">
+                <a:solidFill>
+                  <a:srgbClr val="2C2C36"/>
+                </a:solidFill>
+                <a:effectLst/>
+                <a:latin typeface="KaTeX_Main"/>
+              </a:rPr>
+              <a:t>∣</a:t>
+            </a:r>
+            <a:r>
+              <a:rPr lang="en-US" b="0" i="1" dirty="0">
+                <a:solidFill>
+                  <a:srgbClr val="2C2C36"/>
+                </a:solidFill>
+                <a:effectLst/>
+                <a:latin typeface="KaTeX_Math"/>
+              </a:rPr>
+              <a:t>k</a:t>
+            </a:r>
+            <a:r>
+              <a:rPr lang="en-US" b="0" i="0" dirty="0">
+                <a:solidFill>
+                  <a:srgbClr val="2C2C36"/>
+                </a:solidFill>
+                <a:effectLst/>
+                <a:latin typeface="KaTeX_Main"/>
+              </a:rPr>
+              <a:t>−1​=</a:t>
+            </a:r>
+            <a:r>
+              <a:rPr lang="en-US" b="0" i="1" dirty="0">
+                <a:solidFill>
+                  <a:srgbClr val="2C2C36"/>
+                </a:solidFill>
+                <a:effectLst/>
+                <a:latin typeface="KaTeX_Math"/>
+              </a:rPr>
+              <a:t>h</a:t>
+            </a:r>
+            <a:r>
+              <a:rPr lang="en-US" b="0" i="0" dirty="0">
+                <a:solidFill>
+                  <a:srgbClr val="2C2C36"/>
+                </a:solidFill>
+                <a:effectLst/>
+                <a:latin typeface="KaTeX_Main"/>
+              </a:rPr>
+              <a:t>(</a:t>
+            </a:r>
+            <a:r>
+              <a:rPr lang="en-US" b="1" i="0" dirty="0">
+                <a:solidFill>
+                  <a:srgbClr val="2C2C36"/>
+                </a:solidFill>
+                <a:effectLst/>
+                <a:latin typeface="KaTeX_Main"/>
+              </a:rPr>
+              <a:t>x</a:t>
+            </a:r>
+            <a:r>
+              <a:rPr lang="en-US" b="0" i="0" dirty="0">
+                <a:solidFill>
+                  <a:srgbClr val="2C2C36"/>
+                </a:solidFill>
+                <a:effectLst/>
+                <a:latin typeface="KaTeX_Main"/>
+              </a:rPr>
+              <a:t>^</a:t>
+            </a:r>
+            <a:r>
+              <a:rPr lang="en-US" b="0" i="1" dirty="0">
+                <a:solidFill>
+                  <a:srgbClr val="2C2C36"/>
+                </a:solidFill>
+                <a:effectLst/>
+                <a:latin typeface="KaTeX_Math"/>
+              </a:rPr>
+              <a:t>k</a:t>
+            </a:r>
+            <a:r>
+              <a:rPr lang="en-US" b="0" i="0" dirty="0">
+                <a:solidFill>
+                  <a:srgbClr val="2C2C36"/>
+                </a:solidFill>
+                <a:effectLst/>
+                <a:latin typeface="KaTeX_Main"/>
+              </a:rPr>
+              <a:t>∣</a:t>
+            </a:r>
+            <a:r>
+              <a:rPr lang="en-US" b="0" i="1" dirty="0">
+                <a:solidFill>
+                  <a:srgbClr val="2C2C36"/>
+                </a:solidFill>
+                <a:effectLst/>
+                <a:latin typeface="KaTeX_Math"/>
+              </a:rPr>
+              <a:t>k</a:t>
+            </a:r>
+            <a:r>
+              <a:rPr lang="en-US" b="0" i="0" dirty="0">
+                <a:solidFill>
+                  <a:srgbClr val="2C2C36"/>
+                </a:solidFill>
+                <a:effectLst/>
+                <a:latin typeface="KaTeX_Main"/>
+              </a:rPr>
+              <a:t>−1​)</a:t>
+            </a:r>
+            <a:endParaRPr lang="en-US" b="0" i="0" dirty="0">
+              <a:solidFill>
+                <a:srgbClr val="2C2C36"/>
+              </a:solidFill>
+              <a:effectLst/>
+              <a:latin typeface="system-ui"/>
+            </a:endParaRPr>
+          </a:p>
+          <a:p>
+            <a:pPr algn="l">
+              <a:spcBef>
+                <a:spcPts val="900"/>
+              </a:spcBef>
+              <a:spcAft>
+                <a:spcPts val="900"/>
+              </a:spcAft>
+              <a:buFont typeface="+mj-lt"/>
+              <a:buAutoNum type="arabicPeriod"/>
+            </a:pPr>
+            <a:r>
+              <a:rPr lang="en-US" b="0" i="0" dirty="0">
+                <a:solidFill>
+                  <a:srgbClr val="111827"/>
+                </a:solidFill>
+                <a:effectLst/>
+                <a:latin typeface="system-ui"/>
+              </a:rPr>
+              <a:t>Linearize the Measurement Model </a:t>
+            </a:r>
+            <a:r>
+              <a:rPr lang="en-US" b="0" i="0" dirty="0">
+                <a:solidFill>
+                  <a:srgbClr val="2C2C36"/>
+                </a:solidFill>
+                <a:effectLst/>
+                <a:latin typeface="system-ui"/>
+              </a:rPr>
+              <a:t>: Compute the Jacobian matrix </a:t>
+            </a:r>
+            <a:r>
+              <a:rPr lang="en-US" b="1" i="0" dirty="0" err="1">
+                <a:solidFill>
+                  <a:srgbClr val="2C2C36"/>
+                </a:solidFill>
+                <a:effectLst/>
+                <a:latin typeface="KaTeX_Main"/>
+              </a:rPr>
+              <a:t>H</a:t>
+            </a:r>
+            <a:r>
+              <a:rPr lang="en-US" b="0" i="1" dirty="0" err="1">
+                <a:solidFill>
+                  <a:srgbClr val="2C2C36"/>
+                </a:solidFill>
+                <a:effectLst/>
+                <a:latin typeface="KaTeX_Math"/>
+              </a:rPr>
+              <a:t>k</a:t>
+            </a:r>
+            <a:r>
+              <a:rPr lang="en-US" b="0" i="0" dirty="0">
+                <a:solidFill>
+                  <a:srgbClr val="2C2C36"/>
+                </a:solidFill>
+                <a:effectLst/>
+                <a:latin typeface="KaTeX_Main"/>
+              </a:rPr>
+              <a:t>​</a:t>
+            </a:r>
+            <a:r>
+              <a:rPr lang="en-US" b="0" i="0" dirty="0">
+                <a:solidFill>
+                  <a:srgbClr val="2C2C36"/>
+                </a:solidFill>
+                <a:effectLst/>
+                <a:latin typeface="system-ui"/>
+              </a:rPr>
+              <a:t> of the measurement function </a:t>
+            </a:r>
+            <a:r>
+              <a:rPr lang="en-US" b="0" i="1" dirty="0">
+                <a:solidFill>
+                  <a:srgbClr val="2C2C36"/>
+                </a:solidFill>
+                <a:effectLst/>
+                <a:latin typeface="KaTeX_Math"/>
+              </a:rPr>
+              <a:t>h</a:t>
+            </a:r>
+            <a:r>
+              <a:rPr lang="en-US" b="0" i="0" dirty="0">
+                <a:solidFill>
+                  <a:srgbClr val="2C2C36"/>
+                </a:solidFill>
+                <a:effectLst/>
+                <a:latin typeface="KaTeX_Main"/>
+              </a:rPr>
+              <a:t>(⋅)</a:t>
+            </a:r>
+            <a:r>
+              <a:rPr lang="en-US" b="0" i="0" dirty="0">
+                <a:solidFill>
+                  <a:srgbClr val="2C2C36"/>
+                </a:solidFill>
+                <a:effectLst/>
+                <a:latin typeface="system-ui"/>
+              </a:rPr>
+              <a:t> with respect to the state:</a:t>
+            </a:r>
+          </a:p>
+          <a:p>
+            <a:pPr marL="0" indent="0" algn="l">
+              <a:spcBef>
+                <a:spcPts val="900"/>
+              </a:spcBef>
+              <a:spcAft>
+                <a:spcPts val="900"/>
+              </a:spcAft>
+              <a:buNone/>
+            </a:pPr>
+            <a:r>
+              <a:rPr lang="en-US" b="1" i="0" dirty="0" err="1">
+                <a:solidFill>
+                  <a:srgbClr val="2C2C36"/>
+                </a:solidFill>
+                <a:effectLst/>
+                <a:latin typeface="KaTeX_Main"/>
+              </a:rPr>
+              <a:t>H</a:t>
+            </a:r>
+            <a:r>
+              <a:rPr lang="en-US" b="0" i="1" dirty="0" err="1">
+                <a:solidFill>
+                  <a:srgbClr val="2C2C36"/>
+                </a:solidFill>
+                <a:effectLst/>
+                <a:latin typeface="KaTeX_Math"/>
+              </a:rPr>
+              <a:t>k</a:t>
+            </a:r>
+            <a:r>
+              <a:rPr lang="en-US" b="0" i="0" dirty="0">
+                <a:solidFill>
+                  <a:srgbClr val="2C2C36"/>
+                </a:solidFill>
+                <a:effectLst/>
+                <a:latin typeface="KaTeX_Main"/>
+              </a:rPr>
+              <a:t>​=∂</a:t>
+            </a:r>
+            <a:r>
+              <a:rPr lang="en-US" b="1" i="0" dirty="0" err="1">
+                <a:solidFill>
+                  <a:srgbClr val="2C2C36"/>
+                </a:solidFill>
+                <a:effectLst/>
+                <a:latin typeface="KaTeX_Main"/>
+              </a:rPr>
+              <a:t>x</a:t>
+            </a:r>
+            <a:r>
+              <a:rPr lang="en-US" b="0" i="0" dirty="0" err="1">
+                <a:solidFill>
+                  <a:srgbClr val="2C2C36"/>
+                </a:solidFill>
+                <a:effectLst/>
+                <a:latin typeface="KaTeX_Main"/>
+              </a:rPr>
+              <a:t>∂</a:t>
+            </a:r>
+            <a:r>
+              <a:rPr lang="en-US" b="0" i="1" dirty="0" err="1">
+                <a:solidFill>
+                  <a:srgbClr val="2C2C36"/>
+                </a:solidFill>
+                <a:effectLst/>
+                <a:latin typeface="KaTeX_Math"/>
+              </a:rPr>
+              <a:t>h</a:t>
+            </a:r>
+            <a:r>
+              <a:rPr lang="en-US" b="0" i="0" dirty="0">
+                <a:solidFill>
+                  <a:srgbClr val="2C2C36"/>
+                </a:solidFill>
+                <a:effectLst/>
+                <a:latin typeface="KaTeX_Main"/>
+              </a:rPr>
+              <a:t>​​</a:t>
+            </a:r>
+            <a:r>
+              <a:rPr lang="en-US" b="1" i="0" dirty="0">
+                <a:solidFill>
+                  <a:srgbClr val="2C2C36"/>
+                </a:solidFill>
+                <a:effectLst/>
+                <a:latin typeface="KaTeX_Main"/>
+              </a:rPr>
+              <a:t>x</a:t>
+            </a:r>
+            <a:r>
+              <a:rPr lang="en-US" b="0" i="0" dirty="0">
+                <a:solidFill>
+                  <a:srgbClr val="2C2C36"/>
+                </a:solidFill>
+                <a:effectLst/>
+                <a:latin typeface="KaTeX_Main"/>
+              </a:rPr>
+              <a:t>^</a:t>
+            </a:r>
+            <a:r>
+              <a:rPr lang="en-US" b="0" i="1" dirty="0">
+                <a:solidFill>
+                  <a:srgbClr val="2C2C36"/>
+                </a:solidFill>
+                <a:effectLst/>
+                <a:latin typeface="KaTeX_Math"/>
+              </a:rPr>
+              <a:t>k</a:t>
+            </a:r>
+            <a:r>
+              <a:rPr lang="en-US" b="0" i="0" dirty="0">
+                <a:solidFill>
+                  <a:srgbClr val="2C2C36"/>
+                </a:solidFill>
+                <a:effectLst/>
+                <a:latin typeface="KaTeX_Main"/>
+              </a:rPr>
+              <a:t>∣</a:t>
+            </a:r>
+            <a:r>
+              <a:rPr lang="en-US" b="0" i="1" dirty="0">
+                <a:solidFill>
+                  <a:srgbClr val="2C2C36"/>
+                </a:solidFill>
+                <a:effectLst/>
+                <a:latin typeface="KaTeX_Math"/>
+              </a:rPr>
+              <a:t>k</a:t>
+            </a:r>
+            <a:r>
+              <a:rPr lang="en-US" b="0" i="0" dirty="0">
+                <a:solidFill>
+                  <a:srgbClr val="2C2C36"/>
+                </a:solidFill>
+                <a:effectLst/>
+                <a:latin typeface="KaTeX_Main"/>
+              </a:rPr>
+              <a:t>−1​​</a:t>
+            </a:r>
+            <a:endParaRPr lang="en-US" b="0" i="0" dirty="0">
+              <a:solidFill>
+                <a:srgbClr val="2C2C36"/>
+              </a:solidFill>
+              <a:effectLst/>
+              <a:latin typeface="system-ui"/>
+            </a:endParaRPr>
+          </a:p>
+          <a:p>
+            <a:pPr algn="l">
+              <a:spcBef>
+                <a:spcPts val="900"/>
+              </a:spcBef>
+              <a:spcAft>
+                <a:spcPts val="900"/>
+              </a:spcAft>
+              <a:buFont typeface="+mj-lt"/>
+              <a:buAutoNum type="arabicPeriod"/>
+            </a:pPr>
+            <a:r>
+              <a:rPr lang="en-US" b="0" i="0" dirty="0">
+                <a:solidFill>
+                  <a:srgbClr val="111827"/>
+                </a:solidFill>
+                <a:effectLst/>
+                <a:latin typeface="system-ui"/>
+              </a:rPr>
+              <a:t>Compute the Kalman Gain </a:t>
+            </a:r>
+            <a:r>
+              <a:rPr lang="en-US" b="0" i="0" dirty="0">
+                <a:solidFill>
+                  <a:srgbClr val="2C2C36"/>
+                </a:solidFill>
+                <a:effectLst/>
+                <a:latin typeface="system-ui"/>
+              </a:rPr>
+              <a:t>: Calculate the Kalman gain </a:t>
+            </a:r>
+            <a:r>
+              <a:rPr lang="en-US" b="1" i="0" dirty="0">
+                <a:solidFill>
+                  <a:srgbClr val="2C2C36"/>
+                </a:solidFill>
+                <a:effectLst/>
+                <a:latin typeface="KaTeX_Main"/>
+              </a:rPr>
+              <a:t>K</a:t>
+            </a:r>
+            <a:r>
+              <a:rPr lang="en-US" b="0" i="1" dirty="0">
+                <a:solidFill>
+                  <a:srgbClr val="2C2C36"/>
+                </a:solidFill>
+                <a:effectLst/>
+                <a:latin typeface="KaTeX_Math"/>
+              </a:rPr>
+              <a:t>k</a:t>
+            </a:r>
+            <a:r>
+              <a:rPr lang="en-US" b="0" i="0" dirty="0">
+                <a:solidFill>
+                  <a:srgbClr val="2C2C36"/>
+                </a:solidFill>
+                <a:effectLst/>
+                <a:latin typeface="KaTeX_Main"/>
+              </a:rPr>
+              <a:t>​</a:t>
+            </a:r>
+            <a:r>
+              <a:rPr lang="en-US" b="0" i="0" dirty="0">
+                <a:solidFill>
+                  <a:srgbClr val="2C2C36"/>
+                </a:solidFill>
+                <a:effectLst/>
+                <a:latin typeface="system-ui"/>
+              </a:rPr>
+              <a:t> using the linearized measurement model:</a:t>
+            </a:r>
+          </a:p>
+          <a:p>
+            <a:pPr marL="0" indent="0" algn="l">
+              <a:spcBef>
+                <a:spcPts val="900"/>
+              </a:spcBef>
+              <a:spcAft>
+                <a:spcPts val="900"/>
+              </a:spcAft>
+              <a:buNone/>
+            </a:pPr>
+            <a:r>
+              <a:rPr lang="en-US" b="1" i="0" dirty="0">
+                <a:solidFill>
+                  <a:srgbClr val="2C2C36"/>
+                </a:solidFill>
+                <a:effectLst/>
+                <a:latin typeface="KaTeX_Main"/>
+              </a:rPr>
+              <a:t>K</a:t>
+            </a:r>
+            <a:r>
+              <a:rPr lang="en-US" b="0" i="1" dirty="0">
+                <a:solidFill>
+                  <a:srgbClr val="2C2C36"/>
+                </a:solidFill>
+                <a:effectLst/>
+                <a:latin typeface="KaTeX_Math"/>
+              </a:rPr>
+              <a:t>k</a:t>
+            </a:r>
+            <a:r>
+              <a:rPr lang="en-US" b="0" i="0" dirty="0">
+                <a:solidFill>
+                  <a:srgbClr val="2C2C36"/>
+                </a:solidFill>
+                <a:effectLst/>
+                <a:latin typeface="KaTeX_Main"/>
+              </a:rPr>
+              <a:t>​=</a:t>
+            </a:r>
+            <a:r>
+              <a:rPr lang="en-US" b="1" i="0" dirty="0">
+                <a:solidFill>
+                  <a:srgbClr val="2C2C36"/>
+                </a:solidFill>
+                <a:effectLst/>
+                <a:latin typeface="KaTeX_Main"/>
+              </a:rPr>
+              <a:t>P</a:t>
+            </a:r>
+            <a:r>
+              <a:rPr lang="en-US" b="0" i="1" dirty="0">
+                <a:solidFill>
+                  <a:srgbClr val="2C2C36"/>
+                </a:solidFill>
+                <a:effectLst/>
+                <a:latin typeface="KaTeX_Math"/>
+              </a:rPr>
+              <a:t>k</a:t>
+            </a:r>
+            <a:r>
+              <a:rPr lang="en-US" b="0" i="0" dirty="0">
+                <a:solidFill>
+                  <a:srgbClr val="2C2C36"/>
+                </a:solidFill>
+                <a:effectLst/>
+                <a:latin typeface="KaTeX_Main"/>
+              </a:rPr>
+              <a:t>∣</a:t>
+            </a:r>
+            <a:r>
+              <a:rPr lang="en-US" b="0" i="1" dirty="0">
+                <a:solidFill>
+                  <a:srgbClr val="2C2C36"/>
+                </a:solidFill>
+                <a:effectLst/>
+                <a:latin typeface="KaTeX_Math"/>
+              </a:rPr>
+              <a:t>k</a:t>
+            </a:r>
+            <a:r>
+              <a:rPr lang="en-US" b="0" i="0" dirty="0">
+                <a:solidFill>
+                  <a:srgbClr val="2C2C36"/>
+                </a:solidFill>
+                <a:effectLst/>
+                <a:latin typeface="KaTeX_Main"/>
+              </a:rPr>
+              <a:t>−1​</a:t>
+            </a:r>
+            <a:r>
+              <a:rPr lang="en-US" b="1" i="0" dirty="0" err="1">
+                <a:solidFill>
+                  <a:srgbClr val="2C2C36"/>
+                </a:solidFill>
+                <a:effectLst/>
+                <a:latin typeface="KaTeX_Main"/>
+              </a:rPr>
+              <a:t>H</a:t>
+            </a:r>
+            <a:r>
+              <a:rPr lang="en-US" b="0" i="1" dirty="0" err="1">
+                <a:solidFill>
+                  <a:srgbClr val="2C2C36"/>
+                </a:solidFill>
+                <a:effectLst/>
+                <a:latin typeface="KaTeX_Math"/>
+              </a:rPr>
+              <a:t>kT</a:t>
+            </a:r>
+            <a:r>
+              <a:rPr lang="en-US" b="0" i="0" dirty="0">
+                <a:solidFill>
+                  <a:srgbClr val="2C2C36"/>
+                </a:solidFill>
+                <a:effectLst/>
+                <a:latin typeface="KaTeX_Main"/>
+              </a:rPr>
+              <a:t>​(</a:t>
+            </a:r>
+            <a:r>
+              <a:rPr lang="en-US" b="1" i="0" dirty="0" err="1">
+                <a:solidFill>
+                  <a:srgbClr val="2C2C36"/>
+                </a:solidFill>
+                <a:effectLst/>
+                <a:latin typeface="KaTeX_Main"/>
+              </a:rPr>
+              <a:t>H</a:t>
+            </a:r>
+            <a:r>
+              <a:rPr lang="en-US" b="0" i="1" dirty="0" err="1">
+                <a:solidFill>
+                  <a:srgbClr val="2C2C36"/>
+                </a:solidFill>
+                <a:effectLst/>
+                <a:latin typeface="KaTeX_Math"/>
+              </a:rPr>
+              <a:t>k</a:t>
+            </a:r>
+            <a:r>
+              <a:rPr lang="en-US" b="0" i="0" dirty="0">
+                <a:solidFill>
+                  <a:srgbClr val="2C2C36"/>
+                </a:solidFill>
+                <a:effectLst/>
+                <a:latin typeface="KaTeX_Main"/>
+              </a:rPr>
+              <a:t>​</a:t>
+            </a:r>
+            <a:r>
+              <a:rPr lang="en-US" b="1" i="0" dirty="0">
+                <a:solidFill>
+                  <a:srgbClr val="2C2C36"/>
+                </a:solidFill>
+                <a:effectLst/>
+                <a:latin typeface="KaTeX_Main"/>
+              </a:rPr>
+              <a:t>P</a:t>
+            </a:r>
+            <a:r>
+              <a:rPr lang="en-US" b="0" i="1" dirty="0">
+                <a:solidFill>
+                  <a:srgbClr val="2C2C36"/>
+                </a:solidFill>
+                <a:effectLst/>
+                <a:latin typeface="KaTeX_Math"/>
+              </a:rPr>
+              <a:t>k</a:t>
+            </a:r>
+            <a:r>
+              <a:rPr lang="en-US" b="0" i="0" dirty="0">
+                <a:solidFill>
+                  <a:srgbClr val="2C2C36"/>
+                </a:solidFill>
+                <a:effectLst/>
+                <a:latin typeface="KaTeX_Main"/>
+              </a:rPr>
+              <a:t>∣</a:t>
+            </a:r>
+            <a:r>
+              <a:rPr lang="en-US" b="0" i="1" dirty="0">
+                <a:solidFill>
+                  <a:srgbClr val="2C2C36"/>
+                </a:solidFill>
+                <a:effectLst/>
+                <a:latin typeface="KaTeX_Math"/>
+              </a:rPr>
+              <a:t>k</a:t>
+            </a:r>
+            <a:r>
+              <a:rPr lang="en-US" b="0" i="0" dirty="0">
+                <a:solidFill>
+                  <a:srgbClr val="2C2C36"/>
+                </a:solidFill>
+                <a:effectLst/>
+                <a:latin typeface="KaTeX_Main"/>
+              </a:rPr>
+              <a:t>−1​</a:t>
+            </a:r>
+            <a:r>
+              <a:rPr lang="en-US" b="1" i="0" dirty="0" err="1">
+                <a:solidFill>
+                  <a:srgbClr val="2C2C36"/>
+                </a:solidFill>
+                <a:effectLst/>
+                <a:latin typeface="KaTeX_Main"/>
+              </a:rPr>
+              <a:t>H</a:t>
+            </a:r>
+            <a:r>
+              <a:rPr lang="en-US" b="0" i="1" dirty="0" err="1">
+                <a:solidFill>
+                  <a:srgbClr val="2C2C36"/>
+                </a:solidFill>
+                <a:effectLst/>
+                <a:latin typeface="KaTeX_Math"/>
+              </a:rPr>
+              <a:t>kT</a:t>
+            </a:r>
+            <a:r>
+              <a:rPr lang="en-US" b="0" i="0" dirty="0">
+                <a:solidFill>
+                  <a:srgbClr val="2C2C36"/>
+                </a:solidFill>
+                <a:effectLst/>
+                <a:latin typeface="KaTeX_Main"/>
+              </a:rPr>
+              <a:t>​+</a:t>
+            </a:r>
+            <a:r>
+              <a:rPr lang="en-US" b="1" i="0" dirty="0" err="1">
+                <a:solidFill>
+                  <a:srgbClr val="2C2C36"/>
+                </a:solidFill>
+                <a:effectLst/>
+                <a:latin typeface="KaTeX_Main"/>
+              </a:rPr>
+              <a:t>R</a:t>
+            </a:r>
+            <a:r>
+              <a:rPr lang="en-US" b="0" i="1" dirty="0" err="1">
+                <a:solidFill>
+                  <a:srgbClr val="2C2C36"/>
+                </a:solidFill>
+                <a:effectLst/>
+                <a:latin typeface="KaTeX_Math"/>
+              </a:rPr>
+              <a:t>k</a:t>
+            </a:r>
+            <a:r>
+              <a:rPr lang="en-US" b="0" i="0" dirty="0">
+                <a:solidFill>
+                  <a:srgbClr val="2C2C36"/>
+                </a:solidFill>
+                <a:effectLst/>
+                <a:latin typeface="KaTeX_Main"/>
+              </a:rPr>
+              <a:t>​)−1</a:t>
+            </a:r>
+            <a:endParaRPr lang="en-US" b="0" i="0" dirty="0">
+              <a:solidFill>
+                <a:srgbClr val="2C2C36"/>
+              </a:solidFill>
+              <a:effectLst/>
+              <a:latin typeface="system-ui"/>
+            </a:endParaRPr>
+          </a:p>
+          <a:p>
+            <a:pPr algn="l">
+              <a:spcBef>
+                <a:spcPts val="900"/>
+              </a:spcBef>
+              <a:spcAft>
+                <a:spcPts val="900"/>
+              </a:spcAft>
+              <a:buFont typeface="+mj-lt"/>
+              <a:buAutoNum type="arabicPeriod"/>
+            </a:pPr>
+            <a:r>
+              <a:rPr lang="en-US" b="0" i="0" dirty="0">
+                <a:solidFill>
+                  <a:srgbClr val="111827"/>
+                </a:solidFill>
+                <a:effectLst/>
+                <a:latin typeface="system-ui"/>
+              </a:rPr>
+              <a:t>Update the State Estimate </a:t>
+            </a:r>
+            <a:r>
+              <a:rPr lang="en-US" b="0" i="0" dirty="0">
+                <a:solidFill>
+                  <a:srgbClr val="2C2C36"/>
+                </a:solidFill>
+                <a:effectLst/>
+                <a:latin typeface="system-ui"/>
+              </a:rPr>
+              <a:t>: Correct the predicted state using the innovation (difference between actual and predicted measurements):</a:t>
+            </a:r>
+          </a:p>
+          <a:p>
+            <a:pPr marL="0" indent="0" algn="l">
+              <a:spcBef>
+                <a:spcPts val="900"/>
+              </a:spcBef>
+              <a:spcAft>
+                <a:spcPts val="900"/>
+              </a:spcAft>
+              <a:buNone/>
+            </a:pPr>
+            <a:r>
+              <a:rPr lang="en-US" b="1" i="0" dirty="0" err="1">
+                <a:solidFill>
+                  <a:srgbClr val="2C2C36"/>
+                </a:solidFill>
+                <a:effectLst/>
+                <a:latin typeface="KaTeX_Main"/>
+              </a:rPr>
+              <a:t>x</a:t>
+            </a:r>
+            <a:r>
+              <a:rPr lang="en-US" b="0" i="0" dirty="0" err="1">
+                <a:solidFill>
+                  <a:srgbClr val="2C2C36"/>
+                </a:solidFill>
+                <a:effectLst/>
+                <a:latin typeface="KaTeX_Main"/>
+              </a:rPr>
+              <a:t>^</a:t>
+            </a:r>
+            <a:r>
+              <a:rPr lang="en-US" b="0" i="1" dirty="0" err="1">
+                <a:solidFill>
+                  <a:srgbClr val="2C2C36"/>
+                </a:solidFill>
+                <a:effectLst/>
+                <a:latin typeface="KaTeX_Math"/>
+              </a:rPr>
+              <a:t>k</a:t>
+            </a:r>
+            <a:r>
+              <a:rPr lang="en-US" b="0" i="0" dirty="0" err="1">
+                <a:solidFill>
+                  <a:srgbClr val="2C2C36"/>
+                </a:solidFill>
+                <a:effectLst/>
+                <a:latin typeface="KaTeX_Main"/>
+              </a:rPr>
+              <a:t>∣</a:t>
+            </a:r>
+            <a:r>
+              <a:rPr lang="en-US" b="0" i="1" dirty="0" err="1">
+                <a:solidFill>
+                  <a:srgbClr val="2C2C36"/>
+                </a:solidFill>
+                <a:effectLst/>
+                <a:latin typeface="KaTeX_Math"/>
+              </a:rPr>
+              <a:t>k</a:t>
+            </a:r>
+            <a:r>
+              <a:rPr lang="en-US" b="0" i="0" dirty="0">
+                <a:solidFill>
+                  <a:srgbClr val="2C2C36"/>
+                </a:solidFill>
+                <a:effectLst/>
+                <a:latin typeface="KaTeX_Main"/>
+              </a:rPr>
+              <a:t>​=</a:t>
+            </a:r>
+            <a:r>
+              <a:rPr lang="en-US" b="1" i="0" dirty="0">
+                <a:solidFill>
+                  <a:srgbClr val="2C2C36"/>
+                </a:solidFill>
+                <a:effectLst/>
+                <a:latin typeface="KaTeX_Main"/>
+              </a:rPr>
+              <a:t>x</a:t>
+            </a:r>
+            <a:r>
+              <a:rPr lang="en-US" b="0" i="0" dirty="0">
+                <a:solidFill>
+                  <a:srgbClr val="2C2C36"/>
+                </a:solidFill>
+                <a:effectLst/>
+                <a:latin typeface="KaTeX_Main"/>
+              </a:rPr>
+              <a:t>^</a:t>
+            </a:r>
+            <a:r>
+              <a:rPr lang="en-US" b="0" i="1" dirty="0">
+                <a:solidFill>
+                  <a:srgbClr val="2C2C36"/>
+                </a:solidFill>
+                <a:effectLst/>
+                <a:latin typeface="KaTeX_Math"/>
+              </a:rPr>
+              <a:t>k</a:t>
+            </a:r>
+            <a:r>
+              <a:rPr lang="en-US" b="0" i="0" dirty="0">
+                <a:solidFill>
+                  <a:srgbClr val="2C2C36"/>
+                </a:solidFill>
+                <a:effectLst/>
+                <a:latin typeface="KaTeX_Main"/>
+              </a:rPr>
+              <a:t>∣</a:t>
+            </a:r>
+            <a:r>
+              <a:rPr lang="en-US" b="0" i="1" dirty="0">
+                <a:solidFill>
+                  <a:srgbClr val="2C2C36"/>
+                </a:solidFill>
+                <a:effectLst/>
+                <a:latin typeface="KaTeX_Math"/>
+              </a:rPr>
+              <a:t>k</a:t>
+            </a:r>
+            <a:r>
+              <a:rPr lang="en-US" b="0" i="0" dirty="0">
+                <a:solidFill>
+                  <a:srgbClr val="2C2C36"/>
+                </a:solidFill>
+                <a:effectLst/>
+                <a:latin typeface="KaTeX_Main"/>
+              </a:rPr>
+              <a:t>−1​+</a:t>
+            </a:r>
+            <a:r>
+              <a:rPr lang="en-US" b="1" i="0" dirty="0">
+                <a:solidFill>
+                  <a:srgbClr val="2C2C36"/>
+                </a:solidFill>
+                <a:effectLst/>
+                <a:latin typeface="KaTeX_Main"/>
+              </a:rPr>
+              <a:t>K</a:t>
+            </a:r>
+            <a:r>
+              <a:rPr lang="en-US" b="0" i="1" dirty="0">
+                <a:solidFill>
+                  <a:srgbClr val="2C2C36"/>
+                </a:solidFill>
+                <a:effectLst/>
+                <a:latin typeface="KaTeX_Math"/>
+              </a:rPr>
+              <a:t>k</a:t>
+            </a:r>
+            <a:r>
+              <a:rPr lang="en-US" b="0" i="0" dirty="0">
+                <a:solidFill>
+                  <a:srgbClr val="2C2C36"/>
+                </a:solidFill>
+                <a:effectLst/>
+                <a:latin typeface="KaTeX_Main"/>
+              </a:rPr>
+              <a:t>​(</a:t>
+            </a:r>
+            <a:r>
+              <a:rPr lang="en-US" b="1" i="0" dirty="0" err="1">
+                <a:solidFill>
+                  <a:srgbClr val="2C2C36"/>
+                </a:solidFill>
+                <a:effectLst/>
+                <a:latin typeface="KaTeX_Main"/>
+              </a:rPr>
+              <a:t>z</a:t>
+            </a:r>
+            <a:r>
+              <a:rPr lang="en-US" b="0" i="1" dirty="0" err="1">
+                <a:solidFill>
+                  <a:srgbClr val="2C2C36"/>
+                </a:solidFill>
+                <a:effectLst/>
+                <a:latin typeface="KaTeX_Math"/>
+              </a:rPr>
+              <a:t>k</a:t>
+            </a:r>
+            <a:r>
+              <a:rPr lang="en-US" b="0" i="0" dirty="0">
+                <a:solidFill>
+                  <a:srgbClr val="2C2C36"/>
+                </a:solidFill>
+                <a:effectLst/>
+                <a:latin typeface="KaTeX_Main"/>
+              </a:rPr>
+              <a:t>​−</a:t>
+            </a:r>
+            <a:r>
+              <a:rPr lang="en-US" b="1" i="0" dirty="0">
+                <a:solidFill>
+                  <a:srgbClr val="2C2C36"/>
+                </a:solidFill>
+                <a:effectLst/>
+                <a:latin typeface="KaTeX_Main"/>
+              </a:rPr>
+              <a:t>z</a:t>
+            </a:r>
+            <a:r>
+              <a:rPr lang="en-US" b="0" i="0" dirty="0">
+                <a:solidFill>
+                  <a:srgbClr val="2C2C36"/>
+                </a:solidFill>
+                <a:effectLst/>
+                <a:latin typeface="KaTeX_Main"/>
+              </a:rPr>
+              <a:t>^</a:t>
+            </a:r>
+            <a:r>
+              <a:rPr lang="en-US" b="0" i="1" dirty="0">
+                <a:solidFill>
+                  <a:srgbClr val="2C2C36"/>
+                </a:solidFill>
+                <a:effectLst/>
+                <a:latin typeface="KaTeX_Math"/>
+              </a:rPr>
+              <a:t>k</a:t>
+            </a:r>
+            <a:r>
+              <a:rPr lang="en-US" b="0" i="0" dirty="0">
+                <a:solidFill>
+                  <a:srgbClr val="2C2C36"/>
+                </a:solidFill>
+                <a:effectLst/>
+                <a:latin typeface="KaTeX_Main"/>
+              </a:rPr>
+              <a:t>∣</a:t>
+            </a:r>
+            <a:r>
+              <a:rPr lang="en-US" b="0" i="1" dirty="0">
+                <a:solidFill>
+                  <a:srgbClr val="2C2C36"/>
+                </a:solidFill>
+                <a:effectLst/>
+                <a:latin typeface="KaTeX_Math"/>
+              </a:rPr>
+              <a:t>k</a:t>
+            </a:r>
+            <a:r>
+              <a:rPr lang="en-US" b="0" i="0" dirty="0">
+                <a:solidFill>
+                  <a:srgbClr val="2C2C36"/>
+                </a:solidFill>
+                <a:effectLst/>
+                <a:latin typeface="KaTeX_Main"/>
+              </a:rPr>
+              <a:t>−1​)</a:t>
+            </a:r>
+            <a:endParaRPr lang="en-US" b="0" i="0" dirty="0">
+              <a:solidFill>
+                <a:srgbClr val="2C2C36"/>
+              </a:solidFill>
+              <a:effectLst/>
+              <a:latin typeface="system-ui"/>
+            </a:endParaRPr>
+          </a:p>
+          <a:p>
+            <a:pPr algn="l">
+              <a:spcBef>
+                <a:spcPts val="900"/>
+              </a:spcBef>
+              <a:spcAft>
+                <a:spcPts val="900"/>
+              </a:spcAft>
+              <a:buFont typeface="+mj-lt"/>
+              <a:buAutoNum type="arabicPeriod"/>
+            </a:pPr>
+            <a:r>
+              <a:rPr lang="en-US" b="0" i="0" dirty="0" err="1">
+                <a:solidFill>
+                  <a:srgbClr val="111827"/>
+                </a:solidFill>
+                <a:effectLst/>
+                <a:latin typeface="system-ui"/>
+              </a:rPr>
+              <a:t>pdate</a:t>
+            </a:r>
+            <a:r>
+              <a:rPr lang="en-US" b="0" i="0" dirty="0">
+                <a:solidFill>
+                  <a:srgbClr val="111827"/>
+                </a:solidFill>
+                <a:effectLst/>
+                <a:latin typeface="system-ui"/>
+              </a:rPr>
+              <a:t> the Error Covariance </a:t>
+            </a:r>
+            <a:r>
+              <a:rPr lang="en-US" b="0" i="0" dirty="0">
+                <a:solidFill>
+                  <a:srgbClr val="2C2C36"/>
+                </a:solidFill>
+                <a:effectLst/>
+                <a:latin typeface="system-ui"/>
+              </a:rPr>
+              <a:t>: Update the error covariance matrix:</a:t>
+            </a:r>
+          </a:p>
+          <a:p>
+            <a:pPr marL="0" indent="0" algn="l">
+              <a:spcBef>
+                <a:spcPts val="900"/>
+              </a:spcBef>
+              <a:spcAft>
+                <a:spcPts val="900"/>
+              </a:spcAft>
+              <a:buNone/>
+            </a:pPr>
+            <a:r>
+              <a:rPr lang="en-US" b="1" i="0" dirty="0" err="1">
+                <a:solidFill>
+                  <a:srgbClr val="2C2C36"/>
+                </a:solidFill>
+                <a:effectLst/>
+                <a:latin typeface="KaTeX_Main"/>
+              </a:rPr>
+              <a:t>P</a:t>
+            </a:r>
+            <a:r>
+              <a:rPr lang="en-US" b="0" i="1" dirty="0" err="1">
+                <a:solidFill>
+                  <a:srgbClr val="2C2C36"/>
+                </a:solidFill>
+                <a:effectLst/>
+                <a:latin typeface="KaTeX_Math"/>
+              </a:rPr>
+              <a:t>k</a:t>
+            </a:r>
+            <a:r>
+              <a:rPr lang="en-US" b="0" i="0" dirty="0" err="1">
+                <a:solidFill>
+                  <a:srgbClr val="2C2C36"/>
+                </a:solidFill>
+                <a:effectLst/>
+                <a:latin typeface="KaTeX_Main"/>
+              </a:rPr>
+              <a:t>∣</a:t>
+            </a:r>
+            <a:r>
+              <a:rPr lang="en-US" b="0" i="1" dirty="0" err="1">
+                <a:solidFill>
+                  <a:srgbClr val="2C2C36"/>
+                </a:solidFill>
+                <a:effectLst/>
+                <a:latin typeface="KaTeX_Math"/>
+              </a:rPr>
+              <a:t>k</a:t>
+            </a:r>
+            <a:r>
+              <a:rPr lang="en-US" b="0" i="0" dirty="0">
+                <a:solidFill>
+                  <a:srgbClr val="2C2C36"/>
+                </a:solidFill>
+                <a:effectLst/>
+                <a:latin typeface="KaTeX_Main"/>
+              </a:rPr>
+              <a:t>​=(</a:t>
+            </a:r>
+            <a:r>
+              <a:rPr lang="en-US" b="1" i="0" dirty="0">
+                <a:solidFill>
+                  <a:srgbClr val="2C2C36"/>
+                </a:solidFill>
+                <a:effectLst/>
+                <a:latin typeface="KaTeX_Main"/>
+              </a:rPr>
+              <a:t>I</a:t>
+            </a:r>
+            <a:r>
+              <a:rPr lang="en-US" b="0" i="0" dirty="0">
+                <a:solidFill>
+                  <a:srgbClr val="2C2C36"/>
+                </a:solidFill>
+                <a:effectLst/>
+                <a:latin typeface="KaTeX_Main"/>
+              </a:rPr>
+              <a:t>−</a:t>
+            </a:r>
+            <a:r>
+              <a:rPr lang="en-US" b="1" i="0" dirty="0">
+                <a:solidFill>
+                  <a:srgbClr val="2C2C36"/>
+                </a:solidFill>
+                <a:effectLst/>
+                <a:latin typeface="KaTeX_Main"/>
+              </a:rPr>
+              <a:t>K</a:t>
+            </a:r>
+            <a:r>
+              <a:rPr lang="en-US" b="0" i="1" dirty="0">
+                <a:solidFill>
+                  <a:srgbClr val="2C2C36"/>
+                </a:solidFill>
+                <a:effectLst/>
+                <a:latin typeface="KaTeX_Math"/>
+              </a:rPr>
+              <a:t>k</a:t>
+            </a:r>
+            <a:r>
+              <a:rPr lang="en-US" b="0" i="0" dirty="0">
+                <a:solidFill>
+                  <a:srgbClr val="2C2C36"/>
+                </a:solidFill>
+                <a:effectLst/>
+                <a:latin typeface="KaTeX_Main"/>
+              </a:rPr>
+              <a:t>​</a:t>
+            </a:r>
+            <a:r>
+              <a:rPr lang="en-US" b="1" i="0" dirty="0" err="1">
+                <a:solidFill>
+                  <a:srgbClr val="2C2C36"/>
+                </a:solidFill>
+                <a:effectLst/>
+                <a:latin typeface="KaTeX_Main"/>
+              </a:rPr>
+              <a:t>H</a:t>
+            </a:r>
+            <a:r>
+              <a:rPr lang="en-US" b="0" i="1" dirty="0" err="1">
+                <a:solidFill>
+                  <a:srgbClr val="2C2C36"/>
+                </a:solidFill>
+                <a:effectLst/>
+                <a:latin typeface="KaTeX_Math"/>
+              </a:rPr>
+              <a:t>k</a:t>
+            </a:r>
+            <a:r>
+              <a:rPr lang="en-US" b="0" i="0" dirty="0">
+                <a:solidFill>
+                  <a:srgbClr val="2C2C36"/>
+                </a:solidFill>
+                <a:effectLst/>
+                <a:latin typeface="KaTeX_Main"/>
+              </a:rPr>
+              <a:t>​)</a:t>
+            </a:r>
+            <a:r>
+              <a:rPr lang="en-US" b="1" i="0" dirty="0">
+                <a:solidFill>
+                  <a:srgbClr val="2C2C36"/>
+                </a:solidFill>
+                <a:effectLst/>
+                <a:latin typeface="KaTeX_Main"/>
+              </a:rPr>
+              <a:t>P</a:t>
+            </a:r>
+            <a:r>
+              <a:rPr lang="en-US" b="0" i="1" dirty="0">
+                <a:solidFill>
+                  <a:srgbClr val="2C2C36"/>
+                </a:solidFill>
+                <a:effectLst/>
+                <a:latin typeface="KaTeX_Math"/>
+              </a:rPr>
+              <a:t>k</a:t>
+            </a:r>
+            <a:r>
+              <a:rPr lang="en-US" b="0" i="0" dirty="0">
+                <a:solidFill>
+                  <a:srgbClr val="2C2C36"/>
+                </a:solidFill>
+                <a:effectLst/>
+                <a:latin typeface="KaTeX_Main"/>
+              </a:rPr>
+              <a:t>∣</a:t>
+            </a:r>
+            <a:r>
+              <a:rPr lang="en-US" b="0" i="1" dirty="0">
+                <a:solidFill>
+                  <a:srgbClr val="2C2C36"/>
+                </a:solidFill>
+                <a:effectLst/>
+                <a:latin typeface="KaTeX_Math"/>
+              </a:rPr>
+              <a:t>k</a:t>
+            </a:r>
+            <a:r>
+              <a:rPr lang="en-US" b="0" i="0" dirty="0">
+                <a:solidFill>
+                  <a:srgbClr val="2C2C36"/>
+                </a:solidFill>
+                <a:effectLst/>
+                <a:latin typeface="KaTeX_Main"/>
+              </a:rPr>
+              <a:t>−1​</a:t>
+            </a:r>
+            <a:br>
+              <a:rPr lang="en-US" dirty="0"/>
+            </a:br>
+            <a:endParaRPr lang="en-US" dirty="0"/>
+          </a:p>
+        </p:txBody>
+      </p:sp>
+    </p:spTree>
+    <p:extLst>
+      <p:ext uri="{BB962C8B-B14F-4D97-AF65-F5344CB8AC3E}">
+        <p14:creationId xmlns:p14="http://schemas.microsoft.com/office/powerpoint/2010/main" val="2031437327"/>
+      </p:ext>
+    </p:extLst>
+  </p:cSld>
+  <p:clrMapOvr>
+    <a:masterClrMapping/>
+  </p:clrMapOvr>
+</p:sld>
+</file>
+
+<file path=ppt/slides/slide19.xml><?xml version="1.0" encoding="utf-8"?>
+<p:sld xmlns:a="http://schemas.openxmlformats.org/drawingml/2006/main" xmlns:r="http://schemas.openxmlformats.org/officeDocument/2006/relationships" xmlns:p="http://schemas.openxmlformats.org/presentationml/2006/main">
+  <p:cSld>
+    <p:spTree>
+      <p:nvGrpSpPr>
+        <p:cNvPr id="1" name=""/>
+        <p:cNvGrpSpPr/>
+        <p:nvPr/>
+      </p:nvGrpSpPr>
+      <p:grpSpPr>
+        <a:xfrm>
+          <a:off x="0" y="0"/>
+          <a:ext cx="0" cy="0"/>
+          <a:chOff x="0" y="0"/>
+          <a:chExt cx="0" cy="0"/>
+        </a:xfrm>
+      </p:grpSpPr>
+      <p:sp>
+        <p:nvSpPr>
+          <p:cNvPr id="2" name="Title 1">
+            <a:extLst>
+              <a:ext uri="{FF2B5EF4-FFF2-40B4-BE49-F238E27FC236}">
+                <a16:creationId xmlns:a16="http://schemas.microsoft.com/office/drawing/2014/main" id="{BE81B1DA-E1D4-1898-D1A2-14198864DD19}"/>
+              </a:ext>
+            </a:extLst>
+          </p:cNvPr>
+          <p:cNvSpPr>
+            <a:spLocks noGrp="1"/>
+          </p:cNvSpPr>
+          <p:nvPr>
+            <p:ph type="title"/>
+          </p:nvPr>
+        </p:nvSpPr>
+        <p:spPr/>
+        <p:txBody>
+          <a:bodyPr/>
+          <a:lstStyle/>
+          <a:p>
+            <a:endParaRPr lang="en-US"/>
+          </a:p>
+        </p:txBody>
+      </p:sp>
+      <p:sp>
+        <p:nvSpPr>
+          <p:cNvPr id="3" name="Content Placeholder 2">
+            <a:extLst>
+              <a:ext uri="{FF2B5EF4-FFF2-40B4-BE49-F238E27FC236}">
+                <a16:creationId xmlns:a16="http://schemas.microsoft.com/office/drawing/2014/main" id="{BCAC1B0B-5962-61A1-05F8-C4C23906A83F}"/>
+              </a:ext>
+            </a:extLst>
+          </p:cNvPr>
+          <p:cNvSpPr>
+            <a:spLocks noGrp="1"/>
+          </p:cNvSpPr>
+          <p:nvPr>
+            <p:ph idx="1"/>
+          </p:nvPr>
+        </p:nvSpPr>
+        <p:spPr/>
+        <p:txBody>
+          <a:bodyPr>
+            <a:normAutofit fontScale="85000" lnSpcReduction="20000"/>
+          </a:bodyPr>
+          <a:lstStyle/>
+          <a:p>
+            <a:pPr algn="l">
+              <a:spcBef>
+                <a:spcPts val="900"/>
+              </a:spcBef>
+              <a:spcAft>
+                <a:spcPts val="900"/>
+              </a:spcAft>
+              <a:buFont typeface="+mj-lt"/>
+              <a:buAutoNum type="arabicPeriod"/>
+            </a:pPr>
+            <a:r>
+              <a:rPr lang="en-US" b="0" i="0" dirty="0">
+                <a:solidFill>
+                  <a:srgbClr val="111827"/>
+                </a:solidFill>
+                <a:effectLst/>
+                <a:latin typeface="system-ui"/>
+              </a:rPr>
+              <a:t>State Transition Model </a:t>
+            </a:r>
+            <a:r>
+              <a:rPr lang="en-US" b="0" i="0" dirty="0">
+                <a:solidFill>
+                  <a:srgbClr val="2C2C36"/>
+                </a:solidFill>
+                <a:effectLst/>
+                <a:latin typeface="system-ui"/>
+              </a:rPr>
+              <a:t>: The state (SoC) evolves based on Coulomb counting:</a:t>
+            </a:r>
+          </a:p>
+          <a:p>
+            <a:pPr marL="0" indent="0" algn="l">
+              <a:spcBef>
+                <a:spcPts val="900"/>
+              </a:spcBef>
+              <a:spcAft>
+                <a:spcPts val="900"/>
+              </a:spcAft>
+              <a:buNone/>
+            </a:pPr>
+            <a:r>
+              <a:rPr lang="en-US" b="0" i="0" dirty="0" err="1">
+                <a:solidFill>
+                  <a:srgbClr val="2C2C36"/>
+                </a:solidFill>
+                <a:effectLst/>
+                <a:latin typeface="KaTeX_Main"/>
+              </a:rPr>
+              <a:t>SoC</a:t>
+            </a:r>
+            <a:r>
+              <a:rPr lang="en-US" b="0" i="1" dirty="0" err="1">
+                <a:solidFill>
+                  <a:srgbClr val="2C2C36"/>
+                </a:solidFill>
+                <a:effectLst/>
+                <a:latin typeface="KaTeX_Math"/>
+              </a:rPr>
+              <a:t>k</a:t>
+            </a:r>
+            <a:r>
+              <a:rPr lang="en-US" b="0" i="0" dirty="0">
+                <a:solidFill>
+                  <a:srgbClr val="2C2C36"/>
+                </a:solidFill>
+                <a:effectLst/>
+                <a:latin typeface="KaTeX_Main"/>
+              </a:rPr>
+              <a:t>​=SoC</a:t>
+            </a:r>
+            <a:r>
+              <a:rPr lang="en-US" b="0" i="1" dirty="0">
+                <a:solidFill>
+                  <a:srgbClr val="2C2C36"/>
+                </a:solidFill>
+                <a:effectLst/>
+                <a:latin typeface="KaTeX_Math"/>
+              </a:rPr>
+              <a:t>k</a:t>
+            </a:r>
+            <a:r>
+              <a:rPr lang="en-US" b="0" i="0" dirty="0">
+                <a:solidFill>
+                  <a:srgbClr val="2C2C36"/>
+                </a:solidFill>
+                <a:effectLst/>
+                <a:latin typeface="KaTeX_Main"/>
+              </a:rPr>
+              <a:t>−1​−</a:t>
+            </a:r>
+            <a:r>
+              <a:rPr lang="en-US" b="0" i="1" dirty="0">
+                <a:solidFill>
+                  <a:srgbClr val="2C2C36"/>
+                </a:solidFill>
+                <a:effectLst/>
+                <a:latin typeface="KaTeX_Math"/>
+              </a:rPr>
+              <a:t>CIk</a:t>
+            </a:r>
+            <a:r>
+              <a:rPr lang="en-US" b="0" i="0" dirty="0">
+                <a:solidFill>
+                  <a:srgbClr val="2C2C36"/>
+                </a:solidFill>
+                <a:effectLst/>
+                <a:latin typeface="KaTeX_Main"/>
+              </a:rPr>
+              <a:t>​</a:t>
+            </a:r>
+            <a:r>
+              <a:rPr lang="en-US" b="0" i="0" dirty="0" err="1">
+                <a:solidFill>
+                  <a:srgbClr val="2C2C36"/>
+                </a:solidFill>
+                <a:effectLst/>
+                <a:latin typeface="KaTeX_Main"/>
+              </a:rPr>
+              <a:t>Δ</a:t>
+            </a:r>
+            <a:r>
+              <a:rPr lang="en-US" b="0" i="1" dirty="0" err="1">
+                <a:solidFill>
+                  <a:srgbClr val="2C2C36"/>
+                </a:solidFill>
+                <a:effectLst/>
+                <a:latin typeface="KaTeX_Math"/>
+              </a:rPr>
+              <a:t>t</a:t>
+            </a:r>
+            <a:r>
+              <a:rPr lang="en-US" b="0" i="0" dirty="0">
+                <a:solidFill>
+                  <a:srgbClr val="2C2C36"/>
+                </a:solidFill>
+                <a:effectLst/>
+                <a:latin typeface="KaTeX_Main"/>
+              </a:rPr>
+              <a:t>​</a:t>
+            </a:r>
+          </a:p>
+          <a:p>
+            <a:pPr algn="l">
+              <a:spcBef>
+                <a:spcPts val="900"/>
+              </a:spcBef>
+              <a:spcAft>
+                <a:spcPts val="900"/>
+              </a:spcAft>
+              <a:buFont typeface="+mj-lt"/>
+              <a:buAutoNum type="arabicPeriod"/>
+            </a:pPr>
+            <a:r>
+              <a:rPr lang="en-US" b="0" i="0" dirty="0">
+                <a:solidFill>
+                  <a:srgbClr val="2C2C36"/>
+                </a:solidFill>
+                <a:effectLst/>
+                <a:latin typeface="system-ui"/>
+              </a:rPr>
+              <a:t>This is linear, so no linearization is needed here.</a:t>
+            </a:r>
+          </a:p>
+          <a:p>
+            <a:pPr>
+              <a:spcBef>
+                <a:spcPts val="900"/>
+              </a:spcBef>
+              <a:spcAft>
+                <a:spcPts val="900"/>
+              </a:spcAft>
+              <a:buNone/>
+            </a:pPr>
+            <a:r>
+              <a:rPr lang="en-US" b="0" dirty="0">
+                <a:solidFill>
+                  <a:srgbClr val="111827"/>
+                </a:solidFill>
+                <a:effectLst/>
+              </a:rPr>
+              <a:t>Measurement Model </a:t>
+            </a:r>
+            <a:r>
+              <a:rPr lang="en-US" dirty="0">
+                <a:effectLst/>
+              </a:rPr>
+              <a:t>: The voltage measurement is related to SoC through the nonlinear OCV function:</a:t>
+            </a:r>
+          </a:p>
+          <a:p>
+            <a:pPr>
+              <a:buNone/>
+            </a:pPr>
+            <a:r>
+              <a:rPr lang="en-US" i="1" dirty="0" err="1">
+                <a:effectLst/>
+                <a:latin typeface="KaTeX_Math"/>
+              </a:rPr>
+              <a:t>Vk</a:t>
+            </a:r>
+            <a:r>
+              <a:rPr lang="en-US" dirty="0">
+                <a:effectLst/>
+                <a:latin typeface="KaTeX_Main"/>
+              </a:rPr>
+              <a:t>​=OCV(</a:t>
+            </a:r>
+            <a:r>
+              <a:rPr lang="en-US" dirty="0" err="1">
+                <a:effectLst/>
+                <a:latin typeface="KaTeX_Main"/>
+              </a:rPr>
+              <a:t>SoC</a:t>
+            </a:r>
+            <a:r>
+              <a:rPr lang="en-US" i="1" dirty="0" err="1">
+                <a:effectLst/>
+                <a:latin typeface="KaTeX_Math"/>
+              </a:rPr>
+              <a:t>k</a:t>
+            </a:r>
+            <a:r>
+              <a:rPr lang="en-US" dirty="0">
+                <a:effectLst/>
+                <a:latin typeface="KaTeX_Main"/>
+              </a:rPr>
+              <a:t>​)−</a:t>
+            </a:r>
+            <a:r>
+              <a:rPr lang="en-US" i="1" dirty="0">
+                <a:effectLst/>
+                <a:latin typeface="KaTeX_Math"/>
+              </a:rPr>
+              <a:t>Ik</a:t>
+            </a:r>
+            <a:r>
+              <a:rPr lang="en-US" dirty="0">
+                <a:effectLst/>
+                <a:latin typeface="KaTeX_Main"/>
+              </a:rPr>
+              <a:t>​</a:t>
+            </a:r>
+            <a:r>
+              <a:rPr lang="en-US" i="1" dirty="0" err="1">
+                <a:effectLst/>
+                <a:latin typeface="KaTeX_Math"/>
+              </a:rPr>
+              <a:t>R</a:t>
+            </a:r>
+            <a:r>
+              <a:rPr lang="en-US" dirty="0" err="1">
+                <a:effectLst/>
+                <a:latin typeface="KaTeX_Main"/>
+              </a:rPr>
+              <a:t>int</a:t>
+            </a:r>
+            <a:r>
+              <a:rPr lang="en-US" dirty="0">
+                <a:effectLst/>
+                <a:latin typeface="KaTeX_Main"/>
+              </a:rPr>
+              <a:t>​+</a:t>
+            </a:r>
+            <a:r>
+              <a:rPr lang="en-US" i="1" dirty="0" err="1">
+                <a:effectLst/>
+                <a:latin typeface="KaTeX_Math"/>
+              </a:rPr>
+              <a:t>v</a:t>
+            </a:r>
+            <a:r>
+              <a:rPr lang="en-US" b="0" i="1" dirty="0" err="1">
+                <a:solidFill>
+                  <a:srgbClr val="2C2C36"/>
+                </a:solidFill>
+                <a:effectLst/>
+                <a:latin typeface="KaTeX_Math"/>
+              </a:rPr>
+              <a:t>k</a:t>
+            </a:r>
+            <a:r>
+              <a:rPr lang="en-US" b="0" i="0" dirty="0">
+                <a:solidFill>
+                  <a:srgbClr val="2C2C36"/>
+                </a:solidFill>
+                <a:effectLst/>
+                <a:latin typeface="KaTeX_Main"/>
+              </a:rPr>
+              <a:t>​</a:t>
+            </a:r>
+          </a:p>
+          <a:p>
+            <a:pPr algn="l">
+              <a:spcBef>
+                <a:spcPts val="900"/>
+              </a:spcBef>
+              <a:spcAft>
+                <a:spcPts val="900"/>
+              </a:spcAft>
+              <a:buNone/>
+            </a:pPr>
+            <a:r>
+              <a:rPr lang="en-US" b="0" i="0" dirty="0">
+                <a:solidFill>
+                  <a:srgbClr val="2C2C36"/>
+                </a:solidFill>
+                <a:effectLst/>
+                <a:latin typeface="system-ui"/>
+              </a:rPr>
+              <a:t>Here:</a:t>
+            </a:r>
+          </a:p>
+          <a:p>
+            <a:pPr algn="l">
+              <a:spcBef>
+                <a:spcPts val="900"/>
+              </a:spcBef>
+              <a:spcAft>
+                <a:spcPts val="900"/>
+              </a:spcAft>
+              <a:buFont typeface="Arial" panose="020B0604020202020204" pitchFamily="34" charset="0"/>
+              <a:buChar char="•"/>
+            </a:pPr>
+            <a:r>
+              <a:rPr lang="en-US" b="0" i="0" dirty="0">
+                <a:solidFill>
+                  <a:srgbClr val="2C2C36"/>
+                </a:solidFill>
+                <a:effectLst/>
+                <a:latin typeface="KaTeX_Main"/>
+              </a:rPr>
+              <a:t>OCV(</a:t>
+            </a:r>
+            <a:r>
+              <a:rPr lang="en-US" b="0" i="0" dirty="0" err="1">
+                <a:solidFill>
+                  <a:srgbClr val="2C2C36"/>
+                </a:solidFill>
+                <a:effectLst/>
+                <a:latin typeface="KaTeX_Main"/>
+              </a:rPr>
+              <a:t>SoC</a:t>
+            </a:r>
+            <a:r>
+              <a:rPr lang="en-US" b="0" i="1" dirty="0" err="1">
+                <a:solidFill>
+                  <a:srgbClr val="2C2C36"/>
+                </a:solidFill>
+                <a:effectLst/>
+                <a:latin typeface="KaTeX_Math"/>
+              </a:rPr>
+              <a:t>k</a:t>
+            </a:r>
+            <a:r>
+              <a:rPr lang="en-US" b="0" i="0" dirty="0">
+                <a:solidFill>
+                  <a:srgbClr val="2C2C36"/>
+                </a:solidFill>
+                <a:effectLst/>
+                <a:latin typeface="KaTeX_Main"/>
+              </a:rPr>
+              <a:t>​)</a:t>
+            </a:r>
+            <a:r>
+              <a:rPr lang="en-US" b="0" i="0" dirty="0">
+                <a:solidFill>
+                  <a:srgbClr val="2C2C36"/>
+                </a:solidFill>
+                <a:effectLst/>
+                <a:latin typeface="system-ui"/>
+              </a:rPr>
+              <a:t> is nonlinear (e.g., quadratic or lookup table).</a:t>
+            </a:r>
+          </a:p>
+          <a:p>
+            <a:pPr algn="l">
+              <a:spcBef>
+                <a:spcPts val="900"/>
+              </a:spcBef>
+              <a:spcAft>
+                <a:spcPts val="900"/>
+              </a:spcAft>
+              <a:buFont typeface="Arial" panose="020B0604020202020204" pitchFamily="34" charset="0"/>
+              <a:buChar char="•"/>
+            </a:pPr>
+            <a:r>
+              <a:rPr lang="en-US" b="0" i="0" dirty="0">
+                <a:solidFill>
+                  <a:srgbClr val="2C2C36"/>
+                </a:solidFill>
+                <a:effectLst/>
+                <a:latin typeface="system-ui"/>
+              </a:rPr>
+              <a:t>The derivative </a:t>
+            </a:r>
+            <a:r>
+              <a:rPr lang="en-US" b="0" i="0" dirty="0">
+                <a:solidFill>
+                  <a:srgbClr val="2C2C36"/>
+                </a:solidFill>
+                <a:effectLst/>
+                <a:latin typeface="KaTeX_Main"/>
+              </a:rPr>
+              <a:t>∂</a:t>
+            </a:r>
+            <a:r>
+              <a:rPr lang="en-US" b="0" i="0" dirty="0" err="1">
+                <a:solidFill>
+                  <a:srgbClr val="2C2C36"/>
+                </a:solidFill>
+                <a:effectLst/>
+                <a:latin typeface="KaTeX_Main"/>
+              </a:rPr>
+              <a:t>SoC∂OCV</a:t>
+            </a:r>
+            <a:r>
+              <a:rPr lang="en-US" b="0" i="0" dirty="0">
+                <a:solidFill>
+                  <a:srgbClr val="2C2C36"/>
+                </a:solidFill>
+                <a:effectLst/>
+                <a:latin typeface="KaTeX_Main"/>
+              </a:rPr>
+              <a:t>​</a:t>
+            </a:r>
+            <a:r>
+              <a:rPr lang="en-US" b="0" i="0" dirty="0">
+                <a:solidFill>
+                  <a:srgbClr val="2C2C36"/>
+                </a:solidFill>
+                <a:effectLst/>
+                <a:latin typeface="system-ui"/>
+              </a:rPr>
+              <a:t> is used to compute the Jacobian </a:t>
+            </a:r>
+            <a:r>
+              <a:rPr lang="en-US" b="1" i="0" dirty="0" err="1">
+                <a:solidFill>
+                  <a:srgbClr val="2C2C36"/>
+                </a:solidFill>
+                <a:effectLst/>
+                <a:latin typeface="KaTeX_Main"/>
+              </a:rPr>
+              <a:t>H</a:t>
+            </a:r>
+            <a:r>
+              <a:rPr lang="en-US" b="0" i="1" dirty="0" err="1">
+                <a:solidFill>
+                  <a:srgbClr val="2C2C36"/>
+                </a:solidFill>
+                <a:effectLst/>
+                <a:latin typeface="KaTeX_Math"/>
+              </a:rPr>
+              <a:t>k</a:t>
+            </a:r>
+            <a:r>
+              <a:rPr lang="en-US" b="0" i="0" dirty="0">
+                <a:solidFill>
+                  <a:srgbClr val="2C2C36"/>
+                </a:solidFill>
+                <a:effectLst/>
+                <a:latin typeface="KaTeX_Main"/>
+              </a:rPr>
+              <a:t>​</a:t>
+            </a:r>
+            <a:r>
+              <a:rPr lang="en-US" b="0" i="0" dirty="0">
+                <a:solidFill>
+                  <a:srgbClr val="2C2C36"/>
+                </a:solidFill>
+                <a:effectLst/>
+                <a:latin typeface="system-ui"/>
+              </a:rPr>
+              <a:t>.</a:t>
+            </a:r>
+            <a:br>
+              <a:rPr lang="en-US" b="0" i="0" dirty="0">
+                <a:solidFill>
+                  <a:srgbClr val="2C2C36"/>
+                </a:solidFill>
+                <a:effectLst/>
+                <a:latin typeface="KaTeX_Main"/>
+              </a:rPr>
+            </a:br>
+            <a:endParaRPr lang="en-US" dirty="0"/>
+          </a:p>
+        </p:txBody>
+      </p:sp>
+    </p:spTree>
+    <p:extLst>
+      <p:ext uri="{BB962C8B-B14F-4D97-AF65-F5344CB8AC3E}">
+        <p14:creationId xmlns:p14="http://schemas.microsoft.com/office/powerpoint/2010/main" val="2916962213"/>
       </p:ext>
     </p:extLst>
   </p:cSld>
@@ -5985,6 +8592,237 @@
     <p:extLst>
       <p:ext uri="{BB962C8B-B14F-4D97-AF65-F5344CB8AC3E}">
         <p14:creationId xmlns:p14="http://schemas.microsoft.com/office/powerpoint/2010/main" val="4115994836"/>
+      </p:ext>
+    </p:extLst>
+  </p:cSld>
+  <p:clrMapOvr>
+    <a:masterClrMapping/>
+  </p:clrMapOvr>
+</p:sld>
+</file>
+
+<file path=ppt/slides/slide20.xml><?xml version="1.0" encoding="utf-8"?>
+<p:sld xmlns:a="http://schemas.openxmlformats.org/drawingml/2006/main" xmlns:r="http://schemas.openxmlformats.org/officeDocument/2006/relationships" xmlns:p="http://schemas.openxmlformats.org/presentationml/2006/main">
+  <p:cSld>
+    <p:spTree>
+      <p:nvGrpSpPr>
+        <p:cNvPr id="1" name=""/>
+        <p:cNvGrpSpPr/>
+        <p:nvPr/>
+      </p:nvGrpSpPr>
+      <p:grpSpPr>
+        <a:xfrm>
+          <a:off x="0" y="0"/>
+          <a:ext cx="0" cy="0"/>
+          <a:chOff x="0" y="0"/>
+          <a:chExt cx="0" cy="0"/>
+        </a:xfrm>
+      </p:grpSpPr>
+      <p:sp>
+        <p:nvSpPr>
+          <p:cNvPr id="2" name="Title 1">
+            <a:extLst>
+              <a:ext uri="{FF2B5EF4-FFF2-40B4-BE49-F238E27FC236}">
+                <a16:creationId xmlns:a16="http://schemas.microsoft.com/office/drawing/2014/main" id="{08F3A995-9124-0C78-500A-4BC6D44BE93B}"/>
+              </a:ext>
+            </a:extLst>
+          </p:cNvPr>
+          <p:cNvSpPr>
+            <a:spLocks noGrp="1"/>
+          </p:cNvSpPr>
+          <p:nvPr>
+            <p:ph type="title"/>
+          </p:nvPr>
+        </p:nvSpPr>
+        <p:spPr/>
+        <p:txBody>
+          <a:bodyPr/>
+          <a:lstStyle/>
+          <a:p>
+            <a:endParaRPr lang="en-US"/>
+          </a:p>
+        </p:txBody>
+      </p:sp>
+      <p:sp>
+        <p:nvSpPr>
+          <p:cNvPr id="3" name="Content Placeholder 2">
+            <a:extLst>
+              <a:ext uri="{FF2B5EF4-FFF2-40B4-BE49-F238E27FC236}">
+                <a16:creationId xmlns:a16="http://schemas.microsoft.com/office/drawing/2014/main" id="{098BF7AF-D06F-F994-F3DF-C3B2587A64AF}"/>
+              </a:ext>
+            </a:extLst>
+          </p:cNvPr>
+          <p:cNvSpPr>
+            <a:spLocks noGrp="1"/>
+          </p:cNvSpPr>
+          <p:nvPr>
+            <p:ph idx="1"/>
+          </p:nvPr>
+        </p:nvSpPr>
+        <p:spPr/>
+        <p:txBody>
+          <a:bodyPr/>
+          <a:lstStyle/>
+          <a:p>
+            <a:pPr algn="l">
+              <a:spcBef>
+                <a:spcPts val="900"/>
+              </a:spcBef>
+              <a:spcAft>
+                <a:spcPts val="900"/>
+              </a:spcAft>
+              <a:buFont typeface="+mj-lt"/>
+              <a:buAutoNum type="arabicPeriod"/>
+            </a:pPr>
+            <a:r>
+              <a:rPr lang="en-US" b="0" i="0" dirty="0">
+                <a:solidFill>
+                  <a:srgbClr val="111827"/>
+                </a:solidFill>
+                <a:effectLst/>
+                <a:latin typeface="system-ui"/>
+              </a:rPr>
+              <a:t>Linearization </a:t>
+            </a:r>
+            <a:r>
+              <a:rPr lang="en-US" b="0" i="0" dirty="0">
+                <a:solidFill>
+                  <a:srgbClr val="2C2C36"/>
+                </a:solidFill>
+                <a:effectLst/>
+                <a:latin typeface="system-ui"/>
+              </a:rPr>
+              <a:t>: The derivative of the OCV function is computed at each step:</a:t>
+            </a:r>
+          </a:p>
+          <a:p>
+            <a:pPr algn="l">
+              <a:spcBef>
+                <a:spcPts val="900"/>
+              </a:spcBef>
+              <a:spcAft>
+                <a:spcPts val="900"/>
+              </a:spcAft>
+              <a:buFont typeface="+mj-lt"/>
+              <a:buAutoNum type="arabicPeriod"/>
+            </a:pPr>
+            <a:r>
+              <a:rPr lang="en-US" b="1" i="0" dirty="0" err="1">
+                <a:solidFill>
+                  <a:srgbClr val="2C2C36"/>
+                </a:solidFill>
+                <a:effectLst/>
+                <a:latin typeface="KaTeX_Main"/>
+              </a:rPr>
+              <a:t>H</a:t>
+            </a:r>
+            <a:r>
+              <a:rPr lang="en-US" b="0" i="1" dirty="0" err="1">
+                <a:solidFill>
+                  <a:srgbClr val="2C2C36"/>
+                </a:solidFill>
+                <a:effectLst/>
+                <a:latin typeface="KaTeX_Math"/>
+              </a:rPr>
+              <a:t>k</a:t>
+            </a:r>
+            <a:r>
+              <a:rPr lang="en-US" b="0" i="0" dirty="0">
+                <a:solidFill>
+                  <a:srgbClr val="2C2C36"/>
+                </a:solidFill>
+                <a:effectLst/>
+                <a:latin typeface="KaTeX_Main"/>
+              </a:rPr>
+              <a:t>​=∂</a:t>
+            </a:r>
+            <a:r>
+              <a:rPr lang="en-US" b="0" i="0" dirty="0" err="1">
+                <a:solidFill>
+                  <a:srgbClr val="2C2C36"/>
+                </a:solidFill>
+                <a:effectLst/>
+                <a:latin typeface="KaTeX_Main"/>
+              </a:rPr>
+              <a:t>SoC∂</a:t>
+            </a:r>
+            <a:r>
+              <a:rPr lang="en-US" b="0" i="1" dirty="0" err="1">
+                <a:solidFill>
+                  <a:srgbClr val="2C2C36"/>
+                </a:solidFill>
+                <a:effectLst/>
+                <a:latin typeface="KaTeX_Math"/>
+              </a:rPr>
+              <a:t>h</a:t>
+            </a:r>
+            <a:r>
+              <a:rPr lang="en-US" b="0" i="0" dirty="0">
+                <a:solidFill>
+                  <a:srgbClr val="2C2C36"/>
+                </a:solidFill>
+                <a:effectLst/>
+                <a:latin typeface="KaTeX_Main"/>
+              </a:rPr>
+              <a:t>​=∂</a:t>
+            </a:r>
+            <a:r>
+              <a:rPr lang="en-US" b="0" i="0" dirty="0" err="1">
+                <a:solidFill>
+                  <a:srgbClr val="2C2C36"/>
+                </a:solidFill>
+                <a:effectLst/>
+                <a:latin typeface="KaTeX_Main"/>
+              </a:rPr>
+              <a:t>SoC∂OCV</a:t>
+            </a:r>
+            <a:r>
+              <a:rPr lang="en-US" b="0" i="0" dirty="0">
+                <a:solidFill>
+                  <a:srgbClr val="2C2C36"/>
+                </a:solidFill>
+                <a:effectLst/>
+                <a:latin typeface="KaTeX_Main"/>
+              </a:rPr>
+              <a:t>​</a:t>
+            </a:r>
+            <a:endParaRPr lang="en-US" b="0" i="0" dirty="0">
+              <a:solidFill>
+                <a:srgbClr val="2C2C36"/>
+              </a:solidFill>
+              <a:effectLst/>
+              <a:latin typeface="system-ui"/>
+            </a:endParaRPr>
+          </a:p>
+          <a:p>
+            <a:pPr algn="l">
+              <a:spcBef>
+                <a:spcPts val="900"/>
+              </a:spcBef>
+              <a:spcAft>
+                <a:spcPts val="900"/>
+              </a:spcAft>
+            </a:pPr>
+            <a:r>
+              <a:rPr lang="en-US" b="0" i="0" dirty="0">
+                <a:solidFill>
+                  <a:srgbClr val="2C2C36"/>
+                </a:solidFill>
+                <a:effectLst/>
+                <a:latin typeface="system-ui"/>
+              </a:rPr>
+              <a:t>This linearization allows the EKF to handle the nonlinear relationship between SoC and voltage</a:t>
+            </a:r>
+          </a:p>
+          <a:p>
+            <a:endParaRPr lang="en-US" dirty="0"/>
+          </a:p>
+        </p:txBody>
+      </p:sp>
+    </p:spTree>
+    <p:extLst>
+      <p:ext uri="{BB962C8B-B14F-4D97-AF65-F5344CB8AC3E}">
+        <p14:creationId xmlns:p14="http://schemas.microsoft.com/office/powerpoint/2010/main" val="535291292"/>
       </p:ext>
     </p:extLst>
   </p:cSld>

--- a/SoC Estimation.pptx
+++ b/SoC Estimation.pptx
@@ -23,8 +23,9 @@
     <p:sldId id="271" r:id="rId17"/>
     <p:sldId id="272" r:id="rId18"/>
     <p:sldId id="273" r:id="rId19"/>
-    <p:sldId id="274" r:id="rId20"/>
-    <p:sldId id="275" r:id="rId21"/>
+    <p:sldId id="276" r:id="rId20"/>
+    <p:sldId id="274" r:id="rId21"/>
+    <p:sldId id="275" r:id="rId22"/>
   </p:sldIdLst>
   <p:sldSz cx="12192000" cy="6858000"/>
   <p:notesSz cx="6858000" cy="9144000"/>
@@ -5839,606 +5840,945 @@
           </a:p>
         </p:txBody>
       </p:sp>
-      <p:sp>
-        <p:nvSpPr>
-          <p:cNvPr id="3" name="Content Placeholder 2">
-            <a:extLst>
-              <a:ext uri="{FF2B5EF4-FFF2-40B4-BE49-F238E27FC236}">
-                <a16:creationId xmlns:a16="http://schemas.microsoft.com/office/drawing/2014/main" id="{2BF1FAA3-50A3-68EE-C8AA-DFDA81DFA666}"/>
-              </a:ext>
-            </a:extLst>
-          </p:cNvPr>
-          <p:cNvSpPr>
-            <a:spLocks noGrp="1"/>
-          </p:cNvSpPr>
-          <p:nvPr>
-            <p:ph idx="1"/>
-          </p:nvPr>
-        </p:nvSpPr>
-        <p:spPr/>
-        <p:txBody>
-          <a:bodyPr>
-            <a:normAutofit fontScale="92500" lnSpcReduction="20000"/>
-          </a:bodyPr>
-          <a:lstStyle/>
-          <a:p>
-            <a:pPr>
-              <a:spcBef>
-                <a:spcPts val="900"/>
-              </a:spcBef>
-              <a:spcAft>
-                <a:spcPts val="900"/>
-              </a:spcAft>
-              <a:buFont typeface="+mj-lt"/>
-              <a:buAutoNum type="arabicPeriod"/>
-            </a:pPr>
-            <a:r>
-              <a:rPr lang="en-US" b="0" dirty="0">
-                <a:solidFill>
-                  <a:srgbClr val="111827"/>
-                </a:solidFill>
-                <a:effectLst/>
-              </a:rPr>
-              <a:t>Predict the State Estimate </a:t>
-            </a:r>
-            <a:r>
-              <a:rPr lang="en-US" dirty="0">
-                <a:effectLst/>
-              </a:rPr>
-              <a:t>: Use the nonlinear state transition function </a:t>
-            </a:r>
-            <a:r>
-              <a:rPr lang="en-US" i="1" dirty="0">
-                <a:effectLst/>
-                <a:latin typeface="KaTeX_Math"/>
-              </a:rPr>
-              <a:t>f</a:t>
-            </a:r>
-            <a:r>
-              <a:rPr lang="en-US" dirty="0">
-                <a:effectLst/>
-                <a:latin typeface="KaTeX_Main"/>
-              </a:rPr>
-              <a:t>(⋅)</a:t>
-            </a:r>
-            <a:r>
-              <a:rPr lang="en-US" dirty="0">
-                <a:effectLst/>
-              </a:rPr>
-              <a:t> to predict the next state:</a:t>
-            </a:r>
-          </a:p>
-          <a:p>
-            <a:pPr>
-              <a:spcBef>
-                <a:spcPts val="900"/>
-              </a:spcBef>
-              <a:spcAft>
-                <a:spcPts val="900"/>
-              </a:spcAft>
-              <a:buFont typeface="+mj-lt"/>
-              <a:buAutoNum type="arabicPeriod"/>
-            </a:pPr>
-            <a:r>
-              <a:rPr lang="en-US" b="1" dirty="0">
-                <a:effectLst/>
-                <a:latin typeface="KaTeX_Main"/>
-              </a:rPr>
-              <a:t>x</a:t>
-            </a:r>
-            <a:r>
-              <a:rPr lang="en-US" dirty="0">
-                <a:effectLst/>
-                <a:latin typeface="KaTeX_Main"/>
-              </a:rPr>
-              <a:t>^</a:t>
-            </a:r>
-            <a:r>
-              <a:rPr lang="en-US" i="1" dirty="0">
-                <a:effectLst/>
-                <a:latin typeface="KaTeX_Math"/>
-              </a:rPr>
-              <a:t>k</a:t>
-            </a:r>
-            <a:r>
-              <a:rPr lang="en-US" dirty="0">
-                <a:effectLst/>
-                <a:latin typeface="KaTeX_Main"/>
-              </a:rPr>
-              <a:t>∣</a:t>
-            </a:r>
-            <a:r>
-              <a:rPr lang="en-US" i="1" dirty="0">
-                <a:effectLst/>
-                <a:latin typeface="KaTeX_Math"/>
-              </a:rPr>
-              <a:t>k</a:t>
-            </a:r>
-            <a:r>
-              <a:rPr lang="en-US" dirty="0">
-                <a:effectLst/>
-                <a:latin typeface="KaTeX_Main"/>
-              </a:rPr>
-              <a:t>−1​=</a:t>
-            </a:r>
-            <a:r>
-              <a:rPr lang="en-US" i="1" dirty="0">
-                <a:effectLst/>
-                <a:latin typeface="KaTeX_Math"/>
-              </a:rPr>
-              <a:t>f</a:t>
-            </a:r>
-            <a:r>
-              <a:rPr lang="en-US" dirty="0">
-                <a:effectLst/>
-                <a:latin typeface="KaTeX_Main"/>
-              </a:rPr>
-              <a:t>(</a:t>
-            </a:r>
-            <a:r>
-              <a:rPr lang="en-US" b="1" dirty="0">
-                <a:effectLst/>
-                <a:latin typeface="KaTeX_Main"/>
-              </a:rPr>
-              <a:t>x</a:t>
-            </a:r>
-            <a:r>
-              <a:rPr lang="en-US" dirty="0">
-                <a:effectLst/>
-                <a:latin typeface="KaTeX_Main"/>
-              </a:rPr>
-              <a:t>^</a:t>
-            </a:r>
-            <a:r>
-              <a:rPr lang="en-US" i="1" dirty="0">
-                <a:effectLst/>
-                <a:latin typeface="KaTeX_Math"/>
-              </a:rPr>
-              <a:t>k</a:t>
-            </a:r>
-            <a:r>
-              <a:rPr lang="en-US" dirty="0">
-                <a:effectLst/>
-                <a:latin typeface="KaTeX_Main"/>
-              </a:rPr>
-              <a:t>−1∣</a:t>
-            </a:r>
-            <a:r>
-              <a:rPr lang="en-US" i="1" dirty="0">
-                <a:effectLst/>
-                <a:latin typeface="KaTeX_Math"/>
-              </a:rPr>
-              <a:t>k</a:t>
-            </a:r>
-            <a:r>
-              <a:rPr lang="en-US" dirty="0">
-                <a:effectLst/>
-                <a:latin typeface="KaTeX_Main"/>
-              </a:rPr>
-              <a:t>−1​,</a:t>
-            </a:r>
-            <a:r>
-              <a:rPr lang="en-US" b="1" dirty="0" err="1">
-                <a:effectLst/>
-                <a:latin typeface="KaTeX_Main"/>
-              </a:rPr>
-              <a:t>u</a:t>
-            </a:r>
-            <a:r>
-              <a:rPr lang="en-US" i="1" dirty="0" err="1">
-                <a:effectLst/>
-                <a:latin typeface="KaTeX_Math"/>
-              </a:rPr>
-              <a:t>k</a:t>
-            </a:r>
-            <a:r>
-              <a:rPr lang="en-US" dirty="0">
-                <a:effectLst/>
-                <a:latin typeface="KaTeX_Main"/>
-              </a:rPr>
-              <a:t>​)</a:t>
-            </a:r>
-            <a:endParaRPr lang="en-US" dirty="0">
-              <a:effectLst/>
-            </a:endParaRPr>
-          </a:p>
-          <a:p>
-            <a:pPr>
-              <a:spcBef>
-                <a:spcPts val="900"/>
-              </a:spcBef>
-              <a:spcAft>
-                <a:spcPts val="900"/>
-              </a:spcAft>
-              <a:buFont typeface="+mj-lt"/>
-              <a:buAutoNum type="arabicPeriod"/>
-            </a:pPr>
-            <a:r>
-              <a:rPr lang="en-US" b="0" dirty="0">
-                <a:solidFill>
-                  <a:srgbClr val="111827"/>
-                </a:solidFill>
-                <a:effectLst/>
-              </a:rPr>
-              <a:t>Linearize the State Transition Model </a:t>
-            </a:r>
-            <a:r>
-              <a:rPr lang="en-US" dirty="0">
-                <a:effectLst/>
-              </a:rPr>
-              <a:t>: Compute the Jacobian matrix </a:t>
-            </a:r>
-            <a:r>
-              <a:rPr lang="en-US" b="1" dirty="0" err="1">
-                <a:effectLst/>
-                <a:latin typeface="KaTeX_Main"/>
-              </a:rPr>
-              <a:t>F</a:t>
-            </a:r>
-            <a:r>
-              <a:rPr lang="en-US" i="1" dirty="0" err="1">
-                <a:effectLst/>
-                <a:latin typeface="KaTeX_Math"/>
-              </a:rPr>
-              <a:t>k</a:t>
-            </a:r>
-            <a:r>
-              <a:rPr lang="en-US" dirty="0">
-                <a:effectLst/>
-                <a:latin typeface="KaTeX_Main"/>
-              </a:rPr>
-              <a:t>​</a:t>
-            </a:r>
-            <a:r>
-              <a:rPr lang="en-US" dirty="0">
-                <a:effectLst/>
-              </a:rPr>
-              <a:t> of the state transition function </a:t>
-            </a:r>
-            <a:r>
-              <a:rPr lang="en-US" i="1" dirty="0">
-                <a:effectLst/>
-                <a:latin typeface="KaTeX_Math"/>
-              </a:rPr>
-              <a:t>f</a:t>
-            </a:r>
-            <a:r>
-              <a:rPr lang="en-US" dirty="0">
-                <a:effectLst/>
-                <a:latin typeface="KaTeX_Main"/>
-              </a:rPr>
-              <a:t>(⋅)</a:t>
-            </a:r>
-            <a:r>
-              <a:rPr lang="en-US" dirty="0">
-                <a:effectLst/>
-              </a:rPr>
-              <a:t> with respect to the state:</a:t>
-            </a:r>
-          </a:p>
-          <a:p>
-            <a:pPr>
-              <a:spcBef>
-                <a:spcPts val="900"/>
-              </a:spcBef>
-              <a:spcAft>
-                <a:spcPts val="900"/>
-              </a:spcAft>
-              <a:buFont typeface="+mj-lt"/>
-              <a:buAutoNum type="arabicPeriod"/>
-            </a:pPr>
-            <a:r>
-              <a:rPr lang="en-US" b="1" dirty="0" err="1">
-                <a:effectLst/>
-                <a:latin typeface="KaTeX_Main"/>
-              </a:rPr>
-              <a:t>F</a:t>
-            </a:r>
-            <a:r>
-              <a:rPr lang="en-US" i="1" dirty="0" err="1">
-                <a:effectLst/>
-                <a:latin typeface="KaTeX_Math"/>
-              </a:rPr>
-              <a:t>k</a:t>
-            </a:r>
-            <a:r>
-              <a:rPr lang="en-US" dirty="0">
-                <a:effectLst/>
-                <a:latin typeface="KaTeX_Main"/>
-              </a:rPr>
-              <a:t>​=∂</a:t>
-            </a:r>
-            <a:r>
-              <a:rPr lang="en-US" b="1" dirty="0" err="1">
-                <a:effectLst/>
-                <a:latin typeface="KaTeX_Main"/>
-              </a:rPr>
-              <a:t>x</a:t>
-            </a:r>
-            <a:r>
-              <a:rPr lang="en-US" dirty="0" err="1">
-                <a:effectLst/>
-                <a:latin typeface="KaTeX_Main"/>
-              </a:rPr>
-              <a:t>∂</a:t>
-            </a:r>
-            <a:r>
-              <a:rPr lang="en-US" i="1" dirty="0" err="1">
-                <a:effectLst/>
-                <a:latin typeface="KaTeX_Math"/>
-              </a:rPr>
-              <a:t>f</a:t>
-            </a:r>
-            <a:r>
-              <a:rPr lang="en-US" dirty="0">
-                <a:effectLst/>
-                <a:latin typeface="KaTeX_Main"/>
-              </a:rPr>
-              <a:t>​​</a:t>
-            </a:r>
-            <a:r>
-              <a:rPr lang="en-US" b="1" dirty="0">
-                <a:effectLst/>
-                <a:latin typeface="KaTeX_Main"/>
-              </a:rPr>
-              <a:t>x</a:t>
-            </a:r>
-            <a:r>
-              <a:rPr lang="en-US" dirty="0">
-                <a:effectLst/>
-                <a:latin typeface="KaTeX_Main"/>
-              </a:rPr>
-              <a:t>^</a:t>
-            </a:r>
-            <a:r>
-              <a:rPr lang="en-US" i="1" dirty="0">
-                <a:effectLst/>
-                <a:latin typeface="KaTeX_Math"/>
-              </a:rPr>
-              <a:t>k</a:t>
-            </a:r>
-            <a:r>
-              <a:rPr lang="en-US" dirty="0">
-                <a:effectLst/>
-                <a:latin typeface="KaTeX_Main"/>
-              </a:rPr>
-              <a:t>−1∣</a:t>
-            </a:r>
-            <a:r>
-              <a:rPr lang="en-US" i="1" dirty="0">
-                <a:effectLst/>
-                <a:latin typeface="KaTeX_Math"/>
-              </a:rPr>
-              <a:t>k</a:t>
-            </a:r>
-            <a:r>
-              <a:rPr lang="en-US" dirty="0">
-                <a:effectLst/>
-                <a:latin typeface="KaTeX_Main"/>
-              </a:rPr>
-              <a:t>−1​,</a:t>
-            </a:r>
-            <a:r>
-              <a:rPr lang="en-US" b="1" dirty="0" err="1">
-                <a:effectLst/>
-                <a:latin typeface="KaTeX_Main"/>
-              </a:rPr>
-              <a:t>u</a:t>
-            </a:r>
-            <a:r>
-              <a:rPr lang="en-US" i="1" dirty="0" err="1">
-                <a:effectLst/>
-                <a:latin typeface="KaTeX_Math"/>
-              </a:rPr>
-              <a:t>k</a:t>
-            </a:r>
-            <a:r>
-              <a:rPr lang="en-US" dirty="0">
-                <a:effectLst/>
-                <a:latin typeface="KaTeX_Main"/>
-              </a:rPr>
-              <a:t>​​</a:t>
-            </a:r>
-            <a:endParaRPr lang="en-US" dirty="0">
-              <a:effectLst/>
-            </a:endParaRPr>
-          </a:p>
-          <a:p>
-            <a:pPr>
-              <a:spcBef>
-                <a:spcPts val="900"/>
-              </a:spcBef>
-              <a:spcAft>
-                <a:spcPts val="900"/>
-              </a:spcAft>
-              <a:buFont typeface="+mj-lt"/>
-              <a:buAutoNum type="arabicPeriod"/>
-            </a:pPr>
-            <a:r>
-              <a:rPr lang="en-US" b="0" dirty="0">
-                <a:solidFill>
-                  <a:srgbClr val="111827"/>
-                </a:solidFill>
-                <a:effectLst/>
-              </a:rPr>
-              <a:t>Predict the Error Covariance </a:t>
-            </a:r>
-            <a:r>
-              <a:rPr lang="en-US" dirty="0">
-                <a:effectLst/>
-              </a:rPr>
-              <a:t>: Update the error covariance matrix </a:t>
-            </a:r>
-            <a:r>
-              <a:rPr lang="en-US" b="1" dirty="0">
-                <a:effectLst/>
-                <a:latin typeface="KaTeX_Main"/>
-              </a:rPr>
-              <a:t>P</a:t>
-            </a:r>
-            <a:r>
-              <a:rPr lang="en-US" dirty="0">
-                <a:effectLst/>
-              </a:rPr>
-              <a:t> using the linearized model:</a:t>
-            </a:r>
-          </a:p>
-          <a:p>
-            <a:pPr>
-              <a:buNone/>
-            </a:pPr>
-            <a:r>
-              <a:rPr lang="en-US" b="1" dirty="0">
-                <a:effectLst/>
-                <a:latin typeface="KaTeX_Main"/>
-              </a:rPr>
-              <a:t>P</a:t>
-            </a:r>
-            <a:r>
-              <a:rPr lang="en-US" i="1" dirty="0">
-                <a:effectLst/>
-                <a:latin typeface="KaTeX_Math"/>
-              </a:rPr>
-              <a:t>k</a:t>
-            </a:r>
-            <a:r>
-              <a:rPr lang="en-US" dirty="0">
-                <a:effectLst/>
-                <a:latin typeface="KaTeX_Main"/>
-              </a:rPr>
-              <a:t>∣</a:t>
-            </a:r>
-            <a:r>
-              <a:rPr lang="en-US" i="1" dirty="0">
-                <a:effectLst/>
-                <a:latin typeface="KaTeX_Math"/>
-              </a:rPr>
-              <a:t>k</a:t>
-            </a:r>
-            <a:r>
-              <a:rPr lang="en-US" dirty="0">
-                <a:effectLst/>
-                <a:latin typeface="KaTeX_Main"/>
-              </a:rPr>
-              <a:t>−1​=</a:t>
-            </a:r>
-            <a:r>
-              <a:rPr lang="en-US" b="1" dirty="0" err="1">
-                <a:effectLst/>
-                <a:latin typeface="KaTeX_Main"/>
-              </a:rPr>
-              <a:t>F</a:t>
-            </a:r>
-            <a:r>
-              <a:rPr lang="en-US" i="1" dirty="0" err="1">
-                <a:effectLst/>
-                <a:latin typeface="KaTeX_Math"/>
-              </a:rPr>
-              <a:t>k</a:t>
-            </a:r>
-            <a:r>
-              <a:rPr lang="en-US" dirty="0">
-                <a:effectLst/>
-                <a:latin typeface="KaTeX_Main"/>
-              </a:rPr>
-              <a:t>​</a:t>
-            </a:r>
-            <a:r>
-              <a:rPr lang="en-US" b="1" dirty="0">
-                <a:effectLst/>
-                <a:latin typeface="KaTeX_Main"/>
-              </a:rPr>
-              <a:t>P</a:t>
-            </a:r>
-            <a:r>
-              <a:rPr lang="en-US" i="1" dirty="0">
-                <a:effectLst/>
-                <a:latin typeface="KaTeX_Math"/>
-              </a:rPr>
-              <a:t>k</a:t>
-            </a:r>
-            <a:r>
-              <a:rPr lang="en-US" dirty="0">
-                <a:effectLst/>
-                <a:latin typeface="KaTeX_Main"/>
-              </a:rPr>
-              <a:t>−1∣</a:t>
-            </a:r>
-            <a:r>
-              <a:rPr lang="en-US" i="1" dirty="0">
-                <a:effectLst/>
-                <a:latin typeface="KaTeX_Math"/>
-              </a:rPr>
-              <a:t>k</a:t>
-            </a:r>
-            <a:r>
-              <a:rPr lang="en-US" dirty="0">
-                <a:effectLst/>
-                <a:latin typeface="KaTeX_Main"/>
-              </a:rPr>
-              <a:t>−1​</a:t>
-            </a:r>
-            <a:r>
-              <a:rPr lang="en-US" b="1" dirty="0" err="1">
-                <a:effectLst/>
-                <a:latin typeface="KaTeX_Main"/>
-              </a:rPr>
-              <a:t>F</a:t>
-            </a:r>
-            <a:r>
-              <a:rPr lang="en-US" i="1" dirty="0" err="1">
-                <a:effectLst/>
-                <a:latin typeface="KaTeX_Math"/>
-              </a:rPr>
-              <a:t>kT</a:t>
-            </a:r>
-            <a:r>
-              <a:rPr lang="en-US" dirty="0">
-                <a:effectLst/>
-                <a:latin typeface="KaTeX_Main"/>
-              </a:rPr>
-              <a:t>​+</a:t>
-            </a:r>
-            <a:r>
-              <a:rPr lang="en-US" b="1" dirty="0" err="1">
-                <a:effectLst/>
-                <a:latin typeface="KaTeX_Main"/>
-              </a:rPr>
-              <a:t>Q</a:t>
-            </a:r>
-            <a:r>
-              <a:rPr lang="en-US" b="0" i="1" dirty="0" err="1">
-                <a:solidFill>
-                  <a:srgbClr val="2C2C36"/>
-                </a:solidFill>
-                <a:effectLst/>
-                <a:latin typeface="KaTeX_Math"/>
-              </a:rPr>
-              <a:t>k</a:t>
-            </a:r>
-            <a:r>
-              <a:rPr lang="en-US" b="0" i="0" dirty="0">
-                <a:solidFill>
-                  <a:srgbClr val="2C2C36"/>
-                </a:solidFill>
-                <a:effectLst/>
-                <a:latin typeface="KaTeX_Main"/>
-              </a:rPr>
-              <a:t>​</a:t>
-            </a:r>
-            <a:br>
-              <a:rPr lang="en-US" b="0" i="0" dirty="0">
-                <a:solidFill>
-                  <a:srgbClr val="2C2C36"/>
-                </a:solidFill>
-                <a:effectLst/>
-                <a:latin typeface="KaTeX_Main"/>
-              </a:rPr>
-            </a:br>
-            <a:endParaRPr lang="en-US" dirty="0"/>
-          </a:p>
-        </p:txBody>
-      </p:sp>
+      <mc:AlternateContent xmlns:mc="http://schemas.openxmlformats.org/markup-compatibility/2006">
+        <mc:Choice xmlns:a14="http://schemas.microsoft.com/office/drawing/2010/main" Requires="a14">
+          <p:sp>
+            <p:nvSpPr>
+              <p:cNvPr id="3" name="Content Placeholder 2">
+                <a:extLst>
+                  <a:ext uri="{FF2B5EF4-FFF2-40B4-BE49-F238E27FC236}">
+                    <a16:creationId xmlns:a16="http://schemas.microsoft.com/office/drawing/2014/main" id="{2BF1FAA3-50A3-68EE-C8AA-DFDA81DFA666}"/>
+                  </a:ext>
+                </a:extLst>
+              </p:cNvPr>
+              <p:cNvSpPr>
+                <a:spLocks noGrp="1"/>
+              </p:cNvSpPr>
+              <p:nvPr>
+                <p:ph idx="1"/>
+              </p:nvPr>
+            </p:nvSpPr>
+            <p:spPr/>
+            <p:txBody>
+              <a:bodyPr>
+                <a:normAutofit fontScale="92500" lnSpcReduction="20000"/>
+              </a:bodyPr>
+              <a:lstStyle/>
+              <a:p>
+                <a:pPr>
+                  <a:spcBef>
+                    <a:spcPts val="900"/>
+                  </a:spcBef>
+                  <a:spcAft>
+                    <a:spcPts val="900"/>
+                  </a:spcAft>
+                  <a:buFont typeface="+mj-lt"/>
+                  <a:buAutoNum type="arabicPeriod"/>
+                </a:pPr>
+                <a:r>
+                  <a:rPr lang="en-US" b="0" dirty="0">
+                    <a:solidFill>
+                      <a:srgbClr val="111827"/>
+                    </a:solidFill>
+                    <a:effectLst/>
+                  </a:rPr>
+                  <a:t>Predict the State Estimate </a:t>
+                </a:r>
+                <a:r>
+                  <a:rPr lang="en-US" dirty="0">
+                    <a:effectLst/>
+                  </a:rPr>
+                  <a:t>: Use the nonlinear state transition function </a:t>
+                </a:r>
+                <a:r>
+                  <a:rPr lang="en-US" i="1" dirty="0">
+                    <a:effectLst/>
+                    <a:latin typeface="KaTeX_Math"/>
+                  </a:rPr>
+                  <a:t>f</a:t>
+                </a:r>
+                <a:r>
+                  <a:rPr lang="en-US" dirty="0">
+                    <a:effectLst/>
+                    <a:latin typeface="KaTeX_Main"/>
+                  </a:rPr>
+                  <a:t>(⋅)</a:t>
+                </a:r>
+                <a:r>
+                  <a:rPr lang="en-US" dirty="0">
+                    <a:effectLst/>
+                  </a:rPr>
+                  <a:t> to predict the next state:</a:t>
+                </a:r>
+              </a:p>
+              <a:p>
+                <a:pPr marL="0" indent="0">
+                  <a:spcBef>
+                    <a:spcPts val="900"/>
+                  </a:spcBef>
+                  <a:spcAft>
+                    <a:spcPts val="900"/>
+                  </a:spcAft>
+                  <a:buNone/>
+                </a:pPr>
+                <a14:m>
+                  <m:oMathPara xmlns:m="http://schemas.openxmlformats.org/officeDocument/2006/math">
+                    <m:oMathParaPr>
+                      <m:jc m:val="centerGroup"/>
+                    </m:oMathParaPr>
+                    <m:oMath xmlns:m="http://schemas.openxmlformats.org/officeDocument/2006/math">
+                      <m:sSub>
+                        <m:sSubPr>
+                          <m:ctrlPr>
+                            <a:rPr lang="en-US" b="0" i="1" dirty="0" smtClean="0">
+                              <a:solidFill>
+                                <a:srgbClr val="111827"/>
+                              </a:solidFill>
+                              <a:effectLst/>
+                              <a:latin typeface="Cambria Math" panose="02040503050406030204" pitchFamily="18" charset="0"/>
+                            </a:rPr>
+                          </m:ctrlPr>
+                        </m:sSubPr>
+                        <m:e>
+                          <m:acc>
+                            <m:accPr>
+                              <m:chr m:val="̂"/>
+                              <m:ctrlPr>
+                                <a:rPr lang="en-US" b="0" i="1" dirty="0" smtClean="0">
+                                  <a:effectLst/>
+                                  <a:latin typeface="Cambria Math" panose="02040503050406030204" pitchFamily="18" charset="0"/>
+                                </a:rPr>
+                              </m:ctrlPr>
+                            </m:accPr>
+                            <m:e>
+                              <m:r>
+                                <a:rPr lang="en-US" b="1" i="1" dirty="0" smtClean="0">
+                                  <a:effectLst/>
+                                  <a:latin typeface="Cambria Math" panose="02040503050406030204" pitchFamily="18" charset="0"/>
+                                </a:rPr>
+                                <m:t>𝒙</m:t>
+                              </m:r>
+                            </m:e>
+                          </m:acc>
+                        </m:e>
+                        <m:sub>
+                          <m:r>
+                            <a:rPr lang="en-US" i="1" dirty="0" smtClean="0">
+                              <a:effectLst/>
+                              <a:latin typeface="Cambria Math" panose="02040503050406030204" pitchFamily="18" charset="0"/>
+                            </a:rPr>
+                            <m:t>𝑘</m:t>
+                          </m:r>
+                          <m:r>
+                            <a:rPr lang="en-US" i="1" dirty="0" smtClean="0">
+                              <a:effectLst/>
+                              <a:latin typeface="Cambria Math" panose="02040503050406030204" pitchFamily="18" charset="0"/>
+                            </a:rPr>
+                            <m:t>∣ </m:t>
+                          </m:r>
+                          <m:r>
+                            <a:rPr lang="en-US" i="1" dirty="0" smtClean="0">
+                              <a:effectLst/>
+                              <a:latin typeface="Cambria Math" panose="02040503050406030204" pitchFamily="18" charset="0"/>
+                            </a:rPr>
+                            <m:t>𝑘</m:t>
+                          </m:r>
+                          <m:r>
+                            <a:rPr lang="en-US" i="1" dirty="0" smtClean="0">
+                              <a:effectLst/>
+                              <a:latin typeface="Cambria Math" panose="02040503050406030204" pitchFamily="18" charset="0"/>
+                            </a:rPr>
+                            <m:t>−1</m:t>
+                          </m:r>
+                        </m:sub>
+                      </m:sSub>
+                      <m:r>
+                        <a:rPr lang="en-US" i="1" dirty="0" smtClean="0">
+                          <a:effectLst/>
+                          <a:latin typeface="Cambria Math" panose="02040503050406030204" pitchFamily="18" charset="0"/>
+                        </a:rPr>
+                        <m:t>​=</m:t>
+                      </m:r>
+                      <m:r>
+                        <a:rPr lang="en-US" i="1" dirty="0" smtClean="0">
+                          <a:effectLst/>
+                          <a:latin typeface="Cambria Math" panose="02040503050406030204" pitchFamily="18" charset="0"/>
+                        </a:rPr>
+                        <m:t>𝑓</m:t>
+                      </m:r>
+                      <m:r>
+                        <a:rPr lang="en-US" i="1" dirty="0" smtClean="0">
+                          <a:effectLst/>
+                          <a:latin typeface="Cambria Math" panose="02040503050406030204" pitchFamily="18" charset="0"/>
+                        </a:rPr>
+                        <m:t>(</m:t>
+                      </m:r>
+                      <m:sSub>
+                        <m:sSubPr>
+                          <m:ctrlPr>
+                            <a:rPr lang="en-US" b="0" i="1" dirty="0" smtClean="0">
+                              <a:effectLst/>
+                              <a:latin typeface="Cambria Math" panose="02040503050406030204" pitchFamily="18" charset="0"/>
+                            </a:rPr>
+                          </m:ctrlPr>
+                        </m:sSubPr>
+                        <m:e>
+                          <m:acc>
+                            <m:accPr>
+                              <m:chr m:val="̂"/>
+                              <m:ctrlPr>
+                                <a:rPr lang="en-US" b="1" i="1" dirty="0" smtClean="0">
+                                  <a:effectLst/>
+                                  <a:latin typeface="Cambria Math" panose="02040503050406030204" pitchFamily="18" charset="0"/>
+                                </a:rPr>
+                              </m:ctrlPr>
+                            </m:accPr>
+                            <m:e>
+                              <m:r>
+                                <a:rPr lang="en-US" b="1" i="1" dirty="0" smtClean="0">
+                                  <a:effectLst/>
+                                  <a:latin typeface="Cambria Math" panose="02040503050406030204" pitchFamily="18" charset="0"/>
+                                </a:rPr>
+                                <m:t>𝒙</m:t>
+                              </m:r>
+                            </m:e>
+                          </m:acc>
+                        </m:e>
+                        <m:sub>
+                          <m:r>
+                            <a:rPr lang="en-US" i="1" dirty="0" smtClean="0">
+                              <a:effectLst/>
+                              <a:latin typeface="Cambria Math" panose="02040503050406030204" pitchFamily="18" charset="0"/>
+                            </a:rPr>
+                            <m:t>𝑘</m:t>
+                          </m:r>
+                          <m:r>
+                            <a:rPr lang="en-US" i="1" dirty="0" smtClean="0">
+                              <a:effectLst/>
+                              <a:latin typeface="Cambria Math" panose="02040503050406030204" pitchFamily="18" charset="0"/>
+                            </a:rPr>
+                            <m:t>−1∣</m:t>
+                          </m:r>
+                          <m:r>
+                            <a:rPr lang="en-US" i="1" dirty="0" smtClean="0">
+                              <a:effectLst/>
+                              <a:latin typeface="Cambria Math" panose="02040503050406030204" pitchFamily="18" charset="0"/>
+                            </a:rPr>
+                            <m:t>𝑘</m:t>
+                          </m:r>
+                          <m:r>
+                            <a:rPr lang="en-US" i="1" dirty="0" smtClean="0">
+                              <a:effectLst/>
+                              <a:latin typeface="Cambria Math" panose="02040503050406030204" pitchFamily="18" charset="0"/>
+                            </a:rPr>
+                            <m:t>−1</m:t>
+                          </m:r>
+                        </m:sub>
+                      </m:sSub>
+                      <m:r>
+                        <a:rPr lang="en-US" i="1" dirty="0" smtClean="0">
+                          <a:effectLst/>
+                          <a:latin typeface="Cambria Math" panose="02040503050406030204" pitchFamily="18" charset="0"/>
+                        </a:rPr>
+                        <m:t>​,</m:t>
+                      </m:r>
+                      <m:sSub>
+                        <m:sSubPr>
+                          <m:ctrlPr>
+                            <a:rPr lang="en-US" b="1" i="1" dirty="0" smtClean="0">
+                              <a:effectLst/>
+                              <a:latin typeface="Cambria Math" panose="02040503050406030204" pitchFamily="18" charset="0"/>
+                            </a:rPr>
+                          </m:ctrlPr>
+                        </m:sSubPr>
+                        <m:e>
+                          <m:r>
+                            <a:rPr lang="en-US" b="1" i="1" dirty="0" err="1" smtClean="0">
+                              <a:effectLst/>
+                              <a:latin typeface="Cambria Math" panose="02040503050406030204" pitchFamily="18" charset="0"/>
+                            </a:rPr>
+                            <m:t>𝒖</m:t>
+                          </m:r>
+                        </m:e>
+                        <m:sub>
+                          <m:r>
+                            <a:rPr lang="en-US" i="1" dirty="0" err="1" smtClean="0">
+                              <a:effectLst/>
+                              <a:latin typeface="Cambria Math" panose="02040503050406030204" pitchFamily="18" charset="0"/>
+                            </a:rPr>
+                            <m:t>𝑘</m:t>
+                          </m:r>
+                        </m:sub>
+                      </m:sSub>
+                      <m:r>
+                        <a:rPr lang="en-US" i="1" dirty="0" smtClean="0">
+                          <a:effectLst/>
+                          <a:latin typeface="Cambria Math" panose="02040503050406030204" pitchFamily="18" charset="0"/>
+                        </a:rPr>
+                        <m:t>​)</m:t>
+                      </m:r>
+                    </m:oMath>
+                  </m:oMathPara>
+                </a14:m>
+                <a:endParaRPr lang="en-US" dirty="0">
+                  <a:effectLst/>
+                </a:endParaRPr>
+              </a:p>
+              <a:p>
+                <a:pPr>
+                  <a:spcBef>
+                    <a:spcPts val="900"/>
+                  </a:spcBef>
+                  <a:spcAft>
+                    <a:spcPts val="900"/>
+                  </a:spcAft>
+                  <a:buFont typeface="+mj-lt"/>
+                  <a:buAutoNum type="arabicPeriod"/>
+                </a:pPr>
+                <a:r>
+                  <a:rPr lang="en-US" b="0" dirty="0">
+                    <a:solidFill>
+                      <a:srgbClr val="111827"/>
+                    </a:solidFill>
+                    <a:effectLst/>
+                  </a:rPr>
+                  <a:t>Linearize the State Transition Model </a:t>
+                </a:r>
+                <a:r>
+                  <a:rPr lang="en-US" dirty="0">
+                    <a:effectLst/>
+                  </a:rPr>
+                  <a:t>: Compute the Jacobian matrix </a:t>
+                </a:r>
+                <a:r>
+                  <a:rPr lang="en-US" b="1" dirty="0" err="1">
+                    <a:effectLst/>
+                    <a:latin typeface="KaTeX_Main"/>
+                  </a:rPr>
+                  <a:t>F</a:t>
+                </a:r>
+                <a:r>
+                  <a:rPr lang="en-US" i="1" dirty="0" err="1">
+                    <a:effectLst/>
+                    <a:latin typeface="KaTeX_Math"/>
+                  </a:rPr>
+                  <a:t>k</a:t>
+                </a:r>
+                <a:r>
+                  <a:rPr lang="en-US" dirty="0">
+                    <a:effectLst/>
+                    <a:latin typeface="KaTeX_Main"/>
+                  </a:rPr>
+                  <a:t>​</a:t>
+                </a:r>
+                <a:r>
+                  <a:rPr lang="en-US" dirty="0">
+                    <a:effectLst/>
+                  </a:rPr>
+                  <a:t> of the state transition function </a:t>
+                </a:r>
+                <a:r>
+                  <a:rPr lang="en-US" i="1" dirty="0">
+                    <a:effectLst/>
+                    <a:latin typeface="KaTeX_Math"/>
+                  </a:rPr>
+                  <a:t>f</a:t>
+                </a:r>
+                <a:r>
+                  <a:rPr lang="en-US" dirty="0">
+                    <a:effectLst/>
+                    <a:latin typeface="KaTeX_Main"/>
+                  </a:rPr>
+                  <a:t>(⋅)</a:t>
+                </a:r>
+                <a:r>
+                  <a:rPr lang="en-US" dirty="0">
+                    <a:effectLst/>
+                  </a:rPr>
+                  <a:t> with respect to the state:</a:t>
+                </a:r>
+              </a:p>
+              <a:p>
+                <a:pPr marL="0" indent="0">
+                  <a:spcBef>
+                    <a:spcPts val="900"/>
+                  </a:spcBef>
+                  <a:spcAft>
+                    <a:spcPts val="900"/>
+                  </a:spcAft>
+                  <a:buNone/>
+                </a:pPr>
+                <a14:m>
+                  <m:oMathPara xmlns:m="http://schemas.openxmlformats.org/officeDocument/2006/math">
+                    <m:oMathParaPr>
+                      <m:jc m:val="centerGroup"/>
+                    </m:oMathParaPr>
+                    <m:oMath xmlns:m="http://schemas.openxmlformats.org/officeDocument/2006/math">
+                      <m:sSub>
+                        <m:sSubPr>
+                          <m:ctrlPr>
+                            <a:rPr lang="en-US" b="1" i="1" dirty="0" smtClean="0">
+                              <a:effectLst/>
+                              <a:latin typeface="Cambria Math" panose="02040503050406030204" pitchFamily="18" charset="0"/>
+                            </a:rPr>
+                          </m:ctrlPr>
+                        </m:sSubPr>
+                        <m:e>
+                          <m:r>
+                            <a:rPr lang="en-US" b="1" i="1" dirty="0" smtClean="0">
+                              <a:effectLst/>
+                              <a:latin typeface="Cambria Math" panose="02040503050406030204" pitchFamily="18" charset="0"/>
+                            </a:rPr>
+                            <m:t>𝑭</m:t>
+                          </m:r>
+                        </m:e>
+                        <m:sub>
+                          <m:r>
+                            <a:rPr lang="en-US" i="1" dirty="0" err="1" smtClean="0">
+                              <a:effectLst/>
+                              <a:latin typeface="Cambria Math" panose="02040503050406030204" pitchFamily="18" charset="0"/>
+                            </a:rPr>
+                            <m:t>𝑘</m:t>
+                          </m:r>
+                        </m:sub>
+                      </m:sSub>
+                      <m:r>
+                        <a:rPr lang="en-US" i="1" dirty="0" smtClean="0">
+                          <a:effectLst/>
+                          <a:latin typeface="Cambria Math" panose="02040503050406030204" pitchFamily="18" charset="0"/>
+                        </a:rPr>
+                        <m:t>​=</m:t>
+                      </m:r>
+                      <m:sSub>
+                        <m:sSubPr>
+                          <m:ctrlPr>
+                            <a:rPr lang="en-US" b="0" i="1" dirty="0" smtClean="0">
+                              <a:effectLst/>
+                              <a:latin typeface="Cambria Math" panose="02040503050406030204" pitchFamily="18" charset="0"/>
+                            </a:rPr>
+                          </m:ctrlPr>
+                        </m:sSubPr>
+                        <m:e>
+                          <m:d>
+                            <m:dPr>
+                              <m:begChr m:val=""/>
+                              <m:endChr m:val="|"/>
+                              <m:ctrlPr>
+                                <a:rPr lang="en-US" b="0" i="1" dirty="0" smtClean="0">
+                                  <a:effectLst/>
+                                  <a:latin typeface="Cambria Math" panose="02040503050406030204" pitchFamily="18" charset="0"/>
+                                </a:rPr>
+                              </m:ctrlPr>
+                            </m:dPr>
+                            <m:e>
+                              <m:f>
+                                <m:fPr>
+                                  <m:ctrlPr>
+                                    <a:rPr lang="en-US" i="1" dirty="0" smtClean="0">
+                                      <a:effectLst/>
+                                      <a:latin typeface="Cambria Math" panose="02040503050406030204" pitchFamily="18" charset="0"/>
+                                    </a:rPr>
+                                  </m:ctrlPr>
+                                </m:fPr>
+                                <m:num>
+                                  <m:r>
+                                    <a:rPr lang="en-US" i="1" dirty="0" smtClean="0">
+                                      <a:effectLst/>
+                                      <a:latin typeface="Cambria Math" panose="02040503050406030204" pitchFamily="18" charset="0"/>
+                                    </a:rPr>
+                                    <m:t>𝜕</m:t>
+                                  </m:r>
+                                  <m:r>
+                                    <a:rPr lang="en-US" i="1" dirty="0" smtClean="0">
+                                      <a:effectLst/>
+                                      <a:latin typeface="Cambria Math" panose="02040503050406030204" pitchFamily="18" charset="0"/>
+                                    </a:rPr>
+                                    <m:t>𝑓</m:t>
+                                  </m:r>
+                                </m:num>
+                                <m:den>
+                                  <m:r>
+                                    <a:rPr lang="en-US" i="1" dirty="0" smtClean="0">
+                                      <a:effectLst/>
+                                      <a:latin typeface="Cambria Math" panose="02040503050406030204" pitchFamily="18" charset="0"/>
+                                    </a:rPr>
+                                    <m:t>𝜕</m:t>
+                                  </m:r>
+                                  <m:r>
+                                    <a:rPr lang="en-US" b="1" i="1" dirty="0" err="1" smtClean="0">
+                                      <a:effectLst/>
+                                      <a:latin typeface="Cambria Math" panose="02040503050406030204" pitchFamily="18" charset="0"/>
+                                    </a:rPr>
+                                    <m:t>𝒙</m:t>
+                                  </m:r>
+                                </m:den>
+                              </m:f>
+                              <m:r>
+                                <a:rPr lang="en-US" i="1" dirty="0" smtClean="0">
+                                  <a:effectLst/>
+                                  <a:latin typeface="Cambria Math" panose="02040503050406030204" pitchFamily="18" charset="0"/>
+                                </a:rPr>
+                                <m:t>​</m:t>
+                              </m:r>
+                            </m:e>
+                          </m:d>
+                        </m:e>
+                        <m:sub>
+                          <m:sSub>
+                            <m:sSubPr>
+                              <m:ctrlPr>
+                                <a:rPr lang="en-US" b="0" i="1" dirty="0" smtClean="0">
+                                  <a:solidFill>
+                                    <a:srgbClr val="111827"/>
+                                  </a:solidFill>
+                                  <a:effectLst/>
+                                  <a:latin typeface="Cambria Math" panose="02040503050406030204" pitchFamily="18" charset="0"/>
+                                </a:rPr>
+                              </m:ctrlPr>
+                            </m:sSubPr>
+                            <m:e>
+                              <m:acc>
+                                <m:accPr>
+                                  <m:chr m:val="̂"/>
+                                  <m:ctrlPr>
+                                    <a:rPr lang="en-US" b="0" i="1" dirty="0" smtClean="0">
+                                      <a:effectLst/>
+                                      <a:latin typeface="Cambria Math" panose="02040503050406030204" pitchFamily="18" charset="0"/>
+                                    </a:rPr>
+                                  </m:ctrlPr>
+                                </m:accPr>
+                                <m:e>
+                                  <m:r>
+                                    <a:rPr lang="en-US" b="1" i="1" dirty="0" smtClean="0">
+                                      <a:effectLst/>
+                                      <a:latin typeface="Cambria Math" panose="02040503050406030204" pitchFamily="18" charset="0"/>
+                                    </a:rPr>
+                                    <m:t>𝒙</m:t>
+                                  </m:r>
+                                </m:e>
+                              </m:acc>
+                            </m:e>
+                            <m:sub>
+                              <m:r>
+                                <a:rPr lang="en-US" i="1" dirty="0" smtClean="0">
+                                  <a:effectLst/>
+                                  <a:latin typeface="Cambria Math" panose="02040503050406030204" pitchFamily="18" charset="0"/>
+                                </a:rPr>
+                                <m:t>𝑘</m:t>
+                              </m:r>
+                              <m:r>
+                                <a:rPr lang="en-US" i="1" dirty="0" smtClean="0">
+                                  <a:effectLst/>
+                                  <a:latin typeface="Cambria Math" panose="02040503050406030204" pitchFamily="18" charset="0"/>
+                                </a:rPr>
+                                <m:t>−1∣</m:t>
+                              </m:r>
+                              <m:r>
+                                <a:rPr lang="en-US" i="1" dirty="0" smtClean="0">
+                                  <a:effectLst/>
+                                  <a:latin typeface="Cambria Math" panose="02040503050406030204" pitchFamily="18" charset="0"/>
+                                </a:rPr>
+                                <m:t>𝑘</m:t>
+                              </m:r>
+                              <m:r>
+                                <a:rPr lang="en-US" i="1" dirty="0" smtClean="0">
+                                  <a:effectLst/>
+                                  <a:latin typeface="Cambria Math" panose="02040503050406030204" pitchFamily="18" charset="0"/>
+                                </a:rPr>
+                                <m:t>−1​</m:t>
+                              </m:r>
+                            </m:sub>
+                          </m:sSub>
+                          <m:r>
+                            <a:rPr lang="en-US" i="1" dirty="0" smtClean="0">
+                              <a:effectLst/>
+                              <a:latin typeface="Cambria Math" panose="02040503050406030204" pitchFamily="18" charset="0"/>
+                            </a:rPr>
+                            <m:t>,</m:t>
+                          </m:r>
+                          <m:sSub>
+                            <m:sSubPr>
+                              <m:ctrlPr>
+                                <a:rPr lang="en-US" b="0" i="1" dirty="0" smtClean="0">
+                                  <a:effectLst/>
+                                  <a:latin typeface="Cambria Math" panose="02040503050406030204" pitchFamily="18" charset="0"/>
+                                </a:rPr>
+                              </m:ctrlPr>
+                            </m:sSubPr>
+                            <m:e>
+                              <m:r>
+                                <a:rPr lang="en-US" b="1" i="1" dirty="0" err="1" smtClean="0">
+                                  <a:effectLst/>
+                                  <a:latin typeface="Cambria Math" panose="02040503050406030204" pitchFamily="18" charset="0"/>
+                                </a:rPr>
+                                <m:t>𝒖</m:t>
+                              </m:r>
+                            </m:e>
+                            <m:sub>
+                              <m:r>
+                                <a:rPr lang="en-US" i="1" dirty="0" err="1" smtClean="0">
+                                  <a:effectLst/>
+                                  <a:latin typeface="Cambria Math" panose="02040503050406030204" pitchFamily="18" charset="0"/>
+                                </a:rPr>
+                                <m:t>𝑘</m:t>
+                              </m:r>
+                            </m:sub>
+                          </m:sSub>
+                        </m:sub>
+                      </m:sSub>
+                      <m:r>
+                        <a:rPr lang="en-US" i="1" dirty="0" smtClean="0">
+                          <a:effectLst/>
+                          <a:latin typeface="Cambria Math" panose="02040503050406030204" pitchFamily="18" charset="0"/>
+                        </a:rPr>
+                        <m:t>​​​</m:t>
+                      </m:r>
+                    </m:oMath>
+                  </m:oMathPara>
+                </a14:m>
+                <a:endParaRPr lang="en-US" dirty="0">
+                  <a:effectLst/>
+                </a:endParaRPr>
+              </a:p>
+              <a:p>
+                <a:pPr>
+                  <a:spcBef>
+                    <a:spcPts val="900"/>
+                  </a:spcBef>
+                  <a:spcAft>
+                    <a:spcPts val="900"/>
+                  </a:spcAft>
+                  <a:buFont typeface="+mj-lt"/>
+                  <a:buAutoNum type="arabicPeriod"/>
+                </a:pPr>
+                <a:r>
+                  <a:rPr lang="en-US" b="0" dirty="0">
+                    <a:solidFill>
+                      <a:srgbClr val="111827"/>
+                    </a:solidFill>
+                    <a:effectLst/>
+                  </a:rPr>
+                  <a:t>Predict the Error Covariance </a:t>
+                </a:r>
+                <a:r>
+                  <a:rPr lang="en-US" dirty="0">
+                    <a:effectLst/>
+                  </a:rPr>
+                  <a:t>: Update the error covariance matrix </a:t>
+                </a:r>
+                <a:r>
+                  <a:rPr lang="en-US" b="1" dirty="0">
+                    <a:effectLst/>
+                    <a:latin typeface="KaTeX_Main"/>
+                  </a:rPr>
+                  <a:t>P</a:t>
+                </a:r>
+                <a:r>
+                  <a:rPr lang="en-US" dirty="0">
+                    <a:effectLst/>
+                  </a:rPr>
+                  <a:t> using the linearized model:</a:t>
+                </a:r>
+              </a:p>
+              <a:p>
+                <a:pPr>
+                  <a:buNone/>
+                </a:pPr>
+                <a14:m>
+                  <m:oMathPara xmlns:m="http://schemas.openxmlformats.org/officeDocument/2006/math">
+                    <m:oMathParaPr>
+                      <m:jc m:val="centerGroup"/>
+                    </m:oMathParaPr>
+                    <m:oMath xmlns:m="http://schemas.openxmlformats.org/officeDocument/2006/math">
+                      <m:sSub>
+                        <m:sSubPr>
+                          <m:ctrlPr>
+                            <a:rPr lang="en-US" b="1" i="1" dirty="0" smtClean="0">
+                              <a:effectLst/>
+                              <a:latin typeface="Cambria Math" panose="02040503050406030204" pitchFamily="18" charset="0"/>
+                            </a:rPr>
+                          </m:ctrlPr>
+                        </m:sSubPr>
+                        <m:e>
+                          <m:r>
+                            <a:rPr lang="en-US" b="1" i="1" dirty="0" smtClean="0">
+                              <a:effectLst/>
+                              <a:latin typeface="Cambria Math" panose="02040503050406030204" pitchFamily="18" charset="0"/>
+                            </a:rPr>
+                            <m:t>𝑷</m:t>
+                          </m:r>
+                        </m:e>
+                        <m:sub>
+                          <m:r>
+                            <a:rPr lang="en-US" i="1" dirty="0" smtClean="0">
+                              <a:effectLst/>
+                              <a:latin typeface="Cambria Math" panose="02040503050406030204" pitchFamily="18" charset="0"/>
+                            </a:rPr>
+                            <m:t>𝑘</m:t>
+                          </m:r>
+                          <m:r>
+                            <a:rPr lang="en-US" i="1" dirty="0" smtClean="0">
+                              <a:effectLst/>
+                              <a:latin typeface="Cambria Math" panose="02040503050406030204" pitchFamily="18" charset="0"/>
+                            </a:rPr>
+                            <m:t>∣</m:t>
+                          </m:r>
+                          <m:r>
+                            <a:rPr lang="en-US" i="1" dirty="0" smtClean="0">
+                              <a:effectLst/>
+                              <a:latin typeface="Cambria Math" panose="02040503050406030204" pitchFamily="18" charset="0"/>
+                            </a:rPr>
+                            <m:t>𝑘</m:t>
+                          </m:r>
+                          <m:r>
+                            <a:rPr lang="en-US" i="1" dirty="0" smtClean="0">
+                              <a:effectLst/>
+                              <a:latin typeface="Cambria Math" panose="02040503050406030204" pitchFamily="18" charset="0"/>
+                            </a:rPr>
+                            <m:t>−1</m:t>
+                          </m:r>
+                        </m:sub>
+                      </m:sSub>
+                      <m:r>
+                        <a:rPr lang="en-US" i="1" dirty="0" smtClean="0">
+                          <a:effectLst/>
+                          <a:latin typeface="Cambria Math" panose="02040503050406030204" pitchFamily="18" charset="0"/>
+                        </a:rPr>
+                        <m:t>​=</m:t>
+                      </m:r>
+                      <m:sSub>
+                        <m:sSubPr>
+                          <m:ctrlPr>
+                            <a:rPr lang="en-US" b="1" i="1" dirty="0" smtClean="0">
+                              <a:effectLst/>
+                              <a:latin typeface="Cambria Math" panose="02040503050406030204" pitchFamily="18" charset="0"/>
+                            </a:rPr>
+                          </m:ctrlPr>
+                        </m:sSubPr>
+                        <m:e>
+                          <m:r>
+                            <a:rPr lang="en-US" b="1" i="1" dirty="0" err="1" smtClean="0">
+                              <a:effectLst/>
+                              <a:latin typeface="Cambria Math" panose="02040503050406030204" pitchFamily="18" charset="0"/>
+                            </a:rPr>
+                            <m:t>𝑭</m:t>
+                          </m:r>
+                        </m:e>
+                        <m:sub>
+                          <m:r>
+                            <a:rPr lang="en-US" i="1" dirty="0" err="1" smtClean="0">
+                              <a:effectLst/>
+                              <a:latin typeface="Cambria Math" panose="02040503050406030204" pitchFamily="18" charset="0"/>
+                            </a:rPr>
+                            <m:t>𝑘</m:t>
+                          </m:r>
+                        </m:sub>
+                      </m:sSub>
+                      <m:r>
+                        <a:rPr lang="en-US" i="1" dirty="0" smtClean="0">
+                          <a:effectLst/>
+                          <a:latin typeface="Cambria Math" panose="02040503050406030204" pitchFamily="18" charset="0"/>
+                        </a:rPr>
+                        <m:t>​</m:t>
+                      </m:r>
+                      <m:sSub>
+                        <m:sSubPr>
+                          <m:ctrlPr>
+                            <a:rPr lang="en-US" b="1" i="1" dirty="0" smtClean="0">
+                              <a:effectLst/>
+                              <a:latin typeface="Cambria Math" panose="02040503050406030204" pitchFamily="18" charset="0"/>
+                            </a:rPr>
+                          </m:ctrlPr>
+                        </m:sSubPr>
+                        <m:e>
+                          <m:r>
+                            <a:rPr lang="en-US" b="1" i="1" dirty="0" smtClean="0">
+                              <a:effectLst/>
+                              <a:latin typeface="Cambria Math" panose="02040503050406030204" pitchFamily="18" charset="0"/>
+                            </a:rPr>
+                            <m:t>𝑷</m:t>
+                          </m:r>
+                        </m:e>
+                        <m:sub>
+                          <m:r>
+                            <a:rPr lang="en-US" i="1" dirty="0" smtClean="0">
+                              <a:effectLst/>
+                              <a:latin typeface="Cambria Math" panose="02040503050406030204" pitchFamily="18" charset="0"/>
+                            </a:rPr>
+                            <m:t>𝑘</m:t>
+                          </m:r>
+                          <m:r>
+                            <a:rPr lang="en-US" i="1" dirty="0" smtClean="0">
+                              <a:effectLst/>
+                              <a:latin typeface="Cambria Math" panose="02040503050406030204" pitchFamily="18" charset="0"/>
+                            </a:rPr>
+                            <m:t>−1∣</m:t>
+                          </m:r>
+                          <m:r>
+                            <a:rPr lang="en-US" i="1" dirty="0" smtClean="0">
+                              <a:effectLst/>
+                              <a:latin typeface="Cambria Math" panose="02040503050406030204" pitchFamily="18" charset="0"/>
+                            </a:rPr>
+                            <m:t>𝑘</m:t>
+                          </m:r>
+                          <m:r>
+                            <a:rPr lang="en-US" i="1" dirty="0" smtClean="0">
+                              <a:effectLst/>
+                              <a:latin typeface="Cambria Math" panose="02040503050406030204" pitchFamily="18" charset="0"/>
+                            </a:rPr>
+                            <m:t>−1</m:t>
+                          </m:r>
+                        </m:sub>
+                      </m:sSub>
+                      <m:r>
+                        <a:rPr lang="en-US" i="1" dirty="0" smtClean="0">
+                          <a:effectLst/>
+                          <a:latin typeface="Cambria Math" panose="02040503050406030204" pitchFamily="18" charset="0"/>
+                        </a:rPr>
+                        <m:t>​</m:t>
+                      </m:r>
+                      <m:sSubSup>
+                        <m:sSubSupPr>
+                          <m:ctrlPr>
+                            <a:rPr lang="en-US" b="1" i="1" dirty="0" smtClean="0">
+                              <a:effectLst/>
+                              <a:latin typeface="Cambria Math" panose="02040503050406030204" pitchFamily="18" charset="0"/>
+                            </a:rPr>
+                          </m:ctrlPr>
+                        </m:sSubSupPr>
+                        <m:e>
+                          <m:r>
+                            <a:rPr lang="en-US" b="1" i="1" dirty="0" err="1" smtClean="0">
+                              <a:effectLst/>
+                              <a:latin typeface="Cambria Math" panose="02040503050406030204" pitchFamily="18" charset="0"/>
+                            </a:rPr>
+                            <m:t>𝑭</m:t>
+                          </m:r>
+                        </m:e>
+                        <m:sub>
+                          <m:r>
+                            <a:rPr lang="en-US" i="1" dirty="0" err="1" smtClean="0">
+                              <a:effectLst/>
+                              <a:latin typeface="Cambria Math" panose="02040503050406030204" pitchFamily="18" charset="0"/>
+                            </a:rPr>
+                            <m:t>𝑘</m:t>
+                          </m:r>
+                        </m:sub>
+                        <m:sup>
+                          <m:r>
+                            <a:rPr lang="en-US" i="1" dirty="0" err="1" smtClean="0">
+                              <a:effectLst/>
+                              <a:latin typeface="Cambria Math" panose="02040503050406030204" pitchFamily="18" charset="0"/>
+                            </a:rPr>
+                            <m:t>𝑇</m:t>
+                          </m:r>
+                        </m:sup>
+                      </m:sSubSup>
+                      <m:r>
+                        <a:rPr lang="en-US" i="1" dirty="0" smtClean="0">
+                          <a:effectLst/>
+                          <a:latin typeface="Cambria Math" panose="02040503050406030204" pitchFamily="18" charset="0"/>
+                        </a:rPr>
+                        <m:t>​+</m:t>
+                      </m:r>
+                      <m:sSub>
+                        <m:sSubPr>
+                          <m:ctrlPr>
+                            <a:rPr lang="en-US" b="0" i="1" dirty="0" smtClean="0">
+                              <a:effectLst/>
+                              <a:latin typeface="Cambria Math" panose="02040503050406030204" pitchFamily="18" charset="0"/>
+                            </a:rPr>
+                          </m:ctrlPr>
+                        </m:sSubPr>
+                        <m:e>
+                          <m:r>
+                            <a:rPr lang="en-US" b="1" i="1" dirty="0" err="1" smtClean="0">
+                              <a:effectLst/>
+                              <a:latin typeface="Cambria Math" panose="02040503050406030204" pitchFamily="18" charset="0"/>
+                            </a:rPr>
+                            <m:t>𝑸</m:t>
+                          </m:r>
+                        </m:e>
+                        <m:sub>
+                          <m:r>
+                            <a:rPr lang="en-US" b="0" i="1" dirty="0" err="1" smtClean="0">
+                              <a:solidFill>
+                                <a:srgbClr val="2C2C36"/>
+                              </a:solidFill>
+                              <a:effectLst/>
+                              <a:latin typeface="Cambria Math" panose="02040503050406030204" pitchFamily="18" charset="0"/>
+                            </a:rPr>
+                            <m:t>𝑘</m:t>
+                          </m:r>
+                        </m:sub>
+                      </m:sSub>
+                      <m:r>
+                        <a:rPr lang="en-US" b="0" i="1" dirty="0" smtClean="0">
+                          <a:solidFill>
+                            <a:srgbClr val="2C2C36"/>
+                          </a:solidFill>
+                          <a:effectLst/>
+                          <a:latin typeface="Cambria Math" panose="02040503050406030204" pitchFamily="18" charset="0"/>
+                        </a:rPr>
+                        <m:t>​</m:t>
+                      </m:r>
+                    </m:oMath>
+                  </m:oMathPara>
+                </a14:m>
+                <a:br>
+                  <a:rPr lang="en-US" b="0" i="0" dirty="0">
+                    <a:solidFill>
+                      <a:srgbClr val="2C2C36"/>
+                    </a:solidFill>
+                    <a:effectLst/>
+                    <a:latin typeface="KaTeX_Main"/>
+                  </a:rPr>
+                </a:br>
+                <a:endParaRPr lang="en-US" dirty="0"/>
+              </a:p>
+            </p:txBody>
+          </p:sp>
+        </mc:Choice>
+        <mc:Fallback>
+          <p:sp>
+            <p:nvSpPr>
+              <p:cNvPr id="3" name="Content Placeholder 2">
+                <a:extLst>
+                  <a:ext uri="{FF2B5EF4-FFF2-40B4-BE49-F238E27FC236}">
+                    <a16:creationId xmlns:a16="http://schemas.microsoft.com/office/drawing/2014/main" id="{2BF1FAA3-50A3-68EE-C8AA-DFDA81DFA666}"/>
+                  </a:ext>
+                </a:extLst>
+              </p:cNvPr>
+              <p:cNvSpPr>
+                <a:spLocks noGrp="1" noRot="1" noChangeAspect="1" noMove="1" noResize="1" noEditPoints="1" noAdjustHandles="1" noChangeArrowheads="1" noChangeShapeType="1" noTextEdit="1"/>
+              </p:cNvSpPr>
+              <p:nvPr>
+                <p:ph idx="1"/>
+              </p:nvPr>
+            </p:nvSpPr>
+            <p:spPr>
+              <a:blipFill>
+                <a:blip r:embed="rId2"/>
+                <a:stretch>
+                  <a:fillRect l="-1101" t="-3922"/>
+                </a:stretch>
+              </a:blipFill>
+            </p:spPr>
+            <p:txBody>
+              <a:bodyPr/>
+              <a:lstStyle/>
+              <a:p>
+                <a:r>
+                  <a:rPr lang="en-US">
+                    <a:noFill/>
+                  </a:rPr>
+                  <a:t> </a:t>
+                </a:r>
+              </a:p>
+            </p:txBody>
+          </p:sp>
+        </mc:Fallback>
+      </mc:AlternateContent>
     </p:spTree>
     <p:extLst>
       <p:ext uri="{BB962C8B-B14F-4D97-AF65-F5344CB8AC3E}">
@@ -6523,1367 +6863,738 @@
           </a:p>
         </p:txBody>
       </p:sp>
-      <p:sp>
-        <p:nvSpPr>
-          <p:cNvPr id="3" name="Content Placeholder 2">
-            <a:extLst>
-              <a:ext uri="{FF2B5EF4-FFF2-40B4-BE49-F238E27FC236}">
-                <a16:creationId xmlns:a16="http://schemas.microsoft.com/office/drawing/2014/main" id="{4A3288D8-6A54-DB4C-EDE2-364933EBD371}"/>
-              </a:ext>
-            </a:extLst>
-          </p:cNvPr>
-          <p:cNvSpPr>
-            <a:spLocks noGrp="1"/>
-          </p:cNvSpPr>
-          <p:nvPr>
-            <p:ph idx="1"/>
-          </p:nvPr>
-        </p:nvSpPr>
-        <p:spPr/>
-        <p:txBody>
-          <a:bodyPr>
-            <a:normAutofit fontScale="55000" lnSpcReduction="20000"/>
-          </a:bodyPr>
-          <a:lstStyle/>
-          <a:p>
-            <a:pPr algn="l">
-              <a:spcBef>
-                <a:spcPts val="900"/>
-              </a:spcBef>
-              <a:spcAft>
-                <a:spcPts val="900"/>
-              </a:spcAft>
-              <a:buFont typeface="+mj-lt"/>
-              <a:buAutoNum type="arabicPeriod"/>
-            </a:pPr>
-            <a:r>
-              <a:rPr lang="en-US" b="0" i="0" dirty="0">
-                <a:solidFill>
-                  <a:srgbClr val="111827"/>
-                </a:solidFill>
-                <a:effectLst/>
-                <a:latin typeface="system-ui"/>
-              </a:rPr>
-              <a:t>Predict the Measurement </a:t>
-            </a:r>
-            <a:r>
-              <a:rPr lang="en-US" b="0" i="0" dirty="0">
-                <a:solidFill>
-                  <a:srgbClr val="2C2C36"/>
-                </a:solidFill>
-                <a:effectLst/>
-                <a:latin typeface="system-ui"/>
-              </a:rPr>
-              <a:t>: Use the nonlinear measurement function </a:t>
-            </a:r>
-            <a:r>
-              <a:rPr lang="en-US" b="0" i="1" dirty="0">
-                <a:solidFill>
-                  <a:srgbClr val="2C2C36"/>
-                </a:solidFill>
-                <a:effectLst/>
-                <a:latin typeface="KaTeX_Math"/>
-              </a:rPr>
-              <a:t>h</a:t>
-            </a:r>
-            <a:r>
-              <a:rPr lang="en-US" b="0" i="0" dirty="0">
-                <a:solidFill>
-                  <a:srgbClr val="2C2C36"/>
-                </a:solidFill>
-                <a:effectLst/>
-                <a:latin typeface="KaTeX_Main"/>
-              </a:rPr>
-              <a:t>(⋅)</a:t>
-            </a:r>
-            <a:r>
-              <a:rPr lang="en-US" b="0" i="0" dirty="0">
-                <a:solidFill>
-                  <a:srgbClr val="2C2C36"/>
-                </a:solidFill>
-                <a:effectLst/>
-                <a:latin typeface="system-ui"/>
-              </a:rPr>
-              <a:t> to predict the measurement:</a:t>
-            </a:r>
-          </a:p>
-          <a:p>
-            <a:pPr marL="0" indent="0" algn="l">
-              <a:spcBef>
-                <a:spcPts val="900"/>
-              </a:spcBef>
-              <a:spcAft>
-                <a:spcPts val="900"/>
-              </a:spcAft>
-              <a:buNone/>
-            </a:pPr>
-            <a:r>
-              <a:rPr lang="en-US" b="1" i="0" dirty="0">
-                <a:solidFill>
-                  <a:srgbClr val="2C2C36"/>
-                </a:solidFill>
-                <a:effectLst/>
-                <a:latin typeface="KaTeX_Main"/>
-              </a:rPr>
-              <a:t>z</a:t>
-            </a:r>
-            <a:r>
-              <a:rPr lang="en-US" b="0" i="0" dirty="0">
-                <a:solidFill>
-                  <a:srgbClr val="2C2C36"/>
-                </a:solidFill>
-                <a:effectLst/>
-                <a:latin typeface="KaTeX_Main"/>
-              </a:rPr>
-              <a:t>^</a:t>
-            </a:r>
-            <a:r>
-              <a:rPr lang="en-US" b="0" i="1" dirty="0">
-                <a:solidFill>
-                  <a:srgbClr val="2C2C36"/>
-                </a:solidFill>
-                <a:effectLst/>
-                <a:latin typeface="KaTeX_Math"/>
-              </a:rPr>
-              <a:t>k</a:t>
-            </a:r>
-            <a:r>
-              <a:rPr lang="en-US" b="0" i="0" dirty="0">
-                <a:solidFill>
-                  <a:srgbClr val="2C2C36"/>
-                </a:solidFill>
-                <a:effectLst/>
-                <a:latin typeface="KaTeX_Main"/>
-              </a:rPr>
-              <a:t>∣</a:t>
-            </a:r>
-            <a:r>
-              <a:rPr lang="en-US" b="0" i="1" dirty="0">
-                <a:solidFill>
-                  <a:srgbClr val="2C2C36"/>
-                </a:solidFill>
-                <a:effectLst/>
-                <a:latin typeface="KaTeX_Math"/>
-              </a:rPr>
-              <a:t>k</a:t>
-            </a:r>
-            <a:r>
-              <a:rPr lang="en-US" b="0" i="0" dirty="0">
-                <a:solidFill>
-                  <a:srgbClr val="2C2C36"/>
-                </a:solidFill>
-                <a:effectLst/>
-                <a:latin typeface="KaTeX_Main"/>
-              </a:rPr>
-              <a:t>−1​=</a:t>
-            </a:r>
-            <a:r>
-              <a:rPr lang="en-US" b="0" i="1" dirty="0">
-                <a:solidFill>
-                  <a:srgbClr val="2C2C36"/>
-                </a:solidFill>
-                <a:effectLst/>
-                <a:latin typeface="KaTeX_Math"/>
-              </a:rPr>
-              <a:t>h</a:t>
-            </a:r>
-            <a:r>
-              <a:rPr lang="en-US" b="0" i="0" dirty="0">
-                <a:solidFill>
-                  <a:srgbClr val="2C2C36"/>
-                </a:solidFill>
-                <a:effectLst/>
-                <a:latin typeface="KaTeX_Main"/>
-              </a:rPr>
-              <a:t>(</a:t>
-            </a:r>
-            <a:r>
-              <a:rPr lang="en-US" b="1" i="0" dirty="0">
-                <a:solidFill>
-                  <a:srgbClr val="2C2C36"/>
-                </a:solidFill>
-                <a:effectLst/>
-                <a:latin typeface="KaTeX_Main"/>
-              </a:rPr>
-              <a:t>x</a:t>
-            </a:r>
-            <a:r>
-              <a:rPr lang="en-US" b="0" i="0" dirty="0">
-                <a:solidFill>
-                  <a:srgbClr val="2C2C36"/>
-                </a:solidFill>
-                <a:effectLst/>
-                <a:latin typeface="KaTeX_Main"/>
-              </a:rPr>
-              <a:t>^</a:t>
-            </a:r>
-            <a:r>
-              <a:rPr lang="en-US" b="0" i="1" dirty="0">
-                <a:solidFill>
-                  <a:srgbClr val="2C2C36"/>
-                </a:solidFill>
-                <a:effectLst/>
-                <a:latin typeface="KaTeX_Math"/>
-              </a:rPr>
-              <a:t>k</a:t>
-            </a:r>
-            <a:r>
-              <a:rPr lang="en-US" b="0" i="0" dirty="0">
-                <a:solidFill>
-                  <a:srgbClr val="2C2C36"/>
-                </a:solidFill>
-                <a:effectLst/>
-                <a:latin typeface="KaTeX_Main"/>
-              </a:rPr>
-              <a:t>∣</a:t>
-            </a:r>
-            <a:r>
-              <a:rPr lang="en-US" b="0" i="1" dirty="0">
-                <a:solidFill>
-                  <a:srgbClr val="2C2C36"/>
-                </a:solidFill>
-                <a:effectLst/>
-                <a:latin typeface="KaTeX_Math"/>
-              </a:rPr>
-              <a:t>k</a:t>
-            </a:r>
-            <a:r>
-              <a:rPr lang="en-US" b="0" i="0" dirty="0">
-                <a:solidFill>
-                  <a:srgbClr val="2C2C36"/>
-                </a:solidFill>
-                <a:effectLst/>
-                <a:latin typeface="KaTeX_Main"/>
-              </a:rPr>
-              <a:t>−1​)</a:t>
-            </a:r>
-            <a:endParaRPr lang="en-US" b="0" i="0" dirty="0">
-              <a:solidFill>
-                <a:srgbClr val="2C2C36"/>
-              </a:solidFill>
-              <a:effectLst/>
-              <a:latin typeface="system-ui"/>
-            </a:endParaRPr>
-          </a:p>
-          <a:p>
-            <a:pPr algn="l">
-              <a:spcBef>
-                <a:spcPts val="900"/>
-              </a:spcBef>
-              <a:spcAft>
-                <a:spcPts val="900"/>
-              </a:spcAft>
-              <a:buFont typeface="+mj-lt"/>
-              <a:buAutoNum type="arabicPeriod"/>
-            </a:pPr>
-            <a:r>
-              <a:rPr lang="en-US" b="0" i="0" dirty="0">
-                <a:solidFill>
-                  <a:srgbClr val="111827"/>
-                </a:solidFill>
-                <a:effectLst/>
-                <a:latin typeface="system-ui"/>
-              </a:rPr>
-              <a:t>Linearize the Measurement Model </a:t>
-            </a:r>
-            <a:r>
-              <a:rPr lang="en-US" b="0" i="0" dirty="0">
-                <a:solidFill>
-                  <a:srgbClr val="2C2C36"/>
-                </a:solidFill>
-                <a:effectLst/>
-                <a:latin typeface="system-ui"/>
-              </a:rPr>
-              <a:t>: Compute the Jacobian matrix </a:t>
-            </a:r>
-            <a:r>
-              <a:rPr lang="en-US" b="1" i="0" dirty="0" err="1">
-                <a:solidFill>
-                  <a:srgbClr val="2C2C36"/>
-                </a:solidFill>
-                <a:effectLst/>
-                <a:latin typeface="KaTeX_Main"/>
-              </a:rPr>
-              <a:t>H</a:t>
-            </a:r>
-            <a:r>
-              <a:rPr lang="en-US" b="0" i="1" dirty="0" err="1">
-                <a:solidFill>
-                  <a:srgbClr val="2C2C36"/>
-                </a:solidFill>
-                <a:effectLst/>
-                <a:latin typeface="KaTeX_Math"/>
-              </a:rPr>
-              <a:t>k</a:t>
-            </a:r>
-            <a:r>
-              <a:rPr lang="en-US" b="0" i="0" dirty="0">
-                <a:solidFill>
-                  <a:srgbClr val="2C2C36"/>
-                </a:solidFill>
-                <a:effectLst/>
-                <a:latin typeface="KaTeX_Main"/>
-              </a:rPr>
-              <a:t>​</a:t>
-            </a:r>
-            <a:r>
-              <a:rPr lang="en-US" b="0" i="0" dirty="0">
-                <a:solidFill>
-                  <a:srgbClr val="2C2C36"/>
-                </a:solidFill>
-                <a:effectLst/>
-                <a:latin typeface="system-ui"/>
-              </a:rPr>
-              <a:t> of the measurement function </a:t>
-            </a:r>
-            <a:r>
-              <a:rPr lang="en-US" b="0" i="1" dirty="0">
-                <a:solidFill>
-                  <a:srgbClr val="2C2C36"/>
-                </a:solidFill>
-                <a:effectLst/>
-                <a:latin typeface="KaTeX_Math"/>
-              </a:rPr>
-              <a:t>h</a:t>
-            </a:r>
-            <a:r>
-              <a:rPr lang="en-US" b="0" i="0" dirty="0">
-                <a:solidFill>
-                  <a:srgbClr val="2C2C36"/>
-                </a:solidFill>
-                <a:effectLst/>
-                <a:latin typeface="KaTeX_Main"/>
-              </a:rPr>
-              <a:t>(⋅)</a:t>
-            </a:r>
-            <a:r>
-              <a:rPr lang="en-US" b="0" i="0" dirty="0">
-                <a:solidFill>
-                  <a:srgbClr val="2C2C36"/>
-                </a:solidFill>
-                <a:effectLst/>
-                <a:latin typeface="system-ui"/>
-              </a:rPr>
-              <a:t> with respect to the state:</a:t>
-            </a:r>
-          </a:p>
-          <a:p>
-            <a:pPr marL="0" indent="0" algn="l">
-              <a:spcBef>
-                <a:spcPts val="900"/>
-              </a:spcBef>
-              <a:spcAft>
-                <a:spcPts val="900"/>
-              </a:spcAft>
-              <a:buNone/>
-            </a:pPr>
-            <a:r>
-              <a:rPr lang="en-US" b="1" i="0" dirty="0" err="1">
-                <a:solidFill>
-                  <a:srgbClr val="2C2C36"/>
-                </a:solidFill>
-                <a:effectLst/>
-                <a:latin typeface="KaTeX_Main"/>
-              </a:rPr>
-              <a:t>H</a:t>
-            </a:r>
-            <a:r>
-              <a:rPr lang="en-US" b="0" i="1" dirty="0" err="1">
-                <a:solidFill>
-                  <a:srgbClr val="2C2C36"/>
-                </a:solidFill>
-                <a:effectLst/>
-                <a:latin typeface="KaTeX_Math"/>
-              </a:rPr>
-              <a:t>k</a:t>
-            </a:r>
-            <a:r>
-              <a:rPr lang="en-US" b="0" i="0" dirty="0">
-                <a:solidFill>
-                  <a:srgbClr val="2C2C36"/>
-                </a:solidFill>
-                <a:effectLst/>
-                <a:latin typeface="KaTeX_Main"/>
-              </a:rPr>
-              <a:t>​=∂</a:t>
-            </a:r>
-            <a:r>
-              <a:rPr lang="en-US" b="1" i="0" dirty="0" err="1">
-                <a:solidFill>
-                  <a:srgbClr val="2C2C36"/>
-                </a:solidFill>
-                <a:effectLst/>
-                <a:latin typeface="KaTeX_Main"/>
-              </a:rPr>
-              <a:t>x</a:t>
-            </a:r>
-            <a:r>
-              <a:rPr lang="en-US" b="0" i="0" dirty="0" err="1">
-                <a:solidFill>
-                  <a:srgbClr val="2C2C36"/>
-                </a:solidFill>
-                <a:effectLst/>
-                <a:latin typeface="KaTeX_Main"/>
-              </a:rPr>
-              <a:t>∂</a:t>
-            </a:r>
-            <a:r>
-              <a:rPr lang="en-US" b="0" i="1" dirty="0" err="1">
-                <a:solidFill>
-                  <a:srgbClr val="2C2C36"/>
-                </a:solidFill>
-                <a:effectLst/>
-                <a:latin typeface="KaTeX_Math"/>
-              </a:rPr>
-              <a:t>h</a:t>
-            </a:r>
-            <a:r>
-              <a:rPr lang="en-US" b="0" i="0" dirty="0">
-                <a:solidFill>
-                  <a:srgbClr val="2C2C36"/>
-                </a:solidFill>
-                <a:effectLst/>
-                <a:latin typeface="KaTeX_Main"/>
-              </a:rPr>
-              <a:t>​​</a:t>
-            </a:r>
-            <a:r>
-              <a:rPr lang="en-US" b="1" i="0" dirty="0">
-                <a:solidFill>
-                  <a:srgbClr val="2C2C36"/>
-                </a:solidFill>
-                <a:effectLst/>
-                <a:latin typeface="KaTeX_Main"/>
-              </a:rPr>
-              <a:t>x</a:t>
-            </a:r>
-            <a:r>
-              <a:rPr lang="en-US" b="0" i="0" dirty="0">
-                <a:solidFill>
-                  <a:srgbClr val="2C2C36"/>
-                </a:solidFill>
-                <a:effectLst/>
-                <a:latin typeface="KaTeX_Main"/>
-              </a:rPr>
-              <a:t>^</a:t>
-            </a:r>
-            <a:r>
-              <a:rPr lang="en-US" b="0" i="1" dirty="0">
-                <a:solidFill>
-                  <a:srgbClr val="2C2C36"/>
-                </a:solidFill>
-                <a:effectLst/>
-                <a:latin typeface="KaTeX_Math"/>
-              </a:rPr>
-              <a:t>k</a:t>
-            </a:r>
-            <a:r>
-              <a:rPr lang="en-US" b="0" i="0" dirty="0">
-                <a:solidFill>
-                  <a:srgbClr val="2C2C36"/>
-                </a:solidFill>
-                <a:effectLst/>
-                <a:latin typeface="KaTeX_Main"/>
-              </a:rPr>
-              <a:t>∣</a:t>
-            </a:r>
-            <a:r>
-              <a:rPr lang="en-US" b="0" i="1" dirty="0">
-                <a:solidFill>
-                  <a:srgbClr val="2C2C36"/>
-                </a:solidFill>
-                <a:effectLst/>
-                <a:latin typeface="KaTeX_Math"/>
-              </a:rPr>
-              <a:t>k</a:t>
-            </a:r>
-            <a:r>
-              <a:rPr lang="en-US" b="0" i="0" dirty="0">
-                <a:solidFill>
-                  <a:srgbClr val="2C2C36"/>
-                </a:solidFill>
-                <a:effectLst/>
-                <a:latin typeface="KaTeX_Main"/>
-              </a:rPr>
-              <a:t>−1​​</a:t>
-            </a:r>
-            <a:endParaRPr lang="en-US" b="0" i="0" dirty="0">
-              <a:solidFill>
-                <a:srgbClr val="2C2C36"/>
-              </a:solidFill>
-              <a:effectLst/>
-              <a:latin typeface="system-ui"/>
-            </a:endParaRPr>
-          </a:p>
-          <a:p>
-            <a:pPr algn="l">
-              <a:spcBef>
-                <a:spcPts val="900"/>
-              </a:spcBef>
-              <a:spcAft>
-                <a:spcPts val="900"/>
-              </a:spcAft>
-              <a:buFont typeface="+mj-lt"/>
-              <a:buAutoNum type="arabicPeriod"/>
-            </a:pPr>
-            <a:r>
-              <a:rPr lang="en-US" b="0" i="0" dirty="0">
-                <a:solidFill>
-                  <a:srgbClr val="111827"/>
-                </a:solidFill>
-                <a:effectLst/>
-                <a:latin typeface="system-ui"/>
-              </a:rPr>
-              <a:t>Compute the Kalman Gain </a:t>
-            </a:r>
-            <a:r>
-              <a:rPr lang="en-US" b="0" i="0" dirty="0">
-                <a:solidFill>
-                  <a:srgbClr val="2C2C36"/>
-                </a:solidFill>
-                <a:effectLst/>
-                <a:latin typeface="system-ui"/>
-              </a:rPr>
-              <a:t>: Calculate the Kalman gain </a:t>
-            </a:r>
-            <a:r>
-              <a:rPr lang="en-US" b="1" i="0" dirty="0">
-                <a:solidFill>
-                  <a:srgbClr val="2C2C36"/>
-                </a:solidFill>
-                <a:effectLst/>
-                <a:latin typeface="KaTeX_Main"/>
-              </a:rPr>
-              <a:t>K</a:t>
-            </a:r>
-            <a:r>
-              <a:rPr lang="en-US" b="0" i="1" dirty="0">
-                <a:solidFill>
-                  <a:srgbClr val="2C2C36"/>
-                </a:solidFill>
-                <a:effectLst/>
-                <a:latin typeface="KaTeX_Math"/>
-              </a:rPr>
-              <a:t>k</a:t>
-            </a:r>
-            <a:r>
-              <a:rPr lang="en-US" b="0" i="0" dirty="0">
-                <a:solidFill>
-                  <a:srgbClr val="2C2C36"/>
-                </a:solidFill>
-                <a:effectLst/>
-                <a:latin typeface="KaTeX_Main"/>
-              </a:rPr>
-              <a:t>​</a:t>
-            </a:r>
-            <a:r>
-              <a:rPr lang="en-US" b="0" i="0" dirty="0">
-                <a:solidFill>
-                  <a:srgbClr val="2C2C36"/>
-                </a:solidFill>
-                <a:effectLst/>
-                <a:latin typeface="system-ui"/>
-              </a:rPr>
-              <a:t> using the linearized measurement model:</a:t>
-            </a:r>
-          </a:p>
-          <a:p>
-            <a:pPr marL="0" indent="0" algn="l">
-              <a:spcBef>
-                <a:spcPts val="900"/>
-              </a:spcBef>
-              <a:spcAft>
-                <a:spcPts val="900"/>
-              </a:spcAft>
-              <a:buNone/>
-            </a:pPr>
-            <a:r>
-              <a:rPr lang="en-US" b="1" i="0" dirty="0">
-                <a:solidFill>
-                  <a:srgbClr val="2C2C36"/>
-                </a:solidFill>
-                <a:effectLst/>
-                <a:latin typeface="KaTeX_Main"/>
-              </a:rPr>
-              <a:t>K</a:t>
-            </a:r>
-            <a:r>
-              <a:rPr lang="en-US" b="0" i="1" dirty="0">
-                <a:solidFill>
-                  <a:srgbClr val="2C2C36"/>
-                </a:solidFill>
-                <a:effectLst/>
-                <a:latin typeface="KaTeX_Math"/>
-              </a:rPr>
-              <a:t>k</a:t>
-            </a:r>
-            <a:r>
-              <a:rPr lang="en-US" b="0" i="0" dirty="0">
-                <a:solidFill>
-                  <a:srgbClr val="2C2C36"/>
-                </a:solidFill>
-                <a:effectLst/>
-                <a:latin typeface="KaTeX_Main"/>
-              </a:rPr>
-              <a:t>​=</a:t>
-            </a:r>
-            <a:r>
-              <a:rPr lang="en-US" b="1" i="0" dirty="0">
-                <a:solidFill>
-                  <a:srgbClr val="2C2C36"/>
-                </a:solidFill>
-                <a:effectLst/>
-                <a:latin typeface="KaTeX_Main"/>
-              </a:rPr>
-              <a:t>P</a:t>
-            </a:r>
-            <a:r>
-              <a:rPr lang="en-US" b="0" i="1" dirty="0">
-                <a:solidFill>
-                  <a:srgbClr val="2C2C36"/>
-                </a:solidFill>
-                <a:effectLst/>
-                <a:latin typeface="KaTeX_Math"/>
-              </a:rPr>
-              <a:t>k</a:t>
-            </a:r>
-            <a:r>
-              <a:rPr lang="en-US" b="0" i="0" dirty="0">
-                <a:solidFill>
-                  <a:srgbClr val="2C2C36"/>
-                </a:solidFill>
-                <a:effectLst/>
-                <a:latin typeface="KaTeX_Main"/>
-              </a:rPr>
-              <a:t>∣</a:t>
-            </a:r>
-            <a:r>
-              <a:rPr lang="en-US" b="0" i="1" dirty="0">
-                <a:solidFill>
-                  <a:srgbClr val="2C2C36"/>
-                </a:solidFill>
-                <a:effectLst/>
-                <a:latin typeface="KaTeX_Math"/>
-              </a:rPr>
-              <a:t>k</a:t>
-            </a:r>
-            <a:r>
-              <a:rPr lang="en-US" b="0" i="0" dirty="0">
-                <a:solidFill>
-                  <a:srgbClr val="2C2C36"/>
-                </a:solidFill>
-                <a:effectLst/>
-                <a:latin typeface="KaTeX_Main"/>
-              </a:rPr>
-              <a:t>−1​</a:t>
-            </a:r>
-            <a:r>
-              <a:rPr lang="en-US" b="1" i="0" dirty="0" err="1">
-                <a:solidFill>
-                  <a:srgbClr val="2C2C36"/>
-                </a:solidFill>
-                <a:effectLst/>
-                <a:latin typeface="KaTeX_Main"/>
-              </a:rPr>
-              <a:t>H</a:t>
-            </a:r>
-            <a:r>
-              <a:rPr lang="en-US" b="0" i="1" dirty="0" err="1">
-                <a:solidFill>
-                  <a:srgbClr val="2C2C36"/>
-                </a:solidFill>
-                <a:effectLst/>
-                <a:latin typeface="KaTeX_Math"/>
-              </a:rPr>
-              <a:t>kT</a:t>
-            </a:r>
-            <a:r>
-              <a:rPr lang="en-US" b="0" i="0" dirty="0">
-                <a:solidFill>
-                  <a:srgbClr val="2C2C36"/>
-                </a:solidFill>
-                <a:effectLst/>
-                <a:latin typeface="KaTeX_Main"/>
-              </a:rPr>
-              <a:t>​(</a:t>
-            </a:r>
-            <a:r>
-              <a:rPr lang="en-US" b="1" i="0" dirty="0" err="1">
-                <a:solidFill>
-                  <a:srgbClr val="2C2C36"/>
-                </a:solidFill>
-                <a:effectLst/>
-                <a:latin typeface="KaTeX_Main"/>
-              </a:rPr>
-              <a:t>H</a:t>
-            </a:r>
-            <a:r>
-              <a:rPr lang="en-US" b="0" i="1" dirty="0" err="1">
-                <a:solidFill>
-                  <a:srgbClr val="2C2C36"/>
-                </a:solidFill>
-                <a:effectLst/>
-                <a:latin typeface="KaTeX_Math"/>
-              </a:rPr>
-              <a:t>k</a:t>
-            </a:r>
-            <a:r>
-              <a:rPr lang="en-US" b="0" i="0" dirty="0">
-                <a:solidFill>
-                  <a:srgbClr val="2C2C36"/>
-                </a:solidFill>
-                <a:effectLst/>
-                <a:latin typeface="KaTeX_Main"/>
-              </a:rPr>
-              <a:t>​</a:t>
-            </a:r>
-            <a:r>
-              <a:rPr lang="en-US" b="1" i="0" dirty="0">
-                <a:solidFill>
-                  <a:srgbClr val="2C2C36"/>
-                </a:solidFill>
-                <a:effectLst/>
-                <a:latin typeface="KaTeX_Main"/>
-              </a:rPr>
-              <a:t>P</a:t>
-            </a:r>
-            <a:r>
-              <a:rPr lang="en-US" b="0" i="1" dirty="0">
-                <a:solidFill>
-                  <a:srgbClr val="2C2C36"/>
-                </a:solidFill>
-                <a:effectLst/>
-                <a:latin typeface="KaTeX_Math"/>
-              </a:rPr>
-              <a:t>k</a:t>
-            </a:r>
-            <a:r>
-              <a:rPr lang="en-US" b="0" i="0" dirty="0">
-                <a:solidFill>
-                  <a:srgbClr val="2C2C36"/>
-                </a:solidFill>
-                <a:effectLst/>
-                <a:latin typeface="KaTeX_Main"/>
-              </a:rPr>
-              <a:t>∣</a:t>
-            </a:r>
-            <a:r>
-              <a:rPr lang="en-US" b="0" i="1" dirty="0">
-                <a:solidFill>
-                  <a:srgbClr val="2C2C36"/>
-                </a:solidFill>
-                <a:effectLst/>
-                <a:latin typeface="KaTeX_Math"/>
-              </a:rPr>
-              <a:t>k</a:t>
-            </a:r>
-            <a:r>
-              <a:rPr lang="en-US" b="0" i="0" dirty="0">
-                <a:solidFill>
-                  <a:srgbClr val="2C2C36"/>
-                </a:solidFill>
-                <a:effectLst/>
-                <a:latin typeface="KaTeX_Main"/>
-              </a:rPr>
-              <a:t>−1​</a:t>
-            </a:r>
-            <a:r>
-              <a:rPr lang="en-US" b="1" i="0" dirty="0" err="1">
-                <a:solidFill>
-                  <a:srgbClr val="2C2C36"/>
-                </a:solidFill>
-                <a:effectLst/>
-                <a:latin typeface="KaTeX_Main"/>
-              </a:rPr>
-              <a:t>H</a:t>
-            </a:r>
-            <a:r>
-              <a:rPr lang="en-US" b="0" i="1" dirty="0" err="1">
-                <a:solidFill>
-                  <a:srgbClr val="2C2C36"/>
-                </a:solidFill>
-                <a:effectLst/>
-                <a:latin typeface="KaTeX_Math"/>
-              </a:rPr>
-              <a:t>kT</a:t>
-            </a:r>
-            <a:r>
-              <a:rPr lang="en-US" b="0" i="0" dirty="0">
-                <a:solidFill>
-                  <a:srgbClr val="2C2C36"/>
-                </a:solidFill>
-                <a:effectLst/>
-                <a:latin typeface="KaTeX_Main"/>
-              </a:rPr>
-              <a:t>​+</a:t>
-            </a:r>
-            <a:r>
-              <a:rPr lang="en-US" b="1" i="0" dirty="0" err="1">
-                <a:solidFill>
-                  <a:srgbClr val="2C2C36"/>
-                </a:solidFill>
-                <a:effectLst/>
-                <a:latin typeface="KaTeX_Main"/>
-              </a:rPr>
-              <a:t>R</a:t>
-            </a:r>
-            <a:r>
-              <a:rPr lang="en-US" b="0" i="1" dirty="0" err="1">
-                <a:solidFill>
-                  <a:srgbClr val="2C2C36"/>
-                </a:solidFill>
-                <a:effectLst/>
-                <a:latin typeface="KaTeX_Math"/>
-              </a:rPr>
-              <a:t>k</a:t>
-            </a:r>
-            <a:r>
-              <a:rPr lang="en-US" b="0" i="0" dirty="0">
-                <a:solidFill>
-                  <a:srgbClr val="2C2C36"/>
-                </a:solidFill>
-                <a:effectLst/>
-                <a:latin typeface="KaTeX_Main"/>
-              </a:rPr>
-              <a:t>​)−1</a:t>
-            </a:r>
-            <a:endParaRPr lang="en-US" b="0" i="0" dirty="0">
-              <a:solidFill>
-                <a:srgbClr val="2C2C36"/>
-              </a:solidFill>
-              <a:effectLst/>
-              <a:latin typeface="system-ui"/>
-            </a:endParaRPr>
-          </a:p>
-          <a:p>
-            <a:pPr algn="l">
-              <a:spcBef>
-                <a:spcPts val="900"/>
-              </a:spcBef>
-              <a:spcAft>
-                <a:spcPts val="900"/>
-              </a:spcAft>
-              <a:buFont typeface="+mj-lt"/>
-              <a:buAutoNum type="arabicPeriod"/>
-            </a:pPr>
-            <a:r>
-              <a:rPr lang="en-US" b="0" i="0" dirty="0">
-                <a:solidFill>
-                  <a:srgbClr val="111827"/>
-                </a:solidFill>
-                <a:effectLst/>
-                <a:latin typeface="system-ui"/>
-              </a:rPr>
-              <a:t>Update the State Estimate </a:t>
-            </a:r>
-            <a:r>
-              <a:rPr lang="en-US" b="0" i="0" dirty="0">
-                <a:solidFill>
-                  <a:srgbClr val="2C2C36"/>
-                </a:solidFill>
-                <a:effectLst/>
-                <a:latin typeface="system-ui"/>
-              </a:rPr>
-              <a:t>: Correct the predicted state using the innovation (difference between actual and predicted measurements):</a:t>
-            </a:r>
-          </a:p>
-          <a:p>
-            <a:pPr marL="0" indent="0" algn="l">
-              <a:spcBef>
-                <a:spcPts val="900"/>
-              </a:spcBef>
-              <a:spcAft>
-                <a:spcPts val="900"/>
-              </a:spcAft>
-              <a:buNone/>
-            </a:pPr>
-            <a:r>
-              <a:rPr lang="en-US" b="1" i="0" dirty="0" err="1">
-                <a:solidFill>
-                  <a:srgbClr val="2C2C36"/>
-                </a:solidFill>
-                <a:effectLst/>
-                <a:latin typeface="KaTeX_Main"/>
-              </a:rPr>
-              <a:t>x</a:t>
-            </a:r>
-            <a:r>
-              <a:rPr lang="en-US" b="0" i="0" dirty="0" err="1">
-                <a:solidFill>
-                  <a:srgbClr val="2C2C36"/>
-                </a:solidFill>
-                <a:effectLst/>
-                <a:latin typeface="KaTeX_Main"/>
-              </a:rPr>
-              <a:t>^</a:t>
-            </a:r>
-            <a:r>
-              <a:rPr lang="en-US" b="0" i="1" dirty="0" err="1">
-                <a:solidFill>
-                  <a:srgbClr val="2C2C36"/>
-                </a:solidFill>
-                <a:effectLst/>
-                <a:latin typeface="KaTeX_Math"/>
-              </a:rPr>
-              <a:t>k</a:t>
-            </a:r>
-            <a:r>
-              <a:rPr lang="en-US" b="0" i="0" dirty="0" err="1">
-                <a:solidFill>
-                  <a:srgbClr val="2C2C36"/>
-                </a:solidFill>
-                <a:effectLst/>
-                <a:latin typeface="KaTeX_Main"/>
-              </a:rPr>
-              <a:t>∣</a:t>
-            </a:r>
-            <a:r>
-              <a:rPr lang="en-US" b="0" i="1" dirty="0" err="1">
-                <a:solidFill>
-                  <a:srgbClr val="2C2C36"/>
-                </a:solidFill>
-                <a:effectLst/>
-                <a:latin typeface="KaTeX_Math"/>
-              </a:rPr>
-              <a:t>k</a:t>
-            </a:r>
-            <a:r>
-              <a:rPr lang="en-US" b="0" i="0" dirty="0">
-                <a:solidFill>
-                  <a:srgbClr val="2C2C36"/>
-                </a:solidFill>
-                <a:effectLst/>
-                <a:latin typeface="KaTeX_Main"/>
-              </a:rPr>
-              <a:t>​=</a:t>
-            </a:r>
-            <a:r>
-              <a:rPr lang="en-US" b="1" i="0" dirty="0">
-                <a:solidFill>
-                  <a:srgbClr val="2C2C36"/>
-                </a:solidFill>
-                <a:effectLst/>
-                <a:latin typeface="KaTeX_Main"/>
-              </a:rPr>
-              <a:t>x</a:t>
-            </a:r>
-            <a:r>
-              <a:rPr lang="en-US" b="0" i="0" dirty="0">
-                <a:solidFill>
-                  <a:srgbClr val="2C2C36"/>
-                </a:solidFill>
-                <a:effectLst/>
-                <a:latin typeface="KaTeX_Main"/>
-              </a:rPr>
-              <a:t>^</a:t>
-            </a:r>
-            <a:r>
-              <a:rPr lang="en-US" b="0" i="1" dirty="0">
-                <a:solidFill>
-                  <a:srgbClr val="2C2C36"/>
-                </a:solidFill>
-                <a:effectLst/>
-                <a:latin typeface="KaTeX_Math"/>
-              </a:rPr>
-              <a:t>k</a:t>
-            </a:r>
-            <a:r>
-              <a:rPr lang="en-US" b="0" i="0" dirty="0">
-                <a:solidFill>
-                  <a:srgbClr val="2C2C36"/>
-                </a:solidFill>
-                <a:effectLst/>
-                <a:latin typeface="KaTeX_Main"/>
-              </a:rPr>
-              <a:t>∣</a:t>
-            </a:r>
-            <a:r>
-              <a:rPr lang="en-US" b="0" i="1" dirty="0">
-                <a:solidFill>
-                  <a:srgbClr val="2C2C36"/>
-                </a:solidFill>
-                <a:effectLst/>
-                <a:latin typeface="KaTeX_Math"/>
-              </a:rPr>
-              <a:t>k</a:t>
-            </a:r>
-            <a:r>
-              <a:rPr lang="en-US" b="0" i="0" dirty="0">
-                <a:solidFill>
-                  <a:srgbClr val="2C2C36"/>
-                </a:solidFill>
-                <a:effectLst/>
-                <a:latin typeface="KaTeX_Main"/>
-              </a:rPr>
-              <a:t>−1​+</a:t>
-            </a:r>
-            <a:r>
-              <a:rPr lang="en-US" b="1" i="0" dirty="0">
-                <a:solidFill>
-                  <a:srgbClr val="2C2C36"/>
-                </a:solidFill>
-                <a:effectLst/>
-                <a:latin typeface="KaTeX_Main"/>
-              </a:rPr>
-              <a:t>K</a:t>
-            </a:r>
-            <a:r>
-              <a:rPr lang="en-US" b="0" i="1" dirty="0">
-                <a:solidFill>
-                  <a:srgbClr val="2C2C36"/>
-                </a:solidFill>
-                <a:effectLst/>
-                <a:latin typeface="KaTeX_Math"/>
-              </a:rPr>
-              <a:t>k</a:t>
-            </a:r>
-            <a:r>
-              <a:rPr lang="en-US" b="0" i="0" dirty="0">
-                <a:solidFill>
-                  <a:srgbClr val="2C2C36"/>
-                </a:solidFill>
-                <a:effectLst/>
-                <a:latin typeface="KaTeX_Main"/>
-              </a:rPr>
-              <a:t>​(</a:t>
-            </a:r>
-            <a:r>
-              <a:rPr lang="en-US" b="1" i="0" dirty="0" err="1">
-                <a:solidFill>
-                  <a:srgbClr val="2C2C36"/>
-                </a:solidFill>
-                <a:effectLst/>
-                <a:latin typeface="KaTeX_Main"/>
-              </a:rPr>
-              <a:t>z</a:t>
-            </a:r>
-            <a:r>
-              <a:rPr lang="en-US" b="0" i="1" dirty="0" err="1">
-                <a:solidFill>
-                  <a:srgbClr val="2C2C36"/>
-                </a:solidFill>
-                <a:effectLst/>
-                <a:latin typeface="KaTeX_Math"/>
-              </a:rPr>
-              <a:t>k</a:t>
-            </a:r>
-            <a:r>
-              <a:rPr lang="en-US" b="0" i="0" dirty="0">
-                <a:solidFill>
-                  <a:srgbClr val="2C2C36"/>
-                </a:solidFill>
-                <a:effectLst/>
-                <a:latin typeface="KaTeX_Main"/>
-              </a:rPr>
-              <a:t>​−</a:t>
-            </a:r>
-            <a:r>
-              <a:rPr lang="en-US" b="1" i="0" dirty="0">
-                <a:solidFill>
-                  <a:srgbClr val="2C2C36"/>
-                </a:solidFill>
-                <a:effectLst/>
-                <a:latin typeface="KaTeX_Main"/>
-              </a:rPr>
-              <a:t>z</a:t>
-            </a:r>
-            <a:r>
-              <a:rPr lang="en-US" b="0" i="0" dirty="0">
-                <a:solidFill>
-                  <a:srgbClr val="2C2C36"/>
-                </a:solidFill>
-                <a:effectLst/>
-                <a:latin typeface="KaTeX_Main"/>
-              </a:rPr>
-              <a:t>^</a:t>
-            </a:r>
-            <a:r>
-              <a:rPr lang="en-US" b="0" i="1" dirty="0">
-                <a:solidFill>
-                  <a:srgbClr val="2C2C36"/>
-                </a:solidFill>
-                <a:effectLst/>
-                <a:latin typeface="KaTeX_Math"/>
-              </a:rPr>
-              <a:t>k</a:t>
-            </a:r>
-            <a:r>
-              <a:rPr lang="en-US" b="0" i="0" dirty="0">
-                <a:solidFill>
-                  <a:srgbClr val="2C2C36"/>
-                </a:solidFill>
-                <a:effectLst/>
-                <a:latin typeface="KaTeX_Main"/>
-              </a:rPr>
-              <a:t>∣</a:t>
-            </a:r>
-            <a:r>
-              <a:rPr lang="en-US" b="0" i="1" dirty="0">
-                <a:solidFill>
-                  <a:srgbClr val="2C2C36"/>
-                </a:solidFill>
-                <a:effectLst/>
-                <a:latin typeface="KaTeX_Math"/>
-              </a:rPr>
-              <a:t>k</a:t>
-            </a:r>
-            <a:r>
-              <a:rPr lang="en-US" b="0" i="0" dirty="0">
-                <a:solidFill>
-                  <a:srgbClr val="2C2C36"/>
-                </a:solidFill>
-                <a:effectLst/>
-                <a:latin typeface="KaTeX_Main"/>
-              </a:rPr>
-              <a:t>−1​)</a:t>
-            </a:r>
-            <a:endParaRPr lang="en-US" b="0" i="0" dirty="0">
-              <a:solidFill>
-                <a:srgbClr val="2C2C36"/>
-              </a:solidFill>
-              <a:effectLst/>
-              <a:latin typeface="system-ui"/>
-            </a:endParaRPr>
-          </a:p>
-          <a:p>
-            <a:pPr algn="l">
-              <a:spcBef>
-                <a:spcPts val="900"/>
-              </a:spcBef>
-              <a:spcAft>
-                <a:spcPts val="900"/>
-              </a:spcAft>
-              <a:buFont typeface="+mj-lt"/>
-              <a:buAutoNum type="arabicPeriod"/>
-            </a:pPr>
-            <a:r>
-              <a:rPr lang="en-US" b="0" i="0" dirty="0" err="1">
-                <a:solidFill>
-                  <a:srgbClr val="111827"/>
-                </a:solidFill>
-                <a:effectLst/>
-                <a:latin typeface="system-ui"/>
-              </a:rPr>
-              <a:t>pdate</a:t>
-            </a:r>
-            <a:r>
-              <a:rPr lang="en-US" b="0" i="0" dirty="0">
-                <a:solidFill>
-                  <a:srgbClr val="111827"/>
-                </a:solidFill>
-                <a:effectLst/>
-                <a:latin typeface="system-ui"/>
-              </a:rPr>
-              <a:t> the Error Covariance </a:t>
-            </a:r>
-            <a:r>
-              <a:rPr lang="en-US" b="0" i="0" dirty="0">
-                <a:solidFill>
-                  <a:srgbClr val="2C2C36"/>
-                </a:solidFill>
-                <a:effectLst/>
-                <a:latin typeface="system-ui"/>
-              </a:rPr>
-              <a:t>: Update the error covariance matrix:</a:t>
-            </a:r>
-          </a:p>
-          <a:p>
-            <a:pPr marL="0" indent="0" algn="l">
-              <a:spcBef>
-                <a:spcPts val="900"/>
-              </a:spcBef>
-              <a:spcAft>
-                <a:spcPts val="900"/>
-              </a:spcAft>
-              <a:buNone/>
-            </a:pPr>
-            <a:r>
-              <a:rPr lang="en-US" b="1" i="0" dirty="0" err="1">
-                <a:solidFill>
-                  <a:srgbClr val="2C2C36"/>
-                </a:solidFill>
-                <a:effectLst/>
-                <a:latin typeface="KaTeX_Main"/>
-              </a:rPr>
-              <a:t>P</a:t>
-            </a:r>
-            <a:r>
-              <a:rPr lang="en-US" b="0" i="1" dirty="0" err="1">
-                <a:solidFill>
-                  <a:srgbClr val="2C2C36"/>
-                </a:solidFill>
-                <a:effectLst/>
-                <a:latin typeface="KaTeX_Math"/>
-              </a:rPr>
-              <a:t>k</a:t>
-            </a:r>
-            <a:r>
-              <a:rPr lang="en-US" b="0" i="0" dirty="0" err="1">
-                <a:solidFill>
-                  <a:srgbClr val="2C2C36"/>
-                </a:solidFill>
-                <a:effectLst/>
-                <a:latin typeface="KaTeX_Main"/>
-              </a:rPr>
-              <a:t>∣</a:t>
-            </a:r>
-            <a:r>
-              <a:rPr lang="en-US" b="0" i="1" dirty="0" err="1">
-                <a:solidFill>
-                  <a:srgbClr val="2C2C36"/>
-                </a:solidFill>
-                <a:effectLst/>
-                <a:latin typeface="KaTeX_Math"/>
-              </a:rPr>
-              <a:t>k</a:t>
-            </a:r>
-            <a:r>
-              <a:rPr lang="en-US" b="0" i="0" dirty="0">
-                <a:solidFill>
-                  <a:srgbClr val="2C2C36"/>
-                </a:solidFill>
-                <a:effectLst/>
-                <a:latin typeface="KaTeX_Main"/>
-              </a:rPr>
-              <a:t>​=(</a:t>
-            </a:r>
-            <a:r>
-              <a:rPr lang="en-US" b="1" i="0" dirty="0">
-                <a:solidFill>
-                  <a:srgbClr val="2C2C36"/>
-                </a:solidFill>
-                <a:effectLst/>
-                <a:latin typeface="KaTeX_Main"/>
-              </a:rPr>
-              <a:t>I</a:t>
-            </a:r>
-            <a:r>
-              <a:rPr lang="en-US" b="0" i="0" dirty="0">
-                <a:solidFill>
-                  <a:srgbClr val="2C2C36"/>
-                </a:solidFill>
-                <a:effectLst/>
-                <a:latin typeface="KaTeX_Main"/>
-              </a:rPr>
-              <a:t>−</a:t>
-            </a:r>
-            <a:r>
-              <a:rPr lang="en-US" b="1" i="0" dirty="0">
-                <a:solidFill>
-                  <a:srgbClr val="2C2C36"/>
-                </a:solidFill>
-                <a:effectLst/>
-                <a:latin typeface="KaTeX_Main"/>
-              </a:rPr>
-              <a:t>K</a:t>
-            </a:r>
-            <a:r>
-              <a:rPr lang="en-US" b="0" i="1" dirty="0">
-                <a:solidFill>
-                  <a:srgbClr val="2C2C36"/>
-                </a:solidFill>
-                <a:effectLst/>
-                <a:latin typeface="KaTeX_Math"/>
-              </a:rPr>
-              <a:t>k</a:t>
-            </a:r>
-            <a:r>
-              <a:rPr lang="en-US" b="0" i="0" dirty="0">
-                <a:solidFill>
-                  <a:srgbClr val="2C2C36"/>
-                </a:solidFill>
-                <a:effectLst/>
-                <a:latin typeface="KaTeX_Main"/>
-              </a:rPr>
-              <a:t>​</a:t>
-            </a:r>
-            <a:r>
-              <a:rPr lang="en-US" b="1" i="0" dirty="0" err="1">
-                <a:solidFill>
-                  <a:srgbClr val="2C2C36"/>
-                </a:solidFill>
-                <a:effectLst/>
-                <a:latin typeface="KaTeX_Main"/>
-              </a:rPr>
-              <a:t>H</a:t>
-            </a:r>
-            <a:r>
-              <a:rPr lang="en-US" b="0" i="1" dirty="0" err="1">
-                <a:solidFill>
-                  <a:srgbClr val="2C2C36"/>
-                </a:solidFill>
-                <a:effectLst/>
-                <a:latin typeface="KaTeX_Math"/>
-              </a:rPr>
-              <a:t>k</a:t>
-            </a:r>
-            <a:r>
-              <a:rPr lang="en-US" b="0" i="0" dirty="0">
-                <a:solidFill>
-                  <a:srgbClr val="2C2C36"/>
-                </a:solidFill>
-                <a:effectLst/>
-                <a:latin typeface="KaTeX_Main"/>
-              </a:rPr>
-              <a:t>​)</a:t>
-            </a:r>
-            <a:r>
-              <a:rPr lang="en-US" b="1" i="0" dirty="0">
-                <a:solidFill>
-                  <a:srgbClr val="2C2C36"/>
-                </a:solidFill>
-                <a:effectLst/>
-                <a:latin typeface="KaTeX_Main"/>
-              </a:rPr>
-              <a:t>P</a:t>
-            </a:r>
-            <a:r>
-              <a:rPr lang="en-US" b="0" i="1" dirty="0">
-                <a:solidFill>
-                  <a:srgbClr val="2C2C36"/>
-                </a:solidFill>
-                <a:effectLst/>
-                <a:latin typeface="KaTeX_Math"/>
-              </a:rPr>
-              <a:t>k</a:t>
-            </a:r>
-            <a:r>
-              <a:rPr lang="en-US" b="0" i="0" dirty="0">
-                <a:solidFill>
-                  <a:srgbClr val="2C2C36"/>
-                </a:solidFill>
-                <a:effectLst/>
-                <a:latin typeface="KaTeX_Main"/>
-              </a:rPr>
-              <a:t>∣</a:t>
-            </a:r>
-            <a:r>
-              <a:rPr lang="en-US" b="0" i="1" dirty="0">
-                <a:solidFill>
-                  <a:srgbClr val="2C2C36"/>
-                </a:solidFill>
-                <a:effectLst/>
-                <a:latin typeface="KaTeX_Math"/>
-              </a:rPr>
-              <a:t>k</a:t>
-            </a:r>
-            <a:r>
-              <a:rPr lang="en-US" b="0" i="0" dirty="0">
-                <a:solidFill>
-                  <a:srgbClr val="2C2C36"/>
-                </a:solidFill>
-                <a:effectLst/>
-                <a:latin typeface="KaTeX_Main"/>
-              </a:rPr>
-              <a:t>−1​</a:t>
-            </a:r>
-            <a:br>
-              <a:rPr lang="en-US" dirty="0"/>
-            </a:br>
-            <a:endParaRPr lang="en-US" dirty="0"/>
-          </a:p>
-        </p:txBody>
-      </p:sp>
+      <mc:AlternateContent xmlns:mc="http://schemas.openxmlformats.org/markup-compatibility/2006">
+        <mc:Choice xmlns:a14="http://schemas.microsoft.com/office/drawing/2010/main" Requires="a14">
+          <p:sp>
+            <p:nvSpPr>
+              <p:cNvPr id="3" name="Content Placeholder 2">
+                <a:extLst>
+                  <a:ext uri="{FF2B5EF4-FFF2-40B4-BE49-F238E27FC236}">
+                    <a16:creationId xmlns:a16="http://schemas.microsoft.com/office/drawing/2014/main" id="{4A3288D8-6A54-DB4C-EDE2-364933EBD371}"/>
+                  </a:ext>
+                </a:extLst>
+              </p:cNvPr>
+              <p:cNvSpPr>
+                <a:spLocks noGrp="1"/>
+              </p:cNvSpPr>
+              <p:nvPr>
+                <p:ph idx="1"/>
+              </p:nvPr>
+            </p:nvSpPr>
+            <p:spPr/>
+            <p:txBody>
+              <a:bodyPr>
+                <a:normAutofit/>
+              </a:bodyPr>
+              <a:lstStyle/>
+              <a:p>
+                <a:pPr algn="l">
+                  <a:spcBef>
+                    <a:spcPts val="900"/>
+                  </a:spcBef>
+                  <a:spcAft>
+                    <a:spcPts val="900"/>
+                  </a:spcAft>
+                  <a:buFont typeface="+mj-lt"/>
+                  <a:buAutoNum type="arabicPeriod"/>
+                </a:pPr>
+                <a:r>
+                  <a:rPr lang="en-US" b="0" i="0" dirty="0">
+                    <a:solidFill>
+                      <a:srgbClr val="111827"/>
+                    </a:solidFill>
+                    <a:effectLst/>
+                    <a:latin typeface="system-ui"/>
+                  </a:rPr>
+                  <a:t>Predict the Measurement </a:t>
+                </a:r>
+                <a:r>
+                  <a:rPr lang="en-US" b="0" i="0" dirty="0">
+                    <a:solidFill>
+                      <a:srgbClr val="2C2C36"/>
+                    </a:solidFill>
+                    <a:effectLst/>
+                    <a:latin typeface="system-ui"/>
+                  </a:rPr>
+                  <a:t>: Use the nonlinear measurement function </a:t>
+                </a:r>
+                <a:r>
+                  <a:rPr lang="en-US" b="0" i="1" dirty="0">
+                    <a:solidFill>
+                      <a:srgbClr val="2C2C36"/>
+                    </a:solidFill>
+                    <a:effectLst/>
+                    <a:latin typeface="KaTeX_Math"/>
+                  </a:rPr>
+                  <a:t>h</a:t>
+                </a:r>
+                <a:r>
+                  <a:rPr lang="en-US" b="0" i="0" dirty="0">
+                    <a:solidFill>
+                      <a:srgbClr val="2C2C36"/>
+                    </a:solidFill>
+                    <a:effectLst/>
+                    <a:latin typeface="KaTeX_Main"/>
+                  </a:rPr>
+                  <a:t>(⋅)</a:t>
+                </a:r>
+                <a:r>
+                  <a:rPr lang="en-US" b="0" i="0" dirty="0">
+                    <a:solidFill>
+                      <a:srgbClr val="2C2C36"/>
+                    </a:solidFill>
+                    <a:effectLst/>
+                    <a:latin typeface="system-ui"/>
+                  </a:rPr>
+                  <a:t> to predict the measurement:</a:t>
+                </a:r>
+              </a:p>
+              <a:p>
+                <a:pPr marL="0" indent="0">
+                  <a:spcBef>
+                    <a:spcPts val="900"/>
+                  </a:spcBef>
+                  <a:spcAft>
+                    <a:spcPts val="900"/>
+                  </a:spcAft>
+                  <a:buNone/>
+                </a:pPr>
+                <a14:m>
+                  <m:oMathPara xmlns:m="http://schemas.openxmlformats.org/officeDocument/2006/math">
+                    <m:oMathParaPr>
+                      <m:jc m:val="centerGroup"/>
+                    </m:oMathParaPr>
+                    <m:oMath xmlns:m="http://schemas.openxmlformats.org/officeDocument/2006/math">
+                      <m:sSub>
+                        <m:sSubPr>
+                          <m:ctrlPr>
+                            <a:rPr lang="en-US" b="0" i="1" dirty="0" smtClean="0">
+                              <a:solidFill>
+                                <a:srgbClr val="2C2C36"/>
+                              </a:solidFill>
+                              <a:effectLst/>
+                              <a:latin typeface="Cambria Math" panose="02040503050406030204" pitchFamily="18" charset="0"/>
+                            </a:rPr>
+                          </m:ctrlPr>
+                        </m:sSubPr>
+                        <m:e>
+                          <m:acc>
+                            <m:accPr>
+                              <m:chr m:val="̂"/>
+                              <m:ctrlPr>
+                                <a:rPr lang="en-US" b="1" i="1" dirty="0" smtClean="0">
+                                  <a:solidFill>
+                                    <a:srgbClr val="2C2C36"/>
+                                  </a:solidFill>
+                                  <a:effectLst/>
+                                  <a:latin typeface="Cambria Math" panose="02040503050406030204" pitchFamily="18" charset="0"/>
+                                </a:rPr>
+                              </m:ctrlPr>
+                            </m:accPr>
+                            <m:e>
+                              <m:r>
+                                <a:rPr lang="en-US" b="1" i="1" dirty="0" smtClean="0">
+                                  <a:solidFill>
+                                    <a:srgbClr val="2C2C36"/>
+                                  </a:solidFill>
+                                  <a:effectLst/>
+                                  <a:latin typeface="Cambria Math" panose="02040503050406030204" pitchFamily="18" charset="0"/>
+                                </a:rPr>
+                                <m:t>𝒛</m:t>
+                              </m:r>
+                            </m:e>
+                          </m:acc>
+                        </m:e>
+                        <m:sub>
+                          <m:r>
+                            <a:rPr lang="en-US" b="0" i="1" dirty="0" smtClean="0">
+                              <a:solidFill>
+                                <a:srgbClr val="2C2C36"/>
+                              </a:solidFill>
+                              <a:effectLst/>
+                              <a:latin typeface="Cambria Math" panose="02040503050406030204" pitchFamily="18" charset="0"/>
+                            </a:rPr>
+                            <m:t>𝑘</m:t>
+                          </m:r>
+                          <m:r>
+                            <a:rPr lang="en-US" b="0" i="1" dirty="0" smtClean="0">
+                              <a:solidFill>
+                                <a:srgbClr val="2C2C36"/>
+                              </a:solidFill>
+                              <a:effectLst/>
+                              <a:latin typeface="Cambria Math" panose="02040503050406030204" pitchFamily="18" charset="0"/>
+                            </a:rPr>
+                            <m:t>∣</m:t>
+                          </m:r>
+                          <m:r>
+                            <a:rPr lang="en-US" b="0" i="1" dirty="0" smtClean="0">
+                              <a:solidFill>
+                                <a:srgbClr val="2C2C36"/>
+                              </a:solidFill>
+                              <a:effectLst/>
+                              <a:latin typeface="Cambria Math" panose="02040503050406030204" pitchFamily="18" charset="0"/>
+                            </a:rPr>
+                            <m:t>𝑘</m:t>
+                          </m:r>
+                          <m:r>
+                            <a:rPr lang="en-US" b="0" i="1" dirty="0" smtClean="0">
+                              <a:solidFill>
+                                <a:srgbClr val="2C2C36"/>
+                              </a:solidFill>
+                              <a:effectLst/>
+                              <a:latin typeface="Cambria Math" panose="02040503050406030204" pitchFamily="18" charset="0"/>
+                            </a:rPr>
+                            <m:t>−1</m:t>
+                          </m:r>
+                        </m:sub>
+                      </m:sSub>
+                      <m:r>
+                        <a:rPr lang="en-US" b="0" i="1" dirty="0" smtClean="0">
+                          <a:solidFill>
+                            <a:srgbClr val="2C2C36"/>
+                          </a:solidFill>
+                          <a:effectLst/>
+                          <a:latin typeface="Cambria Math" panose="02040503050406030204" pitchFamily="18" charset="0"/>
+                        </a:rPr>
+                        <m:t>​=</m:t>
+                      </m:r>
+                      <m:r>
+                        <a:rPr lang="en-US" b="0" i="1" dirty="0" smtClean="0">
+                          <a:solidFill>
+                            <a:srgbClr val="2C2C36"/>
+                          </a:solidFill>
+                          <a:effectLst/>
+                          <a:latin typeface="Cambria Math" panose="02040503050406030204" pitchFamily="18" charset="0"/>
+                        </a:rPr>
+                        <m:t>h</m:t>
+                      </m:r>
+                      <m:r>
+                        <a:rPr lang="en-US" b="0" i="1" dirty="0" smtClean="0">
+                          <a:solidFill>
+                            <a:srgbClr val="2C2C36"/>
+                          </a:solidFill>
+                          <a:effectLst/>
+                          <a:latin typeface="Cambria Math" panose="02040503050406030204" pitchFamily="18" charset="0"/>
+                        </a:rPr>
+                        <m:t>(</m:t>
+                      </m:r>
+                      <m:sSub>
+                        <m:sSubPr>
+                          <m:ctrlPr>
+                            <a:rPr lang="en-US" b="0" i="1" dirty="0" smtClean="0">
+                              <a:solidFill>
+                                <a:srgbClr val="2C2C36"/>
+                              </a:solidFill>
+                              <a:effectLst/>
+                              <a:latin typeface="Cambria Math" panose="02040503050406030204" pitchFamily="18" charset="0"/>
+                            </a:rPr>
+                          </m:ctrlPr>
+                        </m:sSubPr>
+                        <m:e>
+                          <m:acc>
+                            <m:accPr>
+                              <m:chr m:val="̂"/>
+                              <m:ctrlPr>
+                                <a:rPr lang="en-US" b="0" i="1" dirty="0" smtClean="0">
+                                  <a:solidFill>
+                                    <a:srgbClr val="2C2C36"/>
+                                  </a:solidFill>
+                                  <a:effectLst/>
+                                  <a:latin typeface="Cambria Math" panose="02040503050406030204" pitchFamily="18" charset="0"/>
+                                </a:rPr>
+                              </m:ctrlPr>
+                            </m:accPr>
+                            <m:e>
+                              <m:r>
+                                <a:rPr lang="en-US" b="1" i="1" dirty="0" smtClean="0">
+                                  <a:solidFill>
+                                    <a:srgbClr val="2C2C36"/>
+                                  </a:solidFill>
+                                  <a:effectLst/>
+                                  <a:latin typeface="Cambria Math" panose="02040503050406030204" pitchFamily="18" charset="0"/>
+                                </a:rPr>
+                                <m:t>𝒙</m:t>
+                              </m:r>
+                            </m:e>
+                          </m:acc>
+                        </m:e>
+                        <m:sub>
+                          <m:r>
+                            <a:rPr lang="en-US" b="0" i="1" dirty="0" smtClean="0">
+                              <a:solidFill>
+                                <a:srgbClr val="2C2C36"/>
+                              </a:solidFill>
+                              <a:effectLst/>
+                              <a:latin typeface="Cambria Math" panose="02040503050406030204" pitchFamily="18" charset="0"/>
+                            </a:rPr>
+                            <m:t>𝑘</m:t>
+                          </m:r>
+                          <m:r>
+                            <a:rPr lang="en-US" b="0" i="1" dirty="0" smtClean="0">
+                              <a:solidFill>
+                                <a:srgbClr val="2C2C36"/>
+                              </a:solidFill>
+                              <a:effectLst/>
+                              <a:latin typeface="Cambria Math" panose="02040503050406030204" pitchFamily="18" charset="0"/>
+                            </a:rPr>
+                            <m:t>∣</m:t>
+                          </m:r>
+                          <m:r>
+                            <a:rPr lang="en-US" b="0" i="1" dirty="0" smtClean="0">
+                              <a:solidFill>
+                                <a:srgbClr val="2C2C36"/>
+                              </a:solidFill>
+                              <a:effectLst/>
+                              <a:latin typeface="Cambria Math" panose="02040503050406030204" pitchFamily="18" charset="0"/>
+                            </a:rPr>
+                            <m:t>𝑘</m:t>
+                          </m:r>
+                          <m:r>
+                            <a:rPr lang="en-US" b="0" i="1" dirty="0" smtClean="0">
+                              <a:solidFill>
+                                <a:srgbClr val="2C2C36"/>
+                              </a:solidFill>
+                              <a:effectLst/>
+                              <a:latin typeface="Cambria Math" panose="02040503050406030204" pitchFamily="18" charset="0"/>
+                            </a:rPr>
+                            <m:t>−1</m:t>
+                          </m:r>
+                        </m:sub>
+                      </m:sSub>
+                      <m:r>
+                        <a:rPr lang="en-US" b="0" i="1" dirty="0" smtClean="0">
+                          <a:solidFill>
+                            <a:srgbClr val="2C2C36"/>
+                          </a:solidFill>
+                          <a:effectLst/>
+                          <a:latin typeface="Cambria Math" panose="02040503050406030204" pitchFamily="18" charset="0"/>
+                        </a:rPr>
+                        <m:t> ​)</m:t>
+                      </m:r>
+                    </m:oMath>
+                  </m:oMathPara>
+                </a14:m>
+                <a:endParaRPr lang="en-US" b="0" i="0" dirty="0">
+                  <a:solidFill>
+                    <a:srgbClr val="2C2C36"/>
+                  </a:solidFill>
+                  <a:effectLst/>
+                  <a:latin typeface="system-ui"/>
+                </a:endParaRPr>
+              </a:p>
+              <a:p>
+                <a:pPr marL="514350" indent="-514350" algn="l">
+                  <a:spcBef>
+                    <a:spcPts val="900"/>
+                  </a:spcBef>
+                  <a:spcAft>
+                    <a:spcPts val="900"/>
+                  </a:spcAft>
+                  <a:buFont typeface="+mj-lt"/>
+                  <a:buAutoNum type="arabicPeriod" startAt="2"/>
+                </a:pPr>
+                <a:r>
+                  <a:rPr lang="en-US" b="0" i="0" dirty="0">
+                    <a:solidFill>
+                      <a:srgbClr val="111827"/>
+                    </a:solidFill>
+                    <a:effectLst/>
+                    <a:latin typeface="system-ui"/>
+                  </a:rPr>
+                  <a:t>Linearize the Measurement Model </a:t>
+                </a:r>
+                <a:r>
+                  <a:rPr lang="en-US" b="0" i="0" dirty="0">
+                    <a:solidFill>
+                      <a:srgbClr val="2C2C36"/>
+                    </a:solidFill>
+                    <a:effectLst/>
+                    <a:latin typeface="system-ui"/>
+                  </a:rPr>
+                  <a:t>: Compute the Jacobian matrix </a:t>
+                </a:r>
+                <a:r>
+                  <a:rPr lang="en-US" b="1" i="0" dirty="0" err="1">
+                    <a:solidFill>
+                      <a:srgbClr val="2C2C36"/>
+                    </a:solidFill>
+                    <a:effectLst/>
+                    <a:latin typeface="KaTeX_Main"/>
+                  </a:rPr>
+                  <a:t>H</a:t>
+                </a:r>
+                <a:r>
+                  <a:rPr lang="en-US" b="0" i="1" dirty="0" err="1">
+                    <a:solidFill>
+                      <a:srgbClr val="2C2C36"/>
+                    </a:solidFill>
+                    <a:effectLst/>
+                    <a:latin typeface="KaTeX_Math"/>
+                  </a:rPr>
+                  <a:t>k</a:t>
+                </a:r>
+                <a:r>
+                  <a:rPr lang="en-US" b="0" i="0" dirty="0">
+                    <a:solidFill>
+                      <a:srgbClr val="2C2C36"/>
+                    </a:solidFill>
+                    <a:effectLst/>
+                    <a:latin typeface="KaTeX_Main"/>
+                  </a:rPr>
+                  <a:t>​</a:t>
+                </a:r>
+                <a:r>
+                  <a:rPr lang="en-US" b="0" i="0" dirty="0">
+                    <a:solidFill>
+                      <a:srgbClr val="2C2C36"/>
+                    </a:solidFill>
+                    <a:effectLst/>
+                    <a:latin typeface="system-ui"/>
+                  </a:rPr>
+                  <a:t> of the measurement function </a:t>
+                </a:r>
+                <a:r>
+                  <a:rPr lang="en-US" b="0" i="1" dirty="0">
+                    <a:solidFill>
+                      <a:srgbClr val="2C2C36"/>
+                    </a:solidFill>
+                    <a:effectLst/>
+                    <a:latin typeface="KaTeX_Math"/>
+                  </a:rPr>
+                  <a:t>h</a:t>
+                </a:r>
+                <a:r>
+                  <a:rPr lang="en-US" b="0" i="0" dirty="0">
+                    <a:solidFill>
+                      <a:srgbClr val="2C2C36"/>
+                    </a:solidFill>
+                    <a:effectLst/>
+                    <a:latin typeface="KaTeX_Main"/>
+                  </a:rPr>
+                  <a:t>(⋅)</a:t>
+                </a:r>
+                <a:r>
+                  <a:rPr lang="en-US" b="0" i="0" dirty="0">
+                    <a:solidFill>
+                      <a:srgbClr val="2C2C36"/>
+                    </a:solidFill>
+                    <a:effectLst/>
+                    <a:latin typeface="system-ui"/>
+                  </a:rPr>
+                  <a:t> with respect to the state:</a:t>
+                </a:r>
+              </a:p>
+              <a:p>
+                <a:pPr marL="0" indent="0">
+                  <a:spcBef>
+                    <a:spcPts val="900"/>
+                  </a:spcBef>
+                  <a:spcAft>
+                    <a:spcPts val="900"/>
+                  </a:spcAft>
+                  <a:buNone/>
+                </a:pPr>
+                <a14:m>
+                  <m:oMathPara xmlns:m="http://schemas.openxmlformats.org/officeDocument/2006/math">
+                    <m:oMathParaPr>
+                      <m:jc m:val="centerGroup"/>
+                    </m:oMathParaPr>
+                    <m:oMath xmlns:m="http://schemas.openxmlformats.org/officeDocument/2006/math">
+                      <m:sSub>
+                        <m:sSubPr>
+                          <m:ctrlPr>
+                            <a:rPr lang="en-US" b="0" i="1" dirty="0" smtClean="0">
+                              <a:solidFill>
+                                <a:srgbClr val="2C2C36"/>
+                              </a:solidFill>
+                              <a:effectLst/>
+                              <a:latin typeface="Cambria Math" panose="02040503050406030204" pitchFamily="18" charset="0"/>
+                            </a:rPr>
+                          </m:ctrlPr>
+                        </m:sSubPr>
+                        <m:e>
+                          <m:r>
+                            <a:rPr lang="en-US" b="1" i="1" dirty="0" smtClean="0">
+                              <a:solidFill>
+                                <a:srgbClr val="2C2C36"/>
+                              </a:solidFill>
+                              <a:effectLst/>
+                              <a:latin typeface="Cambria Math" panose="02040503050406030204" pitchFamily="18" charset="0"/>
+                            </a:rPr>
+                            <m:t>𝑯</m:t>
+                          </m:r>
+                        </m:e>
+                        <m:sub>
+                          <m:r>
+                            <a:rPr lang="en-US" b="0" i="1" dirty="0" err="1" smtClean="0">
+                              <a:solidFill>
+                                <a:srgbClr val="2C2C36"/>
+                              </a:solidFill>
+                              <a:effectLst/>
+                              <a:latin typeface="Cambria Math" panose="02040503050406030204" pitchFamily="18" charset="0"/>
+                            </a:rPr>
+                            <m:t>𝑘</m:t>
+                          </m:r>
+                        </m:sub>
+                      </m:sSub>
+                      <m:r>
+                        <a:rPr lang="en-US" b="0" i="1" dirty="0" smtClean="0">
+                          <a:solidFill>
+                            <a:srgbClr val="2C2C36"/>
+                          </a:solidFill>
+                          <a:effectLst/>
+                          <a:latin typeface="Cambria Math" panose="02040503050406030204" pitchFamily="18" charset="0"/>
+                        </a:rPr>
+                        <m:t>​=</m:t>
+                      </m:r>
+                      <m:sSub>
+                        <m:sSubPr>
+                          <m:ctrlPr>
+                            <a:rPr lang="en-US" b="0" i="1" dirty="0" smtClean="0">
+                              <a:solidFill>
+                                <a:srgbClr val="2C2C36"/>
+                              </a:solidFill>
+                              <a:effectLst/>
+                              <a:latin typeface="Cambria Math" panose="02040503050406030204" pitchFamily="18" charset="0"/>
+                            </a:rPr>
+                          </m:ctrlPr>
+                        </m:sSubPr>
+                        <m:e>
+                          <m:d>
+                            <m:dPr>
+                              <m:begChr m:val=""/>
+                              <m:endChr m:val="|"/>
+                              <m:ctrlPr>
+                                <a:rPr lang="en-US" b="0" i="1" dirty="0" smtClean="0">
+                                  <a:solidFill>
+                                    <a:srgbClr val="2C2C36"/>
+                                  </a:solidFill>
+                                  <a:effectLst/>
+                                  <a:latin typeface="Cambria Math" panose="02040503050406030204" pitchFamily="18" charset="0"/>
+                                </a:rPr>
+                              </m:ctrlPr>
+                            </m:dPr>
+                            <m:e>
+                              <m:f>
+                                <m:fPr>
+                                  <m:ctrlPr>
+                                    <a:rPr lang="en-US" b="0" i="1" dirty="0" smtClean="0">
+                                      <a:solidFill>
+                                        <a:srgbClr val="2C2C36"/>
+                                      </a:solidFill>
+                                      <a:effectLst/>
+                                      <a:latin typeface="Cambria Math" panose="02040503050406030204" pitchFamily="18" charset="0"/>
+                                    </a:rPr>
+                                  </m:ctrlPr>
+                                </m:fPr>
+                                <m:num>
+                                  <m:r>
+                                    <a:rPr lang="en-US" b="0" i="1" dirty="0" smtClean="0">
+                                      <a:solidFill>
+                                        <a:srgbClr val="2C2C36"/>
+                                      </a:solidFill>
+                                      <a:effectLst/>
+                                      <a:latin typeface="Cambria Math" panose="02040503050406030204" pitchFamily="18" charset="0"/>
+                                    </a:rPr>
+                                    <m:t>𝜕</m:t>
+                                  </m:r>
+                                  <m:r>
+                                    <a:rPr lang="en-US" b="0" i="1" dirty="0" smtClean="0">
+                                      <a:solidFill>
+                                        <a:srgbClr val="2C2C36"/>
+                                      </a:solidFill>
+                                      <a:effectLst/>
+                                      <a:latin typeface="Cambria Math" panose="02040503050406030204" pitchFamily="18" charset="0"/>
+                                    </a:rPr>
+                                    <m:t>h</m:t>
+                                  </m:r>
+                                </m:num>
+                                <m:den>
+                                  <m:r>
+                                    <a:rPr lang="en-US" b="0" i="1" dirty="0" smtClean="0">
+                                      <a:solidFill>
+                                        <a:srgbClr val="2C2C36"/>
+                                      </a:solidFill>
+                                      <a:effectLst/>
+                                      <a:latin typeface="Cambria Math" panose="02040503050406030204" pitchFamily="18" charset="0"/>
+                                    </a:rPr>
+                                    <m:t>𝜕</m:t>
+                                  </m:r>
+                                  <m:r>
+                                    <a:rPr lang="en-US" b="1" i="1" dirty="0" err="1" smtClean="0">
+                                      <a:solidFill>
+                                        <a:srgbClr val="2C2C36"/>
+                                      </a:solidFill>
+                                      <a:effectLst/>
+                                      <a:latin typeface="Cambria Math" panose="02040503050406030204" pitchFamily="18" charset="0"/>
+                                    </a:rPr>
+                                    <m:t>𝒙</m:t>
+                                  </m:r>
+                                </m:den>
+                              </m:f>
+                            </m:e>
+                          </m:d>
+                        </m:e>
+                        <m:sub>
+                          <m:sSub>
+                            <m:sSubPr>
+                              <m:ctrlPr>
+                                <a:rPr lang="en-US" b="0" i="1" dirty="0" smtClean="0">
+                                  <a:solidFill>
+                                    <a:srgbClr val="111827"/>
+                                  </a:solidFill>
+                                  <a:effectLst/>
+                                  <a:latin typeface="Cambria Math" panose="02040503050406030204" pitchFamily="18" charset="0"/>
+                                </a:rPr>
+                              </m:ctrlPr>
+                            </m:sSubPr>
+                            <m:e>
+                              <m:acc>
+                                <m:accPr>
+                                  <m:chr m:val="̂"/>
+                                  <m:ctrlPr>
+                                    <a:rPr lang="en-US" b="1" i="1" dirty="0" smtClean="0">
+                                      <a:solidFill>
+                                        <a:srgbClr val="2C2C36"/>
+                                      </a:solidFill>
+                                      <a:effectLst/>
+                                      <a:latin typeface="Cambria Math" panose="02040503050406030204" pitchFamily="18" charset="0"/>
+                                    </a:rPr>
+                                  </m:ctrlPr>
+                                </m:accPr>
+                                <m:e>
+                                  <m:r>
+                                    <a:rPr lang="en-US" b="1" i="1" dirty="0" smtClean="0">
+                                      <a:solidFill>
+                                        <a:srgbClr val="2C2C36"/>
+                                      </a:solidFill>
+                                      <a:effectLst/>
+                                      <a:latin typeface="Cambria Math" panose="02040503050406030204" pitchFamily="18" charset="0"/>
+                                    </a:rPr>
+                                    <m:t>𝒙</m:t>
+                                  </m:r>
+                                </m:e>
+                              </m:acc>
+                            </m:e>
+                            <m:sub>
+                              <m:r>
+                                <a:rPr lang="en-US" b="0" i="1" dirty="0" smtClean="0">
+                                  <a:solidFill>
+                                    <a:srgbClr val="2C2C36"/>
+                                  </a:solidFill>
+                                  <a:effectLst/>
+                                  <a:latin typeface="Cambria Math" panose="02040503050406030204" pitchFamily="18" charset="0"/>
+                                </a:rPr>
+                                <m:t>𝑘</m:t>
+                              </m:r>
+                              <m:r>
+                                <a:rPr lang="en-US" b="0" i="1" dirty="0" smtClean="0">
+                                  <a:solidFill>
+                                    <a:srgbClr val="2C2C36"/>
+                                  </a:solidFill>
+                                  <a:effectLst/>
+                                  <a:latin typeface="Cambria Math" panose="02040503050406030204" pitchFamily="18" charset="0"/>
+                                </a:rPr>
+                                <m:t>∣</m:t>
+                              </m:r>
+                              <m:r>
+                                <a:rPr lang="en-US" b="0" i="1" dirty="0" smtClean="0">
+                                  <a:solidFill>
+                                    <a:srgbClr val="2C2C36"/>
+                                  </a:solidFill>
+                                  <a:effectLst/>
+                                  <a:latin typeface="Cambria Math" panose="02040503050406030204" pitchFamily="18" charset="0"/>
+                                </a:rPr>
+                                <m:t>𝑘</m:t>
+                              </m:r>
+                              <m:r>
+                                <a:rPr lang="en-US" b="0" i="1" dirty="0" smtClean="0">
+                                  <a:solidFill>
+                                    <a:srgbClr val="2C2C36"/>
+                                  </a:solidFill>
+                                  <a:effectLst/>
+                                  <a:latin typeface="Cambria Math" panose="02040503050406030204" pitchFamily="18" charset="0"/>
+                                </a:rPr>
+                                <m:t>−1</m:t>
+                              </m:r>
+                            </m:sub>
+                          </m:sSub>
+                          <m:r>
+                            <a:rPr lang="en-US" b="0" i="1" dirty="0" smtClean="0">
+                              <a:solidFill>
+                                <a:srgbClr val="2C2C36"/>
+                              </a:solidFill>
+                              <a:effectLst/>
+                              <a:latin typeface="Cambria Math" panose="02040503050406030204" pitchFamily="18" charset="0"/>
+                            </a:rPr>
+                            <m:t>​​</m:t>
+                          </m:r>
+                        </m:sub>
+                      </m:sSub>
+                      <m:r>
+                        <a:rPr lang="en-US" b="0" i="1" dirty="0" smtClean="0">
+                          <a:solidFill>
+                            <a:srgbClr val="2C2C36"/>
+                          </a:solidFill>
+                          <a:effectLst/>
+                          <a:latin typeface="Cambria Math" panose="02040503050406030204" pitchFamily="18" charset="0"/>
+                        </a:rPr>
+                        <m:t>​​</m:t>
+                      </m:r>
+                    </m:oMath>
+                  </m:oMathPara>
+                </a14:m>
+                <a:endParaRPr lang="en-US" b="0" i="0" dirty="0">
+                  <a:solidFill>
+                    <a:srgbClr val="2C2C36"/>
+                  </a:solidFill>
+                  <a:effectLst/>
+                  <a:latin typeface="system-ui"/>
+                </a:endParaRPr>
+              </a:p>
+            </p:txBody>
+          </p:sp>
+        </mc:Choice>
+        <mc:Fallback>
+          <p:sp>
+            <p:nvSpPr>
+              <p:cNvPr id="3" name="Content Placeholder 2">
+                <a:extLst>
+                  <a:ext uri="{FF2B5EF4-FFF2-40B4-BE49-F238E27FC236}">
+                    <a16:creationId xmlns:a16="http://schemas.microsoft.com/office/drawing/2014/main" id="{4A3288D8-6A54-DB4C-EDE2-364933EBD371}"/>
+                  </a:ext>
+                </a:extLst>
+              </p:cNvPr>
+              <p:cNvSpPr>
+                <a:spLocks noGrp="1" noRot="1" noChangeAspect="1" noMove="1" noResize="1" noEditPoints="1" noAdjustHandles="1" noChangeArrowheads="1" noChangeShapeType="1" noTextEdit="1"/>
+              </p:cNvSpPr>
+              <p:nvPr>
+                <p:ph idx="1"/>
+              </p:nvPr>
+            </p:nvSpPr>
+            <p:spPr>
+              <a:blipFill>
+                <a:blip r:embed="rId2"/>
+                <a:stretch>
+                  <a:fillRect l="-1217" t="-2381" r="-522"/>
+                </a:stretch>
+              </a:blipFill>
+            </p:spPr>
+            <p:txBody>
+              <a:bodyPr/>
+              <a:lstStyle/>
+              <a:p>
+                <a:r>
+                  <a:rPr lang="en-US">
+                    <a:noFill/>
+                  </a:rPr>
+                  <a:t> </a:t>
+                </a:r>
+              </a:p>
+            </p:txBody>
+          </p:sp>
+        </mc:Fallback>
+      </mc:AlternateContent>
     </p:spTree>
     <p:extLst>
       <p:ext uri="{BB962C8B-B14F-4D97-AF65-F5344CB8AC3E}">
@@ -7919,7 +7630,7 @@
           <p:cNvPr id="2" name="Title 1">
             <a:extLst>
               <a:ext uri="{FF2B5EF4-FFF2-40B4-BE49-F238E27FC236}">
-                <a16:creationId xmlns:a16="http://schemas.microsoft.com/office/drawing/2014/main" id="{BE81B1DA-E1D4-1898-D1A2-14198864DD19}"/>
+                <a16:creationId xmlns:a16="http://schemas.microsoft.com/office/drawing/2014/main" id="{906A6812-3BFB-F95E-C9C4-76FAB41E3DF8}"/>
               </a:ext>
             </a:extLst>
           </p:cNvPr>
@@ -7939,522 +7650,1384 @@
           </a:p>
         </p:txBody>
       </p:sp>
-      <p:sp>
-        <p:nvSpPr>
-          <p:cNvPr id="3" name="Content Placeholder 2">
-            <a:extLst>
-              <a:ext uri="{FF2B5EF4-FFF2-40B4-BE49-F238E27FC236}">
-                <a16:creationId xmlns:a16="http://schemas.microsoft.com/office/drawing/2014/main" id="{BCAC1B0B-5962-61A1-05F8-C4C23906A83F}"/>
-              </a:ext>
-            </a:extLst>
-          </p:cNvPr>
-          <p:cNvSpPr>
-            <a:spLocks noGrp="1"/>
-          </p:cNvSpPr>
-          <p:nvPr>
-            <p:ph idx="1"/>
-          </p:nvPr>
-        </p:nvSpPr>
-        <p:spPr/>
-        <p:txBody>
-          <a:bodyPr>
-            <a:normAutofit fontScale="85000" lnSpcReduction="20000"/>
-          </a:bodyPr>
-          <a:lstStyle/>
-          <a:p>
-            <a:pPr algn="l">
-              <a:spcBef>
-                <a:spcPts val="900"/>
-              </a:spcBef>
-              <a:spcAft>
-                <a:spcPts val="900"/>
-              </a:spcAft>
-              <a:buFont typeface="+mj-lt"/>
-              <a:buAutoNum type="arabicPeriod"/>
-            </a:pPr>
-            <a:r>
-              <a:rPr lang="en-US" b="0" i="0" dirty="0">
-                <a:solidFill>
-                  <a:srgbClr val="111827"/>
-                </a:solidFill>
-                <a:effectLst/>
-                <a:latin typeface="system-ui"/>
-              </a:rPr>
-              <a:t>State Transition Model </a:t>
-            </a:r>
-            <a:r>
-              <a:rPr lang="en-US" b="0" i="0" dirty="0">
-                <a:solidFill>
-                  <a:srgbClr val="2C2C36"/>
-                </a:solidFill>
-                <a:effectLst/>
-                <a:latin typeface="system-ui"/>
-              </a:rPr>
-              <a:t>: The state (SoC) evolves based on Coulomb counting:</a:t>
-            </a:r>
-          </a:p>
-          <a:p>
-            <a:pPr marL="0" indent="0" algn="l">
-              <a:spcBef>
-                <a:spcPts val="900"/>
-              </a:spcBef>
-              <a:spcAft>
-                <a:spcPts val="900"/>
-              </a:spcAft>
-              <a:buNone/>
-            </a:pPr>
-            <a:r>
-              <a:rPr lang="en-US" b="0" i="0" dirty="0" err="1">
-                <a:solidFill>
-                  <a:srgbClr val="2C2C36"/>
-                </a:solidFill>
-                <a:effectLst/>
-                <a:latin typeface="KaTeX_Main"/>
-              </a:rPr>
-              <a:t>SoC</a:t>
-            </a:r>
-            <a:r>
-              <a:rPr lang="en-US" b="0" i="1" dirty="0" err="1">
-                <a:solidFill>
-                  <a:srgbClr val="2C2C36"/>
-                </a:solidFill>
-                <a:effectLst/>
-                <a:latin typeface="KaTeX_Math"/>
-              </a:rPr>
-              <a:t>k</a:t>
-            </a:r>
-            <a:r>
-              <a:rPr lang="en-US" b="0" i="0" dirty="0">
-                <a:solidFill>
-                  <a:srgbClr val="2C2C36"/>
-                </a:solidFill>
-                <a:effectLst/>
-                <a:latin typeface="KaTeX_Main"/>
-              </a:rPr>
-              <a:t>​=SoC</a:t>
-            </a:r>
-            <a:r>
-              <a:rPr lang="en-US" b="0" i="1" dirty="0">
-                <a:solidFill>
-                  <a:srgbClr val="2C2C36"/>
-                </a:solidFill>
-                <a:effectLst/>
-                <a:latin typeface="KaTeX_Math"/>
-              </a:rPr>
-              <a:t>k</a:t>
-            </a:r>
-            <a:r>
-              <a:rPr lang="en-US" b="0" i="0" dirty="0">
-                <a:solidFill>
-                  <a:srgbClr val="2C2C36"/>
-                </a:solidFill>
-                <a:effectLst/>
-                <a:latin typeface="KaTeX_Main"/>
-              </a:rPr>
-              <a:t>−1​−</a:t>
-            </a:r>
-            <a:r>
-              <a:rPr lang="en-US" b="0" i="1" dirty="0">
-                <a:solidFill>
-                  <a:srgbClr val="2C2C36"/>
-                </a:solidFill>
-                <a:effectLst/>
-                <a:latin typeface="KaTeX_Math"/>
-              </a:rPr>
-              <a:t>CIk</a:t>
-            </a:r>
-            <a:r>
-              <a:rPr lang="en-US" b="0" i="0" dirty="0">
-                <a:solidFill>
-                  <a:srgbClr val="2C2C36"/>
-                </a:solidFill>
-                <a:effectLst/>
-                <a:latin typeface="KaTeX_Main"/>
-              </a:rPr>
-              <a:t>​</a:t>
-            </a:r>
-            <a:r>
-              <a:rPr lang="en-US" b="0" i="0" dirty="0" err="1">
-                <a:solidFill>
-                  <a:srgbClr val="2C2C36"/>
-                </a:solidFill>
-                <a:effectLst/>
-                <a:latin typeface="KaTeX_Main"/>
-              </a:rPr>
-              <a:t>Δ</a:t>
-            </a:r>
-            <a:r>
-              <a:rPr lang="en-US" b="0" i="1" dirty="0" err="1">
-                <a:solidFill>
-                  <a:srgbClr val="2C2C36"/>
-                </a:solidFill>
-                <a:effectLst/>
-                <a:latin typeface="KaTeX_Math"/>
-              </a:rPr>
-              <a:t>t</a:t>
-            </a:r>
-            <a:r>
-              <a:rPr lang="en-US" b="0" i="0" dirty="0">
-                <a:solidFill>
-                  <a:srgbClr val="2C2C36"/>
-                </a:solidFill>
-                <a:effectLst/>
-                <a:latin typeface="KaTeX_Main"/>
-              </a:rPr>
-              <a:t>​</a:t>
-            </a:r>
-          </a:p>
-          <a:p>
-            <a:pPr algn="l">
-              <a:spcBef>
-                <a:spcPts val="900"/>
-              </a:spcBef>
-              <a:spcAft>
-                <a:spcPts val="900"/>
-              </a:spcAft>
-              <a:buFont typeface="+mj-lt"/>
-              <a:buAutoNum type="arabicPeriod"/>
-            </a:pPr>
-            <a:r>
-              <a:rPr lang="en-US" b="0" i="0" dirty="0">
-                <a:solidFill>
-                  <a:srgbClr val="2C2C36"/>
-                </a:solidFill>
-                <a:effectLst/>
-                <a:latin typeface="system-ui"/>
-              </a:rPr>
-              <a:t>This is linear, so no linearization is needed here.</a:t>
-            </a:r>
-          </a:p>
-          <a:p>
-            <a:pPr>
-              <a:spcBef>
-                <a:spcPts val="900"/>
-              </a:spcBef>
-              <a:spcAft>
-                <a:spcPts val="900"/>
-              </a:spcAft>
-              <a:buNone/>
-            </a:pPr>
-            <a:r>
-              <a:rPr lang="en-US" b="0" dirty="0">
-                <a:solidFill>
-                  <a:srgbClr val="111827"/>
-                </a:solidFill>
-                <a:effectLst/>
-              </a:rPr>
-              <a:t>Measurement Model </a:t>
-            </a:r>
-            <a:r>
-              <a:rPr lang="en-US" dirty="0">
-                <a:effectLst/>
-              </a:rPr>
-              <a:t>: The voltage measurement is related to SoC through the nonlinear OCV function:</a:t>
-            </a:r>
-          </a:p>
-          <a:p>
-            <a:pPr>
-              <a:buNone/>
-            </a:pPr>
-            <a:r>
-              <a:rPr lang="en-US" i="1" dirty="0" err="1">
-                <a:effectLst/>
-                <a:latin typeface="KaTeX_Math"/>
-              </a:rPr>
-              <a:t>Vk</a:t>
-            </a:r>
-            <a:r>
-              <a:rPr lang="en-US" dirty="0">
-                <a:effectLst/>
-                <a:latin typeface="KaTeX_Main"/>
-              </a:rPr>
-              <a:t>​=OCV(</a:t>
-            </a:r>
-            <a:r>
-              <a:rPr lang="en-US" dirty="0" err="1">
-                <a:effectLst/>
-                <a:latin typeface="KaTeX_Main"/>
-              </a:rPr>
-              <a:t>SoC</a:t>
-            </a:r>
-            <a:r>
-              <a:rPr lang="en-US" i="1" dirty="0" err="1">
-                <a:effectLst/>
-                <a:latin typeface="KaTeX_Math"/>
-              </a:rPr>
-              <a:t>k</a:t>
-            </a:r>
-            <a:r>
-              <a:rPr lang="en-US" dirty="0">
-                <a:effectLst/>
-                <a:latin typeface="KaTeX_Main"/>
-              </a:rPr>
-              <a:t>​)−</a:t>
-            </a:r>
-            <a:r>
-              <a:rPr lang="en-US" i="1" dirty="0">
-                <a:effectLst/>
-                <a:latin typeface="KaTeX_Math"/>
-              </a:rPr>
-              <a:t>Ik</a:t>
-            </a:r>
-            <a:r>
-              <a:rPr lang="en-US" dirty="0">
-                <a:effectLst/>
-                <a:latin typeface="KaTeX_Main"/>
-              </a:rPr>
-              <a:t>​</a:t>
-            </a:r>
-            <a:r>
-              <a:rPr lang="en-US" i="1" dirty="0" err="1">
-                <a:effectLst/>
-                <a:latin typeface="KaTeX_Math"/>
-              </a:rPr>
-              <a:t>R</a:t>
-            </a:r>
-            <a:r>
-              <a:rPr lang="en-US" dirty="0" err="1">
-                <a:effectLst/>
-                <a:latin typeface="KaTeX_Main"/>
-              </a:rPr>
-              <a:t>int</a:t>
-            </a:r>
-            <a:r>
-              <a:rPr lang="en-US" dirty="0">
-                <a:effectLst/>
-                <a:latin typeface="KaTeX_Main"/>
-              </a:rPr>
-              <a:t>​+</a:t>
-            </a:r>
-            <a:r>
-              <a:rPr lang="en-US" i="1" dirty="0" err="1">
-                <a:effectLst/>
-                <a:latin typeface="KaTeX_Math"/>
-              </a:rPr>
-              <a:t>v</a:t>
-            </a:r>
-            <a:r>
-              <a:rPr lang="en-US" b="0" i="1" dirty="0" err="1">
-                <a:solidFill>
-                  <a:srgbClr val="2C2C36"/>
-                </a:solidFill>
-                <a:effectLst/>
-                <a:latin typeface="KaTeX_Math"/>
-              </a:rPr>
-              <a:t>k</a:t>
-            </a:r>
-            <a:r>
-              <a:rPr lang="en-US" b="0" i="0" dirty="0">
-                <a:solidFill>
-                  <a:srgbClr val="2C2C36"/>
-                </a:solidFill>
-                <a:effectLst/>
-                <a:latin typeface="KaTeX_Main"/>
-              </a:rPr>
-              <a:t>​</a:t>
-            </a:r>
-          </a:p>
-          <a:p>
-            <a:pPr algn="l">
-              <a:spcBef>
-                <a:spcPts val="900"/>
-              </a:spcBef>
-              <a:spcAft>
-                <a:spcPts val="900"/>
-              </a:spcAft>
-              <a:buNone/>
-            </a:pPr>
-            <a:r>
-              <a:rPr lang="en-US" b="0" i="0" dirty="0">
-                <a:solidFill>
-                  <a:srgbClr val="2C2C36"/>
-                </a:solidFill>
-                <a:effectLst/>
-                <a:latin typeface="system-ui"/>
-              </a:rPr>
-              <a:t>Here:</a:t>
-            </a:r>
-          </a:p>
-          <a:p>
-            <a:pPr algn="l">
-              <a:spcBef>
-                <a:spcPts val="900"/>
-              </a:spcBef>
-              <a:spcAft>
-                <a:spcPts val="900"/>
-              </a:spcAft>
-              <a:buFont typeface="Arial" panose="020B0604020202020204" pitchFamily="34" charset="0"/>
-              <a:buChar char="•"/>
-            </a:pPr>
-            <a:r>
-              <a:rPr lang="en-US" b="0" i="0" dirty="0">
-                <a:solidFill>
-                  <a:srgbClr val="2C2C36"/>
-                </a:solidFill>
-                <a:effectLst/>
-                <a:latin typeface="KaTeX_Main"/>
-              </a:rPr>
-              <a:t>OCV(</a:t>
-            </a:r>
-            <a:r>
-              <a:rPr lang="en-US" b="0" i="0" dirty="0" err="1">
-                <a:solidFill>
-                  <a:srgbClr val="2C2C36"/>
-                </a:solidFill>
-                <a:effectLst/>
-                <a:latin typeface="KaTeX_Main"/>
-              </a:rPr>
-              <a:t>SoC</a:t>
-            </a:r>
-            <a:r>
-              <a:rPr lang="en-US" b="0" i="1" dirty="0" err="1">
-                <a:solidFill>
-                  <a:srgbClr val="2C2C36"/>
-                </a:solidFill>
-                <a:effectLst/>
-                <a:latin typeface="KaTeX_Math"/>
-              </a:rPr>
-              <a:t>k</a:t>
-            </a:r>
-            <a:r>
-              <a:rPr lang="en-US" b="0" i="0" dirty="0">
-                <a:solidFill>
-                  <a:srgbClr val="2C2C36"/>
-                </a:solidFill>
-                <a:effectLst/>
-                <a:latin typeface="KaTeX_Main"/>
-              </a:rPr>
-              <a:t>​)</a:t>
-            </a:r>
-            <a:r>
-              <a:rPr lang="en-US" b="0" i="0" dirty="0">
-                <a:solidFill>
-                  <a:srgbClr val="2C2C36"/>
-                </a:solidFill>
-                <a:effectLst/>
-                <a:latin typeface="system-ui"/>
-              </a:rPr>
-              <a:t> is nonlinear (e.g., quadratic or lookup table).</a:t>
-            </a:r>
-          </a:p>
-          <a:p>
-            <a:pPr algn="l">
-              <a:spcBef>
-                <a:spcPts val="900"/>
-              </a:spcBef>
-              <a:spcAft>
-                <a:spcPts val="900"/>
-              </a:spcAft>
-              <a:buFont typeface="Arial" panose="020B0604020202020204" pitchFamily="34" charset="0"/>
-              <a:buChar char="•"/>
-            </a:pPr>
-            <a:r>
-              <a:rPr lang="en-US" b="0" i="0" dirty="0">
-                <a:solidFill>
-                  <a:srgbClr val="2C2C36"/>
-                </a:solidFill>
-                <a:effectLst/>
-                <a:latin typeface="system-ui"/>
-              </a:rPr>
-              <a:t>The derivative </a:t>
-            </a:r>
-            <a:r>
-              <a:rPr lang="en-US" b="0" i="0" dirty="0">
-                <a:solidFill>
-                  <a:srgbClr val="2C2C36"/>
-                </a:solidFill>
-                <a:effectLst/>
-                <a:latin typeface="KaTeX_Main"/>
-              </a:rPr>
-              <a:t>∂</a:t>
-            </a:r>
-            <a:r>
-              <a:rPr lang="en-US" b="0" i="0" dirty="0" err="1">
-                <a:solidFill>
-                  <a:srgbClr val="2C2C36"/>
-                </a:solidFill>
-                <a:effectLst/>
-                <a:latin typeface="KaTeX_Main"/>
-              </a:rPr>
-              <a:t>SoC∂OCV</a:t>
-            </a:r>
-            <a:r>
-              <a:rPr lang="en-US" b="0" i="0" dirty="0">
-                <a:solidFill>
-                  <a:srgbClr val="2C2C36"/>
-                </a:solidFill>
-                <a:effectLst/>
-                <a:latin typeface="KaTeX_Main"/>
-              </a:rPr>
-              <a:t>​</a:t>
-            </a:r>
-            <a:r>
-              <a:rPr lang="en-US" b="0" i="0" dirty="0">
-                <a:solidFill>
-                  <a:srgbClr val="2C2C36"/>
-                </a:solidFill>
-                <a:effectLst/>
-                <a:latin typeface="system-ui"/>
-              </a:rPr>
-              <a:t> is used to compute the Jacobian </a:t>
-            </a:r>
-            <a:r>
-              <a:rPr lang="en-US" b="1" i="0" dirty="0" err="1">
-                <a:solidFill>
-                  <a:srgbClr val="2C2C36"/>
-                </a:solidFill>
-                <a:effectLst/>
-                <a:latin typeface="KaTeX_Main"/>
-              </a:rPr>
-              <a:t>H</a:t>
-            </a:r>
-            <a:r>
-              <a:rPr lang="en-US" b="0" i="1" dirty="0" err="1">
-                <a:solidFill>
-                  <a:srgbClr val="2C2C36"/>
-                </a:solidFill>
-                <a:effectLst/>
-                <a:latin typeface="KaTeX_Math"/>
-              </a:rPr>
-              <a:t>k</a:t>
-            </a:r>
-            <a:r>
-              <a:rPr lang="en-US" b="0" i="0" dirty="0">
-                <a:solidFill>
-                  <a:srgbClr val="2C2C36"/>
-                </a:solidFill>
-                <a:effectLst/>
-                <a:latin typeface="KaTeX_Main"/>
-              </a:rPr>
-              <a:t>​</a:t>
-            </a:r>
-            <a:r>
-              <a:rPr lang="en-US" b="0" i="0" dirty="0">
-                <a:solidFill>
-                  <a:srgbClr val="2C2C36"/>
-                </a:solidFill>
-                <a:effectLst/>
-                <a:latin typeface="system-ui"/>
-              </a:rPr>
-              <a:t>.</a:t>
-            </a:r>
-            <a:br>
-              <a:rPr lang="en-US" b="0" i="0" dirty="0">
-                <a:solidFill>
-                  <a:srgbClr val="2C2C36"/>
-                </a:solidFill>
-                <a:effectLst/>
-                <a:latin typeface="KaTeX_Main"/>
-              </a:rPr>
-            </a:br>
-            <a:endParaRPr lang="en-US" dirty="0"/>
-          </a:p>
-        </p:txBody>
-      </p:sp>
+      <mc:AlternateContent xmlns:mc="http://schemas.openxmlformats.org/markup-compatibility/2006">
+        <mc:Choice xmlns:a14="http://schemas.microsoft.com/office/drawing/2010/main" Requires="a14">
+          <p:sp>
+            <p:nvSpPr>
+              <p:cNvPr id="3" name="Content Placeholder 2">
+                <a:extLst>
+                  <a:ext uri="{FF2B5EF4-FFF2-40B4-BE49-F238E27FC236}">
+                    <a16:creationId xmlns:a16="http://schemas.microsoft.com/office/drawing/2014/main" id="{D79DCF42-B6A7-DE08-EE1F-37791FD5C795}"/>
+                  </a:ext>
+                </a:extLst>
+              </p:cNvPr>
+              <p:cNvSpPr>
+                <a:spLocks noGrp="1"/>
+              </p:cNvSpPr>
+              <p:nvPr>
+                <p:ph idx="1"/>
+              </p:nvPr>
+            </p:nvSpPr>
+            <p:spPr/>
+            <p:txBody>
+              <a:bodyPr>
+                <a:normAutofit lnSpcReduction="10000"/>
+              </a:bodyPr>
+              <a:lstStyle/>
+              <a:p>
+                <a:pPr marL="514350" indent="-514350" algn="l">
+                  <a:spcBef>
+                    <a:spcPts val="900"/>
+                  </a:spcBef>
+                  <a:spcAft>
+                    <a:spcPts val="900"/>
+                  </a:spcAft>
+                  <a:buFont typeface="+mj-lt"/>
+                  <a:buAutoNum type="arabicPeriod" startAt="3"/>
+                </a:pPr>
+                <a:r>
+                  <a:rPr lang="en-US" b="0" i="0" dirty="0">
+                    <a:solidFill>
+                      <a:srgbClr val="111827"/>
+                    </a:solidFill>
+                    <a:effectLst/>
+                    <a:latin typeface="system-ui"/>
+                  </a:rPr>
+                  <a:t>Compute the Kalman Gain </a:t>
+                </a:r>
+                <a:r>
+                  <a:rPr lang="en-US" b="0" i="0" dirty="0">
+                    <a:solidFill>
+                      <a:srgbClr val="2C2C36"/>
+                    </a:solidFill>
+                    <a:effectLst/>
+                    <a:latin typeface="system-ui"/>
+                  </a:rPr>
+                  <a:t>: Calculate the Kalman gain </a:t>
+                </a:r>
+                <a:r>
+                  <a:rPr lang="en-US" b="1" i="0" dirty="0">
+                    <a:solidFill>
+                      <a:srgbClr val="2C2C36"/>
+                    </a:solidFill>
+                    <a:effectLst/>
+                    <a:latin typeface="KaTeX_Main"/>
+                  </a:rPr>
+                  <a:t>K</a:t>
+                </a:r>
+                <a:r>
+                  <a:rPr lang="en-US" b="0" i="1" dirty="0">
+                    <a:solidFill>
+                      <a:srgbClr val="2C2C36"/>
+                    </a:solidFill>
+                    <a:effectLst/>
+                    <a:latin typeface="KaTeX_Math"/>
+                  </a:rPr>
+                  <a:t>k</a:t>
+                </a:r>
+                <a:r>
+                  <a:rPr lang="en-US" b="0" i="0" dirty="0">
+                    <a:solidFill>
+                      <a:srgbClr val="2C2C36"/>
+                    </a:solidFill>
+                    <a:effectLst/>
+                    <a:latin typeface="KaTeX_Main"/>
+                  </a:rPr>
+                  <a:t>​</a:t>
+                </a:r>
+                <a:r>
+                  <a:rPr lang="en-US" b="0" i="0" dirty="0">
+                    <a:solidFill>
+                      <a:srgbClr val="2C2C36"/>
+                    </a:solidFill>
+                    <a:effectLst/>
+                    <a:latin typeface="system-ui"/>
+                  </a:rPr>
+                  <a:t> using the linearized measurement model:</a:t>
+                </a:r>
+              </a:p>
+              <a:p>
+                <a:pPr marL="0" indent="0">
+                  <a:spcBef>
+                    <a:spcPts val="900"/>
+                  </a:spcBef>
+                  <a:spcAft>
+                    <a:spcPts val="900"/>
+                  </a:spcAft>
+                  <a:buNone/>
+                </a:pPr>
+                <a14:m>
+                  <m:oMathPara xmlns:m="http://schemas.openxmlformats.org/officeDocument/2006/math">
+                    <m:oMathParaPr>
+                      <m:jc m:val="centerGroup"/>
+                    </m:oMathParaPr>
+                    <m:oMath xmlns:m="http://schemas.openxmlformats.org/officeDocument/2006/math">
+                      <m:sSub>
+                        <m:sSubPr>
+                          <m:ctrlPr>
+                            <a:rPr lang="en-US" b="1" i="1" dirty="0" smtClean="0">
+                              <a:solidFill>
+                                <a:srgbClr val="2C2C36"/>
+                              </a:solidFill>
+                              <a:effectLst/>
+                              <a:latin typeface="Cambria Math" panose="02040503050406030204" pitchFamily="18" charset="0"/>
+                            </a:rPr>
+                          </m:ctrlPr>
+                        </m:sSubPr>
+                        <m:e>
+                          <m:r>
+                            <a:rPr lang="en-US" b="1" i="1" dirty="0" smtClean="0">
+                              <a:solidFill>
+                                <a:srgbClr val="2C2C36"/>
+                              </a:solidFill>
+                              <a:effectLst/>
+                              <a:latin typeface="Cambria Math" panose="02040503050406030204" pitchFamily="18" charset="0"/>
+                            </a:rPr>
+                            <m:t>𝑲</m:t>
+                          </m:r>
+                        </m:e>
+                        <m:sub>
+                          <m:r>
+                            <a:rPr lang="en-US" b="0" i="1" dirty="0" smtClean="0">
+                              <a:solidFill>
+                                <a:srgbClr val="2C2C36"/>
+                              </a:solidFill>
+                              <a:effectLst/>
+                              <a:latin typeface="Cambria Math" panose="02040503050406030204" pitchFamily="18" charset="0"/>
+                            </a:rPr>
+                            <m:t>𝑘</m:t>
+                          </m:r>
+                        </m:sub>
+                      </m:sSub>
+                      <m:r>
+                        <a:rPr lang="en-US" b="0" i="1" dirty="0" smtClean="0">
+                          <a:solidFill>
+                            <a:srgbClr val="2C2C36"/>
+                          </a:solidFill>
+                          <a:effectLst/>
+                          <a:latin typeface="Cambria Math" panose="02040503050406030204" pitchFamily="18" charset="0"/>
+                        </a:rPr>
+                        <m:t>​=</m:t>
+                      </m:r>
+                      <m:sSub>
+                        <m:sSubPr>
+                          <m:ctrlPr>
+                            <a:rPr lang="en-US" b="1" i="1" dirty="0" smtClean="0">
+                              <a:solidFill>
+                                <a:srgbClr val="2C2C36"/>
+                              </a:solidFill>
+                              <a:effectLst/>
+                              <a:latin typeface="Cambria Math" panose="02040503050406030204" pitchFamily="18" charset="0"/>
+                            </a:rPr>
+                          </m:ctrlPr>
+                        </m:sSubPr>
+                        <m:e>
+                          <m:r>
+                            <a:rPr lang="en-US" b="1" i="1" dirty="0" smtClean="0">
+                              <a:solidFill>
+                                <a:srgbClr val="2C2C36"/>
+                              </a:solidFill>
+                              <a:effectLst/>
+                              <a:latin typeface="Cambria Math" panose="02040503050406030204" pitchFamily="18" charset="0"/>
+                            </a:rPr>
+                            <m:t>𝑷</m:t>
+                          </m:r>
+                        </m:e>
+                        <m:sub>
+                          <m:r>
+                            <a:rPr lang="en-US" b="0" i="1" dirty="0" smtClean="0">
+                              <a:solidFill>
+                                <a:srgbClr val="2C2C36"/>
+                              </a:solidFill>
+                              <a:effectLst/>
+                              <a:latin typeface="Cambria Math" panose="02040503050406030204" pitchFamily="18" charset="0"/>
+                            </a:rPr>
+                            <m:t>𝑘</m:t>
+                          </m:r>
+                          <m:r>
+                            <a:rPr lang="en-US" b="0" i="1" dirty="0" smtClean="0">
+                              <a:solidFill>
+                                <a:srgbClr val="2C2C36"/>
+                              </a:solidFill>
+                              <a:effectLst/>
+                              <a:latin typeface="Cambria Math" panose="02040503050406030204" pitchFamily="18" charset="0"/>
+                            </a:rPr>
+                            <m:t>∣</m:t>
+                          </m:r>
+                          <m:r>
+                            <a:rPr lang="en-US" b="0" i="1" dirty="0" smtClean="0">
+                              <a:solidFill>
+                                <a:srgbClr val="2C2C36"/>
+                              </a:solidFill>
+                              <a:effectLst/>
+                              <a:latin typeface="Cambria Math" panose="02040503050406030204" pitchFamily="18" charset="0"/>
+                            </a:rPr>
+                            <m:t>𝑘</m:t>
+                          </m:r>
+                          <m:r>
+                            <a:rPr lang="en-US" b="0" i="1" dirty="0" smtClean="0">
+                              <a:solidFill>
+                                <a:srgbClr val="2C2C36"/>
+                              </a:solidFill>
+                              <a:effectLst/>
+                              <a:latin typeface="Cambria Math" panose="02040503050406030204" pitchFamily="18" charset="0"/>
+                            </a:rPr>
+                            <m:t>−1</m:t>
+                          </m:r>
+                        </m:sub>
+                      </m:sSub>
+                      <m:r>
+                        <a:rPr lang="en-US" b="0" i="1" dirty="0" smtClean="0">
+                          <a:solidFill>
+                            <a:srgbClr val="2C2C36"/>
+                          </a:solidFill>
+                          <a:effectLst/>
+                          <a:latin typeface="Cambria Math" panose="02040503050406030204" pitchFamily="18" charset="0"/>
+                        </a:rPr>
+                        <m:t>​</m:t>
+                      </m:r>
+                      <m:sSubSup>
+                        <m:sSubSupPr>
+                          <m:ctrlPr>
+                            <a:rPr lang="en-US" b="1" i="1" dirty="0" smtClean="0">
+                              <a:solidFill>
+                                <a:srgbClr val="2C2C36"/>
+                              </a:solidFill>
+                              <a:effectLst/>
+                              <a:latin typeface="Cambria Math" panose="02040503050406030204" pitchFamily="18" charset="0"/>
+                            </a:rPr>
+                          </m:ctrlPr>
+                        </m:sSubSupPr>
+                        <m:e>
+                          <m:r>
+                            <a:rPr lang="en-US" b="1" i="1" dirty="0" err="1" smtClean="0">
+                              <a:solidFill>
+                                <a:srgbClr val="2C2C36"/>
+                              </a:solidFill>
+                              <a:effectLst/>
+                              <a:latin typeface="Cambria Math" panose="02040503050406030204" pitchFamily="18" charset="0"/>
+                            </a:rPr>
+                            <m:t>𝑯</m:t>
+                          </m:r>
+                        </m:e>
+                        <m:sub>
+                          <m:r>
+                            <a:rPr lang="en-US" b="0" i="1" dirty="0" err="1" smtClean="0">
+                              <a:solidFill>
+                                <a:srgbClr val="2C2C36"/>
+                              </a:solidFill>
+                              <a:effectLst/>
+                              <a:latin typeface="Cambria Math" panose="02040503050406030204" pitchFamily="18" charset="0"/>
+                            </a:rPr>
+                            <m:t>𝑘</m:t>
+                          </m:r>
+                        </m:sub>
+                        <m:sup>
+                          <m:r>
+                            <a:rPr lang="en-US" b="0" i="1" dirty="0" err="1" smtClean="0">
+                              <a:solidFill>
+                                <a:srgbClr val="2C2C36"/>
+                              </a:solidFill>
+                              <a:effectLst/>
+                              <a:latin typeface="Cambria Math" panose="02040503050406030204" pitchFamily="18" charset="0"/>
+                            </a:rPr>
+                            <m:t>𝑇</m:t>
+                          </m:r>
+                        </m:sup>
+                      </m:sSubSup>
+                      <m:r>
+                        <a:rPr lang="en-US" b="0" i="1" dirty="0" smtClean="0">
+                          <a:solidFill>
+                            <a:srgbClr val="2C2C36"/>
+                          </a:solidFill>
+                          <a:effectLst/>
+                          <a:latin typeface="Cambria Math" panose="02040503050406030204" pitchFamily="18" charset="0"/>
+                        </a:rPr>
+                        <m:t>​</m:t>
+                      </m:r>
+                      <m:sSup>
+                        <m:sSupPr>
+                          <m:ctrlPr>
+                            <a:rPr lang="en-US" b="0" i="1" dirty="0" smtClean="0">
+                              <a:solidFill>
+                                <a:srgbClr val="2C2C36"/>
+                              </a:solidFill>
+                              <a:effectLst/>
+                              <a:latin typeface="Cambria Math" panose="02040503050406030204" pitchFamily="18" charset="0"/>
+                            </a:rPr>
+                          </m:ctrlPr>
+                        </m:sSupPr>
+                        <m:e>
+                          <m:d>
+                            <m:dPr>
+                              <m:ctrlPr>
+                                <a:rPr lang="en-US" b="0" i="1" dirty="0" smtClean="0">
+                                  <a:solidFill>
+                                    <a:srgbClr val="2C2C36"/>
+                                  </a:solidFill>
+                                  <a:effectLst/>
+                                  <a:latin typeface="Cambria Math" panose="02040503050406030204" pitchFamily="18" charset="0"/>
+                                </a:rPr>
+                              </m:ctrlPr>
+                            </m:dPr>
+                            <m:e>
+                              <m:sSub>
+                                <m:sSubPr>
+                                  <m:ctrlPr>
+                                    <a:rPr lang="en-US" b="1" i="1" dirty="0" smtClean="0">
+                                      <a:solidFill>
+                                        <a:srgbClr val="2C2C36"/>
+                                      </a:solidFill>
+                                      <a:effectLst/>
+                                      <a:latin typeface="Cambria Math" panose="02040503050406030204" pitchFamily="18" charset="0"/>
+                                    </a:rPr>
+                                  </m:ctrlPr>
+                                </m:sSubPr>
+                                <m:e>
+                                  <m:r>
+                                    <a:rPr lang="en-US" b="1" i="1" dirty="0" err="1" smtClean="0">
+                                      <a:solidFill>
+                                        <a:srgbClr val="2C2C36"/>
+                                      </a:solidFill>
+                                      <a:effectLst/>
+                                      <a:latin typeface="Cambria Math" panose="02040503050406030204" pitchFamily="18" charset="0"/>
+                                    </a:rPr>
+                                    <m:t>𝑯</m:t>
+                                  </m:r>
+                                </m:e>
+                                <m:sub>
+                                  <m:r>
+                                    <a:rPr lang="en-US" b="0" i="1" dirty="0" err="1" smtClean="0">
+                                      <a:solidFill>
+                                        <a:srgbClr val="2C2C36"/>
+                                      </a:solidFill>
+                                      <a:effectLst/>
+                                      <a:latin typeface="Cambria Math" panose="02040503050406030204" pitchFamily="18" charset="0"/>
+                                    </a:rPr>
+                                    <m:t>𝑘</m:t>
+                                  </m:r>
+                                </m:sub>
+                              </m:sSub>
+                              <m:r>
+                                <a:rPr lang="en-US" b="0" i="1" dirty="0" smtClean="0">
+                                  <a:solidFill>
+                                    <a:srgbClr val="2C2C36"/>
+                                  </a:solidFill>
+                                  <a:effectLst/>
+                                  <a:latin typeface="Cambria Math" panose="02040503050406030204" pitchFamily="18" charset="0"/>
+                                </a:rPr>
+                                <m:t>​</m:t>
+                              </m:r>
+                              <m:sSub>
+                                <m:sSubPr>
+                                  <m:ctrlPr>
+                                    <a:rPr lang="en-US" b="1" i="1" dirty="0" smtClean="0">
+                                      <a:solidFill>
+                                        <a:srgbClr val="2C2C36"/>
+                                      </a:solidFill>
+                                      <a:effectLst/>
+                                      <a:latin typeface="Cambria Math" panose="02040503050406030204" pitchFamily="18" charset="0"/>
+                                    </a:rPr>
+                                  </m:ctrlPr>
+                                </m:sSubPr>
+                                <m:e>
+                                  <m:r>
+                                    <a:rPr lang="en-US" b="1" i="1" dirty="0" smtClean="0">
+                                      <a:solidFill>
+                                        <a:srgbClr val="2C2C36"/>
+                                      </a:solidFill>
+                                      <a:effectLst/>
+                                      <a:latin typeface="Cambria Math" panose="02040503050406030204" pitchFamily="18" charset="0"/>
+                                    </a:rPr>
+                                    <m:t>𝑷</m:t>
+                                  </m:r>
+                                </m:e>
+                                <m:sub>
+                                  <m:r>
+                                    <a:rPr lang="en-US" b="0" i="1" dirty="0" smtClean="0">
+                                      <a:solidFill>
+                                        <a:srgbClr val="2C2C36"/>
+                                      </a:solidFill>
+                                      <a:effectLst/>
+                                      <a:latin typeface="Cambria Math" panose="02040503050406030204" pitchFamily="18" charset="0"/>
+                                    </a:rPr>
+                                    <m:t>𝑘</m:t>
+                                  </m:r>
+                                  <m:r>
+                                    <a:rPr lang="en-US" b="0" i="1" dirty="0" smtClean="0">
+                                      <a:solidFill>
+                                        <a:srgbClr val="2C2C36"/>
+                                      </a:solidFill>
+                                      <a:effectLst/>
+                                      <a:latin typeface="Cambria Math" panose="02040503050406030204" pitchFamily="18" charset="0"/>
+                                    </a:rPr>
+                                    <m:t>∣</m:t>
+                                  </m:r>
+                                  <m:r>
+                                    <a:rPr lang="en-US" b="0" i="1" dirty="0" smtClean="0">
+                                      <a:solidFill>
+                                        <a:srgbClr val="2C2C36"/>
+                                      </a:solidFill>
+                                      <a:effectLst/>
+                                      <a:latin typeface="Cambria Math" panose="02040503050406030204" pitchFamily="18" charset="0"/>
+                                    </a:rPr>
+                                    <m:t>𝑘</m:t>
+                                  </m:r>
+                                  <m:r>
+                                    <a:rPr lang="en-US" b="0" i="1" dirty="0" smtClean="0">
+                                      <a:solidFill>
+                                        <a:srgbClr val="2C2C36"/>
+                                      </a:solidFill>
+                                      <a:effectLst/>
+                                      <a:latin typeface="Cambria Math" panose="02040503050406030204" pitchFamily="18" charset="0"/>
+                                    </a:rPr>
+                                    <m:t>−1</m:t>
+                                  </m:r>
+                                </m:sub>
+                              </m:sSub>
+                              <m:r>
+                                <a:rPr lang="en-US" b="0" i="1" dirty="0" smtClean="0">
+                                  <a:solidFill>
+                                    <a:srgbClr val="2C2C36"/>
+                                  </a:solidFill>
+                                  <a:effectLst/>
+                                  <a:latin typeface="Cambria Math" panose="02040503050406030204" pitchFamily="18" charset="0"/>
+                                </a:rPr>
+                                <m:t>​</m:t>
+                              </m:r>
+                              <m:sSubSup>
+                                <m:sSubSupPr>
+                                  <m:ctrlPr>
+                                    <a:rPr lang="en-US" b="1" i="1" dirty="0" smtClean="0">
+                                      <a:solidFill>
+                                        <a:srgbClr val="2C2C36"/>
+                                      </a:solidFill>
+                                      <a:effectLst/>
+                                      <a:latin typeface="Cambria Math" panose="02040503050406030204" pitchFamily="18" charset="0"/>
+                                    </a:rPr>
+                                  </m:ctrlPr>
+                                </m:sSubSupPr>
+                                <m:e>
+                                  <m:r>
+                                    <a:rPr lang="en-US" b="1" i="1" dirty="0" err="1" smtClean="0">
+                                      <a:solidFill>
+                                        <a:srgbClr val="2C2C36"/>
+                                      </a:solidFill>
+                                      <a:effectLst/>
+                                      <a:latin typeface="Cambria Math" panose="02040503050406030204" pitchFamily="18" charset="0"/>
+                                    </a:rPr>
+                                    <m:t>𝑯</m:t>
+                                  </m:r>
+                                </m:e>
+                                <m:sub>
+                                  <m:r>
+                                    <a:rPr lang="en-US" b="0" i="1" dirty="0" err="1" smtClean="0">
+                                      <a:solidFill>
+                                        <a:srgbClr val="2C2C36"/>
+                                      </a:solidFill>
+                                      <a:effectLst/>
+                                      <a:latin typeface="Cambria Math" panose="02040503050406030204" pitchFamily="18" charset="0"/>
+                                    </a:rPr>
+                                    <m:t>𝑘</m:t>
+                                  </m:r>
+                                </m:sub>
+                                <m:sup>
+                                  <m:r>
+                                    <a:rPr lang="en-US" b="0" i="1" dirty="0" err="1" smtClean="0">
+                                      <a:solidFill>
+                                        <a:srgbClr val="2C2C36"/>
+                                      </a:solidFill>
+                                      <a:effectLst/>
+                                      <a:latin typeface="Cambria Math" panose="02040503050406030204" pitchFamily="18" charset="0"/>
+                                    </a:rPr>
+                                    <m:t>𝑇</m:t>
+                                  </m:r>
+                                </m:sup>
+                              </m:sSubSup>
+                              <m:r>
+                                <a:rPr lang="en-US" b="0" i="1" dirty="0" smtClean="0">
+                                  <a:solidFill>
+                                    <a:srgbClr val="2C2C36"/>
+                                  </a:solidFill>
+                                  <a:effectLst/>
+                                  <a:latin typeface="Cambria Math" panose="02040503050406030204" pitchFamily="18" charset="0"/>
+                                </a:rPr>
+                                <m:t>​+</m:t>
+                              </m:r>
+                              <m:sSub>
+                                <m:sSubPr>
+                                  <m:ctrlPr>
+                                    <a:rPr lang="en-US" b="1" i="1" dirty="0" smtClean="0">
+                                      <a:solidFill>
+                                        <a:srgbClr val="2C2C36"/>
+                                      </a:solidFill>
+                                      <a:effectLst/>
+                                      <a:latin typeface="Cambria Math" panose="02040503050406030204" pitchFamily="18" charset="0"/>
+                                    </a:rPr>
+                                  </m:ctrlPr>
+                                </m:sSubPr>
+                                <m:e>
+                                  <m:r>
+                                    <a:rPr lang="en-US" b="1" i="1" dirty="0" err="1" smtClean="0">
+                                      <a:solidFill>
+                                        <a:srgbClr val="2C2C36"/>
+                                      </a:solidFill>
+                                      <a:effectLst/>
+                                      <a:latin typeface="Cambria Math" panose="02040503050406030204" pitchFamily="18" charset="0"/>
+                                    </a:rPr>
+                                    <m:t>𝑹</m:t>
+                                  </m:r>
+                                </m:e>
+                                <m:sub>
+                                  <m:r>
+                                    <a:rPr lang="en-US" b="0" i="1" dirty="0" err="1" smtClean="0">
+                                      <a:solidFill>
+                                        <a:srgbClr val="2C2C36"/>
+                                      </a:solidFill>
+                                      <a:effectLst/>
+                                      <a:latin typeface="Cambria Math" panose="02040503050406030204" pitchFamily="18" charset="0"/>
+                                    </a:rPr>
+                                    <m:t>𝑘</m:t>
+                                  </m:r>
+                                  <m:r>
+                                    <a:rPr lang="en-US" b="0" i="1" dirty="0" smtClean="0">
+                                      <a:solidFill>
+                                        <a:srgbClr val="2C2C36"/>
+                                      </a:solidFill>
+                                      <a:effectLst/>
+                                      <a:latin typeface="Cambria Math" panose="02040503050406030204" pitchFamily="18" charset="0"/>
+                                    </a:rPr>
+                                    <m:t>​</m:t>
+                                  </m:r>
+                                </m:sub>
+                              </m:sSub>
+                            </m:e>
+                          </m:d>
+                        </m:e>
+                        <m:sup>
+                          <m:r>
+                            <a:rPr lang="en-US" b="0" i="1" dirty="0" smtClean="0">
+                              <a:solidFill>
+                                <a:srgbClr val="2C2C36"/>
+                              </a:solidFill>
+                              <a:effectLst/>
+                              <a:latin typeface="Cambria Math" panose="02040503050406030204" pitchFamily="18" charset="0"/>
+                            </a:rPr>
+                            <m:t>−1</m:t>
+                          </m:r>
+                        </m:sup>
+                      </m:sSup>
+                    </m:oMath>
+                  </m:oMathPara>
+                </a14:m>
+                <a:endParaRPr lang="en-US" dirty="0">
+                  <a:solidFill>
+                    <a:srgbClr val="2C2C36"/>
+                  </a:solidFill>
+                  <a:latin typeface="system-ui"/>
+                </a:endParaRPr>
+              </a:p>
+              <a:p>
+                <a:pPr marL="514350" indent="-514350">
+                  <a:spcBef>
+                    <a:spcPts val="900"/>
+                  </a:spcBef>
+                  <a:spcAft>
+                    <a:spcPts val="900"/>
+                  </a:spcAft>
+                  <a:buFont typeface="+mj-lt"/>
+                  <a:buAutoNum type="arabicPeriod" startAt="4"/>
+                </a:pPr>
+                <a:r>
+                  <a:rPr lang="en-US" b="0" i="0" dirty="0">
+                    <a:solidFill>
+                      <a:srgbClr val="111827"/>
+                    </a:solidFill>
+                    <a:effectLst/>
+                    <a:latin typeface="system-ui"/>
+                  </a:rPr>
+                  <a:t>Update the State Estimate </a:t>
+                </a:r>
+                <a:r>
+                  <a:rPr lang="en-US" b="0" i="0" dirty="0">
+                    <a:solidFill>
+                      <a:srgbClr val="2C2C36"/>
+                    </a:solidFill>
+                    <a:effectLst/>
+                    <a:latin typeface="system-ui"/>
+                  </a:rPr>
+                  <a:t>: Correct the predicted state using the innovation (difference between actual and predicted measurements):</a:t>
+                </a:r>
+              </a:p>
+              <a:p>
+                <a:pPr marL="0" indent="0">
+                  <a:spcBef>
+                    <a:spcPts val="900"/>
+                  </a:spcBef>
+                  <a:spcAft>
+                    <a:spcPts val="900"/>
+                  </a:spcAft>
+                  <a:buNone/>
+                </a:pPr>
+                <a14:m>
+                  <m:oMathPara xmlns:m="http://schemas.openxmlformats.org/officeDocument/2006/math">
+                    <m:oMathParaPr>
+                      <m:jc m:val="centerGroup"/>
+                    </m:oMathParaPr>
+                    <m:oMath xmlns:m="http://schemas.openxmlformats.org/officeDocument/2006/math">
+                      <m:sSub>
+                        <m:sSubPr>
+                          <m:ctrlPr>
+                            <a:rPr lang="en-US" b="0" i="0" dirty="0" smtClean="0">
+                              <a:solidFill>
+                                <a:srgbClr val="111827"/>
+                              </a:solidFill>
+                              <a:effectLst/>
+                              <a:latin typeface="Cambria Math" panose="02040503050406030204" pitchFamily="18" charset="0"/>
+                            </a:rPr>
+                          </m:ctrlPr>
+                        </m:sSubPr>
+                        <m:e>
+                          <m:acc>
+                            <m:accPr>
+                              <m:chr m:val="̂"/>
+                              <m:ctrlPr>
+                                <a:rPr lang="en-US" b="0" i="1" dirty="0" smtClean="0">
+                                  <a:solidFill>
+                                    <a:srgbClr val="2C2C36"/>
+                                  </a:solidFill>
+                                  <a:effectLst/>
+                                  <a:latin typeface="Cambria Math" panose="02040503050406030204" pitchFamily="18" charset="0"/>
+                                </a:rPr>
+                              </m:ctrlPr>
+                            </m:accPr>
+                            <m:e>
+                              <m:r>
+                                <a:rPr lang="en-US" b="1" i="1" dirty="0" smtClean="0">
+                                  <a:solidFill>
+                                    <a:srgbClr val="2C2C36"/>
+                                  </a:solidFill>
+                                  <a:effectLst/>
+                                  <a:latin typeface="Cambria Math" panose="02040503050406030204" pitchFamily="18" charset="0"/>
+                                </a:rPr>
+                                <m:t>𝒙</m:t>
+                              </m:r>
+                            </m:e>
+                          </m:acc>
+                        </m:e>
+                        <m:sub>
+                          <m:r>
+                            <a:rPr lang="en-US" b="0" i="1" dirty="0" err="1" smtClean="0">
+                              <a:solidFill>
+                                <a:srgbClr val="2C2C36"/>
+                              </a:solidFill>
+                              <a:effectLst/>
+                              <a:latin typeface="Cambria Math" panose="02040503050406030204" pitchFamily="18" charset="0"/>
+                            </a:rPr>
+                            <m:t>𝑘</m:t>
+                          </m:r>
+                          <m:r>
+                            <a:rPr lang="en-US" b="0" i="1" dirty="0" smtClean="0">
+                              <a:solidFill>
+                                <a:srgbClr val="2C2C36"/>
+                              </a:solidFill>
+                              <a:effectLst/>
+                              <a:latin typeface="Cambria Math" panose="02040503050406030204" pitchFamily="18" charset="0"/>
+                            </a:rPr>
+                            <m:t>∣</m:t>
+                          </m:r>
+                          <m:r>
+                            <a:rPr lang="en-US" b="0" i="1" dirty="0" smtClean="0">
+                              <a:solidFill>
+                                <a:srgbClr val="2C2C36"/>
+                              </a:solidFill>
+                              <a:effectLst/>
+                              <a:latin typeface="Cambria Math" panose="02040503050406030204" pitchFamily="18" charset="0"/>
+                            </a:rPr>
+                            <m:t>𝑘</m:t>
+                          </m:r>
+                        </m:sub>
+                      </m:sSub>
+                      <m:r>
+                        <a:rPr lang="en-US" b="0" i="1" dirty="0" smtClean="0">
+                          <a:solidFill>
+                            <a:srgbClr val="2C2C36"/>
+                          </a:solidFill>
+                          <a:effectLst/>
+                          <a:latin typeface="Cambria Math" panose="02040503050406030204" pitchFamily="18" charset="0"/>
+                        </a:rPr>
+                        <m:t>​=</m:t>
+                      </m:r>
+                      <m:sSub>
+                        <m:sSubPr>
+                          <m:ctrlPr>
+                            <a:rPr lang="en-US" b="0" i="1" dirty="0" smtClean="0">
+                              <a:solidFill>
+                                <a:srgbClr val="2C2C36"/>
+                              </a:solidFill>
+                              <a:effectLst/>
+                              <a:latin typeface="Cambria Math" panose="02040503050406030204" pitchFamily="18" charset="0"/>
+                            </a:rPr>
+                          </m:ctrlPr>
+                        </m:sSubPr>
+                        <m:e>
+                          <m:acc>
+                            <m:accPr>
+                              <m:chr m:val="̂"/>
+                              <m:ctrlPr>
+                                <a:rPr lang="en-US" b="0" i="1" dirty="0" smtClean="0">
+                                  <a:solidFill>
+                                    <a:srgbClr val="2C2C36"/>
+                                  </a:solidFill>
+                                  <a:effectLst/>
+                                  <a:latin typeface="Cambria Math" panose="02040503050406030204" pitchFamily="18" charset="0"/>
+                                </a:rPr>
+                              </m:ctrlPr>
+                            </m:accPr>
+                            <m:e>
+                              <m:r>
+                                <a:rPr lang="en-US" b="1" i="1" dirty="0" smtClean="0">
+                                  <a:solidFill>
+                                    <a:srgbClr val="2C2C36"/>
+                                  </a:solidFill>
+                                  <a:effectLst/>
+                                  <a:latin typeface="Cambria Math" panose="02040503050406030204" pitchFamily="18" charset="0"/>
+                                </a:rPr>
+                                <m:t>𝒙</m:t>
+                              </m:r>
+                            </m:e>
+                          </m:acc>
+                        </m:e>
+                        <m:sub>
+                          <m:r>
+                            <a:rPr lang="en-US" b="0" i="1" dirty="0" smtClean="0">
+                              <a:solidFill>
+                                <a:srgbClr val="2C2C36"/>
+                              </a:solidFill>
+                              <a:effectLst/>
+                              <a:latin typeface="Cambria Math" panose="02040503050406030204" pitchFamily="18" charset="0"/>
+                            </a:rPr>
+                            <m:t>𝑘</m:t>
+                          </m:r>
+                          <m:r>
+                            <a:rPr lang="en-US" b="0" i="1" dirty="0" smtClean="0">
+                              <a:solidFill>
+                                <a:srgbClr val="2C2C36"/>
+                              </a:solidFill>
+                              <a:effectLst/>
+                              <a:latin typeface="Cambria Math" panose="02040503050406030204" pitchFamily="18" charset="0"/>
+                            </a:rPr>
+                            <m:t>∣</m:t>
+                          </m:r>
+                          <m:r>
+                            <a:rPr lang="en-US" b="0" i="1" dirty="0" smtClean="0">
+                              <a:solidFill>
+                                <a:srgbClr val="2C2C36"/>
+                              </a:solidFill>
+                              <a:effectLst/>
+                              <a:latin typeface="Cambria Math" panose="02040503050406030204" pitchFamily="18" charset="0"/>
+                            </a:rPr>
+                            <m:t>𝑘</m:t>
+                          </m:r>
+                          <m:r>
+                            <a:rPr lang="en-US" b="0" i="1" dirty="0" smtClean="0">
+                              <a:solidFill>
+                                <a:srgbClr val="2C2C36"/>
+                              </a:solidFill>
+                              <a:effectLst/>
+                              <a:latin typeface="Cambria Math" panose="02040503050406030204" pitchFamily="18" charset="0"/>
+                            </a:rPr>
+                            <m:t>−1</m:t>
+                          </m:r>
+                        </m:sub>
+                      </m:sSub>
+                      <m:r>
+                        <a:rPr lang="en-US" b="0" i="1" dirty="0" smtClean="0">
+                          <a:solidFill>
+                            <a:srgbClr val="2C2C36"/>
+                          </a:solidFill>
+                          <a:effectLst/>
+                          <a:latin typeface="Cambria Math" panose="02040503050406030204" pitchFamily="18" charset="0"/>
+                        </a:rPr>
+                        <m:t>​+</m:t>
+                      </m:r>
+                      <m:sSub>
+                        <m:sSubPr>
+                          <m:ctrlPr>
+                            <a:rPr lang="en-US" b="0" i="1" dirty="0" smtClean="0">
+                              <a:solidFill>
+                                <a:srgbClr val="2C2C36"/>
+                              </a:solidFill>
+                              <a:effectLst/>
+                              <a:latin typeface="Cambria Math" panose="02040503050406030204" pitchFamily="18" charset="0"/>
+                            </a:rPr>
+                          </m:ctrlPr>
+                        </m:sSubPr>
+                        <m:e>
+                          <m:r>
+                            <a:rPr lang="en-US" b="1" i="1" dirty="0" smtClean="0">
+                              <a:solidFill>
+                                <a:srgbClr val="2C2C36"/>
+                              </a:solidFill>
+                              <a:effectLst/>
+                              <a:latin typeface="Cambria Math" panose="02040503050406030204" pitchFamily="18" charset="0"/>
+                            </a:rPr>
+                            <m:t>𝑲</m:t>
+                          </m:r>
+                        </m:e>
+                        <m:sub>
+                          <m:r>
+                            <a:rPr lang="en-US" b="0" i="1" dirty="0" smtClean="0">
+                              <a:solidFill>
+                                <a:srgbClr val="2C2C36"/>
+                              </a:solidFill>
+                              <a:effectLst/>
+                              <a:latin typeface="Cambria Math" panose="02040503050406030204" pitchFamily="18" charset="0"/>
+                            </a:rPr>
+                            <m:t>𝑘</m:t>
+                          </m:r>
+                        </m:sub>
+                      </m:sSub>
+                      <m:r>
+                        <a:rPr lang="en-US" b="0" i="1" dirty="0" smtClean="0">
+                          <a:solidFill>
+                            <a:srgbClr val="2C2C36"/>
+                          </a:solidFill>
+                          <a:effectLst/>
+                          <a:latin typeface="Cambria Math" panose="02040503050406030204" pitchFamily="18" charset="0"/>
+                        </a:rPr>
+                        <m:t>​(</m:t>
+                      </m:r>
+                      <m:sSub>
+                        <m:sSubPr>
+                          <m:ctrlPr>
+                            <a:rPr lang="en-US" b="1" i="1" dirty="0" smtClean="0">
+                              <a:solidFill>
+                                <a:srgbClr val="2C2C36"/>
+                              </a:solidFill>
+                              <a:effectLst/>
+                              <a:latin typeface="Cambria Math" panose="02040503050406030204" pitchFamily="18" charset="0"/>
+                            </a:rPr>
+                          </m:ctrlPr>
+                        </m:sSubPr>
+                        <m:e>
+                          <m:r>
+                            <a:rPr lang="en-US" b="1" i="1" dirty="0" err="1" smtClean="0">
+                              <a:solidFill>
+                                <a:srgbClr val="2C2C36"/>
+                              </a:solidFill>
+                              <a:effectLst/>
+                              <a:latin typeface="Cambria Math" panose="02040503050406030204" pitchFamily="18" charset="0"/>
+                            </a:rPr>
+                            <m:t>𝒛</m:t>
+                          </m:r>
+                        </m:e>
+                        <m:sub>
+                          <m:r>
+                            <a:rPr lang="en-US" b="0" i="1" dirty="0" err="1" smtClean="0">
+                              <a:solidFill>
+                                <a:srgbClr val="2C2C36"/>
+                              </a:solidFill>
+                              <a:effectLst/>
+                              <a:latin typeface="Cambria Math" panose="02040503050406030204" pitchFamily="18" charset="0"/>
+                            </a:rPr>
+                            <m:t>𝑘</m:t>
+                          </m:r>
+                        </m:sub>
+                      </m:sSub>
+                      <m:r>
+                        <a:rPr lang="en-US" b="0" i="1" dirty="0" smtClean="0">
+                          <a:solidFill>
+                            <a:srgbClr val="2C2C36"/>
+                          </a:solidFill>
+                          <a:effectLst/>
+                          <a:latin typeface="Cambria Math" panose="02040503050406030204" pitchFamily="18" charset="0"/>
+                        </a:rPr>
+                        <m:t>​−</m:t>
+                      </m:r>
+                      <m:sSub>
+                        <m:sSubPr>
+                          <m:ctrlPr>
+                            <a:rPr lang="en-US" b="0" i="1" dirty="0" smtClean="0">
+                              <a:solidFill>
+                                <a:srgbClr val="2C2C36"/>
+                              </a:solidFill>
+                              <a:effectLst/>
+                              <a:latin typeface="Cambria Math" panose="02040503050406030204" pitchFamily="18" charset="0"/>
+                            </a:rPr>
+                          </m:ctrlPr>
+                        </m:sSubPr>
+                        <m:e>
+                          <m:acc>
+                            <m:accPr>
+                              <m:chr m:val="̂"/>
+                              <m:ctrlPr>
+                                <a:rPr lang="en-US" b="0" i="1" dirty="0" smtClean="0">
+                                  <a:solidFill>
+                                    <a:srgbClr val="2C2C36"/>
+                                  </a:solidFill>
+                                  <a:effectLst/>
+                                  <a:latin typeface="Cambria Math" panose="02040503050406030204" pitchFamily="18" charset="0"/>
+                                </a:rPr>
+                              </m:ctrlPr>
+                            </m:accPr>
+                            <m:e>
+                              <m:r>
+                                <a:rPr lang="en-US" b="1" i="1" dirty="0" smtClean="0">
+                                  <a:solidFill>
+                                    <a:srgbClr val="2C2C36"/>
+                                  </a:solidFill>
+                                  <a:effectLst/>
+                                  <a:latin typeface="Cambria Math" panose="02040503050406030204" pitchFamily="18" charset="0"/>
+                                </a:rPr>
+                                <m:t>𝒛</m:t>
+                              </m:r>
+                            </m:e>
+                          </m:acc>
+                        </m:e>
+                        <m:sub>
+                          <m:r>
+                            <a:rPr lang="en-US" b="0" i="1" dirty="0" smtClean="0">
+                              <a:solidFill>
+                                <a:srgbClr val="2C2C36"/>
+                              </a:solidFill>
+                              <a:effectLst/>
+                              <a:latin typeface="Cambria Math" panose="02040503050406030204" pitchFamily="18" charset="0"/>
+                            </a:rPr>
+                            <m:t>𝑘</m:t>
+                          </m:r>
+                          <m:r>
+                            <a:rPr lang="en-US" b="0" i="1" dirty="0" smtClean="0">
+                              <a:solidFill>
+                                <a:srgbClr val="2C2C36"/>
+                              </a:solidFill>
+                              <a:effectLst/>
+                              <a:latin typeface="Cambria Math" panose="02040503050406030204" pitchFamily="18" charset="0"/>
+                            </a:rPr>
+                            <m:t>∣</m:t>
+                          </m:r>
+                          <m:r>
+                            <a:rPr lang="en-US" b="0" i="1" dirty="0" smtClean="0">
+                              <a:solidFill>
+                                <a:srgbClr val="2C2C36"/>
+                              </a:solidFill>
+                              <a:effectLst/>
+                              <a:latin typeface="Cambria Math" panose="02040503050406030204" pitchFamily="18" charset="0"/>
+                            </a:rPr>
+                            <m:t>𝑘</m:t>
+                          </m:r>
+                          <m:r>
+                            <a:rPr lang="en-US" b="0" i="1" dirty="0" smtClean="0">
+                              <a:solidFill>
+                                <a:srgbClr val="2C2C36"/>
+                              </a:solidFill>
+                              <a:effectLst/>
+                              <a:latin typeface="Cambria Math" panose="02040503050406030204" pitchFamily="18" charset="0"/>
+                            </a:rPr>
+                            <m:t>−1</m:t>
+                          </m:r>
+                        </m:sub>
+                      </m:sSub>
+                      <m:r>
+                        <a:rPr lang="en-US" b="0" i="1" dirty="0" smtClean="0">
+                          <a:solidFill>
+                            <a:srgbClr val="2C2C36"/>
+                          </a:solidFill>
+                          <a:effectLst/>
+                          <a:latin typeface="Cambria Math" panose="02040503050406030204" pitchFamily="18" charset="0"/>
+                        </a:rPr>
+                        <m:t>​)</m:t>
+                      </m:r>
+                    </m:oMath>
+                  </m:oMathPara>
+                </a14:m>
+                <a:endParaRPr lang="en-US" b="0" i="0" dirty="0">
+                  <a:solidFill>
+                    <a:srgbClr val="2C2C36"/>
+                  </a:solidFill>
+                  <a:effectLst/>
+                  <a:latin typeface="system-ui"/>
+                </a:endParaRPr>
+              </a:p>
+              <a:p>
+                <a:pPr marL="514350" indent="-514350" algn="l">
+                  <a:spcBef>
+                    <a:spcPts val="900"/>
+                  </a:spcBef>
+                  <a:spcAft>
+                    <a:spcPts val="900"/>
+                  </a:spcAft>
+                  <a:buFont typeface="+mj-lt"/>
+                  <a:buAutoNum type="arabicPeriod" startAt="5"/>
+                </a:pPr>
+                <a:r>
+                  <a:rPr lang="en-US" b="0" i="0" dirty="0">
+                    <a:solidFill>
+                      <a:srgbClr val="111827"/>
+                    </a:solidFill>
+                    <a:effectLst/>
+                    <a:latin typeface="system-ui"/>
+                  </a:rPr>
+                  <a:t>Update the Error Covariance </a:t>
+                </a:r>
+                <a:r>
+                  <a:rPr lang="en-US" b="0" i="0" dirty="0">
+                    <a:solidFill>
+                      <a:srgbClr val="2C2C36"/>
+                    </a:solidFill>
+                    <a:effectLst/>
+                    <a:latin typeface="system-ui"/>
+                  </a:rPr>
+                  <a:t>: Update the error covariance matrix:</a:t>
+                </a:r>
+              </a:p>
+              <a:p>
+                <a:pPr marL="0" indent="0">
+                  <a:spcBef>
+                    <a:spcPts val="900"/>
+                  </a:spcBef>
+                  <a:spcAft>
+                    <a:spcPts val="900"/>
+                  </a:spcAft>
+                  <a:buNone/>
+                </a:pPr>
+                <a14:m>
+                  <m:oMathPara xmlns:m="http://schemas.openxmlformats.org/officeDocument/2006/math">
+                    <m:oMathParaPr>
+                      <m:jc m:val="centerGroup"/>
+                    </m:oMathParaPr>
+                    <m:oMath xmlns:m="http://schemas.openxmlformats.org/officeDocument/2006/math">
+                      <m:sSub>
+                        <m:sSubPr>
+                          <m:ctrlPr>
+                            <a:rPr lang="en-US" b="1" i="1" dirty="0" smtClean="0">
+                              <a:solidFill>
+                                <a:srgbClr val="2C2C36"/>
+                              </a:solidFill>
+                              <a:effectLst/>
+                              <a:latin typeface="Cambria Math" panose="02040503050406030204" pitchFamily="18" charset="0"/>
+                            </a:rPr>
+                          </m:ctrlPr>
+                        </m:sSubPr>
+                        <m:e>
+                          <m:r>
+                            <a:rPr lang="en-US" b="1" i="1" dirty="0" smtClean="0">
+                              <a:solidFill>
+                                <a:srgbClr val="2C2C36"/>
+                              </a:solidFill>
+                              <a:effectLst/>
+                              <a:latin typeface="Cambria Math" panose="02040503050406030204" pitchFamily="18" charset="0"/>
+                            </a:rPr>
+                            <m:t>𝑷</m:t>
+                          </m:r>
+                        </m:e>
+                        <m:sub>
+                          <m:r>
+                            <a:rPr lang="en-US" b="0" i="1" dirty="0" err="1" smtClean="0">
+                              <a:solidFill>
+                                <a:srgbClr val="2C2C36"/>
+                              </a:solidFill>
+                              <a:effectLst/>
+                              <a:latin typeface="Cambria Math" panose="02040503050406030204" pitchFamily="18" charset="0"/>
+                            </a:rPr>
+                            <m:t>𝑘</m:t>
+                          </m:r>
+                          <m:r>
+                            <a:rPr lang="en-US" b="0" i="1" dirty="0" smtClean="0">
+                              <a:solidFill>
+                                <a:srgbClr val="2C2C36"/>
+                              </a:solidFill>
+                              <a:effectLst/>
+                              <a:latin typeface="Cambria Math" panose="02040503050406030204" pitchFamily="18" charset="0"/>
+                            </a:rPr>
+                            <m:t>∣</m:t>
+                          </m:r>
+                          <m:r>
+                            <a:rPr lang="en-US" b="0" i="1" dirty="0" smtClean="0">
+                              <a:solidFill>
+                                <a:srgbClr val="2C2C36"/>
+                              </a:solidFill>
+                              <a:effectLst/>
+                              <a:latin typeface="Cambria Math" panose="02040503050406030204" pitchFamily="18" charset="0"/>
+                            </a:rPr>
+                            <m:t>𝑘</m:t>
+                          </m:r>
+                        </m:sub>
+                      </m:sSub>
+                      <m:r>
+                        <a:rPr lang="en-US" b="0" i="1" dirty="0" smtClean="0">
+                          <a:solidFill>
+                            <a:srgbClr val="2C2C36"/>
+                          </a:solidFill>
+                          <a:effectLst/>
+                          <a:latin typeface="Cambria Math" panose="02040503050406030204" pitchFamily="18" charset="0"/>
+                        </a:rPr>
+                        <m:t>​=</m:t>
+                      </m:r>
+                      <m:d>
+                        <m:dPr>
+                          <m:ctrlPr>
+                            <a:rPr lang="en-US" b="0" i="1" dirty="0" smtClean="0">
+                              <a:solidFill>
+                                <a:srgbClr val="2C2C36"/>
+                              </a:solidFill>
+                              <a:effectLst/>
+                              <a:latin typeface="Cambria Math" panose="02040503050406030204" pitchFamily="18" charset="0"/>
+                            </a:rPr>
+                          </m:ctrlPr>
+                        </m:dPr>
+                        <m:e>
+                          <m:r>
+                            <a:rPr lang="en-US" b="1" i="1" dirty="0" smtClean="0">
+                              <a:solidFill>
+                                <a:srgbClr val="2C2C36"/>
+                              </a:solidFill>
+                              <a:effectLst/>
+                              <a:latin typeface="Cambria Math" panose="02040503050406030204" pitchFamily="18" charset="0"/>
+                            </a:rPr>
+                            <m:t>𝑰</m:t>
+                          </m:r>
+                          <m:r>
+                            <a:rPr lang="en-US" b="0" i="1" dirty="0" smtClean="0">
+                              <a:solidFill>
+                                <a:srgbClr val="2C2C36"/>
+                              </a:solidFill>
+                              <a:effectLst/>
+                              <a:latin typeface="Cambria Math" panose="02040503050406030204" pitchFamily="18" charset="0"/>
+                            </a:rPr>
+                            <m:t>−</m:t>
+                          </m:r>
+                          <m:sSub>
+                            <m:sSubPr>
+                              <m:ctrlPr>
+                                <a:rPr lang="en-US" b="0" i="1" dirty="0" smtClean="0">
+                                  <a:solidFill>
+                                    <a:srgbClr val="2C2C36"/>
+                                  </a:solidFill>
+                                  <a:effectLst/>
+                                  <a:latin typeface="Cambria Math" panose="02040503050406030204" pitchFamily="18" charset="0"/>
+                                </a:rPr>
+                              </m:ctrlPr>
+                            </m:sSubPr>
+                            <m:e>
+                              <m:r>
+                                <a:rPr lang="en-US" b="1" i="1" dirty="0" smtClean="0">
+                                  <a:solidFill>
+                                    <a:srgbClr val="2C2C36"/>
+                                  </a:solidFill>
+                                  <a:effectLst/>
+                                  <a:latin typeface="Cambria Math" panose="02040503050406030204" pitchFamily="18" charset="0"/>
+                                </a:rPr>
+                                <m:t>𝑲</m:t>
+                              </m:r>
+                            </m:e>
+                            <m:sub>
+                              <m:r>
+                                <a:rPr lang="en-US" b="0" i="1" dirty="0" smtClean="0">
+                                  <a:solidFill>
+                                    <a:srgbClr val="2C2C36"/>
+                                  </a:solidFill>
+                                  <a:effectLst/>
+                                  <a:latin typeface="Cambria Math" panose="02040503050406030204" pitchFamily="18" charset="0"/>
+                                </a:rPr>
+                                <m:t>𝑘</m:t>
+                              </m:r>
+                            </m:sub>
+                          </m:sSub>
+                          <m:r>
+                            <a:rPr lang="en-US" b="0" i="1" dirty="0" smtClean="0">
+                              <a:solidFill>
+                                <a:srgbClr val="2C2C36"/>
+                              </a:solidFill>
+                              <a:effectLst/>
+                              <a:latin typeface="Cambria Math" panose="02040503050406030204" pitchFamily="18" charset="0"/>
+                            </a:rPr>
+                            <m:t>​</m:t>
+                          </m:r>
+                          <m:sSub>
+                            <m:sSubPr>
+                              <m:ctrlPr>
+                                <a:rPr lang="en-US" b="1" i="1" dirty="0" smtClean="0">
+                                  <a:solidFill>
+                                    <a:srgbClr val="2C2C36"/>
+                                  </a:solidFill>
+                                  <a:effectLst/>
+                                  <a:latin typeface="Cambria Math" panose="02040503050406030204" pitchFamily="18" charset="0"/>
+                                </a:rPr>
+                              </m:ctrlPr>
+                            </m:sSubPr>
+                            <m:e>
+                              <m:r>
+                                <a:rPr lang="en-US" b="1" i="1" dirty="0" err="1" smtClean="0">
+                                  <a:solidFill>
+                                    <a:srgbClr val="2C2C36"/>
+                                  </a:solidFill>
+                                  <a:effectLst/>
+                                  <a:latin typeface="Cambria Math" panose="02040503050406030204" pitchFamily="18" charset="0"/>
+                                </a:rPr>
+                                <m:t>𝑯</m:t>
+                              </m:r>
+                            </m:e>
+                            <m:sub>
+                              <m:r>
+                                <a:rPr lang="en-US" b="0" i="1" dirty="0" smtClean="0">
+                                  <a:solidFill>
+                                    <a:srgbClr val="2C2C36"/>
+                                  </a:solidFill>
+                                  <a:effectLst/>
+                                  <a:latin typeface="Cambria Math" panose="02040503050406030204" pitchFamily="18" charset="0"/>
+                                </a:rPr>
+                                <m:t>𝑘</m:t>
+                              </m:r>
+                            </m:sub>
+                          </m:sSub>
+                          <m:r>
+                            <a:rPr lang="en-US" b="0" i="1" dirty="0" smtClean="0">
+                              <a:solidFill>
+                                <a:srgbClr val="2C2C36"/>
+                              </a:solidFill>
+                              <a:effectLst/>
+                              <a:latin typeface="Cambria Math" panose="02040503050406030204" pitchFamily="18" charset="0"/>
+                            </a:rPr>
+                            <m:t>​</m:t>
+                          </m:r>
+                        </m:e>
+                      </m:d>
+                      <m:sSub>
+                        <m:sSubPr>
+                          <m:ctrlPr>
+                            <a:rPr lang="en-US" b="1" i="1" dirty="0" smtClean="0">
+                              <a:solidFill>
+                                <a:srgbClr val="2C2C36"/>
+                              </a:solidFill>
+                              <a:effectLst/>
+                              <a:latin typeface="Cambria Math" panose="02040503050406030204" pitchFamily="18" charset="0"/>
+                            </a:rPr>
+                          </m:ctrlPr>
+                        </m:sSubPr>
+                        <m:e>
+                          <m:r>
+                            <a:rPr lang="en-US" b="1" i="1" dirty="0" smtClean="0">
+                              <a:solidFill>
+                                <a:srgbClr val="2C2C36"/>
+                              </a:solidFill>
+                              <a:effectLst/>
+                              <a:latin typeface="Cambria Math" panose="02040503050406030204" pitchFamily="18" charset="0"/>
+                            </a:rPr>
+                            <m:t>𝑷</m:t>
+                          </m:r>
+                        </m:e>
+                        <m:sub>
+                          <m:r>
+                            <a:rPr lang="en-US" b="0" i="1" dirty="0" smtClean="0">
+                              <a:solidFill>
+                                <a:srgbClr val="2C2C36"/>
+                              </a:solidFill>
+                              <a:effectLst/>
+                              <a:latin typeface="Cambria Math" panose="02040503050406030204" pitchFamily="18" charset="0"/>
+                            </a:rPr>
+                            <m:t>𝑘</m:t>
+                          </m:r>
+                          <m:r>
+                            <a:rPr lang="en-US" b="0" i="1" dirty="0" smtClean="0">
+                              <a:solidFill>
+                                <a:srgbClr val="2C2C36"/>
+                              </a:solidFill>
+                              <a:effectLst/>
+                              <a:latin typeface="Cambria Math" panose="02040503050406030204" pitchFamily="18" charset="0"/>
+                            </a:rPr>
+                            <m:t>∣</m:t>
+                          </m:r>
+                          <m:r>
+                            <a:rPr lang="en-US" b="0" i="1" dirty="0" smtClean="0">
+                              <a:solidFill>
+                                <a:srgbClr val="2C2C36"/>
+                              </a:solidFill>
+                              <a:effectLst/>
+                              <a:latin typeface="Cambria Math" panose="02040503050406030204" pitchFamily="18" charset="0"/>
+                            </a:rPr>
+                            <m:t>𝑘</m:t>
+                          </m:r>
+                          <m:r>
+                            <a:rPr lang="en-US" b="0" i="1" dirty="0" smtClean="0">
+                              <a:solidFill>
+                                <a:srgbClr val="2C2C36"/>
+                              </a:solidFill>
+                              <a:effectLst/>
+                              <a:latin typeface="Cambria Math" panose="02040503050406030204" pitchFamily="18" charset="0"/>
+                            </a:rPr>
+                            <m:t>−1</m:t>
+                          </m:r>
+                        </m:sub>
+                      </m:sSub>
+                      <m:r>
+                        <a:rPr lang="en-US" b="0" i="1" dirty="0" smtClean="0">
+                          <a:solidFill>
+                            <a:srgbClr val="2C2C36"/>
+                          </a:solidFill>
+                          <a:effectLst/>
+                          <a:latin typeface="Cambria Math" panose="02040503050406030204" pitchFamily="18" charset="0"/>
+                        </a:rPr>
+                        <m:t>​</m:t>
+                      </m:r>
+                    </m:oMath>
+                  </m:oMathPara>
+                </a14:m>
+                <a:br>
+                  <a:rPr lang="en-US" dirty="0"/>
+                </a:br>
+                <a:endParaRPr lang="en-US" dirty="0"/>
+              </a:p>
+              <a:p>
+                <a:endParaRPr lang="en-US" dirty="0"/>
+              </a:p>
+            </p:txBody>
+          </p:sp>
+        </mc:Choice>
+        <mc:Fallback>
+          <p:sp>
+            <p:nvSpPr>
+              <p:cNvPr id="3" name="Content Placeholder 2">
+                <a:extLst>
+                  <a:ext uri="{FF2B5EF4-FFF2-40B4-BE49-F238E27FC236}">
+                    <a16:creationId xmlns:a16="http://schemas.microsoft.com/office/drawing/2014/main" id="{D79DCF42-B6A7-DE08-EE1F-37791FD5C795}"/>
+                  </a:ext>
+                </a:extLst>
+              </p:cNvPr>
+              <p:cNvSpPr>
+                <a:spLocks noGrp="1" noRot="1" noChangeAspect="1" noMove="1" noResize="1" noEditPoints="1" noAdjustHandles="1" noChangeArrowheads="1" noChangeShapeType="1" noTextEdit="1"/>
+              </p:cNvSpPr>
+              <p:nvPr>
+                <p:ph idx="1"/>
+              </p:nvPr>
+            </p:nvSpPr>
+            <p:spPr>
+              <a:blipFill>
+                <a:blip r:embed="rId2"/>
+                <a:stretch>
+                  <a:fillRect l="-1217" t="-3221"/>
+                </a:stretch>
+              </a:blipFill>
+            </p:spPr>
+            <p:txBody>
+              <a:bodyPr/>
+              <a:lstStyle/>
+              <a:p>
+                <a:r>
+                  <a:rPr lang="en-US">
+                    <a:noFill/>
+                  </a:rPr>
+                  <a:t> </a:t>
+                </a:r>
+              </a:p>
+            </p:txBody>
+          </p:sp>
+        </mc:Fallback>
+      </mc:AlternateContent>
     </p:spTree>
     <p:extLst>
       <p:ext uri="{BB962C8B-B14F-4D97-AF65-F5344CB8AC3E}">
-        <p14:creationId xmlns:p14="http://schemas.microsoft.com/office/powerpoint/2010/main" val="2916962213"/>
+        <p14:creationId xmlns:p14="http://schemas.microsoft.com/office/powerpoint/2010/main" val="3465758286"/>
       </p:ext>
     </p:extLst>
   </p:cSld>
@@ -8623,6 +9196,997 @@
           <p:cNvPr id="2" name="Title 1">
             <a:extLst>
               <a:ext uri="{FF2B5EF4-FFF2-40B4-BE49-F238E27FC236}">
+                <a16:creationId xmlns:a16="http://schemas.microsoft.com/office/drawing/2014/main" id="{BE81B1DA-E1D4-1898-D1A2-14198864DD19}"/>
+              </a:ext>
+            </a:extLst>
+          </p:cNvPr>
+          <p:cNvSpPr>
+            <a:spLocks noGrp="1"/>
+          </p:cNvSpPr>
+          <p:nvPr>
+            <p:ph type="title"/>
+          </p:nvPr>
+        </p:nvSpPr>
+        <p:spPr/>
+        <p:txBody>
+          <a:bodyPr/>
+          <a:lstStyle/>
+          <a:p>
+            <a:r>
+              <a:rPr lang="en-US" b="1" i="0" dirty="0">
+                <a:solidFill>
+                  <a:srgbClr val="2C2C36"/>
+                </a:solidFill>
+                <a:effectLst/>
+                <a:latin typeface="system-ui"/>
+              </a:rPr>
+              <a:t>Application to Battery SoC Estimation</a:t>
+            </a:r>
+            <a:endParaRPr lang="en-US" dirty="0"/>
+          </a:p>
+        </p:txBody>
+      </p:sp>
+      <mc:AlternateContent xmlns:mc="http://schemas.openxmlformats.org/markup-compatibility/2006">
+        <mc:Choice xmlns:a14="http://schemas.microsoft.com/office/drawing/2010/main" Requires="a14">
+          <p:sp>
+            <p:nvSpPr>
+              <p:cNvPr id="3" name="Content Placeholder 2">
+                <a:extLst>
+                  <a:ext uri="{FF2B5EF4-FFF2-40B4-BE49-F238E27FC236}">
+                    <a16:creationId xmlns:a16="http://schemas.microsoft.com/office/drawing/2014/main" id="{BCAC1B0B-5962-61A1-05F8-C4C23906A83F}"/>
+                  </a:ext>
+                </a:extLst>
+              </p:cNvPr>
+              <p:cNvSpPr>
+                <a:spLocks noGrp="1"/>
+              </p:cNvSpPr>
+              <p:nvPr>
+                <p:ph idx="1"/>
+              </p:nvPr>
+            </p:nvSpPr>
+            <p:spPr/>
+            <p:txBody>
+              <a:bodyPr>
+                <a:normAutofit fontScale="85000" lnSpcReduction="20000"/>
+              </a:bodyPr>
+              <a:lstStyle/>
+              <a:p>
+                <a:pPr algn="l">
+                  <a:spcBef>
+                    <a:spcPts val="900"/>
+                  </a:spcBef>
+                  <a:spcAft>
+                    <a:spcPts val="900"/>
+                  </a:spcAft>
+                  <a:buFont typeface="+mj-lt"/>
+                  <a:buAutoNum type="arabicPeriod"/>
+                </a:pPr>
+                <a:r>
+                  <a:rPr lang="th-TH" b="0" i="0" dirty="0">
+                    <a:solidFill>
+                      <a:srgbClr val="111827"/>
+                    </a:solidFill>
+                    <a:effectLst/>
+                    <a:latin typeface="system-ui"/>
+                  </a:rPr>
+                  <a:t>     </a:t>
+                </a:r>
+                <a:r>
+                  <a:rPr lang="en-US" b="0" i="0" dirty="0">
+                    <a:solidFill>
+                      <a:srgbClr val="111827"/>
+                    </a:solidFill>
+                    <a:effectLst/>
+                    <a:latin typeface="system-ui"/>
+                  </a:rPr>
+                  <a:t>State Transition Model </a:t>
+                </a:r>
+                <a:r>
+                  <a:rPr lang="en-US" b="0" i="0" dirty="0">
+                    <a:solidFill>
+                      <a:srgbClr val="2C2C36"/>
+                    </a:solidFill>
+                    <a:effectLst/>
+                    <a:latin typeface="system-ui"/>
+                  </a:rPr>
+                  <a:t>: The state (SoC) evolves based on Coulomb counting:</a:t>
+                </a:r>
+              </a:p>
+              <a:p>
+                <a:pPr marL="0" indent="0">
+                  <a:spcBef>
+                    <a:spcPts val="900"/>
+                  </a:spcBef>
+                  <a:spcAft>
+                    <a:spcPts val="900"/>
+                  </a:spcAft>
+                  <a:buNone/>
+                </a:pPr>
+                <a14:m>
+                  <m:oMathPara xmlns:m="http://schemas.openxmlformats.org/officeDocument/2006/math">
+                    <m:oMathParaPr>
+                      <m:jc m:val="centerGroup"/>
+                    </m:oMathParaPr>
+                    <m:oMath xmlns:m="http://schemas.openxmlformats.org/officeDocument/2006/math">
+                      <m:r>
+                        <a:rPr lang="en-US" b="0" i="1" dirty="0" smtClean="0">
+                          <a:solidFill>
+                            <a:srgbClr val="2C2C36"/>
+                          </a:solidFill>
+                          <a:effectLst/>
+                          <a:latin typeface="Cambria Math" panose="02040503050406030204" pitchFamily="18" charset="0"/>
+                        </a:rPr>
+                        <m:t>𝑆𝑜</m:t>
+                      </m:r>
+                      <m:sSub>
+                        <m:sSubPr>
+                          <m:ctrlPr>
+                            <a:rPr lang="en-US" b="0" i="1" dirty="0" smtClean="0">
+                              <a:solidFill>
+                                <a:srgbClr val="2C2C36"/>
+                              </a:solidFill>
+                              <a:effectLst/>
+                              <a:latin typeface="Cambria Math" panose="02040503050406030204" pitchFamily="18" charset="0"/>
+                            </a:rPr>
+                          </m:ctrlPr>
+                        </m:sSubPr>
+                        <m:e>
+                          <m:r>
+                            <a:rPr lang="en-US" b="0" i="1" dirty="0" smtClean="0">
+                              <a:solidFill>
+                                <a:srgbClr val="2C2C36"/>
+                              </a:solidFill>
+                              <a:effectLst/>
+                              <a:latin typeface="Cambria Math" panose="02040503050406030204" pitchFamily="18" charset="0"/>
+                            </a:rPr>
+                            <m:t>𝐶</m:t>
+                          </m:r>
+                        </m:e>
+                        <m:sub>
+                          <m:r>
+                            <a:rPr lang="en-US" b="0" i="1" dirty="0" smtClean="0">
+                              <a:solidFill>
+                                <a:srgbClr val="2C2C36"/>
+                              </a:solidFill>
+                              <a:effectLst/>
+                              <a:latin typeface="Cambria Math" panose="02040503050406030204" pitchFamily="18" charset="0"/>
+                            </a:rPr>
+                            <m:t>𝑘</m:t>
+                          </m:r>
+                        </m:sub>
+                      </m:sSub>
+                      <m:r>
+                        <a:rPr lang="en-US" b="0" i="1" dirty="0" smtClean="0">
+                          <a:solidFill>
+                            <a:srgbClr val="2C2C36"/>
+                          </a:solidFill>
+                          <a:effectLst/>
+                          <a:latin typeface="Cambria Math" panose="02040503050406030204" pitchFamily="18" charset="0"/>
+                        </a:rPr>
+                        <m:t>​=</m:t>
+                      </m:r>
+                      <m:r>
+                        <a:rPr lang="en-US" b="0" i="1" dirty="0" smtClean="0">
+                          <a:solidFill>
+                            <a:srgbClr val="2C2C36"/>
+                          </a:solidFill>
+                          <a:effectLst/>
+                          <a:latin typeface="Cambria Math" panose="02040503050406030204" pitchFamily="18" charset="0"/>
+                        </a:rPr>
+                        <m:t>𝑆𝑜</m:t>
+                      </m:r>
+                      <m:sSub>
+                        <m:sSubPr>
+                          <m:ctrlPr>
+                            <a:rPr lang="en-US" b="0" i="1" dirty="0" smtClean="0">
+                              <a:solidFill>
+                                <a:srgbClr val="2C2C36"/>
+                              </a:solidFill>
+                              <a:effectLst/>
+                              <a:latin typeface="Cambria Math" panose="02040503050406030204" pitchFamily="18" charset="0"/>
+                            </a:rPr>
+                          </m:ctrlPr>
+                        </m:sSubPr>
+                        <m:e>
+                          <m:r>
+                            <a:rPr lang="en-US" b="0" i="1" dirty="0" smtClean="0">
+                              <a:solidFill>
+                                <a:srgbClr val="2C2C36"/>
+                              </a:solidFill>
+                              <a:effectLst/>
+                              <a:latin typeface="Cambria Math" panose="02040503050406030204" pitchFamily="18" charset="0"/>
+                            </a:rPr>
+                            <m:t>𝐶</m:t>
+                          </m:r>
+                        </m:e>
+                        <m:sub>
+                          <m:r>
+                            <a:rPr lang="en-US" b="0" i="1" dirty="0" smtClean="0">
+                              <a:solidFill>
+                                <a:srgbClr val="2C2C36"/>
+                              </a:solidFill>
+                              <a:effectLst/>
+                              <a:latin typeface="Cambria Math" panose="02040503050406030204" pitchFamily="18" charset="0"/>
+                            </a:rPr>
+                            <m:t>𝑘</m:t>
+                          </m:r>
+                          <m:r>
+                            <a:rPr lang="en-US" b="0" i="1" dirty="0" smtClean="0">
+                              <a:solidFill>
+                                <a:srgbClr val="2C2C36"/>
+                              </a:solidFill>
+                              <a:effectLst/>
+                              <a:latin typeface="Cambria Math" panose="02040503050406030204" pitchFamily="18" charset="0"/>
+                            </a:rPr>
+                            <m:t>−1</m:t>
+                          </m:r>
+                        </m:sub>
+                      </m:sSub>
+                      <m:r>
+                        <a:rPr lang="en-US" b="0" i="1" dirty="0" smtClean="0">
+                          <a:solidFill>
+                            <a:srgbClr val="2C2C36"/>
+                          </a:solidFill>
+                          <a:effectLst/>
+                          <a:latin typeface="Cambria Math" panose="02040503050406030204" pitchFamily="18" charset="0"/>
+                        </a:rPr>
+                        <m:t>​−</m:t>
+                      </m:r>
+                      <m:r>
+                        <a:rPr lang="en-US" b="0" i="1" dirty="0" smtClean="0">
+                          <a:solidFill>
+                            <a:srgbClr val="2C2C36"/>
+                          </a:solidFill>
+                          <a:effectLst/>
+                          <a:latin typeface="Cambria Math" panose="02040503050406030204" pitchFamily="18" charset="0"/>
+                        </a:rPr>
+                        <m:t>𝐶</m:t>
+                      </m:r>
+                      <m:sSub>
+                        <m:sSubPr>
+                          <m:ctrlPr>
+                            <a:rPr lang="en-US" b="0" i="1" dirty="0" smtClean="0">
+                              <a:solidFill>
+                                <a:srgbClr val="2C2C36"/>
+                              </a:solidFill>
+                              <a:effectLst/>
+                              <a:latin typeface="Cambria Math" panose="02040503050406030204" pitchFamily="18" charset="0"/>
+                            </a:rPr>
+                          </m:ctrlPr>
+                        </m:sSubPr>
+                        <m:e>
+                          <m:r>
+                            <a:rPr lang="en-US" b="0" i="1" dirty="0" smtClean="0">
+                              <a:solidFill>
+                                <a:srgbClr val="2C2C36"/>
+                              </a:solidFill>
+                              <a:effectLst/>
+                              <a:latin typeface="Cambria Math" panose="02040503050406030204" pitchFamily="18" charset="0"/>
+                            </a:rPr>
+                            <m:t>𝐼</m:t>
+                          </m:r>
+                        </m:e>
+                        <m:sub>
+                          <m:r>
+                            <a:rPr lang="en-US" b="0" i="1" dirty="0" smtClean="0">
+                              <a:solidFill>
+                                <a:srgbClr val="2C2C36"/>
+                              </a:solidFill>
+                              <a:effectLst/>
+                              <a:latin typeface="Cambria Math" panose="02040503050406030204" pitchFamily="18" charset="0"/>
+                            </a:rPr>
+                            <m:t>𝑘</m:t>
+                          </m:r>
+                        </m:sub>
+                      </m:sSub>
+                      <m:r>
+                        <a:rPr lang="en-US" b="0" i="1" dirty="0" smtClean="0">
+                          <a:solidFill>
+                            <a:srgbClr val="2C2C36"/>
+                          </a:solidFill>
+                          <a:effectLst/>
+                          <a:latin typeface="Cambria Math" panose="02040503050406030204" pitchFamily="18" charset="0"/>
+                        </a:rPr>
+                        <m:t>​</m:t>
+                      </m:r>
+                      <m:r>
+                        <m:rPr>
+                          <m:sty m:val="p"/>
+                        </m:rPr>
+                        <a:rPr lang="en-US" b="0" i="0" dirty="0" err="1" smtClean="0">
+                          <a:solidFill>
+                            <a:srgbClr val="2C2C36"/>
+                          </a:solidFill>
+                          <a:effectLst/>
+                          <a:latin typeface="Cambria Math" panose="02040503050406030204" pitchFamily="18" charset="0"/>
+                        </a:rPr>
+                        <m:t>Δ</m:t>
+                      </m:r>
+                      <m:r>
+                        <a:rPr lang="en-US" b="0" i="1" dirty="0" err="1" smtClean="0">
+                          <a:solidFill>
+                            <a:srgbClr val="2C2C36"/>
+                          </a:solidFill>
+                          <a:effectLst/>
+                          <a:latin typeface="Cambria Math" panose="02040503050406030204" pitchFamily="18" charset="0"/>
+                        </a:rPr>
+                        <m:t>𝑡</m:t>
+                      </m:r>
+                      <m:r>
+                        <a:rPr lang="en-US" b="0" i="1" dirty="0" smtClean="0">
+                          <a:solidFill>
+                            <a:srgbClr val="2C2C36"/>
+                          </a:solidFill>
+                          <a:effectLst/>
+                          <a:latin typeface="Cambria Math" panose="02040503050406030204" pitchFamily="18" charset="0"/>
+                        </a:rPr>
+                        <m:t>​</m:t>
+                      </m:r>
+                    </m:oMath>
+                  </m:oMathPara>
+                </a14:m>
+                <a:endParaRPr lang="en-US" b="0" i="0" dirty="0">
+                  <a:solidFill>
+                    <a:srgbClr val="2C2C36"/>
+                  </a:solidFill>
+                  <a:effectLst/>
+                  <a:latin typeface="KaTeX_Main"/>
+                </a:endParaRPr>
+              </a:p>
+              <a:p>
+                <a:pPr marL="0" indent="0" algn="l">
+                  <a:spcBef>
+                    <a:spcPts val="900"/>
+                  </a:spcBef>
+                  <a:spcAft>
+                    <a:spcPts val="900"/>
+                  </a:spcAft>
+                  <a:buNone/>
+                </a:pPr>
+                <a:r>
+                  <a:rPr lang="en-US" b="0" i="0" dirty="0">
+                    <a:solidFill>
+                      <a:srgbClr val="2C2C36"/>
+                    </a:solidFill>
+                    <a:effectLst/>
+                    <a:latin typeface="system-ui"/>
+                  </a:rPr>
+                  <a:t>This is linear, so no linearization is needed here.</a:t>
+                </a:r>
+              </a:p>
+              <a:p>
+                <a:pPr marL="514350" indent="-514350">
+                  <a:spcBef>
+                    <a:spcPts val="900"/>
+                  </a:spcBef>
+                  <a:spcAft>
+                    <a:spcPts val="900"/>
+                  </a:spcAft>
+                  <a:buFont typeface="+mj-lt"/>
+                  <a:buAutoNum type="arabicPeriod" startAt="2"/>
+                </a:pPr>
+                <a:r>
+                  <a:rPr lang="en-US" b="0" dirty="0">
+                    <a:solidFill>
+                      <a:srgbClr val="111827"/>
+                    </a:solidFill>
+                    <a:effectLst/>
+                  </a:rPr>
+                  <a:t>Measurement Model </a:t>
+                </a:r>
+                <a:r>
+                  <a:rPr lang="en-US" dirty="0">
+                    <a:effectLst/>
+                  </a:rPr>
+                  <a:t>: The voltage measurement is related to SoC through the nonlinear OCV function:</a:t>
+                </a:r>
+              </a:p>
+              <a:p>
+                <a:pPr>
+                  <a:buNone/>
+                </a:pPr>
+                <a14:m>
+                  <m:oMathPara xmlns:m="http://schemas.openxmlformats.org/officeDocument/2006/math">
+                    <m:oMathParaPr>
+                      <m:jc m:val="centerGroup"/>
+                    </m:oMathParaPr>
+                    <m:oMath xmlns:m="http://schemas.openxmlformats.org/officeDocument/2006/math">
+                      <m:sSub>
+                        <m:sSubPr>
+                          <m:ctrlPr>
+                            <a:rPr lang="en-US" b="0" i="1" dirty="0" smtClean="0">
+                              <a:effectLst/>
+                              <a:latin typeface="Cambria Math" panose="02040503050406030204" pitchFamily="18" charset="0"/>
+                            </a:rPr>
+                          </m:ctrlPr>
+                        </m:sSubPr>
+                        <m:e>
+                          <m:r>
+                            <a:rPr lang="en-US" i="1" dirty="0" smtClean="0">
+                              <a:effectLst/>
+                              <a:latin typeface="Cambria Math" panose="02040503050406030204" pitchFamily="18" charset="0"/>
+                            </a:rPr>
+                            <m:t>𝑉</m:t>
+                          </m:r>
+                        </m:e>
+                        <m:sub>
+                          <m:r>
+                            <a:rPr lang="en-US" i="1" dirty="0" smtClean="0">
+                              <a:effectLst/>
+                              <a:latin typeface="Cambria Math" panose="02040503050406030204" pitchFamily="18" charset="0"/>
+                            </a:rPr>
+                            <m:t>𝑘</m:t>
+                          </m:r>
+                        </m:sub>
+                      </m:sSub>
+                      <m:r>
+                        <a:rPr lang="en-US" i="1" dirty="0" smtClean="0">
+                          <a:effectLst/>
+                          <a:latin typeface="Cambria Math" panose="02040503050406030204" pitchFamily="18" charset="0"/>
+                        </a:rPr>
+                        <m:t>​=</m:t>
+                      </m:r>
+                      <m:r>
+                        <a:rPr lang="en-US" i="1" dirty="0" smtClean="0">
+                          <a:effectLst/>
+                          <a:latin typeface="Cambria Math" panose="02040503050406030204" pitchFamily="18" charset="0"/>
+                        </a:rPr>
+                        <m:t>𝑂𝐶𝑉</m:t>
+                      </m:r>
+                      <m:r>
+                        <a:rPr lang="en-US" i="1" dirty="0" smtClean="0">
+                          <a:effectLst/>
+                          <a:latin typeface="Cambria Math" panose="02040503050406030204" pitchFamily="18" charset="0"/>
+                        </a:rPr>
+                        <m:t>(</m:t>
+                      </m:r>
+                      <m:r>
+                        <a:rPr lang="en-US" i="1" dirty="0" err="1" smtClean="0">
+                          <a:effectLst/>
+                          <a:latin typeface="Cambria Math" panose="02040503050406030204" pitchFamily="18" charset="0"/>
+                        </a:rPr>
+                        <m:t>𝑆𝑜</m:t>
+                      </m:r>
+                      <m:sSub>
+                        <m:sSubPr>
+                          <m:ctrlPr>
+                            <a:rPr lang="en-US" b="0" i="1" dirty="0" smtClean="0">
+                              <a:effectLst/>
+                              <a:latin typeface="Cambria Math" panose="02040503050406030204" pitchFamily="18" charset="0"/>
+                            </a:rPr>
+                          </m:ctrlPr>
+                        </m:sSubPr>
+                        <m:e>
+                          <m:r>
+                            <a:rPr lang="en-US" i="1" dirty="0" err="1" smtClean="0">
+                              <a:effectLst/>
+                              <a:latin typeface="Cambria Math" panose="02040503050406030204" pitchFamily="18" charset="0"/>
+                            </a:rPr>
+                            <m:t>𝐶</m:t>
+                          </m:r>
+                        </m:e>
+                        <m:sub>
+                          <m:r>
+                            <a:rPr lang="en-US" i="1" dirty="0" err="1" smtClean="0">
+                              <a:effectLst/>
+                              <a:latin typeface="Cambria Math" panose="02040503050406030204" pitchFamily="18" charset="0"/>
+                            </a:rPr>
+                            <m:t>𝑘</m:t>
+                          </m:r>
+                        </m:sub>
+                      </m:sSub>
+                      <m:r>
+                        <a:rPr lang="en-US" i="1" dirty="0" smtClean="0">
+                          <a:effectLst/>
+                          <a:latin typeface="Cambria Math" panose="02040503050406030204" pitchFamily="18" charset="0"/>
+                        </a:rPr>
+                        <m:t>​)−</m:t>
+                      </m:r>
+                      <m:sSub>
+                        <m:sSubPr>
+                          <m:ctrlPr>
+                            <a:rPr lang="en-US" b="0" i="1" dirty="0" smtClean="0">
+                              <a:effectLst/>
+                              <a:latin typeface="Cambria Math" panose="02040503050406030204" pitchFamily="18" charset="0"/>
+                            </a:rPr>
+                          </m:ctrlPr>
+                        </m:sSubPr>
+                        <m:e>
+                          <m:r>
+                            <a:rPr lang="en-US" i="1" dirty="0" smtClean="0">
+                              <a:effectLst/>
+                              <a:latin typeface="Cambria Math" panose="02040503050406030204" pitchFamily="18" charset="0"/>
+                            </a:rPr>
+                            <m:t>𝐼</m:t>
+                          </m:r>
+                        </m:e>
+                        <m:sub>
+                          <m:r>
+                            <a:rPr lang="en-US" i="1" dirty="0" smtClean="0">
+                              <a:effectLst/>
+                              <a:latin typeface="Cambria Math" panose="02040503050406030204" pitchFamily="18" charset="0"/>
+                            </a:rPr>
+                            <m:t>𝑘</m:t>
+                          </m:r>
+                        </m:sub>
+                      </m:sSub>
+                      <m:r>
+                        <a:rPr lang="en-US" i="1" dirty="0" smtClean="0">
+                          <a:effectLst/>
+                          <a:latin typeface="Cambria Math" panose="02040503050406030204" pitchFamily="18" charset="0"/>
+                        </a:rPr>
+                        <m:t>​</m:t>
+                      </m:r>
+                      <m:sSub>
+                        <m:sSubPr>
+                          <m:ctrlPr>
+                            <a:rPr lang="en-US" b="0" i="1" dirty="0" smtClean="0">
+                              <a:effectLst/>
+                              <a:latin typeface="Cambria Math" panose="02040503050406030204" pitchFamily="18" charset="0"/>
+                            </a:rPr>
+                          </m:ctrlPr>
+                        </m:sSubPr>
+                        <m:e>
+                          <m:r>
+                            <a:rPr lang="en-US" i="1" dirty="0" err="1" smtClean="0">
+                              <a:effectLst/>
+                              <a:latin typeface="Cambria Math" panose="02040503050406030204" pitchFamily="18" charset="0"/>
+                            </a:rPr>
+                            <m:t>𝑅</m:t>
+                          </m:r>
+                        </m:e>
+                        <m:sub>
+                          <m:r>
+                            <a:rPr lang="en-US" i="1" dirty="0" err="1" smtClean="0">
+                              <a:effectLst/>
+                              <a:latin typeface="Cambria Math" panose="02040503050406030204" pitchFamily="18" charset="0"/>
+                            </a:rPr>
+                            <m:t>𝑖𝑛𝑡</m:t>
+                          </m:r>
+                        </m:sub>
+                      </m:sSub>
+                      <m:r>
+                        <a:rPr lang="en-US" i="1" dirty="0" smtClean="0">
+                          <a:effectLst/>
+                          <a:latin typeface="Cambria Math" panose="02040503050406030204" pitchFamily="18" charset="0"/>
+                        </a:rPr>
+                        <m:t>​+</m:t>
+                      </m:r>
+                      <m:sSub>
+                        <m:sSubPr>
+                          <m:ctrlPr>
+                            <a:rPr lang="en-US" b="0" i="1" dirty="0" smtClean="0">
+                              <a:effectLst/>
+                              <a:latin typeface="Cambria Math" panose="02040503050406030204" pitchFamily="18" charset="0"/>
+                            </a:rPr>
+                          </m:ctrlPr>
+                        </m:sSubPr>
+                        <m:e>
+                          <m:r>
+                            <a:rPr lang="en-US" i="1" dirty="0" err="1" smtClean="0">
+                              <a:effectLst/>
+                              <a:latin typeface="Cambria Math" panose="02040503050406030204" pitchFamily="18" charset="0"/>
+                            </a:rPr>
+                            <m:t>𝑣</m:t>
+                          </m:r>
+                        </m:e>
+                        <m:sub>
+                          <m:r>
+                            <a:rPr lang="en-US" b="0" i="1" dirty="0" err="1" smtClean="0">
+                              <a:solidFill>
+                                <a:srgbClr val="2C2C36"/>
+                              </a:solidFill>
+                              <a:effectLst/>
+                              <a:latin typeface="Cambria Math" panose="02040503050406030204" pitchFamily="18" charset="0"/>
+                            </a:rPr>
+                            <m:t>𝑘</m:t>
+                          </m:r>
+                        </m:sub>
+                      </m:sSub>
+                      <m:r>
+                        <a:rPr lang="en-US" b="0" i="1" dirty="0" smtClean="0">
+                          <a:solidFill>
+                            <a:srgbClr val="2C2C36"/>
+                          </a:solidFill>
+                          <a:effectLst/>
+                          <a:latin typeface="Cambria Math" panose="02040503050406030204" pitchFamily="18" charset="0"/>
+                        </a:rPr>
+                        <m:t>​</m:t>
+                      </m:r>
+                    </m:oMath>
+                  </m:oMathPara>
+                </a14:m>
+                <a:endParaRPr lang="en-US" b="0" i="0" dirty="0">
+                  <a:solidFill>
+                    <a:srgbClr val="2C2C36"/>
+                  </a:solidFill>
+                  <a:effectLst/>
+                  <a:latin typeface="KaTeX_Main"/>
+                </a:endParaRPr>
+              </a:p>
+              <a:p>
+                <a:pPr algn="l">
+                  <a:spcBef>
+                    <a:spcPts val="900"/>
+                  </a:spcBef>
+                  <a:spcAft>
+                    <a:spcPts val="900"/>
+                  </a:spcAft>
+                  <a:buNone/>
+                </a:pPr>
+                <a:r>
+                  <a:rPr lang="en-US" b="0" i="0" dirty="0">
+                    <a:solidFill>
+                      <a:srgbClr val="2C2C36"/>
+                    </a:solidFill>
+                    <a:effectLst/>
+                    <a:latin typeface="system-ui"/>
+                  </a:rPr>
+                  <a:t>Here:</a:t>
+                </a:r>
+              </a:p>
+              <a:p>
+                <a:pPr algn="l">
+                  <a:spcBef>
+                    <a:spcPts val="900"/>
+                  </a:spcBef>
+                  <a:spcAft>
+                    <a:spcPts val="900"/>
+                  </a:spcAft>
+                  <a:buFont typeface="Arial" panose="020B0604020202020204" pitchFamily="34" charset="0"/>
+                  <a:buChar char="•"/>
+                </a:pPr>
+                <a14:m>
+                  <m:oMath xmlns:m="http://schemas.openxmlformats.org/officeDocument/2006/math">
+                    <m:r>
+                      <a:rPr lang="en-US" b="0" i="1" dirty="0" smtClean="0">
+                        <a:solidFill>
+                          <a:srgbClr val="2C2C36"/>
+                        </a:solidFill>
+                        <a:effectLst/>
+                        <a:latin typeface="Cambria Math" panose="02040503050406030204" pitchFamily="18" charset="0"/>
+                      </a:rPr>
+                      <m:t>𝑂𝐶𝑉</m:t>
+                    </m:r>
+                    <m:r>
+                      <a:rPr lang="en-US" b="0" i="1" dirty="0" smtClean="0">
+                        <a:solidFill>
+                          <a:srgbClr val="2C2C36"/>
+                        </a:solidFill>
+                        <a:effectLst/>
+                        <a:latin typeface="Cambria Math" panose="02040503050406030204" pitchFamily="18" charset="0"/>
+                      </a:rPr>
+                      <m:t>(</m:t>
+                    </m:r>
+                    <m:r>
+                      <a:rPr lang="en-US" b="0" i="1" dirty="0" err="1" smtClean="0">
+                        <a:solidFill>
+                          <a:srgbClr val="2C2C36"/>
+                        </a:solidFill>
+                        <a:effectLst/>
+                        <a:latin typeface="Cambria Math" panose="02040503050406030204" pitchFamily="18" charset="0"/>
+                      </a:rPr>
+                      <m:t>𝑆𝑜</m:t>
+                    </m:r>
+                    <m:sSub>
+                      <m:sSubPr>
+                        <m:ctrlPr>
+                          <a:rPr lang="en-US" b="0" i="1" dirty="0" smtClean="0">
+                            <a:solidFill>
+                              <a:srgbClr val="2C2C36"/>
+                            </a:solidFill>
+                            <a:effectLst/>
+                            <a:latin typeface="Cambria Math" panose="02040503050406030204" pitchFamily="18" charset="0"/>
+                          </a:rPr>
+                        </m:ctrlPr>
+                      </m:sSubPr>
+                      <m:e>
+                        <m:r>
+                          <a:rPr lang="en-US" b="0" i="1" dirty="0" err="1" smtClean="0">
+                            <a:solidFill>
+                              <a:srgbClr val="2C2C36"/>
+                            </a:solidFill>
+                            <a:effectLst/>
+                            <a:latin typeface="Cambria Math" panose="02040503050406030204" pitchFamily="18" charset="0"/>
+                          </a:rPr>
+                          <m:t>𝐶</m:t>
+                        </m:r>
+                      </m:e>
+                      <m:sub>
+                        <m:r>
+                          <a:rPr lang="en-US" b="0" i="1" dirty="0" err="1" smtClean="0">
+                            <a:solidFill>
+                              <a:srgbClr val="2C2C36"/>
+                            </a:solidFill>
+                            <a:effectLst/>
+                            <a:latin typeface="Cambria Math" panose="02040503050406030204" pitchFamily="18" charset="0"/>
+                          </a:rPr>
+                          <m:t>𝑘</m:t>
+                        </m:r>
+                      </m:sub>
+                    </m:sSub>
+                    <m:r>
+                      <a:rPr lang="en-US" b="0" i="1" dirty="0" smtClean="0">
+                        <a:solidFill>
+                          <a:srgbClr val="2C2C36"/>
+                        </a:solidFill>
+                        <a:effectLst/>
+                        <a:latin typeface="Cambria Math" panose="02040503050406030204" pitchFamily="18" charset="0"/>
+                      </a:rPr>
+                      <m:t>​) </m:t>
+                    </m:r>
+                  </m:oMath>
+                </a14:m>
+                <a:r>
+                  <a:rPr lang="en-US" b="0" i="0" dirty="0">
+                    <a:solidFill>
+                      <a:srgbClr val="2C2C36"/>
+                    </a:solidFill>
+                    <a:effectLst/>
+                    <a:latin typeface="system-ui"/>
+                  </a:rPr>
+                  <a:t>is nonlinear (e.g., quadratic or lookup table).</a:t>
+                </a:r>
+              </a:p>
+              <a:p>
+                <a:pPr>
+                  <a:spcBef>
+                    <a:spcPts val="900"/>
+                  </a:spcBef>
+                  <a:spcAft>
+                    <a:spcPts val="900"/>
+                  </a:spcAft>
+                </a:pPr>
+                <a:r>
+                  <a:rPr lang="en-US" b="0" i="0" dirty="0">
+                    <a:solidFill>
+                      <a:srgbClr val="2C2C36"/>
+                    </a:solidFill>
+                    <a:effectLst/>
+                    <a:latin typeface="system-ui"/>
+                  </a:rPr>
+                  <a:t>The derivative</a:t>
+                </a:r>
+                <a:r>
+                  <a:rPr lang="en-US" b="0" dirty="0">
+                    <a:solidFill>
+                      <a:srgbClr val="2C2C36"/>
+                    </a:solidFill>
+                    <a:effectLst/>
+                  </a:rPr>
+                  <a:t> </a:t>
+                </a:r>
+                <a14:m>
+                  <m:oMath xmlns:m="http://schemas.openxmlformats.org/officeDocument/2006/math">
+                    <m:f>
+                      <m:fPr>
+                        <m:ctrlPr>
+                          <a:rPr lang="en-US" b="0" i="1" dirty="0" smtClean="0">
+                            <a:solidFill>
+                              <a:srgbClr val="2C2C36"/>
+                            </a:solidFill>
+                            <a:effectLst/>
+                            <a:latin typeface="Cambria Math" panose="02040503050406030204" pitchFamily="18" charset="0"/>
+                          </a:rPr>
+                        </m:ctrlPr>
+                      </m:fPr>
+                      <m:num>
+                        <m:r>
+                          <a:rPr lang="en-US" b="0" i="1" dirty="0" smtClean="0">
+                            <a:solidFill>
+                              <a:srgbClr val="2C2C36"/>
+                            </a:solidFill>
+                            <a:effectLst/>
+                            <a:latin typeface="Cambria Math" panose="02040503050406030204" pitchFamily="18" charset="0"/>
+                          </a:rPr>
+                          <m:t>𝜕</m:t>
+                        </m:r>
+                        <m:r>
+                          <a:rPr lang="en-US" b="0" i="1" dirty="0" smtClean="0">
+                            <a:solidFill>
+                              <a:srgbClr val="2C2C36"/>
+                            </a:solidFill>
+                            <a:effectLst/>
+                            <a:latin typeface="Cambria Math" panose="02040503050406030204" pitchFamily="18" charset="0"/>
+                          </a:rPr>
+                          <m:t>𝑂𝐶𝑉</m:t>
+                        </m:r>
+                      </m:num>
+                      <m:den>
+                        <m:r>
+                          <a:rPr lang="en-US" b="0" i="1" dirty="0" smtClean="0">
+                            <a:solidFill>
+                              <a:srgbClr val="2C2C36"/>
+                            </a:solidFill>
+                            <a:effectLst/>
+                            <a:latin typeface="Cambria Math" panose="02040503050406030204" pitchFamily="18" charset="0"/>
+                          </a:rPr>
+                          <m:t>𝜕</m:t>
+                        </m:r>
+                        <m:r>
+                          <a:rPr lang="en-US" b="0" i="1" dirty="0" err="1" smtClean="0">
+                            <a:solidFill>
+                              <a:srgbClr val="2C2C36"/>
+                            </a:solidFill>
+                            <a:effectLst/>
+                            <a:latin typeface="Cambria Math" panose="02040503050406030204" pitchFamily="18" charset="0"/>
+                          </a:rPr>
+                          <m:t>𝑆𝑜𝐶</m:t>
+                        </m:r>
+                      </m:den>
+                    </m:f>
+                    <m:r>
+                      <a:rPr lang="en-US" b="0" i="1" dirty="0" err="1" smtClean="0">
+                        <a:solidFill>
+                          <a:srgbClr val="2C2C36"/>
+                        </a:solidFill>
+                        <a:effectLst/>
+                        <a:latin typeface="Cambria Math" panose="02040503050406030204" pitchFamily="18" charset="0"/>
+                      </a:rPr>
+                      <m:t> </m:t>
+                    </m:r>
+                  </m:oMath>
+                </a14:m>
+                <a:r>
+                  <a:rPr lang="en-US" b="0" i="0" dirty="0">
+                    <a:solidFill>
+                      <a:srgbClr val="2C2C36"/>
+                    </a:solidFill>
+                    <a:effectLst/>
+                    <a:latin typeface="system-ui"/>
+                  </a:rPr>
+                  <a:t>is used to compute the Jacobian </a:t>
+                </a:r>
+                <a14:m>
+                  <m:oMath xmlns:m="http://schemas.openxmlformats.org/officeDocument/2006/math">
+                    <m:sSub>
+                      <m:sSubPr>
+                        <m:ctrlPr>
+                          <a:rPr lang="en-US" b="1" i="1" dirty="0" smtClean="0">
+                            <a:solidFill>
+                              <a:srgbClr val="2C2C36"/>
+                            </a:solidFill>
+                            <a:effectLst/>
+                            <a:latin typeface="Cambria Math" panose="02040503050406030204" pitchFamily="18" charset="0"/>
+                          </a:rPr>
+                        </m:ctrlPr>
+                      </m:sSubPr>
+                      <m:e>
+                        <m:r>
+                          <a:rPr lang="en-US" b="1" i="1" dirty="0" smtClean="0">
+                            <a:solidFill>
+                              <a:srgbClr val="2C2C36"/>
+                            </a:solidFill>
+                            <a:effectLst/>
+                            <a:latin typeface="Cambria Math" panose="02040503050406030204" pitchFamily="18" charset="0"/>
+                          </a:rPr>
+                          <m:t>𝑯</m:t>
+                        </m:r>
+                      </m:e>
+                      <m:sub>
+                        <m:r>
+                          <a:rPr lang="en-US" b="0" i="1" dirty="0" err="1" smtClean="0">
+                            <a:solidFill>
+                              <a:srgbClr val="2C2C36"/>
+                            </a:solidFill>
+                            <a:effectLst/>
+                            <a:latin typeface="Cambria Math" panose="02040503050406030204" pitchFamily="18" charset="0"/>
+                          </a:rPr>
+                          <m:t>𝑘</m:t>
+                        </m:r>
+                      </m:sub>
+                    </m:sSub>
+                    <m:r>
+                      <a:rPr lang="en-US" b="0" i="1" dirty="0" smtClean="0">
+                        <a:solidFill>
+                          <a:srgbClr val="2C2C36"/>
+                        </a:solidFill>
+                        <a:effectLst/>
+                        <a:latin typeface="Cambria Math" panose="02040503050406030204" pitchFamily="18" charset="0"/>
+                      </a:rPr>
+                      <m:t>​</m:t>
+                    </m:r>
+                  </m:oMath>
+                </a14:m>
+                <a:r>
+                  <a:rPr lang="en-US" b="0" i="0" dirty="0">
+                    <a:solidFill>
+                      <a:srgbClr val="2C2C36"/>
+                    </a:solidFill>
+                    <a:effectLst/>
+                    <a:latin typeface="system-ui"/>
+                  </a:rPr>
+                  <a:t>.</a:t>
+                </a:r>
+                <a:br>
+                  <a:rPr lang="en-US" b="0" i="0" dirty="0">
+                    <a:solidFill>
+                      <a:srgbClr val="2C2C36"/>
+                    </a:solidFill>
+                    <a:effectLst/>
+                    <a:latin typeface="KaTeX_Main"/>
+                  </a:rPr>
+                </a:br>
+                <a:endParaRPr lang="en-US" dirty="0"/>
+              </a:p>
+            </p:txBody>
+          </p:sp>
+        </mc:Choice>
+        <mc:Fallback>
+          <p:sp>
+            <p:nvSpPr>
+              <p:cNvPr id="3" name="Content Placeholder 2">
+                <a:extLst>
+                  <a:ext uri="{FF2B5EF4-FFF2-40B4-BE49-F238E27FC236}">
+                    <a16:creationId xmlns:a16="http://schemas.microsoft.com/office/drawing/2014/main" id="{BCAC1B0B-5962-61A1-05F8-C4C23906A83F}"/>
+                  </a:ext>
+                </a:extLst>
+              </p:cNvPr>
+              <p:cNvSpPr>
+                <a:spLocks noGrp="1" noRot="1" noChangeAspect="1" noMove="1" noResize="1" noEditPoints="1" noAdjustHandles="1" noChangeArrowheads="1" noChangeShapeType="1" noTextEdit="1"/>
+              </p:cNvSpPr>
+              <p:nvPr>
+                <p:ph idx="1"/>
+              </p:nvPr>
+            </p:nvSpPr>
+            <p:spPr>
+              <a:blipFill>
+                <a:blip r:embed="rId2"/>
+                <a:stretch>
+                  <a:fillRect l="-928" t="-3922" r="-58"/>
+                </a:stretch>
+              </a:blipFill>
+            </p:spPr>
+            <p:txBody>
+              <a:bodyPr/>
+              <a:lstStyle/>
+              <a:p>
+                <a:r>
+                  <a:rPr lang="en-US">
+                    <a:noFill/>
+                  </a:rPr>
+                  <a:t> </a:t>
+                </a:r>
+              </a:p>
+            </p:txBody>
+          </p:sp>
+        </mc:Fallback>
+      </mc:AlternateContent>
+    </p:spTree>
+    <p:extLst>
+      <p:ext uri="{BB962C8B-B14F-4D97-AF65-F5344CB8AC3E}">
+        <p14:creationId xmlns:p14="http://schemas.microsoft.com/office/powerpoint/2010/main" val="2916962213"/>
+      </p:ext>
+    </p:extLst>
+  </p:cSld>
+  <p:clrMapOvr>
+    <a:masterClrMapping/>
+  </p:clrMapOvr>
+</p:sld>
+</file>
+
+<file path=ppt/slides/slide21.xml><?xml version="1.0" encoding="utf-8"?>
+<p:sld xmlns:a="http://schemas.openxmlformats.org/drawingml/2006/main" xmlns:r="http://schemas.openxmlformats.org/officeDocument/2006/relationships" xmlns:p="http://schemas.openxmlformats.org/presentationml/2006/main">
+  <p:cSld>
+    <p:spTree>
+      <p:nvGrpSpPr>
+        <p:cNvPr id="1" name=""/>
+        <p:cNvGrpSpPr/>
+        <p:nvPr/>
+      </p:nvGrpSpPr>
+      <p:grpSpPr>
+        <a:xfrm>
+          <a:off x="0" y="0"/>
+          <a:ext cx="0" cy="0"/>
+          <a:chOff x="0" y="0"/>
+          <a:chExt cx="0" cy="0"/>
+        </a:xfrm>
+      </p:grpSpPr>
+      <p:sp>
+        <p:nvSpPr>
+          <p:cNvPr id="2" name="Title 1">
+            <a:extLst>
+              <a:ext uri="{FF2B5EF4-FFF2-40B4-BE49-F238E27FC236}">
                 <a16:creationId xmlns:a16="http://schemas.microsoft.com/office/drawing/2014/main" id="{08F3A995-9124-0C78-500A-4BC6D44BE93B}"/>
               </a:ext>
             </a:extLst>
@@ -8643,182 +10207,334 @@
           </a:p>
         </p:txBody>
       </p:sp>
-      <p:sp>
-        <p:nvSpPr>
-          <p:cNvPr id="3" name="Content Placeholder 2">
-            <a:extLst>
-              <a:ext uri="{FF2B5EF4-FFF2-40B4-BE49-F238E27FC236}">
-                <a16:creationId xmlns:a16="http://schemas.microsoft.com/office/drawing/2014/main" id="{098BF7AF-D06F-F994-F3DF-C3B2587A64AF}"/>
-              </a:ext>
-            </a:extLst>
-          </p:cNvPr>
-          <p:cNvSpPr>
-            <a:spLocks noGrp="1"/>
-          </p:cNvSpPr>
-          <p:nvPr>
-            <p:ph idx="1"/>
-          </p:nvPr>
-        </p:nvSpPr>
-        <p:spPr/>
-        <p:txBody>
-          <a:bodyPr/>
-          <a:lstStyle/>
-          <a:p>
-            <a:pPr algn="l">
-              <a:spcBef>
-                <a:spcPts val="900"/>
-              </a:spcBef>
-              <a:spcAft>
-                <a:spcPts val="900"/>
-              </a:spcAft>
-              <a:buFont typeface="+mj-lt"/>
-              <a:buAutoNum type="arabicPeriod"/>
-            </a:pPr>
-            <a:r>
-              <a:rPr lang="en-US" b="0" i="0" dirty="0">
-                <a:solidFill>
-                  <a:srgbClr val="111827"/>
-                </a:solidFill>
-                <a:effectLst/>
-                <a:latin typeface="system-ui"/>
-              </a:rPr>
-              <a:t>Linearization </a:t>
-            </a:r>
-            <a:r>
-              <a:rPr lang="en-US" b="0" i="0" dirty="0">
-                <a:solidFill>
-                  <a:srgbClr val="2C2C36"/>
-                </a:solidFill>
-                <a:effectLst/>
-                <a:latin typeface="system-ui"/>
-              </a:rPr>
-              <a:t>: The derivative of the OCV function is computed at each step:</a:t>
-            </a:r>
-          </a:p>
-          <a:p>
-            <a:pPr algn="l">
-              <a:spcBef>
-                <a:spcPts val="900"/>
-              </a:spcBef>
-              <a:spcAft>
-                <a:spcPts val="900"/>
-              </a:spcAft>
-              <a:buFont typeface="+mj-lt"/>
-              <a:buAutoNum type="arabicPeriod"/>
-            </a:pPr>
-            <a:r>
-              <a:rPr lang="en-US" b="1" i="0" dirty="0" err="1">
-                <a:solidFill>
-                  <a:srgbClr val="2C2C36"/>
-                </a:solidFill>
-                <a:effectLst/>
-                <a:latin typeface="KaTeX_Main"/>
-              </a:rPr>
-              <a:t>H</a:t>
-            </a:r>
-            <a:r>
-              <a:rPr lang="en-US" b="0" i="1" dirty="0" err="1">
-                <a:solidFill>
-                  <a:srgbClr val="2C2C36"/>
-                </a:solidFill>
-                <a:effectLst/>
-                <a:latin typeface="KaTeX_Math"/>
-              </a:rPr>
-              <a:t>k</a:t>
-            </a:r>
-            <a:r>
-              <a:rPr lang="en-US" b="0" i="0" dirty="0">
-                <a:solidFill>
-                  <a:srgbClr val="2C2C36"/>
-                </a:solidFill>
-                <a:effectLst/>
-                <a:latin typeface="KaTeX_Main"/>
-              </a:rPr>
-              <a:t>​=∂</a:t>
-            </a:r>
-            <a:r>
-              <a:rPr lang="en-US" b="0" i="0" dirty="0" err="1">
-                <a:solidFill>
-                  <a:srgbClr val="2C2C36"/>
-                </a:solidFill>
-                <a:effectLst/>
-                <a:latin typeface="KaTeX_Main"/>
-              </a:rPr>
-              <a:t>SoC∂</a:t>
-            </a:r>
-            <a:r>
-              <a:rPr lang="en-US" b="0" i="1" dirty="0" err="1">
-                <a:solidFill>
-                  <a:srgbClr val="2C2C36"/>
-                </a:solidFill>
-                <a:effectLst/>
-                <a:latin typeface="KaTeX_Math"/>
-              </a:rPr>
-              <a:t>h</a:t>
-            </a:r>
-            <a:r>
-              <a:rPr lang="en-US" b="0" i="0" dirty="0">
-                <a:solidFill>
-                  <a:srgbClr val="2C2C36"/>
-                </a:solidFill>
-                <a:effectLst/>
-                <a:latin typeface="KaTeX_Main"/>
-              </a:rPr>
-              <a:t>​=∂</a:t>
-            </a:r>
-            <a:r>
-              <a:rPr lang="en-US" b="0" i="0" dirty="0" err="1">
-                <a:solidFill>
-                  <a:srgbClr val="2C2C36"/>
-                </a:solidFill>
-                <a:effectLst/>
-                <a:latin typeface="KaTeX_Main"/>
-              </a:rPr>
-              <a:t>SoC∂OCV</a:t>
-            </a:r>
-            <a:r>
-              <a:rPr lang="en-US" b="0" i="0" dirty="0">
-                <a:solidFill>
-                  <a:srgbClr val="2C2C36"/>
-                </a:solidFill>
-                <a:effectLst/>
-                <a:latin typeface="KaTeX_Main"/>
-              </a:rPr>
-              <a:t>​</a:t>
-            </a:r>
-            <a:endParaRPr lang="en-US" b="0" i="0" dirty="0">
-              <a:solidFill>
-                <a:srgbClr val="2C2C36"/>
-              </a:solidFill>
-              <a:effectLst/>
-              <a:latin typeface="system-ui"/>
-            </a:endParaRPr>
-          </a:p>
-          <a:p>
-            <a:pPr algn="l">
-              <a:spcBef>
-                <a:spcPts val="900"/>
-              </a:spcBef>
-              <a:spcAft>
-                <a:spcPts val="900"/>
-              </a:spcAft>
-            </a:pPr>
-            <a:r>
-              <a:rPr lang="en-US" b="0" i="0" dirty="0">
-                <a:solidFill>
-                  <a:srgbClr val="2C2C36"/>
-                </a:solidFill>
-                <a:effectLst/>
-                <a:latin typeface="system-ui"/>
-              </a:rPr>
-              <a:t>This linearization allows the EKF to handle the nonlinear relationship between SoC and voltage</a:t>
-            </a:r>
-          </a:p>
-          <a:p>
-            <a:endParaRPr lang="en-US" dirty="0"/>
-          </a:p>
-        </p:txBody>
-      </p:sp>
+      <mc:AlternateContent xmlns:mc="http://schemas.openxmlformats.org/markup-compatibility/2006">
+        <mc:Choice xmlns:a14="http://schemas.microsoft.com/office/drawing/2010/main" Requires="a14">
+          <p:sp>
+            <p:nvSpPr>
+              <p:cNvPr id="3" name="Content Placeholder 2">
+                <a:extLst>
+                  <a:ext uri="{FF2B5EF4-FFF2-40B4-BE49-F238E27FC236}">
+                    <a16:creationId xmlns:a16="http://schemas.microsoft.com/office/drawing/2014/main" id="{098BF7AF-D06F-F994-F3DF-C3B2587A64AF}"/>
+                  </a:ext>
+                </a:extLst>
+              </p:cNvPr>
+              <p:cNvSpPr>
+                <a:spLocks noGrp="1"/>
+              </p:cNvSpPr>
+              <p:nvPr>
+                <p:ph idx="1"/>
+              </p:nvPr>
+            </p:nvSpPr>
+            <p:spPr/>
+            <p:txBody>
+              <a:bodyPr/>
+              <a:lstStyle/>
+              <a:p>
+                <a:pPr marL="514350" indent="-514350" algn="l">
+                  <a:spcBef>
+                    <a:spcPts val="900"/>
+                  </a:spcBef>
+                  <a:spcAft>
+                    <a:spcPts val="900"/>
+                  </a:spcAft>
+                  <a:buFont typeface="+mj-lt"/>
+                  <a:buAutoNum type="arabicPeriod" startAt="3"/>
+                </a:pPr>
+                <a:r>
+                  <a:rPr lang="en-US" b="0" i="0" dirty="0">
+                    <a:solidFill>
+                      <a:srgbClr val="111827"/>
+                    </a:solidFill>
+                    <a:effectLst/>
+                    <a:latin typeface="system-ui"/>
+                  </a:rPr>
+                  <a:t>Linearization </a:t>
+                </a:r>
+                <a:r>
+                  <a:rPr lang="en-US" b="0" i="0" dirty="0">
+                    <a:solidFill>
+                      <a:srgbClr val="2C2C36"/>
+                    </a:solidFill>
+                    <a:effectLst/>
+                    <a:latin typeface="system-ui"/>
+                  </a:rPr>
+                  <a:t>: The derivative of the OCV function is computed at each step:</a:t>
+                </a:r>
+              </a:p>
+              <a:p>
+                <a:pPr marL="0" indent="0">
+                  <a:spcBef>
+                    <a:spcPts val="900"/>
+                  </a:spcBef>
+                  <a:spcAft>
+                    <a:spcPts val="900"/>
+                  </a:spcAft>
+                  <a:buNone/>
+                </a:pPr>
+                <a14:m>
+                  <m:oMathPara xmlns:m="http://schemas.openxmlformats.org/officeDocument/2006/math">
+                    <m:oMathParaPr>
+                      <m:jc m:val="centerGroup"/>
+                    </m:oMathParaPr>
+                    <m:oMath xmlns:m="http://schemas.openxmlformats.org/officeDocument/2006/math">
+                      <m:sSub>
+                        <m:sSubPr>
+                          <m:ctrlPr>
+                            <a:rPr lang="en-US" b="0" i="1" dirty="0" smtClean="0">
+                              <a:solidFill>
+                                <a:srgbClr val="2C2C36"/>
+                              </a:solidFill>
+                              <a:effectLst/>
+                              <a:latin typeface="Cambria Math" panose="02040503050406030204" pitchFamily="18" charset="0"/>
+                            </a:rPr>
+                          </m:ctrlPr>
+                        </m:sSubPr>
+                        <m:e>
+                          <m:r>
+                            <a:rPr lang="en-US" b="1" i="1" dirty="0" smtClean="0">
+                              <a:solidFill>
+                                <a:srgbClr val="2C2C36"/>
+                              </a:solidFill>
+                              <a:effectLst/>
+                              <a:latin typeface="Cambria Math" panose="02040503050406030204" pitchFamily="18" charset="0"/>
+                            </a:rPr>
+                            <m:t>𝑯</m:t>
+                          </m:r>
+                        </m:e>
+                        <m:sub>
+                          <m:r>
+                            <a:rPr lang="en-US" b="0" i="1" dirty="0" err="1" smtClean="0">
+                              <a:solidFill>
+                                <a:srgbClr val="2C2C36"/>
+                              </a:solidFill>
+                              <a:effectLst/>
+                              <a:latin typeface="Cambria Math" panose="02040503050406030204" pitchFamily="18" charset="0"/>
+                            </a:rPr>
+                            <m:t>𝑘</m:t>
+                          </m:r>
+                        </m:sub>
+                      </m:sSub>
+                      <m:r>
+                        <a:rPr lang="en-US" b="0" i="1" dirty="0" smtClean="0">
+                          <a:solidFill>
+                            <a:srgbClr val="2C2C36"/>
+                          </a:solidFill>
+                          <a:effectLst/>
+                          <a:latin typeface="Cambria Math" panose="02040503050406030204" pitchFamily="18" charset="0"/>
+                        </a:rPr>
+                        <m:t>​=</m:t>
+                      </m:r>
+                      <m:f>
+                        <m:fPr>
+                          <m:ctrlPr>
+                            <a:rPr lang="en-US" b="0" i="1" dirty="0" smtClean="0">
+                              <a:solidFill>
+                                <a:srgbClr val="2C2C36"/>
+                              </a:solidFill>
+                              <a:effectLst/>
+                              <a:latin typeface="Cambria Math" panose="02040503050406030204" pitchFamily="18" charset="0"/>
+                            </a:rPr>
+                          </m:ctrlPr>
+                        </m:fPr>
+                        <m:num>
+                          <m:r>
+                            <a:rPr lang="en-US" b="0" i="1" dirty="0" smtClean="0">
+                              <a:solidFill>
+                                <a:srgbClr val="2C2C36"/>
+                              </a:solidFill>
+                              <a:effectLst/>
+                              <a:latin typeface="Cambria Math" panose="02040503050406030204" pitchFamily="18" charset="0"/>
+                            </a:rPr>
+                            <m:t>𝜕</m:t>
+                          </m:r>
+                          <m:r>
+                            <a:rPr lang="en-US" b="0" i="1" dirty="0" smtClean="0">
+                              <a:solidFill>
+                                <a:srgbClr val="2C2C36"/>
+                              </a:solidFill>
+                              <a:effectLst/>
+                              <a:latin typeface="Cambria Math" panose="02040503050406030204" pitchFamily="18" charset="0"/>
+                            </a:rPr>
+                            <m:t>h</m:t>
+                          </m:r>
+                        </m:num>
+                        <m:den>
+                          <m:r>
+                            <a:rPr lang="en-US" b="0" i="1" dirty="0" smtClean="0">
+                              <a:solidFill>
+                                <a:srgbClr val="2C2C36"/>
+                              </a:solidFill>
+                              <a:effectLst/>
+                              <a:latin typeface="Cambria Math" panose="02040503050406030204" pitchFamily="18" charset="0"/>
+                            </a:rPr>
+                            <m:t>𝜕</m:t>
+                          </m:r>
+                          <m:r>
+                            <a:rPr lang="en-US" b="0" i="1" dirty="0" err="1" smtClean="0">
+                              <a:solidFill>
+                                <a:srgbClr val="2C2C36"/>
+                              </a:solidFill>
+                              <a:effectLst/>
+                              <a:latin typeface="Cambria Math" panose="02040503050406030204" pitchFamily="18" charset="0"/>
+                            </a:rPr>
+                            <m:t>𝑆𝑜𝐶</m:t>
+                          </m:r>
+                        </m:den>
+                      </m:f>
+                      <m:r>
+                        <a:rPr lang="en-US" b="0" i="1" dirty="0" smtClean="0">
+                          <a:solidFill>
+                            <a:srgbClr val="2C2C36"/>
+                          </a:solidFill>
+                          <a:effectLst/>
+                          <a:latin typeface="Cambria Math" panose="02040503050406030204" pitchFamily="18" charset="0"/>
+                        </a:rPr>
+                        <m:t>​=</m:t>
+                      </m:r>
+                      <m:f>
+                        <m:fPr>
+                          <m:ctrlPr>
+                            <a:rPr lang="en-US" b="0" i="1" dirty="0" smtClean="0">
+                              <a:solidFill>
+                                <a:srgbClr val="2C2C36"/>
+                              </a:solidFill>
+                              <a:effectLst/>
+                              <a:latin typeface="Cambria Math" panose="02040503050406030204" pitchFamily="18" charset="0"/>
+                            </a:rPr>
+                          </m:ctrlPr>
+                        </m:fPr>
+                        <m:num>
+                          <m:r>
+                            <a:rPr lang="en-US" b="0" i="1" dirty="0" smtClean="0">
+                              <a:solidFill>
+                                <a:srgbClr val="2C2C36"/>
+                              </a:solidFill>
+                              <a:effectLst/>
+                              <a:latin typeface="Cambria Math" panose="02040503050406030204" pitchFamily="18" charset="0"/>
+                            </a:rPr>
+                            <m:t>𝜕</m:t>
+                          </m:r>
+                          <m:r>
+                            <a:rPr lang="en-US" b="0" i="1" dirty="0" smtClean="0">
+                              <a:solidFill>
+                                <a:srgbClr val="2C2C36"/>
+                              </a:solidFill>
+                              <a:effectLst/>
+                              <a:latin typeface="Cambria Math" panose="02040503050406030204" pitchFamily="18" charset="0"/>
+                            </a:rPr>
+                            <m:t>𝑂𝐶𝑉</m:t>
+                          </m:r>
+                        </m:num>
+                        <m:den>
+                          <m:r>
+                            <a:rPr lang="en-US" b="0" i="1" dirty="0" smtClean="0">
+                              <a:solidFill>
+                                <a:srgbClr val="2C2C36"/>
+                              </a:solidFill>
+                              <a:effectLst/>
+                              <a:latin typeface="Cambria Math" panose="02040503050406030204" pitchFamily="18" charset="0"/>
+                            </a:rPr>
+                            <m:t>𝜕</m:t>
+                          </m:r>
+                          <m:r>
+                            <a:rPr lang="en-US" b="0" i="1" dirty="0" err="1" smtClean="0">
+                              <a:solidFill>
+                                <a:srgbClr val="2C2C36"/>
+                              </a:solidFill>
+                              <a:effectLst/>
+                              <a:latin typeface="Cambria Math" panose="02040503050406030204" pitchFamily="18" charset="0"/>
+                            </a:rPr>
+                            <m:t>𝑆𝑜𝐶</m:t>
+                          </m:r>
+                        </m:den>
+                      </m:f>
+                      <m:r>
+                        <a:rPr lang="en-US" b="0" i="1" dirty="0" smtClean="0">
+                          <a:solidFill>
+                            <a:srgbClr val="2C2C36"/>
+                          </a:solidFill>
+                          <a:effectLst/>
+                          <a:latin typeface="Cambria Math" panose="02040503050406030204" pitchFamily="18" charset="0"/>
+                        </a:rPr>
+                        <m:t>​</m:t>
+                      </m:r>
+                    </m:oMath>
+                  </m:oMathPara>
+                </a14:m>
+                <a:endParaRPr lang="en-US" b="0" i="0" dirty="0">
+                  <a:solidFill>
+                    <a:srgbClr val="2C2C36"/>
+                  </a:solidFill>
+                  <a:effectLst/>
+                  <a:latin typeface="system-ui"/>
+                </a:endParaRPr>
+              </a:p>
+              <a:p>
+                <a:pPr algn="l">
+                  <a:spcBef>
+                    <a:spcPts val="900"/>
+                  </a:spcBef>
+                  <a:spcAft>
+                    <a:spcPts val="900"/>
+                  </a:spcAft>
+                </a:pPr>
+                <a:r>
+                  <a:rPr lang="en-US" b="0" i="0" dirty="0">
+                    <a:solidFill>
+                      <a:srgbClr val="2C2C36"/>
+                    </a:solidFill>
+                    <a:effectLst/>
+                    <a:latin typeface="system-ui"/>
+                  </a:rPr>
+                  <a:t>This linearization allows the EKF to handle the nonlinear relationship between SoC and voltage</a:t>
+                </a:r>
+              </a:p>
+              <a:p>
+                <a:endParaRPr lang="en-US" dirty="0"/>
+              </a:p>
+            </p:txBody>
+          </p:sp>
+        </mc:Choice>
+        <mc:Fallback>
+          <p:sp>
+            <p:nvSpPr>
+              <p:cNvPr id="3" name="Content Placeholder 2">
+                <a:extLst>
+                  <a:ext uri="{FF2B5EF4-FFF2-40B4-BE49-F238E27FC236}">
+                    <a16:creationId xmlns:a16="http://schemas.microsoft.com/office/drawing/2014/main" id="{098BF7AF-D06F-F994-F3DF-C3B2587A64AF}"/>
+                  </a:ext>
+                </a:extLst>
+              </p:cNvPr>
+              <p:cNvSpPr>
+                <a:spLocks noGrp="1" noRot="1" noChangeAspect="1" noMove="1" noResize="1" noEditPoints="1" noAdjustHandles="1" noChangeArrowheads="1" noChangeShapeType="1" noTextEdit="1"/>
+              </p:cNvSpPr>
+              <p:nvPr>
+                <p:ph idx="1"/>
+              </p:nvPr>
+            </p:nvSpPr>
+            <p:spPr>
+              <a:blipFill>
+                <a:blip r:embed="rId2"/>
+                <a:stretch>
+                  <a:fillRect l="-1217" t="-2381"/>
+                </a:stretch>
+              </a:blipFill>
+            </p:spPr>
+            <p:txBody>
+              <a:bodyPr/>
+              <a:lstStyle/>
+              <a:p>
+                <a:r>
+                  <a:rPr lang="en-US">
+                    <a:noFill/>
+                  </a:rPr>
+                  <a:t> </a:t>
+                </a:r>
+              </a:p>
+            </p:txBody>
+          </p:sp>
+        </mc:Fallback>
+      </mc:AlternateContent>
     </p:spTree>
     <p:extLst>
       <p:ext uri="{BB962C8B-B14F-4D97-AF65-F5344CB8AC3E}">
@@ -10466,7 +12182,7 @@
         <p:spPr>
           <a:xfrm>
             <a:off x="8864600" y="5788154"/>
-            <a:ext cx="591829" cy="369332"/>
+            <a:ext cx="636713" cy="400110"/>
           </a:xfrm>
           <a:prstGeom prst="rect">
             <a:avLst/>
@@ -10480,7 +12196,7 @@
           <a:lstStyle/>
           <a:p>
             <a:r>
-              <a:rPr lang="en-US" dirty="0"/>
+              <a:rPr lang="en-US" sz="2000" dirty="0"/>
               <a:t>OCV</a:t>
             </a:r>
           </a:p>
@@ -10501,7 +12217,7 @@
         <p:spPr>
           <a:xfrm>
             <a:off x="3325846" y="2676908"/>
-            <a:ext cx="535724" cy="369332"/>
+            <a:ext cx="574196" cy="400110"/>
           </a:xfrm>
           <a:prstGeom prst="rect">
             <a:avLst/>
@@ -10515,7 +12231,7 @@
           <a:lstStyle/>
           <a:p>
             <a:r>
-              <a:rPr lang="en-US" dirty="0"/>
+              <a:rPr lang="en-US" sz="2000" dirty="0"/>
               <a:t>SoC</a:t>
             </a:r>
           </a:p>
@@ -10538,7 +12254,7 @@
             <p:spPr>
               <a:xfrm>
                 <a:off x="3946946" y="5843208"/>
-                <a:ext cx="686353" cy="369332"/>
+                <a:ext cx="686353" cy="400110"/>
               </a:xfrm>
               <a:prstGeom prst="rect">
                 <a:avLst/>
@@ -10561,14 +12277,14 @@
                       <m:sSub>
                         <m:sSubPr>
                           <m:ctrlPr>
-                            <a:rPr lang="en-US" b="0" i="1" dirty="0" smtClean="0">
+                            <a:rPr lang="en-US" sz="2000" b="0" i="1" dirty="0" smtClean="0">
                               <a:latin typeface="Cambria Math" panose="02040503050406030204" pitchFamily="18" charset="0"/>
                             </a:rPr>
                           </m:ctrlPr>
                         </m:sSubPr>
                         <m:e>
                           <m:r>
-                            <a:rPr lang="en-US" b="0" i="1" dirty="0" smtClean="0">
+                            <a:rPr lang="en-US" sz="2000" b="0" i="1" dirty="0" smtClean="0">
                               <a:latin typeface="Cambria Math" panose="02040503050406030204" pitchFamily="18" charset="0"/>
                             </a:rPr>
                             <m:t>𝑉</m:t>
@@ -10576,7 +12292,7 @@
                         </m:e>
                         <m:sub>
                           <m:r>
-                            <a:rPr lang="en-US" b="0" i="1" dirty="0" smtClean="0">
+                            <a:rPr lang="en-US" sz="2000" b="0" i="1" dirty="0" smtClean="0">
                               <a:latin typeface="Cambria Math" panose="02040503050406030204" pitchFamily="18" charset="0"/>
                             </a:rPr>
                             <m:t>0</m:t>
@@ -10586,7 +12302,7 @@
                     </m:oMath>
                   </m:oMathPara>
                 </a14:m>
-                <a:endParaRPr lang="en-US" dirty="0"/>
+                <a:endParaRPr lang="en-US" sz="2000" dirty="0"/>
               </a:p>
             </p:txBody>
           </p:sp>
@@ -10609,7 +12325,7 @@
             <p:spPr>
               <a:xfrm>
                 <a:off x="3946946" y="5843208"/>
-                <a:ext cx="686353" cy="369332"/>
+                <a:ext cx="686353" cy="400110"/>
               </a:xfrm>
               <a:prstGeom prst="rect">
                 <a:avLst/>
@@ -10617,7 +12333,7 @@
               <a:blipFill>
                 <a:blip r:embed="rId2"/>
                 <a:stretch>
-                  <a:fillRect/>
+                  <a:fillRect b="-1538"/>
                 </a:stretch>
               </a:blipFill>
             </p:spPr>
@@ -10653,7 +12369,7 @@
             <p:spPr>
               <a:xfrm>
                 <a:off x="7742044" y="5933559"/>
-                <a:ext cx="686353" cy="369332"/>
+                <a:ext cx="686353" cy="400110"/>
               </a:xfrm>
               <a:prstGeom prst="rect">
                 <a:avLst/>
@@ -10676,14 +12392,14 @@
                       <m:sSub>
                         <m:sSubPr>
                           <m:ctrlPr>
-                            <a:rPr lang="en-US" b="0" i="1" dirty="0" smtClean="0">
+                            <a:rPr lang="en-US" sz="2000" b="0" i="1" dirty="0" smtClean="0">
                               <a:latin typeface="Cambria Math" panose="02040503050406030204" pitchFamily="18" charset="0"/>
                             </a:rPr>
                           </m:ctrlPr>
                         </m:sSubPr>
                         <m:e>
                           <m:r>
-                            <a:rPr lang="en-US" b="0" i="1" dirty="0" smtClean="0">
+                            <a:rPr lang="en-US" sz="2000" b="0" i="1" dirty="0" smtClean="0">
                               <a:latin typeface="Cambria Math" panose="02040503050406030204" pitchFamily="18" charset="0"/>
                             </a:rPr>
                             <m:t>𝑉</m:t>
@@ -10691,7 +12407,7 @@
                         </m:e>
                         <m:sub>
                           <m:r>
-                            <a:rPr lang="en-US" b="0" i="1" dirty="0" smtClean="0">
+                            <a:rPr lang="en-US" sz="2000" b="0" i="1" dirty="0" smtClean="0">
                               <a:latin typeface="Cambria Math" panose="02040503050406030204" pitchFamily="18" charset="0"/>
                             </a:rPr>
                             <m:t>1</m:t>
@@ -10701,7 +12417,7 @@
                     </m:oMath>
                   </m:oMathPara>
                 </a14:m>
-                <a:endParaRPr lang="en-US" dirty="0"/>
+                <a:endParaRPr lang="en-US" sz="2000" dirty="0"/>
               </a:p>
             </p:txBody>
           </p:sp>
@@ -10724,7 +12440,7 @@
             <p:spPr>
               <a:xfrm>
                 <a:off x="7742044" y="5933559"/>
-                <a:ext cx="686353" cy="369332"/>
+                <a:ext cx="686353" cy="400110"/>
               </a:xfrm>
               <a:prstGeom prst="rect">
                 <a:avLst/>
@@ -10809,7 +12525,7 @@
             <p:spPr>
               <a:xfrm>
                 <a:off x="2982670" y="5122225"/>
-                <a:ext cx="686353" cy="369332"/>
+                <a:ext cx="686353" cy="400110"/>
               </a:xfrm>
               <a:prstGeom prst="rect">
                 <a:avLst/>
@@ -10832,14 +12548,14 @@
                       <m:sSub>
                         <m:sSubPr>
                           <m:ctrlPr>
-                            <a:rPr lang="en-US" b="0" i="1" dirty="0" smtClean="0">
+                            <a:rPr lang="en-US" sz="2000" b="0" i="1" dirty="0" smtClean="0">
                               <a:latin typeface="Cambria Math" panose="02040503050406030204" pitchFamily="18" charset="0"/>
                             </a:rPr>
                           </m:ctrlPr>
                         </m:sSubPr>
                         <m:e>
                           <m:r>
-                            <a:rPr lang="en-US" b="0" i="1" dirty="0" smtClean="0">
+                            <a:rPr lang="en-US" sz="2000" b="0" i="1" dirty="0" smtClean="0">
                               <a:latin typeface="Cambria Math" panose="02040503050406030204" pitchFamily="18" charset="0"/>
                             </a:rPr>
                             <m:t>𝑆</m:t>
@@ -10847,7 +12563,7 @@
                         </m:e>
                         <m:sub>
                           <m:r>
-                            <a:rPr lang="en-US" b="0" i="1" dirty="0" smtClean="0">
+                            <a:rPr lang="en-US" sz="2000" b="0" i="1" dirty="0" smtClean="0">
                               <a:latin typeface="Cambria Math" panose="02040503050406030204" pitchFamily="18" charset="0"/>
                             </a:rPr>
                             <m:t>0</m:t>
@@ -10857,7 +12573,7 @@
                     </m:oMath>
                   </m:oMathPara>
                 </a14:m>
-                <a:endParaRPr lang="en-US" dirty="0"/>
+                <a:endParaRPr lang="en-US" sz="2000" dirty="0"/>
               </a:p>
             </p:txBody>
           </p:sp>
@@ -10880,7 +12596,7 @@
             <p:spPr>
               <a:xfrm>
                 <a:off x="2982670" y="5122225"/>
-                <a:ext cx="686353" cy="369332"/>
+                <a:ext cx="686353" cy="400110"/>
               </a:xfrm>
               <a:prstGeom prst="rect">
                 <a:avLst/>
@@ -10923,8 +12639,8 @@
             </p:nvSpPr>
             <p:spPr>
               <a:xfrm>
-                <a:off x="3036541" y="1959088"/>
-                <a:ext cx="6096000" cy="657937"/>
+                <a:off x="2968083" y="1450279"/>
+                <a:ext cx="6096000" cy="846514"/>
               </a:xfrm>
               <a:prstGeom prst="rect">
                 <a:avLst/>
@@ -10947,7 +12663,7 @@
                     </m:oMathParaPr>
                     <m:oMath xmlns:m="http://schemas.openxmlformats.org/officeDocument/2006/math">
                       <m:r>
-                        <a:rPr lang="en-US" i="1" dirty="0" smtClean="0">
+                        <a:rPr lang="en-US" sz="2400" i="1" dirty="0" smtClean="0">
                           <a:latin typeface="Cambria Math" panose="02040503050406030204" pitchFamily="18" charset="0"/>
                         </a:rPr>
                         <m:t>𝑆𝑜</m:t>
@@ -10955,14 +12671,14 @@
                       <m:sSub>
                         <m:sSubPr>
                           <m:ctrlPr>
-                            <a:rPr lang="en-US" b="0" i="1" dirty="0" smtClean="0">
+                            <a:rPr lang="en-US" sz="2400" b="0" i="1" dirty="0" smtClean="0">
                               <a:latin typeface="Cambria Math" panose="02040503050406030204" pitchFamily="18" charset="0"/>
                             </a:rPr>
                           </m:ctrlPr>
                         </m:sSubPr>
                         <m:e>
                           <m:r>
-                            <a:rPr lang="en-US" i="1" dirty="0" smtClean="0">
+                            <a:rPr lang="en-US" sz="2400" i="1" dirty="0" smtClean="0">
                               <a:latin typeface="Cambria Math" panose="02040503050406030204" pitchFamily="18" charset="0"/>
                             </a:rPr>
                             <m:t>𝐶</m:t>
@@ -10970,7 +12686,7 @@
                         </m:e>
                         <m:sub>
                           <m:r>
-                            <a:rPr lang="en-US" b="0" i="1" dirty="0" smtClean="0">
+                            <a:rPr lang="en-US" sz="2400" b="0" i="1" dirty="0" smtClean="0">
                               <a:latin typeface="Cambria Math" panose="02040503050406030204" pitchFamily="18" charset="0"/>
                             </a:rPr>
                             <m:t>𝑉</m:t>
@@ -10978,7 +12694,7 @@
                         </m:sub>
                       </m:sSub>
                       <m:r>
-                        <a:rPr lang="en-US" i="1" dirty="0" smtClean="0">
+                        <a:rPr lang="en-US" sz="2400" i="1" dirty="0" smtClean="0">
                           <a:latin typeface="Cambria Math" panose="02040503050406030204" pitchFamily="18" charset="0"/>
                         </a:rPr>
                         <m:t> =</m:t>
@@ -10986,14 +12702,14 @@
                       <m:sSub>
                         <m:sSubPr>
                           <m:ctrlPr>
-                            <a:rPr lang="en-US" b="0" i="1" dirty="0" smtClean="0">
+                            <a:rPr lang="en-US" sz="2400" b="0" i="1" dirty="0" smtClean="0">
                               <a:latin typeface="Cambria Math" panose="02040503050406030204" pitchFamily="18" charset="0"/>
                             </a:rPr>
                           </m:ctrlPr>
                         </m:sSubPr>
                         <m:e>
                           <m:r>
-                            <a:rPr lang="en-US" b="0" i="1" dirty="0" smtClean="0">
+                            <a:rPr lang="en-US" sz="2400" b="0" i="1" dirty="0" smtClean="0">
                               <a:latin typeface="Cambria Math" panose="02040503050406030204" pitchFamily="18" charset="0"/>
                             </a:rPr>
                             <m:t>𝑆</m:t>
@@ -11001,7 +12717,7 @@
                         </m:e>
                         <m:sub>
                           <m:r>
-                            <a:rPr lang="en-US" b="0" i="1" dirty="0" smtClean="0">
+                            <a:rPr lang="en-US" sz="2400" b="0" i="1" dirty="0" smtClean="0">
                               <a:latin typeface="Cambria Math" panose="02040503050406030204" pitchFamily="18" charset="0"/>
                             </a:rPr>
                             <m:t>0</m:t>
@@ -11009,7 +12725,7 @@
                         </m:sub>
                       </m:sSub>
                       <m:r>
-                        <a:rPr lang="en-US" b="0" i="1" dirty="0" smtClean="0">
+                        <a:rPr lang="en-US" sz="2400" b="0" i="1" dirty="0" smtClean="0">
                           <a:latin typeface="Cambria Math" panose="02040503050406030204" pitchFamily="18" charset="0"/>
                         </a:rPr>
                         <m:t>+(</m:t>
@@ -11017,14 +12733,14 @@
                       <m:sSub>
                         <m:sSubPr>
                           <m:ctrlPr>
-                            <a:rPr lang="en-US" b="0" i="1" dirty="0" smtClean="0">
+                            <a:rPr lang="en-US" sz="2400" b="0" i="1" dirty="0" smtClean="0">
                               <a:latin typeface="Cambria Math" panose="02040503050406030204" pitchFamily="18" charset="0"/>
                             </a:rPr>
                           </m:ctrlPr>
                         </m:sSubPr>
                         <m:e>
                           <m:r>
-                            <a:rPr lang="en-US" b="0" i="1" dirty="0" smtClean="0">
+                            <a:rPr lang="en-US" sz="2400" b="0" i="1" dirty="0" smtClean="0">
                               <a:latin typeface="Cambria Math" panose="02040503050406030204" pitchFamily="18" charset="0"/>
                             </a:rPr>
                             <m:t>𝑆</m:t>
@@ -11032,7 +12748,7 @@
                         </m:e>
                         <m:sub>
                           <m:r>
-                            <a:rPr lang="en-US" b="0" i="1" dirty="0" smtClean="0">
+                            <a:rPr lang="en-US" sz="2400" b="0" i="1" dirty="0" smtClean="0">
                               <a:latin typeface="Cambria Math" panose="02040503050406030204" pitchFamily="18" charset="0"/>
                             </a:rPr>
                             <m:t>1</m:t>
@@ -11040,7 +12756,7 @@
                         </m:sub>
                       </m:sSub>
                       <m:r>
-                        <a:rPr lang="en-US" b="0" i="1" dirty="0" smtClean="0">
+                        <a:rPr lang="en-US" sz="2400" b="0" i="1" dirty="0" smtClean="0">
                           <a:latin typeface="Cambria Math" panose="02040503050406030204" pitchFamily="18" charset="0"/>
                         </a:rPr>
                         <m:t>−</m:t>
@@ -11048,14 +12764,14 @@
                       <m:sSub>
                         <m:sSubPr>
                           <m:ctrlPr>
-                            <a:rPr lang="en-US" b="0" i="1" dirty="0" smtClean="0">
+                            <a:rPr lang="en-US" sz="2400" b="0" i="1" dirty="0" smtClean="0">
                               <a:latin typeface="Cambria Math" panose="02040503050406030204" pitchFamily="18" charset="0"/>
                             </a:rPr>
                           </m:ctrlPr>
                         </m:sSubPr>
                         <m:e>
                           <m:r>
-                            <a:rPr lang="en-US" b="0" i="1" dirty="0" smtClean="0">
+                            <a:rPr lang="en-US" sz="2400" b="0" i="1" dirty="0" smtClean="0">
                               <a:latin typeface="Cambria Math" panose="02040503050406030204" pitchFamily="18" charset="0"/>
                             </a:rPr>
                             <m:t>𝑆</m:t>
@@ -11063,7 +12779,7 @@
                         </m:e>
                         <m:sub>
                           <m:r>
-                            <a:rPr lang="en-US" b="0" i="1" dirty="0" smtClean="0">
+                            <a:rPr lang="en-US" sz="2400" b="0" i="1" dirty="0" smtClean="0">
                               <a:latin typeface="Cambria Math" panose="02040503050406030204" pitchFamily="18" charset="0"/>
                             </a:rPr>
                             <m:t>0</m:t>
@@ -11071,7 +12787,7 @@
                         </m:sub>
                       </m:sSub>
                       <m:r>
-                        <a:rPr lang="en-US" b="0" i="1" dirty="0" smtClean="0">
+                        <a:rPr lang="en-US" sz="2400" b="0" i="1" dirty="0" smtClean="0">
                           <a:latin typeface="Cambria Math" panose="02040503050406030204" pitchFamily="18" charset="0"/>
                         </a:rPr>
                         <m:t>)</m:t>
@@ -11079,20 +12795,20 @@
                       <m:f>
                         <m:fPr>
                           <m:ctrlPr>
-                            <a:rPr lang="en-US" b="0" i="1" dirty="0" smtClean="0">
+                            <a:rPr lang="en-US" sz="2400" b="0" i="1" dirty="0" smtClean="0">
                               <a:latin typeface="Cambria Math" panose="02040503050406030204" pitchFamily="18" charset="0"/>
                             </a:rPr>
                           </m:ctrlPr>
                         </m:fPr>
                         <m:num>
                           <m:r>
-                            <a:rPr lang="en-US" b="0" i="1" dirty="0" smtClean="0">
+                            <a:rPr lang="en-US" sz="2400" b="0" i="1" dirty="0" smtClean="0">
                               <a:latin typeface="Cambria Math" panose="02040503050406030204" pitchFamily="18" charset="0"/>
                             </a:rPr>
                             <m:t>𝑉</m:t>
                           </m:r>
                           <m:r>
-                            <a:rPr lang="en-US" b="0" i="1" dirty="0" smtClean="0">
+                            <a:rPr lang="en-US" sz="2400" b="0" i="1" dirty="0" smtClean="0">
                               <a:latin typeface="Cambria Math" panose="02040503050406030204" pitchFamily="18" charset="0"/>
                             </a:rPr>
                             <m:t>−</m:t>
@@ -11100,14 +12816,14 @@
                           <m:sSub>
                             <m:sSubPr>
                               <m:ctrlPr>
-                                <a:rPr lang="en-US" b="0" i="1" dirty="0" smtClean="0">
+                                <a:rPr lang="en-US" sz="2400" b="0" i="1" dirty="0" smtClean="0">
                                   <a:latin typeface="Cambria Math" panose="02040503050406030204" pitchFamily="18" charset="0"/>
                                 </a:rPr>
                               </m:ctrlPr>
                             </m:sSubPr>
                             <m:e>
                               <m:r>
-                                <a:rPr lang="en-US" b="0" i="1" dirty="0" smtClean="0">
+                                <a:rPr lang="en-US" sz="2400" b="0" i="1" dirty="0" smtClean="0">
                                   <a:latin typeface="Cambria Math" panose="02040503050406030204" pitchFamily="18" charset="0"/>
                                 </a:rPr>
                                 <m:t>𝑉</m:t>
@@ -11115,7 +12831,7 @@
                             </m:e>
                             <m:sub>
                               <m:r>
-                                <a:rPr lang="en-US" b="0" i="1" dirty="0" smtClean="0">
+                                <a:rPr lang="en-US" sz="2400" b="0" i="1" dirty="0" smtClean="0">
                                   <a:latin typeface="Cambria Math" panose="02040503050406030204" pitchFamily="18" charset="0"/>
                                 </a:rPr>
                                 <m:t>0</m:t>
@@ -11127,14 +12843,14 @@
                           <m:sSub>
                             <m:sSubPr>
                               <m:ctrlPr>
-                                <a:rPr lang="en-US" b="0" i="1" dirty="0" smtClean="0">
+                                <a:rPr lang="en-US" sz="2400" b="0" i="1" dirty="0" smtClean="0">
                                   <a:latin typeface="Cambria Math" panose="02040503050406030204" pitchFamily="18" charset="0"/>
                                 </a:rPr>
                               </m:ctrlPr>
                             </m:sSubPr>
                             <m:e>
                               <m:r>
-                                <a:rPr lang="en-US" b="0" i="1" dirty="0" smtClean="0">
+                                <a:rPr lang="en-US" sz="2400" b="0" i="1" dirty="0" smtClean="0">
                                   <a:latin typeface="Cambria Math" panose="02040503050406030204" pitchFamily="18" charset="0"/>
                                 </a:rPr>
                                 <m:t>𝑉</m:t>
@@ -11142,7 +12858,7 @@
                             </m:e>
                             <m:sub>
                               <m:r>
-                                <a:rPr lang="en-US" b="0" i="1" dirty="0" smtClean="0">
+                                <a:rPr lang="en-US" sz="2400" b="0" i="1" dirty="0" smtClean="0">
                                   <a:latin typeface="Cambria Math" panose="02040503050406030204" pitchFamily="18" charset="0"/>
                                 </a:rPr>
                                 <m:t>1</m:t>
@@ -11150,7 +12866,7 @@
                             </m:sub>
                           </m:sSub>
                           <m:r>
-                            <a:rPr lang="en-US" b="0" i="1" dirty="0" smtClean="0">
+                            <a:rPr lang="en-US" sz="2400" b="0" i="1" dirty="0" smtClean="0">
                               <a:latin typeface="Cambria Math" panose="02040503050406030204" pitchFamily="18" charset="0"/>
                             </a:rPr>
                             <m:t>−</m:t>
@@ -11158,14 +12874,14 @@
                           <m:sSub>
                             <m:sSubPr>
                               <m:ctrlPr>
-                                <a:rPr lang="en-US" b="0" i="1" dirty="0" smtClean="0">
+                                <a:rPr lang="en-US" sz="2400" b="0" i="1" dirty="0" smtClean="0">
                                   <a:latin typeface="Cambria Math" panose="02040503050406030204" pitchFamily="18" charset="0"/>
                                 </a:rPr>
                               </m:ctrlPr>
                             </m:sSubPr>
                             <m:e>
                               <m:r>
-                                <a:rPr lang="en-US" b="0" i="1" dirty="0" smtClean="0">
+                                <a:rPr lang="en-US" sz="2400" b="0" i="1" dirty="0" smtClean="0">
                                   <a:latin typeface="Cambria Math" panose="02040503050406030204" pitchFamily="18" charset="0"/>
                                 </a:rPr>
                                 <m:t>𝑉</m:t>
@@ -11173,7 +12889,7 @@
                             </m:e>
                             <m:sub>
                               <m:r>
-                                <a:rPr lang="en-US" b="0" i="1" dirty="0" smtClean="0">
+                                <a:rPr lang="en-US" sz="2400" b="0" i="1" dirty="0" smtClean="0">
                                   <a:latin typeface="Cambria Math" panose="02040503050406030204" pitchFamily="18" charset="0"/>
                                 </a:rPr>
                                 <m:t>0</m:t>
@@ -11185,7 +12901,7 @@
                     </m:oMath>
                   </m:oMathPara>
                 </a14:m>
-                <a:endParaRPr lang="en-US" dirty="0"/>
+                <a:endParaRPr lang="en-US" sz="2400" dirty="0"/>
               </a:p>
             </p:txBody>
           </p:sp>
@@ -11207,8 +12923,8 @@
             </p:nvSpPr>
             <p:spPr>
               <a:xfrm>
-                <a:off x="3036541" y="1959088"/>
-                <a:ext cx="6096000" cy="657937"/>
+                <a:off x="2968083" y="1450279"/>
+                <a:ext cx="6096000" cy="846514"/>
               </a:xfrm>
               <a:prstGeom prst="rect">
                 <a:avLst/>
@@ -11293,7 +13009,7 @@
             <p:spPr>
               <a:xfrm>
                 <a:off x="3041668" y="3200255"/>
-                <a:ext cx="686353" cy="369332"/>
+                <a:ext cx="686353" cy="400110"/>
               </a:xfrm>
               <a:prstGeom prst="rect">
                 <a:avLst/>
@@ -11316,14 +13032,14 @@
                       <m:sSub>
                         <m:sSubPr>
                           <m:ctrlPr>
-                            <a:rPr lang="en-US" b="0" i="1" dirty="0" smtClean="0">
+                            <a:rPr lang="en-US" sz="2000" b="0" i="1" dirty="0" smtClean="0">
                               <a:latin typeface="Cambria Math" panose="02040503050406030204" pitchFamily="18" charset="0"/>
                             </a:rPr>
                           </m:ctrlPr>
                         </m:sSubPr>
                         <m:e>
                           <m:r>
-                            <a:rPr lang="en-US" b="0" i="1" dirty="0" smtClean="0">
+                            <a:rPr lang="en-US" sz="2000" b="0" i="1" dirty="0" smtClean="0">
                               <a:latin typeface="Cambria Math" panose="02040503050406030204" pitchFamily="18" charset="0"/>
                             </a:rPr>
                             <m:t>𝑆</m:t>
@@ -11331,7 +13047,7 @@
                         </m:e>
                         <m:sub>
                           <m:r>
-                            <a:rPr lang="en-US" b="0" i="1" dirty="0" smtClean="0">
+                            <a:rPr lang="en-US" sz="2000" b="0" i="1" dirty="0" smtClean="0">
                               <a:latin typeface="Cambria Math" panose="02040503050406030204" pitchFamily="18" charset="0"/>
                             </a:rPr>
                             <m:t>1</m:t>
@@ -11341,7 +13057,7 @@
                     </m:oMath>
                   </m:oMathPara>
                 </a14:m>
-                <a:endParaRPr lang="en-US" dirty="0"/>
+                <a:endParaRPr lang="en-US" sz="2000" dirty="0"/>
               </a:p>
             </p:txBody>
           </p:sp>
@@ -11364,7 +13080,7 @@
             <p:spPr>
               <a:xfrm>
                 <a:off x="3041668" y="3200255"/>
-                <a:ext cx="686353" cy="369332"/>
+                <a:ext cx="686353" cy="400110"/>
               </a:xfrm>
               <a:prstGeom prst="rect">
                 <a:avLst/>
@@ -11408,7 +13124,7 @@
             <p:spPr>
               <a:xfrm>
                 <a:off x="2855453" y="4056310"/>
-                <a:ext cx="813570" cy="369332"/>
+                <a:ext cx="813570" cy="400110"/>
               </a:xfrm>
               <a:prstGeom prst="rect">
                 <a:avLst/>
@@ -11429,7 +13145,7 @@
                     </m:oMathParaPr>
                     <m:oMath xmlns:m="http://schemas.openxmlformats.org/officeDocument/2006/math">
                       <m:r>
-                        <a:rPr lang="en-US" i="1" dirty="0" smtClean="0">
+                        <a:rPr lang="en-US" sz="2000" i="1" dirty="0" smtClean="0">
                           <a:latin typeface="Cambria Math" panose="02040503050406030204" pitchFamily="18" charset="0"/>
                         </a:rPr>
                         <m:t>𝑆𝑜</m:t>
@@ -11437,14 +13153,14 @@
                       <m:sSub>
                         <m:sSubPr>
                           <m:ctrlPr>
-                            <a:rPr lang="en-US" b="0" i="1" dirty="0" smtClean="0">
+                            <a:rPr lang="en-US" sz="2000" b="0" i="1" dirty="0" smtClean="0">
                               <a:latin typeface="Cambria Math" panose="02040503050406030204" pitchFamily="18" charset="0"/>
                             </a:rPr>
                           </m:ctrlPr>
                         </m:sSubPr>
                         <m:e>
                           <m:r>
-                            <a:rPr lang="en-US" i="1" dirty="0" smtClean="0">
+                            <a:rPr lang="en-US" sz="2000" i="1" dirty="0" smtClean="0">
                               <a:latin typeface="Cambria Math" panose="02040503050406030204" pitchFamily="18" charset="0"/>
                             </a:rPr>
                             <m:t>𝐶</m:t>
@@ -11452,7 +13168,7 @@
                         </m:e>
                         <m:sub>
                           <m:r>
-                            <a:rPr lang="en-US" b="0" i="1" dirty="0" smtClean="0">
+                            <a:rPr lang="en-US" sz="2000" b="0" i="1" dirty="0" smtClean="0">
                               <a:latin typeface="Cambria Math" panose="02040503050406030204" pitchFamily="18" charset="0"/>
                             </a:rPr>
                             <m:t>𝑉</m:t>
@@ -11462,7 +13178,7 @@
                     </m:oMath>
                   </m:oMathPara>
                 </a14:m>
-                <a:endParaRPr lang="en-US" dirty="0"/>
+                <a:endParaRPr lang="en-US" sz="2000" dirty="0"/>
               </a:p>
             </p:txBody>
           </p:sp>
@@ -11485,7 +13201,7 @@
             <p:spPr>
               <a:xfrm>
                 <a:off x="2855453" y="4056310"/>
-                <a:ext cx="813570" cy="369332"/>
+                <a:ext cx="813570" cy="400110"/>
               </a:xfrm>
               <a:prstGeom prst="rect">
                 <a:avLst/>
@@ -11529,7 +13245,7 @@
             <p:spPr>
               <a:xfrm>
                 <a:off x="6016083" y="5907306"/>
-                <a:ext cx="898946" cy="369332"/>
+                <a:ext cx="898946" cy="400110"/>
               </a:xfrm>
               <a:prstGeom prst="rect">
                 <a:avLst/>
@@ -11550,7 +13266,7 @@
                     </m:oMathParaPr>
                     <m:oMath xmlns:m="http://schemas.openxmlformats.org/officeDocument/2006/math">
                       <m:r>
-                        <a:rPr lang="en-US" i="1" dirty="0" smtClean="0">
+                        <a:rPr lang="en-US" sz="2000" i="1" dirty="0" smtClean="0">
                           <a:latin typeface="Cambria Math" panose="02040503050406030204" pitchFamily="18" charset="0"/>
                         </a:rPr>
                         <m:t>𝑉</m:t>
@@ -11558,7 +13274,7 @@
                     </m:oMath>
                   </m:oMathPara>
                 </a14:m>
-                <a:endParaRPr lang="en-US" dirty="0"/>
+                <a:endParaRPr lang="en-US" sz="2000" dirty="0"/>
               </a:p>
             </p:txBody>
           </p:sp>
@@ -11581,7 +13297,7 @@
             <p:spPr>
               <a:xfrm>
                 <a:off x="6016083" y="5907306"/>
-                <a:ext cx="898946" cy="369332"/>
+                <a:ext cx="898946" cy="400110"/>
               </a:xfrm>
               <a:prstGeom prst="rect">
                 <a:avLst/>

--- a/SoC Estimation.pptx
+++ b/SoC Estimation.pptx
@@ -5988,7 +5988,14 @@
                               <a:effectLst/>
                               <a:latin typeface="Cambria Math" panose="02040503050406030204" pitchFamily="18" charset="0"/>
                             </a:rPr>
-                            <m:t>−1</m:t>
+                            <m:t>−</m:t>
+                          </m:r>
+                          <m:r>
+                            <a:rPr lang="en-US" i="1" dirty="0" smtClean="0">
+                              <a:effectLst/>
+                              <a:latin typeface="Cambria Math" panose="02040503050406030204" pitchFamily="18" charset="0"/>
+                            </a:rPr>
+                            <m:t>1</m:t>
                           </m:r>
                         </m:sub>
                       </m:sSub>
@@ -6057,13 +6064,27 @@
                               <a:effectLst/>
                               <a:latin typeface="Cambria Math" panose="02040503050406030204" pitchFamily="18" charset="0"/>
                             </a:rPr>
-                            <m:t>−1∣</m:t>
+                            <m:t>−</m:t>
                           </m:r>
                           <m:r>
                             <a:rPr lang="en-US" i="1" dirty="0" smtClean="0">
                               <a:effectLst/>
                               <a:latin typeface="Cambria Math" panose="02040503050406030204" pitchFamily="18" charset="0"/>
                             </a:rPr>
+                            <m:t>1</m:t>
+                          </m:r>
+                          <m:r>
+                            <a:rPr lang="en-US" i="1" dirty="0" smtClean="0">
+                              <a:effectLst/>
+                              <a:latin typeface="Cambria Math" panose="02040503050406030204" pitchFamily="18" charset="0"/>
+                            </a:rPr>
+                            <m:t>∣</m:t>
+                          </m:r>
+                          <m:r>
+                            <a:rPr lang="en-US" i="1" dirty="0" smtClean="0">
+                              <a:effectLst/>
+                              <a:latin typeface="Cambria Math" panose="02040503050406030204" pitchFamily="18" charset="0"/>
+                            </a:rPr>
                             <m:t>𝑘</m:t>
                           </m:r>
                           <m:r>
@@ -6071,7 +6092,14 @@
                               <a:effectLst/>
                               <a:latin typeface="Cambria Math" panose="02040503050406030204" pitchFamily="18" charset="0"/>
                             </a:rPr>
-                            <m:t>−1</m:t>
+                            <m:t>−</m:t>
+                          </m:r>
+                          <m:r>
+                            <a:rPr lang="en-US" i="1" dirty="0" smtClean="0">
+                              <a:effectLst/>
+                              <a:latin typeface="Cambria Math" panose="02040503050406030204" pitchFamily="18" charset="0"/>
+                            </a:rPr>
+                            <m:t>1</m:t>
                           </m:r>
                         </m:sub>
                       </m:sSub>
@@ -6371,7 +6399,21 @@
                                   <a:effectLst/>
                                   <a:latin typeface="Cambria Math" panose="02040503050406030204" pitchFamily="18" charset="0"/>
                                 </a:rPr>
-                                <m:t>−1∣</m:t>
+                                <m:t>−</m:t>
+                              </m:r>
+                              <m:r>
+                                <a:rPr lang="en-US" i="1" dirty="0" smtClean="0">
+                                  <a:effectLst/>
+                                  <a:latin typeface="Cambria Math" panose="02040503050406030204" pitchFamily="18" charset="0"/>
+                                </a:rPr>
+                                <m:t>1</m:t>
+                              </m:r>
+                              <m:r>
+                                <a:rPr lang="en-US" i="1" dirty="0" smtClean="0">
+                                  <a:effectLst/>
+                                  <a:latin typeface="Cambria Math" panose="02040503050406030204" pitchFamily="18" charset="0"/>
+                                </a:rPr>
+                                <m:t>∣</m:t>
                               </m:r>
                               <m:r>
                                 <a:rPr lang="en-US" i="1" dirty="0" smtClean="0">
@@ -6385,7 +6427,14 @@
                                   <a:effectLst/>
                                   <a:latin typeface="Cambria Math" panose="02040503050406030204" pitchFamily="18" charset="0"/>
                                 </a:rPr>
-                                <m:t>−1​</m:t>
+                                <m:t>−</m:t>
+                              </m:r>
+                              <m:r>
+                                <a:rPr lang="en-US" i="1" dirty="0" smtClean="0">
+                                  <a:effectLst/>
+                                  <a:latin typeface="Cambria Math" panose="02040503050406030204" pitchFamily="18" charset="0"/>
+                                </a:rPr>
+                                <m:t>1​</m:t>
                               </m:r>
                             </m:sub>
                           </m:sSub>
@@ -6535,7 +6584,14 @@
                               <a:effectLst/>
                               <a:latin typeface="Cambria Math" panose="02040503050406030204" pitchFamily="18" charset="0"/>
                             </a:rPr>
-                            <m:t>−1</m:t>
+                            <m:t>−</m:t>
+                          </m:r>
+                          <m:r>
+                            <a:rPr lang="en-US" i="1" dirty="0" smtClean="0">
+                              <a:effectLst/>
+                              <a:latin typeface="Cambria Math" panose="02040503050406030204" pitchFamily="18" charset="0"/>
+                            </a:rPr>
+                            <m:t>1</m:t>
                           </m:r>
                         </m:sub>
                       </m:sSub>
@@ -6612,13 +6668,27 @@
                               <a:effectLst/>
                               <a:latin typeface="Cambria Math" panose="02040503050406030204" pitchFamily="18" charset="0"/>
                             </a:rPr>
-                            <m:t>−1∣</m:t>
+                            <m:t>−</m:t>
                           </m:r>
                           <m:r>
                             <a:rPr lang="en-US" i="1" dirty="0" smtClean="0">
                               <a:effectLst/>
                               <a:latin typeface="Cambria Math" panose="02040503050406030204" pitchFamily="18" charset="0"/>
                             </a:rPr>
+                            <m:t>1</m:t>
+                          </m:r>
+                          <m:r>
+                            <a:rPr lang="en-US" i="1" dirty="0" smtClean="0">
+                              <a:effectLst/>
+                              <a:latin typeface="Cambria Math" panose="02040503050406030204" pitchFamily="18" charset="0"/>
+                            </a:rPr>
+                            <m:t>∣</m:t>
+                          </m:r>
+                          <m:r>
+                            <a:rPr lang="en-US" i="1" dirty="0" smtClean="0">
+                              <a:effectLst/>
+                              <a:latin typeface="Cambria Math" panose="02040503050406030204" pitchFamily="18" charset="0"/>
+                            </a:rPr>
                             <m:t>𝑘</m:t>
                           </m:r>
                           <m:r>
@@ -6626,7 +6696,14 @@
                               <a:effectLst/>
                               <a:latin typeface="Cambria Math" panose="02040503050406030204" pitchFamily="18" charset="0"/>
                             </a:rPr>
-                            <m:t>−1</m:t>
+                            <m:t>−</m:t>
+                          </m:r>
+                          <m:r>
+                            <a:rPr lang="en-US" i="1" dirty="0" smtClean="0">
+                              <a:effectLst/>
+                              <a:latin typeface="Cambria Math" panose="02040503050406030204" pitchFamily="18" charset="0"/>
+                            </a:rPr>
+                            <m:t>1</m:t>
                           </m:r>
                         </m:sub>
                       </m:sSub>
@@ -7576,7 +7653,7 @@
               <a:blipFill>
                 <a:blip r:embed="rId2"/>
                 <a:stretch>
-                  <a:fillRect l="-1217" t="-2381" r="-522"/>
+                  <a:fillRect l="-1217" t="-2381" r="-754"/>
                 </a:stretch>
               </a:blipFill>
             </p:spPr>

--- a/SoC Estimation.pptx
+++ b/SoC Estimation.pptx
@@ -9,23 +9,53 @@
     <p:sldId id="258" r:id="rId3"/>
     <p:sldId id="266" r:id="rId4"/>
     <p:sldId id="267" r:id="rId5"/>
-    <p:sldId id="257" r:id="rId6"/>
-    <p:sldId id="261" r:id="rId7"/>
-    <p:sldId id="263" r:id="rId8"/>
-    <p:sldId id="262" r:id="rId9"/>
-    <p:sldId id="260" r:id="rId10"/>
-    <p:sldId id="259" r:id="rId11"/>
-    <p:sldId id="264" r:id="rId12"/>
-    <p:sldId id="265" r:id="rId13"/>
-    <p:sldId id="268" r:id="rId14"/>
-    <p:sldId id="270" r:id="rId15"/>
-    <p:sldId id="269" r:id="rId16"/>
-    <p:sldId id="271" r:id="rId17"/>
-    <p:sldId id="272" r:id="rId18"/>
-    <p:sldId id="273" r:id="rId19"/>
-    <p:sldId id="276" r:id="rId20"/>
-    <p:sldId id="274" r:id="rId21"/>
-    <p:sldId id="275" r:id="rId22"/>
+    <p:sldId id="307" r:id="rId6"/>
+    <p:sldId id="257" r:id="rId7"/>
+    <p:sldId id="261" r:id="rId8"/>
+    <p:sldId id="263" r:id="rId9"/>
+    <p:sldId id="262" r:id="rId10"/>
+    <p:sldId id="260" r:id="rId11"/>
+    <p:sldId id="259" r:id="rId12"/>
+    <p:sldId id="264" r:id="rId13"/>
+    <p:sldId id="265" r:id="rId14"/>
+    <p:sldId id="268" r:id="rId15"/>
+    <p:sldId id="270" r:id="rId16"/>
+    <p:sldId id="269" r:id="rId17"/>
+    <p:sldId id="271" r:id="rId18"/>
+    <p:sldId id="272" r:id="rId19"/>
+    <p:sldId id="273" r:id="rId20"/>
+    <p:sldId id="276" r:id="rId21"/>
+    <p:sldId id="274" r:id="rId22"/>
+    <p:sldId id="275" r:id="rId23"/>
+    <p:sldId id="279" r:id="rId24"/>
+    <p:sldId id="278" r:id="rId25"/>
+    <p:sldId id="277" r:id="rId26"/>
+    <p:sldId id="281" r:id="rId27"/>
+    <p:sldId id="282" r:id="rId28"/>
+    <p:sldId id="280" r:id="rId29"/>
+    <p:sldId id="283" r:id="rId30"/>
+    <p:sldId id="305" r:id="rId31"/>
+    <p:sldId id="306" r:id="rId32"/>
+    <p:sldId id="284" r:id="rId33"/>
+    <p:sldId id="285" r:id="rId34"/>
+    <p:sldId id="286" r:id="rId35"/>
+    <p:sldId id="287" r:id="rId36"/>
+    <p:sldId id="288" r:id="rId37"/>
+    <p:sldId id="292" r:id="rId38"/>
+    <p:sldId id="290" r:id="rId39"/>
+    <p:sldId id="291" r:id="rId40"/>
+    <p:sldId id="293" r:id="rId41"/>
+    <p:sldId id="294" r:id="rId42"/>
+    <p:sldId id="295" r:id="rId43"/>
+    <p:sldId id="296" r:id="rId44"/>
+    <p:sldId id="297" r:id="rId45"/>
+    <p:sldId id="298" r:id="rId46"/>
+    <p:sldId id="299" r:id="rId47"/>
+    <p:sldId id="300" r:id="rId48"/>
+    <p:sldId id="301" r:id="rId49"/>
+    <p:sldId id="302" r:id="rId50"/>
+    <p:sldId id="303" r:id="rId51"/>
+    <p:sldId id="304" r:id="rId52"/>
   </p:sldIdLst>
   <p:sldSz cx="12192000" cy="6858000"/>
   <p:notesSz cx="6858000" cy="9144000"/>
@@ -3364,7 +3394,7 @@
           <a:p>
             <a:r>
               <a:rPr lang="en-US" dirty="0"/>
-              <a:t>SoC Estimation </a:t>
+              <a:t>SoC Estimation Methods </a:t>
             </a:r>
           </a:p>
         </p:txBody>
@@ -3411,6 +3441,585 @@
 </file>
 
 <file path=ppt/slides/slide10.xml><?xml version="1.0" encoding="utf-8"?>
+<p:sld xmlns:a="http://schemas.openxmlformats.org/drawingml/2006/main" xmlns:r="http://schemas.openxmlformats.org/officeDocument/2006/relationships" xmlns:p="http://schemas.openxmlformats.org/presentationml/2006/main">
+  <p:cSld>
+    <p:spTree>
+      <p:nvGrpSpPr>
+        <p:cNvPr id="1" name=""/>
+        <p:cNvGrpSpPr/>
+        <p:nvPr/>
+      </p:nvGrpSpPr>
+      <p:grpSpPr>
+        <a:xfrm>
+          <a:off x="0" y="0"/>
+          <a:ext cx="0" cy="0"/>
+          <a:chOff x="0" y="0"/>
+          <a:chExt cx="0" cy="0"/>
+        </a:xfrm>
+      </p:grpSpPr>
+      <p:sp>
+        <p:nvSpPr>
+          <p:cNvPr id="2" name="Title 1">
+            <a:extLst>
+              <a:ext uri="{FF2B5EF4-FFF2-40B4-BE49-F238E27FC236}">
+                <a16:creationId xmlns:a16="http://schemas.microsoft.com/office/drawing/2014/main" id="{21B048D2-047D-6446-5CD8-771E22ECB604}"/>
+              </a:ext>
+            </a:extLst>
+          </p:cNvPr>
+          <p:cNvSpPr>
+            <a:spLocks noGrp="1"/>
+          </p:cNvSpPr>
+          <p:nvPr>
+            <p:ph type="title"/>
+          </p:nvPr>
+        </p:nvSpPr>
+        <p:spPr/>
+        <p:txBody>
+          <a:bodyPr/>
+          <a:lstStyle/>
+          <a:p>
+            <a:r>
+              <a:rPr lang="en-US" b="1" dirty="0"/>
+              <a:t>2) Coulomb Counting (Ah-Integration)</a:t>
+            </a:r>
+            <a:endParaRPr lang="en-US" dirty="0"/>
+          </a:p>
+        </p:txBody>
+      </p:sp>
+      <mc:AlternateContent xmlns:mc="http://schemas.openxmlformats.org/markup-compatibility/2006">
+        <mc:Choice xmlns:a14="http://schemas.microsoft.com/office/drawing/2010/main" Requires="a14">
+          <p:sp>
+            <p:nvSpPr>
+              <p:cNvPr id="3" name="Content Placeholder 2">
+                <a:extLst>
+                  <a:ext uri="{FF2B5EF4-FFF2-40B4-BE49-F238E27FC236}">
+                    <a16:creationId xmlns:a16="http://schemas.microsoft.com/office/drawing/2014/main" id="{0CFC24BE-D6FC-472E-66E4-9A67F60F1DEF}"/>
+                  </a:ext>
+                </a:extLst>
+              </p:cNvPr>
+              <p:cNvSpPr>
+                <a:spLocks noGrp="1"/>
+              </p:cNvSpPr>
+              <p:nvPr>
+                <p:ph idx="1"/>
+              </p:nvPr>
+            </p:nvSpPr>
+            <p:spPr/>
+            <p:txBody>
+              <a:bodyPr>
+                <a:normAutofit fontScale="70000" lnSpcReduction="20000"/>
+              </a:bodyPr>
+              <a:lstStyle/>
+              <a:p>
+                <a:pPr>
+                  <a:buFont typeface="Arial" panose="020B0604020202020204" pitchFamily="34" charset="0"/>
+                  <a:buChar char="•"/>
+                </a:pPr>
+                <a:r>
+                  <a:rPr lang="en-US" b="1" dirty="0"/>
+                  <a:t>Idea:</a:t>
+                </a:r>
+                <a:r>
+                  <a:rPr lang="en-US" dirty="0"/>
+                  <a:t> Integrate the current over time to track how much charge enters or leaves the battery.</a:t>
+                </a:r>
+              </a:p>
+              <a:p>
+                <a:pPr>
+                  <a:buFont typeface="Arial" panose="020B0604020202020204" pitchFamily="34" charset="0"/>
+                  <a:buChar char="•"/>
+                </a:pPr>
+                <a:r>
+                  <a:rPr lang="en-US" b="1" dirty="0"/>
+                  <a:t>Formula:</a:t>
+                </a:r>
+                <a:endParaRPr lang="en-US" dirty="0"/>
+              </a:p>
+              <a:p>
+                <a:pPr>
+                  <a:buFont typeface="Arial" panose="020B0604020202020204" pitchFamily="34" charset="0"/>
+                  <a:buChar char="•"/>
+                </a:pPr>
+                <a:endParaRPr lang="en-US" i="1" dirty="0">
+                  <a:latin typeface="Cambria Math" panose="02040503050406030204" pitchFamily="18" charset="0"/>
+                </a:endParaRPr>
+              </a:p>
+              <a:p>
+                <a:pPr marL="0" indent="0">
+                  <a:buNone/>
+                </a:pPr>
+                <a14:m>
+                  <m:oMathPara xmlns:m="http://schemas.openxmlformats.org/officeDocument/2006/math">
+                    <m:oMathParaPr>
+                      <m:jc m:val="centerGroup"/>
+                    </m:oMathParaPr>
+                    <m:oMath xmlns:m="http://schemas.openxmlformats.org/officeDocument/2006/math">
+                      <m:r>
+                        <m:rPr>
+                          <m:sty m:val="p"/>
+                        </m:rPr>
+                        <a:rPr lang="en-US" i="1" dirty="0" err="1" smtClean="0">
+                          <a:latin typeface="Cambria Math" panose="02040503050406030204" pitchFamily="18" charset="0"/>
+                        </a:rPr>
+                        <m:t>SoC</m:t>
+                      </m:r>
+                      <m:d>
+                        <m:dPr>
+                          <m:ctrlPr>
+                            <a:rPr lang="en-US" i="1" dirty="0" smtClean="0">
+                              <a:latin typeface="Cambria Math" panose="02040503050406030204" pitchFamily="18" charset="0"/>
+                            </a:rPr>
+                          </m:ctrlPr>
+                        </m:dPr>
+                        <m:e>
+                          <m:r>
+                            <a:rPr lang="en-US" i="1" dirty="0" smtClean="0">
+                              <a:latin typeface="Cambria Math" panose="02040503050406030204" pitchFamily="18" charset="0"/>
+                            </a:rPr>
+                            <m:t>𝑡</m:t>
+                          </m:r>
+                        </m:e>
+                      </m:d>
+                      <m:r>
+                        <a:rPr lang="en-US" i="1" dirty="0" smtClean="0">
+                          <a:latin typeface="Cambria Math" panose="02040503050406030204" pitchFamily="18" charset="0"/>
+                        </a:rPr>
+                        <m:t>=</m:t>
+                      </m:r>
+                      <m:r>
+                        <a:rPr lang="en-US" i="1" dirty="0" smtClean="0">
+                          <a:latin typeface="Cambria Math" panose="02040503050406030204" pitchFamily="18" charset="0"/>
+                        </a:rPr>
+                        <m:t>𝑆𝑜𝐶</m:t>
+                      </m:r>
+                      <m:d>
+                        <m:dPr>
+                          <m:ctrlPr>
+                            <a:rPr lang="en-US" i="1" dirty="0" smtClean="0">
+                              <a:latin typeface="Cambria Math" panose="02040503050406030204" pitchFamily="18" charset="0"/>
+                            </a:rPr>
+                          </m:ctrlPr>
+                        </m:dPr>
+                        <m:e>
+                          <m:sSub>
+                            <m:sSubPr>
+                              <m:ctrlPr>
+                                <a:rPr lang="en-US" b="0" i="1" dirty="0" smtClean="0">
+                                  <a:latin typeface="Cambria Math" panose="02040503050406030204" pitchFamily="18" charset="0"/>
+                                </a:rPr>
+                              </m:ctrlPr>
+                            </m:sSubPr>
+                            <m:e>
+                              <m:r>
+                                <a:rPr lang="en-US" i="1" dirty="0" smtClean="0">
+                                  <a:latin typeface="Cambria Math" panose="02040503050406030204" pitchFamily="18" charset="0"/>
+                                </a:rPr>
+                                <m:t>𝑡</m:t>
+                              </m:r>
+                            </m:e>
+                            <m:sub>
+                              <m:r>
+                                <a:rPr lang="en-US" i="1" dirty="0" smtClean="0">
+                                  <a:latin typeface="Cambria Math" panose="02040503050406030204" pitchFamily="18" charset="0"/>
+                                </a:rPr>
+                                <m:t>0</m:t>
+                              </m:r>
+                            </m:sub>
+                          </m:sSub>
+                          <m:r>
+                            <a:rPr lang="en-US" i="1" dirty="0" smtClean="0">
+                              <a:latin typeface="Cambria Math" panose="02040503050406030204" pitchFamily="18" charset="0"/>
+                            </a:rPr>
+                            <m:t>​</m:t>
+                          </m:r>
+                        </m:e>
+                      </m:d>
+                      <m:r>
+                        <a:rPr lang="en-US" b="0" i="1" dirty="0" smtClean="0">
+                          <a:latin typeface="Cambria Math" panose="02040503050406030204" pitchFamily="18" charset="0"/>
+                        </a:rPr>
+                        <m:t>+</m:t>
+                      </m:r>
+                      <m:f>
+                        <m:fPr>
+                          <m:ctrlPr>
+                            <a:rPr lang="en-US" b="0" i="1" dirty="0" smtClean="0">
+                              <a:latin typeface="Cambria Math" panose="02040503050406030204" pitchFamily="18" charset="0"/>
+                            </a:rPr>
+                          </m:ctrlPr>
+                        </m:fPr>
+                        <m:num>
+                          <m:r>
+                            <a:rPr lang="en-US" b="0" i="1" dirty="0" smtClean="0">
+                              <a:latin typeface="Cambria Math" panose="02040503050406030204" pitchFamily="18" charset="0"/>
+                            </a:rPr>
+                            <m:t>1</m:t>
+                          </m:r>
+                        </m:num>
+                        <m:den>
+                          <m:sSub>
+                            <m:sSubPr>
+                              <m:ctrlPr>
+                                <a:rPr lang="en-US" b="0" i="1" dirty="0" smtClean="0">
+                                  <a:latin typeface="Cambria Math" panose="02040503050406030204" pitchFamily="18" charset="0"/>
+                                </a:rPr>
+                              </m:ctrlPr>
+                            </m:sSubPr>
+                            <m:e>
+                              <m:r>
+                                <a:rPr lang="en-US" i="1" dirty="0" smtClean="0">
+                                  <a:latin typeface="Cambria Math" panose="02040503050406030204" pitchFamily="18" charset="0"/>
+                                </a:rPr>
+                                <m:t>𝐶</m:t>
+                              </m:r>
+                            </m:e>
+                            <m:sub>
+                              <m:r>
+                                <a:rPr lang="en-US" b="0" i="1" dirty="0" smtClean="0">
+                                  <a:latin typeface="Cambria Math" panose="02040503050406030204" pitchFamily="18" charset="0"/>
+                                </a:rPr>
+                                <m:t>𝑟𝑎𝑡𝑒𝑑</m:t>
+                              </m:r>
+                            </m:sub>
+                          </m:sSub>
+                        </m:den>
+                      </m:f>
+                      <m:r>
+                        <a:rPr lang="en-US" i="1" dirty="0" smtClean="0">
+                          <a:latin typeface="Cambria Math" panose="02040503050406030204" pitchFamily="18" charset="0"/>
+                        </a:rPr>
+                        <m:t>​</m:t>
+                      </m:r>
+                      <m:nary>
+                        <m:naryPr>
+                          <m:ctrlPr>
+                            <a:rPr lang="en-US" i="1" dirty="0" smtClean="0">
+                              <a:latin typeface="Cambria Math" panose="02040503050406030204" pitchFamily="18" charset="0"/>
+                            </a:rPr>
+                          </m:ctrlPr>
+                        </m:naryPr>
+                        <m:sub>
+                          <m:sSub>
+                            <m:sSubPr>
+                              <m:ctrlPr>
+                                <a:rPr lang="en-US" b="0" i="1" dirty="0" smtClean="0">
+                                  <a:latin typeface="Cambria Math" panose="02040503050406030204" pitchFamily="18" charset="0"/>
+                                </a:rPr>
+                              </m:ctrlPr>
+                            </m:sSubPr>
+                            <m:e>
+                              <m:r>
+                                <m:rPr>
+                                  <m:brk m:alnAt="23"/>
+                                </m:rPr>
+                                <a:rPr lang="en-US" b="0" i="1" dirty="0" smtClean="0">
+                                  <a:latin typeface="Cambria Math" panose="02040503050406030204" pitchFamily="18" charset="0"/>
+                                </a:rPr>
+                                <m:t>𝑡</m:t>
+                              </m:r>
+                            </m:e>
+                            <m:sub>
+                              <m:r>
+                                <m:rPr>
+                                  <m:brk m:alnAt="23"/>
+                                </m:rPr>
+                                <a:rPr lang="en-US" b="0" i="1" dirty="0" smtClean="0">
+                                  <a:latin typeface="Cambria Math" panose="02040503050406030204" pitchFamily="18" charset="0"/>
+                                </a:rPr>
+                                <m:t>0</m:t>
+                              </m:r>
+                            </m:sub>
+                          </m:sSub>
+                        </m:sub>
+                        <m:sup>
+                          <m:r>
+                            <a:rPr lang="en-US" b="0" i="1" dirty="0" smtClean="0">
+                              <a:latin typeface="Cambria Math" panose="02040503050406030204" pitchFamily="18" charset="0"/>
+                            </a:rPr>
+                            <m:t>1</m:t>
+                          </m:r>
+                        </m:sup>
+                        <m:e>
+                          <m:r>
+                            <a:rPr lang="en-US" i="1" dirty="0" smtClean="0">
+                              <a:latin typeface="Cambria Math" panose="02040503050406030204" pitchFamily="18" charset="0"/>
+                            </a:rPr>
+                            <m:t>​</m:t>
+                          </m:r>
+                          <m:r>
+                            <a:rPr lang="en-US" i="1" dirty="0" smtClean="0">
+                              <a:latin typeface="Cambria Math" panose="02040503050406030204" pitchFamily="18" charset="0"/>
+                            </a:rPr>
+                            <m:t>𝐼</m:t>
+                          </m:r>
+                          <m:d>
+                            <m:dPr>
+                              <m:ctrlPr>
+                                <a:rPr lang="en-US" i="1" dirty="0" smtClean="0">
+                                  <a:latin typeface="Cambria Math" panose="02040503050406030204" pitchFamily="18" charset="0"/>
+                                </a:rPr>
+                              </m:ctrlPr>
+                            </m:dPr>
+                            <m:e>
+                              <m:r>
+                                <a:rPr lang="el-GR" i="1" dirty="0" smtClean="0">
+                                  <a:latin typeface="Cambria Math" panose="02040503050406030204" pitchFamily="18" charset="0"/>
+                                </a:rPr>
+                                <m:t>𝜏</m:t>
+                              </m:r>
+                            </m:e>
+                          </m:d>
+                          <m:r>
+                            <a:rPr lang="en-US" i="1" dirty="0" smtClean="0">
+                              <a:latin typeface="Cambria Math" panose="02040503050406030204" pitchFamily="18" charset="0"/>
+                            </a:rPr>
+                            <m:t>𝑑</m:t>
+                          </m:r>
+                          <m:r>
+                            <a:rPr lang="el-GR" i="1" dirty="0" smtClean="0">
+                              <a:latin typeface="Cambria Math" panose="02040503050406030204" pitchFamily="18" charset="0"/>
+                            </a:rPr>
+                            <m:t>𝜏</m:t>
+                          </m:r>
+                        </m:e>
+                      </m:nary>
+                    </m:oMath>
+                  </m:oMathPara>
+                </a14:m>
+                <a:endParaRPr lang="en-US" i="1" dirty="0">
+                  <a:latin typeface="Cambria Math" panose="02040503050406030204" pitchFamily="18" charset="0"/>
+                </a:endParaRPr>
+              </a:p>
+              <a:p>
+                <a14:m>
+                  <m:oMath xmlns:m="http://schemas.openxmlformats.org/officeDocument/2006/math">
+                    <m:r>
+                      <a:rPr lang="en-US" i="1" dirty="0" smtClean="0">
+                        <a:latin typeface="Cambria Math" panose="02040503050406030204" pitchFamily="18" charset="0"/>
+                      </a:rPr>
+                      <m:t>𝑤h𝑒𝑟𝑒</m:t>
+                    </m:r>
+                    <m:r>
+                      <a:rPr lang="en-US" i="1" dirty="0" smtClean="0">
+                        <a:latin typeface="Cambria Math" panose="02040503050406030204" pitchFamily="18" charset="0"/>
+                      </a:rPr>
+                      <m:t> </m:t>
+                    </m:r>
+                    <m:sSub>
+                      <m:sSubPr>
+                        <m:ctrlPr>
+                          <a:rPr lang="en-US" b="0" i="1" dirty="0" smtClean="0">
+                            <a:latin typeface="Cambria Math" panose="02040503050406030204" pitchFamily="18" charset="0"/>
+                          </a:rPr>
+                        </m:ctrlPr>
+                      </m:sSubPr>
+                      <m:e>
+                        <m:r>
+                          <a:rPr lang="en-US" i="1" dirty="0" err="1" smtClean="0">
+                            <a:latin typeface="Cambria Math" panose="02040503050406030204" pitchFamily="18" charset="0"/>
+                          </a:rPr>
+                          <m:t>𝐶</m:t>
+                        </m:r>
+                      </m:e>
+                      <m:sub>
+                        <m:r>
+                          <a:rPr lang="en-US" b="0" i="1" dirty="0" smtClean="0">
+                            <a:latin typeface="Cambria Math" panose="02040503050406030204" pitchFamily="18" charset="0"/>
+                          </a:rPr>
+                          <m:t>𝑟𝑎𝑡𝑒𝑑</m:t>
+                        </m:r>
+                      </m:sub>
+                    </m:sSub>
+                    <m:r>
+                      <a:rPr lang="en-US" i="1" dirty="0" smtClean="0">
+                        <a:latin typeface="Cambria Math" panose="02040503050406030204" pitchFamily="18" charset="0"/>
+                      </a:rPr>
+                      <m:t>​ </m:t>
+                    </m:r>
+                    <m:r>
+                      <a:rPr lang="en-US" i="1" dirty="0" smtClean="0">
+                        <a:latin typeface="Cambria Math" panose="02040503050406030204" pitchFamily="18" charset="0"/>
+                      </a:rPr>
+                      <m:t>𝑖𝑠</m:t>
+                    </m:r>
+                    <m:r>
+                      <a:rPr lang="en-US" i="1" dirty="0" smtClean="0">
+                        <a:latin typeface="Cambria Math" panose="02040503050406030204" pitchFamily="18" charset="0"/>
+                      </a:rPr>
+                      <m:t> </m:t>
+                    </m:r>
+                    <m:r>
+                      <a:rPr lang="en-US" i="1" dirty="0" smtClean="0">
+                        <a:latin typeface="Cambria Math" panose="02040503050406030204" pitchFamily="18" charset="0"/>
+                      </a:rPr>
+                      <m:t>𝑡h𝑒</m:t>
+                    </m:r>
+                    <m:r>
+                      <a:rPr lang="en-US" i="1" dirty="0" smtClean="0">
+                        <a:latin typeface="Cambria Math" panose="02040503050406030204" pitchFamily="18" charset="0"/>
+                      </a:rPr>
+                      <m:t> </m:t>
+                    </m:r>
+                    <m:r>
+                      <a:rPr lang="en-US" i="1" dirty="0" smtClean="0">
+                        <a:latin typeface="Cambria Math" panose="02040503050406030204" pitchFamily="18" charset="0"/>
+                      </a:rPr>
+                      <m:t>𝑛𝑜𝑚𝑖𝑛𝑎𝑙</m:t>
+                    </m:r>
+                    <m:r>
+                      <a:rPr lang="en-US" i="1" dirty="0" smtClean="0">
+                        <a:latin typeface="Cambria Math" panose="02040503050406030204" pitchFamily="18" charset="0"/>
+                      </a:rPr>
+                      <m:t> </m:t>
+                    </m:r>
+                    <m:r>
+                      <a:rPr lang="en-US" i="1" dirty="0" smtClean="0">
+                        <a:latin typeface="Cambria Math" panose="02040503050406030204" pitchFamily="18" charset="0"/>
+                      </a:rPr>
+                      <m:t>𝑐𝑎𝑝𝑎𝑐𝑖𝑡𝑦</m:t>
+                    </m:r>
+                    <m:r>
+                      <a:rPr lang="en-US" i="1" dirty="0" smtClean="0">
+                        <a:latin typeface="Cambria Math" panose="02040503050406030204" pitchFamily="18" charset="0"/>
+                      </a:rPr>
+                      <m:t>, </m:t>
+                    </m:r>
+                  </m:oMath>
+                </a14:m>
+                <a:endParaRPr lang="en-US" dirty="0"/>
+              </a:p>
+              <a:p>
+                <a:pPr>
+                  <a:buFont typeface="Arial" panose="020B0604020202020204" pitchFamily="34" charset="0"/>
+                  <a:buChar char="•"/>
+                </a:pPr>
+                <a:r>
+                  <a:rPr lang="en-US" b="1" dirty="0"/>
+                  <a:t>Pros:</a:t>
+                </a:r>
+                <a:endParaRPr lang="en-US" dirty="0"/>
+              </a:p>
+              <a:p>
+                <a:pPr marL="742950" lvl="1" indent="-285750">
+                  <a:buFont typeface="Arial" panose="020B0604020202020204" pitchFamily="34" charset="0"/>
+                  <a:buChar char="•"/>
+                </a:pPr>
+                <a:r>
+                  <a:rPr lang="en-US" dirty="0"/>
+                  <a:t>Easy to implement.</a:t>
+                </a:r>
+              </a:p>
+              <a:p>
+                <a:pPr marL="742950" lvl="1" indent="-285750">
+                  <a:buFont typeface="Arial" panose="020B0604020202020204" pitchFamily="34" charset="0"/>
+                  <a:buChar char="•"/>
+                </a:pPr>
+                <a:r>
+                  <a:rPr lang="en-US" dirty="0"/>
+                  <a:t>Good for short periods.</a:t>
+                </a:r>
+              </a:p>
+              <a:p>
+                <a:pPr>
+                  <a:buFont typeface="Arial" panose="020B0604020202020204" pitchFamily="34" charset="0"/>
+                  <a:buChar char="•"/>
+                </a:pPr>
+                <a:r>
+                  <a:rPr lang="en-US" b="1" dirty="0"/>
+                  <a:t>Cons:</a:t>
+                </a:r>
+                <a:endParaRPr lang="en-US" dirty="0"/>
+              </a:p>
+              <a:p>
+                <a:pPr marL="742950" lvl="1" indent="-285750">
+                  <a:buFont typeface="Arial" panose="020B0604020202020204" pitchFamily="34" charset="0"/>
+                  <a:buChar char="•"/>
+                </a:pPr>
+                <a:r>
+                  <a:rPr lang="en-US" dirty="0"/>
+                  <a:t>Accumulates error over time (drift).</a:t>
+                </a:r>
+              </a:p>
+              <a:p>
+                <a:pPr marL="742950" lvl="1" indent="-285750">
+                  <a:buFont typeface="Arial" panose="020B0604020202020204" pitchFamily="34" charset="0"/>
+                  <a:buChar char="•"/>
+                </a:pPr>
+                <a:r>
+                  <a:rPr lang="en-US" dirty="0"/>
+                  <a:t>Needs very accurate current measurement.</a:t>
+                </a:r>
+              </a:p>
+              <a:p>
+                <a:pPr marL="742950" lvl="1" indent="-285750">
+                  <a:buFont typeface="Arial" panose="020B0604020202020204" pitchFamily="34" charset="0"/>
+                  <a:buChar char="•"/>
+                </a:pPr>
+                <a:r>
+                  <a:rPr lang="en-US" dirty="0"/>
+                  <a:t>Sensitive to temperature and aging of the battery.</a:t>
+                </a:r>
+              </a:p>
+              <a:p>
+                <a:endParaRPr lang="en-US" dirty="0"/>
+              </a:p>
+            </p:txBody>
+          </p:sp>
+        </mc:Choice>
+        <mc:Fallback>
+          <p:sp>
+            <p:nvSpPr>
+              <p:cNvPr id="3" name="Content Placeholder 2">
+                <a:extLst>
+                  <a:ext uri="{FF2B5EF4-FFF2-40B4-BE49-F238E27FC236}">
+                    <a16:creationId xmlns:a16="http://schemas.microsoft.com/office/drawing/2014/main" id="{0CFC24BE-D6FC-472E-66E4-9A67F60F1DEF}"/>
+                  </a:ext>
+                </a:extLst>
+              </p:cNvPr>
+              <p:cNvSpPr>
+                <a:spLocks noGrp="1" noRot="1" noChangeAspect="1" noMove="1" noResize="1" noEditPoints="1" noAdjustHandles="1" noChangeArrowheads="1" noChangeShapeType="1" noTextEdit="1"/>
+              </p:cNvSpPr>
+              <p:nvPr>
+                <p:ph idx="1"/>
+              </p:nvPr>
+            </p:nvSpPr>
+            <p:spPr>
+              <a:blipFill>
+                <a:blip r:embed="rId2"/>
+                <a:stretch>
+                  <a:fillRect l="-522" t="-2521"/>
+                </a:stretch>
+              </a:blipFill>
+            </p:spPr>
+            <p:txBody>
+              <a:bodyPr/>
+              <a:lstStyle/>
+              <a:p>
+                <a:r>
+                  <a:rPr lang="en-US">
+                    <a:noFill/>
+                  </a:rPr>
+                  <a:t> </a:t>
+                </a:r>
+              </a:p>
+            </p:txBody>
+          </p:sp>
+        </mc:Fallback>
+      </mc:AlternateContent>
+    </p:spTree>
+    <p:extLst>
+      <p:ext uri="{BB962C8B-B14F-4D97-AF65-F5344CB8AC3E}">
+        <p14:creationId xmlns:p14="http://schemas.microsoft.com/office/powerpoint/2010/main" val="1009430944"/>
+      </p:ext>
+    </p:extLst>
+  </p:cSld>
+  <p:clrMapOvr>
+    <a:masterClrMapping/>
+  </p:clrMapOvr>
+</p:sld>
+</file>
+
+<file path=ppt/slides/slide11.xml><?xml version="1.0" encoding="utf-8"?>
 <p:sld xmlns:a="http://schemas.openxmlformats.org/drawingml/2006/main" xmlns:r="http://schemas.openxmlformats.org/officeDocument/2006/relationships" xmlns:p="http://schemas.openxmlformats.org/presentationml/2006/main">
   <p:cSld>
     <p:spTree>
@@ -3497,7 +4106,7 @@
 </p:sld>
 </file>
 
-<file path=ppt/slides/slide11.xml><?xml version="1.0" encoding="utf-8"?>
+<file path=ppt/slides/slide12.xml><?xml version="1.0" encoding="utf-8"?>
 <p:sld xmlns:a="http://schemas.openxmlformats.org/drawingml/2006/main" xmlns:r="http://schemas.openxmlformats.org/officeDocument/2006/relationships" xmlns:p="http://schemas.openxmlformats.org/presentationml/2006/main">
   <p:cSld>
     <p:spTree>
@@ -3539,7 +4148,7 @@
           <a:p>
             <a:r>
               <a:rPr lang="en-US" b="1" dirty="0"/>
-              <a:t>Model-Based Estimation (Kalman Filters)</a:t>
+              <a:t>3) Model-Based Estimation (Kalman Filters)</a:t>
             </a:r>
             <a:endParaRPr lang="en-US" dirty="0"/>
           </a:p>
@@ -3704,7 +4313,7 @@
 </p:sld>
 </file>
 
-<file path=ppt/slides/slide12.xml><?xml version="1.0" encoding="utf-8"?>
+<file path=ppt/slides/slide13.xml><?xml version="1.0" encoding="utf-8"?>
 <p:sld xmlns:a="http://schemas.openxmlformats.org/drawingml/2006/main" xmlns:r="http://schemas.openxmlformats.org/officeDocument/2006/relationships" xmlns:p="http://schemas.openxmlformats.org/presentationml/2006/main">
   <p:cSld>
     <p:spTree>
@@ -4019,7 +4628,7 @@
 </p:sld>
 </file>
 
-<file path=ppt/slides/slide13.xml><?xml version="1.0" encoding="utf-8"?>
+<file path=ppt/slides/slide14.xml><?xml version="1.0" encoding="utf-8"?>
 <p:sld xmlns:a="http://schemas.openxmlformats.org/drawingml/2006/main" xmlns:r="http://schemas.openxmlformats.org/officeDocument/2006/relationships" xmlns:p="http://schemas.openxmlformats.org/presentationml/2006/main">
   <p:cSld>
     <p:spTree>
@@ -4227,7 +4836,7 @@
 </p:sld>
 </file>
 
-<file path=ppt/slides/slide14.xml><?xml version="1.0" encoding="utf-8"?>
+<file path=ppt/slides/slide15.xml><?xml version="1.0" encoding="utf-8"?>
 <p:sld xmlns:a="http://schemas.openxmlformats.org/drawingml/2006/main" xmlns:r="http://schemas.openxmlformats.org/officeDocument/2006/relationships" xmlns:p="http://schemas.openxmlformats.org/presentationml/2006/main">
   <p:cSld>
     <p:spTree>
@@ -4364,7 +4973,7 @@
 </p:sld>
 </file>
 
-<file path=ppt/slides/slide15.xml><?xml version="1.0" encoding="utf-8"?>
+<file path=ppt/slides/slide16.xml><?xml version="1.0" encoding="utf-8"?>
 <p:sld xmlns:a="http://schemas.openxmlformats.org/drawingml/2006/main" xmlns:r="http://schemas.openxmlformats.org/officeDocument/2006/relationships" xmlns:p="http://schemas.openxmlformats.org/presentationml/2006/main">
   <p:cSld>
     <p:spTree>
@@ -4608,7 +5217,17 @@
                               <a:effectLst/>
                               <a:latin typeface="Cambria Math" panose="02040503050406030204" pitchFamily="18" charset="0"/>
                             </a:rPr>
-                            <m:t>−1</m:t>
+                            <m:t>−</m:t>
+                          </m:r>
+                          <m:r>
+                            <a:rPr lang="en-US" b="0" i="1" dirty="0" smtClean="0">
+                              <a:solidFill>
+                                <a:srgbClr val="2C2C36"/>
+                              </a:solidFill>
+                              <a:effectLst/>
+                              <a:latin typeface="Cambria Math" panose="02040503050406030204" pitchFamily="18" charset="0"/>
+                            </a:rPr>
+                            <m:t>1</m:t>
                           </m:r>
                         </m:sub>
                       </m:sSub>
@@ -5132,7 +5751,7 @@
 </p:sld>
 </file>
 
-<file path=ppt/slides/slide16.xml><?xml version="1.0" encoding="utf-8"?>
+<file path=ppt/slides/slide17.xml><?xml version="1.0" encoding="utf-8"?>
 <p:sld xmlns:a="http://schemas.openxmlformats.org/drawingml/2006/main" xmlns:r="http://schemas.openxmlformats.org/officeDocument/2006/relationships" xmlns:p="http://schemas.openxmlformats.org/presentationml/2006/main">
   <p:cSld>
     <p:spTree>
@@ -5781,7 +6400,7 @@
 </p:sld>
 </file>
 
-<file path=ppt/slides/slide17.xml><?xml version="1.0" encoding="utf-8"?>
+<file path=ppt/slides/slide18.xml><?xml version="1.0" encoding="utf-8"?>
 <p:sld xmlns:a="http://schemas.openxmlformats.org/drawingml/2006/main" xmlns:r="http://schemas.openxmlformats.org/officeDocument/2006/relationships" xmlns:p="http://schemas.openxmlformats.org/presentationml/2006/main">
   <p:cSld>
     <p:spTree>
@@ -5988,14 +6607,7 @@
                               <a:effectLst/>
                               <a:latin typeface="Cambria Math" panose="02040503050406030204" pitchFamily="18" charset="0"/>
                             </a:rPr>
-                            <m:t>−</m:t>
-                          </m:r>
-                          <m:r>
-                            <a:rPr lang="en-US" i="1" dirty="0" smtClean="0">
-                              <a:effectLst/>
-                              <a:latin typeface="Cambria Math" panose="02040503050406030204" pitchFamily="18" charset="0"/>
-                            </a:rPr>
-                            <m:t>1</m:t>
+                            <m:t>−1</m:t>
                           </m:r>
                         </m:sub>
                       </m:sSub>
@@ -6064,21 +6676,7 @@
                               <a:effectLst/>
                               <a:latin typeface="Cambria Math" panose="02040503050406030204" pitchFamily="18" charset="0"/>
                             </a:rPr>
-                            <m:t>−</m:t>
-                          </m:r>
-                          <m:r>
-                            <a:rPr lang="en-US" i="1" dirty="0" smtClean="0">
-                              <a:effectLst/>
-                              <a:latin typeface="Cambria Math" panose="02040503050406030204" pitchFamily="18" charset="0"/>
-                            </a:rPr>
-                            <m:t>1</m:t>
-                          </m:r>
-                          <m:r>
-                            <a:rPr lang="en-US" i="1" dirty="0" smtClean="0">
-                              <a:effectLst/>
-                              <a:latin typeface="Cambria Math" panose="02040503050406030204" pitchFamily="18" charset="0"/>
-                            </a:rPr>
-                            <m:t>∣</m:t>
+                            <m:t>−1∣</m:t>
                           </m:r>
                           <m:r>
                             <a:rPr lang="en-US" i="1" dirty="0" smtClean="0">
@@ -6092,14 +6690,7 @@
                               <a:effectLst/>
                               <a:latin typeface="Cambria Math" panose="02040503050406030204" pitchFamily="18" charset="0"/>
                             </a:rPr>
-                            <m:t>−</m:t>
-                          </m:r>
-                          <m:r>
-                            <a:rPr lang="en-US" i="1" dirty="0" smtClean="0">
-                              <a:effectLst/>
-                              <a:latin typeface="Cambria Math" panose="02040503050406030204" pitchFamily="18" charset="0"/>
-                            </a:rPr>
-                            <m:t>1</m:t>
+                            <m:t>−1</m:t>
                           </m:r>
                         </m:sub>
                       </m:sSub>
@@ -6399,21 +6990,7 @@
                                   <a:effectLst/>
                                   <a:latin typeface="Cambria Math" panose="02040503050406030204" pitchFamily="18" charset="0"/>
                                 </a:rPr>
-                                <m:t>−</m:t>
-                              </m:r>
-                              <m:r>
-                                <a:rPr lang="en-US" i="1" dirty="0" smtClean="0">
-                                  <a:effectLst/>
-                                  <a:latin typeface="Cambria Math" panose="02040503050406030204" pitchFamily="18" charset="0"/>
-                                </a:rPr>
-                                <m:t>1</m:t>
-                              </m:r>
-                              <m:r>
-                                <a:rPr lang="en-US" i="1" dirty="0" smtClean="0">
-                                  <a:effectLst/>
-                                  <a:latin typeface="Cambria Math" panose="02040503050406030204" pitchFamily="18" charset="0"/>
-                                </a:rPr>
-                                <m:t>∣</m:t>
+                                <m:t>−1∣</m:t>
                               </m:r>
                               <m:r>
                                 <a:rPr lang="en-US" i="1" dirty="0" smtClean="0">
@@ -6427,14 +7004,7 @@
                                   <a:effectLst/>
                                   <a:latin typeface="Cambria Math" panose="02040503050406030204" pitchFamily="18" charset="0"/>
                                 </a:rPr>
-                                <m:t>−</m:t>
-                              </m:r>
-                              <m:r>
-                                <a:rPr lang="en-US" i="1" dirty="0" smtClean="0">
-                                  <a:effectLst/>
-                                  <a:latin typeface="Cambria Math" panose="02040503050406030204" pitchFamily="18" charset="0"/>
-                                </a:rPr>
-                                <m:t>1​</m:t>
+                                <m:t>−1​</m:t>
                               </m:r>
                             </m:sub>
                           </m:sSub>
@@ -6584,14 +7154,7 @@
                               <a:effectLst/>
                               <a:latin typeface="Cambria Math" panose="02040503050406030204" pitchFamily="18" charset="0"/>
                             </a:rPr>
-                            <m:t>−</m:t>
-                          </m:r>
-                          <m:r>
-                            <a:rPr lang="en-US" i="1" dirty="0" smtClean="0">
-                              <a:effectLst/>
-                              <a:latin typeface="Cambria Math" panose="02040503050406030204" pitchFamily="18" charset="0"/>
-                            </a:rPr>
-                            <m:t>1</m:t>
+                            <m:t>−1</m:t>
                           </m:r>
                         </m:sub>
                       </m:sSub>
@@ -6668,21 +7231,7 @@
                               <a:effectLst/>
                               <a:latin typeface="Cambria Math" panose="02040503050406030204" pitchFamily="18" charset="0"/>
                             </a:rPr>
-                            <m:t>−</m:t>
-                          </m:r>
-                          <m:r>
-                            <a:rPr lang="en-US" i="1" dirty="0" smtClean="0">
-                              <a:effectLst/>
-                              <a:latin typeface="Cambria Math" panose="02040503050406030204" pitchFamily="18" charset="0"/>
-                            </a:rPr>
-                            <m:t>1</m:t>
-                          </m:r>
-                          <m:r>
-                            <a:rPr lang="en-US" i="1" dirty="0" smtClean="0">
-                              <a:effectLst/>
-                              <a:latin typeface="Cambria Math" panose="02040503050406030204" pitchFamily="18" charset="0"/>
-                            </a:rPr>
-                            <m:t>∣</m:t>
+                            <m:t>−1∣</m:t>
                           </m:r>
                           <m:r>
                             <a:rPr lang="en-US" i="1" dirty="0" smtClean="0">
@@ -6696,14 +7245,7 @@
                               <a:effectLst/>
                               <a:latin typeface="Cambria Math" panose="02040503050406030204" pitchFamily="18" charset="0"/>
                             </a:rPr>
-                            <m:t>−</m:t>
-                          </m:r>
-                          <m:r>
-                            <a:rPr lang="en-US" i="1" dirty="0" smtClean="0">
-                              <a:effectLst/>
-                              <a:latin typeface="Cambria Math" panose="02040503050406030204" pitchFamily="18" charset="0"/>
-                            </a:rPr>
-                            <m:t>1</m:t>
+                            <m:t>−1</m:t>
                           </m:r>
                         </m:sub>
                       </m:sSub>
@@ -6869,7 +7411,7 @@
 </p:sld>
 </file>
 
-<file path=ppt/slides/slide18.xml><?xml version="1.0" encoding="utf-8"?>
+<file path=ppt/slides/slide19.xml><?xml version="1.0" encoding="utf-8"?>
 <p:sld xmlns:a="http://schemas.openxmlformats.org/drawingml/2006/main" xmlns:r="http://schemas.openxmlformats.org/officeDocument/2006/relationships" xmlns:p="http://schemas.openxmlformats.org/presentationml/2006/main">
   <p:cSld>
     <p:spTree>
@@ -7121,7 +7663,17 @@
                               <a:effectLst/>
                               <a:latin typeface="Cambria Math" panose="02040503050406030204" pitchFamily="18" charset="0"/>
                             </a:rPr>
-                            <m:t>−1</m:t>
+                            <m:t>−</m:t>
+                          </m:r>
+                          <m:r>
+                            <a:rPr lang="en-US" b="0" i="1" dirty="0" smtClean="0">
+                              <a:solidFill>
+                                <a:srgbClr val="2C2C36"/>
+                              </a:solidFill>
+                              <a:effectLst/>
+                              <a:latin typeface="Cambria Math" panose="02040503050406030204" pitchFamily="18" charset="0"/>
+                            </a:rPr>
+                            <m:t>1</m:t>
                           </m:r>
                         </m:sub>
                       </m:sSub>
@@ -7234,7 +7786,17 @@
                               <a:effectLst/>
                               <a:latin typeface="Cambria Math" panose="02040503050406030204" pitchFamily="18" charset="0"/>
                             </a:rPr>
-                            <m:t>−1</m:t>
+                            <m:t>−</m:t>
+                          </m:r>
+                          <m:r>
+                            <a:rPr lang="en-US" b="0" i="1" dirty="0" smtClean="0">
+                              <a:solidFill>
+                                <a:srgbClr val="2C2C36"/>
+                              </a:solidFill>
+                              <a:effectLst/>
+                              <a:latin typeface="Cambria Math" panose="02040503050406030204" pitchFamily="18" charset="0"/>
+                            </a:rPr>
+                            <m:t>1</m:t>
                           </m:r>
                         </m:sub>
                       </m:sSub>
@@ -7592,7 +8154,17 @@
                                   <a:effectLst/>
                                   <a:latin typeface="Cambria Math" panose="02040503050406030204" pitchFamily="18" charset="0"/>
                                 </a:rPr>
-                                <m:t>−1</m:t>
+                                <m:t>−</m:t>
+                              </m:r>
+                              <m:r>
+                                <a:rPr lang="en-US" b="0" i="1" dirty="0" smtClean="0">
+                                  <a:solidFill>
+                                    <a:srgbClr val="2C2C36"/>
+                                  </a:solidFill>
+                                  <a:effectLst/>
+                                  <a:latin typeface="Cambria Math" panose="02040503050406030204" pitchFamily="18" charset="0"/>
+                                </a:rPr>
+                                <m:t>1</m:t>
                               </m:r>
                             </m:sub>
                           </m:sSub>
@@ -7653,7 +8225,7 @@
               <a:blipFill>
                 <a:blip r:embed="rId2"/>
                 <a:stretch>
-                  <a:fillRect l="-1217" t="-2381" r="-754"/>
+                  <a:fillRect l="-1217" t="-2381" r="-522"/>
                 </a:stretch>
               </a:blipFill>
             </p:spPr>
@@ -7685,7 +8257,144 @@
 </p:sld>
 </file>
 
-<file path=ppt/slides/slide19.xml><?xml version="1.0" encoding="utf-8"?>
+<file path=ppt/slides/slide2.xml><?xml version="1.0" encoding="utf-8"?>
+<p:sld xmlns:a="http://schemas.openxmlformats.org/drawingml/2006/main" xmlns:r="http://schemas.openxmlformats.org/officeDocument/2006/relationships" xmlns:p="http://schemas.openxmlformats.org/presentationml/2006/main">
+  <p:cSld>
+    <p:spTree>
+      <p:nvGrpSpPr>
+        <p:cNvPr id="1" name=""/>
+        <p:cNvGrpSpPr/>
+        <p:nvPr/>
+      </p:nvGrpSpPr>
+      <p:grpSpPr>
+        <a:xfrm>
+          <a:off x="0" y="0"/>
+          <a:ext cx="0" cy="0"/>
+          <a:chOff x="0" y="0"/>
+          <a:chExt cx="0" cy="0"/>
+        </a:xfrm>
+      </p:grpSpPr>
+      <p:sp>
+        <p:nvSpPr>
+          <p:cNvPr id="2" name="Title 1">
+            <a:extLst>
+              <a:ext uri="{FF2B5EF4-FFF2-40B4-BE49-F238E27FC236}">
+                <a16:creationId xmlns:a16="http://schemas.microsoft.com/office/drawing/2014/main" id="{7A2C6A9A-E155-CC7B-9FF8-7517A5D8DCFB}"/>
+              </a:ext>
+            </a:extLst>
+          </p:cNvPr>
+          <p:cNvSpPr>
+            <a:spLocks noGrp="1"/>
+          </p:cNvSpPr>
+          <p:nvPr>
+            <p:ph type="title"/>
+          </p:nvPr>
+        </p:nvSpPr>
+        <p:spPr/>
+        <p:txBody>
+          <a:bodyPr/>
+          <a:lstStyle/>
+          <a:p>
+            <a:r>
+              <a:rPr lang="en-US" dirty="0"/>
+              <a:t>State of Charge (SoC) Estimation Methods: Overview and Comparison</a:t>
+            </a:r>
+          </a:p>
+        </p:txBody>
+      </p:sp>
+      <p:sp>
+        <p:nvSpPr>
+          <p:cNvPr id="3" name="Content Placeholder 2">
+            <a:extLst>
+              <a:ext uri="{FF2B5EF4-FFF2-40B4-BE49-F238E27FC236}">
+                <a16:creationId xmlns:a16="http://schemas.microsoft.com/office/drawing/2014/main" id="{614F0B21-2505-DC8B-A5E3-8441108B6172}"/>
+              </a:ext>
+            </a:extLst>
+          </p:cNvPr>
+          <p:cNvSpPr>
+            <a:spLocks noGrp="1"/>
+          </p:cNvSpPr>
+          <p:nvPr>
+            <p:ph idx="1"/>
+          </p:nvPr>
+        </p:nvSpPr>
+        <p:spPr/>
+        <p:txBody>
+          <a:bodyPr/>
+          <a:lstStyle/>
+          <a:p>
+            <a:pPr>
+              <a:buNone/>
+            </a:pPr>
+            <a:r>
+              <a:rPr lang="en-US" dirty="0"/>
+              <a:t>In battery management systems (BMS), </a:t>
+            </a:r>
+            <a:r>
+              <a:rPr lang="en-US" b="1" dirty="0"/>
+              <a:t>State of Charge (SoC)</a:t>
+            </a:r>
+            <a:r>
+              <a:rPr lang="en-US" dirty="0"/>
+              <a:t> is like a fuel gauge for batteries — it tells how much usable energy remains.</a:t>
+            </a:r>
+            <a:br>
+              <a:rPr lang="en-US" dirty="0"/>
+            </a:br>
+            <a:r>
+              <a:rPr lang="en-US" dirty="0"/>
+              <a:t>However, </a:t>
+            </a:r>
+            <a:r>
+              <a:rPr lang="en-US" b="1" dirty="0"/>
+              <a:t>you can't measure SoC directly</a:t>
+            </a:r>
+            <a:r>
+              <a:rPr lang="en-US" dirty="0"/>
+              <a:t>, like you can measure voltage or current. Instead, we </a:t>
+            </a:r>
+            <a:r>
+              <a:rPr lang="en-US" b="1" dirty="0"/>
+              <a:t>estimate</a:t>
+            </a:r>
+            <a:r>
+              <a:rPr lang="en-US" dirty="0"/>
+              <a:t> it.</a:t>
+            </a:r>
+          </a:p>
+          <a:p>
+            <a:r>
+              <a:rPr lang="en-US" dirty="0"/>
+              <a:t>There are </a:t>
+            </a:r>
+            <a:r>
+              <a:rPr lang="en-US" b="1" dirty="0"/>
+              <a:t>Three major classes</a:t>
+            </a:r>
+            <a:r>
+              <a:rPr lang="en-US" dirty="0"/>
+              <a:t> of SoC estimation methods:</a:t>
+            </a:r>
+          </a:p>
+          <a:p>
+            <a:endParaRPr lang="en-US" dirty="0"/>
+          </a:p>
+        </p:txBody>
+      </p:sp>
+    </p:spTree>
+    <p:extLst>
+      <p:ext uri="{BB962C8B-B14F-4D97-AF65-F5344CB8AC3E}">
+        <p14:creationId xmlns:p14="http://schemas.microsoft.com/office/powerpoint/2010/main" val="4115994836"/>
+      </p:ext>
+    </p:extLst>
+  </p:cSld>
+  <p:clrMapOvr>
+    <a:masterClrMapping/>
+  </p:clrMapOvr>
+</p:sld>
+</file>
+
+<file path=ppt/slides/slide20.xml><?xml version="1.0" encoding="utf-8"?>
 <p:sld xmlns:a="http://schemas.openxmlformats.org/drawingml/2006/main" xmlns:r="http://schemas.openxmlformats.org/officeDocument/2006/relationships" xmlns:p="http://schemas.openxmlformats.org/presentationml/2006/main">
   <p:cSld>
     <p:spTree>
@@ -9082,7 +9791,7 @@
               <a:blipFill>
                 <a:blip r:embed="rId2"/>
                 <a:stretch>
-                  <a:fillRect l="-1217" t="-3221"/>
+                  <a:fillRect l="-1217" t="-3221" r="-58"/>
                 </a:stretch>
               </a:blipFill>
             </p:spPr>
@@ -9114,144 +9823,7 @@
 </p:sld>
 </file>
 
-<file path=ppt/slides/slide2.xml><?xml version="1.0" encoding="utf-8"?>
-<p:sld xmlns:a="http://schemas.openxmlformats.org/drawingml/2006/main" xmlns:r="http://schemas.openxmlformats.org/officeDocument/2006/relationships" xmlns:p="http://schemas.openxmlformats.org/presentationml/2006/main">
-  <p:cSld>
-    <p:spTree>
-      <p:nvGrpSpPr>
-        <p:cNvPr id="1" name=""/>
-        <p:cNvGrpSpPr/>
-        <p:nvPr/>
-      </p:nvGrpSpPr>
-      <p:grpSpPr>
-        <a:xfrm>
-          <a:off x="0" y="0"/>
-          <a:ext cx="0" cy="0"/>
-          <a:chOff x="0" y="0"/>
-          <a:chExt cx="0" cy="0"/>
-        </a:xfrm>
-      </p:grpSpPr>
-      <p:sp>
-        <p:nvSpPr>
-          <p:cNvPr id="2" name="Title 1">
-            <a:extLst>
-              <a:ext uri="{FF2B5EF4-FFF2-40B4-BE49-F238E27FC236}">
-                <a16:creationId xmlns:a16="http://schemas.microsoft.com/office/drawing/2014/main" id="{7A2C6A9A-E155-CC7B-9FF8-7517A5D8DCFB}"/>
-              </a:ext>
-            </a:extLst>
-          </p:cNvPr>
-          <p:cNvSpPr>
-            <a:spLocks noGrp="1"/>
-          </p:cNvSpPr>
-          <p:nvPr>
-            <p:ph type="title"/>
-          </p:nvPr>
-        </p:nvSpPr>
-        <p:spPr/>
-        <p:txBody>
-          <a:bodyPr/>
-          <a:lstStyle/>
-          <a:p>
-            <a:r>
-              <a:rPr lang="en-US" dirty="0"/>
-              <a:t>State of Charge (SoC) Estimation Methods: Overview and Comparison</a:t>
-            </a:r>
-          </a:p>
-        </p:txBody>
-      </p:sp>
-      <p:sp>
-        <p:nvSpPr>
-          <p:cNvPr id="3" name="Content Placeholder 2">
-            <a:extLst>
-              <a:ext uri="{FF2B5EF4-FFF2-40B4-BE49-F238E27FC236}">
-                <a16:creationId xmlns:a16="http://schemas.microsoft.com/office/drawing/2014/main" id="{614F0B21-2505-DC8B-A5E3-8441108B6172}"/>
-              </a:ext>
-            </a:extLst>
-          </p:cNvPr>
-          <p:cNvSpPr>
-            <a:spLocks noGrp="1"/>
-          </p:cNvSpPr>
-          <p:nvPr>
-            <p:ph idx="1"/>
-          </p:nvPr>
-        </p:nvSpPr>
-        <p:spPr/>
-        <p:txBody>
-          <a:bodyPr/>
-          <a:lstStyle/>
-          <a:p>
-            <a:pPr>
-              <a:buNone/>
-            </a:pPr>
-            <a:r>
-              <a:rPr lang="en-US" dirty="0"/>
-              <a:t>In battery management systems (BMS), </a:t>
-            </a:r>
-            <a:r>
-              <a:rPr lang="en-US" b="1" dirty="0"/>
-              <a:t>State of Charge (SoC)</a:t>
-            </a:r>
-            <a:r>
-              <a:rPr lang="en-US" dirty="0"/>
-              <a:t> is like a fuel gauge for batteries — it tells how much usable energy remains.</a:t>
-            </a:r>
-            <a:br>
-              <a:rPr lang="en-US" dirty="0"/>
-            </a:br>
-            <a:r>
-              <a:rPr lang="en-US" dirty="0"/>
-              <a:t>However, </a:t>
-            </a:r>
-            <a:r>
-              <a:rPr lang="en-US" b="1" dirty="0"/>
-              <a:t>you can't measure SoC directly</a:t>
-            </a:r>
-            <a:r>
-              <a:rPr lang="en-US" dirty="0"/>
-              <a:t>, like you can measure voltage or current. Instead, we </a:t>
-            </a:r>
-            <a:r>
-              <a:rPr lang="en-US" b="1" dirty="0"/>
-              <a:t>estimate</a:t>
-            </a:r>
-            <a:r>
-              <a:rPr lang="en-US" dirty="0"/>
-              <a:t> it.</a:t>
-            </a:r>
-          </a:p>
-          <a:p>
-            <a:r>
-              <a:rPr lang="en-US" dirty="0"/>
-              <a:t>There are </a:t>
-            </a:r>
-            <a:r>
-              <a:rPr lang="en-US" b="1" dirty="0"/>
-              <a:t>five major classes</a:t>
-            </a:r>
-            <a:r>
-              <a:rPr lang="en-US" dirty="0"/>
-              <a:t> of SoC estimation methods:</a:t>
-            </a:r>
-          </a:p>
-          <a:p>
-            <a:endParaRPr lang="en-US" dirty="0"/>
-          </a:p>
-        </p:txBody>
-      </p:sp>
-    </p:spTree>
-    <p:extLst>
-      <p:ext uri="{BB962C8B-B14F-4D97-AF65-F5344CB8AC3E}">
-        <p14:creationId xmlns:p14="http://schemas.microsoft.com/office/powerpoint/2010/main" val="4115994836"/>
-      </p:ext>
-    </p:extLst>
-  </p:cSld>
-  <p:clrMapOvr>
-    <a:masterClrMapping/>
-  </p:clrMapOvr>
-</p:sld>
-</file>
-
-<file path=ppt/slides/slide20.xml><?xml version="1.0" encoding="utf-8"?>
+<file path=ppt/slides/slide21.xml><?xml version="1.0" encoding="utf-8"?>
 <p:sld xmlns:a="http://schemas.openxmlformats.org/drawingml/2006/main" xmlns:r="http://schemas.openxmlformats.org/officeDocument/2006/relationships" xmlns:p="http://schemas.openxmlformats.org/presentationml/2006/main">
   <p:cSld>
     <p:spTree>
@@ -10242,7 +10814,7 @@
 </p:sld>
 </file>
 
-<file path=ppt/slides/slide21.xml><?xml version="1.0" encoding="utf-8"?>
+<file path=ppt/slides/slide22.xml><?xml version="1.0" encoding="utf-8"?>
 <p:sld xmlns:a="http://schemas.openxmlformats.org/drawingml/2006/main" xmlns:r="http://schemas.openxmlformats.org/officeDocument/2006/relationships" xmlns:p="http://schemas.openxmlformats.org/presentationml/2006/main">
   <p:cSld>
     <p:spTree>
@@ -10625,6 +11197,1396 @@
 </p:sld>
 </file>
 
+<file path=ppt/slides/slide23.xml><?xml version="1.0" encoding="utf-8"?>
+<p:sld xmlns:a="http://schemas.openxmlformats.org/drawingml/2006/main" xmlns:r="http://schemas.openxmlformats.org/officeDocument/2006/relationships" xmlns:p="http://schemas.openxmlformats.org/presentationml/2006/main">
+  <p:cSld>
+    <p:spTree>
+      <p:nvGrpSpPr>
+        <p:cNvPr id="1" name=""/>
+        <p:cNvGrpSpPr/>
+        <p:nvPr/>
+      </p:nvGrpSpPr>
+      <p:grpSpPr>
+        <a:xfrm>
+          <a:off x="0" y="0"/>
+          <a:ext cx="0" cy="0"/>
+          <a:chOff x="0" y="0"/>
+          <a:chExt cx="0" cy="0"/>
+        </a:xfrm>
+      </p:grpSpPr>
+      <p:sp>
+        <p:nvSpPr>
+          <p:cNvPr id="2" name="Title 1">
+            <a:extLst>
+              <a:ext uri="{FF2B5EF4-FFF2-40B4-BE49-F238E27FC236}">
+                <a16:creationId xmlns:a16="http://schemas.microsoft.com/office/drawing/2014/main" id="{7DDA767B-8428-16E7-9763-4644129A742D}"/>
+              </a:ext>
+            </a:extLst>
+          </p:cNvPr>
+          <p:cNvSpPr>
+            <a:spLocks noGrp="1"/>
+          </p:cNvSpPr>
+          <p:nvPr>
+            <p:ph type="title"/>
+          </p:nvPr>
+        </p:nvSpPr>
+        <p:spPr/>
+        <p:txBody>
+          <a:bodyPr/>
+          <a:lstStyle/>
+          <a:p>
+            <a:endParaRPr lang="en-US"/>
+          </a:p>
+        </p:txBody>
+      </p:sp>
+      <p:pic>
+        <p:nvPicPr>
+          <p:cNvPr id="9" name="Content Placeholder 8">
+            <a:extLst>
+              <a:ext uri="{FF2B5EF4-FFF2-40B4-BE49-F238E27FC236}">
+                <a16:creationId xmlns:a16="http://schemas.microsoft.com/office/drawing/2014/main" id="{D2AB5959-B218-D56B-699D-916E14EF90DB}"/>
+              </a:ext>
+            </a:extLst>
+          </p:cNvPr>
+          <p:cNvPicPr>
+            <a:picLocks noGrp="1" noChangeAspect="1"/>
+          </p:cNvPicPr>
+          <p:nvPr>
+            <p:ph idx="1"/>
+          </p:nvPr>
+        </p:nvPicPr>
+        <p:blipFill>
+          <a:blip r:embed="rId2"/>
+          <a:stretch>
+            <a:fillRect/>
+          </a:stretch>
+        </p:blipFill>
+        <p:spPr>
+          <a:xfrm>
+            <a:off x="1554023" y="1825625"/>
+            <a:ext cx="9083954" cy="4351338"/>
+          </a:xfrm>
+        </p:spPr>
+      </p:pic>
+    </p:spTree>
+    <p:extLst>
+      <p:ext uri="{BB962C8B-B14F-4D97-AF65-F5344CB8AC3E}">
+        <p14:creationId xmlns:p14="http://schemas.microsoft.com/office/powerpoint/2010/main" val="3693007751"/>
+      </p:ext>
+    </p:extLst>
+  </p:cSld>
+  <p:clrMapOvr>
+    <a:masterClrMapping/>
+  </p:clrMapOvr>
+</p:sld>
+</file>
+
+<file path=ppt/slides/slide24.xml><?xml version="1.0" encoding="utf-8"?>
+<p:sld xmlns:a="http://schemas.openxmlformats.org/drawingml/2006/main" xmlns:r="http://schemas.openxmlformats.org/officeDocument/2006/relationships" xmlns:p="http://schemas.openxmlformats.org/presentationml/2006/main">
+  <p:cSld>
+    <p:spTree>
+      <p:nvGrpSpPr>
+        <p:cNvPr id="1" name=""/>
+        <p:cNvGrpSpPr/>
+        <p:nvPr/>
+      </p:nvGrpSpPr>
+      <p:grpSpPr>
+        <a:xfrm>
+          <a:off x="0" y="0"/>
+          <a:ext cx="0" cy="0"/>
+          <a:chOff x="0" y="0"/>
+          <a:chExt cx="0" cy="0"/>
+        </a:xfrm>
+      </p:grpSpPr>
+      <p:sp>
+        <p:nvSpPr>
+          <p:cNvPr id="2" name="Title 1">
+            <a:extLst>
+              <a:ext uri="{FF2B5EF4-FFF2-40B4-BE49-F238E27FC236}">
+                <a16:creationId xmlns:a16="http://schemas.microsoft.com/office/drawing/2014/main" id="{1179AF40-5091-4509-02D7-61C53BC91E8E}"/>
+              </a:ext>
+            </a:extLst>
+          </p:cNvPr>
+          <p:cNvSpPr>
+            <a:spLocks noGrp="1"/>
+          </p:cNvSpPr>
+          <p:nvPr>
+            <p:ph type="title"/>
+          </p:nvPr>
+        </p:nvSpPr>
+        <p:spPr/>
+        <p:txBody>
+          <a:bodyPr/>
+          <a:lstStyle/>
+          <a:p>
+            <a:endParaRPr lang="en-US"/>
+          </a:p>
+        </p:txBody>
+      </p:sp>
+      <p:pic>
+        <p:nvPicPr>
+          <p:cNvPr id="5" name="Content Placeholder 4">
+            <a:extLst>
+              <a:ext uri="{FF2B5EF4-FFF2-40B4-BE49-F238E27FC236}">
+                <a16:creationId xmlns:a16="http://schemas.microsoft.com/office/drawing/2014/main" id="{B14E59C9-3856-DE90-F700-3CF20BDDC435}"/>
+              </a:ext>
+            </a:extLst>
+          </p:cNvPr>
+          <p:cNvPicPr>
+            <a:picLocks noGrp="1" noChangeAspect="1"/>
+          </p:cNvPicPr>
+          <p:nvPr>
+            <p:ph idx="1"/>
+          </p:nvPr>
+        </p:nvPicPr>
+        <p:blipFill>
+          <a:blip r:embed="rId2"/>
+          <a:stretch>
+            <a:fillRect/>
+          </a:stretch>
+        </p:blipFill>
+        <p:spPr>
+          <a:xfrm>
+            <a:off x="3023759" y="3648820"/>
+            <a:ext cx="6144482" cy="704948"/>
+          </a:xfrm>
+        </p:spPr>
+      </p:pic>
+    </p:spTree>
+    <p:extLst>
+      <p:ext uri="{BB962C8B-B14F-4D97-AF65-F5344CB8AC3E}">
+        <p14:creationId xmlns:p14="http://schemas.microsoft.com/office/powerpoint/2010/main" val="1533003074"/>
+      </p:ext>
+    </p:extLst>
+  </p:cSld>
+  <p:clrMapOvr>
+    <a:masterClrMapping/>
+  </p:clrMapOvr>
+</p:sld>
+</file>
+
+<file path=ppt/slides/slide25.xml><?xml version="1.0" encoding="utf-8"?>
+<p:sld xmlns:a="http://schemas.openxmlformats.org/drawingml/2006/main" xmlns:r="http://schemas.openxmlformats.org/officeDocument/2006/relationships" xmlns:p="http://schemas.openxmlformats.org/presentationml/2006/main">
+  <p:cSld>
+    <p:spTree>
+      <p:nvGrpSpPr>
+        <p:cNvPr id="1" name=""/>
+        <p:cNvGrpSpPr/>
+        <p:nvPr/>
+      </p:nvGrpSpPr>
+      <p:grpSpPr>
+        <a:xfrm>
+          <a:off x="0" y="0"/>
+          <a:ext cx="0" cy="0"/>
+          <a:chOff x="0" y="0"/>
+          <a:chExt cx="0" cy="0"/>
+        </a:xfrm>
+      </p:grpSpPr>
+      <p:sp>
+        <p:nvSpPr>
+          <p:cNvPr id="2" name="Title 1">
+            <a:extLst>
+              <a:ext uri="{FF2B5EF4-FFF2-40B4-BE49-F238E27FC236}">
+                <a16:creationId xmlns:a16="http://schemas.microsoft.com/office/drawing/2014/main" id="{B6B6598F-196D-DA82-3B2D-E4CA64992D96}"/>
+              </a:ext>
+            </a:extLst>
+          </p:cNvPr>
+          <p:cNvSpPr>
+            <a:spLocks noGrp="1"/>
+          </p:cNvSpPr>
+          <p:nvPr>
+            <p:ph type="title"/>
+          </p:nvPr>
+        </p:nvSpPr>
+        <p:spPr/>
+        <p:txBody>
+          <a:bodyPr/>
+          <a:lstStyle/>
+          <a:p>
+            <a:endParaRPr lang="en-US"/>
+          </a:p>
+        </p:txBody>
+      </p:sp>
+      <p:pic>
+        <p:nvPicPr>
+          <p:cNvPr id="5" name="Content Placeholder 4">
+            <a:extLst>
+              <a:ext uri="{FF2B5EF4-FFF2-40B4-BE49-F238E27FC236}">
+                <a16:creationId xmlns:a16="http://schemas.microsoft.com/office/drawing/2014/main" id="{1AB9EE5E-BBB0-9DCD-3B90-06F443D7F49E}"/>
+              </a:ext>
+            </a:extLst>
+          </p:cNvPr>
+          <p:cNvPicPr>
+            <a:picLocks noGrp="1" noChangeAspect="1"/>
+          </p:cNvPicPr>
+          <p:nvPr>
+            <p:ph idx="1"/>
+          </p:nvPr>
+        </p:nvPicPr>
+        <p:blipFill>
+          <a:blip r:embed="rId2"/>
+          <a:stretch>
+            <a:fillRect/>
+          </a:stretch>
+        </p:blipFill>
+        <p:spPr>
+          <a:xfrm>
+            <a:off x="2254001" y="1825625"/>
+            <a:ext cx="7683998" cy="4351338"/>
+          </a:xfrm>
+        </p:spPr>
+      </p:pic>
+    </p:spTree>
+    <p:extLst>
+      <p:ext uri="{BB962C8B-B14F-4D97-AF65-F5344CB8AC3E}">
+        <p14:creationId xmlns:p14="http://schemas.microsoft.com/office/powerpoint/2010/main" val="3000088049"/>
+      </p:ext>
+    </p:extLst>
+  </p:cSld>
+  <p:clrMapOvr>
+    <a:masterClrMapping/>
+  </p:clrMapOvr>
+</p:sld>
+</file>
+
+<file path=ppt/slides/slide26.xml><?xml version="1.0" encoding="utf-8"?>
+<p:sld xmlns:a="http://schemas.openxmlformats.org/drawingml/2006/main" xmlns:r="http://schemas.openxmlformats.org/officeDocument/2006/relationships" xmlns:p="http://schemas.openxmlformats.org/presentationml/2006/main">
+  <p:cSld>
+    <p:spTree>
+      <p:nvGrpSpPr>
+        <p:cNvPr id="1" name=""/>
+        <p:cNvGrpSpPr/>
+        <p:nvPr/>
+      </p:nvGrpSpPr>
+      <p:grpSpPr>
+        <a:xfrm>
+          <a:off x="0" y="0"/>
+          <a:ext cx="0" cy="0"/>
+          <a:chOff x="0" y="0"/>
+          <a:chExt cx="0" cy="0"/>
+        </a:xfrm>
+      </p:grpSpPr>
+      <p:sp>
+        <p:nvSpPr>
+          <p:cNvPr id="2" name="Title 1">
+            <a:extLst>
+              <a:ext uri="{FF2B5EF4-FFF2-40B4-BE49-F238E27FC236}">
+                <a16:creationId xmlns:a16="http://schemas.microsoft.com/office/drawing/2014/main" id="{EE0FC792-9B7D-70E2-74CC-41A5D96BACFF}"/>
+              </a:ext>
+            </a:extLst>
+          </p:cNvPr>
+          <p:cNvSpPr>
+            <a:spLocks noGrp="1"/>
+          </p:cNvSpPr>
+          <p:nvPr>
+            <p:ph type="title"/>
+          </p:nvPr>
+        </p:nvSpPr>
+        <p:spPr/>
+        <p:txBody>
+          <a:bodyPr/>
+          <a:lstStyle/>
+          <a:p>
+            <a:r>
+              <a:rPr lang="en-US" dirty="0"/>
+              <a:t>How Temperature Affects Coulomb Counting</a:t>
+            </a:r>
+          </a:p>
+        </p:txBody>
+      </p:sp>
+      <p:sp>
+        <p:nvSpPr>
+          <p:cNvPr id="3" name="Content Placeholder 2">
+            <a:extLst>
+              <a:ext uri="{FF2B5EF4-FFF2-40B4-BE49-F238E27FC236}">
+                <a16:creationId xmlns:a16="http://schemas.microsoft.com/office/drawing/2014/main" id="{0D5BAD58-986D-4222-35B5-11864A8010DD}"/>
+              </a:ext>
+            </a:extLst>
+          </p:cNvPr>
+          <p:cNvSpPr>
+            <a:spLocks noGrp="1"/>
+          </p:cNvSpPr>
+          <p:nvPr>
+            <p:ph idx="1"/>
+          </p:nvPr>
+        </p:nvSpPr>
+        <p:spPr/>
+        <p:txBody>
+          <a:bodyPr>
+            <a:normAutofit fontScale="70000" lnSpcReduction="20000"/>
+          </a:bodyPr>
+          <a:lstStyle/>
+          <a:p>
+            <a:pPr>
+              <a:buNone/>
+            </a:pPr>
+            <a:r>
+              <a:rPr lang="en-US" b="1" dirty="0"/>
+              <a:t>a. Battery Capacity Is Temperature-Dependent</a:t>
+            </a:r>
+          </a:p>
+          <a:p>
+            <a:pPr>
+              <a:buNone/>
+            </a:pPr>
+            <a:r>
+              <a:rPr lang="en-US" dirty="0"/>
+              <a:t>Battery capacity CCC </a:t>
+            </a:r>
+            <a:r>
+              <a:rPr lang="en-US" b="1" dirty="0"/>
+              <a:t>decreases at low temperatures</a:t>
+            </a:r>
+            <a:r>
+              <a:rPr lang="en-US" dirty="0"/>
+              <a:t> because:</a:t>
+            </a:r>
+          </a:p>
+          <a:p>
+            <a:pPr>
+              <a:buFont typeface="Arial" panose="020B0604020202020204" pitchFamily="34" charset="0"/>
+              <a:buChar char="•"/>
+            </a:pPr>
+            <a:r>
+              <a:rPr lang="en-US" dirty="0"/>
+              <a:t>Electrochemical reactions slow down</a:t>
+            </a:r>
+          </a:p>
+          <a:p>
+            <a:pPr>
+              <a:buFont typeface="Arial" panose="020B0604020202020204" pitchFamily="34" charset="0"/>
+              <a:buChar char="•"/>
+            </a:pPr>
+            <a:r>
+              <a:rPr lang="en-US" dirty="0"/>
+              <a:t>Internal resistance increases</a:t>
+            </a:r>
+          </a:p>
+          <a:p>
+            <a:pPr>
+              <a:buFont typeface="Arial" panose="020B0604020202020204" pitchFamily="34" charset="0"/>
+              <a:buChar char="•"/>
+            </a:pPr>
+            <a:r>
+              <a:rPr lang="en-US" dirty="0"/>
+              <a:t>Some capacity becomes inaccessible</a:t>
+            </a:r>
+          </a:p>
+          <a:p>
+            <a:pPr>
+              <a:buNone/>
+            </a:pPr>
+            <a:r>
+              <a:rPr lang="en-US" b="1" dirty="0"/>
+              <a:t>Example:</a:t>
+            </a:r>
+          </a:p>
+          <a:p>
+            <a:pPr>
+              <a:buNone/>
+            </a:pPr>
+            <a:br>
+              <a:rPr lang="en-US" dirty="0"/>
+            </a:br>
+            <a:r>
+              <a:rPr lang="en-US" dirty="0"/>
+              <a:t>A 100Ah battery might only deliver ~80Ah at -10°C.</a:t>
+            </a:r>
+          </a:p>
+          <a:p>
+            <a:pPr>
+              <a:buNone/>
+            </a:pPr>
+            <a:r>
+              <a:rPr lang="en-US" dirty="0"/>
+              <a:t>➡️ </a:t>
+            </a:r>
+            <a:r>
+              <a:rPr lang="en-US" b="1" dirty="0"/>
+              <a:t>Coulomb counting will overestimate SoC at low temps</a:t>
+            </a:r>
+            <a:r>
+              <a:rPr lang="en-US" dirty="0"/>
+              <a:t>, since it assumes a fixed 100Ah.</a:t>
+            </a:r>
+          </a:p>
+          <a:p>
+            <a:pPr>
+              <a:buNone/>
+            </a:pPr>
+            <a:r>
+              <a:rPr lang="en-US" b="1" dirty="0"/>
+              <a:t>b. Current Sensor Drift</a:t>
+            </a:r>
+          </a:p>
+          <a:p>
+            <a:pPr>
+              <a:buNone/>
+            </a:pPr>
+            <a:r>
+              <a:rPr lang="en-US" dirty="0"/>
+              <a:t>Shunt-based or Hall-effect current sensors can </a:t>
+            </a:r>
+            <a:r>
+              <a:rPr lang="en-US" b="1" dirty="0"/>
+              <a:t>drift with temperature</a:t>
+            </a:r>
+            <a:r>
+              <a:rPr lang="en-US" dirty="0"/>
+              <a:t>, leading to:</a:t>
+            </a:r>
+          </a:p>
+          <a:p>
+            <a:pPr>
+              <a:buFont typeface="Arial" panose="020B0604020202020204" pitchFamily="34" charset="0"/>
+              <a:buChar char="•"/>
+            </a:pPr>
+            <a:r>
+              <a:rPr lang="en-US" dirty="0"/>
+              <a:t>Small, systematic errors in current</a:t>
+            </a:r>
+          </a:p>
+          <a:p>
+            <a:pPr>
+              <a:buFont typeface="Arial" panose="020B0604020202020204" pitchFamily="34" charset="0"/>
+              <a:buChar char="•"/>
+            </a:pPr>
+            <a:r>
+              <a:rPr lang="en-US" dirty="0"/>
+              <a:t>Which accumulate into significant SoC errors over time</a:t>
+            </a:r>
+          </a:p>
+          <a:p>
+            <a:endParaRPr lang="en-US" dirty="0"/>
+          </a:p>
+        </p:txBody>
+      </p:sp>
+    </p:spTree>
+    <p:extLst>
+      <p:ext uri="{BB962C8B-B14F-4D97-AF65-F5344CB8AC3E}">
+        <p14:creationId xmlns:p14="http://schemas.microsoft.com/office/powerpoint/2010/main" val="3469203869"/>
+      </p:ext>
+    </p:extLst>
+  </p:cSld>
+  <p:clrMapOvr>
+    <a:masterClrMapping/>
+  </p:clrMapOvr>
+</p:sld>
+</file>
+
+<file path=ppt/slides/slide27.xml><?xml version="1.0" encoding="utf-8"?>
+<p:sld xmlns:a="http://schemas.openxmlformats.org/drawingml/2006/main" xmlns:r="http://schemas.openxmlformats.org/officeDocument/2006/relationships" xmlns:p="http://schemas.openxmlformats.org/presentationml/2006/main">
+  <p:cSld>
+    <p:spTree>
+      <p:nvGrpSpPr>
+        <p:cNvPr id="1" name=""/>
+        <p:cNvGrpSpPr/>
+        <p:nvPr/>
+      </p:nvGrpSpPr>
+      <p:grpSpPr>
+        <a:xfrm>
+          <a:off x="0" y="0"/>
+          <a:ext cx="0" cy="0"/>
+          <a:chOff x="0" y="0"/>
+          <a:chExt cx="0" cy="0"/>
+        </a:xfrm>
+      </p:grpSpPr>
+      <p:sp>
+        <p:nvSpPr>
+          <p:cNvPr id="2" name="Title 1">
+            <a:extLst>
+              <a:ext uri="{FF2B5EF4-FFF2-40B4-BE49-F238E27FC236}">
+                <a16:creationId xmlns:a16="http://schemas.microsoft.com/office/drawing/2014/main" id="{BCEC5F80-1865-53A0-4343-9EA320472DDC}"/>
+              </a:ext>
+            </a:extLst>
+          </p:cNvPr>
+          <p:cNvSpPr>
+            <a:spLocks noGrp="1"/>
+          </p:cNvSpPr>
+          <p:nvPr>
+            <p:ph type="title"/>
+          </p:nvPr>
+        </p:nvSpPr>
+        <p:spPr/>
+        <p:txBody>
+          <a:bodyPr/>
+          <a:lstStyle/>
+          <a:p>
+            <a:endParaRPr lang="en-US"/>
+          </a:p>
+        </p:txBody>
+      </p:sp>
+      <p:sp>
+        <p:nvSpPr>
+          <p:cNvPr id="3" name="Content Placeholder 2">
+            <a:extLst>
+              <a:ext uri="{FF2B5EF4-FFF2-40B4-BE49-F238E27FC236}">
+                <a16:creationId xmlns:a16="http://schemas.microsoft.com/office/drawing/2014/main" id="{600118F4-D6BC-A227-6821-B6011CD4E223}"/>
+              </a:ext>
+            </a:extLst>
+          </p:cNvPr>
+          <p:cNvSpPr>
+            <a:spLocks noGrp="1"/>
+          </p:cNvSpPr>
+          <p:nvPr>
+            <p:ph idx="1"/>
+          </p:nvPr>
+        </p:nvSpPr>
+        <p:spPr/>
+        <p:txBody>
+          <a:bodyPr>
+            <a:normAutofit fontScale="92500" lnSpcReduction="20000"/>
+          </a:bodyPr>
+          <a:lstStyle/>
+          <a:p>
+            <a:pPr>
+              <a:buNone/>
+            </a:pPr>
+            <a:r>
+              <a:rPr lang="en-US" dirty="0"/>
+              <a:t>➡️ </a:t>
+            </a:r>
+            <a:r>
+              <a:rPr lang="en-US" b="1" dirty="0"/>
+              <a:t>Thermal compensation</a:t>
+            </a:r>
+            <a:r>
+              <a:rPr lang="en-US" dirty="0"/>
+              <a:t> is often needed in sensor electronics.</a:t>
+            </a:r>
+          </a:p>
+          <a:p>
+            <a:pPr>
+              <a:buNone/>
+            </a:pPr>
+            <a:r>
+              <a:rPr lang="en-US" b="1" dirty="0"/>
+              <a:t>c. Self-Discharge and Parasitic Losses</a:t>
+            </a:r>
+          </a:p>
+          <a:p>
+            <a:pPr>
+              <a:buNone/>
+            </a:pPr>
+            <a:r>
+              <a:rPr lang="en-US" dirty="0"/>
+              <a:t>These increase with temperature:</a:t>
+            </a:r>
+          </a:p>
+          <a:p>
+            <a:pPr>
+              <a:buFont typeface="Arial" panose="020B0604020202020204" pitchFamily="34" charset="0"/>
+              <a:buChar char="•"/>
+            </a:pPr>
+            <a:r>
+              <a:rPr lang="en-US" dirty="0"/>
+              <a:t>Coulomb counting doesn't track self-discharge</a:t>
+            </a:r>
+          </a:p>
+          <a:p>
+            <a:pPr>
+              <a:buFont typeface="Arial" panose="020B0604020202020204" pitchFamily="34" charset="0"/>
+              <a:buChar char="•"/>
+            </a:pPr>
+            <a:r>
+              <a:rPr lang="en-US" dirty="0"/>
+              <a:t>High temperatures make this worse</a:t>
+            </a:r>
+          </a:p>
+          <a:p>
+            <a:pPr>
+              <a:buNone/>
+            </a:pPr>
+            <a:r>
+              <a:rPr lang="en-US" dirty="0"/>
+              <a:t>➡️ Coulomb counting </a:t>
+            </a:r>
+            <a:r>
+              <a:rPr lang="en-US" b="1" dirty="0"/>
+              <a:t>underestimates</a:t>
+            </a:r>
+            <a:r>
+              <a:rPr lang="en-US" dirty="0"/>
+              <a:t> SoC at high temps if not corrected.</a:t>
+            </a:r>
+          </a:p>
+          <a:p>
+            <a:pPr>
+              <a:buNone/>
+            </a:pPr>
+            <a:r>
+              <a:rPr lang="en-US" b="1" dirty="0"/>
+              <a:t>d. Internal Resistance &amp; </a:t>
+            </a:r>
+            <a:r>
+              <a:rPr lang="en-US" b="1" dirty="0" err="1"/>
+              <a:t>Peukert</a:t>
+            </a:r>
+            <a:r>
+              <a:rPr lang="en-US" b="1" dirty="0"/>
+              <a:t> Effect</a:t>
+            </a:r>
+          </a:p>
+          <a:p>
+            <a:pPr>
+              <a:buNone/>
+            </a:pPr>
+            <a:r>
+              <a:rPr lang="en-US" dirty="0"/>
+              <a:t>Though less significant for simple Coulomb counting:</a:t>
+            </a:r>
+          </a:p>
+          <a:p>
+            <a:pPr>
+              <a:buFont typeface="Arial" panose="020B0604020202020204" pitchFamily="34" charset="0"/>
+              <a:buChar char="•"/>
+            </a:pPr>
+            <a:r>
+              <a:rPr lang="en-US" dirty="0"/>
+              <a:t>Resistance increases at low T</a:t>
+            </a:r>
+          </a:p>
+          <a:p>
+            <a:pPr>
+              <a:buFont typeface="Arial" panose="020B0604020202020204" pitchFamily="34" charset="0"/>
+              <a:buChar char="•"/>
+            </a:pPr>
+            <a:r>
+              <a:rPr lang="en-US" dirty="0"/>
+              <a:t>High internal resistance causes greater power loss</a:t>
+            </a:r>
+          </a:p>
+          <a:p>
+            <a:endParaRPr lang="en-US" dirty="0"/>
+          </a:p>
+        </p:txBody>
+      </p:sp>
+    </p:spTree>
+    <p:extLst>
+      <p:ext uri="{BB962C8B-B14F-4D97-AF65-F5344CB8AC3E}">
+        <p14:creationId xmlns:p14="http://schemas.microsoft.com/office/powerpoint/2010/main" val="3136062850"/>
+      </p:ext>
+    </p:extLst>
+  </p:cSld>
+  <p:clrMapOvr>
+    <a:masterClrMapping/>
+  </p:clrMapOvr>
+</p:sld>
+</file>
+
+<file path=ppt/slides/slide28.xml><?xml version="1.0" encoding="utf-8"?>
+<p:sld xmlns:a="http://schemas.openxmlformats.org/drawingml/2006/main" xmlns:r="http://schemas.openxmlformats.org/officeDocument/2006/relationships" xmlns:p="http://schemas.openxmlformats.org/presentationml/2006/main">
+  <p:cSld>
+    <p:spTree>
+      <p:nvGrpSpPr>
+        <p:cNvPr id="1" name=""/>
+        <p:cNvGrpSpPr/>
+        <p:nvPr/>
+      </p:nvGrpSpPr>
+      <p:grpSpPr>
+        <a:xfrm>
+          <a:off x="0" y="0"/>
+          <a:ext cx="0" cy="0"/>
+          <a:chOff x="0" y="0"/>
+          <a:chExt cx="0" cy="0"/>
+        </a:xfrm>
+      </p:grpSpPr>
+      <p:sp>
+        <p:nvSpPr>
+          <p:cNvPr id="2" name="Title 1">
+            <a:extLst>
+              <a:ext uri="{FF2B5EF4-FFF2-40B4-BE49-F238E27FC236}">
+                <a16:creationId xmlns:a16="http://schemas.microsoft.com/office/drawing/2014/main" id="{D28433DE-6E23-88B9-0E4D-9D59CB77B9BC}"/>
+              </a:ext>
+            </a:extLst>
+          </p:cNvPr>
+          <p:cNvSpPr>
+            <a:spLocks noGrp="1"/>
+          </p:cNvSpPr>
+          <p:nvPr>
+            <p:ph type="title"/>
+          </p:nvPr>
+        </p:nvSpPr>
+        <p:spPr/>
+        <p:txBody>
+          <a:bodyPr/>
+          <a:lstStyle/>
+          <a:p>
+            <a:r>
+              <a:rPr lang="en-US" dirty="0"/>
+              <a:t>Temperature Effects </a:t>
+            </a:r>
+          </a:p>
+        </p:txBody>
+      </p:sp>
+      <p:graphicFrame>
+        <p:nvGraphicFramePr>
+          <p:cNvPr id="4" name="Content Placeholder 3">
+            <a:extLst>
+              <a:ext uri="{FF2B5EF4-FFF2-40B4-BE49-F238E27FC236}">
+                <a16:creationId xmlns:a16="http://schemas.microsoft.com/office/drawing/2014/main" id="{2E1E0223-8C11-8D71-8FAD-E20F99220CFB}"/>
+              </a:ext>
+            </a:extLst>
+          </p:cNvPr>
+          <p:cNvGraphicFramePr>
+            <a:graphicFrameLocks noGrp="1"/>
+          </p:cNvGraphicFramePr>
+          <p:nvPr>
+            <p:ph idx="1"/>
+          </p:nvPr>
+        </p:nvGraphicFramePr>
+        <p:xfrm>
+          <a:off x="838200" y="3452654"/>
+          <a:ext cx="10515600" cy="1097280"/>
+        </p:xfrm>
+        <a:graphic>
+          <a:graphicData uri="http://schemas.openxmlformats.org/drawingml/2006/table">
+            <a:tbl>
+              <a:tblPr/>
+              <a:tblGrid>
+                <a:gridCol w="3505200">
+                  <a:extLst>
+                    <a:ext uri="{9D8B030D-6E8A-4147-A177-3AD203B41FA5}">
+                      <a16:colId xmlns:a16="http://schemas.microsoft.com/office/drawing/2014/main" val="2847452374"/>
+                    </a:ext>
+                  </a:extLst>
+                </a:gridCol>
+                <a:gridCol w="3505200">
+                  <a:extLst>
+                    <a:ext uri="{9D8B030D-6E8A-4147-A177-3AD203B41FA5}">
+                      <a16:colId xmlns:a16="http://schemas.microsoft.com/office/drawing/2014/main" val="3711087263"/>
+                    </a:ext>
+                  </a:extLst>
+                </a:gridCol>
+                <a:gridCol w="3505200">
+                  <a:extLst>
+                    <a:ext uri="{9D8B030D-6E8A-4147-A177-3AD203B41FA5}">
+                      <a16:colId xmlns:a16="http://schemas.microsoft.com/office/drawing/2014/main" val="2007220454"/>
+                    </a:ext>
+                  </a:extLst>
+                </a:gridCol>
+              </a:tblGrid>
+              <a:tr h="0">
+                <a:tc>
+                  <a:txBody>
+                    <a:bodyPr/>
+                    <a:lstStyle/>
+                    <a:p>
+                      <a:r>
+                        <a:rPr lang="en-US"/>
+                        <a:t>Temperature</a:t>
+                      </a:r>
+                    </a:p>
+                  </a:txBody>
+                  <a:tcPr anchor="ctr">
+                    <a:lnL>
+                      <a:noFill/>
+                    </a:lnL>
+                    <a:lnR>
+                      <a:noFill/>
+                    </a:lnR>
+                    <a:lnT>
+                      <a:noFill/>
+                    </a:lnT>
+                    <a:lnB>
+                      <a:noFill/>
+                    </a:lnB>
+                    <a:noFill/>
+                  </a:tcPr>
+                </a:tc>
+                <a:tc>
+                  <a:txBody>
+                    <a:bodyPr/>
+                    <a:lstStyle/>
+                    <a:p>
+                      <a:r>
+                        <a:rPr lang="en-US"/>
+                        <a:t>Capacity Impact</a:t>
+                      </a:r>
+                    </a:p>
+                  </a:txBody>
+                  <a:tcPr anchor="ctr">
+                    <a:lnL>
+                      <a:noFill/>
+                    </a:lnL>
+                    <a:lnR>
+                      <a:noFill/>
+                    </a:lnR>
+                    <a:lnT>
+                      <a:noFill/>
+                    </a:lnT>
+                    <a:lnB>
+                      <a:noFill/>
+                    </a:lnB>
+                    <a:noFill/>
+                  </a:tcPr>
+                </a:tc>
+                <a:tc>
+                  <a:txBody>
+                    <a:bodyPr/>
+                    <a:lstStyle/>
+                    <a:p>
+                      <a:r>
+                        <a:rPr lang="en-US"/>
+                        <a:t>Coulomb Counting Error</a:t>
+                      </a:r>
+                    </a:p>
+                  </a:txBody>
+                  <a:tcPr anchor="ctr">
+                    <a:lnL>
+                      <a:noFill/>
+                    </a:lnL>
+                    <a:lnR>
+                      <a:noFill/>
+                    </a:lnR>
+                    <a:lnT>
+                      <a:noFill/>
+                    </a:lnT>
+                    <a:lnB>
+                      <a:noFill/>
+                    </a:lnB>
+                    <a:noFill/>
+                  </a:tcPr>
+                </a:tc>
+                <a:extLst>
+                  <a:ext uri="{0D108BD9-81ED-4DB2-BD59-A6C34878D82A}">
+                    <a16:rowId xmlns:a16="http://schemas.microsoft.com/office/drawing/2014/main" val="3451597564"/>
+                  </a:ext>
+                </a:extLst>
+              </a:tr>
+              <a:tr h="0">
+                <a:tc>
+                  <a:txBody>
+                    <a:bodyPr/>
+                    <a:lstStyle/>
+                    <a:p>
+                      <a:r>
+                        <a:rPr lang="en-US" b="1"/>
+                        <a:t>Cold (&lt; 10°C)</a:t>
+                      </a:r>
+                      <a:endParaRPr lang="en-US"/>
+                    </a:p>
+                  </a:txBody>
+                  <a:tcPr anchor="ctr">
+                    <a:lnL>
+                      <a:noFill/>
+                    </a:lnL>
+                    <a:lnR>
+                      <a:noFill/>
+                    </a:lnR>
+                    <a:lnT>
+                      <a:noFill/>
+                    </a:lnT>
+                    <a:lnB>
+                      <a:noFill/>
+                    </a:lnB>
+                    <a:noFill/>
+                  </a:tcPr>
+                </a:tc>
+                <a:tc>
+                  <a:txBody>
+                    <a:bodyPr/>
+                    <a:lstStyle/>
+                    <a:p>
+                      <a:r>
+                        <a:rPr lang="en-US"/>
+                        <a:t>↓↓ capacity</a:t>
+                      </a:r>
+                    </a:p>
+                  </a:txBody>
+                  <a:tcPr anchor="ctr">
+                    <a:lnL>
+                      <a:noFill/>
+                    </a:lnL>
+                    <a:lnR>
+                      <a:noFill/>
+                    </a:lnR>
+                    <a:lnT>
+                      <a:noFill/>
+                    </a:lnT>
+                    <a:lnB>
+                      <a:noFill/>
+                    </a:lnB>
+                    <a:noFill/>
+                  </a:tcPr>
+                </a:tc>
+                <a:tc>
+                  <a:txBody>
+                    <a:bodyPr/>
+                    <a:lstStyle/>
+                    <a:p>
+                      <a:r>
+                        <a:rPr lang="en-US" b="1"/>
+                        <a:t>Overestimates SoC</a:t>
+                      </a:r>
+                      <a:endParaRPr lang="en-US"/>
+                    </a:p>
+                  </a:txBody>
+                  <a:tcPr anchor="ctr">
+                    <a:lnL>
+                      <a:noFill/>
+                    </a:lnL>
+                    <a:lnR>
+                      <a:noFill/>
+                    </a:lnR>
+                    <a:lnT>
+                      <a:noFill/>
+                    </a:lnT>
+                    <a:lnB>
+                      <a:noFill/>
+                    </a:lnB>
+                    <a:noFill/>
+                  </a:tcPr>
+                </a:tc>
+                <a:extLst>
+                  <a:ext uri="{0D108BD9-81ED-4DB2-BD59-A6C34878D82A}">
+                    <a16:rowId xmlns:a16="http://schemas.microsoft.com/office/drawing/2014/main" val="1679822818"/>
+                  </a:ext>
+                </a:extLst>
+              </a:tr>
+              <a:tr h="0">
+                <a:tc>
+                  <a:txBody>
+                    <a:bodyPr/>
+                    <a:lstStyle/>
+                    <a:p>
+                      <a:r>
+                        <a:rPr lang="en-US" b="1"/>
+                        <a:t>Hot (&gt; 35°C)</a:t>
+                      </a:r>
+                      <a:endParaRPr lang="en-US"/>
+                    </a:p>
+                  </a:txBody>
+                  <a:tcPr anchor="ctr">
+                    <a:lnL>
+                      <a:noFill/>
+                    </a:lnL>
+                    <a:lnR>
+                      <a:noFill/>
+                    </a:lnR>
+                    <a:lnT>
+                      <a:noFill/>
+                    </a:lnT>
+                    <a:lnB>
+                      <a:noFill/>
+                    </a:lnB>
+                    <a:noFill/>
+                  </a:tcPr>
+                </a:tc>
+                <a:tc>
+                  <a:txBody>
+                    <a:bodyPr/>
+                    <a:lstStyle/>
+                    <a:p>
+                      <a:r>
+                        <a:rPr lang="en-US"/>
+                        <a:t>Minor ↓ capacity; ↑ self-discharge</a:t>
+                      </a:r>
+                    </a:p>
+                  </a:txBody>
+                  <a:tcPr anchor="ctr">
+                    <a:lnL>
+                      <a:noFill/>
+                    </a:lnL>
+                    <a:lnR>
+                      <a:noFill/>
+                    </a:lnR>
+                    <a:lnT>
+                      <a:noFill/>
+                    </a:lnT>
+                    <a:lnB>
+                      <a:noFill/>
+                    </a:lnB>
+                    <a:noFill/>
+                  </a:tcPr>
+                </a:tc>
+                <a:tc>
+                  <a:txBody>
+                    <a:bodyPr/>
+                    <a:lstStyle/>
+                    <a:p>
+                      <a:r>
+                        <a:rPr lang="en-US" b="1" dirty="0"/>
+                        <a:t>Underestimates SoC (slowly)</a:t>
+                      </a:r>
+                      <a:endParaRPr lang="en-US" dirty="0"/>
+                    </a:p>
+                  </a:txBody>
+                  <a:tcPr anchor="ctr">
+                    <a:lnL>
+                      <a:noFill/>
+                    </a:lnL>
+                    <a:lnR>
+                      <a:noFill/>
+                    </a:lnR>
+                    <a:lnT>
+                      <a:noFill/>
+                    </a:lnT>
+                    <a:lnB>
+                      <a:noFill/>
+                    </a:lnB>
+                    <a:noFill/>
+                  </a:tcPr>
+                </a:tc>
+                <a:extLst>
+                  <a:ext uri="{0D108BD9-81ED-4DB2-BD59-A6C34878D82A}">
+                    <a16:rowId xmlns:a16="http://schemas.microsoft.com/office/drawing/2014/main" val="3962592130"/>
+                  </a:ext>
+                </a:extLst>
+              </a:tr>
+            </a:tbl>
+          </a:graphicData>
+        </a:graphic>
+      </p:graphicFrame>
+    </p:spTree>
+    <p:extLst>
+      <p:ext uri="{BB962C8B-B14F-4D97-AF65-F5344CB8AC3E}">
+        <p14:creationId xmlns:p14="http://schemas.microsoft.com/office/powerpoint/2010/main" val="3613386536"/>
+      </p:ext>
+    </p:extLst>
+  </p:cSld>
+  <p:clrMapOvr>
+    <a:masterClrMapping/>
+  </p:clrMapOvr>
+</p:sld>
+</file>
+
+<file path=ppt/slides/slide29.xml><?xml version="1.0" encoding="utf-8"?>
+<p:sld xmlns:a="http://schemas.openxmlformats.org/drawingml/2006/main" xmlns:r="http://schemas.openxmlformats.org/officeDocument/2006/relationships" xmlns:p="http://schemas.openxmlformats.org/presentationml/2006/main">
+  <p:cSld>
+    <p:spTree>
+      <p:nvGrpSpPr>
+        <p:cNvPr id="1" name=""/>
+        <p:cNvGrpSpPr/>
+        <p:nvPr/>
+      </p:nvGrpSpPr>
+      <p:grpSpPr>
+        <a:xfrm>
+          <a:off x="0" y="0"/>
+          <a:ext cx="0" cy="0"/>
+          <a:chOff x="0" y="0"/>
+          <a:chExt cx="0" cy="0"/>
+        </a:xfrm>
+      </p:grpSpPr>
+      <p:sp>
+        <p:nvSpPr>
+          <p:cNvPr id="2" name="Title 1">
+            <a:extLst>
+              <a:ext uri="{FF2B5EF4-FFF2-40B4-BE49-F238E27FC236}">
+                <a16:creationId xmlns:a16="http://schemas.microsoft.com/office/drawing/2014/main" id="{FB1AA91C-6E33-4F9D-18E2-9580A4054F94}"/>
+              </a:ext>
+            </a:extLst>
+          </p:cNvPr>
+          <p:cNvSpPr>
+            <a:spLocks noGrp="1"/>
+          </p:cNvSpPr>
+          <p:nvPr>
+            <p:ph type="title"/>
+          </p:nvPr>
+        </p:nvSpPr>
+        <p:spPr/>
+        <p:txBody>
+          <a:bodyPr/>
+          <a:lstStyle/>
+          <a:p>
+            <a:r>
+              <a:rPr lang="en-US" b="1" dirty="0"/>
+              <a:t>How to Improve Accuracy</a:t>
+            </a:r>
+            <a:endParaRPr lang="en-US" dirty="0"/>
+          </a:p>
+        </p:txBody>
+      </p:sp>
+      <mc:AlternateContent xmlns:mc="http://schemas.openxmlformats.org/markup-compatibility/2006">
+        <mc:Choice xmlns:a14="http://schemas.microsoft.com/office/drawing/2010/main" Requires="a14">
+          <p:sp>
+            <p:nvSpPr>
+              <p:cNvPr id="3" name="Content Placeholder 2">
+                <a:extLst>
+                  <a:ext uri="{FF2B5EF4-FFF2-40B4-BE49-F238E27FC236}">
+                    <a16:creationId xmlns:a16="http://schemas.microsoft.com/office/drawing/2014/main" id="{BCECF709-04B4-67C2-8BD9-8CFC163797D6}"/>
+                  </a:ext>
+                </a:extLst>
+              </p:cNvPr>
+              <p:cNvSpPr>
+                <a:spLocks noGrp="1"/>
+              </p:cNvSpPr>
+              <p:nvPr>
+                <p:ph idx="1"/>
+              </p:nvPr>
+            </p:nvSpPr>
+            <p:spPr/>
+            <p:txBody>
+              <a:bodyPr>
+                <a:normAutofit/>
+              </a:bodyPr>
+              <a:lstStyle/>
+              <a:p>
+                <a:pPr>
+                  <a:buFont typeface="+mj-lt"/>
+                  <a:buAutoNum type="arabicPeriod"/>
+                </a:pPr>
+                <a:r>
+                  <a:rPr lang="en-US" b="1" dirty="0"/>
+                  <a:t>Use a Temperature-Compensated Capacity</a:t>
+                </a:r>
+                <a:r>
+                  <a:rPr lang="en-US" dirty="0"/>
+                  <a:t>:</a:t>
+                </a:r>
+              </a:p>
+              <a:p>
+                <a:pPr marL="0" indent="0">
+                  <a:buNone/>
+                </a:pPr>
+                <a14:m>
+                  <m:oMathPara xmlns:m="http://schemas.openxmlformats.org/officeDocument/2006/math">
+                    <m:oMathParaPr>
+                      <m:jc m:val="centerGroup"/>
+                    </m:oMathParaPr>
+                    <m:oMath xmlns:m="http://schemas.openxmlformats.org/officeDocument/2006/math">
+                      <m:r>
+                        <a:rPr lang="en-US" i="1" dirty="0" smtClean="0">
+                          <a:latin typeface="Cambria Math" panose="02040503050406030204" pitchFamily="18" charset="0"/>
+                        </a:rPr>
+                        <m:t>𝐶</m:t>
+                      </m:r>
+                      <m:r>
+                        <a:rPr lang="en-US" i="1" dirty="0" smtClean="0">
+                          <a:latin typeface="Cambria Math" panose="02040503050406030204" pitchFamily="18" charset="0"/>
+                        </a:rPr>
+                        <m:t>(</m:t>
+                      </m:r>
+                      <m:r>
+                        <a:rPr lang="en-US" i="1" dirty="0" smtClean="0">
+                          <a:latin typeface="Cambria Math" panose="02040503050406030204" pitchFamily="18" charset="0"/>
+                        </a:rPr>
+                        <m:t>𝑇</m:t>
+                      </m:r>
+                      <m:r>
+                        <a:rPr lang="en-US" i="1" dirty="0" smtClean="0">
+                          <a:latin typeface="Cambria Math" panose="02040503050406030204" pitchFamily="18" charset="0"/>
+                        </a:rPr>
+                        <m:t>)=</m:t>
+                      </m:r>
+                      <m:sSub>
+                        <m:sSubPr>
+                          <m:ctrlPr>
+                            <a:rPr lang="en-US" b="0" i="1" dirty="0" smtClean="0">
+                              <a:latin typeface="Cambria Math" panose="02040503050406030204" pitchFamily="18" charset="0"/>
+                            </a:rPr>
+                          </m:ctrlPr>
+                        </m:sSubPr>
+                        <m:e>
+                          <m:r>
+                            <a:rPr lang="en-US" i="1" dirty="0" err="1" smtClean="0">
+                              <a:latin typeface="Cambria Math" panose="02040503050406030204" pitchFamily="18" charset="0"/>
+                            </a:rPr>
+                            <m:t>𝐶</m:t>
+                          </m:r>
+                        </m:e>
+                        <m:sub>
+                          <m:r>
+                            <a:rPr lang="en-US" b="0" i="1" dirty="0" smtClean="0">
+                              <a:latin typeface="Cambria Math" panose="02040503050406030204" pitchFamily="18" charset="0"/>
+                            </a:rPr>
+                            <m:t>𝑟𝑎𝑡𝑒𝑑</m:t>
+                          </m:r>
+                        </m:sub>
+                      </m:sSub>
+                      <m:r>
+                        <a:rPr lang="en-US" i="1" dirty="0" err="1" smtClean="0">
+                          <a:latin typeface="Cambria Math" panose="02040503050406030204" pitchFamily="18" charset="0"/>
+                        </a:rPr>
+                        <m:t>⋅</m:t>
+                      </m:r>
+                      <m:r>
+                        <a:rPr lang="en-US" i="1" dirty="0" err="1" smtClean="0">
+                          <a:latin typeface="Cambria Math" panose="02040503050406030204" pitchFamily="18" charset="0"/>
+                        </a:rPr>
+                        <m:t>𝑓</m:t>
+                      </m:r>
+                      <m:r>
+                        <a:rPr lang="en-US" i="1" dirty="0" smtClean="0">
+                          <a:latin typeface="Cambria Math" panose="02040503050406030204" pitchFamily="18" charset="0"/>
+                        </a:rPr>
+                        <m:t>(</m:t>
+                      </m:r>
+                      <m:r>
+                        <a:rPr lang="en-US" i="1" dirty="0" smtClean="0">
+                          <a:latin typeface="Cambria Math" panose="02040503050406030204" pitchFamily="18" charset="0"/>
+                        </a:rPr>
+                        <m:t>𝑇</m:t>
+                      </m:r>
+                      <m:r>
+                        <a:rPr lang="en-US" i="1" dirty="0" smtClean="0">
+                          <a:latin typeface="Cambria Math" panose="02040503050406030204" pitchFamily="18" charset="0"/>
+                        </a:rPr>
+                        <m:t>)</m:t>
+                      </m:r>
+                    </m:oMath>
+                  </m:oMathPara>
+                </a14:m>
+                <a:endParaRPr lang="en-US" dirty="0"/>
+              </a:p>
+              <a:p>
+                <a:pPr marL="0" indent="0">
+                  <a:buNone/>
+                </a:pPr>
+                <a:r>
+                  <a:rPr lang="en-US" dirty="0"/>
+                  <a:t>where </a:t>
+                </a:r>
+                <a14:m>
+                  <m:oMath xmlns:m="http://schemas.openxmlformats.org/officeDocument/2006/math">
+                    <m:r>
+                      <a:rPr lang="en-US" i="1" dirty="0" smtClean="0">
+                        <a:latin typeface="Cambria Math" panose="02040503050406030204" pitchFamily="18" charset="0"/>
+                      </a:rPr>
+                      <m:t>𝑓</m:t>
+                    </m:r>
+                    <m:d>
+                      <m:dPr>
+                        <m:ctrlPr>
+                          <a:rPr lang="en-US" i="1" dirty="0" smtClean="0">
+                            <a:latin typeface="Cambria Math" panose="02040503050406030204" pitchFamily="18" charset="0"/>
+                          </a:rPr>
+                        </m:ctrlPr>
+                      </m:dPr>
+                      <m:e>
+                        <m:r>
+                          <a:rPr lang="en-US" i="1" dirty="0" smtClean="0">
+                            <a:latin typeface="Cambria Math" panose="02040503050406030204" pitchFamily="18" charset="0"/>
+                          </a:rPr>
+                          <m:t>𝑇</m:t>
+                        </m:r>
+                      </m:e>
+                    </m:d>
+                  </m:oMath>
+                </a14:m>
+                <a:r>
+                  <a:rPr lang="en-US" dirty="0"/>
+                  <a:t> is a correction factor from testing or datasheets.</a:t>
+                </a:r>
+              </a:p>
+              <a:p>
+                <a:pPr marL="0" indent="0">
+                  <a:buNone/>
+                </a:pPr>
+                <a:r>
+                  <a:rPr lang="en-US" b="1" dirty="0"/>
+                  <a:t>Temperature-Compensated Current Sensing</a:t>
+                </a:r>
+                <a:r>
+                  <a:rPr lang="en-US" dirty="0"/>
+                  <a:t>:</a:t>
+                </a:r>
+              </a:p>
+              <a:p>
+                <a:pPr marL="742950" lvl="1" indent="-285750">
+                  <a:buFont typeface="+mj-lt"/>
+                  <a:buAutoNum type="arabicPeriod"/>
+                </a:pPr>
+                <a:r>
+                  <a:rPr lang="en-US" dirty="0"/>
+                  <a:t>Calibrate or use ICs with internal compensation (e.g., INA219/INA226).</a:t>
+                </a:r>
+              </a:p>
+              <a:p>
+                <a:pPr marL="742950" lvl="1" indent="-285750">
+                  <a:buFont typeface="+mj-lt"/>
+                  <a:buAutoNum type="arabicPeriod"/>
+                </a:pPr>
+                <a:r>
+                  <a:rPr lang="en-US" dirty="0"/>
+                  <a:t>Apply digital corrections.</a:t>
+                </a:r>
+              </a:p>
+              <a:p>
+                <a:pPr marL="0" indent="0">
+                  <a:buNone/>
+                </a:pPr>
+                <a:r>
+                  <a:rPr lang="en-US" b="1" dirty="0"/>
+                  <a:t>Fuse with OCV method </a:t>
+                </a:r>
+              </a:p>
+              <a:p>
+                <a:pPr marL="0" indent="0">
+                  <a:buNone/>
+                </a:pPr>
+                <a:r>
+                  <a:rPr lang="en-US" dirty="0"/>
+                  <a:t>	Use </a:t>
+                </a:r>
+                <a:r>
+                  <a:rPr lang="en-US" b="1" dirty="0"/>
+                  <a:t>OCV </a:t>
+                </a:r>
+                <a:r>
+                  <a:rPr lang="en-US" dirty="0"/>
+                  <a:t>to merge Coulomb counting and voltage at rest.</a:t>
+                </a:r>
+              </a:p>
+              <a:p>
+                <a:endParaRPr lang="en-US" dirty="0"/>
+              </a:p>
+            </p:txBody>
+          </p:sp>
+        </mc:Choice>
+        <mc:Fallback>
+          <p:sp>
+            <p:nvSpPr>
+              <p:cNvPr id="3" name="Content Placeholder 2">
+                <a:extLst>
+                  <a:ext uri="{FF2B5EF4-FFF2-40B4-BE49-F238E27FC236}">
+                    <a16:creationId xmlns:a16="http://schemas.microsoft.com/office/drawing/2014/main" id="{BCECF709-04B4-67C2-8BD9-8CFC163797D6}"/>
+                  </a:ext>
+                </a:extLst>
+              </p:cNvPr>
+              <p:cNvSpPr>
+                <a:spLocks noGrp="1" noRot="1" noChangeAspect="1" noMove="1" noResize="1" noEditPoints="1" noAdjustHandles="1" noChangeArrowheads="1" noChangeShapeType="1" noTextEdit="1"/>
+              </p:cNvSpPr>
+              <p:nvPr>
+                <p:ph idx="1"/>
+              </p:nvPr>
+            </p:nvSpPr>
+            <p:spPr>
+              <a:blipFill>
+                <a:blip r:embed="rId2"/>
+                <a:stretch>
+                  <a:fillRect l="-1217" t="-2381"/>
+                </a:stretch>
+              </a:blipFill>
+            </p:spPr>
+            <p:txBody>
+              <a:bodyPr/>
+              <a:lstStyle/>
+              <a:p>
+                <a:r>
+                  <a:rPr lang="en-US">
+                    <a:noFill/>
+                  </a:rPr>
+                  <a:t> </a:t>
+                </a:r>
+              </a:p>
+            </p:txBody>
+          </p:sp>
+        </mc:Fallback>
+      </mc:AlternateContent>
+    </p:spTree>
+    <p:extLst>
+      <p:ext uri="{BB962C8B-B14F-4D97-AF65-F5344CB8AC3E}">
+        <p14:creationId xmlns:p14="http://schemas.microsoft.com/office/powerpoint/2010/main" val="420355477"/>
+      </p:ext>
+    </p:extLst>
+  </p:cSld>
+  <p:clrMapOvr>
+    <a:masterClrMapping/>
+  </p:clrMapOvr>
+</p:sld>
+</file>
+
 <file path=ppt/slides/slide3.xml><?xml version="1.0" encoding="utf-8"?>
 <p:sld xmlns:a="http://schemas.openxmlformats.org/drawingml/2006/main" xmlns:r="http://schemas.openxmlformats.org/officeDocument/2006/relationships" xmlns:p="http://schemas.openxmlformats.org/presentationml/2006/main">
   <p:cSld>
@@ -10665,7 +12627,7 @@
           <a:p>
             <a:r>
               <a:rPr lang="en-US" dirty="0"/>
-              <a:t>1. Why Estimate SoC?</a:t>
+              <a:t>Why Estimate SoC?</a:t>
             </a:r>
           </a:p>
         </p:txBody>
@@ -10689,7 +12651,7 @@
         <p:spPr/>
         <p:txBody>
           <a:bodyPr>
-            <a:normAutofit fontScale="77500" lnSpcReduction="20000"/>
+            <a:normAutofit fontScale="85000" lnSpcReduction="10000"/>
           </a:bodyPr>
           <a:lstStyle/>
           <a:p>
@@ -10723,15 +12685,14 @@
             </a:r>
           </a:p>
           <a:p>
-            <a:endParaRPr lang="en-US" dirty="0"/>
-          </a:p>
-          <a:p>
+            <a:pPr lvl="1"/>
             <a:r>
               <a:rPr lang="en-US" dirty="0"/>
-              <a:t>Current : Used for Coulomb counting.</a:t>
-            </a:r>
-          </a:p>
-          <a:p>
+              <a:t>Current : Used for Coulomb counting (Ah-Integration).</a:t>
+            </a:r>
+          </a:p>
+          <a:p>
+            <a:pPr lvl="1"/>
             <a:r>
               <a:rPr lang="en-US" dirty="0"/>
               <a:t>Voltage : Related to the Open-Circuit Voltage (OCV), which depends on </a:t>
@@ -10754,6 +12715,1861 @@
     <p:extLst>
       <p:ext uri="{BB962C8B-B14F-4D97-AF65-F5344CB8AC3E}">
         <p14:creationId xmlns:p14="http://schemas.microsoft.com/office/powerpoint/2010/main" val="1211621384"/>
+      </p:ext>
+    </p:extLst>
+  </p:cSld>
+  <p:clrMapOvr>
+    <a:masterClrMapping/>
+  </p:clrMapOvr>
+</p:sld>
+</file>
+
+<file path=ppt/slides/slide30.xml><?xml version="1.0" encoding="utf-8"?>
+<p:sld xmlns:a="http://schemas.openxmlformats.org/drawingml/2006/main" xmlns:r="http://schemas.openxmlformats.org/officeDocument/2006/relationships" xmlns:p="http://schemas.openxmlformats.org/presentationml/2006/main">
+  <p:cSld>
+    <p:spTree>
+      <p:nvGrpSpPr>
+        <p:cNvPr id="1" name=""/>
+        <p:cNvGrpSpPr/>
+        <p:nvPr/>
+      </p:nvGrpSpPr>
+      <p:grpSpPr>
+        <a:xfrm>
+          <a:off x="0" y="0"/>
+          <a:ext cx="0" cy="0"/>
+          <a:chOff x="0" y="0"/>
+          <a:chExt cx="0" cy="0"/>
+        </a:xfrm>
+      </p:grpSpPr>
+      <p:sp>
+        <p:nvSpPr>
+          <p:cNvPr id="2" name="Title 1">
+            <a:extLst>
+              <a:ext uri="{FF2B5EF4-FFF2-40B4-BE49-F238E27FC236}">
+                <a16:creationId xmlns:a16="http://schemas.microsoft.com/office/drawing/2014/main" id="{F684C865-0A35-3D01-B7CB-131A48209A8C}"/>
+              </a:ext>
+            </a:extLst>
+          </p:cNvPr>
+          <p:cNvSpPr>
+            <a:spLocks noGrp="1"/>
+          </p:cNvSpPr>
+          <p:nvPr>
+            <p:ph type="title"/>
+          </p:nvPr>
+        </p:nvSpPr>
+        <p:spPr/>
+        <p:txBody>
+          <a:bodyPr/>
+          <a:lstStyle/>
+          <a:p>
+            <a:r>
+              <a:rPr lang="en-US" dirty="0"/>
+              <a:t>SoC_AH_TempandOCV_30april25.ipynb</a:t>
+            </a:r>
+          </a:p>
+        </p:txBody>
+      </p:sp>
+      <p:pic>
+        <p:nvPicPr>
+          <p:cNvPr id="5" name="Content Placeholder 4">
+            <a:extLst>
+              <a:ext uri="{FF2B5EF4-FFF2-40B4-BE49-F238E27FC236}">
+                <a16:creationId xmlns:a16="http://schemas.microsoft.com/office/drawing/2014/main" id="{5297556C-0DD8-C448-2290-EAE453D6D9C7}"/>
+              </a:ext>
+            </a:extLst>
+          </p:cNvPr>
+          <p:cNvPicPr>
+            <a:picLocks noGrp="1" noChangeAspect="1"/>
+          </p:cNvPicPr>
+          <p:nvPr>
+            <p:ph idx="1"/>
+          </p:nvPr>
+        </p:nvPicPr>
+        <p:blipFill>
+          <a:blip r:embed="rId2"/>
+          <a:stretch>
+            <a:fillRect/>
+          </a:stretch>
+        </p:blipFill>
+        <p:spPr>
+          <a:xfrm>
+            <a:off x="2718684" y="1825625"/>
+            <a:ext cx="6754632" cy="4351338"/>
+          </a:xfrm>
+        </p:spPr>
+      </p:pic>
+    </p:spTree>
+    <p:extLst>
+      <p:ext uri="{BB962C8B-B14F-4D97-AF65-F5344CB8AC3E}">
+        <p14:creationId xmlns:p14="http://schemas.microsoft.com/office/powerpoint/2010/main" val="4292743311"/>
+      </p:ext>
+    </p:extLst>
+  </p:cSld>
+  <p:clrMapOvr>
+    <a:masterClrMapping/>
+  </p:clrMapOvr>
+</p:sld>
+</file>
+
+<file path=ppt/slides/slide31.xml><?xml version="1.0" encoding="utf-8"?>
+<p:sld xmlns:a="http://schemas.openxmlformats.org/drawingml/2006/main" xmlns:r="http://schemas.openxmlformats.org/officeDocument/2006/relationships" xmlns:p="http://schemas.openxmlformats.org/presentationml/2006/main">
+  <p:cSld>
+    <p:spTree>
+      <p:nvGrpSpPr>
+        <p:cNvPr id="1" name=""/>
+        <p:cNvGrpSpPr/>
+        <p:nvPr/>
+      </p:nvGrpSpPr>
+      <p:grpSpPr>
+        <a:xfrm>
+          <a:off x="0" y="0"/>
+          <a:ext cx="0" cy="0"/>
+          <a:chOff x="0" y="0"/>
+          <a:chExt cx="0" cy="0"/>
+        </a:xfrm>
+      </p:grpSpPr>
+      <p:sp>
+        <p:nvSpPr>
+          <p:cNvPr id="2" name="Title 1">
+            <a:extLst>
+              <a:ext uri="{FF2B5EF4-FFF2-40B4-BE49-F238E27FC236}">
+                <a16:creationId xmlns:a16="http://schemas.microsoft.com/office/drawing/2014/main" id="{04418076-F4E4-0182-DABB-7FEB3A81F32C}"/>
+              </a:ext>
+            </a:extLst>
+          </p:cNvPr>
+          <p:cNvSpPr>
+            <a:spLocks noGrp="1"/>
+          </p:cNvSpPr>
+          <p:nvPr>
+            <p:ph type="title"/>
+          </p:nvPr>
+        </p:nvSpPr>
+        <p:spPr/>
+        <p:txBody>
+          <a:bodyPr/>
+          <a:lstStyle/>
+          <a:p>
+            <a:endParaRPr lang="en-US"/>
+          </a:p>
+        </p:txBody>
+      </p:sp>
+      <p:sp>
+        <p:nvSpPr>
+          <p:cNvPr id="3" name="Content Placeholder 2">
+            <a:extLst>
+              <a:ext uri="{FF2B5EF4-FFF2-40B4-BE49-F238E27FC236}">
+                <a16:creationId xmlns:a16="http://schemas.microsoft.com/office/drawing/2014/main" id="{185167D6-35A5-798C-3F92-A4EA420CD2C1}"/>
+              </a:ext>
+            </a:extLst>
+          </p:cNvPr>
+          <p:cNvSpPr>
+            <a:spLocks noGrp="1"/>
+          </p:cNvSpPr>
+          <p:nvPr>
+            <p:ph idx="1"/>
+          </p:nvPr>
+        </p:nvSpPr>
+        <p:spPr/>
+        <p:txBody>
+          <a:bodyPr/>
+          <a:lstStyle/>
+          <a:p>
+            <a:endParaRPr lang="en-US" dirty="0"/>
+          </a:p>
+        </p:txBody>
+      </p:sp>
+      <p:pic>
+        <p:nvPicPr>
+          <p:cNvPr id="7" name="Picture 6">
+            <a:extLst>
+              <a:ext uri="{FF2B5EF4-FFF2-40B4-BE49-F238E27FC236}">
+                <a16:creationId xmlns:a16="http://schemas.microsoft.com/office/drawing/2014/main" id="{D2A19DF3-4E98-3424-36FA-DACC8001ACD8}"/>
+              </a:ext>
+            </a:extLst>
+          </p:cNvPr>
+          <p:cNvPicPr>
+            <a:picLocks noChangeAspect="1"/>
+          </p:cNvPicPr>
+          <p:nvPr/>
+        </p:nvPicPr>
+        <p:blipFill>
+          <a:blip r:embed="rId2"/>
+          <a:stretch>
+            <a:fillRect/>
+          </a:stretch>
+        </p:blipFill>
+        <p:spPr>
+          <a:xfrm>
+            <a:off x="1052023" y="0"/>
+            <a:ext cx="10087954" cy="6858000"/>
+          </a:xfrm>
+          <a:prstGeom prst="rect">
+            <a:avLst/>
+          </a:prstGeom>
+        </p:spPr>
+      </p:pic>
+    </p:spTree>
+    <p:extLst>
+      <p:ext uri="{BB962C8B-B14F-4D97-AF65-F5344CB8AC3E}">
+        <p14:creationId xmlns:p14="http://schemas.microsoft.com/office/powerpoint/2010/main" val="4159278280"/>
+      </p:ext>
+    </p:extLst>
+  </p:cSld>
+  <p:clrMapOvr>
+    <a:masterClrMapping/>
+  </p:clrMapOvr>
+</p:sld>
+</file>
+
+<file path=ppt/slides/slide32.xml><?xml version="1.0" encoding="utf-8"?>
+<p:sld xmlns:a="http://schemas.openxmlformats.org/drawingml/2006/main" xmlns:r="http://schemas.openxmlformats.org/officeDocument/2006/relationships" xmlns:p="http://schemas.openxmlformats.org/presentationml/2006/main">
+  <p:cSld>
+    <p:spTree>
+      <p:nvGrpSpPr>
+        <p:cNvPr id="1" name=""/>
+        <p:cNvGrpSpPr/>
+        <p:nvPr/>
+      </p:nvGrpSpPr>
+      <p:grpSpPr>
+        <a:xfrm>
+          <a:off x="0" y="0"/>
+          <a:ext cx="0" cy="0"/>
+          <a:chOff x="0" y="0"/>
+          <a:chExt cx="0" cy="0"/>
+        </a:xfrm>
+      </p:grpSpPr>
+      <p:sp>
+        <p:nvSpPr>
+          <p:cNvPr id="2" name="Title 1">
+            <a:extLst>
+              <a:ext uri="{FF2B5EF4-FFF2-40B4-BE49-F238E27FC236}">
+                <a16:creationId xmlns:a16="http://schemas.microsoft.com/office/drawing/2014/main" id="{056F56F2-D5E4-437D-1FAE-ECDAA2E04C7F}"/>
+              </a:ext>
+            </a:extLst>
+          </p:cNvPr>
+          <p:cNvSpPr>
+            <a:spLocks noGrp="1"/>
+          </p:cNvSpPr>
+          <p:nvPr>
+            <p:ph type="title"/>
+          </p:nvPr>
+        </p:nvSpPr>
+        <p:spPr/>
+        <p:txBody>
+          <a:bodyPr/>
+          <a:lstStyle/>
+          <a:p>
+            <a:r>
+              <a:rPr lang="en-US" dirty="0"/>
+              <a:t>Explanation of  SoC_AH_TempandOCV_30april25.ipynb</a:t>
+            </a:r>
+          </a:p>
+        </p:txBody>
+      </p:sp>
+      <p:pic>
+        <p:nvPicPr>
+          <p:cNvPr id="5" name="Content Placeholder 4">
+            <a:extLst>
+              <a:ext uri="{FF2B5EF4-FFF2-40B4-BE49-F238E27FC236}">
+                <a16:creationId xmlns:a16="http://schemas.microsoft.com/office/drawing/2014/main" id="{C59E1FAD-EE06-FBC0-34A6-2B8EF56F5CFB}"/>
+              </a:ext>
+            </a:extLst>
+          </p:cNvPr>
+          <p:cNvPicPr>
+            <a:picLocks noGrp="1" noChangeAspect="1"/>
+          </p:cNvPicPr>
+          <p:nvPr>
+            <p:ph idx="1"/>
+          </p:nvPr>
+        </p:nvPicPr>
+        <p:blipFill>
+          <a:blip r:embed="rId2"/>
+          <a:stretch>
+            <a:fillRect/>
+          </a:stretch>
+        </p:blipFill>
+        <p:spPr>
+          <a:xfrm>
+            <a:off x="838200" y="2241196"/>
+            <a:ext cx="10515600" cy="3520195"/>
+          </a:xfrm>
+        </p:spPr>
+      </p:pic>
+    </p:spTree>
+    <p:extLst>
+      <p:ext uri="{BB962C8B-B14F-4D97-AF65-F5344CB8AC3E}">
+        <p14:creationId xmlns:p14="http://schemas.microsoft.com/office/powerpoint/2010/main" val="3259911353"/>
+      </p:ext>
+    </p:extLst>
+  </p:cSld>
+  <p:clrMapOvr>
+    <a:masterClrMapping/>
+  </p:clrMapOvr>
+</p:sld>
+</file>
+
+<file path=ppt/slides/slide33.xml><?xml version="1.0" encoding="utf-8"?>
+<p:sld xmlns:a="http://schemas.openxmlformats.org/drawingml/2006/main" xmlns:r="http://schemas.openxmlformats.org/officeDocument/2006/relationships" xmlns:p="http://schemas.openxmlformats.org/presentationml/2006/main">
+  <p:cSld>
+    <p:spTree>
+      <p:nvGrpSpPr>
+        <p:cNvPr id="1" name=""/>
+        <p:cNvGrpSpPr/>
+        <p:nvPr/>
+      </p:nvGrpSpPr>
+      <p:grpSpPr>
+        <a:xfrm>
+          <a:off x="0" y="0"/>
+          <a:ext cx="0" cy="0"/>
+          <a:chOff x="0" y="0"/>
+          <a:chExt cx="0" cy="0"/>
+        </a:xfrm>
+      </p:grpSpPr>
+      <p:sp>
+        <p:nvSpPr>
+          <p:cNvPr id="2" name="Title 1">
+            <a:extLst>
+              <a:ext uri="{FF2B5EF4-FFF2-40B4-BE49-F238E27FC236}">
+                <a16:creationId xmlns:a16="http://schemas.microsoft.com/office/drawing/2014/main" id="{E740E5DB-886F-5173-9C59-FBD787BBE792}"/>
+              </a:ext>
+            </a:extLst>
+          </p:cNvPr>
+          <p:cNvSpPr>
+            <a:spLocks noGrp="1"/>
+          </p:cNvSpPr>
+          <p:nvPr>
+            <p:ph type="title"/>
+          </p:nvPr>
+        </p:nvSpPr>
+        <p:spPr/>
+        <p:txBody>
+          <a:bodyPr/>
+          <a:lstStyle/>
+          <a:p>
+            <a:endParaRPr lang="en-US"/>
+          </a:p>
+        </p:txBody>
+      </p:sp>
+      <mc:AlternateContent xmlns:mc="http://schemas.openxmlformats.org/markup-compatibility/2006">
+        <mc:Choice xmlns:a14="http://schemas.microsoft.com/office/drawing/2010/main" Requires="a14">
+          <p:sp>
+            <p:nvSpPr>
+              <p:cNvPr id="3" name="Content Placeholder 2">
+                <a:extLst>
+                  <a:ext uri="{FF2B5EF4-FFF2-40B4-BE49-F238E27FC236}">
+                    <a16:creationId xmlns:a16="http://schemas.microsoft.com/office/drawing/2014/main" id="{85133BAB-87A5-CB14-92DE-B5C4C0F597DA}"/>
+                  </a:ext>
+                </a:extLst>
+              </p:cNvPr>
+              <p:cNvSpPr>
+                <a:spLocks noGrp="1"/>
+              </p:cNvSpPr>
+              <p:nvPr>
+                <p:ph idx="1"/>
+              </p:nvPr>
+            </p:nvSpPr>
+            <p:spPr/>
+            <p:txBody>
+              <a:bodyPr>
+                <a:normAutofit fontScale="92500" lnSpcReduction="20000"/>
+              </a:bodyPr>
+              <a:lstStyle/>
+              <a:p>
+                <a:pPr algn="l">
+                  <a:spcBef>
+                    <a:spcPts val="900"/>
+                  </a:spcBef>
+                  <a:spcAft>
+                    <a:spcPts val="900"/>
+                  </a:spcAft>
+                  <a:buNone/>
+                </a:pPr>
+                <a:r>
+                  <a:rPr lang="en-US" b="1" i="0" dirty="0">
+                    <a:solidFill>
+                      <a:srgbClr val="2C2C36"/>
+                    </a:solidFill>
+                    <a:effectLst/>
+                    <a:latin typeface="system-ui"/>
+                  </a:rPr>
+                  <a:t>Explanation:</a:t>
+                </a:r>
+              </a:p>
+              <a:p>
+                <a:pPr algn="l">
+                  <a:spcBef>
+                    <a:spcPts val="900"/>
+                  </a:spcBef>
+                  <a:spcAft>
+                    <a:spcPts val="900"/>
+                  </a:spcAft>
+                  <a:buFont typeface="Arial" panose="020B0604020202020204" pitchFamily="34" charset="0"/>
+                  <a:buChar char="•"/>
+                </a:pPr>
+                <a:r>
+                  <a:rPr lang="en-US" b="0" i="0" dirty="0">
+                    <a:solidFill>
+                      <a:srgbClr val="111827"/>
+                    </a:solidFill>
+                    <a:effectLst/>
+                    <a:latin typeface="system-ui"/>
+                  </a:rPr>
+                  <a:t>Purpose </a:t>
+                </a:r>
+                <a:r>
+                  <a:rPr lang="en-US" b="0" i="0" dirty="0">
+                    <a:solidFill>
+                      <a:srgbClr val="2C2C36"/>
+                    </a:solidFill>
+                    <a:effectLst/>
+                    <a:latin typeface="system-ui"/>
+                  </a:rPr>
+                  <a:t>: This function adjusts the battery's </a:t>
+                </a:r>
+                <a:r>
+                  <a:rPr lang="en-US" b="0" i="0" dirty="0">
+                    <a:solidFill>
+                      <a:srgbClr val="111827"/>
+                    </a:solidFill>
+                    <a:effectLst/>
+                    <a:latin typeface="system-ui"/>
+                  </a:rPr>
+                  <a:t>nominal capacity </a:t>
+                </a:r>
+                <a:r>
+                  <a:rPr lang="en-US" b="0" i="0" dirty="0">
+                    <a:solidFill>
+                      <a:srgbClr val="2C2C36"/>
+                    </a:solidFill>
+                    <a:effectLst/>
+                    <a:latin typeface="system-ui"/>
+                  </a:rPr>
+                  <a:t>based on the operating temperature. At lower temperatures, the battery's usable capacity decreases due to reduced chemical activity.</a:t>
+                </a:r>
+              </a:p>
+              <a:p>
+                <a:pPr algn="l">
+                  <a:spcBef>
+                    <a:spcPts val="900"/>
+                  </a:spcBef>
+                  <a:spcAft>
+                    <a:spcPts val="900"/>
+                  </a:spcAft>
+                  <a:buFont typeface="Arial" panose="020B0604020202020204" pitchFamily="34" charset="0"/>
+                  <a:buChar char="•"/>
+                </a:pPr>
+                <a:r>
+                  <a:rPr lang="en-US" b="0" i="0" dirty="0">
+                    <a:solidFill>
+                      <a:srgbClr val="111827"/>
+                    </a:solidFill>
+                    <a:effectLst/>
+                    <a:latin typeface="system-ui"/>
+                  </a:rPr>
+                  <a:t>Logic </a:t>
+                </a:r>
+                <a:r>
+                  <a:rPr lang="en-US" b="0" i="0" dirty="0">
+                    <a:solidFill>
+                      <a:srgbClr val="2C2C36"/>
+                    </a:solidFill>
+                    <a:effectLst/>
+                    <a:latin typeface="system-ui"/>
+                  </a:rPr>
+                  <a:t>:</a:t>
+                </a:r>
+              </a:p>
+              <a:p>
+                <a:pPr marL="742950" lvl="1" indent="-285750" algn="l">
+                  <a:spcBef>
+                    <a:spcPts val="900"/>
+                  </a:spcBef>
+                  <a:spcAft>
+                    <a:spcPts val="900"/>
+                  </a:spcAft>
+                  <a:buFont typeface="Arial" panose="020B0604020202020204" pitchFamily="34" charset="0"/>
+                  <a:buChar char="•"/>
+                </a:pPr>
+                <a:r>
+                  <a:rPr lang="en-US" b="0" i="0" dirty="0">
+                    <a:solidFill>
+                      <a:srgbClr val="2C2C36"/>
+                    </a:solidFill>
+                    <a:effectLst/>
+                    <a:latin typeface="system-ui"/>
+                  </a:rPr>
+                  <a:t>If the temperature is below 25°C, the capacity is reduced by </a:t>
+                </a:r>
+                <a:r>
+                  <a:rPr lang="en-US" b="0" i="0" dirty="0">
+                    <a:solidFill>
+                      <a:srgbClr val="111827"/>
+                    </a:solidFill>
+                    <a:effectLst/>
+                    <a:latin typeface="system-ui"/>
+                  </a:rPr>
+                  <a:t>0.5% for every degree Celsius below 25°C </a:t>
+                </a:r>
+                <a:r>
+                  <a:rPr lang="en-US" b="0" i="0" dirty="0">
+                    <a:solidFill>
+                      <a:srgbClr val="2C2C36"/>
+                    </a:solidFill>
+                    <a:effectLst/>
+                    <a:latin typeface="system-ui"/>
+                  </a:rPr>
+                  <a:t>:</a:t>
+                </a:r>
+              </a:p>
+              <a:p>
+                <a:pPr marL="0" indent="0">
+                  <a:buNone/>
+                </a:pPr>
+                <a14:m>
+                  <m:oMathPara xmlns:m="http://schemas.openxmlformats.org/officeDocument/2006/math">
+                    <m:oMathParaPr>
+                      <m:jc m:val="centerGroup"/>
+                    </m:oMathParaPr>
+                    <m:oMath xmlns:m="http://schemas.openxmlformats.org/officeDocument/2006/math">
+                      <m:r>
+                        <a:rPr lang="en-US" b="0" i="1" dirty="0" smtClean="0">
+                          <a:solidFill>
+                            <a:srgbClr val="2C2C36"/>
+                          </a:solidFill>
+                          <a:effectLst/>
+                          <a:latin typeface="Cambria Math" panose="02040503050406030204" pitchFamily="18" charset="0"/>
+                        </a:rPr>
+                        <m:t>𝑟𝑒𝑑𝑢𝑐𝑡𝑖𝑜𝑛</m:t>
+                      </m:r>
+                      <m:r>
+                        <a:rPr lang="en-US" b="0" i="1" dirty="0" smtClean="0">
+                          <a:solidFill>
+                            <a:srgbClr val="2C2C36"/>
+                          </a:solidFill>
+                          <a:effectLst/>
+                          <a:latin typeface="Cambria Math" panose="02040503050406030204" pitchFamily="18" charset="0"/>
+                        </a:rPr>
+                        <m:t>_</m:t>
+                      </m:r>
+                      <m:r>
+                        <a:rPr lang="en-US" b="0" i="1" dirty="0" smtClean="0">
+                          <a:solidFill>
+                            <a:srgbClr val="2C2C36"/>
+                          </a:solidFill>
+                          <a:effectLst/>
+                          <a:latin typeface="Cambria Math" panose="02040503050406030204" pitchFamily="18" charset="0"/>
+                        </a:rPr>
+                        <m:t>𝑓𝑎𝑐𝑡𝑜𝑟</m:t>
+                      </m:r>
+                      <m:r>
+                        <a:rPr lang="en-US" b="0" i="1" dirty="0" smtClean="0">
+                          <a:solidFill>
+                            <a:srgbClr val="2C2C36"/>
+                          </a:solidFill>
+                          <a:effectLst/>
+                          <a:latin typeface="Cambria Math" panose="02040503050406030204" pitchFamily="18" charset="0"/>
+                        </a:rPr>
+                        <m:t>=</m:t>
+                      </m:r>
+                      <m:r>
+                        <a:rPr lang="en-US" b="0" i="1" dirty="0" smtClean="0">
+                          <a:solidFill>
+                            <a:srgbClr val="2C2C36"/>
+                          </a:solidFill>
+                          <a:effectLst/>
+                          <a:latin typeface="Cambria Math" panose="02040503050406030204" pitchFamily="18" charset="0"/>
+                        </a:rPr>
+                        <m:t>1</m:t>
+                      </m:r>
+                      <m:r>
+                        <a:rPr lang="en-US" b="0" i="1" dirty="0" smtClean="0">
+                          <a:solidFill>
+                            <a:srgbClr val="2C2C36"/>
+                          </a:solidFill>
+                          <a:effectLst/>
+                          <a:latin typeface="Cambria Math" panose="02040503050406030204" pitchFamily="18" charset="0"/>
+                        </a:rPr>
+                        <m:t>−</m:t>
+                      </m:r>
+                      <m:r>
+                        <a:rPr lang="en-US" b="0" i="1" dirty="0" smtClean="0">
+                          <a:solidFill>
+                            <a:srgbClr val="2C2C36"/>
+                          </a:solidFill>
+                          <a:effectLst/>
+                          <a:latin typeface="Cambria Math" panose="02040503050406030204" pitchFamily="18" charset="0"/>
+                        </a:rPr>
+                        <m:t>0</m:t>
+                      </m:r>
+                      <m:r>
+                        <a:rPr lang="en-US" b="0" i="1" dirty="0" smtClean="0">
+                          <a:solidFill>
+                            <a:srgbClr val="2C2C36"/>
+                          </a:solidFill>
+                          <a:effectLst/>
+                          <a:latin typeface="Cambria Math" panose="02040503050406030204" pitchFamily="18" charset="0"/>
+                        </a:rPr>
+                        <m:t>.</m:t>
+                      </m:r>
+                      <m:r>
+                        <a:rPr lang="en-US" b="0" i="1" dirty="0" smtClean="0">
+                          <a:solidFill>
+                            <a:srgbClr val="2C2C36"/>
+                          </a:solidFill>
+                          <a:effectLst/>
+                          <a:latin typeface="Cambria Math" panose="02040503050406030204" pitchFamily="18" charset="0"/>
+                        </a:rPr>
+                        <m:t>005</m:t>
+                      </m:r>
+                      <m:r>
+                        <a:rPr lang="en-US" b="0" i="1" dirty="0" smtClean="0">
+                          <a:solidFill>
+                            <a:srgbClr val="2C2C36"/>
+                          </a:solidFill>
+                          <a:effectLst/>
+                          <a:latin typeface="Cambria Math" panose="02040503050406030204" pitchFamily="18" charset="0"/>
+                        </a:rPr>
+                        <m:t>⋅(</m:t>
+                      </m:r>
+                      <m:r>
+                        <a:rPr lang="en-US" b="0" i="1" dirty="0" smtClean="0">
+                          <a:solidFill>
+                            <a:srgbClr val="2C2C36"/>
+                          </a:solidFill>
+                          <a:effectLst/>
+                          <a:latin typeface="Cambria Math" panose="02040503050406030204" pitchFamily="18" charset="0"/>
+                        </a:rPr>
+                        <m:t>25</m:t>
+                      </m:r>
+                      <m:r>
+                        <a:rPr lang="en-US" b="0" i="1" dirty="0" smtClean="0">
+                          <a:solidFill>
+                            <a:srgbClr val="2C2C36"/>
+                          </a:solidFill>
+                          <a:effectLst/>
+                          <a:latin typeface="Cambria Math" panose="02040503050406030204" pitchFamily="18" charset="0"/>
+                        </a:rPr>
+                        <m:t>−</m:t>
+                      </m:r>
+                      <m:r>
+                        <a:rPr lang="en-US" b="0" i="1" dirty="0" smtClean="0">
+                          <a:solidFill>
+                            <a:srgbClr val="2C2C36"/>
+                          </a:solidFill>
+                          <a:effectLst/>
+                          <a:latin typeface="Cambria Math" panose="02040503050406030204" pitchFamily="18" charset="0"/>
+                        </a:rPr>
+                        <m:t>𝑡𝑒𝑚𝑝𝑒𝑟𝑎𝑡𝑢𝑟𝑒</m:t>
+                      </m:r>
+                      <m:r>
+                        <a:rPr lang="en-US" b="0" i="1" dirty="0" smtClean="0">
+                          <a:solidFill>
+                            <a:srgbClr val="2C2C36"/>
+                          </a:solidFill>
+                          <a:effectLst/>
+                          <a:latin typeface="Cambria Math" panose="02040503050406030204" pitchFamily="18" charset="0"/>
+                        </a:rPr>
+                        <m:t>_</m:t>
+                      </m:r>
+                      <m:r>
+                        <a:rPr lang="en-US" b="0" i="1" dirty="0" smtClean="0">
+                          <a:solidFill>
+                            <a:srgbClr val="2C2C36"/>
+                          </a:solidFill>
+                          <a:effectLst/>
+                          <a:latin typeface="Cambria Math" panose="02040503050406030204" pitchFamily="18" charset="0"/>
+                        </a:rPr>
+                        <m:t>𝑐</m:t>
+                      </m:r>
+                      <m:r>
+                        <a:rPr lang="en-US" b="0" i="1" dirty="0" smtClean="0">
+                          <a:solidFill>
+                            <a:srgbClr val="2C2C36"/>
+                          </a:solidFill>
+                          <a:effectLst/>
+                          <a:latin typeface="Cambria Math" panose="02040503050406030204" pitchFamily="18" charset="0"/>
+                        </a:rPr>
+                        <m:t>)</m:t>
+                      </m:r>
+                    </m:oMath>
+                  </m:oMathPara>
+                </a14:m>
+                <a:endParaRPr lang="en-US" dirty="0"/>
+              </a:p>
+              <a:p>
+                <a:pPr lvl="1"/>
+                <a:r>
+                  <a:rPr lang="en-US" b="0" i="0" dirty="0">
+                    <a:solidFill>
+                      <a:srgbClr val="2C2C36"/>
+                    </a:solidFill>
+                    <a:effectLst/>
+                    <a:latin typeface="system-ui"/>
+                  </a:rPr>
+                  <a:t>If the temperature is </a:t>
+                </a:r>
+                <a:r>
+                  <a:rPr lang="en-US" b="0" i="0" dirty="0">
+                    <a:solidFill>
+                      <a:srgbClr val="111827"/>
+                    </a:solidFill>
+                    <a:effectLst/>
+                    <a:latin typeface="system-ui"/>
+                  </a:rPr>
+                  <a:t>above or equal to 25°C </a:t>
+                </a:r>
+                <a:r>
+                  <a:rPr lang="en-US" b="0" i="0" dirty="0">
+                    <a:solidFill>
+                      <a:srgbClr val="2C2C36"/>
+                    </a:solidFill>
+                    <a:effectLst/>
+                    <a:latin typeface="system-ui"/>
+                  </a:rPr>
+                  <a:t>, the capacity remains unchanged</a:t>
+                </a:r>
+              </a:p>
+              <a:p>
+                <a:r>
+                  <a:rPr lang="en-US" b="0" i="0" dirty="0">
+                    <a:solidFill>
+                      <a:srgbClr val="111827"/>
+                    </a:solidFill>
+                    <a:effectLst/>
+                    <a:latin typeface="system-ui"/>
+                  </a:rPr>
+                  <a:t>Output </a:t>
+                </a:r>
+                <a:r>
+                  <a:rPr lang="en-US" b="0" i="0" dirty="0">
+                    <a:solidFill>
+                      <a:srgbClr val="2C2C36"/>
+                    </a:solidFill>
+                    <a:effectLst/>
+                    <a:latin typeface="system-ui"/>
+                  </a:rPr>
+                  <a:t>: The effective capacity at the given temperature, adjusted from the nominal capacity.</a:t>
+                </a:r>
+              </a:p>
+            </p:txBody>
+          </p:sp>
+        </mc:Choice>
+        <mc:Fallback>
+          <p:sp>
+            <p:nvSpPr>
+              <p:cNvPr id="3" name="Content Placeholder 2">
+                <a:extLst>
+                  <a:ext uri="{FF2B5EF4-FFF2-40B4-BE49-F238E27FC236}">
+                    <a16:creationId xmlns:a16="http://schemas.microsoft.com/office/drawing/2014/main" id="{85133BAB-87A5-CB14-92DE-B5C4C0F597DA}"/>
+                  </a:ext>
+                </a:extLst>
+              </p:cNvPr>
+              <p:cNvSpPr>
+                <a:spLocks noGrp="1" noRot="1" noChangeAspect="1" noMove="1" noResize="1" noEditPoints="1" noAdjustHandles="1" noChangeArrowheads="1" noChangeShapeType="1" noTextEdit="1"/>
+              </p:cNvSpPr>
+              <p:nvPr>
+                <p:ph idx="1"/>
+              </p:nvPr>
+            </p:nvSpPr>
+            <p:spPr>
+              <a:blipFill>
+                <a:blip r:embed="rId2"/>
+                <a:stretch>
+                  <a:fillRect l="-1043" t="-3501" r="-1449"/>
+                </a:stretch>
+              </a:blipFill>
+            </p:spPr>
+            <p:txBody>
+              <a:bodyPr/>
+              <a:lstStyle/>
+              <a:p>
+                <a:r>
+                  <a:rPr lang="en-US">
+                    <a:noFill/>
+                  </a:rPr>
+                  <a:t> </a:t>
+                </a:r>
+              </a:p>
+            </p:txBody>
+          </p:sp>
+        </mc:Fallback>
+      </mc:AlternateContent>
+    </p:spTree>
+    <p:extLst>
+      <p:ext uri="{BB962C8B-B14F-4D97-AF65-F5344CB8AC3E}">
+        <p14:creationId xmlns:p14="http://schemas.microsoft.com/office/powerpoint/2010/main" val="505134881"/>
+      </p:ext>
+    </p:extLst>
+  </p:cSld>
+  <p:clrMapOvr>
+    <a:masterClrMapping/>
+  </p:clrMapOvr>
+</p:sld>
+</file>
+
+<file path=ppt/slides/slide34.xml><?xml version="1.0" encoding="utf-8"?>
+<p:sld xmlns:a="http://schemas.openxmlformats.org/drawingml/2006/main" xmlns:r="http://schemas.openxmlformats.org/officeDocument/2006/relationships" xmlns:p="http://schemas.openxmlformats.org/presentationml/2006/main">
+  <p:cSld>
+    <p:spTree>
+      <p:nvGrpSpPr>
+        <p:cNvPr id="1" name=""/>
+        <p:cNvGrpSpPr/>
+        <p:nvPr/>
+      </p:nvGrpSpPr>
+      <p:grpSpPr>
+        <a:xfrm>
+          <a:off x="0" y="0"/>
+          <a:ext cx="0" cy="0"/>
+          <a:chOff x="0" y="0"/>
+          <a:chExt cx="0" cy="0"/>
+        </a:xfrm>
+      </p:grpSpPr>
+      <p:sp>
+        <p:nvSpPr>
+          <p:cNvPr id="2" name="Title 1">
+            <a:extLst>
+              <a:ext uri="{FF2B5EF4-FFF2-40B4-BE49-F238E27FC236}">
+                <a16:creationId xmlns:a16="http://schemas.microsoft.com/office/drawing/2014/main" id="{5F12D650-8257-7A02-A27C-0E30988F9E4E}"/>
+              </a:ext>
+            </a:extLst>
+          </p:cNvPr>
+          <p:cNvSpPr>
+            <a:spLocks noGrp="1"/>
+          </p:cNvSpPr>
+          <p:nvPr>
+            <p:ph type="title"/>
+          </p:nvPr>
+        </p:nvSpPr>
+        <p:spPr/>
+        <p:txBody>
+          <a:bodyPr/>
+          <a:lstStyle/>
+          <a:p>
+            <a:endParaRPr lang="en-US"/>
+          </a:p>
+        </p:txBody>
+      </p:sp>
+      <p:pic>
+        <p:nvPicPr>
+          <p:cNvPr id="6" name="Content Placeholder 5">
+            <a:extLst>
+              <a:ext uri="{FF2B5EF4-FFF2-40B4-BE49-F238E27FC236}">
+                <a16:creationId xmlns:a16="http://schemas.microsoft.com/office/drawing/2014/main" id="{B174BF5F-C2E8-720A-6CEA-CBB0E70E7389}"/>
+              </a:ext>
+            </a:extLst>
+          </p:cNvPr>
+          <p:cNvPicPr>
+            <a:picLocks noGrp="1" noChangeAspect="1"/>
+          </p:cNvPicPr>
+          <p:nvPr>
+            <p:ph idx="1"/>
+          </p:nvPr>
+        </p:nvPicPr>
+        <p:blipFill>
+          <a:blip r:embed="rId2"/>
+          <a:stretch>
+            <a:fillRect/>
+          </a:stretch>
+        </p:blipFill>
+        <p:spPr>
+          <a:xfrm>
+            <a:off x="838200" y="2502694"/>
+            <a:ext cx="10515600" cy="2997199"/>
+          </a:xfrm>
+        </p:spPr>
+      </p:pic>
+    </p:spTree>
+    <p:extLst>
+      <p:ext uri="{BB962C8B-B14F-4D97-AF65-F5344CB8AC3E}">
+        <p14:creationId xmlns:p14="http://schemas.microsoft.com/office/powerpoint/2010/main" val="3631161473"/>
+      </p:ext>
+    </p:extLst>
+  </p:cSld>
+  <p:clrMapOvr>
+    <a:masterClrMapping/>
+  </p:clrMapOvr>
+</p:sld>
+</file>
+
+<file path=ppt/slides/slide35.xml><?xml version="1.0" encoding="utf-8"?>
+<p:sld xmlns:a="http://schemas.openxmlformats.org/drawingml/2006/main" xmlns:r="http://schemas.openxmlformats.org/officeDocument/2006/relationships" xmlns:p="http://schemas.openxmlformats.org/presentationml/2006/main">
+  <p:cSld>
+    <p:spTree>
+      <p:nvGrpSpPr>
+        <p:cNvPr id="1" name=""/>
+        <p:cNvGrpSpPr/>
+        <p:nvPr/>
+      </p:nvGrpSpPr>
+      <p:grpSpPr>
+        <a:xfrm>
+          <a:off x="0" y="0"/>
+          <a:ext cx="0" cy="0"/>
+          <a:chOff x="0" y="0"/>
+          <a:chExt cx="0" cy="0"/>
+        </a:xfrm>
+      </p:grpSpPr>
+      <p:sp>
+        <p:nvSpPr>
+          <p:cNvPr id="2" name="Title 1">
+            <a:extLst>
+              <a:ext uri="{FF2B5EF4-FFF2-40B4-BE49-F238E27FC236}">
+                <a16:creationId xmlns:a16="http://schemas.microsoft.com/office/drawing/2014/main" id="{BD766BFD-FE8F-4157-C894-FB15FAAF591E}"/>
+              </a:ext>
+            </a:extLst>
+          </p:cNvPr>
+          <p:cNvSpPr>
+            <a:spLocks noGrp="1"/>
+          </p:cNvSpPr>
+          <p:nvPr>
+            <p:ph type="title"/>
+          </p:nvPr>
+        </p:nvSpPr>
+        <p:spPr/>
+        <p:txBody>
+          <a:bodyPr/>
+          <a:lstStyle/>
+          <a:p>
+            <a:endParaRPr lang="en-US"/>
+          </a:p>
+        </p:txBody>
+      </p:sp>
+      <p:sp>
+        <p:nvSpPr>
+          <p:cNvPr id="3" name="Content Placeholder 2">
+            <a:extLst>
+              <a:ext uri="{FF2B5EF4-FFF2-40B4-BE49-F238E27FC236}">
+                <a16:creationId xmlns:a16="http://schemas.microsoft.com/office/drawing/2014/main" id="{0EDD9746-69A9-35ED-1CB2-A4C66D1CD1C8}"/>
+              </a:ext>
+            </a:extLst>
+          </p:cNvPr>
+          <p:cNvSpPr>
+            <a:spLocks noGrp="1"/>
+          </p:cNvSpPr>
+          <p:nvPr>
+            <p:ph idx="1"/>
+          </p:nvPr>
+        </p:nvSpPr>
+        <p:spPr/>
+        <p:txBody>
+          <a:bodyPr/>
+          <a:lstStyle/>
+          <a:p>
+            <a:r>
+              <a:rPr lang="en-US" dirty="0"/>
+              <a:t>Explanation:</a:t>
+            </a:r>
+          </a:p>
+          <a:p>
+            <a:r>
+              <a:rPr lang="en-US" dirty="0"/>
+              <a:t>Purpose : This function converts the measured Open Circuit Voltage (OCV) into an estimated State of Charge (SoC). In real-world applications, this relationship is nonlinear and specific to the battery chemistry.</a:t>
+            </a:r>
+          </a:p>
+          <a:p>
+            <a:r>
+              <a:rPr lang="en-US" dirty="0"/>
+              <a:t>Logic :</a:t>
+            </a:r>
+          </a:p>
+          <a:p>
+            <a:r>
+              <a:rPr lang="en-US" dirty="0"/>
+              <a:t>A dummy linear mapping is used here for simplicity:</a:t>
+            </a:r>
+          </a:p>
+          <a:p>
+            <a:r>
+              <a:rPr lang="en-US" dirty="0" err="1"/>
+              <a:t>ocv_min</a:t>
+            </a:r>
+            <a:r>
+              <a:rPr lang="en-US" dirty="0"/>
+              <a:t> = 3.0 V: The minimum voltage corresponding to 0% </a:t>
+            </a:r>
+            <a:r>
+              <a:rPr lang="en-US" dirty="0" err="1"/>
+              <a:t>SoC.</a:t>
+            </a:r>
+            <a:endParaRPr lang="en-US" dirty="0"/>
+          </a:p>
+          <a:p>
+            <a:r>
+              <a:rPr lang="en-US" dirty="0" err="1"/>
+              <a:t>ocv_max</a:t>
+            </a:r>
+            <a:r>
+              <a:rPr lang="en-US" dirty="0"/>
+              <a:t> = 4.2 V: The maximum voltage corresponding to 100% </a:t>
+            </a:r>
+            <a:r>
+              <a:rPr lang="en-US" dirty="0" err="1"/>
+              <a:t>SoC.</a:t>
+            </a:r>
+            <a:endParaRPr lang="en-US" dirty="0"/>
+          </a:p>
+          <a:p>
+            <a:endParaRPr lang="en-US" dirty="0"/>
+          </a:p>
+        </p:txBody>
+      </p:sp>
+    </p:spTree>
+    <p:extLst>
+      <p:ext uri="{BB962C8B-B14F-4D97-AF65-F5344CB8AC3E}">
+        <p14:creationId xmlns:p14="http://schemas.microsoft.com/office/powerpoint/2010/main" val="3093851586"/>
+      </p:ext>
+    </p:extLst>
+  </p:cSld>
+  <p:clrMapOvr>
+    <a:masterClrMapping/>
+  </p:clrMapOvr>
+</p:sld>
+</file>
+
+<file path=ppt/slides/slide36.xml><?xml version="1.0" encoding="utf-8"?>
+<p:sld xmlns:a="http://schemas.openxmlformats.org/drawingml/2006/main" xmlns:r="http://schemas.openxmlformats.org/officeDocument/2006/relationships" xmlns:p="http://schemas.openxmlformats.org/presentationml/2006/main">
+  <p:cSld>
+    <p:spTree>
+      <p:nvGrpSpPr>
+        <p:cNvPr id="1" name=""/>
+        <p:cNvGrpSpPr/>
+        <p:nvPr/>
+      </p:nvGrpSpPr>
+      <p:grpSpPr>
+        <a:xfrm>
+          <a:off x="0" y="0"/>
+          <a:ext cx="0" cy="0"/>
+          <a:chOff x="0" y="0"/>
+          <a:chExt cx="0" cy="0"/>
+        </a:xfrm>
+      </p:grpSpPr>
+      <p:sp>
+        <p:nvSpPr>
+          <p:cNvPr id="2" name="Title 1">
+            <a:extLst>
+              <a:ext uri="{FF2B5EF4-FFF2-40B4-BE49-F238E27FC236}">
+                <a16:creationId xmlns:a16="http://schemas.microsoft.com/office/drawing/2014/main" id="{4A1B39B4-94B7-E0B2-7367-AF46BD0B3660}"/>
+              </a:ext>
+            </a:extLst>
+          </p:cNvPr>
+          <p:cNvSpPr>
+            <a:spLocks noGrp="1"/>
+          </p:cNvSpPr>
+          <p:nvPr>
+            <p:ph type="title"/>
+          </p:nvPr>
+        </p:nvSpPr>
+        <p:spPr/>
+        <p:txBody>
+          <a:bodyPr/>
+          <a:lstStyle/>
+          <a:p>
+            <a:endParaRPr lang="en-US"/>
+          </a:p>
+        </p:txBody>
+      </p:sp>
+      <mc:AlternateContent xmlns:mc="http://schemas.openxmlformats.org/markup-compatibility/2006">
+        <mc:Choice xmlns:a14="http://schemas.microsoft.com/office/drawing/2010/main" Requires="a14">
+          <p:sp>
+            <p:nvSpPr>
+              <p:cNvPr id="3" name="Content Placeholder 2">
+                <a:extLst>
+                  <a:ext uri="{FF2B5EF4-FFF2-40B4-BE49-F238E27FC236}">
+                    <a16:creationId xmlns:a16="http://schemas.microsoft.com/office/drawing/2014/main" id="{0A5EDC81-4261-6DA9-F81E-1B49BDE6F7A1}"/>
+                  </a:ext>
+                </a:extLst>
+              </p:cNvPr>
+              <p:cNvSpPr>
+                <a:spLocks noGrp="1"/>
+              </p:cNvSpPr>
+              <p:nvPr>
+                <p:ph idx="1"/>
+              </p:nvPr>
+            </p:nvSpPr>
+            <p:spPr/>
+            <p:txBody>
+              <a:bodyPr>
+                <a:normAutofit/>
+              </a:bodyPr>
+              <a:lstStyle/>
+              <a:p>
+                <a:r>
+                  <a:rPr lang="en-US" dirty="0"/>
+                  <a:t>The formula calculates the normalized SoC:</a:t>
+                </a:r>
+                <a:endParaRPr lang="th-TH" dirty="0"/>
+              </a:p>
+              <a:p>
+                <a:endParaRPr lang="en-US" dirty="0"/>
+              </a:p>
+              <a:p>
+                <a:pPr marL="0" indent="0">
+                  <a:buNone/>
+                </a:pPr>
+                <a14:m>
+                  <m:oMathPara xmlns:m="http://schemas.openxmlformats.org/officeDocument/2006/math">
+                    <m:oMathParaPr>
+                      <m:jc m:val="centerGroup"/>
+                    </m:oMathParaPr>
+                    <m:oMath xmlns:m="http://schemas.openxmlformats.org/officeDocument/2006/math">
+                      <m:r>
+                        <a:rPr lang="en-US" i="1" dirty="0" smtClean="0">
+                          <a:latin typeface="Cambria Math" panose="02040503050406030204" pitchFamily="18" charset="0"/>
+                        </a:rPr>
+                        <m:t>𝑆𝑜𝐶</m:t>
+                      </m:r>
+                      <m:r>
+                        <a:rPr lang="en-US" i="1" dirty="0" smtClean="0">
+                          <a:latin typeface="Cambria Math" panose="02040503050406030204" pitchFamily="18" charset="0"/>
+                        </a:rPr>
+                        <m:t>= </m:t>
+                      </m:r>
+                      <m:f>
+                        <m:fPr>
+                          <m:ctrlPr>
+                            <a:rPr lang="en-US" i="1" dirty="0" smtClean="0">
+                              <a:latin typeface="Cambria Math" panose="02040503050406030204" pitchFamily="18" charset="0"/>
+                            </a:rPr>
+                          </m:ctrlPr>
+                        </m:fPr>
+                        <m:num>
+                          <m:r>
+                            <a:rPr lang="en-US" i="1" dirty="0" smtClean="0">
+                              <a:latin typeface="Cambria Math" panose="02040503050406030204" pitchFamily="18" charset="0"/>
+                            </a:rPr>
+                            <m:t>⁡</m:t>
+                          </m:r>
+                          <m:r>
+                            <a:rPr lang="en-US" i="1" dirty="0" smtClean="0">
+                              <a:latin typeface="Cambria Math" panose="02040503050406030204" pitchFamily="18" charset="0"/>
+                            </a:rPr>
+                            <m:t>𝑂𝐶𝑉</m:t>
+                          </m:r>
+                          <m:r>
+                            <a:rPr lang="en-US" i="1" dirty="0" smtClean="0">
+                              <a:latin typeface="Cambria Math" panose="02040503050406030204" pitchFamily="18" charset="0"/>
+                            </a:rPr>
+                            <m:t>−</m:t>
+                          </m:r>
+                          <m:r>
+                            <a:rPr lang="en-US" i="1" dirty="0" err="1" smtClean="0">
+                              <a:latin typeface="Cambria Math" panose="02040503050406030204" pitchFamily="18" charset="0"/>
+                            </a:rPr>
+                            <m:t>𝑂𝐶</m:t>
+                          </m:r>
+                          <m:sSub>
+                            <m:sSubPr>
+                              <m:ctrlPr>
+                                <a:rPr lang="en-US" i="1" dirty="0" err="1" smtClean="0">
+                                  <a:latin typeface="Cambria Math" panose="02040503050406030204" pitchFamily="18" charset="0"/>
+                                </a:rPr>
+                              </m:ctrlPr>
+                            </m:sSubPr>
+                            <m:e>
+                              <m:r>
+                                <a:rPr lang="en-US" i="1" dirty="0" err="1" smtClean="0">
+                                  <a:latin typeface="Cambria Math" panose="02040503050406030204" pitchFamily="18" charset="0"/>
+                                </a:rPr>
+                                <m:t>𝑉</m:t>
+                              </m:r>
+                            </m:e>
+                            <m:sub>
+                              <m:r>
+                                <m:rPr>
+                                  <m:sty m:val="p"/>
+                                </m:rPr>
+                                <a:rPr lang="en-US" i="1" dirty="0" err="1" smtClean="0">
+                                  <a:latin typeface="Cambria Math" panose="02040503050406030204" pitchFamily="18" charset="0"/>
+                                </a:rPr>
+                                <m:t>min</m:t>
+                              </m:r>
+                            </m:sub>
+                          </m:sSub>
+                        </m:num>
+                        <m:den>
+                          <m:r>
+                            <a:rPr lang="en-US" i="1" dirty="0" smtClean="0">
+                              <a:latin typeface="Cambria Math" panose="02040503050406030204" pitchFamily="18" charset="0"/>
+                            </a:rPr>
+                            <m:t>𝑂𝐶</m:t>
+                          </m:r>
+                          <m:sSub>
+                            <m:sSubPr>
+                              <m:ctrlPr>
+                                <a:rPr lang="en-US" i="1" dirty="0" smtClean="0">
+                                  <a:latin typeface="Cambria Math" panose="02040503050406030204" pitchFamily="18" charset="0"/>
+                                </a:rPr>
+                              </m:ctrlPr>
+                            </m:sSubPr>
+                            <m:e>
+                              <m:r>
+                                <a:rPr lang="en-US" i="1" dirty="0" smtClean="0">
+                                  <a:latin typeface="Cambria Math" panose="02040503050406030204" pitchFamily="18" charset="0"/>
+                                </a:rPr>
+                                <m:t>𝑉</m:t>
+                              </m:r>
+                            </m:e>
+                            <m:sub>
+                              <m:r>
+                                <m:rPr>
+                                  <m:sty m:val="p"/>
+                                </m:rPr>
+                                <a:rPr lang="en-US" i="1" dirty="0" smtClean="0">
+                                  <a:latin typeface="Cambria Math" panose="02040503050406030204" pitchFamily="18" charset="0"/>
+                                </a:rPr>
+                                <m:t>max</m:t>
+                              </m:r>
+                            </m:sub>
+                          </m:sSub>
+                          <m:r>
+                            <a:rPr lang="en-US" i="1" dirty="0" smtClean="0">
+                              <a:latin typeface="Cambria Math" panose="02040503050406030204" pitchFamily="18" charset="0"/>
+                            </a:rPr>
+                            <m:t>−</m:t>
+                          </m:r>
+                          <m:r>
+                            <a:rPr lang="en-US" i="1" dirty="0" smtClean="0">
+                              <a:latin typeface="Cambria Math" panose="02040503050406030204" pitchFamily="18" charset="0"/>
+                            </a:rPr>
+                            <m:t>𝑂𝐶</m:t>
+                          </m:r>
+                          <m:sSub>
+                            <m:sSubPr>
+                              <m:ctrlPr>
+                                <a:rPr lang="en-US" i="1" dirty="0" smtClean="0">
+                                  <a:latin typeface="Cambria Math" panose="02040503050406030204" pitchFamily="18" charset="0"/>
+                                </a:rPr>
+                              </m:ctrlPr>
+                            </m:sSubPr>
+                            <m:e>
+                              <m:r>
+                                <a:rPr lang="en-US" i="1" dirty="0" smtClean="0">
+                                  <a:latin typeface="Cambria Math" panose="02040503050406030204" pitchFamily="18" charset="0"/>
+                                </a:rPr>
+                                <m:t>𝑉</m:t>
+                              </m:r>
+                            </m:e>
+                            <m:sub>
+                              <m:r>
+                                <m:rPr>
+                                  <m:sty m:val="p"/>
+                                </m:rPr>
+                                <a:rPr lang="en-US" i="1" dirty="0" smtClean="0">
+                                  <a:latin typeface="Cambria Math" panose="02040503050406030204" pitchFamily="18" charset="0"/>
+                                </a:rPr>
+                                <m:t>min</m:t>
+                              </m:r>
+                            </m:sub>
+                          </m:sSub>
+                        </m:den>
+                      </m:f>
+                    </m:oMath>
+                  </m:oMathPara>
+                </a14:m>
+                <a:endParaRPr lang="th-TH" dirty="0"/>
+              </a:p>
+              <a:p>
+                <a:pPr marL="0" indent="0">
+                  <a:buNone/>
+                </a:pPr>
+                <a:endParaRPr lang="en-US" dirty="0"/>
+              </a:p>
+              <a:p>
+                <a:r>
+                  <a:rPr lang="en-US" dirty="0"/>
+                  <a:t>The result is clamped between 0 and 1 to ensure valid SoC values.</a:t>
+                </a:r>
+              </a:p>
+              <a:p>
+                <a:r>
+                  <a:rPr lang="en-US" dirty="0"/>
+                  <a:t>Note : In practice, this function should be replaced with a more accurate model (e.g., polynomial or lookup table) based on experimental data for the specific battery.</a:t>
+                </a:r>
+              </a:p>
+            </p:txBody>
+          </p:sp>
+        </mc:Choice>
+        <mc:Fallback>
+          <p:sp>
+            <p:nvSpPr>
+              <p:cNvPr id="3" name="Content Placeholder 2">
+                <a:extLst>
+                  <a:ext uri="{FF2B5EF4-FFF2-40B4-BE49-F238E27FC236}">
+                    <a16:creationId xmlns:a16="http://schemas.microsoft.com/office/drawing/2014/main" id="{0A5EDC81-4261-6DA9-F81E-1B49BDE6F7A1}"/>
+                  </a:ext>
+                </a:extLst>
+              </p:cNvPr>
+              <p:cNvSpPr>
+                <a:spLocks noGrp="1" noRot="1" noChangeAspect="1" noMove="1" noResize="1" noEditPoints="1" noAdjustHandles="1" noChangeArrowheads="1" noChangeShapeType="1" noTextEdit="1"/>
+              </p:cNvSpPr>
+              <p:nvPr>
+                <p:ph idx="1"/>
+              </p:nvPr>
+            </p:nvSpPr>
+            <p:spPr>
+              <a:blipFill>
+                <a:blip r:embed="rId2"/>
+                <a:stretch>
+                  <a:fillRect l="-1043" t="-2941"/>
+                </a:stretch>
+              </a:blipFill>
+            </p:spPr>
+            <p:txBody>
+              <a:bodyPr/>
+              <a:lstStyle/>
+              <a:p>
+                <a:r>
+                  <a:rPr lang="en-US">
+                    <a:noFill/>
+                  </a:rPr>
+                  <a:t> </a:t>
+                </a:r>
+              </a:p>
+            </p:txBody>
+          </p:sp>
+        </mc:Fallback>
+      </mc:AlternateContent>
+    </p:spTree>
+    <p:extLst>
+      <p:ext uri="{BB962C8B-B14F-4D97-AF65-F5344CB8AC3E}">
+        <p14:creationId xmlns:p14="http://schemas.microsoft.com/office/powerpoint/2010/main" val="3493752598"/>
+      </p:ext>
+    </p:extLst>
+  </p:cSld>
+  <p:clrMapOvr>
+    <a:masterClrMapping/>
+  </p:clrMapOvr>
+</p:sld>
+</file>
+
+<file path=ppt/slides/slide37.xml><?xml version="1.0" encoding="utf-8"?>
+<p:sld xmlns:a="http://schemas.openxmlformats.org/drawingml/2006/main" xmlns:r="http://schemas.openxmlformats.org/officeDocument/2006/relationships" xmlns:p="http://schemas.openxmlformats.org/presentationml/2006/main">
+  <p:cSld>
+    <p:spTree>
+      <p:nvGrpSpPr>
+        <p:cNvPr id="1" name=""/>
+        <p:cNvGrpSpPr/>
+        <p:nvPr/>
+      </p:nvGrpSpPr>
+      <p:grpSpPr>
+        <a:xfrm>
+          <a:off x="0" y="0"/>
+          <a:ext cx="0" cy="0"/>
+          <a:chOff x="0" y="0"/>
+          <a:chExt cx="0" cy="0"/>
+        </a:xfrm>
+      </p:grpSpPr>
+      <p:sp>
+        <p:nvSpPr>
+          <p:cNvPr id="2" name="Title 1">
+            <a:extLst>
+              <a:ext uri="{FF2B5EF4-FFF2-40B4-BE49-F238E27FC236}">
+                <a16:creationId xmlns:a16="http://schemas.microsoft.com/office/drawing/2014/main" id="{A83724CC-F5C1-1F46-1584-182D448DA592}"/>
+              </a:ext>
+            </a:extLst>
+          </p:cNvPr>
+          <p:cNvSpPr>
+            <a:spLocks noGrp="1"/>
+          </p:cNvSpPr>
+          <p:nvPr>
+            <p:ph type="title"/>
+          </p:nvPr>
+        </p:nvSpPr>
+        <p:spPr/>
+        <p:txBody>
+          <a:bodyPr/>
+          <a:lstStyle/>
+          <a:p>
+            <a:endParaRPr lang="en-US"/>
+          </a:p>
+        </p:txBody>
+      </p:sp>
+      <p:sp>
+        <p:nvSpPr>
+          <p:cNvPr id="3" name="Content Placeholder 2">
+            <a:extLst>
+              <a:ext uri="{FF2B5EF4-FFF2-40B4-BE49-F238E27FC236}">
+                <a16:creationId xmlns:a16="http://schemas.microsoft.com/office/drawing/2014/main" id="{BEE7A52F-9D00-D2EE-2A73-3BC35224DF38}"/>
+              </a:ext>
+            </a:extLst>
+          </p:cNvPr>
+          <p:cNvSpPr>
+            <a:spLocks noGrp="1"/>
+          </p:cNvSpPr>
+          <p:nvPr>
+            <p:ph idx="1"/>
+          </p:nvPr>
+        </p:nvSpPr>
+        <p:spPr/>
+        <p:txBody>
+          <a:bodyPr/>
+          <a:lstStyle/>
+          <a:p>
+            <a:endParaRPr lang="en-US"/>
+          </a:p>
+        </p:txBody>
+      </p:sp>
+      <p:pic>
+        <p:nvPicPr>
+          <p:cNvPr id="8" name="Content Placeholder 4">
+            <a:extLst>
+              <a:ext uri="{FF2B5EF4-FFF2-40B4-BE49-F238E27FC236}">
+                <a16:creationId xmlns:a16="http://schemas.microsoft.com/office/drawing/2014/main" id="{2122DB3F-F39D-D88D-CF6F-7C6E6E6FC587}"/>
+              </a:ext>
+            </a:extLst>
+          </p:cNvPr>
+          <p:cNvPicPr>
+            <a:picLocks noChangeAspect="1"/>
+          </p:cNvPicPr>
+          <p:nvPr/>
+        </p:nvPicPr>
+        <p:blipFill>
+          <a:blip r:embed="rId2"/>
+          <a:stretch>
+            <a:fillRect/>
+          </a:stretch>
+        </p:blipFill>
+        <p:spPr>
+          <a:xfrm>
+            <a:off x="469643" y="1491916"/>
+            <a:ext cx="11386046" cy="2963408"/>
+          </a:xfrm>
+          <a:prstGeom prst="rect">
+            <a:avLst/>
+          </a:prstGeom>
+        </p:spPr>
+      </p:pic>
+    </p:spTree>
+    <p:extLst>
+      <p:ext uri="{BB962C8B-B14F-4D97-AF65-F5344CB8AC3E}">
+        <p14:creationId xmlns:p14="http://schemas.microsoft.com/office/powerpoint/2010/main" val="2543379088"/>
+      </p:ext>
+    </p:extLst>
+  </p:cSld>
+  <p:clrMapOvr>
+    <a:masterClrMapping/>
+  </p:clrMapOvr>
+</p:sld>
+</file>
+
+<file path=ppt/slides/slide38.xml><?xml version="1.0" encoding="utf-8"?>
+<p:sld xmlns:a="http://schemas.openxmlformats.org/drawingml/2006/main" xmlns:r="http://schemas.openxmlformats.org/officeDocument/2006/relationships" xmlns:p="http://schemas.openxmlformats.org/presentationml/2006/main">
+  <p:cSld>
+    <p:spTree>
+      <p:nvGrpSpPr>
+        <p:cNvPr id="1" name=""/>
+        <p:cNvGrpSpPr/>
+        <p:nvPr/>
+      </p:nvGrpSpPr>
+      <p:grpSpPr>
+        <a:xfrm>
+          <a:off x="0" y="0"/>
+          <a:ext cx="0" cy="0"/>
+          <a:chOff x="0" y="0"/>
+          <a:chExt cx="0" cy="0"/>
+        </a:xfrm>
+      </p:grpSpPr>
+      <p:sp>
+        <p:nvSpPr>
+          <p:cNvPr id="2" name="Title 1">
+            <a:extLst>
+              <a:ext uri="{FF2B5EF4-FFF2-40B4-BE49-F238E27FC236}">
+                <a16:creationId xmlns:a16="http://schemas.microsoft.com/office/drawing/2014/main" id="{2B805538-A172-22BD-3058-4A3ED82A8377}"/>
+              </a:ext>
+            </a:extLst>
+          </p:cNvPr>
+          <p:cNvSpPr>
+            <a:spLocks noGrp="1"/>
+          </p:cNvSpPr>
+          <p:nvPr>
+            <p:ph type="title"/>
+          </p:nvPr>
+        </p:nvSpPr>
+        <p:spPr/>
+        <p:txBody>
+          <a:bodyPr/>
+          <a:lstStyle/>
+          <a:p>
+            <a:endParaRPr lang="en-US"/>
+          </a:p>
+        </p:txBody>
+      </p:sp>
+      <mc:AlternateContent xmlns:mc="http://schemas.openxmlformats.org/markup-compatibility/2006">
+        <mc:Choice xmlns:a14="http://schemas.microsoft.com/office/drawing/2010/main" Requires="a14">
+          <p:sp>
+            <p:nvSpPr>
+              <p:cNvPr id="3" name="Content Placeholder 2">
+                <a:extLst>
+                  <a:ext uri="{FF2B5EF4-FFF2-40B4-BE49-F238E27FC236}">
+                    <a16:creationId xmlns:a16="http://schemas.microsoft.com/office/drawing/2014/main" id="{93A87C70-5840-2B9B-906E-C18CF1749D4E}"/>
+                  </a:ext>
+                </a:extLst>
+              </p:cNvPr>
+              <p:cNvSpPr>
+                <a:spLocks noGrp="1"/>
+              </p:cNvSpPr>
+              <p:nvPr>
+                <p:ph idx="1"/>
+              </p:nvPr>
+            </p:nvSpPr>
+            <p:spPr/>
+            <p:txBody>
+              <a:bodyPr>
+                <a:normAutofit fontScale="77500" lnSpcReduction="20000"/>
+              </a:bodyPr>
+              <a:lstStyle/>
+              <a:p>
+                <a:r>
+                  <a:rPr lang="en-US" dirty="0"/>
+                  <a:t>Explanation:</a:t>
+                </a:r>
+              </a:p>
+              <a:p>
+                <a:r>
+                  <a:rPr lang="en-US" dirty="0"/>
+                  <a:t>Purpose : This function recalibrates the SoC estimate by blending the Coulomb-counted SoC (</a:t>
+                </a:r>
+                <a:r>
+                  <a:rPr lang="en-US" dirty="0" err="1"/>
+                  <a:t>soc_coulomb</a:t>
+                </a:r>
+                <a:r>
+                  <a:rPr lang="en-US" dirty="0"/>
+                  <a:t>) with the OCV-based SoC (</a:t>
+                </a:r>
+                <a:r>
+                  <a:rPr lang="en-US" dirty="0" err="1"/>
+                  <a:t>soc_ocv</a:t>
+                </a:r>
+                <a:r>
+                  <a:rPr lang="en-US" dirty="0"/>
+                  <a:t>).</a:t>
+                </a:r>
+              </a:p>
+              <a:p>
+                <a:r>
+                  <a:rPr lang="en-US" dirty="0"/>
+                  <a:t>Logic :</a:t>
+                </a:r>
+              </a:p>
+              <a:p>
+                <a:r>
+                  <a:rPr lang="en-US" dirty="0"/>
+                  <a:t>The OCV-based SoC is calculated using the </a:t>
+                </a:r>
+                <a:r>
+                  <a:rPr lang="en-US" dirty="0" err="1"/>
+                  <a:t>ocv_to_soc</a:t>
+                </a:r>
+                <a:r>
+                  <a:rPr lang="en-US" dirty="0"/>
+                  <a:t> function.</a:t>
+                </a:r>
+              </a:p>
+              <a:p>
+                <a:r>
+                  <a:rPr lang="en-US" dirty="0"/>
+                  <a:t>A weighted average is used to combine the two estimates:</a:t>
+                </a:r>
+              </a:p>
+              <a:p>
+                <a:pPr marL="0" indent="0">
+                  <a:buNone/>
+                </a:pPr>
+                <a14:m>
+                  <m:oMathPara xmlns:m="http://schemas.openxmlformats.org/officeDocument/2006/math">
+                    <m:oMathParaPr>
+                      <m:jc m:val="centerGroup"/>
+                    </m:oMathParaPr>
+                    <m:oMath xmlns:m="http://schemas.openxmlformats.org/officeDocument/2006/math">
+                      <m:r>
+                        <a:rPr lang="en-US" i="1" dirty="0" smtClean="0">
+                          <a:latin typeface="Cambria Math" panose="02040503050406030204" pitchFamily="18" charset="0"/>
+                        </a:rPr>
+                        <m:t>𝑆𝑜𝐶</m:t>
+                      </m:r>
+                      <m:r>
+                        <a:rPr lang="en-US" i="1" dirty="0" smtClean="0">
+                          <a:latin typeface="Cambria Math" panose="02040503050406030204" pitchFamily="18" charset="0"/>
+                        </a:rPr>
+                        <m:t>_</m:t>
+                      </m:r>
+                      <m:r>
+                        <a:rPr lang="en-US" i="1" dirty="0" smtClean="0">
+                          <a:latin typeface="Cambria Math" panose="02040503050406030204" pitchFamily="18" charset="0"/>
+                        </a:rPr>
+                        <m:t>𝑛𝑒𝑤</m:t>
+                      </m:r>
+                      <m:r>
+                        <a:rPr lang="en-US" i="1" dirty="0" smtClean="0">
+                          <a:latin typeface="Cambria Math" panose="02040503050406030204" pitchFamily="18" charset="0"/>
+                        </a:rPr>
+                        <m:t>=</m:t>
+                      </m:r>
+                      <m:r>
+                        <a:rPr lang="en-US" i="1" dirty="0" smtClean="0">
+                          <a:latin typeface="Cambria Math" panose="02040503050406030204" pitchFamily="18" charset="0"/>
+                        </a:rPr>
+                        <m:t>𝛼</m:t>
+                      </m:r>
+                      <m:r>
+                        <a:rPr lang="en-US" i="1" dirty="0" smtClean="0">
+                          <a:latin typeface="Cambria Math" panose="02040503050406030204" pitchFamily="18" charset="0"/>
+                        </a:rPr>
+                        <m:t>⋅</m:t>
+                      </m:r>
+                      <m:r>
+                        <a:rPr lang="en-US" i="1" dirty="0" err="1" smtClean="0">
+                          <a:latin typeface="Cambria Math" panose="02040503050406030204" pitchFamily="18" charset="0"/>
+                        </a:rPr>
+                        <m:t>𝑆𝑜𝐶</m:t>
+                      </m:r>
+                      <m:r>
+                        <a:rPr lang="en-US" i="1" dirty="0" err="1" smtClean="0">
+                          <a:latin typeface="Cambria Math" panose="02040503050406030204" pitchFamily="18" charset="0"/>
+                        </a:rPr>
+                        <m:t>_</m:t>
+                      </m:r>
+                      <m:r>
+                        <a:rPr lang="en-US" i="1" dirty="0" err="1" smtClean="0">
+                          <a:latin typeface="Cambria Math" panose="02040503050406030204" pitchFamily="18" charset="0"/>
+                        </a:rPr>
+                        <m:t>𝑐𝑜𝑢𝑙𝑜𝑚𝑏</m:t>
+                      </m:r>
+                      <m:r>
+                        <a:rPr lang="en-US" i="1" dirty="0" smtClean="0">
+                          <a:latin typeface="Cambria Math" panose="02040503050406030204" pitchFamily="18" charset="0"/>
+                        </a:rPr>
+                        <m:t>+(1−</m:t>
+                      </m:r>
+                      <m:r>
+                        <a:rPr lang="en-US" i="1" dirty="0" smtClean="0">
+                          <a:latin typeface="Cambria Math" panose="02040503050406030204" pitchFamily="18" charset="0"/>
+                        </a:rPr>
+                        <m:t>𝛼</m:t>
+                      </m:r>
+                      <m:r>
+                        <a:rPr lang="en-US" i="1" dirty="0" smtClean="0">
+                          <a:latin typeface="Cambria Math" panose="02040503050406030204" pitchFamily="18" charset="0"/>
+                        </a:rPr>
+                        <m:t>)⋅</m:t>
+                      </m:r>
+                      <m:r>
+                        <a:rPr lang="en-US" i="1" dirty="0" err="1" smtClean="0">
+                          <a:latin typeface="Cambria Math" panose="02040503050406030204" pitchFamily="18" charset="0"/>
+                        </a:rPr>
+                        <m:t>𝑆𝑜𝐶</m:t>
+                      </m:r>
+                      <m:r>
+                        <a:rPr lang="en-US" i="1" dirty="0" err="1" smtClean="0">
+                          <a:latin typeface="Cambria Math" panose="02040503050406030204" pitchFamily="18" charset="0"/>
+                        </a:rPr>
+                        <m:t>_</m:t>
+                      </m:r>
+                      <m:r>
+                        <a:rPr lang="en-US" i="1" dirty="0" err="1" smtClean="0">
+                          <a:latin typeface="Cambria Math" panose="02040503050406030204" pitchFamily="18" charset="0"/>
+                        </a:rPr>
+                        <m:t>𝑜𝑐𝑣</m:t>
+                      </m:r>
+                    </m:oMath>
+                  </m:oMathPara>
+                </a14:m>
+                <a:endParaRPr lang="en-US" dirty="0"/>
+              </a:p>
+              <a:p>
+                <a:r>
+                  <a:rPr lang="en-US" dirty="0"/>
+                  <a:t>alpha determines how much weight is given to the Coulomb-counted </a:t>
+                </a:r>
+                <a:r>
+                  <a:rPr lang="en-US" dirty="0" err="1"/>
+                  <a:t>SoC.</a:t>
+                </a:r>
+                <a:r>
+                  <a:rPr lang="en-US" dirty="0"/>
+                  <a:t> For example:</a:t>
+                </a:r>
+              </a:p>
+              <a:p>
+                <a:r>
+                  <a:rPr lang="en-US" dirty="0"/>
+                  <a:t>alpha = 0.9: 90% trust in Coulomb counting, 10% trust in OCV.</a:t>
+                </a:r>
+              </a:p>
+              <a:p>
+                <a:r>
+                  <a:rPr lang="en-US" dirty="0"/>
+                  <a:t>alpha = 0.5: Equal trust in both methods.</a:t>
+                </a:r>
+              </a:p>
+              <a:p>
+                <a:r>
+                  <a:rPr lang="en-US" dirty="0"/>
+                  <a:t>Use Case : This recalibration is particularly useful during rest periods when the OCV provides a reliable absolute reference for </a:t>
+                </a:r>
+                <a:r>
+                  <a:rPr lang="en-US" dirty="0" err="1"/>
+                  <a:t>SoC.</a:t>
+                </a:r>
+                <a:endParaRPr lang="en-US" dirty="0"/>
+              </a:p>
+            </p:txBody>
+          </p:sp>
+        </mc:Choice>
+        <mc:Fallback>
+          <p:sp>
+            <p:nvSpPr>
+              <p:cNvPr id="3" name="Content Placeholder 2">
+                <a:extLst>
+                  <a:ext uri="{FF2B5EF4-FFF2-40B4-BE49-F238E27FC236}">
+                    <a16:creationId xmlns:a16="http://schemas.microsoft.com/office/drawing/2014/main" id="{93A87C70-5840-2B9B-906E-C18CF1749D4E}"/>
+                  </a:ext>
+                </a:extLst>
+              </p:cNvPr>
+              <p:cNvSpPr>
+                <a:spLocks noGrp="1" noRot="1" noChangeAspect="1" noMove="1" noResize="1" noEditPoints="1" noAdjustHandles="1" noChangeArrowheads="1" noChangeShapeType="1" noTextEdit="1"/>
+              </p:cNvSpPr>
+              <p:nvPr>
+                <p:ph idx="1"/>
+              </p:nvPr>
+            </p:nvSpPr>
+            <p:spPr>
+              <a:blipFill>
+                <a:blip r:embed="rId2"/>
+                <a:stretch>
+                  <a:fillRect l="-696" t="-2801"/>
+                </a:stretch>
+              </a:blipFill>
+            </p:spPr>
+            <p:txBody>
+              <a:bodyPr/>
+              <a:lstStyle/>
+              <a:p>
+                <a:r>
+                  <a:rPr lang="en-US">
+                    <a:noFill/>
+                  </a:rPr>
+                  <a:t> </a:t>
+                </a:r>
+              </a:p>
+            </p:txBody>
+          </p:sp>
+        </mc:Fallback>
+      </mc:AlternateContent>
+    </p:spTree>
+    <p:extLst>
+      <p:ext uri="{BB962C8B-B14F-4D97-AF65-F5344CB8AC3E}">
+        <p14:creationId xmlns:p14="http://schemas.microsoft.com/office/powerpoint/2010/main" val="4093311690"/>
+      </p:ext>
+    </p:extLst>
+  </p:cSld>
+  <p:clrMapOvr>
+    <a:masterClrMapping/>
+  </p:clrMapOvr>
+</p:sld>
+</file>
+
+<file path=ppt/slides/slide39.xml><?xml version="1.0" encoding="utf-8"?>
+<p:sld xmlns:a="http://schemas.openxmlformats.org/drawingml/2006/main" xmlns:r="http://schemas.openxmlformats.org/officeDocument/2006/relationships" xmlns:p="http://schemas.openxmlformats.org/presentationml/2006/main">
+  <p:cSld>
+    <p:spTree>
+      <p:nvGrpSpPr>
+        <p:cNvPr id="1" name=""/>
+        <p:cNvGrpSpPr/>
+        <p:nvPr/>
+      </p:nvGrpSpPr>
+      <p:grpSpPr>
+        <a:xfrm>
+          <a:off x="0" y="0"/>
+          <a:ext cx="0" cy="0"/>
+          <a:chOff x="0" y="0"/>
+          <a:chExt cx="0" cy="0"/>
+        </a:xfrm>
+      </p:grpSpPr>
+      <p:sp>
+        <p:nvSpPr>
+          <p:cNvPr id="2" name="Title 1">
+            <a:extLst>
+              <a:ext uri="{FF2B5EF4-FFF2-40B4-BE49-F238E27FC236}">
+                <a16:creationId xmlns:a16="http://schemas.microsoft.com/office/drawing/2014/main" id="{24262FDF-FC38-3A16-346F-4FF4F2CC9275}"/>
+              </a:ext>
+            </a:extLst>
+          </p:cNvPr>
+          <p:cNvSpPr>
+            <a:spLocks noGrp="1"/>
+          </p:cNvSpPr>
+          <p:nvPr>
+            <p:ph type="title"/>
+          </p:nvPr>
+        </p:nvSpPr>
+        <p:spPr/>
+        <p:txBody>
+          <a:bodyPr/>
+          <a:lstStyle/>
+          <a:p>
+            <a:endParaRPr lang="en-US"/>
+          </a:p>
+        </p:txBody>
+      </p:sp>
+      <p:sp>
+        <p:nvSpPr>
+          <p:cNvPr id="3" name="Content Placeholder 2">
+            <a:extLst>
+              <a:ext uri="{FF2B5EF4-FFF2-40B4-BE49-F238E27FC236}">
+                <a16:creationId xmlns:a16="http://schemas.microsoft.com/office/drawing/2014/main" id="{FE140A79-8BAB-7893-082D-C2C94D3B0353}"/>
+              </a:ext>
+            </a:extLst>
+          </p:cNvPr>
+          <p:cNvSpPr>
+            <a:spLocks noGrp="1"/>
+          </p:cNvSpPr>
+          <p:nvPr>
+            <p:ph idx="1"/>
+          </p:nvPr>
+        </p:nvSpPr>
+        <p:spPr/>
+        <p:txBody>
+          <a:bodyPr/>
+          <a:lstStyle/>
+          <a:p>
+            <a:endParaRPr lang="en-US"/>
+          </a:p>
+        </p:txBody>
+      </p:sp>
+      <p:pic>
+        <p:nvPicPr>
+          <p:cNvPr id="5" name="Picture 4">
+            <a:extLst>
+              <a:ext uri="{FF2B5EF4-FFF2-40B4-BE49-F238E27FC236}">
+                <a16:creationId xmlns:a16="http://schemas.microsoft.com/office/drawing/2014/main" id="{CA13B4E2-4192-BED1-B80F-444C5009EFD9}"/>
+              </a:ext>
+            </a:extLst>
+          </p:cNvPr>
+          <p:cNvPicPr>
+            <a:picLocks noChangeAspect="1"/>
+          </p:cNvPicPr>
+          <p:nvPr/>
+        </p:nvPicPr>
+        <p:blipFill>
+          <a:blip r:embed="rId2"/>
+          <a:stretch>
+            <a:fillRect/>
+          </a:stretch>
+        </p:blipFill>
+        <p:spPr>
+          <a:xfrm>
+            <a:off x="0" y="597785"/>
+            <a:ext cx="12192000" cy="5662430"/>
+          </a:xfrm>
+          <a:prstGeom prst="rect">
+            <a:avLst/>
+          </a:prstGeom>
+        </p:spPr>
+      </p:pic>
+    </p:spTree>
+    <p:extLst>
+      <p:ext uri="{BB962C8B-B14F-4D97-AF65-F5344CB8AC3E}">
+        <p14:creationId xmlns:p14="http://schemas.microsoft.com/office/powerpoint/2010/main" val="1608724313"/>
       </p:ext>
     </p:extLst>
   </p:cSld>
@@ -10827,7 +14643,7 @@
         <p:spPr/>
         <p:txBody>
           <a:bodyPr>
-            <a:normAutofit fontScale="55000" lnSpcReduction="20000"/>
+            <a:normAutofit fontScale="92500" lnSpcReduction="10000"/>
           </a:bodyPr>
           <a:lstStyle/>
           <a:p>
@@ -10870,7 +14686,7 @@
                 <a:effectLst/>
                 <a:latin typeface="system-ui"/>
               </a:rPr>
-              <a:t>Measurement Noise </a:t>
+              <a:t> Measurement Noise </a:t>
             </a:r>
             <a:r>
               <a:rPr lang="en-US" b="0" i="0" dirty="0">
@@ -10884,15 +14700,13 @@
             </a:r>
           </a:p>
           <a:p>
-            <a:pPr marL="742950" lvl="1" indent="-285750" algn="l">
+            <a:pPr lvl="1">
               <a:spcBef>
                 <a:spcPts val="900"/>
               </a:spcBef>
               <a:spcAft>
                 <a:spcPts val="900"/>
               </a:spcAft>
-              <a:buFont typeface="+mj-lt"/>
-              <a:buAutoNum type="arabicPeriod"/>
             </a:pPr>
             <a:r>
               <a:rPr lang="en-US" b="0" i="0" dirty="0">
@@ -10906,15 +14720,13 @@
             </a:r>
           </a:p>
           <a:p>
-            <a:pPr marL="742950" lvl="1" indent="-285750" algn="l">
+            <a:pPr lvl="1">
               <a:spcBef>
                 <a:spcPts val="900"/>
               </a:spcBef>
               <a:spcAft>
                 <a:spcPts val="900"/>
               </a:spcAft>
-              <a:buFont typeface="+mj-lt"/>
-              <a:buAutoNum type="arabicPeriod"/>
             </a:pPr>
             <a:r>
               <a:rPr lang="en-US" b="0" i="0" dirty="0">
@@ -10946,7 +14758,7 @@
                 <a:effectLst/>
                 <a:latin typeface="system-ui"/>
               </a:rPr>
-              <a:t>Model Uncertainty </a:t>
+              <a:t> Model Uncertainty </a:t>
             </a:r>
             <a:r>
               <a:rPr lang="en-US" b="0" i="0" dirty="0">
@@ -10960,15 +14772,13 @@
             </a:r>
           </a:p>
           <a:p>
-            <a:pPr marL="742950" lvl="1" indent="-285750" algn="l">
+            <a:pPr lvl="1">
               <a:spcBef>
                 <a:spcPts val="900"/>
               </a:spcBef>
               <a:spcAft>
                 <a:spcPts val="900"/>
               </a:spcAft>
-              <a:buFont typeface="+mj-lt"/>
-              <a:buAutoNum type="arabicPeriod"/>
             </a:pPr>
             <a:r>
               <a:rPr lang="en-US" b="0" i="0" dirty="0">
@@ -10982,15 +14792,13 @@
             </a:r>
           </a:p>
           <a:p>
-            <a:pPr marL="742950" lvl="1" indent="-285750" algn="l">
+            <a:pPr lvl="1">
               <a:spcBef>
                 <a:spcPts val="900"/>
               </a:spcBef>
               <a:spcAft>
                 <a:spcPts val="900"/>
               </a:spcAft>
-              <a:buFont typeface="+mj-lt"/>
-              <a:buAutoNum type="arabicPeriod"/>
             </a:pPr>
             <a:r>
               <a:rPr lang="en-US" b="0" i="0" dirty="0">
@@ -11001,114 +14809,6 @@
                 <a:latin typeface="system-ui"/>
               </a:rPr>
               <a:t>Factors like aging, temperature, and hysteresis further complicate the model.</a:t>
-            </a:r>
-          </a:p>
-          <a:p>
-            <a:pPr algn="l">
-              <a:spcBef>
-                <a:spcPts val="900"/>
-              </a:spcBef>
-              <a:spcAft>
-                <a:spcPts val="900"/>
-              </a:spcAft>
-              <a:buFont typeface="+mj-lt"/>
-              <a:buAutoNum type="arabicPeriod"/>
-            </a:pPr>
-            <a:r>
-              <a:rPr lang="en-US" b="0" i="0" dirty="0">
-                <a:solidFill>
-                  <a:srgbClr val="111827"/>
-                </a:solidFill>
-                <a:effectLst/>
-                <a:latin typeface="system-ui"/>
-              </a:rPr>
-              <a:t>Drift in Coulomb Counting </a:t>
-            </a:r>
-            <a:r>
-              <a:rPr lang="en-US" b="0" i="0" dirty="0">
-                <a:solidFill>
-                  <a:srgbClr val="2C2C36"/>
-                </a:solidFill>
-                <a:effectLst/>
-                <a:latin typeface="system-ui"/>
-              </a:rPr>
-              <a:t>:</a:t>
-            </a:r>
-          </a:p>
-          <a:p>
-            <a:pPr marL="742950" lvl="1" indent="-285750" algn="l">
-              <a:spcBef>
-                <a:spcPts val="900"/>
-              </a:spcBef>
-              <a:spcAft>
-                <a:spcPts val="900"/>
-              </a:spcAft>
-              <a:buFont typeface="+mj-lt"/>
-              <a:buAutoNum type="arabicPeriod"/>
-            </a:pPr>
-            <a:r>
-              <a:rPr lang="en-US" b="0" i="0" dirty="0">
-                <a:solidFill>
-                  <a:srgbClr val="2C2C36"/>
-                </a:solidFill>
-                <a:effectLst/>
-                <a:latin typeface="system-ui"/>
-              </a:rPr>
-              <a:t>Coulomb counting estimates SoC by integrating current over time. However, small errors in current measurements accumulate over time, leading to drift.</a:t>
-            </a:r>
-          </a:p>
-          <a:p>
-            <a:pPr algn="l">
-              <a:spcBef>
-                <a:spcPts val="900"/>
-              </a:spcBef>
-              <a:spcAft>
-                <a:spcPts val="900"/>
-              </a:spcAft>
-              <a:buFont typeface="+mj-lt"/>
-              <a:buAutoNum type="arabicPeriod"/>
-            </a:pPr>
-            <a:r>
-              <a:rPr lang="en-US" b="0" i="0" dirty="0">
-                <a:solidFill>
-                  <a:srgbClr val="111827"/>
-                </a:solidFill>
-                <a:effectLst/>
-                <a:latin typeface="system-ui"/>
-              </a:rPr>
-              <a:t>Dynamic Behavior </a:t>
-            </a:r>
-            <a:r>
-              <a:rPr lang="en-US" b="0" i="0" dirty="0">
-                <a:solidFill>
-                  <a:srgbClr val="2C2C36"/>
-                </a:solidFill>
-                <a:effectLst/>
-                <a:latin typeface="system-ui"/>
-              </a:rPr>
-              <a:t>:</a:t>
-            </a:r>
-          </a:p>
-          <a:p>
-            <a:pPr marL="742950" lvl="1" indent="-285750" algn="l">
-              <a:spcBef>
-                <a:spcPts val="900"/>
-              </a:spcBef>
-              <a:spcAft>
-                <a:spcPts val="900"/>
-              </a:spcAft>
-              <a:buFont typeface="+mj-lt"/>
-              <a:buAutoNum type="arabicPeriod"/>
-            </a:pPr>
-            <a:r>
-              <a:rPr lang="en-US" b="0" i="0" dirty="0">
-                <a:solidFill>
-                  <a:srgbClr val="2C2C36"/>
-                </a:solidFill>
-                <a:effectLst/>
-                <a:latin typeface="system-ui"/>
-              </a:rPr>
-              <a:t>Batteries are dynamic systems where SoC changes continuously based on load conditions, making real-time estimation critical.</a:t>
             </a:r>
           </a:p>
           <a:p>
@@ -11129,7 +14829,2904 @@
 </p:sld>
 </file>
 
+<file path=ppt/slides/slide40.xml><?xml version="1.0" encoding="utf-8"?>
+<p:sld xmlns:a="http://schemas.openxmlformats.org/drawingml/2006/main" xmlns:r="http://schemas.openxmlformats.org/officeDocument/2006/relationships" xmlns:p="http://schemas.openxmlformats.org/presentationml/2006/main">
+  <p:cSld>
+    <p:spTree>
+      <p:nvGrpSpPr>
+        <p:cNvPr id="1" name=""/>
+        <p:cNvGrpSpPr/>
+        <p:nvPr/>
+      </p:nvGrpSpPr>
+      <p:grpSpPr>
+        <a:xfrm>
+          <a:off x="0" y="0"/>
+          <a:ext cx="0" cy="0"/>
+          <a:chOff x="0" y="0"/>
+          <a:chExt cx="0" cy="0"/>
+        </a:xfrm>
+      </p:grpSpPr>
+      <p:sp>
+        <p:nvSpPr>
+          <p:cNvPr id="2" name="Title 1">
+            <a:extLst>
+              <a:ext uri="{FF2B5EF4-FFF2-40B4-BE49-F238E27FC236}">
+                <a16:creationId xmlns:a16="http://schemas.microsoft.com/office/drawing/2014/main" id="{B4D66880-B8A2-3C68-DD44-4305E5787821}"/>
+              </a:ext>
+            </a:extLst>
+          </p:cNvPr>
+          <p:cNvSpPr>
+            <a:spLocks noGrp="1"/>
+          </p:cNvSpPr>
+          <p:nvPr>
+            <p:ph type="title"/>
+          </p:nvPr>
+        </p:nvSpPr>
+        <p:spPr/>
+        <p:txBody>
+          <a:bodyPr/>
+          <a:lstStyle/>
+          <a:p>
+            <a:r>
+              <a:rPr lang="en-US" dirty="0"/>
+              <a:t>Explanation:</a:t>
+            </a:r>
+          </a:p>
+        </p:txBody>
+      </p:sp>
+      <mc:AlternateContent xmlns:mc="http://schemas.openxmlformats.org/markup-compatibility/2006">
+        <mc:Choice xmlns:a14="http://schemas.microsoft.com/office/drawing/2010/main" Requires="a14">
+          <p:sp>
+            <p:nvSpPr>
+              <p:cNvPr id="3" name="Content Placeholder 2">
+                <a:extLst>
+                  <a:ext uri="{FF2B5EF4-FFF2-40B4-BE49-F238E27FC236}">
+                    <a16:creationId xmlns:a16="http://schemas.microsoft.com/office/drawing/2014/main" id="{1DC05B37-5721-059A-F86B-B7BA41D812FD}"/>
+                  </a:ext>
+                </a:extLst>
+              </p:cNvPr>
+              <p:cNvSpPr>
+                <a:spLocks noGrp="1"/>
+              </p:cNvSpPr>
+              <p:nvPr>
+                <p:ph idx="1"/>
+              </p:nvPr>
+            </p:nvSpPr>
+            <p:spPr/>
+            <p:txBody>
+              <a:bodyPr>
+                <a:normAutofit fontScale="92500" lnSpcReduction="20000"/>
+              </a:bodyPr>
+              <a:lstStyle/>
+              <a:p>
+                <a:r>
+                  <a:rPr lang="en-US" dirty="0"/>
+                  <a:t>Purpose : This function estimates the new SoC by integrating the current over time while accounting for temperature effects and optionally recalibrating using OCV.</a:t>
+                </a:r>
+              </a:p>
+              <a:p>
+                <a:r>
+                  <a:rPr lang="en-US" dirty="0"/>
+                  <a:t>Steps :</a:t>
+                </a:r>
+              </a:p>
+              <a:p>
+                <a:r>
+                  <a:rPr lang="en-US" dirty="0"/>
+                  <a:t>1) Temperature Correction :</a:t>
+                </a:r>
+              </a:p>
+              <a:p>
+                <a:pPr lvl="1"/>
+                <a:r>
+                  <a:rPr lang="en-US" dirty="0"/>
+                  <a:t>The effective capacity is calculated using the </a:t>
+                </a:r>
+                <a:r>
+                  <a:rPr lang="en-US" dirty="0" err="1"/>
+                  <a:t>temperature_corrected_capacity</a:t>
+                </a:r>
+                <a:r>
+                  <a:rPr lang="en-US" dirty="0"/>
+                  <a:t> function.</a:t>
+                </a:r>
+              </a:p>
+              <a:p>
+                <a:r>
+                  <a:rPr lang="en-US" dirty="0"/>
+                  <a:t>2) Charge Change Calculation :</a:t>
+                </a:r>
+              </a:p>
+              <a:p>
+                <a:pPr lvl="1"/>
+                <a:r>
+                  <a:rPr lang="en-US" dirty="0"/>
+                  <a:t>The change in charge (</a:t>
+                </a:r>
+                <a:r>
+                  <a:rPr lang="en-US" dirty="0" err="1"/>
+                  <a:t>charge_change</a:t>
+                </a:r>
+                <a:r>
+                  <a:rPr lang="en-US" dirty="0"/>
+                  <a:t>) is calculated as:</a:t>
+                </a:r>
+              </a:p>
+              <a:p>
+                <a:pPr marL="0" indent="0">
+                  <a:buNone/>
+                </a:pPr>
+                <a14:m>
+                  <m:oMathPara xmlns:m="http://schemas.openxmlformats.org/officeDocument/2006/math">
+                    <m:oMathParaPr>
+                      <m:jc m:val="centerGroup"/>
+                    </m:oMathParaPr>
+                    <m:oMath xmlns:m="http://schemas.openxmlformats.org/officeDocument/2006/math">
+                      <m:r>
+                        <a:rPr lang="en-US" i="1" dirty="0" smtClean="0">
+                          <a:latin typeface="Cambria Math" panose="02040503050406030204" pitchFamily="18" charset="0"/>
+                        </a:rPr>
+                        <m:t>𝑐</m:t>
+                      </m:r>
+                      <m:r>
+                        <a:rPr lang="en-US" i="1" dirty="0" smtClean="0">
+                          <a:latin typeface="Cambria Math" panose="02040503050406030204" pitchFamily="18" charset="0"/>
+                        </a:rPr>
+                        <m:t>h</m:t>
+                      </m:r>
+                      <m:r>
+                        <a:rPr lang="en-US" i="1" dirty="0" smtClean="0">
+                          <a:latin typeface="Cambria Math" panose="02040503050406030204" pitchFamily="18" charset="0"/>
+                        </a:rPr>
+                        <m:t>𝑎𝑟𝑔𝑒</m:t>
+                      </m:r>
+                      <m:r>
+                        <a:rPr lang="en-US" i="1" dirty="0" smtClean="0">
+                          <a:latin typeface="Cambria Math" panose="02040503050406030204" pitchFamily="18" charset="0"/>
+                        </a:rPr>
+                        <m:t>_</m:t>
+                      </m:r>
+                      <m:r>
+                        <a:rPr lang="en-US" i="1" dirty="0" smtClean="0">
+                          <a:latin typeface="Cambria Math" panose="02040503050406030204" pitchFamily="18" charset="0"/>
+                        </a:rPr>
+                        <m:t>𝑐</m:t>
+                      </m:r>
+                      <m:r>
+                        <a:rPr lang="en-US" i="1" dirty="0" smtClean="0">
+                          <a:latin typeface="Cambria Math" panose="02040503050406030204" pitchFamily="18" charset="0"/>
+                        </a:rPr>
+                        <m:t>h</m:t>
+                      </m:r>
+                      <m:r>
+                        <a:rPr lang="en-US" i="1" dirty="0" smtClean="0">
+                          <a:latin typeface="Cambria Math" panose="02040503050406030204" pitchFamily="18" charset="0"/>
+                        </a:rPr>
+                        <m:t>𝑎𝑛𝑔𝑒</m:t>
+                      </m:r>
+                      <m:r>
+                        <a:rPr lang="en-US" i="1" dirty="0" smtClean="0">
+                          <a:latin typeface="Cambria Math" panose="02040503050406030204" pitchFamily="18" charset="0"/>
+                        </a:rPr>
+                        <m:t>=</m:t>
+                      </m:r>
+                      <m:r>
+                        <a:rPr lang="en-US" i="1" dirty="0" err="1" smtClean="0">
+                          <a:latin typeface="Cambria Math" panose="02040503050406030204" pitchFamily="18" charset="0"/>
+                        </a:rPr>
+                        <m:t>𝑐𝑢𝑟𝑟𝑒𝑛𝑡</m:t>
+                      </m:r>
+                      <m:r>
+                        <a:rPr lang="en-US" i="1" dirty="0" err="1" smtClean="0">
+                          <a:latin typeface="Cambria Math" panose="02040503050406030204" pitchFamily="18" charset="0"/>
+                        </a:rPr>
+                        <m:t>⋅</m:t>
+                      </m:r>
+                      <m:r>
+                        <a:rPr lang="en-US" i="1" dirty="0" err="1" smtClean="0">
+                          <a:latin typeface="Cambria Math" panose="02040503050406030204" pitchFamily="18" charset="0"/>
+                        </a:rPr>
+                        <m:t>𝑡𝑖𝑚𝑒</m:t>
+                      </m:r>
+                      <m:r>
+                        <a:rPr lang="en-US" i="1" dirty="0" err="1" smtClean="0">
+                          <a:latin typeface="Cambria Math" panose="02040503050406030204" pitchFamily="18" charset="0"/>
+                        </a:rPr>
+                        <m:t>_</m:t>
+                      </m:r>
+                      <m:r>
+                        <a:rPr lang="en-US" i="1" dirty="0" err="1" smtClean="0">
+                          <a:latin typeface="Cambria Math" panose="02040503050406030204" pitchFamily="18" charset="0"/>
+                        </a:rPr>
+                        <m:t>𝑠𝑡𝑒𝑝</m:t>
+                      </m:r>
+                    </m:oMath>
+                  </m:oMathPara>
+                </a14:m>
+                <a:endParaRPr lang="en-US" dirty="0"/>
+              </a:p>
+              <a:p>
+                <a:r>
+                  <a:rPr lang="en-US" dirty="0"/>
+                  <a:t>Positive current indicates charging, while negative current indicates discharging.</a:t>
+                </a:r>
+              </a:p>
+            </p:txBody>
+          </p:sp>
+        </mc:Choice>
+        <mc:Fallback>
+          <p:sp>
+            <p:nvSpPr>
+              <p:cNvPr id="3" name="Content Placeholder 2">
+                <a:extLst>
+                  <a:ext uri="{FF2B5EF4-FFF2-40B4-BE49-F238E27FC236}">
+                    <a16:creationId xmlns:a16="http://schemas.microsoft.com/office/drawing/2014/main" id="{1DC05B37-5721-059A-F86B-B7BA41D812FD}"/>
+                  </a:ext>
+                </a:extLst>
+              </p:cNvPr>
+              <p:cNvSpPr>
+                <a:spLocks noGrp="1" noRot="1" noChangeAspect="1" noMove="1" noResize="1" noEditPoints="1" noAdjustHandles="1" noChangeArrowheads="1" noChangeShapeType="1" noTextEdit="1"/>
+              </p:cNvSpPr>
+              <p:nvPr>
+                <p:ph idx="1"/>
+              </p:nvPr>
+            </p:nvSpPr>
+            <p:spPr>
+              <a:blipFill>
+                <a:blip r:embed="rId2"/>
+                <a:stretch>
+                  <a:fillRect l="-928" t="-3501"/>
+                </a:stretch>
+              </a:blipFill>
+            </p:spPr>
+            <p:txBody>
+              <a:bodyPr/>
+              <a:lstStyle/>
+              <a:p>
+                <a:r>
+                  <a:rPr lang="en-US">
+                    <a:noFill/>
+                  </a:rPr>
+                  <a:t> </a:t>
+                </a:r>
+              </a:p>
+            </p:txBody>
+          </p:sp>
+        </mc:Fallback>
+      </mc:AlternateContent>
+    </p:spTree>
+    <p:extLst>
+      <p:ext uri="{BB962C8B-B14F-4D97-AF65-F5344CB8AC3E}">
+        <p14:creationId xmlns:p14="http://schemas.microsoft.com/office/powerpoint/2010/main" val="3020368856"/>
+      </p:ext>
+    </p:extLst>
+  </p:cSld>
+  <p:clrMapOvr>
+    <a:masterClrMapping/>
+  </p:clrMapOvr>
+</p:sld>
+</file>
+
+<file path=ppt/slides/slide41.xml><?xml version="1.0" encoding="utf-8"?>
+<p:sld xmlns:a="http://schemas.openxmlformats.org/drawingml/2006/main" xmlns:r="http://schemas.openxmlformats.org/officeDocument/2006/relationships" xmlns:p="http://schemas.openxmlformats.org/presentationml/2006/main">
+  <p:cSld>
+    <p:spTree>
+      <p:nvGrpSpPr>
+        <p:cNvPr id="1" name=""/>
+        <p:cNvGrpSpPr/>
+        <p:nvPr/>
+      </p:nvGrpSpPr>
+      <p:grpSpPr>
+        <a:xfrm>
+          <a:off x="0" y="0"/>
+          <a:ext cx="0" cy="0"/>
+          <a:chOff x="0" y="0"/>
+          <a:chExt cx="0" cy="0"/>
+        </a:xfrm>
+      </p:grpSpPr>
+      <p:sp>
+        <p:nvSpPr>
+          <p:cNvPr id="2" name="Title 1">
+            <a:extLst>
+              <a:ext uri="{FF2B5EF4-FFF2-40B4-BE49-F238E27FC236}">
+                <a16:creationId xmlns:a16="http://schemas.microsoft.com/office/drawing/2014/main" id="{3702F19A-2BE9-123E-620B-695D711C8EF0}"/>
+              </a:ext>
+            </a:extLst>
+          </p:cNvPr>
+          <p:cNvSpPr>
+            <a:spLocks noGrp="1"/>
+          </p:cNvSpPr>
+          <p:nvPr>
+            <p:ph type="title"/>
+          </p:nvPr>
+        </p:nvSpPr>
+        <p:spPr/>
+        <p:txBody>
+          <a:bodyPr/>
+          <a:lstStyle/>
+          <a:p>
+            <a:endParaRPr lang="en-US"/>
+          </a:p>
+        </p:txBody>
+      </p:sp>
+      <mc:AlternateContent xmlns:mc="http://schemas.openxmlformats.org/markup-compatibility/2006">
+        <mc:Choice xmlns:a14="http://schemas.microsoft.com/office/drawing/2010/main" Requires="a14">
+          <p:sp>
+            <p:nvSpPr>
+              <p:cNvPr id="3" name="Content Placeholder 2">
+                <a:extLst>
+                  <a:ext uri="{FF2B5EF4-FFF2-40B4-BE49-F238E27FC236}">
+                    <a16:creationId xmlns:a16="http://schemas.microsoft.com/office/drawing/2014/main" id="{32E32A18-FDF9-DBCC-12AB-D478D72BEA35}"/>
+                  </a:ext>
+                </a:extLst>
+              </p:cNvPr>
+              <p:cNvSpPr>
+                <a:spLocks noGrp="1"/>
+              </p:cNvSpPr>
+              <p:nvPr>
+                <p:ph idx="1"/>
+              </p:nvPr>
+            </p:nvSpPr>
+            <p:spPr/>
+            <p:txBody>
+              <a:bodyPr>
+                <a:normAutofit fontScale="77500" lnSpcReduction="20000"/>
+              </a:bodyPr>
+              <a:lstStyle/>
+              <a:p>
+                <a:r>
+                  <a:rPr lang="en-US" dirty="0"/>
+                  <a:t> 3) SoC Update :</a:t>
+                </a:r>
+              </a:p>
+              <a:p>
+                <a:r>
+                  <a:rPr lang="en-US" dirty="0"/>
+                  <a:t>The change in SoC (</a:t>
+                </a:r>
+                <a:r>
+                  <a:rPr lang="en-US" dirty="0" err="1"/>
+                  <a:t>soc_change</a:t>
+                </a:r>
+                <a:r>
+                  <a:rPr lang="en-US" dirty="0"/>
+                  <a:t>) is proportional to the charge change divided by the effective capacity:</a:t>
+                </a:r>
+              </a:p>
+              <a:p>
+                <a:pPr marL="0" indent="0">
+                  <a:buNone/>
+                </a:pPr>
+                <a14:m>
+                  <m:oMathPara xmlns:m="http://schemas.openxmlformats.org/officeDocument/2006/math">
+                    <m:oMathParaPr>
+                      <m:jc m:val="centerGroup"/>
+                    </m:oMathParaPr>
+                    <m:oMath xmlns:m="http://schemas.openxmlformats.org/officeDocument/2006/math">
+                      <m:r>
+                        <a:rPr lang="en-US" i="1" dirty="0" smtClean="0">
+                          <a:latin typeface="Cambria Math" panose="02040503050406030204" pitchFamily="18" charset="0"/>
+                        </a:rPr>
+                        <m:t>𝑆𝑜𝐶</m:t>
+                      </m:r>
+                      <m:r>
+                        <a:rPr lang="en-US" i="1" dirty="0" smtClean="0">
+                          <a:latin typeface="Cambria Math" panose="02040503050406030204" pitchFamily="18" charset="0"/>
+                        </a:rPr>
+                        <m:t>_</m:t>
+                      </m:r>
+                      <m:r>
+                        <a:rPr lang="en-US" i="1" dirty="0" smtClean="0">
+                          <a:latin typeface="Cambria Math" panose="02040503050406030204" pitchFamily="18" charset="0"/>
+                        </a:rPr>
+                        <m:t>𝑐h𝑎𝑛𝑔𝑒</m:t>
+                      </m:r>
+                      <m:r>
+                        <a:rPr lang="en-US" i="1" dirty="0" smtClean="0">
+                          <a:latin typeface="Cambria Math" panose="02040503050406030204" pitchFamily="18" charset="0"/>
+                        </a:rPr>
+                        <m:t>=  </m:t>
+                      </m:r>
+                      <m:f>
+                        <m:fPr>
+                          <m:ctrlPr>
+                            <a:rPr lang="en-US" b="0" i="1" dirty="0" smtClean="0">
+                              <a:latin typeface="Cambria Math" panose="02040503050406030204" pitchFamily="18" charset="0"/>
+                            </a:rPr>
+                          </m:ctrlPr>
+                        </m:fPr>
+                        <m:num>
+                          <m:r>
+                            <a:rPr lang="en-US" i="1" dirty="0" smtClean="0">
+                              <a:latin typeface="Cambria Math" panose="02040503050406030204" pitchFamily="18" charset="0"/>
+                            </a:rPr>
+                            <m:t>𝑐h𝑎𝑟𝑔𝑒</m:t>
+                          </m:r>
+                          <m:r>
+                            <a:rPr lang="en-US" i="1" dirty="0" smtClean="0">
+                              <a:latin typeface="Cambria Math" panose="02040503050406030204" pitchFamily="18" charset="0"/>
+                            </a:rPr>
+                            <m:t>_</m:t>
+                          </m:r>
+                          <m:r>
+                            <a:rPr lang="en-US" i="1" dirty="0" smtClean="0">
+                              <a:latin typeface="Cambria Math" panose="02040503050406030204" pitchFamily="18" charset="0"/>
+                            </a:rPr>
+                            <m:t>𝑐h𝑎𝑛𝑔𝑒</m:t>
+                          </m:r>
+                          <m:r>
+                            <m:rPr>
+                              <m:nor/>
+                            </m:rPr>
+                            <a:rPr lang="en-US" dirty="0"/>
+                            <m:t> </m:t>
+                          </m:r>
+                        </m:num>
+                        <m:den>
+                          <m:r>
+                            <a:rPr lang="en-US" i="1" dirty="0" smtClean="0">
+                              <a:latin typeface="Cambria Math" panose="02040503050406030204" pitchFamily="18" charset="0"/>
+                            </a:rPr>
+                            <m:t>𝑐𝑎𝑝𝑎𝑐𝑖𝑡𝑦</m:t>
+                          </m:r>
+                          <m:r>
+                            <a:rPr lang="en-US" i="1" dirty="0" smtClean="0">
+                              <a:latin typeface="Cambria Math" panose="02040503050406030204" pitchFamily="18" charset="0"/>
+                            </a:rPr>
+                            <m:t>_</m:t>
+                          </m:r>
+                          <m:r>
+                            <a:rPr lang="en-US" i="1" dirty="0" smtClean="0">
+                              <a:latin typeface="Cambria Math" panose="02040503050406030204" pitchFamily="18" charset="0"/>
+                            </a:rPr>
+                            <m:t>𝑒𝑓𝑓𝑒𝑐𝑡𝑖𝑣𝑒</m:t>
+                          </m:r>
+                          <m:r>
+                            <m:rPr>
+                              <m:nor/>
+                            </m:rPr>
+                            <a:rPr lang="en-US" dirty="0"/>
+                            <m:t> </m:t>
+                          </m:r>
+                        </m:den>
+                      </m:f>
+                    </m:oMath>
+                  </m:oMathPara>
+                </a14:m>
+                <a:endParaRPr lang="en-US" dirty="0"/>
+              </a:p>
+              <a:p>
+                <a:r>
+                  <a:rPr lang="en-US" dirty="0"/>
+                  <a:t>The new SoC is updated by adding the change to the initial SoC:</a:t>
+                </a:r>
+              </a:p>
+              <a:p>
+                <a:pPr marL="0" indent="0">
+                  <a:buNone/>
+                </a:pPr>
+                <a14:m>
+                  <m:oMathPara xmlns:m="http://schemas.openxmlformats.org/officeDocument/2006/math">
+                    <m:oMathParaPr>
+                      <m:jc m:val="centerGroup"/>
+                    </m:oMathParaPr>
+                    <m:oMath xmlns:m="http://schemas.openxmlformats.org/officeDocument/2006/math">
+                      <m:r>
+                        <a:rPr lang="en-US" i="1" dirty="0" smtClean="0">
+                          <a:latin typeface="Cambria Math" panose="02040503050406030204" pitchFamily="18" charset="0"/>
+                        </a:rPr>
+                        <m:t>𝑆𝑜𝐶</m:t>
+                      </m:r>
+                      <m:r>
+                        <a:rPr lang="en-US" i="1" dirty="0" smtClean="0">
+                          <a:latin typeface="Cambria Math" panose="02040503050406030204" pitchFamily="18" charset="0"/>
+                        </a:rPr>
+                        <m:t>_</m:t>
+                      </m:r>
+                      <m:r>
+                        <a:rPr lang="en-US" i="1" dirty="0" smtClean="0">
+                          <a:latin typeface="Cambria Math" panose="02040503050406030204" pitchFamily="18" charset="0"/>
+                        </a:rPr>
+                        <m:t>𝑛𝑒𝑤</m:t>
+                      </m:r>
+                      <m:r>
+                        <a:rPr lang="en-US" i="1" dirty="0" smtClean="0">
+                          <a:latin typeface="Cambria Math" panose="02040503050406030204" pitchFamily="18" charset="0"/>
+                        </a:rPr>
+                        <m:t>=</m:t>
+                      </m:r>
+                      <m:r>
+                        <a:rPr lang="en-US" i="1" dirty="0" err="1" smtClean="0">
+                          <a:latin typeface="Cambria Math" panose="02040503050406030204" pitchFamily="18" charset="0"/>
+                        </a:rPr>
+                        <m:t>𝑆𝑜𝐶</m:t>
+                      </m:r>
+                      <m:r>
+                        <a:rPr lang="en-US" i="1" dirty="0" err="1" smtClean="0">
+                          <a:latin typeface="Cambria Math" panose="02040503050406030204" pitchFamily="18" charset="0"/>
+                        </a:rPr>
+                        <m:t>_</m:t>
+                      </m:r>
+                      <m:r>
+                        <a:rPr lang="en-US" i="1" dirty="0" err="1" smtClean="0">
+                          <a:latin typeface="Cambria Math" panose="02040503050406030204" pitchFamily="18" charset="0"/>
+                        </a:rPr>
+                        <m:t>𝑖𝑛𝑖𝑡𝑖𝑎𝑙</m:t>
+                      </m:r>
+                      <m:r>
+                        <a:rPr lang="en-US" i="1" dirty="0" err="1" smtClean="0">
+                          <a:latin typeface="Cambria Math" panose="02040503050406030204" pitchFamily="18" charset="0"/>
+                        </a:rPr>
+                        <m:t>+</m:t>
+                      </m:r>
+                      <m:r>
+                        <a:rPr lang="en-US" i="1" dirty="0" err="1" smtClean="0">
+                          <a:latin typeface="Cambria Math" panose="02040503050406030204" pitchFamily="18" charset="0"/>
+                        </a:rPr>
+                        <m:t>𝑆𝑜𝐶</m:t>
+                      </m:r>
+                      <m:r>
+                        <a:rPr lang="en-US" i="1" dirty="0" err="1" smtClean="0">
+                          <a:latin typeface="Cambria Math" panose="02040503050406030204" pitchFamily="18" charset="0"/>
+                        </a:rPr>
+                        <m:t>_</m:t>
+                      </m:r>
+                      <m:r>
+                        <a:rPr lang="en-US" i="1" dirty="0" err="1" smtClean="0">
+                          <a:latin typeface="Cambria Math" panose="02040503050406030204" pitchFamily="18" charset="0"/>
+                        </a:rPr>
+                        <m:t>𝑐h𝑎𝑛𝑔𝑒</m:t>
+                      </m:r>
+                    </m:oMath>
+                  </m:oMathPara>
+                </a14:m>
+                <a:endParaRPr lang="en-US" dirty="0"/>
+              </a:p>
+              <a:p>
+                <a:r>
+                  <a:rPr lang="en-US" dirty="0"/>
+                  <a:t>The result is clamped between 0 and 1 to ensure valid SoC values.</a:t>
+                </a:r>
+              </a:p>
+              <a:p>
+                <a:endParaRPr lang="en-US" dirty="0"/>
+              </a:p>
+              <a:p>
+                <a:r>
+                  <a:rPr lang="en-US" dirty="0"/>
+                  <a:t>4) Recalibration During Rest :</a:t>
+                </a:r>
+              </a:p>
+              <a:p>
+                <a:r>
+                  <a:rPr lang="en-US" dirty="0"/>
+                  <a:t>If the battery is in a rest period (</a:t>
+                </a:r>
+                <a:r>
+                  <a:rPr lang="en-US" dirty="0" err="1"/>
+                  <a:t>is_rest_period</a:t>
+                </a:r>
+                <a:r>
+                  <a:rPr lang="en-US" dirty="0"/>
+                  <a:t> = True) and an OCV measurement is available (</a:t>
+                </a:r>
+                <a:r>
+                  <a:rPr lang="en-US" dirty="0" err="1"/>
+                  <a:t>ocv_measured</a:t>
+                </a:r>
+                <a:r>
+                  <a:rPr lang="en-US" dirty="0"/>
+                  <a:t>), the SoC is recalibrated using the </a:t>
+                </a:r>
+                <a:r>
+                  <a:rPr lang="en-US" dirty="0" err="1"/>
+                  <a:t>recalibrate_soc</a:t>
+                </a:r>
+                <a:r>
+                  <a:rPr lang="en-US" dirty="0"/>
+                  <a:t> function.</a:t>
+                </a:r>
+              </a:p>
+              <a:p>
+                <a:r>
+                  <a:rPr lang="en-US" dirty="0"/>
+                  <a:t>Output : The updated SoC value after integrating the current and applying corrections.</a:t>
+                </a:r>
+              </a:p>
+              <a:p>
+                <a:endParaRPr lang="en-US" dirty="0"/>
+              </a:p>
+            </p:txBody>
+          </p:sp>
+        </mc:Choice>
+        <mc:Fallback>
+          <p:sp>
+            <p:nvSpPr>
+              <p:cNvPr id="3" name="Content Placeholder 2">
+                <a:extLst>
+                  <a:ext uri="{FF2B5EF4-FFF2-40B4-BE49-F238E27FC236}">
+                    <a16:creationId xmlns:a16="http://schemas.microsoft.com/office/drawing/2014/main" id="{32E32A18-FDF9-DBCC-12AB-D478D72BEA35}"/>
+                  </a:ext>
+                </a:extLst>
+              </p:cNvPr>
+              <p:cNvSpPr>
+                <a:spLocks noGrp="1" noRot="1" noChangeAspect="1" noMove="1" noResize="1" noEditPoints="1" noAdjustHandles="1" noChangeArrowheads="1" noChangeShapeType="1" noTextEdit="1"/>
+              </p:cNvSpPr>
+              <p:nvPr>
+                <p:ph idx="1"/>
+              </p:nvPr>
+            </p:nvSpPr>
+            <p:spPr>
+              <a:blipFill>
+                <a:blip r:embed="rId2"/>
+                <a:stretch>
+                  <a:fillRect l="-696" t="-2801" b="-980"/>
+                </a:stretch>
+              </a:blipFill>
+            </p:spPr>
+            <p:txBody>
+              <a:bodyPr/>
+              <a:lstStyle/>
+              <a:p>
+                <a:r>
+                  <a:rPr lang="en-US">
+                    <a:noFill/>
+                  </a:rPr>
+                  <a:t> </a:t>
+                </a:r>
+              </a:p>
+            </p:txBody>
+          </p:sp>
+        </mc:Fallback>
+      </mc:AlternateContent>
+    </p:spTree>
+    <p:extLst>
+      <p:ext uri="{BB962C8B-B14F-4D97-AF65-F5344CB8AC3E}">
+        <p14:creationId xmlns:p14="http://schemas.microsoft.com/office/powerpoint/2010/main" val="2848424872"/>
+      </p:ext>
+    </p:extLst>
+  </p:cSld>
+  <p:clrMapOvr>
+    <a:masterClrMapping/>
+  </p:clrMapOvr>
+</p:sld>
+</file>
+
+<file path=ppt/slides/slide42.xml><?xml version="1.0" encoding="utf-8"?>
+<p:sld xmlns:a="http://schemas.openxmlformats.org/drawingml/2006/main" xmlns:r="http://schemas.openxmlformats.org/officeDocument/2006/relationships" xmlns:p="http://schemas.openxmlformats.org/presentationml/2006/main">
+  <p:cSld>
+    <p:spTree>
+      <p:nvGrpSpPr>
+        <p:cNvPr id="1" name=""/>
+        <p:cNvGrpSpPr/>
+        <p:nvPr/>
+      </p:nvGrpSpPr>
+      <p:grpSpPr>
+        <a:xfrm>
+          <a:off x="0" y="0"/>
+          <a:ext cx="0" cy="0"/>
+          <a:chOff x="0" y="0"/>
+          <a:chExt cx="0" cy="0"/>
+        </a:xfrm>
+      </p:grpSpPr>
+      <p:sp>
+        <p:nvSpPr>
+          <p:cNvPr id="2" name="Title 1">
+            <a:extLst>
+              <a:ext uri="{FF2B5EF4-FFF2-40B4-BE49-F238E27FC236}">
+                <a16:creationId xmlns:a16="http://schemas.microsoft.com/office/drawing/2014/main" id="{DD4D24D4-C96A-C0BE-01CE-D053F7234956}"/>
+              </a:ext>
+            </a:extLst>
+          </p:cNvPr>
+          <p:cNvSpPr>
+            <a:spLocks noGrp="1"/>
+          </p:cNvSpPr>
+          <p:nvPr>
+            <p:ph type="title"/>
+          </p:nvPr>
+        </p:nvSpPr>
+        <p:spPr/>
+        <p:txBody>
+          <a:bodyPr/>
+          <a:lstStyle/>
+          <a:p>
+            <a:endParaRPr lang="en-US"/>
+          </a:p>
+        </p:txBody>
+      </p:sp>
+      <p:sp>
+        <p:nvSpPr>
+          <p:cNvPr id="3" name="Content Placeholder 2">
+            <a:extLst>
+              <a:ext uri="{FF2B5EF4-FFF2-40B4-BE49-F238E27FC236}">
+                <a16:creationId xmlns:a16="http://schemas.microsoft.com/office/drawing/2014/main" id="{DA5CC73B-9A51-D692-D31B-86AAD50DAC91}"/>
+              </a:ext>
+            </a:extLst>
+          </p:cNvPr>
+          <p:cNvSpPr>
+            <a:spLocks noGrp="1"/>
+          </p:cNvSpPr>
+          <p:nvPr>
+            <p:ph idx="1"/>
+          </p:nvPr>
+        </p:nvSpPr>
+        <p:spPr/>
+        <p:txBody>
+          <a:bodyPr/>
+          <a:lstStyle/>
+          <a:p>
+            <a:endParaRPr lang="en-US"/>
+          </a:p>
+        </p:txBody>
+      </p:sp>
+      <p:pic>
+        <p:nvPicPr>
+          <p:cNvPr id="5" name="Picture 4">
+            <a:extLst>
+              <a:ext uri="{FF2B5EF4-FFF2-40B4-BE49-F238E27FC236}">
+                <a16:creationId xmlns:a16="http://schemas.microsoft.com/office/drawing/2014/main" id="{7A6AA1DE-1BED-88B4-4F56-1EB2230399B9}"/>
+              </a:ext>
+            </a:extLst>
+          </p:cNvPr>
+          <p:cNvPicPr>
+            <a:picLocks noChangeAspect="1"/>
+          </p:cNvPicPr>
+          <p:nvPr/>
+        </p:nvPicPr>
+        <p:blipFill>
+          <a:blip r:embed="rId2"/>
+          <a:stretch>
+            <a:fillRect/>
+          </a:stretch>
+        </p:blipFill>
+        <p:spPr>
+          <a:xfrm>
+            <a:off x="0" y="1619703"/>
+            <a:ext cx="12192000" cy="3618593"/>
+          </a:xfrm>
+          <a:prstGeom prst="rect">
+            <a:avLst/>
+          </a:prstGeom>
+        </p:spPr>
+      </p:pic>
+    </p:spTree>
+    <p:extLst>
+      <p:ext uri="{BB962C8B-B14F-4D97-AF65-F5344CB8AC3E}">
+        <p14:creationId xmlns:p14="http://schemas.microsoft.com/office/powerpoint/2010/main" val="3049476443"/>
+      </p:ext>
+    </p:extLst>
+  </p:cSld>
+  <p:clrMapOvr>
+    <a:masterClrMapping/>
+  </p:clrMapOvr>
+</p:sld>
+</file>
+
+<file path=ppt/slides/slide43.xml><?xml version="1.0" encoding="utf-8"?>
+<p:sld xmlns:a="http://schemas.openxmlformats.org/drawingml/2006/main" xmlns:r="http://schemas.openxmlformats.org/officeDocument/2006/relationships" xmlns:p="http://schemas.openxmlformats.org/presentationml/2006/main">
+  <p:cSld>
+    <p:spTree>
+      <p:nvGrpSpPr>
+        <p:cNvPr id="1" name=""/>
+        <p:cNvGrpSpPr/>
+        <p:nvPr/>
+      </p:nvGrpSpPr>
+      <p:grpSpPr>
+        <a:xfrm>
+          <a:off x="0" y="0"/>
+          <a:ext cx="0" cy="0"/>
+          <a:chOff x="0" y="0"/>
+          <a:chExt cx="0" cy="0"/>
+        </a:xfrm>
+      </p:grpSpPr>
+      <p:sp>
+        <p:nvSpPr>
+          <p:cNvPr id="2" name="Title 1">
+            <a:extLst>
+              <a:ext uri="{FF2B5EF4-FFF2-40B4-BE49-F238E27FC236}">
+                <a16:creationId xmlns:a16="http://schemas.microsoft.com/office/drawing/2014/main" id="{D00FAAA5-EF0F-01D0-7A8E-EEC574443696}"/>
+              </a:ext>
+            </a:extLst>
+          </p:cNvPr>
+          <p:cNvSpPr>
+            <a:spLocks noGrp="1"/>
+          </p:cNvSpPr>
+          <p:nvPr>
+            <p:ph type="title"/>
+          </p:nvPr>
+        </p:nvSpPr>
+        <p:spPr/>
+        <p:txBody>
+          <a:bodyPr/>
+          <a:lstStyle/>
+          <a:p>
+            <a:endParaRPr lang="en-US"/>
+          </a:p>
+        </p:txBody>
+      </p:sp>
+      <p:sp>
+        <p:nvSpPr>
+          <p:cNvPr id="3" name="Content Placeholder 2">
+            <a:extLst>
+              <a:ext uri="{FF2B5EF4-FFF2-40B4-BE49-F238E27FC236}">
+                <a16:creationId xmlns:a16="http://schemas.microsoft.com/office/drawing/2014/main" id="{AB974787-369E-BDBE-EB93-68F3D3E16DF5}"/>
+              </a:ext>
+            </a:extLst>
+          </p:cNvPr>
+          <p:cNvSpPr>
+            <a:spLocks noGrp="1"/>
+          </p:cNvSpPr>
+          <p:nvPr>
+            <p:ph idx="1"/>
+          </p:nvPr>
+        </p:nvSpPr>
+        <p:spPr/>
+        <p:txBody>
+          <a:bodyPr>
+            <a:normAutofit lnSpcReduction="10000"/>
+          </a:bodyPr>
+          <a:lstStyle/>
+          <a:p>
+            <a:pPr algn="l">
+              <a:spcBef>
+                <a:spcPts val="900"/>
+              </a:spcBef>
+              <a:spcAft>
+                <a:spcPts val="900"/>
+              </a:spcAft>
+              <a:buNone/>
+            </a:pPr>
+            <a:r>
+              <a:rPr lang="en-US" b="1" i="0" dirty="0">
+                <a:solidFill>
+                  <a:srgbClr val="2C2C36"/>
+                </a:solidFill>
+                <a:effectLst/>
+                <a:latin typeface="system-ui"/>
+              </a:rPr>
+              <a:t>Explanation:</a:t>
+            </a:r>
+          </a:p>
+          <a:p>
+            <a:pPr algn="l">
+              <a:spcBef>
+                <a:spcPts val="900"/>
+              </a:spcBef>
+              <a:spcAft>
+                <a:spcPts val="900"/>
+              </a:spcAft>
+              <a:buFont typeface="Arial" panose="020B0604020202020204" pitchFamily="34" charset="0"/>
+              <a:buChar char="•"/>
+            </a:pPr>
+            <a:r>
+              <a:rPr lang="en-US" b="0" i="0" dirty="0">
+                <a:solidFill>
+                  <a:srgbClr val="111827"/>
+                </a:solidFill>
+                <a:effectLst/>
+                <a:latin typeface="system-ui"/>
+              </a:rPr>
+              <a:t>Purpose </a:t>
+            </a:r>
+            <a:r>
+              <a:rPr lang="en-US" b="0" i="0" dirty="0">
+                <a:solidFill>
+                  <a:srgbClr val="2C2C36"/>
+                </a:solidFill>
+                <a:effectLst/>
+                <a:latin typeface="system-ui"/>
+              </a:rPr>
+              <a:t>: This function performs traditional Coulomb counting without accounting for temperature effects or OCV recalibration.</a:t>
+            </a:r>
+          </a:p>
+          <a:p>
+            <a:pPr algn="l">
+              <a:spcBef>
+                <a:spcPts val="900"/>
+              </a:spcBef>
+              <a:spcAft>
+                <a:spcPts val="900"/>
+              </a:spcAft>
+              <a:buFont typeface="Arial" panose="020B0604020202020204" pitchFamily="34" charset="0"/>
+              <a:buChar char="•"/>
+            </a:pPr>
+            <a:r>
+              <a:rPr lang="en-US" b="0" i="0" dirty="0">
+                <a:solidFill>
+                  <a:srgbClr val="111827"/>
+                </a:solidFill>
+                <a:effectLst/>
+                <a:latin typeface="system-ui"/>
+              </a:rPr>
+              <a:t>Logic </a:t>
+            </a:r>
+            <a:r>
+              <a:rPr lang="en-US" b="0" i="0" dirty="0">
+                <a:solidFill>
+                  <a:srgbClr val="2C2C36"/>
+                </a:solidFill>
+                <a:effectLst/>
+                <a:latin typeface="system-ui"/>
+              </a:rPr>
+              <a:t>:</a:t>
+            </a:r>
+          </a:p>
+          <a:p>
+            <a:pPr marL="742950" lvl="1" indent="-285750" algn="l">
+              <a:spcBef>
+                <a:spcPts val="900"/>
+              </a:spcBef>
+              <a:spcAft>
+                <a:spcPts val="900"/>
+              </a:spcAft>
+              <a:buFont typeface="Arial" panose="020B0604020202020204" pitchFamily="34" charset="0"/>
+              <a:buChar char="•"/>
+            </a:pPr>
+            <a:r>
+              <a:rPr lang="en-US" b="0" i="0" dirty="0">
+                <a:solidFill>
+                  <a:srgbClr val="2C2C36"/>
+                </a:solidFill>
+                <a:effectLst/>
+                <a:latin typeface="system-ui"/>
+              </a:rPr>
+              <a:t>The change in SoC is calculated using the nominal capacity instead of the temperature-corrected capacity.</a:t>
+            </a:r>
+          </a:p>
+          <a:p>
+            <a:pPr marL="742950" lvl="1" indent="-285750" algn="l">
+              <a:spcBef>
+                <a:spcPts val="900"/>
+              </a:spcBef>
+              <a:spcAft>
+                <a:spcPts val="900"/>
+              </a:spcAft>
+              <a:buFont typeface="Arial" panose="020B0604020202020204" pitchFamily="34" charset="0"/>
+              <a:buChar char="•"/>
+            </a:pPr>
+            <a:r>
+              <a:rPr lang="en-US" b="0" i="0" dirty="0">
+                <a:solidFill>
+                  <a:srgbClr val="2C2C36"/>
+                </a:solidFill>
+                <a:effectLst/>
+                <a:latin typeface="system-ui"/>
+              </a:rPr>
+              <a:t>No recalibration is applied during rest periods.</a:t>
+            </a:r>
+          </a:p>
+          <a:p>
+            <a:pPr algn="l">
+              <a:spcBef>
+                <a:spcPts val="900"/>
+              </a:spcBef>
+              <a:spcAft>
+                <a:spcPts val="900"/>
+              </a:spcAft>
+              <a:buFont typeface="Arial" panose="020B0604020202020204" pitchFamily="34" charset="0"/>
+              <a:buChar char="•"/>
+            </a:pPr>
+            <a:r>
+              <a:rPr lang="en-US" b="0" i="0" dirty="0">
+                <a:solidFill>
+                  <a:srgbClr val="111827"/>
+                </a:solidFill>
+                <a:effectLst/>
+                <a:latin typeface="system-ui"/>
+              </a:rPr>
+              <a:t>Use Case </a:t>
+            </a:r>
+            <a:r>
+              <a:rPr lang="en-US" b="0" i="0" dirty="0">
+                <a:solidFill>
+                  <a:srgbClr val="2C2C36"/>
+                </a:solidFill>
+                <a:effectLst/>
+                <a:latin typeface="system-ui"/>
+              </a:rPr>
+              <a:t>: This serves as a baseline for comparison with the compensated method.</a:t>
+            </a:r>
+          </a:p>
+          <a:p>
+            <a:endParaRPr lang="en-US" dirty="0"/>
+          </a:p>
+        </p:txBody>
+      </p:sp>
+    </p:spTree>
+    <p:extLst>
+      <p:ext uri="{BB962C8B-B14F-4D97-AF65-F5344CB8AC3E}">
+        <p14:creationId xmlns:p14="http://schemas.microsoft.com/office/powerpoint/2010/main" val="2259626973"/>
+      </p:ext>
+    </p:extLst>
+  </p:cSld>
+  <p:clrMapOvr>
+    <a:masterClrMapping/>
+  </p:clrMapOvr>
+</p:sld>
+</file>
+
+<file path=ppt/slides/slide44.xml><?xml version="1.0" encoding="utf-8"?>
+<p:sld xmlns:a="http://schemas.openxmlformats.org/drawingml/2006/main" xmlns:r="http://schemas.openxmlformats.org/officeDocument/2006/relationships" xmlns:p="http://schemas.openxmlformats.org/presentationml/2006/main">
+  <p:cSld>
+    <p:spTree>
+      <p:nvGrpSpPr>
+        <p:cNvPr id="1" name=""/>
+        <p:cNvGrpSpPr/>
+        <p:nvPr/>
+      </p:nvGrpSpPr>
+      <p:grpSpPr>
+        <a:xfrm>
+          <a:off x="0" y="0"/>
+          <a:ext cx="0" cy="0"/>
+          <a:chOff x="0" y="0"/>
+          <a:chExt cx="0" cy="0"/>
+        </a:xfrm>
+      </p:grpSpPr>
+      <p:sp>
+        <p:nvSpPr>
+          <p:cNvPr id="2" name="Title 1">
+            <a:extLst>
+              <a:ext uri="{FF2B5EF4-FFF2-40B4-BE49-F238E27FC236}">
+                <a16:creationId xmlns:a16="http://schemas.microsoft.com/office/drawing/2014/main" id="{BCDADC1C-2C70-E1F0-4B0D-BD0C10B04B7E}"/>
+              </a:ext>
+            </a:extLst>
+          </p:cNvPr>
+          <p:cNvSpPr>
+            <a:spLocks noGrp="1"/>
+          </p:cNvSpPr>
+          <p:nvPr>
+            <p:ph type="title"/>
+          </p:nvPr>
+        </p:nvSpPr>
+        <p:spPr/>
+        <p:txBody>
+          <a:bodyPr/>
+          <a:lstStyle/>
+          <a:p>
+            <a:endParaRPr lang="en-US"/>
+          </a:p>
+        </p:txBody>
+      </p:sp>
+      <p:sp>
+        <p:nvSpPr>
+          <p:cNvPr id="3" name="Content Placeholder 2">
+            <a:extLst>
+              <a:ext uri="{FF2B5EF4-FFF2-40B4-BE49-F238E27FC236}">
+                <a16:creationId xmlns:a16="http://schemas.microsoft.com/office/drawing/2014/main" id="{D037C995-99E3-5794-00F5-2EACF65A21EE}"/>
+              </a:ext>
+            </a:extLst>
+          </p:cNvPr>
+          <p:cNvSpPr>
+            <a:spLocks noGrp="1"/>
+          </p:cNvSpPr>
+          <p:nvPr>
+            <p:ph idx="1"/>
+          </p:nvPr>
+        </p:nvSpPr>
+        <p:spPr/>
+        <p:txBody>
+          <a:bodyPr/>
+          <a:lstStyle/>
+          <a:p>
+            <a:endParaRPr lang="en-US"/>
+          </a:p>
+        </p:txBody>
+      </p:sp>
+      <p:pic>
+        <p:nvPicPr>
+          <p:cNvPr id="5" name="Picture 4">
+            <a:extLst>
+              <a:ext uri="{FF2B5EF4-FFF2-40B4-BE49-F238E27FC236}">
+                <a16:creationId xmlns:a16="http://schemas.microsoft.com/office/drawing/2014/main" id="{30BC29F4-8210-D52C-827E-C8B445F0F7A8}"/>
+              </a:ext>
+            </a:extLst>
+          </p:cNvPr>
+          <p:cNvPicPr>
+            <a:picLocks noChangeAspect="1"/>
+          </p:cNvPicPr>
+          <p:nvPr/>
+        </p:nvPicPr>
+        <p:blipFill>
+          <a:blip r:embed="rId2"/>
+          <a:stretch>
+            <a:fillRect/>
+          </a:stretch>
+        </p:blipFill>
+        <p:spPr>
+          <a:xfrm>
+            <a:off x="0" y="1544266"/>
+            <a:ext cx="12192000" cy="3769468"/>
+          </a:xfrm>
+          <a:prstGeom prst="rect">
+            <a:avLst/>
+          </a:prstGeom>
+        </p:spPr>
+      </p:pic>
+    </p:spTree>
+    <p:extLst>
+      <p:ext uri="{BB962C8B-B14F-4D97-AF65-F5344CB8AC3E}">
+        <p14:creationId xmlns:p14="http://schemas.microsoft.com/office/powerpoint/2010/main" val="2218258475"/>
+      </p:ext>
+    </p:extLst>
+  </p:cSld>
+  <p:clrMapOvr>
+    <a:masterClrMapping/>
+  </p:clrMapOvr>
+</p:sld>
+</file>
+
+<file path=ppt/slides/slide45.xml><?xml version="1.0" encoding="utf-8"?>
+<p:sld xmlns:a="http://schemas.openxmlformats.org/drawingml/2006/main" xmlns:r="http://schemas.openxmlformats.org/officeDocument/2006/relationships" xmlns:p="http://schemas.openxmlformats.org/presentationml/2006/main">
+  <p:cSld>
+    <p:spTree>
+      <p:nvGrpSpPr>
+        <p:cNvPr id="1" name=""/>
+        <p:cNvGrpSpPr/>
+        <p:nvPr/>
+      </p:nvGrpSpPr>
+      <p:grpSpPr>
+        <a:xfrm>
+          <a:off x="0" y="0"/>
+          <a:ext cx="0" cy="0"/>
+          <a:chOff x="0" y="0"/>
+          <a:chExt cx="0" cy="0"/>
+        </a:xfrm>
+      </p:grpSpPr>
+      <p:sp>
+        <p:nvSpPr>
+          <p:cNvPr id="2" name="Title 1">
+            <a:extLst>
+              <a:ext uri="{FF2B5EF4-FFF2-40B4-BE49-F238E27FC236}">
+                <a16:creationId xmlns:a16="http://schemas.microsoft.com/office/drawing/2014/main" id="{39B0A36B-35BC-9684-0F7D-B3692A5106DF}"/>
+              </a:ext>
+            </a:extLst>
+          </p:cNvPr>
+          <p:cNvSpPr>
+            <a:spLocks noGrp="1"/>
+          </p:cNvSpPr>
+          <p:nvPr>
+            <p:ph type="title"/>
+          </p:nvPr>
+        </p:nvSpPr>
+        <p:spPr/>
+        <p:txBody>
+          <a:bodyPr/>
+          <a:lstStyle/>
+          <a:p>
+            <a:endParaRPr lang="en-US"/>
+          </a:p>
+        </p:txBody>
+      </p:sp>
+      <p:sp>
+        <p:nvSpPr>
+          <p:cNvPr id="3" name="Content Placeholder 2">
+            <a:extLst>
+              <a:ext uri="{FF2B5EF4-FFF2-40B4-BE49-F238E27FC236}">
+                <a16:creationId xmlns:a16="http://schemas.microsoft.com/office/drawing/2014/main" id="{2AFC55E3-C0A4-6303-5A17-2F013914CC72}"/>
+              </a:ext>
+            </a:extLst>
+          </p:cNvPr>
+          <p:cNvSpPr>
+            <a:spLocks noGrp="1"/>
+          </p:cNvSpPr>
+          <p:nvPr>
+            <p:ph idx="1"/>
+          </p:nvPr>
+        </p:nvSpPr>
+        <p:spPr/>
+        <p:txBody>
+          <a:bodyPr>
+            <a:normAutofit fontScale="85000" lnSpcReduction="10000"/>
+          </a:bodyPr>
+          <a:lstStyle/>
+          <a:p>
+            <a:pPr algn="l">
+              <a:spcBef>
+                <a:spcPts val="900"/>
+              </a:spcBef>
+              <a:spcAft>
+                <a:spcPts val="900"/>
+              </a:spcAft>
+              <a:buNone/>
+            </a:pPr>
+            <a:r>
+              <a:rPr lang="en-US" b="1" i="0" dirty="0">
+                <a:solidFill>
+                  <a:srgbClr val="2C2C36"/>
+                </a:solidFill>
+                <a:effectLst/>
+                <a:latin typeface="system-ui"/>
+              </a:rPr>
+              <a:t>Explanation:</a:t>
+            </a:r>
+          </a:p>
+          <a:p>
+            <a:pPr algn="l">
+              <a:spcBef>
+                <a:spcPts val="900"/>
+              </a:spcBef>
+              <a:spcAft>
+                <a:spcPts val="900"/>
+              </a:spcAft>
+              <a:buFont typeface="Arial" panose="020B0604020202020204" pitchFamily="34" charset="0"/>
+              <a:buChar char="•"/>
+            </a:pPr>
+            <a:r>
+              <a:rPr lang="en-US" b="0" i="0" dirty="0">
+                <a:solidFill>
+                  <a:srgbClr val="111827"/>
+                </a:solidFill>
+                <a:effectLst/>
+                <a:latin typeface="system-ui"/>
+              </a:rPr>
+              <a:t>Purpose </a:t>
+            </a:r>
+            <a:r>
+              <a:rPr lang="en-US" b="0" i="0" dirty="0">
+                <a:solidFill>
+                  <a:srgbClr val="2C2C36"/>
+                </a:solidFill>
+                <a:effectLst/>
+                <a:latin typeface="system-ui"/>
+              </a:rPr>
+              <a:t>: This function simulates a realistic temperature profile for Thailand, where temperatures are consistently high with minor fluctuations and occasional peaks.</a:t>
+            </a:r>
+          </a:p>
+          <a:p>
+            <a:pPr algn="l">
+              <a:spcBef>
+                <a:spcPts val="900"/>
+              </a:spcBef>
+              <a:spcAft>
+                <a:spcPts val="900"/>
+              </a:spcAft>
+              <a:buFont typeface="Arial" panose="020B0604020202020204" pitchFamily="34" charset="0"/>
+              <a:buChar char="•"/>
+            </a:pPr>
+            <a:r>
+              <a:rPr lang="en-US" b="0" i="0" dirty="0">
+                <a:solidFill>
+                  <a:srgbClr val="111827"/>
+                </a:solidFill>
+                <a:effectLst/>
+                <a:latin typeface="system-ui"/>
+              </a:rPr>
+              <a:t>Logic </a:t>
+            </a:r>
+            <a:r>
+              <a:rPr lang="en-US" b="0" i="0" dirty="0">
+                <a:solidFill>
+                  <a:srgbClr val="2C2C36"/>
+                </a:solidFill>
+                <a:effectLst/>
+                <a:latin typeface="system-ui"/>
+              </a:rPr>
+              <a:t>:</a:t>
+            </a:r>
+          </a:p>
+          <a:p>
+            <a:pPr marL="742950" lvl="1" indent="-285750" algn="l">
+              <a:spcBef>
+                <a:spcPts val="900"/>
+              </a:spcBef>
+              <a:spcAft>
+                <a:spcPts val="900"/>
+              </a:spcAft>
+              <a:buFont typeface="Arial" panose="020B0604020202020204" pitchFamily="34" charset="0"/>
+              <a:buChar char="•"/>
+            </a:pPr>
+            <a:r>
+              <a:rPr lang="en-US" b="0" i="0" dirty="0">
+                <a:solidFill>
+                  <a:srgbClr val="111827"/>
+                </a:solidFill>
+                <a:effectLst/>
+                <a:latin typeface="system-ui"/>
+              </a:rPr>
+              <a:t>Baseline </a:t>
+            </a:r>
+            <a:r>
+              <a:rPr lang="en-US" b="0" i="0" dirty="0">
+                <a:solidFill>
+                  <a:srgbClr val="2C2C36"/>
+                </a:solidFill>
+                <a:effectLst/>
+                <a:latin typeface="system-ui"/>
+              </a:rPr>
+              <a:t>: Starts at </a:t>
+            </a:r>
+            <a:r>
+              <a:rPr lang="en-US" b="0" i="0" dirty="0">
+                <a:solidFill>
+                  <a:srgbClr val="111827"/>
+                </a:solidFill>
+                <a:effectLst/>
+                <a:latin typeface="system-ui"/>
+              </a:rPr>
+              <a:t>30°C </a:t>
+            </a:r>
+            <a:r>
+              <a:rPr lang="en-US" b="0" i="0" dirty="0">
+                <a:solidFill>
+                  <a:srgbClr val="2C2C36"/>
+                </a:solidFill>
+                <a:effectLst/>
+                <a:latin typeface="system-ui"/>
+              </a:rPr>
+              <a:t>, representing the typical ambient temperature in Thailand.</a:t>
+            </a:r>
+          </a:p>
+          <a:p>
+            <a:pPr marL="742950" lvl="1" indent="-285750" algn="l">
+              <a:spcBef>
+                <a:spcPts val="900"/>
+              </a:spcBef>
+              <a:spcAft>
+                <a:spcPts val="900"/>
+              </a:spcAft>
+              <a:buFont typeface="Arial" panose="020B0604020202020204" pitchFamily="34" charset="0"/>
+              <a:buChar char="•"/>
+            </a:pPr>
+            <a:r>
+              <a:rPr lang="en-US" b="0" i="0" dirty="0">
+                <a:solidFill>
+                  <a:srgbClr val="111827"/>
+                </a:solidFill>
+                <a:effectLst/>
+                <a:latin typeface="system-ui"/>
+              </a:rPr>
+              <a:t>Fluctuations </a:t>
+            </a:r>
+            <a:r>
+              <a:rPr lang="en-US" b="0" i="0" dirty="0">
+                <a:solidFill>
+                  <a:srgbClr val="2C2C36"/>
+                </a:solidFill>
+                <a:effectLst/>
+                <a:latin typeface="system-ui"/>
+              </a:rPr>
+              <a:t>: Adds small sinusoidal variations (±2°C) to simulate minor temperature changes throughout the day.</a:t>
+            </a:r>
+          </a:p>
+          <a:p>
+            <a:pPr marL="742950" lvl="1" indent="-285750" algn="l">
+              <a:spcBef>
+                <a:spcPts val="900"/>
+              </a:spcBef>
+              <a:spcAft>
+                <a:spcPts val="900"/>
+              </a:spcAft>
+              <a:buFont typeface="Arial" panose="020B0604020202020204" pitchFamily="34" charset="0"/>
+              <a:buChar char="•"/>
+            </a:pPr>
+            <a:r>
+              <a:rPr lang="en-US" b="0" i="0" dirty="0">
+                <a:solidFill>
+                  <a:srgbClr val="111827"/>
+                </a:solidFill>
+                <a:effectLst/>
+                <a:latin typeface="system-ui"/>
+              </a:rPr>
+              <a:t>Peaks </a:t>
+            </a:r>
+            <a:r>
+              <a:rPr lang="en-US" b="0" i="0" dirty="0">
+                <a:solidFill>
+                  <a:srgbClr val="2C2C36"/>
+                </a:solidFill>
+                <a:effectLst/>
+                <a:latin typeface="system-ui"/>
+              </a:rPr>
+              <a:t>: Introduces a </a:t>
+            </a:r>
+            <a:r>
+              <a:rPr lang="en-US" b="0" i="0" dirty="0">
+                <a:solidFill>
+                  <a:srgbClr val="111827"/>
+                </a:solidFill>
+                <a:effectLst/>
+                <a:latin typeface="system-ui"/>
+              </a:rPr>
+              <a:t>5°C increase </a:t>
+            </a:r>
+            <a:r>
+              <a:rPr lang="en-US" b="0" i="0" dirty="0">
+                <a:solidFill>
+                  <a:srgbClr val="2C2C36"/>
+                </a:solidFill>
+                <a:effectLst/>
+                <a:latin typeface="system-ui"/>
+              </a:rPr>
+              <a:t>during steps 5–8 to simulate the hottest part of the day.</a:t>
+            </a:r>
+          </a:p>
+          <a:p>
+            <a:pPr algn="l">
+              <a:spcBef>
+                <a:spcPts val="900"/>
+              </a:spcBef>
+              <a:spcAft>
+                <a:spcPts val="900"/>
+              </a:spcAft>
+            </a:pPr>
+            <a:r>
+              <a:rPr lang="en-US" b="0" i="0" dirty="0">
+                <a:solidFill>
+                  <a:srgbClr val="2C2C36"/>
+                </a:solidFill>
+                <a:effectLst/>
+                <a:latin typeface="system-ui"/>
+              </a:rPr>
+              <a:t>This profile reflects the warm and relatively stable climate of Thailand.</a:t>
+            </a:r>
+          </a:p>
+          <a:p>
+            <a:endParaRPr lang="en-US" dirty="0"/>
+          </a:p>
+        </p:txBody>
+      </p:sp>
+    </p:spTree>
+    <p:extLst>
+      <p:ext uri="{BB962C8B-B14F-4D97-AF65-F5344CB8AC3E}">
+        <p14:creationId xmlns:p14="http://schemas.microsoft.com/office/powerpoint/2010/main" val="3481354666"/>
+      </p:ext>
+    </p:extLst>
+  </p:cSld>
+  <p:clrMapOvr>
+    <a:masterClrMapping/>
+  </p:clrMapOvr>
+</p:sld>
+</file>
+
+<file path=ppt/slides/slide46.xml><?xml version="1.0" encoding="utf-8"?>
+<p:sld xmlns:a="http://schemas.openxmlformats.org/drawingml/2006/main" xmlns:r="http://schemas.openxmlformats.org/officeDocument/2006/relationships" xmlns:p="http://schemas.openxmlformats.org/presentationml/2006/main">
+  <p:cSld>
+    <p:spTree>
+      <p:nvGrpSpPr>
+        <p:cNvPr id="1" name=""/>
+        <p:cNvGrpSpPr/>
+        <p:nvPr/>
+      </p:nvGrpSpPr>
+      <p:grpSpPr>
+        <a:xfrm>
+          <a:off x="0" y="0"/>
+          <a:ext cx="0" cy="0"/>
+          <a:chOff x="0" y="0"/>
+          <a:chExt cx="0" cy="0"/>
+        </a:xfrm>
+      </p:grpSpPr>
+      <p:sp>
+        <p:nvSpPr>
+          <p:cNvPr id="2" name="Title 1">
+            <a:extLst>
+              <a:ext uri="{FF2B5EF4-FFF2-40B4-BE49-F238E27FC236}">
+                <a16:creationId xmlns:a16="http://schemas.microsoft.com/office/drawing/2014/main" id="{CB8AB9D6-25A9-A2CD-79E3-E53036064454}"/>
+              </a:ext>
+            </a:extLst>
+          </p:cNvPr>
+          <p:cNvSpPr>
+            <a:spLocks noGrp="1"/>
+          </p:cNvSpPr>
+          <p:nvPr>
+            <p:ph type="title"/>
+          </p:nvPr>
+        </p:nvSpPr>
+        <p:spPr/>
+        <p:txBody>
+          <a:bodyPr/>
+          <a:lstStyle/>
+          <a:p>
+            <a:endParaRPr lang="en-US"/>
+          </a:p>
+        </p:txBody>
+      </p:sp>
+      <p:sp>
+        <p:nvSpPr>
+          <p:cNvPr id="3" name="Content Placeholder 2">
+            <a:extLst>
+              <a:ext uri="{FF2B5EF4-FFF2-40B4-BE49-F238E27FC236}">
+                <a16:creationId xmlns:a16="http://schemas.microsoft.com/office/drawing/2014/main" id="{AAD77C16-BA67-DD37-140B-53A60182FA1D}"/>
+              </a:ext>
+            </a:extLst>
+          </p:cNvPr>
+          <p:cNvSpPr>
+            <a:spLocks noGrp="1"/>
+          </p:cNvSpPr>
+          <p:nvPr>
+            <p:ph idx="1"/>
+          </p:nvPr>
+        </p:nvSpPr>
+        <p:spPr/>
+        <p:txBody>
+          <a:bodyPr/>
+          <a:lstStyle/>
+          <a:p>
+            <a:endParaRPr lang="en-US"/>
+          </a:p>
+        </p:txBody>
+      </p:sp>
+      <p:pic>
+        <p:nvPicPr>
+          <p:cNvPr id="5" name="Picture 4">
+            <a:extLst>
+              <a:ext uri="{FF2B5EF4-FFF2-40B4-BE49-F238E27FC236}">
+                <a16:creationId xmlns:a16="http://schemas.microsoft.com/office/drawing/2014/main" id="{64BD526F-AA8E-2480-55F1-2CB019E70DE1}"/>
+              </a:ext>
+            </a:extLst>
+          </p:cNvPr>
+          <p:cNvPicPr>
+            <a:picLocks noChangeAspect="1"/>
+          </p:cNvPicPr>
+          <p:nvPr/>
+        </p:nvPicPr>
+        <p:blipFill>
+          <a:blip r:embed="rId2"/>
+          <a:stretch>
+            <a:fillRect/>
+          </a:stretch>
+        </p:blipFill>
+        <p:spPr>
+          <a:xfrm>
+            <a:off x="1964299" y="0"/>
+            <a:ext cx="8263401" cy="6858000"/>
+          </a:xfrm>
+          <a:prstGeom prst="rect">
+            <a:avLst/>
+          </a:prstGeom>
+        </p:spPr>
+      </p:pic>
+    </p:spTree>
+    <p:extLst>
+      <p:ext uri="{BB962C8B-B14F-4D97-AF65-F5344CB8AC3E}">
+        <p14:creationId xmlns:p14="http://schemas.microsoft.com/office/powerpoint/2010/main" val="1836603889"/>
+      </p:ext>
+    </p:extLst>
+  </p:cSld>
+  <p:clrMapOvr>
+    <a:masterClrMapping/>
+  </p:clrMapOvr>
+</p:sld>
+</file>
+
+<file path=ppt/slides/slide47.xml><?xml version="1.0" encoding="utf-8"?>
+<p:sld xmlns:a="http://schemas.openxmlformats.org/drawingml/2006/main" xmlns:r="http://schemas.openxmlformats.org/officeDocument/2006/relationships" xmlns:p="http://schemas.openxmlformats.org/presentationml/2006/main">
+  <p:cSld>
+    <p:spTree>
+      <p:nvGrpSpPr>
+        <p:cNvPr id="1" name=""/>
+        <p:cNvGrpSpPr/>
+        <p:nvPr/>
+      </p:nvGrpSpPr>
+      <p:grpSpPr>
+        <a:xfrm>
+          <a:off x="0" y="0"/>
+          <a:ext cx="0" cy="0"/>
+          <a:chOff x="0" y="0"/>
+          <a:chExt cx="0" cy="0"/>
+        </a:xfrm>
+      </p:grpSpPr>
+      <p:sp>
+        <p:nvSpPr>
+          <p:cNvPr id="2" name="Title 1">
+            <a:extLst>
+              <a:ext uri="{FF2B5EF4-FFF2-40B4-BE49-F238E27FC236}">
+                <a16:creationId xmlns:a16="http://schemas.microsoft.com/office/drawing/2014/main" id="{CCCB6DD0-5280-4894-B99A-83307E20223B}"/>
+              </a:ext>
+            </a:extLst>
+          </p:cNvPr>
+          <p:cNvSpPr>
+            <a:spLocks noGrp="1"/>
+          </p:cNvSpPr>
+          <p:nvPr>
+            <p:ph type="title"/>
+          </p:nvPr>
+        </p:nvSpPr>
+        <p:spPr/>
+        <p:txBody>
+          <a:bodyPr/>
+          <a:lstStyle/>
+          <a:p>
+            <a:endParaRPr lang="en-US"/>
+          </a:p>
+        </p:txBody>
+      </p:sp>
+      <p:sp>
+        <p:nvSpPr>
+          <p:cNvPr id="3" name="Content Placeholder 2">
+            <a:extLst>
+              <a:ext uri="{FF2B5EF4-FFF2-40B4-BE49-F238E27FC236}">
+                <a16:creationId xmlns:a16="http://schemas.microsoft.com/office/drawing/2014/main" id="{1F4F78C0-6630-278F-FFEF-26ABCAF2957B}"/>
+              </a:ext>
+            </a:extLst>
+          </p:cNvPr>
+          <p:cNvSpPr>
+            <a:spLocks noGrp="1"/>
+          </p:cNvSpPr>
+          <p:nvPr>
+            <p:ph idx="1"/>
+          </p:nvPr>
+        </p:nvSpPr>
+        <p:spPr/>
+        <p:txBody>
+          <a:bodyPr>
+            <a:normAutofit fontScale="77500" lnSpcReduction="20000"/>
+          </a:bodyPr>
+          <a:lstStyle/>
+          <a:p>
+            <a:r>
+              <a:rPr lang="en-US" dirty="0"/>
+              <a:t>Explanation:</a:t>
+            </a:r>
+          </a:p>
+          <a:p>
+            <a:r>
+              <a:rPr lang="en-US" dirty="0"/>
+              <a:t>Temperature Update :</a:t>
+            </a:r>
+          </a:p>
+          <a:p>
+            <a:pPr lvl="1"/>
+            <a:r>
+              <a:rPr lang="en-US" dirty="0"/>
+              <a:t>The temperature at each time step is determined using the </a:t>
+            </a:r>
+            <a:r>
+              <a:rPr lang="en-US" dirty="0" err="1"/>
+              <a:t>temperature_profile_function</a:t>
+            </a:r>
+            <a:r>
+              <a:rPr lang="en-US" dirty="0"/>
+              <a:t>.</a:t>
+            </a:r>
+          </a:p>
+          <a:p>
+            <a:r>
+              <a:rPr lang="en-US" dirty="0"/>
+              <a:t>Effective Capacity :</a:t>
+            </a:r>
+          </a:p>
+          <a:p>
+            <a:pPr lvl="1"/>
+            <a:r>
+              <a:rPr lang="en-US" dirty="0"/>
+              <a:t>The effective capacity is recalculated based on the current temperature.</a:t>
+            </a:r>
+          </a:p>
+          <a:p>
+            <a:r>
+              <a:rPr lang="en-US" dirty="0"/>
+              <a:t>Rest Periods :</a:t>
+            </a:r>
+          </a:p>
+          <a:p>
+            <a:pPr lvl="1"/>
+            <a:r>
+              <a:rPr lang="en-US" dirty="0"/>
+              <a:t>Every 5th step, the battery enters a rest period (</a:t>
+            </a:r>
+            <a:r>
+              <a:rPr lang="en-US" dirty="0" err="1"/>
+              <a:t>is_rest</a:t>
+            </a:r>
+            <a:r>
+              <a:rPr lang="en-US" dirty="0"/>
+              <a:t> = True), during which the OCV is measured and used for recalibration.</a:t>
+            </a:r>
+          </a:p>
+          <a:p>
+            <a:r>
+              <a:rPr lang="en-US" dirty="0"/>
+              <a:t>Noisy and Biased Current Measurement :</a:t>
+            </a:r>
+          </a:p>
+          <a:p>
+            <a:pPr lvl="1"/>
+            <a:r>
+              <a:rPr lang="en-US" dirty="0"/>
+              <a:t>The measured current includes a 2% bias and random noise to simulate real-world inaccuracies.</a:t>
+            </a:r>
+          </a:p>
+          <a:p>
+            <a:r>
+              <a:rPr lang="en-US" dirty="0"/>
+              <a:t>True SoC Update :</a:t>
+            </a:r>
+          </a:p>
+          <a:p>
+            <a:pPr lvl="1"/>
+            <a:r>
+              <a:rPr lang="en-US" dirty="0"/>
+              <a:t>The true SoC is updated based on the effective capacity at the simulated temperature.</a:t>
+            </a:r>
+          </a:p>
+          <a:p>
+            <a:r>
+              <a:rPr lang="en-US" dirty="0"/>
+              <a:t>Record Data :</a:t>
+            </a:r>
+          </a:p>
+          <a:p>
+            <a:pPr lvl="1"/>
+            <a:r>
+              <a:rPr lang="en-US" dirty="0"/>
+              <a:t>The true, estimated, and uncompensated SoC values are recorded for plotting</a:t>
+            </a:r>
+          </a:p>
+        </p:txBody>
+      </p:sp>
+    </p:spTree>
+    <p:extLst>
+      <p:ext uri="{BB962C8B-B14F-4D97-AF65-F5344CB8AC3E}">
+        <p14:creationId xmlns:p14="http://schemas.microsoft.com/office/powerpoint/2010/main" val="3450618396"/>
+      </p:ext>
+    </p:extLst>
+  </p:cSld>
+  <p:clrMapOvr>
+    <a:masterClrMapping/>
+  </p:clrMapOvr>
+</p:sld>
+</file>
+
+<file path=ppt/slides/slide48.xml><?xml version="1.0" encoding="utf-8"?>
+<p:sld xmlns:a="http://schemas.openxmlformats.org/drawingml/2006/main" xmlns:r="http://schemas.openxmlformats.org/officeDocument/2006/relationships" xmlns:p="http://schemas.openxmlformats.org/presentationml/2006/main">
+  <p:cSld>
+    <p:spTree>
+      <p:nvGrpSpPr>
+        <p:cNvPr id="1" name=""/>
+        <p:cNvGrpSpPr/>
+        <p:nvPr/>
+      </p:nvGrpSpPr>
+      <p:grpSpPr>
+        <a:xfrm>
+          <a:off x="0" y="0"/>
+          <a:ext cx="0" cy="0"/>
+          <a:chOff x="0" y="0"/>
+          <a:chExt cx="0" cy="0"/>
+        </a:xfrm>
+      </p:grpSpPr>
+      <p:sp>
+        <p:nvSpPr>
+          <p:cNvPr id="2" name="Title 1">
+            <a:extLst>
+              <a:ext uri="{FF2B5EF4-FFF2-40B4-BE49-F238E27FC236}">
+                <a16:creationId xmlns:a16="http://schemas.microsoft.com/office/drawing/2014/main" id="{80088C95-F0F5-5669-1D09-04BE8F8375D0}"/>
+              </a:ext>
+            </a:extLst>
+          </p:cNvPr>
+          <p:cNvSpPr>
+            <a:spLocks noGrp="1"/>
+          </p:cNvSpPr>
+          <p:nvPr>
+            <p:ph type="title"/>
+          </p:nvPr>
+        </p:nvSpPr>
+        <p:spPr/>
+        <p:txBody>
+          <a:bodyPr/>
+          <a:lstStyle/>
+          <a:p>
+            <a:endParaRPr lang="en-US"/>
+          </a:p>
+        </p:txBody>
+      </p:sp>
+      <p:sp>
+        <p:nvSpPr>
+          <p:cNvPr id="3" name="Content Placeholder 2">
+            <a:extLst>
+              <a:ext uri="{FF2B5EF4-FFF2-40B4-BE49-F238E27FC236}">
+                <a16:creationId xmlns:a16="http://schemas.microsoft.com/office/drawing/2014/main" id="{36887C60-2E31-E187-2F41-C073E6F53DA5}"/>
+              </a:ext>
+            </a:extLst>
+          </p:cNvPr>
+          <p:cNvSpPr>
+            <a:spLocks noGrp="1"/>
+          </p:cNvSpPr>
+          <p:nvPr>
+            <p:ph idx="1"/>
+          </p:nvPr>
+        </p:nvSpPr>
+        <p:spPr/>
+        <p:txBody>
+          <a:bodyPr/>
+          <a:lstStyle/>
+          <a:p>
+            <a:endParaRPr lang="en-US"/>
+          </a:p>
+        </p:txBody>
+      </p:sp>
+      <p:pic>
+        <p:nvPicPr>
+          <p:cNvPr id="5" name="Picture 4">
+            <a:extLst>
+              <a:ext uri="{FF2B5EF4-FFF2-40B4-BE49-F238E27FC236}">
+                <a16:creationId xmlns:a16="http://schemas.microsoft.com/office/drawing/2014/main" id="{788FB72F-BA9C-A808-B19A-E5FEEEFD4041}"/>
+              </a:ext>
+            </a:extLst>
+          </p:cNvPr>
+          <p:cNvPicPr>
+            <a:picLocks noChangeAspect="1"/>
+          </p:cNvPicPr>
+          <p:nvPr/>
+        </p:nvPicPr>
+        <p:blipFill>
+          <a:blip r:embed="rId2"/>
+          <a:stretch>
+            <a:fillRect/>
+          </a:stretch>
+        </p:blipFill>
+        <p:spPr>
+          <a:xfrm>
+            <a:off x="0" y="613903"/>
+            <a:ext cx="12192000" cy="5630193"/>
+          </a:xfrm>
+          <a:prstGeom prst="rect">
+            <a:avLst/>
+          </a:prstGeom>
+        </p:spPr>
+      </p:pic>
+    </p:spTree>
+    <p:extLst>
+      <p:ext uri="{BB962C8B-B14F-4D97-AF65-F5344CB8AC3E}">
+        <p14:creationId xmlns:p14="http://schemas.microsoft.com/office/powerpoint/2010/main" val="3187561619"/>
+      </p:ext>
+    </p:extLst>
+  </p:cSld>
+  <p:clrMapOvr>
+    <a:masterClrMapping/>
+  </p:clrMapOvr>
+</p:sld>
+</file>
+
+<file path=ppt/slides/slide49.xml><?xml version="1.0" encoding="utf-8"?>
+<p:sld xmlns:a="http://schemas.openxmlformats.org/drawingml/2006/main" xmlns:r="http://schemas.openxmlformats.org/officeDocument/2006/relationships" xmlns:p="http://schemas.openxmlformats.org/presentationml/2006/main">
+  <p:cSld>
+    <p:spTree>
+      <p:nvGrpSpPr>
+        <p:cNvPr id="1" name=""/>
+        <p:cNvGrpSpPr/>
+        <p:nvPr/>
+      </p:nvGrpSpPr>
+      <p:grpSpPr>
+        <a:xfrm>
+          <a:off x="0" y="0"/>
+          <a:ext cx="0" cy="0"/>
+          <a:chOff x="0" y="0"/>
+          <a:chExt cx="0" cy="0"/>
+        </a:xfrm>
+      </p:grpSpPr>
+      <p:sp>
+        <p:nvSpPr>
+          <p:cNvPr id="2" name="Title 1">
+            <a:extLst>
+              <a:ext uri="{FF2B5EF4-FFF2-40B4-BE49-F238E27FC236}">
+                <a16:creationId xmlns:a16="http://schemas.microsoft.com/office/drawing/2014/main" id="{6840FE4E-22D7-86BC-887F-62C1BEA0CA65}"/>
+              </a:ext>
+            </a:extLst>
+          </p:cNvPr>
+          <p:cNvSpPr>
+            <a:spLocks noGrp="1"/>
+          </p:cNvSpPr>
+          <p:nvPr>
+            <p:ph type="title"/>
+          </p:nvPr>
+        </p:nvSpPr>
+        <p:spPr/>
+        <p:txBody>
+          <a:bodyPr/>
+          <a:lstStyle/>
+          <a:p>
+            <a:endParaRPr lang="en-US"/>
+          </a:p>
+        </p:txBody>
+      </p:sp>
+      <mc:AlternateContent xmlns:mc="http://schemas.openxmlformats.org/markup-compatibility/2006">
+        <mc:Choice xmlns:a14="http://schemas.microsoft.com/office/drawing/2010/main" Requires="a14">
+          <p:sp>
+            <p:nvSpPr>
+              <p:cNvPr id="3" name="Content Placeholder 2">
+                <a:extLst>
+                  <a:ext uri="{FF2B5EF4-FFF2-40B4-BE49-F238E27FC236}">
+                    <a16:creationId xmlns:a16="http://schemas.microsoft.com/office/drawing/2014/main" id="{AC3088A6-F2DA-9B72-A89B-9AE7951E5E44}"/>
+                  </a:ext>
+                </a:extLst>
+              </p:cNvPr>
+              <p:cNvSpPr>
+                <a:spLocks noGrp="1"/>
+              </p:cNvSpPr>
+              <p:nvPr>
+                <p:ph idx="1"/>
+              </p:nvPr>
+            </p:nvSpPr>
+            <p:spPr/>
+            <p:txBody>
+              <a:bodyPr>
+                <a:normAutofit fontScale="77500" lnSpcReduction="20000"/>
+              </a:bodyPr>
+              <a:lstStyle/>
+              <a:p>
+                <a:pPr algn="l">
+                  <a:spcBef>
+                    <a:spcPts val="900"/>
+                  </a:spcBef>
+                  <a:spcAft>
+                    <a:spcPts val="900"/>
+                  </a:spcAft>
+                  <a:buNone/>
+                </a:pPr>
+                <a:r>
+                  <a:rPr lang="en-US" b="1" i="0" dirty="0">
+                    <a:solidFill>
+                      <a:srgbClr val="2C2C36"/>
+                    </a:solidFill>
+                    <a:effectLst/>
+                    <a:latin typeface="system-ui"/>
+                  </a:rPr>
+                  <a:t>Explanation:</a:t>
+                </a:r>
+              </a:p>
+              <a:p>
+                <a:pPr algn="l">
+                  <a:spcBef>
+                    <a:spcPts val="900"/>
+                  </a:spcBef>
+                  <a:spcAft>
+                    <a:spcPts val="900"/>
+                  </a:spcAft>
+                  <a:buFont typeface="Arial" panose="020B0604020202020204" pitchFamily="34" charset="0"/>
+                  <a:buChar char="•"/>
+                </a:pPr>
+                <a:r>
+                  <a:rPr lang="en-US" b="0" i="0" dirty="0">
+                    <a:solidFill>
+                      <a:srgbClr val="111827"/>
+                    </a:solidFill>
+                    <a:effectLst/>
+                    <a:latin typeface="system-ui"/>
+                  </a:rPr>
+                  <a:t>Purpose </a:t>
+                </a:r>
+                <a:r>
+                  <a:rPr lang="en-US" b="0" i="0" dirty="0">
+                    <a:solidFill>
+                      <a:srgbClr val="2C2C36"/>
+                    </a:solidFill>
+                    <a:effectLst/>
+                    <a:latin typeface="system-ui"/>
+                  </a:rPr>
+                  <a:t>: This function calculates the </a:t>
+                </a:r>
+                <a:r>
+                  <a:rPr lang="en-US" b="0" i="0" dirty="0">
+                    <a:solidFill>
+                      <a:srgbClr val="111827"/>
+                    </a:solidFill>
+                    <a:effectLst/>
+                    <a:latin typeface="system-ui"/>
+                  </a:rPr>
+                  <a:t>Mean Absolute Percentage Error (MAPE) </a:t>
+                </a:r>
+                <a:r>
+                  <a:rPr lang="en-US" b="0" i="0" dirty="0">
+                    <a:solidFill>
+                      <a:srgbClr val="2C2C36"/>
+                    </a:solidFill>
+                    <a:effectLst/>
+                    <a:latin typeface="system-ui"/>
+                  </a:rPr>
+                  <a:t>between the true SoC and the estimated SoC values.</a:t>
+                </a:r>
+              </a:p>
+              <a:p>
+                <a:pPr algn="l">
+                  <a:spcBef>
+                    <a:spcPts val="900"/>
+                  </a:spcBef>
+                  <a:spcAft>
+                    <a:spcPts val="900"/>
+                  </a:spcAft>
+                  <a:buFont typeface="Arial" panose="020B0604020202020204" pitchFamily="34" charset="0"/>
+                  <a:buChar char="•"/>
+                </a:pPr>
+                <a:r>
+                  <a:rPr lang="en-US" b="0" i="0" dirty="0">
+                    <a:solidFill>
+                      <a:srgbClr val="111827"/>
+                    </a:solidFill>
+                    <a:effectLst/>
+                    <a:latin typeface="system-ui"/>
+                  </a:rPr>
+                  <a:t>Logic </a:t>
+                </a:r>
+                <a:r>
+                  <a:rPr lang="en-US" b="0" i="0" dirty="0">
+                    <a:solidFill>
+                      <a:srgbClr val="2C2C36"/>
+                    </a:solidFill>
+                    <a:effectLst/>
+                    <a:latin typeface="system-ui"/>
+                  </a:rPr>
+                  <a:t>:</a:t>
+                </a:r>
+              </a:p>
+              <a:p>
+                <a:pPr marL="742950" lvl="1" indent="-285750" algn="l">
+                  <a:spcBef>
+                    <a:spcPts val="900"/>
+                  </a:spcBef>
+                  <a:spcAft>
+                    <a:spcPts val="900"/>
+                  </a:spcAft>
+                  <a:buFont typeface="Arial" panose="020B0604020202020204" pitchFamily="34" charset="0"/>
+                  <a:buChar char="•"/>
+                </a:pPr>
+                <a:r>
+                  <a:rPr lang="en-US" b="0" i="0" dirty="0">
+                    <a:solidFill>
+                      <a:srgbClr val="2C2C36"/>
+                    </a:solidFill>
+                    <a:effectLst/>
+                    <a:latin typeface="system-ui"/>
+                  </a:rPr>
+                  <a:t>For each time step, the absolute percentage error is calculated as:</a:t>
+                </a:r>
+              </a:p>
+              <a:p>
+                <a:pPr marL="457200" lvl="1" indent="0">
+                  <a:spcBef>
+                    <a:spcPts val="900"/>
+                  </a:spcBef>
+                  <a:spcAft>
+                    <a:spcPts val="900"/>
+                  </a:spcAft>
+                  <a:buNone/>
+                </a:pPr>
+                <a14:m>
+                  <m:oMathPara xmlns:m="http://schemas.openxmlformats.org/officeDocument/2006/math">
+                    <m:oMathParaPr>
+                      <m:jc m:val="centerGroup"/>
+                    </m:oMathParaPr>
+                    <m:oMath xmlns:m="http://schemas.openxmlformats.org/officeDocument/2006/math">
+                      <m:r>
+                        <a:rPr lang="en-US" b="0" i="1" dirty="0" smtClean="0">
+                          <a:solidFill>
+                            <a:srgbClr val="2C2C36"/>
+                          </a:solidFill>
+                          <a:effectLst/>
+                          <a:latin typeface="Cambria Math" panose="02040503050406030204" pitchFamily="18" charset="0"/>
+                        </a:rPr>
+                        <m:t>𝐸𝑟𝑟𝑜𝑟</m:t>
+                      </m:r>
+                      <m:r>
+                        <a:rPr lang="en-US" b="0" i="1" dirty="0" smtClean="0">
+                          <a:solidFill>
+                            <a:srgbClr val="2C2C36"/>
+                          </a:solidFill>
+                          <a:effectLst/>
+                          <a:latin typeface="Cambria Math" panose="02040503050406030204" pitchFamily="18" charset="0"/>
+                        </a:rPr>
+                        <m:t>=​</m:t>
+                      </m:r>
+                      <m:f>
+                        <m:fPr>
+                          <m:ctrlPr>
+                            <a:rPr lang="en-US" b="0" i="1" dirty="0" smtClean="0">
+                              <a:solidFill>
+                                <a:srgbClr val="2C2C36"/>
+                              </a:solidFill>
+                              <a:effectLst/>
+                              <a:latin typeface="Cambria Math" panose="02040503050406030204" pitchFamily="18" charset="0"/>
+                            </a:rPr>
+                          </m:ctrlPr>
+                        </m:fPr>
+                        <m:num>
+                          <m:d>
+                            <m:dPr>
+                              <m:begChr m:val="|"/>
+                              <m:endChr m:val="|"/>
+                              <m:ctrlPr>
+                                <a:rPr lang="en-US" b="0" i="1" dirty="0" smtClean="0">
+                                  <a:solidFill>
+                                    <a:srgbClr val="2C2C36"/>
+                                  </a:solidFill>
+                                  <a:effectLst/>
+                                  <a:latin typeface="Cambria Math" panose="02040503050406030204" pitchFamily="18" charset="0"/>
+                                </a:rPr>
+                              </m:ctrlPr>
+                            </m:dPr>
+                            <m:e>
+                              <m:r>
+                                <a:rPr lang="en-US" b="0" i="1" dirty="0" smtClean="0">
+                                  <a:solidFill>
+                                    <a:srgbClr val="2C2C36"/>
+                                  </a:solidFill>
+                                  <a:effectLst/>
+                                  <a:latin typeface="Cambria Math" panose="02040503050406030204" pitchFamily="18" charset="0"/>
+                                </a:rPr>
+                                <m:t>𝑇𝑟𝑢𝑒</m:t>
+                              </m:r>
+                              <m:r>
+                                <a:rPr lang="en-US" b="0" i="1" dirty="0" smtClean="0">
+                                  <a:solidFill>
+                                    <a:srgbClr val="2C2C36"/>
+                                  </a:solidFill>
+                                  <a:effectLst/>
+                                  <a:latin typeface="Cambria Math" panose="02040503050406030204" pitchFamily="18" charset="0"/>
+                                </a:rPr>
+                                <m:t> </m:t>
+                              </m:r>
+                              <m:r>
+                                <a:rPr lang="en-US" b="0" i="1" dirty="0" err="1" smtClean="0">
+                                  <a:solidFill>
+                                    <a:srgbClr val="2C2C36"/>
+                                  </a:solidFill>
+                                  <a:effectLst/>
+                                  <a:latin typeface="Cambria Math" panose="02040503050406030204" pitchFamily="18" charset="0"/>
+                                </a:rPr>
+                                <m:t>𝑆𝑜</m:t>
+                              </m:r>
+                              <m:r>
+                                <a:rPr lang="en-US" b="0" i="1" dirty="0" smtClean="0">
+                                  <a:solidFill>
+                                    <a:srgbClr val="2C2C36"/>
+                                  </a:solidFill>
+                                  <a:effectLst/>
+                                  <a:latin typeface="Cambria Math" panose="02040503050406030204" pitchFamily="18" charset="0"/>
+                                </a:rPr>
+                                <m:t>𝐶</m:t>
+                              </m:r>
+                              <m:r>
+                                <a:rPr lang="en-US" b="0" i="1" dirty="0" smtClean="0">
+                                  <a:solidFill>
+                                    <a:srgbClr val="2C2C36"/>
+                                  </a:solidFill>
+                                  <a:effectLst/>
+                                  <a:latin typeface="Cambria Math" panose="02040503050406030204" pitchFamily="18" charset="0"/>
+                                </a:rPr>
+                                <m:t>−</m:t>
+                              </m:r>
+                              <m:r>
+                                <a:rPr lang="en-US" b="0" i="1" dirty="0" smtClean="0">
+                                  <a:solidFill>
+                                    <a:srgbClr val="2C2C36"/>
+                                  </a:solidFill>
+                                  <a:effectLst/>
+                                  <a:latin typeface="Cambria Math" panose="02040503050406030204" pitchFamily="18" charset="0"/>
+                                </a:rPr>
+                                <m:t>𝐸𝑠𝑡𝑖𝑚𝑎𝑡𝑒𝑑</m:t>
+                              </m:r>
+                              <m:r>
+                                <a:rPr lang="en-US" b="0" i="1" dirty="0" smtClean="0">
+                                  <a:solidFill>
+                                    <a:srgbClr val="2C2C36"/>
+                                  </a:solidFill>
+                                  <a:effectLst/>
+                                  <a:latin typeface="Cambria Math" panose="02040503050406030204" pitchFamily="18" charset="0"/>
+                                </a:rPr>
+                                <m:t> </m:t>
+                              </m:r>
+                              <m:r>
+                                <a:rPr lang="en-US" b="0" i="1" dirty="0" smtClean="0">
+                                  <a:solidFill>
+                                    <a:srgbClr val="2C2C36"/>
+                                  </a:solidFill>
+                                  <a:effectLst/>
+                                  <a:latin typeface="Cambria Math" panose="02040503050406030204" pitchFamily="18" charset="0"/>
+                                </a:rPr>
+                                <m:t>𝑆𝑜𝐶</m:t>
+                              </m:r>
+                            </m:e>
+                          </m:d>
+                        </m:num>
+                        <m:den>
+                          <m:d>
+                            <m:dPr>
+                              <m:begChr m:val="|"/>
+                              <m:endChr m:val="|"/>
+                              <m:ctrlPr>
+                                <a:rPr lang="en-US" b="0" i="1" dirty="0" smtClean="0">
+                                  <a:solidFill>
+                                    <a:srgbClr val="2C2C36"/>
+                                  </a:solidFill>
+                                  <a:effectLst/>
+                                  <a:latin typeface="Cambria Math" panose="02040503050406030204" pitchFamily="18" charset="0"/>
+                                </a:rPr>
+                              </m:ctrlPr>
+                            </m:dPr>
+                            <m:e>
+                              <m:r>
+                                <a:rPr lang="en-US" b="0" i="1" dirty="0" smtClean="0">
+                                  <a:solidFill>
+                                    <a:srgbClr val="2C2C36"/>
+                                  </a:solidFill>
+                                  <a:effectLst/>
+                                  <a:latin typeface="Cambria Math" panose="02040503050406030204" pitchFamily="18" charset="0"/>
+                                </a:rPr>
+                                <m:t>𝑇𝑟𝑢𝑒</m:t>
+                              </m:r>
+                              <m:r>
+                                <a:rPr lang="en-US" b="0" i="1" dirty="0" smtClean="0">
+                                  <a:solidFill>
+                                    <a:srgbClr val="2C2C36"/>
+                                  </a:solidFill>
+                                  <a:effectLst/>
+                                  <a:latin typeface="Cambria Math" panose="02040503050406030204" pitchFamily="18" charset="0"/>
+                                </a:rPr>
+                                <m:t> </m:t>
+                              </m:r>
+                              <m:r>
+                                <a:rPr lang="en-US" b="0" i="1" dirty="0" smtClean="0">
+                                  <a:solidFill>
+                                    <a:srgbClr val="2C2C36"/>
+                                  </a:solidFill>
+                                  <a:effectLst/>
+                                  <a:latin typeface="Cambria Math" panose="02040503050406030204" pitchFamily="18" charset="0"/>
+                                </a:rPr>
+                                <m:t>𝑆𝑜𝐶</m:t>
+                              </m:r>
+                            </m:e>
+                          </m:d>
+                        </m:den>
+                      </m:f>
+                      <m:r>
+                        <a:rPr lang="en-US" b="0" i="1" dirty="0" smtClean="0">
+                          <a:solidFill>
+                            <a:srgbClr val="2C2C36"/>
+                          </a:solidFill>
+                          <a:effectLst/>
+                          <a:latin typeface="Cambria Math" panose="02040503050406030204" pitchFamily="18" charset="0"/>
+                        </a:rPr>
+                        <m:t>​​×100</m:t>
+                      </m:r>
+                    </m:oMath>
+                  </m:oMathPara>
+                </a14:m>
+                <a:endParaRPr lang="en-US" b="0" i="0" dirty="0">
+                  <a:solidFill>
+                    <a:srgbClr val="2C2C36"/>
+                  </a:solidFill>
+                  <a:effectLst/>
+                  <a:latin typeface="system-ui"/>
+                </a:endParaRPr>
+              </a:p>
+              <a:p>
+                <a:pPr marL="742950" lvl="1" indent="-285750" algn="l">
+                  <a:spcBef>
+                    <a:spcPts val="900"/>
+                  </a:spcBef>
+                  <a:spcAft>
+                    <a:spcPts val="900"/>
+                  </a:spcAft>
+                  <a:buFont typeface="Arial" panose="020B0604020202020204" pitchFamily="34" charset="0"/>
+                  <a:buChar char="•"/>
+                </a:pPr>
+                <a:r>
+                  <a:rPr lang="en-US" b="0" i="0" dirty="0">
+                    <a:solidFill>
+                      <a:srgbClr val="2C2C36"/>
+                    </a:solidFill>
+                    <a:effectLst/>
+                    <a:latin typeface="system-ui"/>
+                  </a:rPr>
+                  <a:t>The errors are averaged across all time steps to compute the MAPE.</a:t>
+                </a:r>
+              </a:p>
+              <a:p>
+                <a:pPr marL="742950" lvl="1" indent="-285750" algn="l">
+                  <a:spcBef>
+                    <a:spcPts val="900"/>
+                  </a:spcBef>
+                  <a:spcAft>
+                    <a:spcPts val="900"/>
+                  </a:spcAft>
+                  <a:buFont typeface="Arial" panose="020B0604020202020204" pitchFamily="34" charset="0"/>
+                  <a:buChar char="•"/>
+                </a:pPr>
+                <a:r>
+                  <a:rPr lang="en-US" b="0" i="0" dirty="0">
+                    <a:solidFill>
+                      <a:srgbClr val="2C2C36"/>
+                    </a:solidFill>
+                    <a:effectLst/>
+                    <a:latin typeface="system-ui"/>
+                  </a:rPr>
+                  <a:t>Division by zero is avoided by skipping any time steps where the true SoC is zero.</a:t>
+                </a:r>
+              </a:p>
+              <a:p>
+                <a:pPr algn="l">
+                  <a:spcBef>
+                    <a:spcPts val="900"/>
+                  </a:spcBef>
+                  <a:spcAft>
+                    <a:spcPts val="900"/>
+                  </a:spcAft>
+                  <a:buFont typeface="Arial" panose="020B0604020202020204" pitchFamily="34" charset="0"/>
+                  <a:buChar char="•"/>
+                </a:pPr>
+                <a:r>
+                  <a:rPr lang="en-US" b="0" i="0" dirty="0">
+                    <a:solidFill>
+                      <a:srgbClr val="111827"/>
+                    </a:solidFill>
+                    <a:effectLst/>
+                    <a:latin typeface="system-ui"/>
+                  </a:rPr>
+                  <a:t>Output </a:t>
+                </a:r>
+                <a:r>
+                  <a:rPr lang="en-US" b="0" i="0" dirty="0">
+                    <a:solidFill>
+                      <a:srgbClr val="2C2C36"/>
+                    </a:solidFill>
+                    <a:effectLst/>
+                    <a:latin typeface="system-ui"/>
+                  </a:rPr>
+                  <a:t>: The MAPE values for both the compensated and uncompensated SoC estimates.</a:t>
+                </a:r>
+              </a:p>
+              <a:p>
+                <a:endParaRPr lang="en-US" dirty="0"/>
+              </a:p>
+            </p:txBody>
+          </p:sp>
+        </mc:Choice>
+        <mc:Fallback>
+          <p:sp>
+            <p:nvSpPr>
+              <p:cNvPr id="3" name="Content Placeholder 2">
+                <a:extLst>
+                  <a:ext uri="{FF2B5EF4-FFF2-40B4-BE49-F238E27FC236}">
+                    <a16:creationId xmlns:a16="http://schemas.microsoft.com/office/drawing/2014/main" id="{AC3088A6-F2DA-9B72-A89B-9AE7951E5E44}"/>
+                  </a:ext>
+                </a:extLst>
+              </p:cNvPr>
+              <p:cNvSpPr>
+                <a:spLocks noGrp="1" noRot="1" noChangeAspect="1" noMove="1" noResize="1" noEditPoints="1" noAdjustHandles="1" noChangeArrowheads="1" noChangeShapeType="1" noTextEdit="1"/>
+              </p:cNvSpPr>
+              <p:nvPr>
+                <p:ph idx="1"/>
+              </p:nvPr>
+            </p:nvSpPr>
+            <p:spPr>
+              <a:blipFill>
+                <a:blip r:embed="rId2"/>
+                <a:stretch>
+                  <a:fillRect l="-754" t="-2801" r="-580"/>
+                </a:stretch>
+              </a:blipFill>
+            </p:spPr>
+            <p:txBody>
+              <a:bodyPr/>
+              <a:lstStyle/>
+              <a:p>
+                <a:r>
+                  <a:rPr lang="en-US">
+                    <a:noFill/>
+                  </a:rPr>
+                  <a:t> </a:t>
+                </a:r>
+              </a:p>
+            </p:txBody>
+          </p:sp>
+        </mc:Fallback>
+      </mc:AlternateContent>
+    </p:spTree>
+    <p:extLst>
+      <p:ext uri="{BB962C8B-B14F-4D97-AF65-F5344CB8AC3E}">
+        <p14:creationId xmlns:p14="http://schemas.microsoft.com/office/powerpoint/2010/main" val="2570238982"/>
+      </p:ext>
+    </p:extLst>
+  </p:cSld>
+  <p:clrMapOvr>
+    <a:masterClrMapping/>
+  </p:clrMapOvr>
+</p:sld>
+</file>
+
 <file path=ppt/slides/slide5.xml><?xml version="1.0" encoding="utf-8"?>
+<p:sld xmlns:a="http://schemas.openxmlformats.org/drawingml/2006/main" xmlns:r="http://schemas.openxmlformats.org/officeDocument/2006/relationships" xmlns:p="http://schemas.openxmlformats.org/presentationml/2006/main">
+  <p:cSld>
+    <p:spTree>
+      <p:nvGrpSpPr>
+        <p:cNvPr id="1" name=""/>
+        <p:cNvGrpSpPr/>
+        <p:nvPr/>
+      </p:nvGrpSpPr>
+      <p:grpSpPr>
+        <a:xfrm>
+          <a:off x="0" y="0"/>
+          <a:ext cx="0" cy="0"/>
+          <a:chOff x="0" y="0"/>
+          <a:chExt cx="0" cy="0"/>
+        </a:xfrm>
+      </p:grpSpPr>
+      <p:sp>
+        <p:nvSpPr>
+          <p:cNvPr id="2" name="Title 1">
+            <a:extLst>
+              <a:ext uri="{FF2B5EF4-FFF2-40B4-BE49-F238E27FC236}">
+                <a16:creationId xmlns:a16="http://schemas.microsoft.com/office/drawing/2014/main" id="{97AED41B-81A9-FA3D-BD2F-5CED9EA1E270}"/>
+              </a:ext>
+            </a:extLst>
+          </p:cNvPr>
+          <p:cNvSpPr>
+            <a:spLocks noGrp="1"/>
+          </p:cNvSpPr>
+          <p:nvPr>
+            <p:ph type="title"/>
+          </p:nvPr>
+        </p:nvSpPr>
+        <p:spPr/>
+        <p:txBody>
+          <a:bodyPr/>
+          <a:lstStyle/>
+          <a:p>
+            <a:endParaRPr lang="en-US"/>
+          </a:p>
+        </p:txBody>
+      </p:sp>
+      <p:sp>
+        <p:nvSpPr>
+          <p:cNvPr id="3" name="Content Placeholder 2">
+            <a:extLst>
+              <a:ext uri="{FF2B5EF4-FFF2-40B4-BE49-F238E27FC236}">
+                <a16:creationId xmlns:a16="http://schemas.microsoft.com/office/drawing/2014/main" id="{BF8C8288-A90E-DD45-94F9-5AFF6AEEB079}"/>
+              </a:ext>
+            </a:extLst>
+          </p:cNvPr>
+          <p:cNvSpPr>
+            <a:spLocks noGrp="1"/>
+          </p:cNvSpPr>
+          <p:nvPr>
+            <p:ph idx="1"/>
+          </p:nvPr>
+        </p:nvSpPr>
+        <p:spPr/>
+        <p:txBody>
+          <a:bodyPr/>
+          <a:lstStyle/>
+          <a:p>
+            <a:pPr marL="514350" indent="-514350" algn="l">
+              <a:spcBef>
+                <a:spcPts val="900"/>
+              </a:spcBef>
+              <a:spcAft>
+                <a:spcPts val="900"/>
+              </a:spcAft>
+              <a:buFont typeface="+mj-lt"/>
+              <a:buAutoNum type="arabicPeriod" startAt="3"/>
+            </a:pPr>
+            <a:r>
+              <a:rPr lang="en-US" b="0" i="0" dirty="0">
+                <a:solidFill>
+                  <a:srgbClr val="111827"/>
+                </a:solidFill>
+                <a:effectLst/>
+                <a:latin typeface="system-ui"/>
+              </a:rPr>
+              <a:t>Drift in Coulomb Counting </a:t>
+            </a:r>
+            <a:r>
+              <a:rPr lang="en-US" b="0" i="0" dirty="0">
+                <a:solidFill>
+                  <a:srgbClr val="2C2C36"/>
+                </a:solidFill>
+                <a:effectLst/>
+                <a:latin typeface="system-ui"/>
+              </a:rPr>
+              <a:t>:</a:t>
+            </a:r>
+          </a:p>
+          <a:p>
+            <a:pPr lvl="1">
+              <a:spcBef>
+                <a:spcPts val="900"/>
+              </a:spcBef>
+              <a:spcAft>
+                <a:spcPts val="900"/>
+              </a:spcAft>
+            </a:pPr>
+            <a:r>
+              <a:rPr lang="en-US" b="0" i="0" dirty="0">
+                <a:solidFill>
+                  <a:srgbClr val="2C2C36"/>
+                </a:solidFill>
+                <a:effectLst/>
+                <a:latin typeface="system-ui"/>
+              </a:rPr>
+              <a:t>Coulomb counting estimates SoC by integrating current over time. However, small errors in current measurements accumulate over time, leading to drift.</a:t>
+            </a:r>
+          </a:p>
+          <a:p>
+            <a:pPr algn="l">
+              <a:spcBef>
+                <a:spcPts val="900"/>
+              </a:spcBef>
+              <a:spcAft>
+                <a:spcPts val="900"/>
+              </a:spcAft>
+              <a:buFont typeface="+mj-lt"/>
+              <a:buAutoNum type="arabicPeriod" startAt="3"/>
+            </a:pPr>
+            <a:r>
+              <a:rPr lang="en-US" b="0" i="0" dirty="0">
+                <a:solidFill>
+                  <a:srgbClr val="111827"/>
+                </a:solidFill>
+                <a:effectLst/>
+                <a:latin typeface="system-ui"/>
+              </a:rPr>
+              <a:t>   Dynamic Behavior </a:t>
+            </a:r>
+            <a:r>
+              <a:rPr lang="en-US" b="0" i="0" dirty="0">
+                <a:solidFill>
+                  <a:srgbClr val="2C2C36"/>
+                </a:solidFill>
+                <a:effectLst/>
+                <a:latin typeface="system-ui"/>
+              </a:rPr>
+              <a:t>:</a:t>
+            </a:r>
+          </a:p>
+          <a:p>
+            <a:pPr lvl="1">
+              <a:spcBef>
+                <a:spcPts val="900"/>
+              </a:spcBef>
+              <a:spcAft>
+                <a:spcPts val="900"/>
+              </a:spcAft>
+            </a:pPr>
+            <a:r>
+              <a:rPr lang="en-US" b="0" i="0" dirty="0">
+                <a:solidFill>
+                  <a:srgbClr val="2C2C36"/>
+                </a:solidFill>
+                <a:effectLst/>
+                <a:latin typeface="system-ui"/>
+              </a:rPr>
+              <a:t>Batteries are dynamic systems where SoC changes continuously based on load conditions, making real-time estimation critical.</a:t>
+            </a:r>
+          </a:p>
+          <a:p>
+            <a:endParaRPr lang="en-US" dirty="0"/>
+          </a:p>
+        </p:txBody>
+      </p:sp>
+    </p:spTree>
+    <p:extLst>
+      <p:ext uri="{BB962C8B-B14F-4D97-AF65-F5344CB8AC3E}">
+        <p14:creationId xmlns:p14="http://schemas.microsoft.com/office/powerpoint/2010/main" val="3198415466"/>
+      </p:ext>
+    </p:extLst>
+  </p:cSld>
+  <p:clrMapOvr>
+    <a:masterClrMapping/>
+  </p:clrMapOvr>
+</p:sld>
+</file>
+
+<file path=ppt/slides/slide50.xml><?xml version="1.0" encoding="utf-8"?>
+<p:sld xmlns:a="http://schemas.openxmlformats.org/drawingml/2006/main" xmlns:r="http://schemas.openxmlformats.org/officeDocument/2006/relationships" xmlns:p="http://schemas.openxmlformats.org/presentationml/2006/main">
+  <p:cSld>
+    <p:spTree>
+      <p:nvGrpSpPr>
+        <p:cNvPr id="1" name=""/>
+        <p:cNvGrpSpPr/>
+        <p:nvPr/>
+      </p:nvGrpSpPr>
+      <p:grpSpPr>
+        <a:xfrm>
+          <a:off x="0" y="0"/>
+          <a:ext cx="0" cy="0"/>
+          <a:chOff x="0" y="0"/>
+          <a:chExt cx="0" cy="0"/>
+        </a:xfrm>
+      </p:grpSpPr>
+      <p:sp>
+        <p:nvSpPr>
+          <p:cNvPr id="2" name="Title 1">
+            <a:extLst>
+              <a:ext uri="{FF2B5EF4-FFF2-40B4-BE49-F238E27FC236}">
+                <a16:creationId xmlns:a16="http://schemas.microsoft.com/office/drawing/2014/main" id="{3FE50610-EDB1-C3BE-4274-6654B8529551}"/>
+              </a:ext>
+            </a:extLst>
+          </p:cNvPr>
+          <p:cNvSpPr>
+            <a:spLocks noGrp="1"/>
+          </p:cNvSpPr>
+          <p:nvPr>
+            <p:ph type="title"/>
+          </p:nvPr>
+        </p:nvSpPr>
+        <p:spPr/>
+        <p:txBody>
+          <a:bodyPr/>
+          <a:lstStyle/>
+          <a:p>
+            <a:endParaRPr lang="en-US"/>
+          </a:p>
+        </p:txBody>
+      </p:sp>
+      <p:sp>
+        <p:nvSpPr>
+          <p:cNvPr id="3" name="Content Placeholder 2">
+            <a:extLst>
+              <a:ext uri="{FF2B5EF4-FFF2-40B4-BE49-F238E27FC236}">
+                <a16:creationId xmlns:a16="http://schemas.microsoft.com/office/drawing/2014/main" id="{9018D8A9-3850-6B46-E5C6-9CCBC719BB9F}"/>
+              </a:ext>
+            </a:extLst>
+          </p:cNvPr>
+          <p:cNvSpPr>
+            <a:spLocks noGrp="1"/>
+          </p:cNvSpPr>
+          <p:nvPr>
+            <p:ph idx="1"/>
+          </p:nvPr>
+        </p:nvSpPr>
+        <p:spPr/>
+        <p:txBody>
+          <a:bodyPr/>
+          <a:lstStyle/>
+          <a:p>
+            <a:endParaRPr lang="en-US"/>
+          </a:p>
+        </p:txBody>
+      </p:sp>
+      <p:pic>
+        <p:nvPicPr>
+          <p:cNvPr id="5" name="Picture 4">
+            <a:extLst>
+              <a:ext uri="{FF2B5EF4-FFF2-40B4-BE49-F238E27FC236}">
+                <a16:creationId xmlns:a16="http://schemas.microsoft.com/office/drawing/2014/main" id="{C96B8FE1-B14B-31DF-2A96-D67E2D80C358}"/>
+              </a:ext>
+            </a:extLst>
+          </p:cNvPr>
+          <p:cNvPicPr>
+            <a:picLocks noChangeAspect="1"/>
+          </p:cNvPicPr>
+          <p:nvPr/>
+        </p:nvPicPr>
+        <p:blipFill>
+          <a:blip r:embed="rId2"/>
+          <a:stretch>
+            <a:fillRect/>
+          </a:stretch>
+        </p:blipFill>
+        <p:spPr>
+          <a:xfrm>
+            <a:off x="1618625" y="390101"/>
+            <a:ext cx="8954750" cy="6077798"/>
+          </a:xfrm>
+          <a:prstGeom prst="rect">
+            <a:avLst/>
+          </a:prstGeom>
+        </p:spPr>
+      </p:pic>
+    </p:spTree>
+    <p:extLst>
+      <p:ext uri="{BB962C8B-B14F-4D97-AF65-F5344CB8AC3E}">
+        <p14:creationId xmlns:p14="http://schemas.microsoft.com/office/powerpoint/2010/main" val="2692633160"/>
+      </p:ext>
+    </p:extLst>
+  </p:cSld>
+  <p:clrMapOvr>
+    <a:masterClrMapping/>
+  </p:clrMapOvr>
+</p:sld>
+</file>
+
+<file path=ppt/slides/slide51.xml><?xml version="1.0" encoding="utf-8"?>
+<p:sld xmlns:a="http://schemas.openxmlformats.org/drawingml/2006/main" xmlns:r="http://schemas.openxmlformats.org/officeDocument/2006/relationships" xmlns:p="http://schemas.openxmlformats.org/presentationml/2006/main">
+  <p:cSld>
+    <p:spTree>
+      <p:nvGrpSpPr>
+        <p:cNvPr id="1" name=""/>
+        <p:cNvGrpSpPr/>
+        <p:nvPr/>
+      </p:nvGrpSpPr>
+      <p:grpSpPr>
+        <a:xfrm>
+          <a:off x="0" y="0"/>
+          <a:ext cx="0" cy="0"/>
+          <a:chOff x="0" y="0"/>
+          <a:chExt cx="0" cy="0"/>
+        </a:xfrm>
+      </p:grpSpPr>
+      <p:sp>
+        <p:nvSpPr>
+          <p:cNvPr id="2" name="Title 1">
+            <a:extLst>
+              <a:ext uri="{FF2B5EF4-FFF2-40B4-BE49-F238E27FC236}">
+                <a16:creationId xmlns:a16="http://schemas.microsoft.com/office/drawing/2014/main" id="{9641EAE6-EA2B-C2C9-7330-8BDA876B651E}"/>
+              </a:ext>
+            </a:extLst>
+          </p:cNvPr>
+          <p:cNvSpPr>
+            <a:spLocks noGrp="1"/>
+          </p:cNvSpPr>
+          <p:nvPr>
+            <p:ph type="title"/>
+          </p:nvPr>
+        </p:nvSpPr>
+        <p:spPr/>
+        <p:txBody>
+          <a:bodyPr/>
+          <a:lstStyle/>
+          <a:p>
+            <a:endParaRPr lang="en-US"/>
+          </a:p>
+        </p:txBody>
+      </p:sp>
+      <p:sp>
+        <p:nvSpPr>
+          <p:cNvPr id="3" name="Content Placeholder 2">
+            <a:extLst>
+              <a:ext uri="{FF2B5EF4-FFF2-40B4-BE49-F238E27FC236}">
+                <a16:creationId xmlns:a16="http://schemas.microsoft.com/office/drawing/2014/main" id="{380A0D6F-0B94-BA10-A091-456A2AC9FFD1}"/>
+              </a:ext>
+            </a:extLst>
+          </p:cNvPr>
+          <p:cNvSpPr>
+            <a:spLocks noGrp="1"/>
+          </p:cNvSpPr>
+          <p:nvPr>
+            <p:ph idx="1"/>
+          </p:nvPr>
+        </p:nvSpPr>
+        <p:spPr/>
+        <p:txBody>
+          <a:bodyPr/>
+          <a:lstStyle/>
+          <a:p>
+            <a:pPr algn="l">
+              <a:spcBef>
+                <a:spcPts val="900"/>
+              </a:spcBef>
+              <a:spcAft>
+                <a:spcPts val="900"/>
+              </a:spcAft>
+              <a:buNone/>
+            </a:pPr>
+            <a:r>
+              <a:rPr lang="en-US" b="1" i="0" dirty="0">
+                <a:solidFill>
+                  <a:srgbClr val="2C2C36"/>
+                </a:solidFill>
+                <a:effectLst/>
+                <a:latin typeface="system-ui"/>
+              </a:rPr>
+              <a:t>Explanation:</a:t>
+            </a:r>
+          </a:p>
+          <a:p>
+            <a:pPr algn="l">
+              <a:spcBef>
+                <a:spcPts val="900"/>
+              </a:spcBef>
+              <a:spcAft>
+                <a:spcPts val="900"/>
+              </a:spcAft>
+              <a:buFont typeface="Arial" panose="020B0604020202020204" pitchFamily="34" charset="0"/>
+              <a:buChar char="•"/>
+            </a:pPr>
+            <a:r>
+              <a:rPr lang="en-US" b="0" i="0" dirty="0">
+                <a:solidFill>
+                  <a:srgbClr val="111827"/>
+                </a:solidFill>
+                <a:effectLst/>
+                <a:latin typeface="system-ui"/>
+              </a:rPr>
+              <a:t>First Subplot </a:t>
+            </a:r>
+            <a:r>
+              <a:rPr lang="en-US" b="0" i="0" dirty="0">
+                <a:solidFill>
+                  <a:srgbClr val="2C2C36"/>
+                </a:solidFill>
+                <a:effectLst/>
+                <a:latin typeface="system-ui"/>
+              </a:rPr>
+              <a:t>:</a:t>
+            </a:r>
+          </a:p>
+          <a:p>
+            <a:pPr marL="742950" lvl="1" indent="-285750" algn="l">
+              <a:spcBef>
+                <a:spcPts val="900"/>
+              </a:spcBef>
+              <a:spcAft>
+                <a:spcPts val="900"/>
+              </a:spcAft>
+              <a:buFont typeface="Arial" panose="020B0604020202020204" pitchFamily="34" charset="0"/>
+              <a:buChar char="•"/>
+            </a:pPr>
+            <a:r>
+              <a:rPr lang="en-US" b="0" i="0" dirty="0">
+                <a:solidFill>
+                  <a:srgbClr val="2C2C36"/>
+                </a:solidFill>
+                <a:effectLst/>
+                <a:latin typeface="system-ui"/>
+              </a:rPr>
+              <a:t>Compares the true SoC, estimated SoC (with temperature compensation and recalibration), and uncompensated SoC over time.</a:t>
+            </a:r>
+          </a:p>
+          <a:p>
+            <a:pPr algn="l">
+              <a:spcBef>
+                <a:spcPts val="900"/>
+              </a:spcBef>
+              <a:spcAft>
+                <a:spcPts val="900"/>
+              </a:spcAft>
+              <a:buFont typeface="Arial" panose="020B0604020202020204" pitchFamily="34" charset="0"/>
+              <a:buChar char="•"/>
+            </a:pPr>
+            <a:r>
+              <a:rPr lang="en-US" b="0" i="0" dirty="0">
+                <a:solidFill>
+                  <a:srgbClr val="111827"/>
+                </a:solidFill>
+                <a:effectLst/>
+                <a:latin typeface="system-ui"/>
+              </a:rPr>
+              <a:t>Second Subplot </a:t>
+            </a:r>
+            <a:r>
+              <a:rPr lang="en-US" b="0" i="0" dirty="0">
+                <a:solidFill>
+                  <a:srgbClr val="2C2C36"/>
+                </a:solidFill>
+                <a:effectLst/>
+                <a:latin typeface="system-ui"/>
+              </a:rPr>
+              <a:t>:</a:t>
+            </a:r>
+          </a:p>
+          <a:p>
+            <a:pPr marL="742950" lvl="1" indent="-285750" algn="l">
+              <a:spcBef>
+                <a:spcPts val="900"/>
+              </a:spcBef>
+              <a:spcAft>
+                <a:spcPts val="900"/>
+              </a:spcAft>
+              <a:buFont typeface="Arial" panose="020B0604020202020204" pitchFamily="34" charset="0"/>
+              <a:buChar char="•"/>
+            </a:pPr>
+            <a:r>
+              <a:rPr lang="en-US" b="0" i="0" dirty="0">
+                <a:solidFill>
+                  <a:srgbClr val="2C2C36"/>
+                </a:solidFill>
+                <a:effectLst/>
+                <a:latin typeface="system-ui"/>
+              </a:rPr>
+              <a:t>Shows the simulated temperature profile over time, reflecting the realistic high-temperature conditions of Thailand.</a:t>
+            </a:r>
+          </a:p>
+          <a:p>
+            <a:endParaRPr lang="en-US" dirty="0"/>
+          </a:p>
+        </p:txBody>
+      </p:sp>
+    </p:spTree>
+    <p:extLst>
+      <p:ext uri="{BB962C8B-B14F-4D97-AF65-F5344CB8AC3E}">
+        <p14:creationId xmlns:p14="http://schemas.microsoft.com/office/powerpoint/2010/main" val="3207675199"/>
+      </p:ext>
+    </p:extLst>
+  </p:cSld>
+  <p:clrMapOvr>
+    <a:masterClrMapping/>
+  </p:clrMapOvr>
+</p:sld>
+</file>
+
+<file path=ppt/slides/slide6.xml><?xml version="1.0" encoding="utf-8"?>
 <p:sld xmlns:a="http://schemas.openxmlformats.org/drawingml/2006/main" xmlns:r="http://schemas.openxmlformats.org/officeDocument/2006/relationships" xmlns:p="http://schemas.openxmlformats.org/presentationml/2006/main">
   <p:cSld>
     <p:spTree>
@@ -11185,6 +17782,11 @@
           </p:cNvGraphicFramePr>
           <p:nvPr>
             <p:ph idx="1"/>
+            <p:extLst>
+              <p:ext uri="{D42A27DB-BD31-4B8C-83A1-F6EECF244321}">
+                <p14:modId xmlns:p14="http://schemas.microsoft.com/office/powerpoint/2010/main" val="183916282"/>
+              </p:ext>
+            </p:extLst>
           </p:nvPr>
         </p:nvGraphicFramePr>
         <p:xfrm>
@@ -11623,12 +18225,12 @@
                     <a:p>
                       <a:pPr algn="l"/>
                       <a:r>
-                        <a:rPr lang="en-US" b="1">
+                        <a:rPr lang="en-US" b="1" dirty="0">
                           <a:effectLst/>
                         </a:rPr>
-                        <a:t>Adaptive / Observer-based</a:t>
+                        <a:t>Adaptive / Observer-based*</a:t>
                       </a:r>
-                      <a:endParaRPr lang="en-US">
+                      <a:endParaRPr lang="en-US" dirty="0">
                         <a:effectLst/>
                       </a:endParaRPr>
                     </a:p>
@@ -11723,12 +18325,12 @@
                     <a:p>
                       <a:pPr algn="l"/>
                       <a:r>
-                        <a:rPr lang="en-US" b="1">
+                        <a:rPr lang="en-US" b="1" dirty="0">
                           <a:effectLst/>
                         </a:rPr>
-                        <a:t>Data-Driven / AI-based</a:t>
+                        <a:t>Data-Driven / AI-based*</a:t>
                       </a:r>
-                      <a:endParaRPr lang="en-US">
+                      <a:endParaRPr lang="en-US" dirty="0">
                         <a:effectLst/>
                       </a:endParaRPr>
                     </a:p>
@@ -11832,7 +18434,7 @@
 </p:sld>
 </file>
 
-<file path=ppt/slides/slide6.xml><?xml version="1.0" encoding="utf-8"?>
+<file path=ppt/slides/slide7.xml><?xml version="1.0" encoding="utf-8"?>
 <p:sld xmlns:a="http://schemas.openxmlformats.org/drawingml/2006/main" xmlns:r="http://schemas.openxmlformats.org/officeDocument/2006/relationships" xmlns:p="http://schemas.openxmlformats.org/presentationml/2006/main">
   <p:cSld>
     <p:spTree>
@@ -11872,7 +18474,7 @@
           <a:p>
             <a:r>
               <a:rPr lang="en-US" dirty="0"/>
-              <a:t>Direct Measurement Methods</a:t>
+              <a:t>1) Direct Measurement Methods (OCV Method)</a:t>
             </a:r>
           </a:p>
         </p:txBody>
@@ -12001,7 +18603,7 @@
 </p:sld>
 </file>
 
-<file path=ppt/slides/slide7.xml><?xml version="1.0" encoding="utf-8"?>
+<file path=ppt/slides/slide8.xml><?xml version="1.0" encoding="utf-8"?>
 <p:sld xmlns:a="http://schemas.openxmlformats.org/drawingml/2006/main" xmlns:r="http://schemas.openxmlformats.org/officeDocument/2006/relationships" xmlns:p="http://schemas.openxmlformats.org/presentationml/2006/main">
   <p:cSld>
     <p:spTree>
@@ -13496,7 +20098,7 @@
 </p:sld>
 </file>
 
-<file path=ppt/slides/slide8.xml><?xml version="1.0" encoding="utf-8"?>
+<file path=ppt/slides/slide9.xml><?xml version="1.0" encoding="utf-8"?>
 <p:sld xmlns:a="http://schemas.openxmlformats.org/drawingml/2006/main" xmlns:r="http://schemas.openxmlformats.org/officeDocument/2006/relationships" xmlns:p="http://schemas.openxmlformats.org/presentationml/2006/main">
   <p:cSld>
     <p:spTree>
@@ -13597,585 +20199,6 @@
     <p:extLst>
       <p:ext uri="{BB962C8B-B14F-4D97-AF65-F5344CB8AC3E}">
         <p14:creationId xmlns:p14="http://schemas.microsoft.com/office/powerpoint/2010/main" val="2827432413"/>
-      </p:ext>
-    </p:extLst>
-  </p:cSld>
-  <p:clrMapOvr>
-    <a:masterClrMapping/>
-  </p:clrMapOvr>
-</p:sld>
-</file>
-
-<file path=ppt/slides/slide9.xml><?xml version="1.0" encoding="utf-8"?>
-<p:sld xmlns:a="http://schemas.openxmlformats.org/drawingml/2006/main" xmlns:r="http://schemas.openxmlformats.org/officeDocument/2006/relationships" xmlns:p="http://schemas.openxmlformats.org/presentationml/2006/main">
-  <p:cSld>
-    <p:spTree>
-      <p:nvGrpSpPr>
-        <p:cNvPr id="1" name=""/>
-        <p:cNvGrpSpPr/>
-        <p:nvPr/>
-      </p:nvGrpSpPr>
-      <p:grpSpPr>
-        <a:xfrm>
-          <a:off x="0" y="0"/>
-          <a:ext cx="0" cy="0"/>
-          <a:chOff x="0" y="0"/>
-          <a:chExt cx="0" cy="0"/>
-        </a:xfrm>
-      </p:grpSpPr>
-      <p:sp>
-        <p:nvSpPr>
-          <p:cNvPr id="2" name="Title 1">
-            <a:extLst>
-              <a:ext uri="{FF2B5EF4-FFF2-40B4-BE49-F238E27FC236}">
-                <a16:creationId xmlns:a16="http://schemas.microsoft.com/office/drawing/2014/main" id="{21B048D2-047D-6446-5CD8-771E22ECB604}"/>
-              </a:ext>
-            </a:extLst>
-          </p:cNvPr>
-          <p:cNvSpPr>
-            <a:spLocks noGrp="1"/>
-          </p:cNvSpPr>
-          <p:nvPr>
-            <p:ph type="title"/>
-          </p:nvPr>
-        </p:nvSpPr>
-        <p:spPr/>
-        <p:txBody>
-          <a:bodyPr/>
-          <a:lstStyle/>
-          <a:p>
-            <a:r>
-              <a:rPr lang="en-US" b="1" dirty="0"/>
-              <a:t>Coulomb Counting (Current Integration)</a:t>
-            </a:r>
-            <a:endParaRPr lang="en-US" dirty="0"/>
-          </a:p>
-        </p:txBody>
-      </p:sp>
-      <mc:AlternateContent xmlns:mc="http://schemas.openxmlformats.org/markup-compatibility/2006">
-        <mc:Choice xmlns:a14="http://schemas.microsoft.com/office/drawing/2010/main" Requires="a14">
-          <p:sp>
-            <p:nvSpPr>
-              <p:cNvPr id="3" name="Content Placeholder 2">
-                <a:extLst>
-                  <a:ext uri="{FF2B5EF4-FFF2-40B4-BE49-F238E27FC236}">
-                    <a16:creationId xmlns:a16="http://schemas.microsoft.com/office/drawing/2014/main" id="{0CFC24BE-D6FC-472E-66E4-9A67F60F1DEF}"/>
-                  </a:ext>
-                </a:extLst>
-              </p:cNvPr>
-              <p:cNvSpPr>
-                <a:spLocks noGrp="1"/>
-              </p:cNvSpPr>
-              <p:nvPr>
-                <p:ph idx="1"/>
-              </p:nvPr>
-            </p:nvSpPr>
-            <p:spPr/>
-            <p:txBody>
-              <a:bodyPr>
-                <a:normAutofit fontScale="70000" lnSpcReduction="20000"/>
-              </a:bodyPr>
-              <a:lstStyle/>
-              <a:p>
-                <a:pPr>
-                  <a:buFont typeface="Arial" panose="020B0604020202020204" pitchFamily="34" charset="0"/>
-                  <a:buChar char="•"/>
-                </a:pPr>
-                <a:r>
-                  <a:rPr lang="en-US" b="1" dirty="0"/>
-                  <a:t>Idea:</a:t>
-                </a:r>
-                <a:r>
-                  <a:rPr lang="en-US" dirty="0"/>
-                  <a:t> Integrate the current over time to track how much charge enters or leaves the battery.</a:t>
-                </a:r>
-              </a:p>
-              <a:p>
-                <a:pPr>
-                  <a:buFont typeface="Arial" panose="020B0604020202020204" pitchFamily="34" charset="0"/>
-                  <a:buChar char="•"/>
-                </a:pPr>
-                <a:r>
-                  <a:rPr lang="en-US" b="1" dirty="0"/>
-                  <a:t>Formula:</a:t>
-                </a:r>
-                <a:endParaRPr lang="en-US" dirty="0"/>
-              </a:p>
-              <a:p>
-                <a:pPr>
-                  <a:buFont typeface="Arial" panose="020B0604020202020204" pitchFamily="34" charset="0"/>
-                  <a:buChar char="•"/>
-                </a:pPr>
-                <a:endParaRPr lang="en-US" i="1" dirty="0">
-                  <a:latin typeface="Cambria Math" panose="02040503050406030204" pitchFamily="18" charset="0"/>
-                </a:endParaRPr>
-              </a:p>
-              <a:p>
-                <a:pPr marL="0" indent="0">
-                  <a:buNone/>
-                </a:pPr>
-                <a14:m>
-                  <m:oMathPara xmlns:m="http://schemas.openxmlformats.org/officeDocument/2006/math">
-                    <m:oMathParaPr>
-                      <m:jc m:val="centerGroup"/>
-                    </m:oMathParaPr>
-                    <m:oMath xmlns:m="http://schemas.openxmlformats.org/officeDocument/2006/math">
-                      <m:r>
-                        <m:rPr>
-                          <m:sty m:val="p"/>
-                        </m:rPr>
-                        <a:rPr lang="en-US" i="1" dirty="0" err="1" smtClean="0">
-                          <a:latin typeface="Cambria Math" panose="02040503050406030204" pitchFamily="18" charset="0"/>
-                        </a:rPr>
-                        <m:t>SoC</m:t>
-                      </m:r>
-                      <m:d>
-                        <m:dPr>
-                          <m:ctrlPr>
-                            <a:rPr lang="en-US" i="1" dirty="0" smtClean="0">
-                              <a:latin typeface="Cambria Math" panose="02040503050406030204" pitchFamily="18" charset="0"/>
-                            </a:rPr>
-                          </m:ctrlPr>
-                        </m:dPr>
-                        <m:e>
-                          <m:r>
-                            <a:rPr lang="en-US" i="1" dirty="0" smtClean="0">
-                              <a:latin typeface="Cambria Math" panose="02040503050406030204" pitchFamily="18" charset="0"/>
-                            </a:rPr>
-                            <m:t>𝑡</m:t>
-                          </m:r>
-                        </m:e>
-                      </m:d>
-                      <m:r>
-                        <a:rPr lang="en-US" i="1" dirty="0" smtClean="0">
-                          <a:latin typeface="Cambria Math" panose="02040503050406030204" pitchFamily="18" charset="0"/>
-                        </a:rPr>
-                        <m:t>=</m:t>
-                      </m:r>
-                      <m:r>
-                        <a:rPr lang="en-US" i="1" dirty="0" smtClean="0">
-                          <a:latin typeface="Cambria Math" panose="02040503050406030204" pitchFamily="18" charset="0"/>
-                        </a:rPr>
-                        <m:t>𝑆𝑜𝐶</m:t>
-                      </m:r>
-                      <m:d>
-                        <m:dPr>
-                          <m:ctrlPr>
-                            <a:rPr lang="en-US" i="1" dirty="0" smtClean="0">
-                              <a:latin typeface="Cambria Math" panose="02040503050406030204" pitchFamily="18" charset="0"/>
-                            </a:rPr>
-                          </m:ctrlPr>
-                        </m:dPr>
-                        <m:e>
-                          <m:sSub>
-                            <m:sSubPr>
-                              <m:ctrlPr>
-                                <a:rPr lang="en-US" b="0" i="1" dirty="0" smtClean="0">
-                                  <a:latin typeface="Cambria Math" panose="02040503050406030204" pitchFamily="18" charset="0"/>
-                                </a:rPr>
-                              </m:ctrlPr>
-                            </m:sSubPr>
-                            <m:e>
-                              <m:r>
-                                <a:rPr lang="en-US" i="1" dirty="0" smtClean="0">
-                                  <a:latin typeface="Cambria Math" panose="02040503050406030204" pitchFamily="18" charset="0"/>
-                                </a:rPr>
-                                <m:t>𝑡</m:t>
-                              </m:r>
-                            </m:e>
-                            <m:sub>
-                              <m:r>
-                                <a:rPr lang="en-US" i="1" dirty="0" smtClean="0">
-                                  <a:latin typeface="Cambria Math" panose="02040503050406030204" pitchFamily="18" charset="0"/>
-                                </a:rPr>
-                                <m:t>0</m:t>
-                              </m:r>
-                            </m:sub>
-                          </m:sSub>
-                          <m:r>
-                            <a:rPr lang="en-US" i="1" dirty="0" smtClean="0">
-                              <a:latin typeface="Cambria Math" panose="02040503050406030204" pitchFamily="18" charset="0"/>
-                            </a:rPr>
-                            <m:t>​</m:t>
-                          </m:r>
-                        </m:e>
-                      </m:d>
-                      <m:r>
-                        <a:rPr lang="en-US" b="0" i="1" dirty="0" smtClean="0">
-                          <a:latin typeface="Cambria Math" panose="02040503050406030204" pitchFamily="18" charset="0"/>
-                        </a:rPr>
-                        <m:t>+</m:t>
-                      </m:r>
-                      <m:f>
-                        <m:fPr>
-                          <m:ctrlPr>
-                            <a:rPr lang="en-US" b="0" i="1" dirty="0" smtClean="0">
-                              <a:latin typeface="Cambria Math" panose="02040503050406030204" pitchFamily="18" charset="0"/>
-                            </a:rPr>
-                          </m:ctrlPr>
-                        </m:fPr>
-                        <m:num>
-                          <m:r>
-                            <a:rPr lang="en-US" b="0" i="1" dirty="0" smtClean="0">
-                              <a:latin typeface="Cambria Math" panose="02040503050406030204" pitchFamily="18" charset="0"/>
-                            </a:rPr>
-                            <m:t>1</m:t>
-                          </m:r>
-                        </m:num>
-                        <m:den>
-                          <m:sSub>
-                            <m:sSubPr>
-                              <m:ctrlPr>
-                                <a:rPr lang="en-US" b="0" i="1" dirty="0" smtClean="0">
-                                  <a:latin typeface="Cambria Math" panose="02040503050406030204" pitchFamily="18" charset="0"/>
-                                </a:rPr>
-                              </m:ctrlPr>
-                            </m:sSubPr>
-                            <m:e>
-                              <m:r>
-                                <a:rPr lang="en-US" i="1" dirty="0" smtClean="0">
-                                  <a:latin typeface="Cambria Math" panose="02040503050406030204" pitchFamily="18" charset="0"/>
-                                </a:rPr>
-                                <m:t>𝐶</m:t>
-                              </m:r>
-                            </m:e>
-                            <m:sub>
-                              <m:r>
-                                <a:rPr lang="en-US" b="0" i="1" dirty="0" smtClean="0">
-                                  <a:latin typeface="Cambria Math" panose="02040503050406030204" pitchFamily="18" charset="0"/>
-                                </a:rPr>
-                                <m:t>𝑟𝑎𝑡𝑒𝑑</m:t>
-                              </m:r>
-                            </m:sub>
-                          </m:sSub>
-                        </m:den>
-                      </m:f>
-                      <m:r>
-                        <a:rPr lang="en-US" i="1" dirty="0" smtClean="0">
-                          <a:latin typeface="Cambria Math" panose="02040503050406030204" pitchFamily="18" charset="0"/>
-                        </a:rPr>
-                        <m:t>​</m:t>
-                      </m:r>
-                      <m:nary>
-                        <m:naryPr>
-                          <m:ctrlPr>
-                            <a:rPr lang="en-US" i="1" dirty="0" smtClean="0">
-                              <a:latin typeface="Cambria Math" panose="02040503050406030204" pitchFamily="18" charset="0"/>
-                            </a:rPr>
-                          </m:ctrlPr>
-                        </m:naryPr>
-                        <m:sub>
-                          <m:sSub>
-                            <m:sSubPr>
-                              <m:ctrlPr>
-                                <a:rPr lang="en-US" b="0" i="1" dirty="0" smtClean="0">
-                                  <a:latin typeface="Cambria Math" panose="02040503050406030204" pitchFamily="18" charset="0"/>
-                                </a:rPr>
-                              </m:ctrlPr>
-                            </m:sSubPr>
-                            <m:e>
-                              <m:r>
-                                <m:rPr>
-                                  <m:brk m:alnAt="23"/>
-                                </m:rPr>
-                                <a:rPr lang="en-US" b="0" i="1" dirty="0" smtClean="0">
-                                  <a:latin typeface="Cambria Math" panose="02040503050406030204" pitchFamily="18" charset="0"/>
-                                </a:rPr>
-                                <m:t>𝑡</m:t>
-                              </m:r>
-                            </m:e>
-                            <m:sub>
-                              <m:r>
-                                <m:rPr>
-                                  <m:brk m:alnAt="23"/>
-                                </m:rPr>
-                                <a:rPr lang="en-US" b="0" i="1" dirty="0" smtClean="0">
-                                  <a:latin typeface="Cambria Math" panose="02040503050406030204" pitchFamily="18" charset="0"/>
-                                </a:rPr>
-                                <m:t>0</m:t>
-                              </m:r>
-                            </m:sub>
-                          </m:sSub>
-                        </m:sub>
-                        <m:sup>
-                          <m:r>
-                            <a:rPr lang="en-US" b="0" i="1" dirty="0" smtClean="0">
-                              <a:latin typeface="Cambria Math" panose="02040503050406030204" pitchFamily="18" charset="0"/>
-                            </a:rPr>
-                            <m:t>1</m:t>
-                          </m:r>
-                        </m:sup>
-                        <m:e>
-                          <m:r>
-                            <a:rPr lang="en-US" i="1" dirty="0" smtClean="0">
-                              <a:latin typeface="Cambria Math" panose="02040503050406030204" pitchFamily="18" charset="0"/>
-                            </a:rPr>
-                            <m:t>​</m:t>
-                          </m:r>
-                          <m:r>
-                            <a:rPr lang="en-US" i="1" dirty="0" smtClean="0">
-                              <a:latin typeface="Cambria Math" panose="02040503050406030204" pitchFamily="18" charset="0"/>
-                            </a:rPr>
-                            <m:t>𝐼</m:t>
-                          </m:r>
-                          <m:d>
-                            <m:dPr>
-                              <m:ctrlPr>
-                                <a:rPr lang="en-US" i="1" dirty="0" smtClean="0">
-                                  <a:latin typeface="Cambria Math" panose="02040503050406030204" pitchFamily="18" charset="0"/>
-                                </a:rPr>
-                              </m:ctrlPr>
-                            </m:dPr>
-                            <m:e>
-                              <m:r>
-                                <a:rPr lang="el-GR" i="1" dirty="0" smtClean="0">
-                                  <a:latin typeface="Cambria Math" panose="02040503050406030204" pitchFamily="18" charset="0"/>
-                                </a:rPr>
-                                <m:t>𝜏</m:t>
-                              </m:r>
-                            </m:e>
-                          </m:d>
-                          <m:r>
-                            <a:rPr lang="en-US" i="1" dirty="0" smtClean="0">
-                              <a:latin typeface="Cambria Math" panose="02040503050406030204" pitchFamily="18" charset="0"/>
-                            </a:rPr>
-                            <m:t>𝑑</m:t>
-                          </m:r>
-                          <m:r>
-                            <a:rPr lang="el-GR" i="1" dirty="0" smtClean="0">
-                              <a:latin typeface="Cambria Math" panose="02040503050406030204" pitchFamily="18" charset="0"/>
-                            </a:rPr>
-                            <m:t>𝜏</m:t>
-                          </m:r>
-                        </m:e>
-                      </m:nary>
-                    </m:oMath>
-                  </m:oMathPara>
-                </a14:m>
-                <a:endParaRPr lang="en-US" i="1" dirty="0">
-                  <a:latin typeface="Cambria Math" panose="02040503050406030204" pitchFamily="18" charset="0"/>
-                </a:endParaRPr>
-              </a:p>
-              <a:p>
-                <a14:m>
-                  <m:oMath xmlns:m="http://schemas.openxmlformats.org/officeDocument/2006/math">
-                    <m:r>
-                      <a:rPr lang="en-US" i="1" dirty="0" smtClean="0">
-                        <a:latin typeface="Cambria Math" panose="02040503050406030204" pitchFamily="18" charset="0"/>
-                      </a:rPr>
-                      <m:t>𝑤h𝑒𝑟𝑒</m:t>
-                    </m:r>
-                    <m:r>
-                      <a:rPr lang="en-US" i="1" dirty="0" smtClean="0">
-                        <a:latin typeface="Cambria Math" panose="02040503050406030204" pitchFamily="18" charset="0"/>
-                      </a:rPr>
-                      <m:t> </m:t>
-                    </m:r>
-                    <m:sSub>
-                      <m:sSubPr>
-                        <m:ctrlPr>
-                          <a:rPr lang="en-US" b="0" i="1" dirty="0" smtClean="0">
-                            <a:latin typeface="Cambria Math" panose="02040503050406030204" pitchFamily="18" charset="0"/>
-                          </a:rPr>
-                        </m:ctrlPr>
-                      </m:sSubPr>
-                      <m:e>
-                        <m:r>
-                          <a:rPr lang="en-US" i="1" dirty="0" err="1" smtClean="0">
-                            <a:latin typeface="Cambria Math" panose="02040503050406030204" pitchFamily="18" charset="0"/>
-                          </a:rPr>
-                          <m:t>𝐶</m:t>
-                        </m:r>
-                      </m:e>
-                      <m:sub>
-                        <m:r>
-                          <a:rPr lang="en-US" b="0" i="1" dirty="0" smtClean="0">
-                            <a:latin typeface="Cambria Math" panose="02040503050406030204" pitchFamily="18" charset="0"/>
-                          </a:rPr>
-                          <m:t>𝑟𝑎𝑡𝑒𝑑</m:t>
-                        </m:r>
-                      </m:sub>
-                    </m:sSub>
-                    <m:r>
-                      <a:rPr lang="en-US" i="1" dirty="0" smtClean="0">
-                        <a:latin typeface="Cambria Math" panose="02040503050406030204" pitchFamily="18" charset="0"/>
-                      </a:rPr>
-                      <m:t>​ </m:t>
-                    </m:r>
-                    <m:r>
-                      <a:rPr lang="en-US" i="1" dirty="0" smtClean="0">
-                        <a:latin typeface="Cambria Math" panose="02040503050406030204" pitchFamily="18" charset="0"/>
-                      </a:rPr>
-                      <m:t>𝑖𝑠</m:t>
-                    </m:r>
-                    <m:r>
-                      <a:rPr lang="en-US" i="1" dirty="0" smtClean="0">
-                        <a:latin typeface="Cambria Math" panose="02040503050406030204" pitchFamily="18" charset="0"/>
-                      </a:rPr>
-                      <m:t> </m:t>
-                    </m:r>
-                    <m:r>
-                      <a:rPr lang="en-US" i="1" dirty="0" smtClean="0">
-                        <a:latin typeface="Cambria Math" panose="02040503050406030204" pitchFamily="18" charset="0"/>
-                      </a:rPr>
-                      <m:t>𝑡h𝑒</m:t>
-                    </m:r>
-                    <m:r>
-                      <a:rPr lang="en-US" i="1" dirty="0" smtClean="0">
-                        <a:latin typeface="Cambria Math" panose="02040503050406030204" pitchFamily="18" charset="0"/>
-                      </a:rPr>
-                      <m:t> </m:t>
-                    </m:r>
-                    <m:r>
-                      <a:rPr lang="en-US" i="1" dirty="0" smtClean="0">
-                        <a:latin typeface="Cambria Math" panose="02040503050406030204" pitchFamily="18" charset="0"/>
-                      </a:rPr>
-                      <m:t>𝑛𝑜𝑚𝑖𝑛𝑎𝑙</m:t>
-                    </m:r>
-                    <m:r>
-                      <a:rPr lang="en-US" i="1" dirty="0" smtClean="0">
-                        <a:latin typeface="Cambria Math" panose="02040503050406030204" pitchFamily="18" charset="0"/>
-                      </a:rPr>
-                      <m:t> </m:t>
-                    </m:r>
-                    <m:r>
-                      <a:rPr lang="en-US" i="1" dirty="0" smtClean="0">
-                        <a:latin typeface="Cambria Math" panose="02040503050406030204" pitchFamily="18" charset="0"/>
-                      </a:rPr>
-                      <m:t>𝑐𝑎𝑝𝑎𝑐𝑖𝑡𝑦</m:t>
-                    </m:r>
-                    <m:r>
-                      <a:rPr lang="en-US" i="1" dirty="0" smtClean="0">
-                        <a:latin typeface="Cambria Math" panose="02040503050406030204" pitchFamily="18" charset="0"/>
-                      </a:rPr>
-                      <m:t>, </m:t>
-                    </m:r>
-                  </m:oMath>
-                </a14:m>
-                <a:endParaRPr lang="en-US" dirty="0"/>
-              </a:p>
-              <a:p>
-                <a:pPr>
-                  <a:buFont typeface="Arial" panose="020B0604020202020204" pitchFamily="34" charset="0"/>
-                  <a:buChar char="•"/>
-                </a:pPr>
-                <a:r>
-                  <a:rPr lang="en-US" b="1" dirty="0"/>
-                  <a:t>Pros:</a:t>
-                </a:r>
-                <a:endParaRPr lang="en-US" dirty="0"/>
-              </a:p>
-              <a:p>
-                <a:pPr marL="742950" lvl="1" indent="-285750">
-                  <a:buFont typeface="Arial" panose="020B0604020202020204" pitchFamily="34" charset="0"/>
-                  <a:buChar char="•"/>
-                </a:pPr>
-                <a:r>
-                  <a:rPr lang="en-US" dirty="0"/>
-                  <a:t>Easy to implement.</a:t>
-                </a:r>
-              </a:p>
-              <a:p>
-                <a:pPr marL="742950" lvl="1" indent="-285750">
-                  <a:buFont typeface="Arial" panose="020B0604020202020204" pitchFamily="34" charset="0"/>
-                  <a:buChar char="•"/>
-                </a:pPr>
-                <a:r>
-                  <a:rPr lang="en-US" dirty="0"/>
-                  <a:t>Good for short periods.</a:t>
-                </a:r>
-              </a:p>
-              <a:p>
-                <a:pPr>
-                  <a:buFont typeface="Arial" panose="020B0604020202020204" pitchFamily="34" charset="0"/>
-                  <a:buChar char="•"/>
-                </a:pPr>
-                <a:r>
-                  <a:rPr lang="en-US" b="1" dirty="0"/>
-                  <a:t>Cons:</a:t>
-                </a:r>
-                <a:endParaRPr lang="en-US" dirty="0"/>
-              </a:p>
-              <a:p>
-                <a:pPr marL="742950" lvl="1" indent="-285750">
-                  <a:buFont typeface="Arial" panose="020B0604020202020204" pitchFamily="34" charset="0"/>
-                  <a:buChar char="•"/>
-                </a:pPr>
-                <a:r>
-                  <a:rPr lang="en-US" dirty="0"/>
-                  <a:t>Accumulates error over time (drift).</a:t>
-                </a:r>
-              </a:p>
-              <a:p>
-                <a:pPr marL="742950" lvl="1" indent="-285750">
-                  <a:buFont typeface="Arial" panose="020B0604020202020204" pitchFamily="34" charset="0"/>
-                  <a:buChar char="•"/>
-                </a:pPr>
-                <a:r>
-                  <a:rPr lang="en-US" dirty="0"/>
-                  <a:t>Needs very accurate current measurement.</a:t>
-                </a:r>
-              </a:p>
-              <a:p>
-                <a:pPr marL="742950" lvl="1" indent="-285750">
-                  <a:buFont typeface="Arial" panose="020B0604020202020204" pitchFamily="34" charset="0"/>
-                  <a:buChar char="•"/>
-                </a:pPr>
-                <a:r>
-                  <a:rPr lang="en-US" dirty="0"/>
-                  <a:t>Sensitive to temperature and aging of the battery.</a:t>
-                </a:r>
-              </a:p>
-              <a:p>
-                <a:endParaRPr lang="en-US" dirty="0"/>
-              </a:p>
-            </p:txBody>
-          </p:sp>
-        </mc:Choice>
-        <mc:Fallback>
-          <p:sp>
-            <p:nvSpPr>
-              <p:cNvPr id="3" name="Content Placeholder 2">
-                <a:extLst>
-                  <a:ext uri="{FF2B5EF4-FFF2-40B4-BE49-F238E27FC236}">
-                    <a16:creationId xmlns:a16="http://schemas.microsoft.com/office/drawing/2014/main" id="{0CFC24BE-D6FC-472E-66E4-9A67F60F1DEF}"/>
-                  </a:ext>
-                </a:extLst>
-              </p:cNvPr>
-              <p:cNvSpPr>
-                <a:spLocks noGrp="1" noRot="1" noChangeAspect="1" noMove="1" noResize="1" noEditPoints="1" noAdjustHandles="1" noChangeArrowheads="1" noChangeShapeType="1" noTextEdit="1"/>
-              </p:cNvSpPr>
-              <p:nvPr>
-                <p:ph idx="1"/>
-              </p:nvPr>
-            </p:nvSpPr>
-            <p:spPr>
-              <a:blipFill>
-                <a:blip r:embed="rId2"/>
-                <a:stretch>
-                  <a:fillRect l="-522" t="-2521"/>
-                </a:stretch>
-              </a:blipFill>
-            </p:spPr>
-            <p:txBody>
-              <a:bodyPr/>
-              <a:lstStyle/>
-              <a:p>
-                <a:r>
-                  <a:rPr lang="en-US">
-                    <a:noFill/>
-                  </a:rPr>
-                  <a:t> </a:t>
-                </a:r>
-              </a:p>
-            </p:txBody>
-          </p:sp>
-        </mc:Fallback>
-      </mc:AlternateContent>
-    </p:spTree>
-    <p:extLst>
-      <p:ext uri="{BB962C8B-B14F-4D97-AF65-F5344CB8AC3E}">
-        <p14:creationId xmlns:p14="http://schemas.microsoft.com/office/powerpoint/2010/main" val="1009430944"/>
       </p:ext>
     </p:extLst>
   </p:cSld>

--- a/SoC Estimation.pptx
+++ b/SoC Estimation.pptx
@@ -13,7 +13,7 @@
     <p:sldId id="257" r:id="rId7"/>
     <p:sldId id="261" r:id="rId8"/>
     <p:sldId id="263" r:id="rId9"/>
-    <p:sldId id="262" r:id="rId10"/>
+    <p:sldId id="308" r:id="rId10"/>
     <p:sldId id="260" r:id="rId11"/>
     <p:sldId id="259" r:id="rId12"/>
     <p:sldId id="264" r:id="rId13"/>
@@ -4088,11 +4088,52 @@
         </p:blipFill>
         <p:spPr>
           <a:xfrm>
-            <a:off x="1162516" y="1825625"/>
+            <a:off x="1162516" y="1413114"/>
             <a:ext cx="9866967" cy="4351338"/>
           </a:xfrm>
         </p:spPr>
       </p:pic>
+      <p:sp>
+        <p:nvSpPr>
+          <p:cNvPr id="4" name="TextBox 3">
+            <a:extLst>
+              <a:ext uri="{FF2B5EF4-FFF2-40B4-BE49-F238E27FC236}">
+                <a16:creationId xmlns:a16="http://schemas.microsoft.com/office/drawing/2014/main" id="{62BA1E42-CC5E-1843-18AB-56C86694ACCB}"/>
+              </a:ext>
+            </a:extLst>
+          </p:cNvPr>
+          <p:cNvSpPr txBox="1"/>
+          <p:nvPr/>
+        </p:nvSpPr>
+        <p:spPr>
+          <a:xfrm>
+            <a:off x="1507384" y="6098261"/>
+            <a:ext cx="10214811" cy="646331"/>
+          </a:xfrm>
+          <a:prstGeom prst="rect">
+            <a:avLst/>
+          </a:prstGeom>
+          <a:noFill/>
+        </p:spPr>
+        <p:txBody>
+          <a:bodyPr wrap="square">
+            <a:spAutoFit/>
+          </a:bodyPr>
+          <a:lstStyle/>
+          <a:p>
+            <a:r>
+              <a:rPr lang="en-US" dirty="0">
+                <a:hlinkClick r:id="rId3"/>
+              </a:rPr>
+              <a:t>https://github.com/DrHammerhead/SoC-estimation/blob/main/SOC_Ah_OCV_30april25.ipynb</a:t>
+            </a:r>
+            <a:endParaRPr lang="en-US" dirty="0"/>
+          </a:p>
+          <a:p>
+            <a:endParaRPr lang="en-US" dirty="0"/>
+          </a:p>
+        </p:txBody>
+      </p:sp>
     </p:spTree>
     <p:extLst>
       <p:ext uri="{BB962C8B-B14F-4D97-AF65-F5344CB8AC3E}">
@@ -5217,17 +5258,7 @@
                               <a:effectLst/>
                               <a:latin typeface="Cambria Math" panose="02040503050406030204" pitchFamily="18" charset="0"/>
                             </a:rPr>
-                            <m:t>−</m:t>
-                          </m:r>
-                          <m:r>
-                            <a:rPr lang="en-US" b="0" i="1" dirty="0" smtClean="0">
-                              <a:solidFill>
-                                <a:srgbClr val="2C2C36"/>
-                              </a:solidFill>
-                              <a:effectLst/>
-                              <a:latin typeface="Cambria Math" panose="02040503050406030204" pitchFamily="18" charset="0"/>
-                            </a:rPr>
-                            <m:t>1</m:t>
+                            <m:t>−1</m:t>
                           </m:r>
                         </m:sub>
                       </m:sSub>
@@ -11235,7 +11266,10 @@
           <a:bodyPr/>
           <a:lstStyle/>
           <a:p>
-            <a:endParaRPr lang="en-US"/>
+            <a:r>
+              <a:rPr lang="en-US" dirty="0"/>
+              <a:t>SoC_Kalman_30april25.ipynb</a:t>
+            </a:r>
           </a:p>
         </p:txBody>
       </p:sp>
@@ -11268,6 +11302,47 @@
           </a:xfrm>
         </p:spPr>
       </p:pic>
+      <p:sp>
+        <p:nvSpPr>
+          <p:cNvPr id="4" name="TextBox 3">
+            <a:extLst>
+              <a:ext uri="{FF2B5EF4-FFF2-40B4-BE49-F238E27FC236}">
+                <a16:creationId xmlns:a16="http://schemas.microsoft.com/office/drawing/2014/main" id="{840CD5EE-2E66-53FA-0608-5D1AEE0FCB1D}"/>
+              </a:ext>
+            </a:extLst>
+          </p:cNvPr>
+          <p:cNvSpPr txBox="1"/>
+          <p:nvPr/>
+        </p:nvSpPr>
+        <p:spPr>
+          <a:xfrm>
+            <a:off x="1828799" y="6311900"/>
+            <a:ext cx="9314161" cy="646331"/>
+          </a:xfrm>
+          <a:prstGeom prst="rect">
+            <a:avLst/>
+          </a:prstGeom>
+          <a:noFill/>
+        </p:spPr>
+        <p:txBody>
+          <a:bodyPr wrap="square">
+            <a:spAutoFit/>
+          </a:bodyPr>
+          <a:lstStyle/>
+          <a:p>
+            <a:r>
+              <a:rPr lang="en-US" dirty="0">
+                <a:hlinkClick r:id="rId3"/>
+              </a:rPr>
+              <a:t>https://github.com/DrHammerhead/SoC-estimation/blob/main/SoC_Kalman_30april25.ipynb</a:t>
+            </a:r>
+            <a:endParaRPr lang="en-US" dirty="0"/>
+          </a:p>
+          <a:p>
+            <a:endParaRPr lang="en-US" dirty="0"/>
+          </a:p>
+        </p:txBody>
+      </p:sp>
     </p:spTree>
     <p:extLst>
       <p:ext uri="{BB962C8B-B14F-4D97-AF65-F5344CB8AC3E}">
@@ -12798,6 +12873,59 @@
           </a:xfrm>
         </p:spPr>
       </p:pic>
+      <p:sp>
+        <p:nvSpPr>
+          <p:cNvPr id="11" name="TextBox 10">
+            <a:extLst>
+              <a:ext uri="{FF2B5EF4-FFF2-40B4-BE49-F238E27FC236}">
+                <a16:creationId xmlns:a16="http://schemas.microsoft.com/office/drawing/2014/main" id="{EFF817BF-2D9F-12D3-9FC9-E703EA29E449}"/>
+              </a:ext>
+            </a:extLst>
+          </p:cNvPr>
+          <p:cNvSpPr txBox="1"/>
+          <p:nvPr/>
+        </p:nvSpPr>
+        <p:spPr>
+          <a:xfrm>
+            <a:off x="660017" y="6311900"/>
+            <a:ext cx="11646569" cy="646331"/>
+          </a:xfrm>
+          <a:prstGeom prst="rect">
+            <a:avLst/>
+          </a:prstGeom>
+          <a:noFill/>
+        </p:spPr>
+        <p:txBody>
+          <a:bodyPr wrap="square">
+            <a:spAutoFit/>
+          </a:bodyPr>
+          <a:lstStyle/>
+          <a:p>
+            <a:r>
+              <a:rPr lang="en-US" dirty="0">
+                <a:hlinkClick r:id="rId3"/>
+              </a:rPr>
+              <a:t>https://github.com/DrHammerhead/SoC</a:t>
+            </a:r>
+            <a:r>
+              <a:rPr lang="en-US" dirty="0">
+                <a:hlinkClick r:id="rId3"/>
+              </a:rPr>
+              <a:t>-</a:t>
+            </a:r>
+            <a:r>
+              <a:rPr lang="en-US" dirty="0">
+                <a:hlinkClick r:id="rId3"/>
+              </a:rPr>
+              <a:t>estimation/blob/main/SoC_AH_TempandOCV_30april25.ipynb</a:t>
+            </a:r>
+            <a:endParaRPr lang="th-TH" dirty="0"/>
+          </a:p>
+          <a:p>
+            <a:endParaRPr lang="en-US" dirty="0"/>
+          </a:p>
+        </p:txBody>
+      </p:sp>
     </p:spTree>
     <p:extLst>
       <p:ext uri="{BB962C8B-B14F-4D97-AF65-F5344CB8AC3E}">
@@ -13269,87 +13397,7 @@
                           <a:effectLst/>
                           <a:latin typeface="Cambria Math" panose="02040503050406030204" pitchFamily="18" charset="0"/>
                         </a:rPr>
-                        <m:t>=</m:t>
-                      </m:r>
-                      <m:r>
-                        <a:rPr lang="en-US" b="0" i="1" dirty="0" smtClean="0">
-                          <a:solidFill>
-                            <a:srgbClr val="2C2C36"/>
-                          </a:solidFill>
-                          <a:effectLst/>
-                          <a:latin typeface="Cambria Math" panose="02040503050406030204" pitchFamily="18" charset="0"/>
-                        </a:rPr>
-                        <m:t>1</m:t>
-                      </m:r>
-                      <m:r>
-                        <a:rPr lang="en-US" b="0" i="1" dirty="0" smtClean="0">
-                          <a:solidFill>
-                            <a:srgbClr val="2C2C36"/>
-                          </a:solidFill>
-                          <a:effectLst/>
-                          <a:latin typeface="Cambria Math" panose="02040503050406030204" pitchFamily="18" charset="0"/>
-                        </a:rPr>
-                        <m:t>−</m:t>
-                      </m:r>
-                      <m:r>
-                        <a:rPr lang="en-US" b="0" i="1" dirty="0" smtClean="0">
-                          <a:solidFill>
-                            <a:srgbClr val="2C2C36"/>
-                          </a:solidFill>
-                          <a:effectLst/>
-                          <a:latin typeface="Cambria Math" panose="02040503050406030204" pitchFamily="18" charset="0"/>
-                        </a:rPr>
-                        <m:t>0</m:t>
-                      </m:r>
-                      <m:r>
-                        <a:rPr lang="en-US" b="0" i="1" dirty="0" smtClean="0">
-                          <a:solidFill>
-                            <a:srgbClr val="2C2C36"/>
-                          </a:solidFill>
-                          <a:effectLst/>
-                          <a:latin typeface="Cambria Math" panose="02040503050406030204" pitchFamily="18" charset="0"/>
-                        </a:rPr>
-                        <m:t>.</m:t>
-                      </m:r>
-                      <m:r>
-                        <a:rPr lang="en-US" b="0" i="1" dirty="0" smtClean="0">
-                          <a:solidFill>
-                            <a:srgbClr val="2C2C36"/>
-                          </a:solidFill>
-                          <a:effectLst/>
-                          <a:latin typeface="Cambria Math" panose="02040503050406030204" pitchFamily="18" charset="0"/>
-                        </a:rPr>
-                        <m:t>005</m:t>
-                      </m:r>
-                      <m:r>
-                        <a:rPr lang="en-US" b="0" i="1" dirty="0" smtClean="0">
-                          <a:solidFill>
-                            <a:srgbClr val="2C2C36"/>
-                          </a:solidFill>
-                          <a:effectLst/>
-                          <a:latin typeface="Cambria Math" panose="02040503050406030204" pitchFamily="18" charset="0"/>
-                        </a:rPr>
-                        <m:t>⋅(</m:t>
-                      </m:r>
-                      <m:r>
-                        <a:rPr lang="en-US" b="0" i="1" dirty="0" smtClean="0">
-                          <a:solidFill>
-                            <a:srgbClr val="2C2C36"/>
-                          </a:solidFill>
-                          <a:effectLst/>
-                          <a:latin typeface="Cambria Math" panose="02040503050406030204" pitchFamily="18" charset="0"/>
-                        </a:rPr>
-                        <m:t>25</m:t>
-                      </m:r>
-                      <m:r>
-                        <a:rPr lang="en-US" b="0" i="1" dirty="0" smtClean="0">
-                          <a:solidFill>
-                            <a:srgbClr val="2C2C36"/>
-                          </a:solidFill>
-                          <a:effectLst/>
-                          <a:latin typeface="Cambria Math" panose="02040503050406030204" pitchFamily="18" charset="0"/>
-                        </a:rPr>
-                        <m:t>−</m:t>
+                        <m:t>=1−0.005⋅(25−</m:t>
                       </m:r>
                       <m:r>
                         <a:rPr lang="en-US" b="0" i="1" dirty="0" smtClean="0">
@@ -20103,7 +20151,13 @@
   <p:cSld>
     <p:spTree>
       <p:nvGrpSpPr>
-        <p:cNvPr id="1" name=""/>
+        <p:cNvPr id="1" name="">
+          <a:extLst>
+            <a:ext uri="{FF2B5EF4-FFF2-40B4-BE49-F238E27FC236}">
+              <a16:creationId xmlns:a16="http://schemas.microsoft.com/office/drawing/2014/main" id="{ACD8EDE0-CFEB-1797-6430-643E4A0DC04A}"/>
+            </a:ext>
+          </a:extLst>
+        </p:cNvPr>
         <p:cNvGrpSpPr/>
         <p:nvPr/>
       </p:nvGrpSpPr>
@@ -20120,7 +20174,7 @@
           <p:cNvPr id="2" name="Title 1">
             <a:extLst>
               <a:ext uri="{FF2B5EF4-FFF2-40B4-BE49-F238E27FC236}">
-                <a16:creationId xmlns:a16="http://schemas.microsoft.com/office/drawing/2014/main" id="{0B61EC7D-B7F9-F8FD-9ACE-9DC386F15EE5}"/>
+                <a16:creationId xmlns:a16="http://schemas.microsoft.com/office/drawing/2014/main" id="{AF6B086C-56B3-D46C-D779-0FACFC16943E}"/>
               </a:ext>
             </a:extLst>
           </p:cNvPr>
@@ -20136,69 +20190,87 @@
           <a:bodyPr/>
           <a:lstStyle/>
           <a:p>
-            <a:endParaRPr lang="en-US" dirty="0"/>
+            <a:r>
+              <a:rPr lang="en-US" dirty="0"/>
+              <a:t>OCV Method </a:t>
+            </a:r>
           </a:p>
         </p:txBody>
       </p:sp>
       <p:sp>
         <p:nvSpPr>
-          <p:cNvPr id="7" name="Content Placeholder 6">
+          <p:cNvPr id="4" name="TextBox 3">
             <a:extLst>
               <a:ext uri="{FF2B5EF4-FFF2-40B4-BE49-F238E27FC236}">
-                <a16:creationId xmlns:a16="http://schemas.microsoft.com/office/drawing/2014/main" id="{334BE414-F65F-5B83-47A0-3EEC7A5C8399}"/>
+                <a16:creationId xmlns:a16="http://schemas.microsoft.com/office/drawing/2014/main" id="{345BCE70-C89E-F9A0-E6B0-A43089648398}"/>
               </a:ext>
             </a:extLst>
           </p:cNvPr>
-          <p:cNvSpPr>
-            <a:spLocks noGrp="1"/>
-          </p:cNvSpPr>
-          <p:nvPr>
-            <p:ph idx="1"/>
-          </p:nvPr>
+          <p:cNvSpPr txBox="1"/>
+          <p:nvPr/>
         </p:nvSpPr>
-        <p:spPr/>
+        <p:spPr>
+          <a:xfrm>
+            <a:off x="1507384" y="6098261"/>
+            <a:ext cx="10214811" cy="646331"/>
+          </a:xfrm>
+          <a:prstGeom prst="rect">
+            <a:avLst/>
+          </a:prstGeom>
+          <a:noFill/>
+        </p:spPr>
         <p:txBody>
-          <a:bodyPr/>
+          <a:bodyPr wrap="square">
+            <a:spAutoFit/>
+          </a:bodyPr>
           <a:lstStyle/>
           <a:p>
-            <a:endParaRPr lang="en-US"/>
+            <a:r>
+              <a:rPr lang="en-US" dirty="0">
+                <a:hlinkClick r:id="rId2"/>
+              </a:rPr>
+              <a:t>https://github.com/DrHammerhead/SoC-estimation/blob/main/SOC_Ah_OCV_30april25.ipynb</a:t>
+            </a:r>
+            <a:endParaRPr lang="en-US" dirty="0"/>
+          </a:p>
+          <a:p>
+            <a:endParaRPr lang="en-US" dirty="0"/>
           </a:p>
         </p:txBody>
       </p:sp>
       <p:pic>
         <p:nvPicPr>
-          <p:cNvPr id="9" name="Picture 8">
+          <p:cNvPr id="10" name="Content Placeholder 9">
             <a:extLst>
               <a:ext uri="{FF2B5EF4-FFF2-40B4-BE49-F238E27FC236}">
-                <a16:creationId xmlns:a16="http://schemas.microsoft.com/office/drawing/2014/main" id="{63303B15-5F4D-F731-8022-F423772040C4}"/>
+                <a16:creationId xmlns:a16="http://schemas.microsoft.com/office/drawing/2014/main" id="{DFE8B6FB-627B-A39E-27C1-998F511C700A}"/>
               </a:ext>
             </a:extLst>
           </p:cNvPr>
           <p:cNvPicPr>
-            <a:picLocks noChangeAspect="1"/>
+            <a:picLocks noGrp="1" noChangeAspect="1"/>
           </p:cNvPicPr>
-          <p:nvPr/>
+          <p:nvPr>
+            <p:ph idx="1"/>
+          </p:nvPr>
         </p:nvPicPr>
         <p:blipFill>
-          <a:blip r:embed="rId2"/>
+          <a:blip r:embed="rId3"/>
           <a:stretch>
             <a:fillRect/>
           </a:stretch>
         </p:blipFill>
         <p:spPr>
           <a:xfrm>
-            <a:off x="1086140" y="0"/>
-            <a:ext cx="10019720" cy="6858000"/>
+            <a:off x="1773799" y="1348562"/>
+            <a:ext cx="8218565" cy="4800900"/>
           </a:xfrm>
-          <a:prstGeom prst="rect">
-            <a:avLst/>
-          </a:prstGeom>
         </p:spPr>
       </p:pic>
     </p:spTree>
     <p:extLst>
       <p:ext uri="{BB962C8B-B14F-4D97-AF65-F5344CB8AC3E}">
-        <p14:creationId xmlns:p14="http://schemas.microsoft.com/office/powerpoint/2010/main" val="2827432413"/>
+        <p14:creationId xmlns:p14="http://schemas.microsoft.com/office/powerpoint/2010/main" val="2189365361"/>
       </p:ext>
     </p:extLst>
   </p:cSld>

--- a/SoC Estimation.pptx
+++ b/SoC Estimation.pptx
@@ -5258,7 +5258,17 @@
                               <a:effectLst/>
                               <a:latin typeface="Cambria Math" panose="02040503050406030204" pitchFamily="18" charset="0"/>
                             </a:rPr>
-                            <m:t>−1</m:t>
+                            <m:t>−</m:t>
+                          </m:r>
+                          <m:r>
+                            <a:rPr lang="en-US" b="0" i="1" dirty="0" smtClean="0">
+                              <a:solidFill>
+                                <a:srgbClr val="2C2C36"/>
+                              </a:solidFill>
+                              <a:effectLst/>
+                              <a:latin typeface="Cambria Math" panose="02040503050406030204" pitchFamily="18" charset="0"/>
+                            </a:rPr>
+                            <m:t>1</m:t>
                           </m:r>
                         </m:sub>
                       </m:sSub>
@@ -7694,17 +7704,7 @@
                               <a:effectLst/>
                               <a:latin typeface="Cambria Math" panose="02040503050406030204" pitchFamily="18" charset="0"/>
                             </a:rPr>
-                            <m:t>−</m:t>
-                          </m:r>
-                          <m:r>
-                            <a:rPr lang="en-US" b="0" i="1" dirty="0" smtClean="0">
-                              <a:solidFill>
-                                <a:srgbClr val="2C2C36"/>
-                              </a:solidFill>
-                              <a:effectLst/>
-                              <a:latin typeface="Cambria Math" panose="02040503050406030204" pitchFamily="18" charset="0"/>
-                            </a:rPr>
-                            <m:t>1</m:t>
+                            <m:t>−1</m:t>
                           </m:r>
                         </m:sub>
                       </m:sSub>
@@ -7817,17 +7817,7 @@
                               <a:effectLst/>
                               <a:latin typeface="Cambria Math" panose="02040503050406030204" pitchFamily="18" charset="0"/>
                             </a:rPr>
-                            <m:t>−</m:t>
-                          </m:r>
-                          <m:r>
-                            <a:rPr lang="en-US" b="0" i="1" dirty="0" smtClean="0">
-                              <a:solidFill>
-                                <a:srgbClr val="2C2C36"/>
-                              </a:solidFill>
-                              <a:effectLst/>
-                              <a:latin typeface="Cambria Math" panose="02040503050406030204" pitchFamily="18" charset="0"/>
-                            </a:rPr>
-                            <m:t>1</m:t>
+                            <m:t>−1</m:t>
                           </m:r>
                         </m:sub>
                       </m:sSub>
@@ -8185,17 +8175,7 @@
                                   <a:effectLst/>
                                   <a:latin typeface="Cambria Math" panose="02040503050406030204" pitchFamily="18" charset="0"/>
                                 </a:rPr>
-                                <m:t>−</m:t>
-                              </m:r>
-                              <m:r>
-                                <a:rPr lang="en-US" b="0" i="1" dirty="0" smtClean="0">
-                                  <a:solidFill>
-                                    <a:srgbClr val="2C2C36"/>
-                                  </a:solidFill>
-                                  <a:effectLst/>
-                                  <a:latin typeface="Cambria Math" panose="02040503050406030204" pitchFamily="18" charset="0"/>
-                                </a:rPr>
-                                <m:t>1</m:t>
+                                <m:t>−1</m:t>
                               </m:r>
                             </m:sub>
                           </m:sSub>
@@ -9822,7 +9802,7 @@
               <a:blipFill>
                 <a:blip r:embed="rId2"/>
                 <a:stretch>
-                  <a:fillRect l="-1217" t="-3221" r="-58"/>
+                  <a:fillRect l="-1217" t="-3221"/>
                 </a:stretch>
               </a:blipFill>
             </p:spPr>
@@ -13397,7 +13377,87 @@
                           <a:effectLst/>
                           <a:latin typeface="Cambria Math" panose="02040503050406030204" pitchFamily="18" charset="0"/>
                         </a:rPr>
-                        <m:t>=1−0.005⋅(25−</m:t>
+                        <m:t>=</m:t>
+                      </m:r>
+                      <m:r>
+                        <a:rPr lang="en-US" b="0" i="1" dirty="0" smtClean="0">
+                          <a:solidFill>
+                            <a:srgbClr val="2C2C36"/>
+                          </a:solidFill>
+                          <a:effectLst/>
+                          <a:latin typeface="Cambria Math" panose="02040503050406030204" pitchFamily="18" charset="0"/>
+                        </a:rPr>
+                        <m:t>1</m:t>
+                      </m:r>
+                      <m:r>
+                        <a:rPr lang="en-US" b="0" i="1" dirty="0" smtClean="0">
+                          <a:solidFill>
+                            <a:srgbClr val="2C2C36"/>
+                          </a:solidFill>
+                          <a:effectLst/>
+                          <a:latin typeface="Cambria Math" panose="02040503050406030204" pitchFamily="18" charset="0"/>
+                        </a:rPr>
+                        <m:t>−</m:t>
+                      </m:r>
+                      <m:r>
+                        <a:rPr lang="en-US" b="0" i="1" dirty="0" smtClean="0">
+                          <a:solidFill>
+                            <a:srgbClr val="2C2C36"/>
+                          </a:solidFill>
+                          <a:effectLst/>
+                          <a:latin typeface="Cambria Math" panose="02040503050406030204" pitchFamily="18" charset="0"/>
+                        </a:rPr>
+                        <m:t>0</m:t>
+                      </m:r>
+                      <m:r>
+                        <a:rPr lang="en-US" b="0" i="1" dirty="0" smtClean="0">
+                          <a:solidFill>
+                            <a:srgbClr val="2C2C36"/>
+                          </a:solidFill>
+                          <a:effectLst/>
+                          <a:latin typeface="Cambria Math" panose="02040503050406030204" pitchFamily="18" charset="0"/>
+                        </a:rPr>
+                        <m:t>.</m:t>
+                      </m:r>
+                      <m:r>
+                        <a:rPr lang="en-US" b="0" i="1" dirty="0" smtClean="0">
+                          <a:solidFill>
+                            <a:srgbClr val="2C2C36"/>
+                          </a:solidFill>
+                          <a:effectLst/>
+                          <a:latin typeface="Cambria Math" panose="02040503050406030204" pitchFamily="18" charset="0"/>
+                        </a:rPr>
+                        <m:t>005</m:t>
+                      </m:r>
+                      <m:r>
+                        <a:rPr lang="en-US" b="0" i="1" dirty="0" smtClean="0">
+                          <a:solidFill>
+                            <a:srgbClr val="2C2C36"/>
+                          </a:solidFill>
+                          <a:effectLst/>
+                          <a:latin typeface="Cambria Math" panose="02040503050406030204" pitchFamily="18" charset="0"/>
+                        </a:rPr>
+                        <m:t>⋅(</m:t>
+                      </m:r>
+                      <m:r>
+                        <a:rPr lang="en-US" b="0" i="1" dirty="0" smtClean="0">
+                          <a:solidFill>
+                            <a:srgbClr val="2C2C36"/>
+                          </a:solidFill>
+                          <a:effectLst/>
+                          <a:latin typeface="Cambria Math" panose="02040503050406030204" pitchFamily="18" charset="0"/>
+                        </a:rPr>
+                        <m:t>25</m:t>
+                      </m:r>
+                      <m:r>
+                        <a:rPr lang="en-US" b="0" i="1" dirty="0" smtClean="0">
+                          <a:solidFill>
+                            <a:srgbClr val="2C2C36"/>
+                          </a:solidFill>
+                          <a:effectLst/>
+                          <a:latin typeface="Cambria Math" panose="02040503050406030204" pitchFamily="18" charset="0"/>
+                        </a:rPr>
+                        <m:t>−</m:t>
                       </m:r>
                       <m:r>
                         <a:rPr lang="en-US" b="0" i="1" dirty="0" smtClean="0">
@@ -15014,19 +15074,7 @@
                         <a:rPr lang="en-US" i="1" dirty="0" smtClean="0">
                           <a:latin typeface="Cambria Math" panose="02040503050406030204" pitchFamily="18" charset="0"/>
                         </a:rPr>
-                        <m:t>𝑐</m:t>
-                      </m:r>
-                      <m:r>
-                        <a:rPr lang="en-US" i="1" dirty="0" smtClean="0">
-                          <a:latin typeface="Cambria Math" panose="02040503050406030204" pitchFamily="18" charset="0"/>
-                        </a:rPr>
-                        <m:t>h</m:t>
-                      </m:r>
-                      <m:r>
-                        <a:rPr lang="en-US" i="1" dirty="0" smtClean="0">
-                          <a:latin typeface="Cambria Math" panose="02040503050406030204" pitchFamily="18" charset="0"/>
-                        </a:rPr>
-                        <m:t>𝑎𝑟𝑔𝑒</m:t>
+                        <m:t>𝑐h𝑎𝑟𝑔𝑒</m:t>
                       </m:r>
                       <m:r>
                         <a:rPr lang="en-US" i="1" dirty="0" smtClean="0">
@@ -15038,19 +15086,7 @@
                         <a:rPr lang="en-US" i="1" dirty="0" smtClean="0">
                           <a:latin typeface="Cambria Math" panose="02040503050406030204" pitchFamily="18" charset="0"/>
                         </a:rPr>
-                        <m:t>𝑐</m:t>
-                      </m:r>
-                      <m:r>
-                        <a:rPr lang="en-US" i="1" dirty="0" smtClean="0">
-                          <a:latin typeface="Cambria Math" panose="02040503050406030204" pitchFamily="18" charset="0"/>
-                        </a:rPr>
-                        <m:t>h</m:t>
-                      </m:r>
-                      <m:r>
-                        <a:rPr lang="en-US" i="1" dirty="0" smtClean="0">
-                          <a:latin typeface="Cambria Math" panose="02040503050406030204" pitchFamily="18" charset="0"/>
-                        </a:rPr>
-                        <m:t>𝑎𝑛𝑔𝑒</m:t>
+                        <m:t>𝑐h𝑎𝑛𝑔𝑒</m:t>
                       </m:r>
                       <m:r>
                         <a:rPr lang="en-US" i="1" dirty="0" smtClean="0">
